--- a/draft-gandhi-mpls-ioam-sr-06.pptx
+++ b/draft-gandhi-mpls-ioam-sr-06.pptx
@@ -5,37 +5,38 @@
     <p:sldMasterId id="2147483648" r:id="rId1"/>
   </p:sldMasterIdLst>
   <p:notesMasterIdLst>
-    <p:notesMasterId r:id="rId27"/>
+    <p:notesMasterId r:id="rId28"/>
   </p:notesMasterIdLst>
   <p:handoutMasterIdLst>
-    <p:handoutMasterId r:id="rId28"/>
+    <p:handoutMasterId r:id="rId29"/>
   </p:handoutMasterIdLst>
   <p:sldIdLst>
     <p:sldId id="256" r:id="rId2"/>
     <p:sldId id="299" r:id="rId3"/>
     <p:sldId id="315" r:id="rId4"/>
-    <p:sldId id="1684" r:id="rId5"/>
-    <p:sldId id="1671" r:id="rId6"/>
-    <p:sldId id="1658" r:id="rId7"/>
-    <p:sldId id="1659" r:id="rId8"/>
-    <p:sldId id="1682" r:id="rId9"/>
-    <p:sldId id="1672" r:id="rId10"/>
-    <p:sldId id="1662" r:id="rId11"/>
-    <p:sldId id="1681" r:id="rId12"/>
-    <p:sldId id="1664" r:id="rId13"/>
-    <p:sldId id="1683" r:id="rId14"/>
-    <p:sldId id="1673" r:id="rId15"/>
-    <p:sldId id="320" r:id="rId16"/>
-    <p:sldId id="1680" r:id="rId17"/>
-    <p:sldId id="1663" r:id="rId18"/>
-    <p:sldId id="1670" r:id="rId19"/>
-    <p:sldId id="1688" r:id="rId20"/>
-    <p:sldId id="1687" r:id="rId21"/>
-    <p:sldId id="1686" r:id="rId22"/>
-    <p:sldId id="1669" r:id="rId23"/>
-    <p:sldId id="1697" r:id="rId24"/>
-    <p:sldId id="1667" r:id="rId25"/>
-    <p:sldId id="1698" r:id="rId26"/>
+    <p:sldId id="1676" r:id="rId5"/>
+    <p:sldId id="1684" r:id="rId6"/>
+    <p:sldId id="1671" r:id="rId7"/>
+    <p:sldId id="1658" r:id="rId8"/>
+    <p:sldId id="1659" r:id="rId9"/>
+    <p:sldId id="1682" r:id="rId10"/>
+    <p:sldId id="1672" r:id="rId11"/>
+    <p:sldId id="1662" r:id="rId12"/>
+    <p:sldId id="1681" r:id="rId13"/>
+    <p:sldId id="1664" r:id="rId14"/>
+    <p:sldId id="1683" r:id="rId15"/>
+    <p:sldId id="1673" r:id="rId16"/>
+    <p:sldId id="320" r:id="rId17"/>
+    <p:sldId id="1680" r:id="rId18"/>
+    <p:sldId id="1663" r:id="rId19"/>
+    <p:sldId id="1670" r:id="rId20"/>
+    <p:sldId id="1688" r:id="rId21"/>
+    <p:sldId id="1687" r:id="rId22"/>
+    <p:sldId id="1686" r:id="rId23"/>
+    <p:sldId id="1669" r:id="rId24"/>
+    <p:sldId id="1697" r:id="rId25"/>
+    <p:sldId id="1667" r:id="rId26"/>
+    <p:sldId id="1698" r:id="rId27"/>
   </p:sldIdLst>
   <p:sldSz cx="9144000" cy="5143500" type="screen16x9"/>
   <p:notesSz cx="6858000" cy="9144000"/>
@@ -929,7 +930,7 @@
           <a:bodyPr/>
           <a:lstStyle/>
           <a:p>
-            <a:endParaRPr lang="en-US" dirty="0"/>
+            <a:endParaRPr lang="en-CA" dirty="0"/>
           </a:p>
         </p:txBody>
       </p:sp>
@@ -965,7 +966,7 @@
     </p:spTree>
     <p:extLst>
       <p:ext uri="{BB962C8B-B14F-4D97-AF65-F5344CB8AC3E}">
-        <p14:creationId xmlns:p14="http://schemas.microsoft.com/office/powerpoint/2010/main" val="4156768369"/>
+        <p14:creationId xmlns:p14="http://schemas.microsoft.com/office/powerpoint/2010/main" val="3801607292"/>
       </p:ext>
     </p:extLst>
   </p:cSld>
@@ -1019,7 +1020,7 @@
           <a:bodyPr/>
           <a:lstStyle/>
           <a:p>
-            <a:endParaRPr lang="en-CA" dirty="0"/>
+            <a:endParaRPr lang="en-US" dirty="0"/>
           </a:p>
         </p:txBody>
       </p:sp>
@@ -1046,7 +1047,7 @@
               <a:pPr>
                 <a:defRPr/>
               </a:pPr>
-              <a:t>15</a:t>
+              <a:t>14</a:t>
             </a:fld>
             <a:endParaRPr lang="en-US" altLang="zh-CN"/>
           </a:p>
@@ -1055,7 +1056,7 @@
     </p:spTree>
     <p:extLst>
       <p:ext uri="{BB962C8B-B14F-4D97-AF65-F5344CB8AC3E}">
-        <p14:creationId xmlns:p14="http://schemas.microsoft.com/office/powerpoint/2010/main" val="824973881"/>
+        <p14:creationId xmlns:p14="http://schemas.microsoft.com/office/powerpoint/2010/main" val="4156768369"/>
       </p:ext>
     </p:extLst>
   </p:cSld>
@@ -1136,7 +1137,7 @@
               <a:pPr>
                 <a:defRPr/>
               </a:pPr>
-              <a:t>17</a:t>
+              <a:t>16</a:t>
             </a:fld>
             <a:endParaRPr lang="en-US" altLang="zh-CN"/>
           </a:p>
@@ -1145,7 +1146,7 @@
     </p:spTree>
     <p:extLst>
       <p:ext uri="{BB962C8B-B14F-4D97-AF65-F5344CB8AC3E}">
-        <p14:creationId xmlns:p14="http://schemas.microsoft.com/office/powerpoint/2010/main" val="2033146577"/>
+        <p14:creationId xmlns:p14="http://schemas.microsoft.com/office/powerpoint/2010/main" val="824973881"/>
       </p:ext>
     </p:extLst>
   </p:cSld>
@@ -1199,7 +1200,7 @@
           <a:bodyPr/>
           <a:lstStyle/>
           <a:p>
-            <a:endParaRPr lang="en-US" dirty="0"/>
+            <a:endParaRPr lang="en-CA" dirty="0"/>
           </a:p>
         </p:txBody>
       </p:sp>
@@ -1235,7 +1236,7 @@
     </p:spTree>
     <p:extLst>
       <p:ext uri="{BB962C8B-B14F-4D97-AF65-F5344CB8AC3E}">
-        <p14:creationId xmlns:p14="http://schemas.microsoft.com/office/powerpoint/2010/main" val="1410196003"/>
+        <p14:creationId xmlns:p14="http://schemas.microsoft.com/office/powerpoint/2010/main" val="2033146577"/>
       </p:ext>
     </p:extLst>
   </p:cSld>
@@ -1316,7 +1317,7 @@
               <a:pPr>
                 <a:defRPr/>
               </a:pPr>
-              <a:t>22</a:t>
+              <a:t>19</a:t>
             </a:fld>
             <a:endParaRPr lang="en-US" altLang="zh-CN"/>
           </a:p>
@@ -1325,7 +1326,7 @@
     </p:spTree>
     <p:extLst>
       <p:ext uri="{BB962C8B-B14F-4D97-AF65-F5344CB8AC3E}">
-        <p14:creationId xmlns:p14="http://schemas.microsoft.com/office/powerpoint/2010/main" val="1568418167"/>
+        <p14:creationId xmlns:p14="http://schemas.microsoft.com/office/powerpoint/2010/main" val="1410196003"/>
       </p:ext>
     </p:extLst>
   </p:cSld>
@@ -1415,7 +1416,7 @@
     </p:spTree>
     <p:extLst>
       <p:ext uri="{BB962C8B-B14F-4D97-AF65-F5344CB8AC3E}">
-        <p14:creationId xmlns:p14="http://schemas.microsoft.com/office/powerpoint/2010/main" val="3770362993"/>
+        <p14:creationId xmlns:p14="http://schemas.microsoft.com/office/powerpoint/2010/main" val="1568418167"/>
       </p:ext>
     </p:extLst>
   </p:cSld>
@@ -1496,7 +1497,97 @@
               <a:pPr>
                 <a:defRPr/>
               </a:pPr>
-              <a:t>25</a:t>
+              <a:t>24</a:t>
+            </a:fld>
+            <a:endParaRPr lang="en-US" altLang="zh-CN"/>
+          </a:p>
+        </p:txBody>
+      </p:sp>
+    </p:spTree>
+    <p:extLst>
+      <p:ext uri="{BB962C8B-B14F-4D97-AF65-F5344CB8AC3E}">
+        <p14:creationId xmlns:p14="http://schemas.microsoft.com/office/powerpoint/2010/main" val="3770362993"/>
+      </p:ext>
+    </p:extLst>
+  </p:cSld>
+  <p:clrMapOvr>
+    <a:masterClrMapping/>
+  </p:clrMapOvr>
+</p:notes>
+</file>
+
+<file path=ppt/notesSlides/notesSlide17.xml><?xml version="1.0" encoding="utf-8"?>
+<p:notes xmlns:a="http://schemas.openxmlformats.org/drawingml/2006/main" xmlns:r="http://schemas.openxmlformats.org/officeDocument/2006/relationships" xmlns:p="http://schemas.openxmlformats.org/presentationml/2006/main">
+  <p:cSld>
+    <p:spTree>
+      <p:nvGrpSpPr>
+        <p:cNvPr id="1" name=""/>
+        <p:cNvGrpSpPr/>
+        <p:nvPr/>
+      </p:nvGrpSpPr>
+      <p:grpSpPr>
+        <a:xfrm>
+          <a:off x="0" y="0"/>
+          <a:ext cx="0" cy="0"/>
+          <a:chOff x="0" y="0"/>
+          <a:chExt cx="0" cy="0"/>
+        </a:xfrm>
+      </p:grpSpPr>
+      <p:sp>
+        <p:nvSpPr>
+          <p:cNvPr id="2" name="Slide Image Placeholder 1"/>
+          <p:cNvSpPr>
+            <a:spLocks noGrp="1" noRot="1" noChangeAspect="1"/>
+          </p:cNvSpPr>
+          <p:nvPr>
+            <p:ph type="sldImg"/>
+          </p:nvPr>
+        </p:nvSpPr>
+        <p:spPr/>
+      </p:sp>
+      <p:sp>
+        <p:nvSpPr>
+          <p:cNvPr id="3" name="Notes Placeholder 2"/>
+          <p:cNvSpPr>
+            <a:spLocks noGrp="1"/>
+          </p:cNvSpPr>
+          <p:nvPr>
+            <p:ph type="body" idx="1"/>
+          </p:nvPr>
+        </p:nvSpPr>
+        <p:spPr/>
+        <p:txBody>
+          <a:bodyPr/>
+          <a:lstStyle/>
+          <a:p>
+            <a:endParaRPr lang="en-US" dirty="0"/>
+          </a:p>
+        </p:txBody>
+      </p:sp>
+      <p:sp>
+        <p:nvSpPr>
+          <p:cNvPr id="4" name="Slide Number Placeholder 3"/>
+          <p:cNvSpPr>
+            <a:spLocks noGrp="1"/>
+          </p:cNvSpPr>
+          <p:nvPr>
+            <p:ph type="sldNum" sz="quarter" idx="10"/>
+          </p:nvPr>
+        </p:nvSpPr>
+        <p:spPr/>
+        <p:txBody>
+          <a:bodyPr/>
+          <a:lstStyle/>
+          <a:p>
+            <a:pPr>
+              <a:defRPr/>
+            </a:pPr>
+            <a:fld id="{100938BD-FD70-4535-B0C2-13FC38CDF1BE}" type="slidenum">
+              <a:rPr lang="en-US" altLang="zh-CN" smtClean="0"/>
+              <a:pPr>
+                <a:defRPr/>
+              </a:pPr>
+              <a:t>26</a:t>
             </a:fld>
             <a:endParaRPr lang="en-US" altLang="zh-CN"/>
           </a:p>
@@ -1739,7 +1830,7 @@
           <a:bodyPr/>
           <a:lstStyle/>
           <a:p>
-            <a:endParaRPr lang="en-US" dirty="0"/>
+            <a:endParaRPr lang="en-CA" dirty="0"/>
           </a:p>
         </p:txBody>
       </p:sp>
@@ -1775,7 +1866,7 @@
     </p:spTree>
     <p:extLst>
       <p:ext uri="{BB962C8B-B14F-4D97-AF65-F5344CB8AC3E}">
-        <p14:creationId xmlns:p14="http://schemas.microsoft.com/office/powerpoint/2010/main" val="137873208"/>
+        <p14:creationId xmlns:p14="http://schemas.microsoft.com/office/powerpoint/2010/main" val="538683541"/>
       </p:ext>
     </p:extLst>
   </p:cSld>
@@ -1829,7 +1920,7 @@
           <a:bodyPr/>
           <a:lstStyle/>
           <a:p>
-            <a:endParaRPr lang="en-CA" dirty="0"/>
+            <a:endParaRPr lang="en-US" dirty="0"/>
           </a:p>
         </p:txBody>
       </p:sp>
@@ -1856,7 +1947,7 @@
               <a:pPr>
                 <a:defRPr/>
               </a:pPr>
-              <a:t>6</a:t>
+              <a:t>5</a:t>
             </a:fld>
             <a:endParaRPr lang="en-US" altLang="zh-CN"/>
           </a:p>
@@ -1865,7 +1956,7 @@
     </p:spTree>
     <p:extLst>
       <p:ext uri="{BB962C8B-B14F-4D97-AF65-F5344CB8AC3E}">
-        <p14:creationId xmlns:p14="http://schemas.microsoft.com/office/powerpoint/2010/main" val="2424874781"/>
+        <p14:creationId xmlns:p14="http://schemas.microsoft.com/office/powerpoint/2010/main" val="137873208"/>
       </p:ext>
     </p:extLst>
   </p:cSld>
@@ -1955,7 +2046,7 @@
     </p:spTree>
     <p:extLst>
       <p:ext uri="{BB962C8B-B14F-4D97-AF65-F5344CB8AC3E}">
-        <p14:creationId xmlns:p14="http://schemas.microsoft.com/office/powerpoint/2010/main" val="3130003624"/>
+        <p14:creationId xmlns:p14="http://schemas.microsoft.com/office/powerpoint/2010/main" val="2424874781"/>
       </p:ext>
     </p:extLst>
   </p:cSld>
@@ -2009,7 +2100,7 @@
           <a:bodyPr/>
           <a:lstStyle/>
           <a:p>
-            <a:endParaRPr lang="en-US" dirty="0"/>
+            <a:endParaRPr lang="en-CA" dirty="0"/>
           </a:p>
         </p:txBody>
       </p:sp>
@@ -2045,7 +2136,7 @@
     </p:spTree>
     <p:extLst>
       <p:ext uri="{BB962C8B-B14F-4D97-AF65-F5344CB8AC3E}">
-        <p14:creationId xmlns:p14="http://schemas.microsoft.com/office/powerpoint/2010/main" val="1526629650"/>
+        <p14:creationId xmlns:p14="http://schemas.microsoft.com/office/powerpoint/2010/main" val="3130003624"/>
       </p:ext>
     </p:extLst>
   </p:cSld>
@@ -2099,7 +2190,7 @@
           <a:bodyPr/>
           <a:lstStyle/>
           <a:p>
-            <a:endParaRPr lang="en-CA" dirty="0"/>
+            <a:endParaRPr lang="en-US" dirty="0"/>
           </a:p>
         </p:txBody>
       </p:sp>
@@ -2126,7 +2217,7 @@
               <a:pPr>
                 <a:defRPr/>
               </a:pPr>
-              <a:t>10</a:t>
+              <a:t>9</a:t>
             </a:fld>
             <a:endParaRPr lang="en-US" altLang="zh-CN"/>
           </a:p>
@@ -2135,7 +2226,7 @@
     </p:spTree>
     <p:extLst>
       <p:ext uri="{BB962C8B-B14F-4D97-AF65-F5344CB8AC3E}">
-        <p14:creationId xmlns:p14="http://schemas.microsoft.com/office/powerpoint/2010/main" val="531790214"/>
+        <p14:creationId xmlns:p14="http://schemas.microsoft.com/office/powerpoint/2010/main" val="1526629650"/>
       </p:ext>
     </p:extLst>
   </p:cSld>
@@ -2216,7 +2307,7 @@
               <a:pPr>
                 <a:defRPr/>
               </a:pPr>
-              <a:t>12</a:t>
+              <a:t>11</a:t>
             </a:fld>
             <a:endParaRPr lang="en-US" altLang="zh-CN"/>
           </a:p>
@@ -2225,7 +2316,7 @@
     </p:spTree>
     <p:extLst>
       <p:ext uri="{BB962C8B-B14F-4D97-AF65-F5344CB8AC3E}">
-        <p14:creationId xmlns:p14="http://schemas.microsoft.com/office/powerpoint/2010/main" val="3801607292"/>
+        <p14:creationId xmlns:p14="http://schemas.microsoft.com/office/powerpoint/2010/main" val="531790214"/>
       </p:ext>
     </p:extLst>
   </p:cSld>
@@ -5898,7 +5989,13 @@
       </p:grpSpPr>
       <p:sp>
         <p:nvSpPr>
-          <p:cNvPr id="2" name="Title 1"/>
+          <p:cNvPr id="2" name="Title 1">
+            <a:extLst>
+              <a:ext uri="{FF2B5EF4-FFF2-40B4-BE49-F238E27FC236}">
+                <a16:creationId xmlns:a16="http://schemas.microsoft.com/office/drawing/2014/main" id="{590D0125-5A9E-9D48-9391-85FBD0E608A2}"/>
+              </a:ext>
+            </a:extLst>
+          </p:cNvPr>
           <p:cNvSpPr>
             <a:spLocks noGrp="1"/>
           </p:cNvSpPr>
@@ -5908,8 +6005,8 @@
         </p:nvSpPr>
         <p:spPr>
           <a:xfrm>
-            <a:off x="723900" y="26458"/>
-            <a:ext cx="7696200" cy="857250"/>
+            <a:off x="76200" y="129372"/>
+            <a:ext cx="8915400" cy="599270"/>
           </a:xfrm>
         </p:spPr>
         <p:txBody>
@@ -5917,128 +6014,44 @@
           <a:lstStyle/>
           <a:p>
             <a:r>
-              <a:rPr lang="en-US" sz="3200" dirty="0">
+              <a:rPr lang="en-CA" sz="3200" dirty="0">
                 <a:solidFill>
                   <a:srgbClr val="0070C0"/>
                 </a:solidFill>
                 <a:latin typeface="Calibri Light" panose="020F0302020204030204" pitchFamily="34" charset="0"/>
                 <a:cs typeface="Calibri Light" panose="020F0302020204030204" pitchFamily="34" charset="0"/>
               </a:rPr>
-              <a:t>E2E IOAM Indicator Label Allocation Methods</a:t>
-            </a:r>
-          </a:p>
-        </p:txBody>
-      </p:sp>
-      <p:sp>
-        <p:nvSpPr>
-          <p:cNvPr id="3" name="Content Placeholder 2"/>
+              <a:t>MPLS Encapsulation with E2E IOAM Data Fields</a:t>
+            </a:r>
+            <a:endParaRPr lang="en-US" sz="3200" dirty="0">
+              <a:solidFill>
+                <a:srgbClr val="0070C0"/>
+              </a:solidFill>
+              <a:latin typeface="Calibri Light" panose="020F0302020204030204" pitchFamily="34" charset="0"/>
+              <a:cs typeface="Calibri Light" panose="020F0302020204030204" pitchFamily="34" charset="0"/>
+            </a:endParaRPr>
+          </a:p>
+        </p:txBody>
+      </p:sp>
+      <p:sp>
+        <p:nvSpPr>
+          <p:cNvPr id="4" name="Footer Placeholder 3">
+            <a:extLst>
+              <a:ext uri="{FF2B5EF4-FFF2-40B4-BE49-F238E27FC236}">
+                <a16:creationId xmlns:a16="http://schemas.microsoft.com/office/drawing/2014/main" id="{87713FCD-3B47-804D-B373-DAB61FB5FF59}"/>
+              </a:ext>
+            </a:extLst>
+          </p:cNvPr>
           <p:cNvSpPr>
             <a:spLocks noGrp="1"/>
           </p:cNvSpPr>
           <p:nvPr>
-            <p:ph idx="1"/>
+            <p:ph type="ftr" sz="quarter" idx="11"/>
           </p:nvPr>
         </p:nvSpPr>
         <p:spPr>
           <a:xfrm>
-            <a:off x="609600" y="1007445"/>
-            <a:ext cx="7924800" cy="3429000"/>
-          </a:xfrm>
-        </p:spPr>
-        <p:txBody>
-          <a:bodyPr/>
-          <a:lstStyle/>
-          <a:p>
-            <a:pPr marL="457200" lvl="0" indent="-457200">
-              <a:buFont typeface="+mj-lt"/>
-              <a:buAutoNum type="arabicPeriod"/>
-            </a:pPr>
-            <a:r>
-              <a:rPr lang="en-CA" sz="1800" dirty="0"/>
-              <a:t>Extension Label (15) and Label assigned by IANA with value </a:t>
-            </a:r>
-            <a:r>
-              <a:rPr lang="en-CA" sz="1800" dirty="0">
-                <a:solidFill>
-                  <a:srgbClr val="0070C0"/>
-                </a:solidFill>
-              </a:rPr>
-              <a:t>TBA1</a:t>
-            </a:r>
-          </a:p>
-          <a:p>
-            <a:pPr lvl="1" indent="-342900">
-              <a:buFont typeface="Wingdings" pitchFamily="2" charset="2"/>
-              <a:buChar char="§"/>
-            </a:pPr>
-            <a:r>
-              <a:rPr lang="en-CA" sz="1800" dirty="0"/>
-              <a:t>From Extended Special Purpose Labels (</a:t>
-            </a:r>
-            <a:r>
-              <a:rPr lang="en-CA" sz="1800" dirty="0" err="1"/>
-              <a:t>eSPL</a:t>
-            </a:r>
-            <a:r>
-              <a:rPr lang="en-CA" sz="1800" dirty="0"/>
-              <a:t>) range</a:t>
-            </a:r>
-          </a:p>
-          <a:p>
-            <a:pPr marL="457200" lvl="0" indent="-457200">
-              <a:buFont typeface="+mj-lt"/>
-              <a:buAutoNum type="arabicPeriod"/>
-            </a:pPr>
-            <a:r>
-              <a:rPr lang="en-CA" sz="1800" dirty="0"/>
-              <a:t>Global Label allocated by a controller</a:t>
-            </a:r>
-          </a:p>
-          <a:p>
-            <a:pPr lvl="1" indent="-342900">
-              <a:buFont typeface="Wingdings" pitchFamily="2" charset="2"/>
-              <a:buChar char="§"/>
-            </a:pPr>
-            <a:r>
-              <a:rPr lang="en-CA" sz="1800" dirty="0"/>
-              <a:t>The controller provisions the label on encapsulating and decapsulating nodes</a:t>
-            </a:r>
-          </a:p>
-          <a:p>
-            <a:pPr marL="457200" lvl="0" indent="-457200">
-              <a:buFont typeface="+mj-lt"/>
-              <a:buAutoNum type="arabicPeriod"/>
-            </a:pPr>
-            <a:r>
-              <a:rPr lang="en-CA" sz="1800" dirty="0"/>
-              <a:t>The IOAM Label allocated by the decapsulating node</a:t>
-            </a:r>
-          </a:p>
-          <a:p>
-            <a:pPr lvl="1" indent="-342900">
-              <a:buFont typeface="Wingdings" pitchFamily="2" charset="2"/>
-              <a:buChar char="§"/>
-            </a:pPr>
-            <a:r>
-              <a:rPr lang="en-CA" sz="1800" dirty="0"/>
-              <a:t>Signaling/advertisement extensions needed to convey the label to all encapsulating nodes (out of scope)</a:t>
-            </a:r>
-          </a:p>
-        </p:txBody>
-      </p:sp>
-      <p:sp>
-        <p:nvSpPr>
-          <p:cNvPr id="4" name="Footer Placeholder 3"/>
-          <p:cNvSpPr>
-            <a:spLocks noGrp="1"/>
-          </p:cNvSpPr>
-          <p:nvPr>
-            <p:ph type="ftr" sz="quarter" idx="11"/>
-          </p:nvPr>
-        </p:nvSpPr>
-        <p:spPr>
-          <a:xfrm>
-            <a:off x="3124200" y="4786312"/>
+            <a:off x="3124200" y="4781550"/>
             <a:ext cx="2895600" cy="357188"/>
           </a:xfrm>
         </p:spPr>
@@ -6063,7 +6076,13 @@
       </p:sp>
       <p:sp>
         <p:nvSpPr>
-          <p:cNvPr id="5" name="Slide Number Placeholder 4"/>
+          <p:cNvPr id="5" name="Slide Number Placeholder 4">
+            <a:extLst>
+              <a:ext uri="{FF2B5EF4-FFF2-40B4-BE49-F238E27FC236}">
+                <a16:creationId xmlns:a16="http://schemas.microsoft.com/office/drawing/2014/main" id="{1371408B-9195-EC4D-8131-A3F5CC0592D0}"/>
+              </a:ext>
+            </a:extLst>
+          </p:cNvPr>
           <p:cNvSpPr>
             <a:spLocks noGrp="1"/>
           </p:cNvSpPr>
@@ -6085,6 +6104,477 @@
                 <a:defRPr/>
               </a:pPr>
               <a:t>10</a:t>
+            </a:fld>
+            <a:endParaRPr lang="en-US" altLang="zh-CN"/>
+          </a:p>
+        </p:txBody>
+      </p:sp>
+      <p:sp>
+        <p:nvSpPr>
+          <p:cNvPr id="6" name="Rectangle 5">
+            <a:extLst>
+              <a:ext uri="{FF2B5EF4-FFF2-40B4-BE49-F238E27FC236}">
+                <a16:creationId xmlns:a16="http://schemas.microsoft.com/office/drawing/2014/main" id="{1EED4007-3A19-0E4E-8496-6CECEEA363EB}"/>
+              </a:ext>
+            </a:extLst>
+          </p:cNvPr>
+          <p:cNvSpPr/>
+          <p:nvPr/>
+        </p:nvSpPr>
+        <p:spPr>
+          <a:xfrm>
+            <a:off x="1695450" y="841584"/>
+            <a:ext cx="5753100" cy="3631763"/>
+          </a:xfrm>
+          <a:prstGeom prst="rect">
+            <a:avLst/>
+          </a:prstGeom>
+          <a:solidFill>
+            <a:schemeClr val="accent6">
+              <a:lumMod val="20000"/>
+              <a:lumOff val="80000"/>
+            </a:schemeClr>
+          </a:solidFill>
+        </p:spPr>
+        <p:txBody>
+          <a:bodyPr wrap="square">
+            <a:spAutoFit/>
+          </a:bodyPr>
+          <a:lstStyle/>
+          <a:p>
+            <a:r>
+              <a:rPr lang="en-CA" sz="1000" dirty="0">
+                <a:latin typeface="Courier" pitchFamily="2" charset="0"/>
+              </a:rPr>
+              <a:t>   0                   1                   2                   3</a:t>
+            </a:r>
+          </a:p>
+          <a:p>
+            <a:r>
+              <a:rPr lang="en-CA" sz="1000" dirty="0">
+                <a:latin typeface="Courier" pitchFamily="2" charset="0"/>
+              </a:rPr>
+              <a:t>   0 1 2 3 4 5 6 7 8 9 0 1 2 3 4 5 6 7 8 9 0 1 2 3 4 5 6 7 8 9 0 1</a:t>
+            </a:r>
+          </a:p>
+          <a:p>
+            <a:r>
+              <a:rPr lang="en-CA" sz="1000" dirty="0">
+                <a:latin typeface="Courier" pitchFamily="2" charset="0"/>
+              </a:rPr>
+              <a:t>   +-+-+-+-+-+-+-+-+-+-+-+-+-+-+-+-+-+-+-+-+-+-+-+-+-+-+-+-+-+-+-+-+</a:t>
+            </a:r>
+          </a:p>
+          <a:p>
+            <a:r>
+              <a:rPr lang="en-CA" sz="1000" dirty="0">
+                <a:latin typeface="Courier" pitchFamily="2" charset="0"/>
+              </a:rPr>
+              <a:t>   |  </a:t>
+            </a:r>
+            <a:r>
+              <a:rPr lang="en-CA" sz="1000" b="1" dirty="0">
+                <a:latin typeface="Courier" pitchFamily="2" charset="0"/>
+              </a:rPr>
+              <a:t>E2E IOAM Indicator Label             </a:t>
+            </a:r>
+            <a:r>
+              <a:rPr lang="en-CA" sz="1000" dirty="0">
+                <a:latin typeface="Courier" pitchFamily="2" charset="0"/>
+              </a:rPr>
+              <a:t>| TC  |1|  TTL          |</a:t>
+            </a:r>
+          </a:p>
+          <a:p>
+            <a:r>
+              <a:rPr lang="en-CA" sz="1000" dirty="0">
+                <a:latin typeface="Courier" pitchFamily="2" charset="0"/>
+              </a:rPr>
+              <a:t>   +-+-+-+-+-+-+-+-+-+-+-+-+-+-+-+-+-+-+-+-+-+-+-+-+-+-+-+-+-+-+-+-+&lt;-+ </a:t>
+            </a:r>
+          </a:p>
+          <a:p>
+            <a:r>
+              <a:rPr lang="en-CA" sz="1000" dirty="0">
+                <a:latin typeface="Courier" pitchFamily="2" charset="0"/>
+              </a:rPr>
+              <a:t>   |0 0 0 1|Version| Reserved      | IOAM G-</a:t>
+            </a:r>
+            <a:r>
+              <a:rPr lang="en-CA" sz="1000" dirty="0" err="1">
+                <a:latin typeface="Courier" pitchFamily="2" charset="0"/>
+              </a:rPr>
+              <a:t>ACh</a:t>
+            </a:r>
+            <a:r>
+              <a:rPr lang="en-CA" sz="1000" dirty="0">
+                <a:latin typeface="Courier" pitchFamily="2" charset="0"/>
+              </a:rPr>
+              <a:t> (Type TBA3)        |  | </a:t>
+            </a:r>
+          </a:p>
+          <a:p>
+            <a:r>
+              <a:rPr lang="en-CA" sz="1000" dirty="0">
+                <a:latin typeface="Courier" pitchFamily="2" charset="0"/>
+              </a:rPr>
+              <a:t>   +-+-+-+-+-+-+-+-+-+-+-+-+-+-+-+-+-+-+-+-+-+-+-+-+-+-+-+-+-+-+-+-+  | </a:t>
+            </a:r>
+          </a:p>
+          <a:p>
+            <a:r>
+              <a:rPr lang="en-CA" sz="1000" dirty="0">
+                <a:latin typeface="Courier" pitchFamily="2" charset="0"/>
+              </a:rPr>
+              <a:t>   | Reserved      | Block Number  | IOAM-OPT-Type |IOAM HDR Length|  |</a:t>
+            </a:r>
+          </a:p>
+          <a:p>
+            <a:r>
+              <a:rPr lang="en-CA" sz="1000" dirty="0">
+                <a:latin typeface="Courier" pitchFamily="2" charset="0"/>
+              </a:rPr>
+              <a:t>   +-+-+-+-+-+-+-+-+-+-+-+-+-+-+-+-+-+-+-+-+-+-+-+-+-+-+-+-+-+-+-+-+  I</a:t>
+            </a:r>
+          </a:p>
+          <a:p>
+            <a:r>
+              <a:rPr lang="en-CA" sz="1000" dirty="0">
+                <a:latin typeface="Courier" pitchFamily="2" charset="0"/>
+              </a:rPr>
+              <a:t>   |                                                               |  O</a:t>
+            </a:r>
+          </a:p>
+          <a:p>
+            <a:r>
+              <a:rPr lang="en-CA" sz="1000" dirty="0">
+                <a:latin typeface="Courier" pitchFamily="2" charset="0"/>
+              </a:rPr>
+              <a:t>   |                                                               |  A</a:t>
+            </a:r>
+          </a:p>
+          <a:p>
+            <a:r>
+              <a:rPr lang="en-CA" sz="1000" dirty="0">
+                <a:latin typeface="Courier" pitchFamily="2" charset="0"/>
+              </a:rPr>
+              <a:t>   ~                 IOAM Option and Data Space                    ~  M</a:t>
+            </a:r>
+          </a:p>
+          <a:p>
+            <a:r>
+              <a:rPr lang="en-CA" sz="1000" dirty="0">
+                <a:latin typeface="Courier" pitchFamily="2" charset="0"/>
+              </a:rPr>
+              <a:t>   |                                                               |  |</a:t>
+            </a:r>
+          </a:p>
+          <a:p>
+            <a:r>
+              <a:rPr lang="en-CA" sz="1000" dirty="0">
+                <a:latin typeface="Courier" pitchFamily="2" charset="0"/>
+              </a:rPr>
+              <a:t>   |                                                               |  |</a:t>
+            </a:r>
+          </a:p>
+          <a:p>
+            <a:r>
+              <a:rPr lang="en-CA" sz="1000" dirty="0">
+                <a:latin typeface="Courier" pitchFamily="2" charset="0"/>
+              </a:rPr>
+              <a:t>   +-+-+-+-+-+-+-+-+-+-+-+-+-+-+-+-+-+-+-+-+-+-+-+-+-+-+-+-+-+-+-+-+&lt;-+</a:t>
+            </a:r>
+          </a:p>
+          <a:p>
+            <a:r>
+              <a:rPr lang="en-CA" sz="1000" dirty="0">
+                <a:latin typeface="Courier" pitchFamily="2" charset="0"/>
+              </a:rPr>
+              <a:t>   |                                                               |</a:t>
+            </a:r>
+          </a:p>
+          <a:p>
+            <a:r>
+              <a:rPr lang="en-CA" sz="1000" dirty="0">
+                <a:latin typeface="Courier" pitchFamily="2" charset="0"/>
+              </a:rPr>
+              <a:t>   |                                                               |</a:t>
+            </a:r>
+          </a:p>
+          <a:p>
+            <a:r>
+              <a:rPr lang="en-CA" sz="1000" dirty="0">
+                <a:latin typeface="Courier" pitchFamily="2" charset="0"/>
+              </a:rPr>
+              <a:t>   ~                 Payload + Padding                             ~</a:t>
+            </a:r>
+          </a:p>
+          <a:p>
+            <a:r>
+              <a:rPr lang="en-CA" sz="1000" dirty="0">
+                <a:latin typeface="Courier" pitchFamily="2" charset="0"/>
+              </a:rPr>
+              <a:t>   |                                                               |</a:t>
+            </a:r>
+          </a:p>
+          <a:p>
+            <a:r>
+              <a:rPr lang="en-CA" sz="1000" dirty="0">
+                <a:latin typeface="Courier" pitchFamily="2" charset="0"/>
+              </a:rPr>
+              <a:t>   |                                                               |</a:t>
+            </a:r>
+          </a:p>
+          <a:p>
+            <a:r>
+              <a:rPr lang="en-CA" sz="1000" dirty="0">
+                <a:latin typeface="Courier" pitchFamily="2" charset="0"/>
+              </a:rPr>
+              <a:t>   +-+-+-+-+-+-+-+-+-+-+-+-+-+-+-+-+-+-+-+-+-+-+-+-+-+-+-+-+-+-+-+-+</a:t>
+            </a:r>
+          </a:p>
+          <a:p>
+            <a:r>
+              <a:rPr lang="en-CA" sz="1000" dirty="0">
+                <a:latin typeface="Courier" pitchFamily="2" charset="0"/>
+              </a:rPr>
+              <a:t> </a:t>
+            </a:r>
+          </a:p>
+          <a:p>
+            <a:r>
+              <a:rPr lang="en-CA" sz="1000" dirty="0">
+                <a:latin typeface="Courier" pitchFamily="2" charset="0"/>
+              </a:rPr>
+              <a:t>           Figure: MPLS Encapsulation with E2E IOAM Data Fields</a:t>
+            </a:r>
+            <a:endParaRPr lang="en-CA" sz="1000" dirty="0">
+              <a:latin typeface="Courier" pitchFamily="2" charset="0"/>
+              <a:ea typeface="Calibri" panose="020F0502020204030204" pitchFamily="34" charset="0"/>
+              <a:cs typeface="Times New Roman" panose="02020603050405020304" pitchFamily="18" charset="0"/>
+            </a:endParaRPr>
+          </a:p>
+        </p:txBody>
+      </p:sp>
+    </p:spTree>
+    <p:extLst>
+      <p:ext uri="{BB962C8B-B14F-4D97-AF65-F5344CB8AC3E}">
+        <p14:creationId xmlns:p14="http://schemas.microsoft.com/office/powerpoint/2010/main" val="924950222"/>
+      </p:ext>
+    </p:extLst>
+  </p:cSld>
+  <p:clrMapOvr>
+    <a:masterClrMapping/>
+  </p:clrMapOvr>
+</p:sld>
+</file>
+
+<file path=ppt/slides/slide11.xml><?xml version="1.0" encoding="utf-8"?>
+<p:sld xmlns:a="http://schemas.openxmlformats.org/drawingml/2006/main" xmlns:r="http://schemas.openxmlformats.org/officeDocument/2006/relationships" xmlns:p="http://schemas.openxmlformats.org/presentationml/2006/main">
+  <p:cSld>
+    <p:spTree>
+      <p:nvGrpSpPr>
+        <p:cNvPr id="1" name=""/>
+        <p:cNvGrpSpPr/>
+        <p:nvPr/>
+      </p:nvGrpSpPr>
+      <p:grpSpPr>
+        <a:xfrm>
+          <a:off x="0" y="0"/>
+          <a:ext cx="0" cy="0"/>
+          <a:chOff x="0" y="0"/>
+          <a:chExt cx="0" cy="0"/>
+        </a:xfrm>
+      </p:grpSpPr>
+      <p:sp>
+        <p:nvSpPr>
+          <p:cNvPr id="2" name="Title 1"/>
+          <p:cNvSpPr>
+            <a:spLocks noGrp="1"/>
+          </p:cNvSpPr>
+          <p:nvPr>
+            <p:ph type="title"/>
+          </p:nvPr>
+        </p:nvSpPr>
+        <p:spPr>
+          <a:xfrm>
+            <a:off x="723900" y="26458"/>
+            <a:ext cx="7696200" cy="857250"/>
+          </a:xfrm>
+        </p:spPr>
+        <p:txBody>
+          <a:bodyPr/>
+          <a:lstStyle/>
+          <a:p>
+            <a:r>
+              <a:rPr lang="en-US" sz="3200" dirty="0">
+                <a:solidFill>
+                  <a:srgbClr val="0070C0"/>
+                </a:solidFill>
+                <a:latin typeface="Calibri Light" panose="020F0302020204030204" pitchFamily="34" charset="0"/>
+                <a:cs typeface="Calibri Light" panose="020F0302020204030204" pitchFamily="34" charset="0"/>
+              </a:rPr>
+              <a:t>E2E IOAM Indicator Label Allocation Methods</a:t>
+            </a:r>
+          </a:p>
+        </p:txBody>
+      </p:sp>
+      <p:sp>
+        <p:nvSpPr>
+          <p:cNvPr id="3" name="Content Placeholder 2"/>
+          <p:cNvSpPr>
+            <a:spLocks noGrp="1"/>
+          </p:cNvSpPr>
+          <p:nvPr>
+            <p:ph idx="1"/>
+          </p:nvPr>
+        </p:nvSpPr>
+        <p:spPr>
+          <a:xfrm>
+            <a:off x="609600" y="1007445"/>
+            <a:ext cx="7924800" cy="3429000"/>
+          </a:xfrm>
+        </p:spPr>
+        <p:txBody>
+          <a:bodyPr/>
+          <a:lstStyle/>
+          <a:p>
+            <a:pPr marL="457200" lvl="0" indent="-457200">
+              <a:buFont typeface="+mj-lt"/>
+              <a:buAutoNum type="arabicPeriod"/>
+            </a:pPr>
+            <a:r>
+              <a:rPr lang="en-CA" sz="1800" dirty="0"/>
+              <a:t>Extension Label (15) and Label assigned by IANA with value </a:t>
+            </a:r>
+            <a:r>
+              <a:rPr lang="en-CA" sz="1800" dirty="0">
+                <a:solidFill>
+                  <a:srgbClr val="0070C0"/>
+                </a:solidFill>
+              </a:rPr>
+              <a:t>TBA1</a:t>
+            </a:r>
+          </a:p>
+          <a:p>
+            <a:pPr lvl="1" indent="-342900">
+              <a:buFont typeface="Wingdings" pitchFamily="2" charset="2"/>
+              <a:buChar char="§"/>
+            </a:pPr>
+            <a:r>
+              <a:rPr lang="en-CA" sz="1800" dirty="0"/>
+              <a:t>From Extended Special Purpose Labels (</a:t>
+            </a:r>
+            <a:r>
+              <a:rPr lang="en-CA" sz="1800" dirty="0" err="1"/>
+              <a:t>eSPL</a:t>
+            </a:r>
+            <a:r>
+              <a:rPr lang="en-CA" sz="1800" dirty="0"/>
+              <a:t>) range</a:t>
+            </a:r>
+          </a:p>
+          <a:p>
+            <a:pPr marL="457200" lvl="0" indent="-457200">
+              <a:buFont typeface="+mj-lt"/>
+              <a:buAutoNum type="arabicPeriod"/>
+            </a:pPr>
+            <a:r>
+              <a:rPr lang="en-CA" sz="1800" dirty="0"/>
+              <a:t>Global Label allocated by a controller</a:t>
+            </a:r>
+          </a:p>
+          <a:p>
+            <a:pPr lvl="1" indent="-342900">
+              <a:buFont typeface="Wingdings" pitchFamily="2" charset="2"/>
+              <a:buChar char="§"/>
+            </a:pPr>
+            <a:r>
+              <a:rPr lang="en-CA" sz="1800" dirty="0"/>
+              <a:t>The controller provisions the label on encapsulating and decapsulating nodes</a:t>
+            </a:r>
+          </a:p>
+          <a:p>
+            <a:pPr marL="457200" lvl="0" indent="-457200">
+              <a:buFont typeface="+mj-lt"/>
+              <a:buAutoNum type="arabicPeriod"/>
+            </a:pPr>
+            <a:r>
+              <a:rPr lang="en-CA" sz="1800" dirty="0"/>
+              <a:t>The IOAM Label allocated by the decapsulating node</a:t>
+            </a:r>
+          </a:p>
+          <a:p>
+            <a:pPr lvl="1" indent="-342900">
+              <a:buFont typeface="Wingdings" pitchFamily="2" charset="2"/>
+              <a:buChar char="§"/>
+            </a:pPr>
+            <a:r>
+              <a:rPr lang="en-CA" sz="1800" dirty="0"/>
+              <a:t>Signaling/advertisement extensions needed to convey the label to all encapsulating nodes (out of scope)</a:t>
+            </a:r>
+          </a:p>
+        </p:txBody>
+      </p:sp>
+      <p:sp>
+        <p:nvSpPr>
+          <p:cNvPr id="4" name="Footer Placeholder 3"/>
+          <p:cNvSpPr>
+            <a:spLocks noGrp="1"/>
+          </p:cNvSpPr>
+          <p:nvPr>
+            <p:ph type="ftr" sz="quarter" idx="11"/>
+          </p:nvPr>
+        </p:nvSpPr>
+        <p:spPr>
+          <a:xfrm>
+            <a:off x="3124200" y="4786312"/>
+            <a:ext cx="2895600" cy="357188"/>
+          </a:xfrm>
+        </p:spPr>
+        <p:txBody>
+          <a:bodyPr/>
+          <a:lstStyle/>
+          <a:p>
+            <a:r>
+              <a:rPr lang="en-CA" dirty="0"/>
+              <a:t>110</a:t>
+            </a:r>
+            <a:r>
+              <a:rPr lang="en-CA" baseline="30000" dirty="0"/>
+              <a:t>th</a:t>
+            </a:r>
+            <a:r>
+              <a:rPr lang="en-CA" dirty="0"/>
+              <a:t> IETF Online</a:t>
+            </a:r>
+          </a:p>
+        </p:txBody>
+      </p:sp>
+      <p:sp>
+        <p:nvSpPr>
+          <p:cNvPr id="5" name="Slide Number Placeholder 4"/>
+          <p:cNvSpPr>
+            <a:spLocks noGrp="1"/>
+          </p:cNvSpPr>
+          <p:nvPr>
+            <p:ph type="sldNum" sz="quarter" idx="12"/>
+          </p:nvPr>
+        </p:nvSpPr>
+        <p:spPr/>
+        <p:txBody>
+          <a:bodyPr/>
+          <a:lstStyle/>
+          <a:p>
+            <a:pPr>
+              <a:defRPr/>
+            </a:pPr>
+            <a:fld id="{BD6E0F59-1DD8-40FC-9C92-B6295CBA6CCA}" type="slidenum">
+              <a:rPr lang="en-US" altLang="zh-CN" smtClean="0"/>
+              <a:pPr>
+                <a:defRPr/>
+              </a:pPr>
+              <a:t>11</a:t>
             </a:fld>
             <a:endParaRPr lang="en-US" altLang="zh-CN"/>
           </a:p>
@@ -6103,7 +6593,7 @@
 </p:sld>
 </file>
 
-<file path=ppt/slides/slide11.xml><?xml version="1.0" encoding="utf-8"?>
+<file path=ppt/slides/slide12.xml><?xml version="1.0" encoding="utf-8"?>
 <p:sld xmlns:a="http://schemas.openxmlformats.org/drawingml/2006/main" xmlns:r="http://schemas.openxmlformats.org/officeDocument/2006/relationships" xmlns:p="http://schemas.openxmlformats.org/presentationml/2006/main">
   <p:cSld>
     <p:spTree>
@@ -6472,7 +6962,7 @@
               <a:pPr>
                 <a:defRPr/>
               </a:pPr>
-              <a:t>11</a:t>
+              <a:t>12</a:t>
             </a:fld>
             <a:endParaRPr lang="en-US" altLang="zh-CN"/>
           </a:p>
@@ -6831,7 +7321,7 @@
 </p:sld>
 </file>
 
-<file path=ppt/slides/slide12.xml><?xml version="1.0" encoding="utf-8"?>
+<file path=ppt/slides/slide13.xml><?xml version="1.0" encoding="utf-8"?>
 <p:sld xmlns:a="http://schemas.openxmlformats.org/drawingml/2006/main" xmlns:r="http://schemas.openxmlformats.org/officeDocument/2006/relationships" xmlns:p="http://schemas.openxmlformats.org/presentationml/2006/main">
   <p:cSld>
     <p:spTree>
@@ -7077,7 +7567,7 @@
               <a:pPr>
                 <a:defRPr/>
               </a:pPr>
-              <a:t>12</a:t>
+              <a:t>13</a:t>
             </a:fld>
             <a:endParaRPr lang="en-US" altLang="zh-CN"/>
           </a:p>
@@ -7096,7 +7586,7 @@
 </p:sld>
 </file>
 
-<file path=ppt/slides/slide13.xml><?xml version="1.0" encoding="utf-8"?>
+<file path=ppt/slides/slide14.xml><?xml version="1.0" encoding="utf-8"?>
 <p:sld xmlns:a="http://schemas.openxmlformats.org/drawingml/2006/main" xmlns:r="http://schemas.openxmlformats.org/officeDocument/2006/relationships" xmlns:p="http://schemas.openxmlformats.org/presentationml/2006/main">
   <p:cSld>
     <p:spTree>
@@ -7373,7 +7863,7 @@
               <a:pPr>
                 <a:defRPr/>
               </a:pPr>
-              <a:t>13</a:t>
+              <a:t>14</a:t>
             </a:fld>
             <a:endParaRPr lang="en-US" altLang="zh-CN"/>
           </a:p>
@@ -7383,443 +7873,6 @@
     <p:extLst>
       <p:ext uri="{BB962C8B-B14F-4D97-AF65-F5344CB8AC3E}">
         <p14:creationId xmlns:p14="http://schemas.microsoft.com/office/powerpoint/2010/main" val="3569701818"/>
-      </p:ext>
-    </p:extLst>
-  </p:cSld>
-  <p:clrMapOvr>
-    <a:masterClrMapping/>
-  </p:clrMapOvr>
-</p:sld>
-</file>
-
-<file path=ppt/slides/slide14.xml><?xml version="1.0" encoding="utf-8"?>
-<p:sld xmlns:a="http://schemas.openxmlformats.org/drawingml/2006/main" xmlns:r="http://schemas.openxmlformats.org/officeDocument/2006/relationships" xmlns:p="http://schemas.openxmlformats.org/presentationml/2006/main">
-  <p:cSld>
-    <p:spTree>
-      <p:nvGrpSpPr>
-        <p:cNvPr id="1" name=""/>
-        <p:cNvGrpSpPr/>
-        <p:nvPr/>
-      </p:nvGrpSpPr>
-      <p:grpSpPr>
-        <a:xfrm>
-          <a:off x="0" y="0"/>
-          <a:ext cx="0" cy="0"/>
-          <a:chOff x="0" y="0"/>
-          <a:chExt cx="0" cy="0"/>
-        </a:xfrm>
-      </p:grpSpPr>
-      <p:sp>
-        <p:nvSpPr>
-          <p:cNvPr id="2" name="Title 1">
-            <a:extLst>
-              <a:ext uri="{FF2B5EF4-FFF2-40B4-BE49-F238E27FC236}">
-                <a16:creationId xmlns:a16="http://schemas.microsoft.com/office/drawing/2014/main" id="{590D0125-5A9E-9D48-9391-85FBD0E608A2}"/>
-              </a:ext>
-            </a:extLst>
-          </p:cNvPr>
-          <p:cNvSpPr>
-            <a:spLocks noGrp="1"/>
-          </p:cNvSpPr>
-          <p:nvPr>
-            <p:ph type="title"/>
-          </p:nvPr>
-        </p:nvSpPr>
-        <p:spPr>
-          <a:xfrm>
-            <a:off x="152400" y="102393"/>
-            <a:ext cx="8839200" cy="599270"/>
-          </a:xfrm>
-        </p:spPr>
-        <p:txBody>
-          <a:bodyPr/>
-          <a:lstStyle/>
-          <a:p>
-            <a:r>
-              <a:rPr lang="en-CA" sz="3200" dirty="0">
-                <a:solidFill>
-                  <a:srgbClr val="0070C0"/>
-                </a:solidFill>
-                <a:latin typeface="Calibri Light" panose="020F0302020204030204" pitchFamily="34" charset="0"/>
-                <a:cs typeface="Calibri Light" panose="020F0302020204030204" pitchFamily="34" charset="0"/>
-              </a:rPr>
-              <a:t>MPLS Encapsulation with </a:t>
-            </a:r>
-            <a:r>
-              <a:rPr lang="en-CA" sz="3200" dirty="0" err="1">
-                <a:solidFill>
-                  <a:srgbClr val="0070C0"/>
-                </a:solidFill>
-                <a:latin typeface="Calibri Light" panose="020F0302020204030204" pitchFamily="34" charset="0"/>
-                <a:cs typeface="Calibri Light" panose="020F0302020204030204" pitchFamily="34" charset="0"/>
-              </a:rPr>
-              <a:t>HbH</a:t>
-            </a:r>
-            <a:r>
-              <a:rPr lang="en-CA" sz="3200" dirty="0">
-                <a:solidFill>
-                  <a:srgbClr val="0070C0"/>
-                </a:solidFill>
-                <a:latin typeface="Calibri Light" panose="020F0302020204030204" pitchFamily="34" charset="0"/>
-                <a:cs typeface="Calibri Light" panose="020F0302020204030204" pitchFamily="34" charset="0"/>
-              </a:rPr>
-              <a:t> IOAM Data Fields</a:t>
-            </a:r>
-            <a:endParaRPr lang="en-US" sz="3200" dirty="0">
-              <a:solidFill>
-                <a:srgbClr val="0070C0"/>
-              </a:solidFill>
-              <a:latin typeface="Calibri Light" panose="020F0302020204030204" pitchFamily="34" charset="0"/>
-              <a:cs typeface="Calibri Light" panose="020F0302020204030204" pitchFamily="34" charset="0"/>
-            </a:endParaRPr>
-          </a:p>
-        </p:txBody>
-      </p:sp>
-      <p:sp>
-        <p:nvSpPr>
-          <p:cNvPr id="4" name="Footer Placeholder 3">
-            <a:extLst>
-              <a:ext uri="{FF2B5EF4-FFF2-40B4-BE49-F238E27FC236}">
-                <a16:creationId xmlns:a16="http://schemas.microsoft.com/office/drawing/2014/main" id="{87713FCD-3B47-804D-B373-DAB61FB5FF59}"/>
-              </a:ext>
-            </a:extLst>
-          </p:cNvPr>
-          <p:cNvSpPr>
-            <a:spLocks noGrp="1"/>
-          </p:cNvSpPr>
-          <p:nvPr>
-            <p:ph type="ftr" sz="quarter" idx="11"/>
-          </p:nvPr>
-        </p:nvSpPr>
-        <p:spPr>
-          <a:xfrm>
-            <a:off x="3124200" y="4781550"/>
-            <a:ext cx="2895600" cy="357188"/>
-          </a:xfrm>
-        </p:spPr>
-        <p:txBody>
-          <a:bodyPr/>
-          <a:lstStyle/>
-          <a:p>
-            <a:r>
-              <a:rPr lang="en-CA" dirty="0"/>
-              <a:t>110</a:t>
-            </a:r>
-            <a:r>
-              <a:rPr lang="en-CA" baseline="30000" dirty="0"/>
-              <a:t>th</a:t>
-            </a:r>
-            <a:r>
-              <a:rPr lang="en-CA" dirty="0"/>
-              <a:t> IETF Online</a:t>
-            </a:r>
-          </a:p>
-        </p:txBody>
-      </p:sp>
-      <p:sp>
-        <p:nvSpPr>
-          <p:cNvPr id="5" name="Slide Number Placeholder 4">
-            <a:extLst>
-              <a:ext uri="{FF2B5EF4-FFF2-40B4-BE49-F238E27FC236}">
-                <a16:creationId xmlns:a16="http://schemas.microsoft.com/office/drawing/2014/main" id="{1371408B-9195-EC4D-8131-A3F5CC0592D0}"/>
-              </a:ext>
-            </a:extLst>
-          </p:cNvPr>
-          <p:cNvSpPr>
-            <a:spLocks noGrp="1"/>
-          </p:cNvSpPr>
-          <p:nvPr>
-            <p:ph type="sldNum" sz="quarter" idx="12"/>
-          </p:nvPr>
-        </p:nvSpPr>
-        <p:spPr/>
-        <p:txBody>
-          <a:bodyPr/>
-          <a:lstStyle/>
-          <a:p>
-            <a:pPr>
-              <a:defRPr/>
-            </a:pPr>
-            <a:fld id="{BD6E0F59-1DD8-40FC-9C92-B6295CBA6CCA}" type="slidenum">
-              <a:rPr lang="en-US" altLang="zh-CN" smtClean="0"/>
-              <a:pPr>
-                <a:defRPr/>
-              </a:pPr>
-              <a:t>14</a:t>
-            </a:fld>
-            <a:endParaRPr lang="en-US" altLang="zh-CN"/>
-          </a:p>
-        </p:txBody>
-      </p:sp>
-      <p:sp>
-        <p:nvSpPr>
-          <p:cNvPr id="6" name="Rectangle 5">
-            <a:extLst>
-              <a:ext uri="{FF2B5EF4-FFF2-40B4-BE49-F238E27FC236}">
-                <a16:creationId xmlns:a16="http://schemas.microsoft.com/office/drawing/2014/main" id="{1EED4007-3A19-0E4E-8496-6CECEEA363EB}"/>
-              </a:ext>
-            </a:extLst>
-          </p:cNvPr>
-          <p:cNvSpPr/>
-          <p:nvPr/>
-        </p:nvSpPr>
-        <p:spPr>
-          <a:xfrm>
-            <a:off x="1600200" y="865388"/>
-            <a:ext cx="5755640" cy="3631763"/>
-          </a:xfrm>
-          <a:prstGeom prst="rect">
-            <a:avLst/>
-          </a:prstGeom>
-          <a:solidFill>
-            <a:schemeClr val="accent6">
-              <a:lumMod val="20000"/>
-              <a:lumOff val="80000"/>
-            </a:schemeClr>
-          </a:solidFill>
-        </p:spPr>
-        <p:txBody>
-          <a:bodyPr wrap="square">
-            <a:spAutoFit/>
-          </a:bodyPr>
-          <a:lstStyle/>
-          <a:p>
-            <a:r>
-              <a:rPr lang="en-CA" sz="1000" dirty="0">
-                <a:latin typeface="Courier" pitchFamily="2" charset="0"/>
-              </a:rPr>
-              <a:t>   0                   1                   2                   3</a:t>
-            </a:r>
-          </a:p>
-          <a:p>
-            <a:r>
-              <a:rPr lang="en-CA" sz="1000" dirty="0">
-                <a:latin typeface="Courier" pitchFamily="2" charset="0"/>
-              </a:rPr>
-              <a:t>   0 1 2 3 4 5 6 7 8 9 0 1 2 3 4 5 6 7 8 9 0 1 2 3 4 5 6 7 8 9 0 1</a:t>
-            </a:r>
-          </a:p>
-          <a:p>
-            <a:r>
-              <a:rPr lang="en-CA" sz="1000" dirty="0">
-                <a:latin typeface="Courier" pitchFamily="2" charset="0"/>
-              </a:rPr>
-              <a:t>   +-+-+-+-+-+-+-+-+-+-+-+-+-+-+-+-+-+-+-+-+-+-+-+-+-+-+-+-+-+-+-+-+</a:t>
-            </a:r>
-          </a:p>
-          <a:p>
-            <a:r>
-              <a:rPr lang="en-CA" sz="1000" dirty="0">
-                <a:latin typeface="Courier" pitchFamily="2" charset="0"/>
-              </a:rPr>
-              <a:t>   |  </a:t>
-            </a:r>
-            <a:r>
-              <a:rPr lang="en-CA" sz="1000" b="1" dirty="0" err="1">
-                <a:latin typeface="Courier" pitchFamily="2" charset="0"/>
-              </a:rPr>
-              <a:t>HbH</a:t>
-            </a:r>
-            <a:r>
-              <a:rPr lang="en-CA" sz="1000" b="1" dirty="0">
-                <a:latin typeface="Courier" pitchFamily="2" charset="0"/>
-              </a:rPr>
-              <a:t> IOAM Indicator Label             </a:t>
-            </a:r>
-            <a:r>
-              <a:rPr lang="en-CA" sz="1000" dirty="0">
-                <a:latin typeface="Courier" pitchFamily="2" charset="0"/>
-              </a:rPr>
-              <a:t>| TC  |1|  TTL          |</a:t>
-            </a:r>
-          </a:p>
-          <a:p>
-            <a:r>
-              <a:rPr lang="en-CA" sz="1000" dirty="0">
-                <a:latin typeface="Courier" pitchFamily="2" charset="0"/>
-              </a:rPr>
-              <a:t>   +-+-+-+-+-+-+-+-+-+-+-+-+-+-+-+-+-+-+-+-+-+-+-+-+-+-+-+-+-+-+-+-+&lt;-+ </a:t>
-            </a:r>
-          </a:p>
-          <a:p>
-            <a:r>
-              <a:rPr lang="en-CA" sz="1000" dirty="0">
-                <a:latin typeface="Courier" pitchFamily="2" charset="0"/>
-              </a:rPr>
-              <a:t>   |0 0 0 1|Version| Reserved      | IOAM G-</a:t>
-            </a:r>
-            <a:r>
-              <a:rPr lang="en-CA" sz="1000" dirty="0" err="1">
-                <a:latin typeface="Courier" pitchFamily="2" charset="0"/>
-              </a:rPr>
-              <a:t>ACh</a:t>
-            </a:r>
-            <a:r>
-              <a:rPr lang="en-CA" sz="1000" dirty="0">
-                <a:latin typeface="Courier" pitchFamily="2" charset="0"/>
-              </a:rPr>
-              <a:t> (Type TBA3)        |  | </a:t>
-            </a:r>
-          </a:p>
-          <a:p>
-            <a:r>
-              <a:rPr lang="en-CA" sz="1000" dirty="0">
-                <a:latin typeface="Courier" pitchFamily="2" charset="0"/>
-              </a:rPr>
-              <a:t>   +-+-+-+-+-+-+-+-+-+-+-+-+-+-+-+-+-+-+-+-+-+-+-+-+-+-+-+-+-+-+-+-+  | </a:t>
-            </a:r>
-          </a:p>
-          <a:p>
-            <a:r>
-              <a:rPr lang="en-CA" sz="1000" dirty="0">
-                <a:latin typeface="Courier" pitchFamily="2" charset="0"/>
-              </a:rPr>
-              <a:t>   | Reserved      | Block Number  | IOAM-OPT-Type |IOAM HDR Length|  |</a:t>
-            </a:r>
-          </a:p>
-          <a:p>
-            <a:r>
-              <a:rPr lang="en-CA" sz="1000" dirty="0">
-                <a:latin typeface="Courier" pitchFamily="2" charset="0"/>
-              </a:rPr>
-              <a:t>   +-+-+-+-+-+-+-+-+-+-+-+-+-+-+-+-+-+-+-+-+-+-+-+-+-+-+-+-+-+-+-+-+  I</a:t>
-            </a:r>
-          </a:p>
-          <a:p>
-            <a:r>
-              <a:rPr lang="en-CA" sz="1000" dirty="0">
-                <a:latin typeface="Courier" pitchFamily="2" charset="0"/>
-              </a:rPr>
-              <a:t>   |                                                               |  O</a:t>
-            </a:r>
-          </a:p>
-          <a:p>
-            <a:r>
-              <a:rPr lang="en-CA" sz="1000" dirty="0">
-                <a:latin typeface="Courier" pitchFamily="2" charset="0"/>
-              </a:rPr>
-              <a:t>   |                                                               |  A</a:t>
-            </a:r>
-          </a:p>
-          <a:p>
-            <a:r>
-              <a:rPr lang="en-CA" sz="1000" dirty="0">
-                <a:latin typeface="Courier" pitchFamily="2" charset="0"/>
-              </a:rPr>
-              <a:t>   ~                 IOAM Option and Data Space                    ~  M</a:t>
-            </a:r>
-          </a:p>
-          <a:p>
-            <a:r>
-              <a:rPr lang="en-CA" sz="1000" dirty="0">
-                <a:latin typeface="Courier" pitchFamily="2" charset="0"/>
-              </a:rPr>
-              <a:t>   |                                                               |  |</a:t>
-            </a:r>
-          </a:p>
-          <a:p>
-            <a:r>
-              <a:rPr lang="en-CA" sz="1000" dirty="0">
-                <a:latin typeface="Courier" pitchFamily="2" charset="0"/>
-              </a:rPr>
-              <a:t>   |                                                               |  |</a:t>
-            </a:r>
-          </a:p>
-          <a:p>
-            <a:r>
-              <a:rPr lang="en-CA" sz="1000" dirty="0">
-                <a:latin typeface="Courier" pitchFamily="2" charset="0"/>
-              </a:rPr>
-              <a:t>   +-+-+-+-+-+-+-+-+-+-+-+-+-+-+-+-+-+-+-+-+-+-+-+-+-+-+-+-+-+-+-+-+&lt;-+</a:t>
-            </a:r>
-          </a:p>
-          <a:p>
-            <a:r>
-              <a:rPr lang="en-CA" sz="1000" dirty="0">
-                <a:latin typeface="Courier" pitchFamily="2" charset="0"/>
-              </a:rPr>
-              <a:t>   |                                                               |</a:t>
-            </a:r>
-          </a:p>
-          <a:p>
-            <a:r>
-              <a:rPr lang="en-CA" sz="1000" dirty="0">
-                <a:latin typeface="Courier" pitchFamily="2" charset="0"/>
-              </a:rPr>
-              <a:t>   |                                                               |</a:t>
-            </a:r>
-          </a:p>
-          <a:p>
-            <a:r>
-              <a:rPr lang="en-CA" sz="1000" dirty="0">
-                <a:latin typeface="Courier" pitchFamily="2" charset="0"/>
-              </a:rPr>
-              <a:t>   ~                 Payload + Padding                             ~</a:t>
-            </a:r>
-          </a:p>
-          <a:p>
-            <a:r>
-              <a:rPr lang="en-CA" sz="1000" dirty="0">
-                <a:latin typeface="Courier" pitchFamily="2" charset="0"/>
-              </a:rPr>
-              <a:t>   |                                                               |</a:t>
-            </a:r>
-          </a:p>
-          <a:p>
-            <a:r>
-              <a:rPr lang="en-CA" sz="1000" dirty="0">
-                <a:latin typeface="Courier" pitchFamily="2" charset="0"/>
-              </a:rPr>
-              <a:t>   |                                                               |</a:t>
-            </a:r>
-          </a:p>
-          <a:p>
-            <a:r>
-              <a:rPr lang="en-CA" sz="1000" dirty="0">
-                <a:latin typeface="Courier" pitchFamily="2" charset="0"/>
-              </a:rPr>
-              <a:t>   +-+-+-+-+-+-+-+-+-+-+-+-+-+-+-+-+-+-+-+-+-+-+-+-+-+-+-+-+-+-+-+-+</a:t>
-            </a:r>
-          </a:p>
-          <a:p>
-            <a:r>
-              <a:rPr lang="en-CA" sz="1000" dirty="0">
-                <a:latin typeface="Courier" pitchFamily="2" charset="0"/>
-              </a:rPr>
-              <a:t> </a:t>
-            </a:r>
-          </a:p>
-          <a:p>
-            <a:r>
-              <a:rPr lang="en-CA" sz="1000" dirty="0">
-                <a:latin typeface="Courier" pitchFamily="2" charset="0"/>
-              </a:rPr>
-              <a:t>          Figure: MPLS Encapsulation with </a:t>
-            </a:r>
-            <a:r>
-              <a:rPr lang="en-CA" sz="1000" dirty="0" err="1">
-                <a:latin typeface="Courier" pitchFamily="2" charset="0"/>
-              </a:rPr>
-              <a:t>HbH</a:t>
-            </a:r>
-            <a:r>
-              <a:rPr lang="en-CA" sz="1000" dirty="0">
-                <a:latin typeface="Courier" pitchFamily="2" charset="0"/>
-              </a:rPr>
-              <a:t> IOAM Data Fields</a:t>
-            </a:r>
-            <a:endParaRPr lang="en-CA" sz="1000" dirty="0">
-              <a:latin typeface="Courier" pitchFamily="2" charset="0"/>
-              <a:ea typeface="Calibri" panose="020F0502020204030204" pitchFamily="34" charset="0"/>
-              <a:cs typeface="Times New Roman" panose="02020603050405020304" pitchFamily="18" charset="0"/>
-            </a:endParaRPr>
-          </a:p>
-        </p:txBody>
-      </p:sp>
-    </p:spTree>
-    <p:extLst>
-      <p:ext uri="{BB962C8B-B14F-4D97-AF65-F5344CB8AC3E}">
-        <p14:creationId xmlns:p14="http://schemas.microsoft.com/office/powerpoint/2010/main" val="3685390437"/>
       </p:ext>
     </p:extLst>
   </p:cSld>
@@ -7848,7 +7901,13 @@
       </p:grpSpPr>
       <p:sp>
         <p:nvSpPr>
-          <p:cNvPr id="2" name="Title 1"/>
+          <p:cNvPr id="2" name="Title 1">
+            <a:extLst>
+              <a:ext uri="{FF2B5EF4-FFF2-40B4-BE49-F238E27FC236}">
+                <a16:creationId xmlns:a16="http://schemas.microsoft.com/office/drawing/2014/main" id="{590D0125-5A9E-9D48-9391-85FBD0E608A2}"/>
+              </a:ext>
+            </a:extLst>
+          </p:cNvPr>
           <p:cNvSpPr>
             <a:spLocks noGrp="1"/>
           </p:cNvSpPr>
@@ -7858,8 +7917,8 @@
         </p:nvSpPr>
         <p:spPr>
           <a:xfrm>
-            <a:off x="457200" y="0"/>
-            <a:ext cx="8229600" cy="857250"/>
+            <a:off x="152400" y="102393"/>
+            <a:ext cx="8839200" cy="599270"/>
           </a:xfrm>
         </p:spPr>
         <p:txBody>
@@ -7867,128 +7926,54 @@
           <a:lstStyle/>
           <a:p>
             <a:r>
-              <a:rPr lang="en-US" sz="3200" dirty="0" err="1">
+              <a:rPr lang="en-CA" sz="3200" dirty="0">
                 <a:solidFill>
                   <a:srgbClr val="0070C0"/>
                 </a:solidFill>
                 <a:latin typeface="Calibri Light" panose="020F0302020204030204" pitchFamily="34" charset="0"/>
                 <a:cs typeface="Calibri Light" panose="020F0302020204030204" pitchFamily="34" charset="0"/>
               </a:rPr>
-              <a:t>HbH</a:t>
-            </a:r>
-            <a:r>
-              <a:rPr lang="en-US" sz="3200" dirty="0">
+              <a:t>MPLS Encapsulation with </a:t>
+            </a:r>
+            <a:r>
+              <a:rPr lang="en-CA" sz="3200" dirty="0" err="1">
                 <a:solidFill>
                   <a:srgbClr val="0070C0"/>
                 </a:solidFill>
                 <a:latin typeface="Calibri Light" panose="020F0302020204030204" pitchFamily="34" charset="0"/>
                 <a:cs typeface="Calibri Light" panose="020F0302020204030204" pitchFamily="34" charset="0"/>
               </a:rPr>
-              <a:t> IOAM Indicator Label Allocation Methods</a:t>
-            </a:r>
-          </a:p>
-        </p:txBody>
-      </p:sp>
-      <p:sp>
-        <p:nvSpPr>
-          <p:cNvPr id="3" name="Content Placeholder 2"/>
-          <p:cNvSpPr>
-            <a:spLocks noGrp="1"/>
-          </p:cNvSpPr>
-          <p:nvPr>
-            <p:ph idx="1"/>
-          </p:nvPr>
-        </p:nvSpPr>
-        <p:spPr>
-          <a:xfrm>
-            <a:off x="609600" y="1001685"/>
-            <a:ext cx="7924800" cy="3140129"/>
-          </a:xfrm>
-        </p:spPr>
-        <p:txBody>
-          <a:bodyPr/>
-          <a:lstStyle/>
-          <a:p>
-            <a:pPr marL="457200" lvl="0" indent="-457200">
-              <a:buFont typeface="+mj-lt"/>
-              <a:buAutoNum type="arabicPeriod"/>
-            </a:pPr>
-            <a:r>
-              <a:rPr lang="en-CA" sz="1800" dirty="0"/>
-              <a:t>Extension Label (15) and Label assigned by IANA with value </a:t>
-            </a:r>
-            <a:r>
-              <a:rPr lang="en-CA" sz="1800" dirty="0">
+              <a:t>HbH</a:t>
+            </a:r>
+            <a:r>
+              <a:rPr lang="en-CA" sz="3200" dirty="0">
                 <a:solidFill>
                   <a:srgbClr val="0070C0"/>
                 </a:solidFill>
-              </a:rPr>
-              <a:t>TBA2</a:t>
-            </a:r>
-          </a:p>
-          <a:p>
-            <a:pPr lvl="1" indent="-342900">
-              <a:buFont typeface="Wingdings" pitchFamily="2" charset="2"/>
-              <a:buChar char="§"/>
-            </a:pPr>
-            <a:r>
-              <a:rPr lang="en-CA" sz="1800" dirty="0"/>
-              <a:t>From Extended Special Purpose Labels (</a:t>
-            </a:r>
-            <a:r>
-              <a:rPr lang="en-CA" sz="1800" dirty="0" err="1"/>
-              <a:t>eSPL</a:t>
-            </a:r>
-            <a:r>
-              <a:rPr lang="en-CA" sz="1800" dirty="0"/>
-              <a:t>) range</a:t>
-            </a:r>
-          </a:p>
-          <a:p>
-            <a:pPr marL="457200" lvl="0" indent="-457200">
-              <a:buFont typeface="+mj-lt"/>
-              <a:buAutoNum type="arabicPeriod"/>
-            </a:pPr>
-            <a:r>
-              <a:rPr lang="en-CA" sz="1800" dirty="0"/>
-              <a:t>Global Label allocated by a controller</a:t>
-            </a:r>
-          </a:p>
-          <a:p>
-            <a:pPr lvl="1" indent="-342900">
-              <a:buFont typeface="Wingdings" pitchFamily="2" charset="2"/>
-              <a:buChar char="§"/>
-            </a:pPr>
-            <a:r>
-              <a:rPr lang="en-CA" sz="1800" dirty="0"/>
-              <a:t>The controller provisions the label on encapsulating, intermediate and decapsulating nodes</a:t>
-            </a:r>
-          </a:p>
-          <a:p>
-            <a:pPr marL="457200" lvl="0" indent="-457200">
-              <a:buFont typeface="+mj-lt"/>
-              <a:buAutoNum type="arabicPeriod"/>
-            </a:pPr>
-            <a:r>
-              <a:rPr lang="en-CA" sz="1800" dirty="0"/>
-              <a:t>The IOAM Label allocated by the intermediate and decapsulating nodes</a:t>
-            </a:r>
-          </a:p>
-          <a:p>
-            <a:pPr lvl="1" indent="-342900">
-              <a:buFont typeface="Wingdings" pitchFamily="2" charset="2"/>
-              <a:buChar char="§"/>
-            </a:pPr>
-            <a:r>
-              <a:rPr lang="en-CA" sz="1800" dirty="0"/>
-              <a:t>Signaling/advertisement extensions needed to convey the label to all encapsulating nodes (out of scope)</a:t>
-            </a:r>
-          </a:p>
-        </p:txBody>
-      </p:sp>
-      <p:sp>
-        <p:nvSpPr>
-          <p:cNvPr id="4" name="Footer Placeholder 3"/>
+                <a:latin typeface="Calibri Light" panose="020F0302020204030204" pitchFamily="34" charset="0"/>
+                <a:cs typeface="Calibri Light" panose="020F0302020204030204" pitchFamily="34" charset="0"/>
+              </a:rPr>
+              <a:t> IOAM Data Fields</a:t>
+            </a:r>
+            <a:endParaRPr lang="en-US" sz="3200" dirty="0">
+              <a:solidFill>
+                <a:srgbClr val="0070C0"/>
+              </a:solidFill>
+              <a:latin typeface="Calibri Light" panose="020F0302020204030204" pitchFamily="34" charset="0"/>
+              <a:cs typeface="Calibri Light" panose="020F0302020204030204" pitchFamily="34" charset="0"/>
+            </a:endParaRPr>
+          </a:p>
+        </p:txBody>
+      </p:sp>
+      <p:sp>
+        <p:nvSpPr>
+          <p:cNvPr id="4" name="Footer Placeholder 3">
+            <a:extLst>
+              <a:ext uri="{FF2B5EF4-FFF2-40B4-BE49-F238E27FC236}">
+                <a16:creationId xmlns:a16="http://schemas.microsoft.com/office/drawing/2014/main" id="{87713FCD-3B47-804D-B373-DAB61FB5FF59}"/>
+              </a:ext>
+            </a:extLst>
+          </p:cNvPr>
           <p:cNvSpPr>
             <a:spLocks noGrp="1"/>
           </p:cNvSpPr>
@@ -7998,7 +7983,7 @@
         </p:nvSpPr>
         <p:spPr>
           <a:xfrm>
-            <a:off x="3124200" y="4786312"/>
+            <a:off x="3124200" y="4781550"/>
             <a:ext cx="2895600" cy="357188"/>
           </a:xfrm>
         </p:spPr>
@@ -8023,7 +8008,13 @@
       </p:sp>
       <p:sp>
         <p:nvSpPr>
-          <p:cNvPr id="5" name="Slide Number Placeholder 4"/>
+          <p:cNvPr id="5" name="Slide Number Placeholder 4">
+            <a:extLst>
+              <a:ext uri="{FF2B5EF4-FFF2-40B4-BE49-F238E27FC236}">
+                <a16:creationId xmlns:a16="http://schemas.microsoft.com/office/drawing/2014/main" id="{1371408B-9195-EC4D-8131-A3F5CC0592D0}"/>
+              </a:ext>
+            </a:extLst>
+          </p:cNvPr>
           <p:cNvSpPr>
             <a:spLocks noGrp="1"/>
           </p:cNvSpPr>
@@ -8045,6 +8036,505 @@
                 <a:defRPr/>
               </a:pPr>
               <a:t>15</a:t>
+            </a:fld>
+            <a:endParaRPr lang="en-US" altLang="zh-CN"/>
+          </a:p>
+        </p:txBody>
+      </p:sp>
+      <p:sp>
+        <p:nvSpPr>
+          <p:cNvPr id="6" name="Rectangle 5">
+            <a:extLst>
+              <a:ext uri="{FF2B5EF4-FFF2-40B4-BE49-F238E27FC236}">
+                <a16:creationId xmlns:a16="http://schemas.microsoft.com/office/drawing/2014/main" id="{1EED4007-3A19-0E4E-8496-6CECEEA363EB}"/>
+              </a:ext>
+            </a:extLst>
+          </p:cNvPr>
+          <p:cNvSpPr/>
+          <p:nvPr/>
+        </p:nvSpPr>
+        <p:spPr>
+          <a:xfrm>
+            <a:off x="1600200" y="865388"/>
+            <a:ext cx="5755640" cy="3631763"/>
+          </a:xfrm>
+          <a:prstGeom prst="rect">
+            <a:avLst/>
+          </a:prstGeom>
+          <a:solidFill>
+            <a:schemeClr val="accent6">
+              <a:lumMod val="20000"/>
+              <a:lumOff val="80000"/>
+            </a:schemeClr>
+          </a:solidFill>
+        </p:spPr>
+        <p:txBody>
+          <a:bodyPr wrap="square">
+            <a:spAutoFit/>
+          </a:bodyPr>
+          <a:lstStyle/>
+          <a:p>
+            <a:r>
+              <a:rPr lang="en-CA" sz="1000" dirty="0">
+                <a:latin typeface="Courier" pitchFamily="2" charset="0"/>
+              </a:rPr>
+              <a:t>   0                   1                   2                   3</a:t>
+            </a:r>
+          </a:p>
+          <a:p>
+            <a:r>
+              <a:rPr lang="en-CA" sz="1000" dirty="0">
+                <a:latin typeface="Courier" pitchFamily="2" charset="0"/>
+              </a:rPr>
+              <a:t>   0 1 2 3 4 5 6 7 8 9 0 1 2 3 4 5 6 7 8 9 0 1 2 3 4 5 6 7 8 9 0 1</a:t>
+            </a:r>
+          </a:p>
+          <a:p>
+            <a:r>
+              <a:rPr lang="en-CA" sz="1000" dirty="0">
+                <a:latin typeface="Courier" pitchFamily="2" charset="0"/>
+              </a:rPr>
+              <a:t>   +-+-+-+-+-+-+-+-+-+-+-+-+-+-+-+-+-+-+-+-+-+-+-+-+-+-+-+-+-+-+-+-+</a:t>
+            </a:r>
+          </a:p>
+          <a:p>
+            <a:r>
+              <a:rPr lang="en-CA" sz="1000" dirty="0">
+                <a:latin typeface="Courier" pitchFamily="2" charset="0"/>
+              </a:rPr>
+              <a:t>   |  </a:t>
+            </a:r>
+            <a:r>
+              <a:rPr lang="en-CA" sz="1000" b="1" dirty="0" err="1">
+                <a:latin typeface="Courier" pitchFamily="2" charset="0"/>
+              </a:rPr>
+              <a:t>HbH</a:t>
+            </a:r>
+            <a:r>
+              <a:rPr lang="en-CA" sz="1000" b="1" dirty="0">
+                <a:latin typeface="Courier" pitchFamily="2" charset="0"/>
+              </a:rPr>
+              <a:t> IOAM Indicator Label             </a:t>
+            </a:r>
+            <a:r>
+              <a:rPr lang="en-CA" sz="1000" dirty="0">
+                <a:latin typeface="Courier" pitchFamily="2" charset="0"/>
+              </a:rPr>
+              <a:t>| TC  |1|  TTL          |</a:t>
+            </a:r>
+          </a:p>
+          <a:p>
+            <a:r>
+              <a:rPr lang="en-CA" sz="1000" dirty="0">
+                <a:latin typeface="Courier" pitchFamily="2" charset="0"/>
+              </a:rPr>
+              <a:t>   +-+-+-+-+-+-+-+-+-+-+-+-+-+-+-+-+-+-+-+-+-+-+-+-+-+-+-+-+-+-+-+-+&lt;-+ </a:t>
+            </a:r>
+          </a:p>
+          <a:p>
+            <a:r>
+              <a:rPr lang="en-CA" sz="1000" dirty="0">
+                <a:latin typeface="Courier" pitchFamily="2" charset="0"/>
+              </a:rPr>
+              <a:t>   |0 0 0 1|Version| Reserved      | IOAM G-</a:t>
+            </a:r>
+            <a:r>
+              <a:rPr lang="en-CA" sz="1000" dirty="0" err="1">
+                <a:latin typeface="Courier" pitchFamily="2" charset="0"/>
+              </a:rPr>
+              <a:t>ACh</a:t>
+            </a:r>
+            <a:r>
+              <a:rPr lang="en-CA" sz="1000" dirty="0">
+                <a:latin typeface="Courier" pitchFamily="2" charset="0"/>
+              </a:rPr>
+              <a:t> (Type TBA3)        |  | </a:t>
+            </a:r>
+          </a:p>
+          <a:p>
+            <a:r>
+              <a:rPr lang="en-CA" sz="1000" dirty="0">
+                <a:latin typeface="Courier" pitchFamily="2" charset="0"/>
+              </a:rPr>
+              <a:t>   +-+-+-+-+-+-+-+-+-+-+-+-+-+-+-+-+-+-+-+-+-+-+-+-+-+-+-+-+-+-+-+-+  | </a:t>
+            </a:r>
+          </a:p>
+          <a:p>
+            <a:r>
+              <a:rPr lang="en-CA" sz="1000" dirty="0">
+                <a:latin typeface="Courier" pitchFamily="2" charset="0"/>
+              </a:rPr>
+              <a:t>   | Reserved      | Block Number  | IOAM-OPT-Type |IOAM HDR Length|  |</a:t>
+            </a:r>
+          </a:p>
+          <a:p>
+            <a:r>
+              <a:rPr lang="en-CA" sz="1000" dirty="0">
+                <a:latin typeface="Courier" pitchFamily="2" charset="0"/>
+              </a:rPr>
+              <a:t>   +-+-+-+-+-+-+-+-+-+-+-+-+-+-+-+-+-+-+-+-+-+-+-+-+-+-+-+-+-+-+-+-+  I</a:t>
+            </a:r>
+          </a:p>
+          <a:p>
+            <a:r>
+              <a:rPr lang="en-CA" sz="1000" dirty="0">
+                <a:latin typeface="Courier" pitchFamily="2" charset="0"/>
+              </a:rPr>
+              <a:t>   |                                                               |  O</a:t>
+            </a:r>
+          </a:p>
+          <a:p>
+            <a:r>
+              <a:rPr lang="en-CA" sz="1000" dirty="0">
+                <a:latin typeface="Courier" pitchFamily="2" charset="0"/>
+              </a:rPr>
+              <a:t>   |                                                               |  A</a:t>
+            </a:r>
+          </a:p>
+          <a:p>
+            <a:r>
+              <a:rPr lang="en-CA" sz="1000" dirty="0">
+                <a:latin typeface="Courier" pitchFamily="2" charset="0"/>
+              </a:rPr>
+              <a:t>   ~                 IOAM Option and Data Space                    ~  M</a:t>
+            </a:r>
+          </a:p>
+          <a:p>
+            <a:r>
+              <a:rPr lang="en-CA" sz="1000" dirty="0">
+                <a:latin typeface="Courier" pitchFamily="2" charset="0"/>
+              </a:rPr>
+              <a:t>   |                                                               |  |</a:t>
+            </a:r>
+          </a:p>
+          <a:p>
+            <a:r>
+              <a:rPr lang="en-CA" sz="1000" dirty="0">
+                <a:latin typeface="Courier" pitchFamily="2" charset="0"/>
+              </a:rPr>
+              <a:t>   |                                                               |  |</a:t>
+            </a:r>
+          </a:p>
+          <a:p>
+            <a:r>
+              <a:rPr lang="en-CA" sz="1000" dirty="0">
+                <a:latin typeface="Courier" pitchFamily="2" charset="0"/>
+              </a:rPr>
+              <a:t>   +-+-+-+-+-+-+-+-+-+-+-+-+-+-+-+-+-+-+-+-+-+-+-+-+-+-+-+-+-+-+-+-+&lt;-+</a:t>
+            </a:r>
+          </a:p>
+          <a:p>
+            <a:r>
+              <a:rPr lang="en-CA" sz="1000" dirty="0">
+                <a:latin typeface="Courier" pitchFamily="2" charset="0"/>
+              </a:rPr>
+              <a:t>   |                                                               |</a:t>
+            </a:r>
+          </a:p>
+          <a:p>
+            <a:r>
+              <a:rPr lang="en-CA" sz="1000" dirty="0">
+                <a:latin typeface="Courier" pitchFamily="2" charset="0"/>
+              </a:rPr>
+              <a:t>   |                                                               |</a:t>
+            </a:r>
+          </a:p>
+          <a:p>
+            <a:r>
+              <a:rPr lang="en-CA" sz="1000" dirty="0">
+                <a:latin typeface="Courier" pitchFamily="2" charset="0"/>
+              </a:rPr>
+              <a:t>   ~                 Payload + Padding                             ~</a:t>
+            </a:r>
+          </a:p>
+          <a:p>
+            <a:r>
+              <a:rPr lang="en-CA" sz="1000" dirty="0">
+                <a:latin typeface="Courier" pitchFamily="2" charset="0"/>
+              </a:rPr>
+              <a:t>   |                                                               |</a:t>
+            </a:r>
+          </a:p>
+          <a:p>
+            <a:r>
+              <a:rPr lang="en-CA" sz="1000" dirty="0">
+                <a:latin typeface="Courier" pitchFamily="2" charset="0"/>
+              </a:rPr>
+              <a:t>   |                                                               |</a:t>
+            </a:r>
+          </a:p>
+          <a:p>
+            <a:r>
+              <a:rPr lang="en-CA" sz="1000" dirty="0">
+                <a:latin typeface="Courier" pitchFamily="2" charset="0"/>
+              </a:rPr>
+              <a:t>   +-+-+-+-+-+-+-+-+-+-+-+-+-+-+-+-+-+-+-+-+-+-+-+-+-+-+-+-+-+-+-+-+</a:t>
+            </a:r>
+          </a:p>
+          <a:p>
+            <a:r>
+              <a:rPr lang="en-CA" sz="1000" dirty="0">
+                <a:latin typeface="Courier" pitchFamily="2" charset="0"/>
+              </a:rPr>
+              <a:t> </a:t>
+            </a:r>
+          </a:p>
+          <a:p>
+            <a:r>
+              <a:rPr lang="en-CA" sz="1000" dirty="0">
+                <a:latin typeface="Courier" pitchFamily="2" charset="0"/>
+              </a:rPr>
+              <a:t>          Figure: MPLS Encapsulation with </a:t>
+            </a:r>
+            <a:r>
+              <a:rPr lang="en-CA" sz="1000" dirty="0" err="1">
+                <a:latin typeface="Courier" pitchFamily="2" charset="0"/>
+              </a:rPr>
+              <a:t>HbH</a:t>
+            </a:r>
+            <a:r>
+              <a:rPr lang="en-CA" sz="1000" dirty="0">
+                <a:latin typeface="Courier" pitchFamily="2" charset="0"/>
+              </a:rPr>
+              <a:t> IOAM Data Fields</a:t>
+            </a:r>
+            <a:endParaRPr lang="en-CA" sz="1000" dirty="0">
+              <a:latin typeface="Courier" pitchFamily="2" charset="0"/>
+              <a:ea typeface="Calibri" panose="020F0502020204030204" pitchFamily="34" charset="0"/>
+              <a:cs typeface="Times New Roman" panose="02020603050405020304" pitchFamily="18" charset="0"/>
+            </a:endParaRPr>
+          </a:p>
+        </p:txBody>
+      </p:sp>
+    </p:spTree>
+    <p:extLst>
+      <p:ext uri="{BB962C8B-B14F-4D97-AF65-F5344CB8AC3E}">
+        <p14:creationId xmlns:p14="http://schemas.microsoft.com/office/powerpoint/2010/main" val="3685390437"/>
+      </p:ext>
+    </p:extLst>
+  </p:cSld>
+  <p:clrMapOvr>
+    <a:masterClrMapping/>
+  </p:clrMapOvr>
+</p:sld>
+</file>
+
+<file path=ppt/slides/slide16.xml><?xml version="1.0" encoding="utf-8"?>
+<p:sld xmlns:a="http://schemas.openxmlformats.org/drawingml/2006/main" xmlns:r="http://schemas.openxmlformats.org/officeDocument/2006/relationships" xmlns:p="http://schemas.openxmlformats.org/presentationml/2006/main">
+  <p:cSld>
+    <p:spTree>
+      <p:nvGrpSpPr>
+        <p:cNvPr id="1" name=""/>
+        <p:cNvGrpSpPr/>
+        <p:nvPr/>
+      </p:nvGrpSpPr>
+      <p:grpSpPr>
+        <a:xfrm>
+          <a:off x="0" y="0"/>
+          <a:ext cx="0" cy="0"/>
+          <a:chOff x="0" y="0"/>
+          <a:chExt cx="0" cy="0"/>
+        </a:xfrm>
+      </p:grpSpPr>
+      <p:sp>
+        <p:nvSpPr>
+          <p:cNvPr id="2" name="Title 1"/>
+          <p:cNvSpPr>
+            <a:spLocks noGrp="1"/>
+          </p:cNvSpPr>
+          <p:nvPr>
+            <p:ph type="title"/>
+          </p:nvPr>
+        </p:nvSpPr>
+        <p:spPr>
+          <a:xfrm>
+            <a:off x="457200" y="0"/>
+            <a:ext cx="8229600" cy="857250"/>
+          </a:xfrm>
+        </p:spPr>
+        <p:txBody>
+          <a:bodyPr/>
+          <a:lstStyle/>
+          <a:p>
+            <a:r>
+              <a:rPr lang="en-US" sz="3200" dirty="0" err="1">
+                <a:solidFill>
+                  <a:srgbClr val="0070C0"/>
+                </a:solidFill>
+                <a:latin typeface="Calibri Light" panose="020F0302020204030204" pitchFamily="34" charset="0"/>
+                <a:cs typeface="Calibri Light" panose="020F0302020204030204" pitchFamily="34" charset="0"/>
+              </a:rPr>
+              <a:t>HbH</a:t>
+            </a:r>
+            <a:r>
+              <a:rPr lang="en-US" sz="3200" dirty="0">
+                <a:solidFill>
+                  <a:srgbClr val="0070C0"/>
+                </a:solidFill>
+                <a:latin typeface="Calibri Light" panose="020F0302020204030204" pitchFamily="34" charset="0"/>
+                <a:cs typeface="Calibri Light" panose="020F0302020204030204" pitchFamily="34" charset="0"/>
+              </a:rPr>
+              <a:t> IOAM Indicator Label Allocation Methods</a:t>
+            </a:r>
+          </a:p>
+        </p:txBody>
+      </p:sp>
+      <p:sp>
+        <p:nvSpPr>
+          <p:cNvPr id="3" name="Content Placeholder 2"/>
+          <p:cNvSpPr>
+            <a:spLocks noGrp="1"/>
+          </p:cNvSpPr>
+          <p:nvPr>
+            <p:ph idx="1"/>
+          </p:nvPr>
+        </p:nvSpPr>
+        <p:spPr>
+          <a:xfrm>
+            <a:off x="609600" y="1001685"/>
+            <a:ext cx="7924800" cy="3140129"/>
+          </a:xfrm>
+        </p:spPr>
+        <p:txBody>
+          <a:bodyPr/>
+          <a:lstStyle/>
+          <a:p>
+            <a:pPr marL="457200" lvl="0" indent="-457200">
+              <a:buFont typeface="+mj-lt"/>
+              <a:buAutoNum type="arabicPeriod"/>
+            </a:pPr>
+            <a:r>
+              <a:rPr lang="en-CA" sz="1800" dirty="0"/>
+              <a:t>Extension Label (15) and Label assigned by IANA with value </a:t>
+            </a:r>
+            <a:r>
+              <a:rPr lang="en-CA" sz="1800" dirty="0">
+                <a:solidFill>
+                  <a:srgbClr val="0070C0"/>
+                </a:solidFill>
+              </a:rPr>
+              <a:t>TBA2</a:t>
+            </a:r>
+          </a:p>
+          <a:p>
+            <a:pPr lvl="1" indent="-342900">
+              <a:buFont typeface="Wingdings" pitchFamily="2" charset="2"/>
+              <a:buChar char="§"/>
+            </a:pPr>
+            <a:r>
+              <a:rPr lang="en-CA" sz="1800" dirty="0"/>
+              <a:t>From Extended Special Purpose Labels (</a:t>
+            </a:r>
+            <a:r>
+              <a:rPr lang="en-CA" sz="1800" dirty="0" err="1"/>
+              <a:t>eSPL</a:t>
+            </a:r>
+            <a:r>
+              <a:rPr lang="en-CA" sz="1800" dirty="0"/>
+              <a:t>) range</a:t>
+            </a:r>
+          </a:p>
+          <a:p>
+            <a:pPr marL="457200" lvl="0" indent="-457200">
+              <a:buFont typeface="+mj-lt"/>
+              <a:buAutoNum type="arabicPeriod"/>
+            </a:pPr>
+            <a:r>
+              <a:rPr lang="en-CA" sz="1800" dirty="0"/>
+              <a:t>Global Label allocated by a controller</a:t>
+            </a:r>
+          </a:p>
+          <a:p>
+            <a:pPr lvl="1" indent="-342900">
+              <a:buFont typeface="Wingdings" pitchFamily="2" charset="2"/>
+              <a:buChar char="§"/>
+            </a:pPr>
+            <a:r>
+              <a:rPr lang="en-CA" sz="1800" dirty="0"/>
+              <a:t>The controller provisions the label on encapsulating, intermediate and decapsulating nodes</a:t>
+            </a:r>
+          </a:p>
+          <a:p>
+            <a:pPr marL="457200" lvl="0" indent="-457200">
+              <a:buFont typeface="+mj-lt"/>
+              <a:buAutoNum type="arabicPeriod"/>
+            </a:pPr>
+            <a:r>
+              <a:rPr lang="en-CA" sz="1800" dirty="0"/>
+              <a:t>The IOAM Label allocated by the intermediate and decapsulating nodes</a:t>
+            </a:r>
+          </a:p>
+          <a:p>
+            <a:pPr lvl="1" indent="-342900">
+              <a:buFont typeface="Wingdings" pitchFamily="2" charset="2"/>
+              <a:buChar char="§"/>
+            </a:pPr>
+            <a:r>
+              <a:rPr lang="en-CA" sz="1800" dirty="0"/>
+              <a:t>Signaling/advertisement extensions needed to convey the label to all encapsulating nodes (out of scope)</a:t>
+            </a:r>
+          </a:p>
+        </p:txBody>
+      </p:sp>
+      <p:sp>
+        <p:nvSpPr>
+          <p:cNvPr id="4" name="Footer Placeholder 3"/>
+          <p:cNvSpPr>
+            <a:spLocks noGrp="1"/>
+          </p:cNvSpPr>
+          <p:nvPr>
+            <p:ph type="ftr" sz="quarter" idx="11"/>
+          </p:nvPr>
+        </p:nvSpPr>
+        <p:spPr>
+          <a:xfrm>
+            <a:off x="3124200" y="4786312"/>
+            <a:ext cx="2895600" cy="357188"/>
+          </a:xfrm>
+        </p:spPr>
+        <p:txBody>
+          <a:bodyPr/>
+          <a:lstStyle/>
+          <a:p>
+            <a:r>
+              <a:rPr lang="en-CA" dirty="0"/>
+              <a:t>110</a:t>
+            </a:r>
+            <a:r>
+              <a:rPr lang="en-CA" baseline="30000" dirty="0"/>
+              <a:t>th</a:t>
+            </a:r>
+            <a:r>
+              <a:rPr lang="en-CA" dirty="0"/>
+              <a:t> IETF Online</a:t>
+            </a:r>
+          </a:p>
+        </p:txBody>
+      </p:sp>
+      <p:sp>
+        <p:nvSpPr>
+          <p:cNvPr id="5" name="Slide Number Placeholder 4"/>
+          <p:cNvSpPr>
+            <a:spLocks noGrp="1"/>
+          </p:cNvSpPr>
+          <p:nvPr>
+            <p:ph type="sldNum" sz="quarter" idx="12"/>
+          </p:nvPr>
+        </p:nvSpPr>
+        <p:spPr/>
+        <p:txBody>
+          <a:bodyPr/>
+          <a:lstStyle/>
+          <a:p>
+            <a:pPr>
+              <a:defRPr/>
+            </a:pPr>
+            <a:fld id="{BD6E0F59-1DD8-40FC-9C92-B6295CBA6CCA}" type="slidenum">
+              <a:rPr lang="en-US" altLang="zh-CN" smtClean="0"/>
+              <a:pPr>
+                <a:defRPr/>
+              </a:pPr>
+              <a:t>16</a:t>
             </a:fld>
             <a:endParaRPr lang="en-US" altLang="zh-CN"/>
           </a:p>
@@ -8063,7 +8553,7 @@
 </p:sld>
 </file>
 
-<file path=ppt/slides/slide16.xml><?xml version="1.0" encoding="utf-8"?>
+<file path=ppt/slides/slide17.xml><?xml version="1.0" encoding="utf-8"?>
 <p:sld xmlns:a="http://schemas.openxmlformats.org/drawingml/2006/main" xmlns:r="http://schemas.openxmlformats.org/officeDocument/2006/relationships" xmlns:p="http://schemas.openxmlformats.org/presentationml/2006/main">
   <p:cSld>
     <p:spTree>
@@ -8686,7 +9176,7 @@
               <a:pPr>
                 <a:defRPr/>
               </a:pPr>
-              <a:t>16</a:t>
+              <a:t>17</a:t>
             </a:fld>
             <a:endParaRPr lang="en-US" altLang="zh-CN"/>
           </a:p>
@@ -8941,7 +9431,7 @@
 </p:sld>
 </file>
 
-<file path=ppt/slides/slide17.xml><?xml version="1.0" encoding="utf-8"?>
+<file path=ppt/slides/slide18.xml><?xml version="1.0" encoding="utf-8"?>
 <p:sld xmlns:a="http://schemas.openxmlformats.org/drawingml/2006/main" xmlns:r="http://schemas.openxmlformats.org/officeDocument/2006/relationships" xmlns:p="http://schemas.openxmlformats.org/presentationml/2006/main">
   <p:cSld>
     <p:spTree>
@@ -9257,7 +9747,7 @@
               <a:pPr>
                 <a:defRPr/>
               </a:pPr>
-              <a:t>17</a:t>
+              <a:t>18</a:t>
             </a:fld>
             <a:endParaRPr lang="en-US" altLang="zh-CN"/>
           </a:p>
@@ -9276,7 +9766,7 @@
 </p:sld>
 </file>
 
-<file path=ppt/slides/slide18.xml><?xml version="1.0" encoding="utf-8"?>
+<file path=ppt/slides/slide19.xml><?xml version="1.0" encoding="utf-8"?>
 <p:sld xmlns:a="http://schemas.openxmlformats.org/drawingml/2006/main" xmlns:r="http://schemas.openxmlformats.org/officeDocument/2006/relationships" xmlns:p="http://schemas.openxmlformats.org/presentationml/2006/main">
   <p:cSld>
     <p:spTree>
@@ -9563,7 +10053,7 @@
               <a:pPr>
                 <a:defRPr/>
               </a:pPr>
-              <a:t>18</a:t>
+              <a:t>19</a:t>
             </a:fld>
             <a:endParaRPr lang="en-US" altLang="zh-CN"/>
           </a:p>
@@ -9573,382 +10063,6 @@
     <p:extLst>
       <p:ext uri="{BB962C8B-B14F-4D97-AF65-F5344CB8AC3E}">
         <p14:creationId xmlns:p14="http://schemas.microsoft.com/office/powerpoint/2010/main" val="1208650897"/>
-      </p:ext>
-    </p:extLst>
-  </p:cSld>
-  <p:clrMapOvr>
-    <a:masterClrMapping/>
-  </p:clrMapOvr>
-</p:sld>
-</file>
-
-<file path=ppt/slides/slide19.xml><?xml version="1.0" encoding="utf-8"?>
-<p:sld xmlns:a="http://schemas.openxmlformats.org/drawingml/2006/main" xmlns:r="http://schemas.openxmlformats.org/officeDocument/2006/relationships" xmlns:p="http://schemas.openxmlformats.org/presentationml/2006/main">
-  <p:cSld>
-    <p:spTree>
-      <p:nvGrpSpPr>
-        <p:cNvPr id="1" name=""/>
-        <p:cNvGrpSpPr/>
-        <p:nvPr/>
-      </p:nvGrpSpPr>
-      <p:grpSpPr>
-        <a:xfrm>
-          <a:off x="0" y="0"/>
-          <a:ext cx="0" cy="0"/>
-          <a:chOff x="0" y="0"/>
-          <a:chExt cx="0" cy="0"/>
-        </a:xfrm>
-      </p:grpSpPr>
-      <p:sp>
-        <p:nvSpPr>
-          <p:cNvPr id="2" name="Title 1">
-            <a:extLst>
-              <a:ext uri="{FF2B5EF4-FFF2-40B4-BE49-F238E27FC236}">
-                <a16:creationId xmlns:a16="http://schemas.microsoft.com/office/drawing/2014/main" id="{16C5255E-BE42-5348-AC0F-6257873BBB61}"/>
-              </a:ext>
-            </a:extLst>
-          </p:cNvPr>
-          <p:cNvSpPr>
-            <a:spLocks noGrp="1"/>
-          </p:cNvSpPr>
-          <p:nvPr>
-            <p:ph type="title"/>
-          </p:nvPr>
-        </p:nvSpPr>
-        <p:spPr>
-          <a:xfrm>
-            <a:off x="0" y="0"/>
-            <a:ext cx="9144000" cy="857250"/>
-          </a:xfrm>
-        </p:spPr>
-        <p:txBody>
-          <a:bodyPr/>
-          <a:lstStyle/>
-          <a:p>
-            <a:r>
-              <a:rPr lang="en-US" sz="2800" dirty="0">
-                <a:solidFill>
-                  <a:srgbClr val="0070C0"/>
-                </a:solidFill>
-                <a:latin typeface="Calibri Light" panose="020F0302020204030204" pitchFamily="34" charset="0"/>
-                <a:cs typeface="Calibri Light" panose="020F0302020204030204" pitchFamily="34" charset="0"/>
-              </a:rPr>
-              <a:t>IOAM Data Fields with Control Word and Another G-</a:t>
-            </a:r>
-            <a:r>
-              <a:rPr lang="en-US" sz="2800" dirty="0" err="1">
-                <a:solidFill>
-                  <a:srgbClr val="0070C0"/>
-                </a:solidFill>
-                <a:latin typeface="Calibri Light" panose="020F0302020204030204" pitchFamily="34" charset="0"/>
-                <a:cs typeface="Calibri Light" panose="020F0302020204030204" pitchFamily="34" charset="0"/>
-              </a:rPr>
-              <a:t>ACh</a:t>
-            </a:r>
-            <a:endParaRPr lang="en-US" sz="2800" dirty="0">
-              <a:solidFill>
-                <a:srgbClr val="0070C0"/>
-              </a:solidFill>
-              <a:latin typeface="Calibri Light" panose="020F0302020204030204" pitchFamily="34" charset="0"/>
-              <a:cs typeface="Calibri Light" panose="020F0302020204030204" pitchFamily="34" charset="0"/>
-            </a:endParaRPr>
-          </a:p>
-        </p:txBody>
-      </p:sp>
-      <p:sp>
-        <p:nvSpPr>
-          <p:cNvPr id="3" name="Content Placeholder 2">
-            <a:extLst>
-              <a:ext uri="{FF2B5EF4-FFF2-40B4-BE49-F238E27FC236}">
-                <a16:creationId xmlns:a16="http://schemas.microsoft.com/office/drawing/2014/main" id="{3943595A-2AF7-A141-B580-268FFA30C69C}"/>
-              </a:ext>
-            </a:extLst>
-          </p:cNvPr>
-          <p:cNvSpPr>
-            <a:spLocks noGrp="1"/>
-          </p:cNvSpPr>
-          <p:nvPr>
-            <p:ph idx="1"/>
-          </p:nvPr>
-        </p:nvSpPr>
-        <p:spPr>
-          <a:xfrm>
-            <a:off x="533400" y="971550"/>
-            <a:ext cx="8153400" cy="3581399"/>
-          </a:xfrm>
-        </p:spPr>
-        <p:txBody>
-          <a:bodyPr/>
-          <a:lstStyle/>
-          <a:p>
-            <a:pPr>
-              <a:lnSpc>
-                <a:spcPts val="2220"/>
-              </a:lnSpc>
-              <a:spcBef>
-                <a:spcPts val="600"/>
-              </a:spcBef>
-            </a:pPr>
-            <a:r>
-              <a:rPr lang="en-CA" sz="1800" dirty="0">
-                <a:latin typeface="Calibri" panose="020F0502020204030204" pitchFamily="34" charset="0"/>
-                <a:cs typeface="Calibri" panose="020F0502020204030204" pitchFamily="34" charset="0"/>
-              </a:rPr>
-              <a:t>IOAM Data Fields, including IOAM G-</a:t>
-            </a:r>
-            <a:r>
-              <a:rPr lang="en-CA" sz="1800" dirty="0" err="1">
-                <a:latin typeface="Calibri" panose="020F0502020204030204" pitchFamily="34" charset="0"/>
-                <a:cs typeface="Calibri" panose="020F0502020204030204" pitchFamily="34" charset="0"/>
-              </a:rPr>
-              <a:t>ACh</a:t>
-            </a:r>
-            <a:r>
-              <a:rPr lang="en-CA" sz="1800" dirty="0">
-                <a:latin typeface="Calibri" panose="020F0502020204030204" pitchFamily="34" charset="0"/>
-                <a:cs typeface="Calibri" panose="020F0502020204030204" pitchFamily="34" charset="0"/>
-              </a:rPr>
-              <a:t> header are added in the MPLS </a:t>
-            </a:r>
-            <a:r>
-              <a:rPr lang="en-CA" sz="1800" dirty="0"/>
-              <a:t>encapsulation after the MPLS header</a:t>
-            </a:r>
-            <a:r>
-              <a:rPr lang="en-CA" sz="1800" dirty="0">
-                <a:latin typeface="Calibri" panose="020F0502020204030204" pitchFamily="34" charset="0"/>
-                <a:cs typeface="Calibri" panose="020F0502020204030204" pitchFamily="34" charset="0"/>
-              </a:rPr>
-              <a:t>.</a:t>
-            </a:r>
-          </a:p>
-          <a:p>
-            <a:pPr>
-              <a:lnSpc>
-                <a:spcPts val="2220"/>
-              </a:lnSpc>
-              <a:spcBef>
-                <a:spcPts val="600"/>
-              </a:spcBef>
-            </a:pPr>
-            <a:r>
-              <a:rPr lang="en-CA" sz="1800" dirty="0">
-                <a:latin typeface="Calibri" panose="020F0502020204030204" pitchFamily="34" charset="0"/>
-                <a:cs typeface="Calibri" panose="020F0502020204030204" pitchFamily="34" charset="0"/>
-              </a:rPr>
-              <a:t>The Control Word or another G-</a:t>
-            </a:r>
-            <a:r>
-              <a:rPr lang="en-CA" sz="1800" dirty="0" err="1">
-                <a:latin typeface="Calibri" panose="020F0502020204030204" pitchFamily="34" charset="0"/>
-                <a:cs typeface="Calibri" panose="020F0502020204030204" pitchFamily="34" charset="0"/>
-              </a:rPr>
-              <a:t>ACh</a:t>
-            </a:r>
-            <a:r>
-              <a:rPr lang="en-CA" sz="1800" dirty="0">
-                <a:latin typeface="Calibri" panose="020F0502020204030204" pitchFamily="34" charset="0"/>
-                <a:cs typeface="Calibri" panose="020F0502020204030204" pitchFamily="34" charset="0"/>
-              </a:rPr>
-              <a:t> MUST be added after the IOAM Data Fields in the packet.</a:t>
-            </a:r>
-          </a:p>
-          <a:p>
-            <a:pPr>
-              <a:lnSpc>
-                <a:spcPts val="2220"/>
-              </a:lnSpc>
-              <a:spcBef>
-                <a:spcPts val="600"/>
-              </a:spcBef>
-            </a:pPr>
-            <a:r>
-              <a:rPr lang="en-CA" sz="1800" dirty="0">
-                <a:latin typeface="Calibri" panose="020F0502020204030204" pitchFamily="34" charset="0"/>
-                <a:cs typeface="Calibri" panose="020F0502020204030204" pitchFamily="34" charset="0"/>
-              </a:rPr>
-              <a:t>This allows the intermediate nodes to easily access the </a:t>
-            </a:r>
-            <a:r>
-              <a:rPr lang="en-CA" sz="1800" dirty="0" err="1">
-                <a:latin typeface="Calibri" panose="020F0502020204030204" pitchFamily="34" charset="0"/>
-                <a:cs typeface="Calibri" panose="020F0502020204030204" pitchFamily="34" charset="0"/>
-              </a:rPr>
-              <a:t>HbH</a:t>
-            </a:r>
-            <a:r>
-              <a:rPr lang="en-CA" sz="1800" dirty="0">
-                <a:latin typeface="Calibri" panose="020F0502020204030204" pitchFamily="34" charset="0"/>
-                <a:cs typeface="Calibri" panose="020F0502020204030204" pitchFamily="34" charset="0"/>
-              </a:rPr>
-              <a:t> IOAM data field(s) after the MPLS header.</a:t>
-            </a:r>
-          </a:p>
-          <a:p>
-            <a:pPr>
-              <a:lnSpc>
-                <a:spcPts val="2220"/>
-              </a:lnSpc>
-              <a:spcBef>
-                <a:spcPts val="600"/>
-              </a:spcBef>
-            </a:pPr>
-            <a:r>
-              <a:rPr lang="en-CA" sz="1800" dirty="0">
-                <a:latin typeface="Calibri" panose="020F0502020204030204" pitchFamily="34" charset="0"/>
-                <a:cs typeface="Calibri" panose="020F0502020204030204" pitchFamily="34" charset="0"/>
-              </a:rPr>
-              <a:t>The decapsulating node can remove the MPLS </a:t>
-            </a:r>
-            <a:r>
-              <a:rPr lang="en-CA" sz="1800" dirty="0"/>
-              <a:t>encapsulation</a:t>
-            </a:r>
-            <a:r>
-              <a:rPr lang="en-CA" sz="1800" dirty="0">
-                <a:latin typeface="Calibri" panose="020F0502020204030204" pitchFamily="34" charset="0"/>
-                <a:cs typeface="Calibri" panose="020F0502020204030204" pitchFamily="34" charset="0"/>
-              </a:rPr>
-              <a:t> including the IOAM Data Fields and then process the Control Word or G-</a:t>
-            </a:r>
-            <a:r>
-              <a:rPr lang="en-CA" sz="1800" dirty="0" err="1">
-                <a:latin typeface="Calibri" panose="020F0502020204030204" pitchFamily="34" charset="0"/>
-                <a:cs typeface="Calibri" panose="020F0502020204030204" pitchFamily="34" charset="0"/>
-              </a:rPr>
-              <a:t>ACh</a:t>
-            </a:r>
-            <a:r>
-              <a:rPr lang="en-CA" sz="1800" dirty="0">
-                <a:latin typeface="Calibri" panose="020F0502020204030204" pitchFamily="34" charset="0"/>
-                <a:cs typeface="Calibri" panose="020F0502020204030204" pitchFamily="34" charset="0"/>
-              </a:rPr>
-              <a:t> following it.</a:t>
-            </a:r>
-          </a:p>
-          <a:p>
-            <a:pPr>
-              <a:lnSpc>
-                <a:spcPts val="2220"/>
-              </a:lnSpc>
-              <a:spcBef>
-                <a:spcPts val="600"/>
-              </a:spcBef>
-            </a:pPr>
-            <a:r>
-              <a:rPr lang="en-CA" sz="1800" i="1" dirty="0">
-                <a:latin typeface="Calibri" panose="020F0502020204030204" pitchFamily="34" charset="0"/>
-                <a:cs typeface="Calibri" panose="020F0502020204030204" pitchFamily="34" charset="0"/>
-              </a:rPr>
-              <a:t>IOAM HDR Length </a:t>
-            </a:r>
-            <a:r>
-              <a:rPr lang="en-CA" sz="1800" dirty="0">
-                <a:latin typeface="Calibri" panose="020F0502020204030204" pitchFamily="34" charset="0"/>
-                <a:cs typeface="Calibri" panose="020F0502020204030204" pitchFamily="34" charset="0"/>
-              </a:rPr>
-              <a:t>allows to locate the Control Word and G-</a:t>
-            </a:r>
-            <a:r>
-              <a:rPr lang="en-CA" sz="1800" dirty="0" err="1">
-                <a:latin typeface="Calibri" panose="020F0502020204030204" pitchFamily="34" charset="0"/>
-                <a:cs typeface="Calibri" panose="020F0502020204030204" pitchFamily="34" charset="0"/>
-              </a:rPr>
-              <a:t>ACh</a:t>
-            </a:r>
-            <a:r>
-              <a:rPr lang="en-CA" sz="1800" dirty="0">
-                <a:latin typeface="Calibri" panose="020F0502020204030204" pitchFamily="34" charset="0"/>
-                <a:cs typeface="Calibri" panose="020F0502020204030204" pitchFamily="34" charset="0"/>
-              </a:rPr>
-              <a:t> after the IOAM Data Fields.</a:t>
-            </a:r>
-          </a:p>
-        </p:txBody>
-      </p:sp>
-      <p:sp>
-        <p:nvSpPr>
-          <p:cNvPr id="4" name="Footer Placeholder 3">
-            <a:extLst>
-              <a:ext uri="{FF2B5EF4-FFF2-40B4-BE49-F238E27FC236}">
-                <a16:creationId xmlns:a16="http://schemas.microsoft.com/office/drawing/2014/main" id="{CF70CC82-C055-3645-9254-87CEC1C49032}"/>
-              </a:ext>
-            </a:extLst>
-          </p:cNvPr>
-          <p:cNvSpPr>
-            <a:spLocks noGrp="1"/>
-          </p:cNvSpPr>
-          <p:nvPr>
-            <p:ph type="ftr" sz="quarter" idx="11"/>
-          </p:nvPr>
-        </p:nvSpPr>
-        <p:spPr>
-          <a:xfrm>
-            <a:off x="3124200" y="4786312"/>
-            <a:ext cx="2895600" cy="357188"/>
-          </a:xfrm>
-        </p:spPr>
-        <p:txBody>
-          <a:bodyPr/>
-          <a:lstStyle/>
-          <a:p>
-            <a:pPr>
-              <a:defRPr/>
-            </a:pPr>
-            <a:r>
-              <a:rPr lang="en-US" altLang="zh-CN" dirty="0"/>
-              <a:t>110</a:t>
-            </a:r>
-            <a:r>
-              <a:rPr lang="en-US" altLang="zh-CN" baseline="30000" dirty="0"/>
-              <a:t>th</a:t>
-            </a:r>
-            <a:r>
-              <a:rPr lang="en-US" altLang="zh-CN" dirty="0"/>
-              <a:t> IETF Online</a:t>
-            </a:r>
-          </a:p>
-        </p:txBody>
-      </p:sp>
-      <p:sp>
-        <p:nvSpPr>
-          <p:cNvPr id="5" name="Slide Number Placeholder 4">
-            <a:extLst>
-              <a:ext uri="{FF2B5EF4-FFF2-40B4-BE49-F238E27FC236}">
-                <a16:creationId xmlns:a16="http://schemas.microsoft.com/office/drawing/2014/main" id="{62DF7D69-BCF6-2D4A-A3F1-2D32C59355D3}"/>
-              </a:ext>
-            </a:extLst>
-          </p:cNvPr>
-          <p:cNvSpPr>
-            <a:spLocks noGrp="1"/>
-          </p:cNvSpPr>
-          <p:nvPr>
-            <p:ph type="sldNum" sz="quarter" idx="12"/>
-          </p:nvPr>
-        </p:nvSpPr>
-        <p:spPr/>
-        <p:txBody>
-          <a:bodyPr/>
-          <a:lstStyle/>
-          <a:p>
-            <a:pPr>
-              <a:defRPr/>
-            </a:pPr>
-            <a:fld id="{BD6E0F59-1DD8-40FC-9C92-B6295CBA6CCA}" type="slidenum">
-              <a:rPr lang="en-US" altLang="zh-CN" smtClean="0"/>
-              <a:pPr>
-                <a:defRPr/>
-              </a:pPr>
-              <a:t>19</a:t>
-            </a:fld>
-            <a:endParaRPr lang="en-US" altLang="zh-CN" dirty="0"/>
-          </a:p>
-        </p:txBody>
-      </p:sp>
-    </p:spTree>
-    <p:extLst>
-      <p:ext uri="{BB962C8B-B14F-4D97-AF65-F5344CB8AC3E}">
-        <p14:creationId xmlns:p14="http://schemas.microsoft.com/office/powerpoint/2010/main" val="3990542425"/>
       </p:ext>
     </p:extLst>
   </p:cSld>
@@ -10146,7 +10260,7 @@
           <p:cNvPr id="2" name="Title 1">
             <a:extLst>
               <a:ext uri="{FF2B5EF4-FFF2-40B4-BE49-F238E27FC236}">
-                <a16:creationId xmlns:a16="http://schemas.microsoft.com/office/drawing/2014/main" id="{590D0125-5A9E-9D48-9391-85FBD0E608A2}"/>
+                <a16:creationId xmlns:a16="http://schemas.microsoft.com/office/drawing/2014/main" id="{16C5255E-BE42-5348-AC0F-6257873BBB61}"/>
               </a:ext>
             </a:extLst>
           </p:cNvPr>
@@ -10159,8 +10273,8 @@
         </p:nvSpPr>
         <p:spPr>
           <a:xfrm>
-            <a:off x="0" y="42880"/>
-            <a:ext cx="9144000" cy="599270"/>
+            <a:off x="0" y="0"/>
+            <a:ext cx="9144000" cy="857250"/>
           </a:xfrm>
         </p:spPr>
         <p:txBody>
@@ -10168,14 +10282,24 @@
           <a:lstStyle/>
           <a:p>
             <a:r>
-              <a:rPr lang="en-CA" sz="2800" dirty="0">
+              <a:rPr lang="en-US" sz="2800" dirty="0">
                 <a:solidFill>
                   <a:srgbClr val="0070C0"/>
                 </a:solidFill>
                 <a:latin typeface="Calibri Light" panose="020F0302020204030204" pitchFamily="34" charset="0"/>
                 <a:cs typeface="Calibri Light" panose="020F0302020204030204" pitchFamily="34" charset="0"/>
               </a:rPr>
-              <a:t>Generic PW Control Word [RFC4385] with IOAM Data Fields</a:t>
+              <a:t>IOAM Data Fields with Control Word and Another G-</a:t>
+            </a:r>
+            <a:r>
+              <a:rPr lang="en-US" sz="2800" dirty="0" err="1">
+                <a:solidFill>
+                  <a:srgbClr val="0070C0"/>
+                </a:solidFill>
+                <a:latin typeface="Calibri Light" panose="020F0302020204030204" pitchFamily="34" charset="0"/>
+                <a:cs typeface="Calibri Light" panose="020F0302020204030204" pitchFamily="34" charset="0"/>
+              </a:rPr>
+              <a:t>ACh</a:t>
             </a:r>
             <a:endParaRPr lang="en-US" sz="2800" dirty="0">
               <a:solidFill>
@@ -10189,10 +10313,221 @@
       </p:sp>
       <p:sp>
         <p:nvSpPr>
+          <p:cNvPr id="3" name="Content Placeholder 2">
+            <a:extLst>
+              <a:ext uri="{FF2B5EF4-FFF2-40B4-BE49-F238E27FC236}">
+                <a16:creationId xmlns:a16="http://schemas.microsoft.com/office/drawing/2014/main" id="{3943595A-2AF7-A141-B580-268FFA30C69C}"/>
+              </a:ext>
+            </a:extLst>
+          </p:cNvPr>
+          <p:cNvSpPr>
+            <a:spLocks noGrp="1"/>
+          </p:cNvSpPr>
+          <p:nvPr>
+            <p:ph idx="1"/>
+          </p:nvPr>
+        </p:nvSpPr>
+        <p:spPr>
+          <a:xfrm>
+            <a:off x="533400" y="971550"/>
+            <a:ext cx="8153400" cy="3581399"/>
+          </a:xfrm>
+        </p:spPr>
+        <p:txBody>
+          <a:bodyPr/>
+          <a:lstStyle/>
+          <a:p>
+            <a:pPr>
+              <a:lnSpc>
+                <a:spcPts val="2220"/>
+              </a:lnSpc>
+              <a:spcBef>
+                <a:spcPts val="600"/>
+              </a:spcBef>
+            </a:pPr>
+            <a:r>
+              <a:rPr lang="en-CA" sz="1800" dirty="0">
+                <a:latin typeface="Calibri" panose="020F0502020204030204" pitchFamily="34" charset="0"/>
+                <a:cs typeface="Calibri" panose="020F0502020204030204" pitchFamily="34" charset="0"/>
+              </a:rPr>
+              <a:t>IOAM Data Fields, including IOAM G-</a:t>
+            </a:r>
+            <a:r>
+              <a:rPr lang="en-CA" sz="1800" dirty="0" err="1">
+                <a:latin typeface="Calibri" panose="020F0502020204030204" pitchFamily="34" charset="0"/>
+                <a:cs typeface="Calibri" panose="020F0502020204030204" pitchFamily="34" charset="0"/>
+              </a:rPr>
+              <a:t>ACh</a:t>
+            </a:r>
+            <a:r>
+              <a:rPr lang="en-CA" sz="1800" dirty="0">
+                <a:latin typeface="Calibri" panose="020F0502020204030204" pitchFamily="34" charset="0"/>
+                <a:cs typeface="Calibri" panose="020F0502020204030204" pitchFamily="34" charset="0"/>
+              </a:rPr>
+              <a:t> header are added in the MPLS </a:t>
+            </a:r>
+            <a:r>
+              <a:rPr lang="en-CA" sz="1800" dirty="0"/>
+              <a:t>encapsulation after the MPLS header</a:t>
+            </a:r>
+            <a:r>
+              <a:rPr lang="en-CA" sz="1800" dirty="0">
+                <a:latin typeface="Calibri" panose="020F0502020204030204" pitchFamily="34" charset="0"/>
+                <a:cs typeface="Calibri" panose="020F0502020204030204" pitchFamily="34" charset="0"/>
+              </a:rPr>
+              <a:t>.</a:t>
+            </a:r>
+          </a:p>
+          <a:p>
+            <a:pPr>
+              <a:lnSpc>
+                <a:spcPts val="2220"/>
+              </a:lnSpc>
+              <a:spcBef>
+                <a:spcPts val="600"/>
+              </a:spcBef>
+            </a:pPr>
+            <a:r>
+              <a:rPr lang="en-CA" sz="1800" dirty="0">
+                <a:latin typeface="Calibri" panose="020F0502020204030204" pitchFamily="34" charset="0"/>
+                <a:cs typeface="Calibri" panose="020F0502020204030204" pitchFamily="34" charset="0"/>
+              </a:rPr>
+              <a:t>The Control Word or another G-</a:t>
+            </a:r>
+            <a:r>
+              <a:rPr lang="en-CA" sz="1800" dirty="0" err="1">
+                <a:latin typeface="Calibri" panose="020F0502020204030204" pitchFamily="34" charset="0"/>
+                <a:cs typeface="Calibri" panose="020F0502020204030204" pitchFamily="34" charset="0"/>
+              </a:rPr>
+              <a:t>ACh</a:t>
+            </a:r>
+            <a:r>
+              <a:rPr lang="en-CA" sz="1800" dirty="0">
+                <a:latin typeface="Calibri" panose="020F0502020204030204" pitchFamily="34" charset="0"/>
+                <a:cs typeface="Calibri" panose="020F0502020204030204" pitchFamily="34" charset="0"/>
+              </a:rPr>
+              <a:t> MUST be added after the IOAM Data Fields in the packet.</a:t>
+            </a:r>
+          </a:p>
+          <a:p>
+            <a:pPr>
+              <a:lnSpc>
+                <a:spcPts val="2220"/>
+              </a:lnSpc>
+              <a:spcBef>
+                <a:spcPts val="600"/>
+              </a:spcBef>
+            </a:pPr>
+            <a:r>
+              <a:rPr lang="en-CA" sz="1800" dirty="0">
+                <a:latin typeface="Calibri" panose="020F0502020204030204" pitchFamily="34" charset="0"/>
+                <a:cs typeface="Calibri" panose="020F0502020204030204" pitchFamily="34" charset="0"/>
+              </a:rPr>
+              <a:t>This allows the intermediate nodes to easily access the </a:t>
+            </a:r>
+            <a:r>
+              <a:rPr lang="en-CA" sz="1800" dirty="0" err="1">
+                <a:latin typeface="Calibri" panose="020F0502020204030204" pitchFamily="34" charset="0"/>
+                <a:cs typeface="Calibri" panose="020F0502020204030204" pitchFamily="34" charset="0"/>
+              </a:rPr>
+              <a:t>HbH</a:t>
+            </a:r>
+            <a:r>
+              <a:rPr lang="en-CA" sz="1800" dirty="0">
+                <a:latin typeface="Calibri" panose="020F0502020204030204" pitchFamily="34" charset="0"/>
+                <a:cs typeface="Calibri" panose="020F0502020204030204" pitchFamily="34" charset="0"/>
+              </a:rPr>
+              <a:t> IOAM data field(s) after the MPLS header.</a:t>
+            </a:r>
+          </a:p>
+          <a:p>
+            <a:pPr>
+              <a:lnSpc>
+                <a:spcPts val="2220"/>
+              </a:lnSpc>
+              <a:spcBef>
+                <a:spcPts val="600"/>
+              </a:spcBef>
+            </a:pPr>
+            <a:r>
+              <a:rPr lang="en-CA" sz="1800" dirty="0">
+                <a:latin typeface="Calibri" panose="020F0502020204030204" pitchFamily="34" charset="0"/>
+                <a:cs typeface="Calibri" panose="020F0502020204030204" pitchFamily="34" charset="0"/>
+              </a:rPr>
+              <a:t>The decapsulating node can remove the MPLS </a:t>
+            </a:r>
+            <a:r>
+              <a:rPr lang="en-CA" sz="1800" dirty="0"/>
+              <a:t>encapsulation</a:t>
+            </a:r>
+            <a:r>
+              <a:rPr lang="en-CA" sz="1800" dirty="0">
+                <a:latin typeface="Calibri" panose="020F0502020204030204" pitchFamily="34" charset="0"/>
+                <a:cs typeface="Calibri" panose="020F0502020204030204" pitchFamily="34" charset="0"/>
+              </a:rPr>
+              <a:t> including the IOAM Data Fields and then process the Control Word or G-</a:t>
+            </a:r>
+            <a:r>
+              <a:rPr lang="en-CA" sz="1800" dirty="0" err="1">
+                <a:latin typeface="Calibri" panose="020F0502020204030204" pitchFamily="34" charset="0"/>
+                <a:cs typeface="Calibri" panose="020F0502020204030204" pitchFamily="34" charset="0"/>
+              </a:rPr>
+              <a:t>ACh</a:t>
+            </a:r>
+            <a:r>
+              <a:rPr lang="en-CA" sz="1800" dirty="0">
+                <a:latin typeface="Calibri" panose="020F0502020204030204" pitchFamily="34" charset="0"/>
+                <a:cs typeface="Calibri" panose="020F0502020204030204" pitchFamily="34" charset="0"/>
+              </a:rPr>
+              <a:t> following it.</a:t>
+            </a:r>
+          </a:p>
+          <a:p>
+            <a:pPr>
+              <a:lnSpc>
+                <a:spcPts val="2220"/>
+              </a:lnSpc>
+              <a:spcBef>
+                <a:spcPts val="600"/>
+              </a:spcBef>
+            </a:pPr>
+            <a:r>
+              <a:rPr lang="en-CA" sz="1800" i="1" dirty="0">
+                <a:latin typeface="Calibri" panose="020F0502020204030204" pitchFamily="34" charset="0"/>
+                <a:cs typeface="Calibri" panose="020F0502020204030204" pitchFamily="34" charset="0"/>
+              </a:rPr>
+              <a:t>IOAM HDR Length </a:t>
+            </a:r>
+            <a:r>
+              <a:rPr lang="en-CA" sz="1800" dirty="0">
+                <a:latin typeface="Calibri" panose="020F0502020204030204" pitchFamily="34" charset="0"/>
+                <a:cs typeface="Calibri" panose="020F0502020204030204" pitchFamily="34" charset="0"/>
+              </a:rPr>
+              <a:t>allows to locate the Control Word and G-</a:t>
+            </a:r>
+            <a:r>
+              <a:rPr lang="en-CA" sz="1800" dirty="0" err="1">
+                <a:latin typeface="Calibri" panose="020F0502020204030204" pitchFamily="34" charset="0"/>
+                <a:cs typeface="Calibri" panose="020F0502020204030204" pitchFamily="34" charset="0"/>
+              </a:rPr>
+              <a:t>ACh</a:t>
+            </a:r>
+            <a:r>
+              <a:rPr lang="en-CA" sz="1800" dirty="0">
+                <a:latin typeface="Calibri" panose="020F0502020204030204" pitchFamily="34" charset="0"/>
+                <a:cs typeface="Calibri" panose="020F0502020204030204" pitchFamily="34" charset="0"/>
+              </a:rPr>
+              <a:t> after the IOAM Data Fields.</a:t>
+            </a:r>
+          </a:p>
+        </p:txBody>
+      </p:sp>
+      <p:sp>
+        <p:nvSpPr>
           <p:cNvPr id="4" name="Footer Placeholder 3">
             <a:extLst>
               <a:ext uri="{FF2B5EF4-FFF2-40B4-BE49-F238E27FC236}">
-                <a16:creationId xmlns:a16="http://schemas.microsoft.com/office/drawing/2014/main" id="{87713FCD-3B47-804D-B373-DAB61FB5FF59}"/>
+                <a16:creationId xmlns:a16="http://schemas.microsoft.com/office/drawing/2014/main" id="{CF70CC82-C055-3645-9254-87CEC1C49032}"/>
               </a:ext>
             </a:extLst>
           </p:cNvPr>
@@ -10205,7 +10540,7 @@
         </p:nvSpPr>
         <p:spPr>
           <a:xfrm>
-            <a:off x="3124200" y="4781550"/>
+            <a:off x="3124200" y="4786312"/>
             <a:ext cx="2895600" cy="357188"/>
           </a:xfrm>
         </p:spPr>
@@ -10213,16 +10548,19 @@
           <a:bodyPr/>
           <a:lstStyle/>
           <a:p>
-            <a:r>
-              <a:rPr lang="en-CA" dirty="0"/>
+            <a:pPr>
+              <a:defRPr/>
+            </a:pPr>
+            <a:r>
+              <a:rPr lang="en-US" altLang="zh-CN" dirty="0"/>
               <a:t>110</a:t>
             </a:r>
             <a:r>
-              <a:rPr lang="en-CA" baseline="30000" dirty="0"/>
+              <a:rPr lang="en-US" altLang="zh-CN" baseline="30000" dirty="0"/>
               <a:t>th</a:t>
             </a:r>
             <a:r>
-              <a:rPr lang="en-CA" dirty="0"/>
+              <a:rPr lang="en-US" altLang="zh-CN" dirty="0"/>
               <a:t> IETF Online</a:t>
             </a:r>
           </a:p>
@@ -10233,7 +10571,7 @@
           <p:cNvPr id="5" name="Slide Number Placeholder 4">
             <a:extLst>
               <a:ext uri="{FF2B5EF4-FFF2-40B4-BE49-F238E27FC236}">
-                <a16:creationId xmlns:a16="http://schemas.microsoft.com/office/drawing/2014/main" id="{1371408B-9195-EC4D-8131-A3F5CC0592D0}"/>
+                <a16:creationId xmlns:a16="http://schemas.microsoft.com/office/drawing/2014/main" id="{62DF7D69-BCF6-2D4A-A3F1-2D32C59355D3}"/>
               </a:ext>
             </a:extLst>
           </p:cNvPr>
@@ -10263,282 +10601,10 @@
           </a:p>
         </p:txBody>
       </p:sp>
-      <p:sp>
-        <p:nvSpPr>
-          <p:cNvPr id="6" name="Rectangle 5">
-            <a:extLst>
-              <a:ext uri="{FF2B5EF4-FFF2-40B4-BE49-F238E27FC236}">
-                <a16:creationId xmlns:a16="http://schemas.microsoft.com/office/drawing/2014/main" id="{1EED4007-3A19-0E4E-8496-6CECEEA363EB}"/>
-              </a:ext>
-            </a:extLst>
-          </p:cNvPr>
-          <p:cNvSpPr/>
-          <p:nvPr/>
-        </p:nvSpPr>
-        <p:spPr>
-          <a:xfrm>
-            <a:off x="2019300" y="865190"/>
-            <a:ext cx="5105400" cy="3693319"/>
-          </a:xfrm>
-          <a:prstGeom prst="rect">
-            <a:avLst/>
-          </a:prstGeom>
-          <a:solidFill>
-            <a:schemeClr val="accent6">
-              <a:lumMod val="20000"/>
-              <a:lumOff val="80000"/>
-            </a:schemeClr>
-          </a:solidFill>
-        </p:spPr>
-        <p:txBody>
-          <a:bodyPr wrap="square">
-            <a:spAutoFit/>
-          </a:bodyPr>
-          <a:lstStyle/>
-          <a:p>
-            <a:r>
-              <a:rPr lang="en-CA" sz="900" dirty="0">
-                <a:latin typeface="Courier" pitchFamily="2" charset="0"/>
-              </a:rPr>
-              <a:t>   0                   1                   2                   3</a:t>
-            </a:r>
-          </a:p>
-          <a:p>
-            <a:r>
-              <a:rPr lang="en-CA" sz="900" dirty="0">
-                <a:latin typeface="Courier" pitchFamily="2" charset="0"/>
-              </a:rPr>
-              <a:t>   0 1 2 3 4 5 6 7 8 9 0 1 2 3 4 5 6 7 8 9 0 1 2 3 4 5 6 7 8 9 0 1</a:t>
-            </a:r>
-          </a:p>
-          <a:p>
-            <a:r>
-              <a:rPr lang="en-CA" sz="900" dirty="0">
-                <a:latin typeface="Courier" pitchFamily="2" charset="0"/>
-              </a:rPr>
-              <a:t>   +-+-+-+-+-+-+-+-+-+-+-+-+-+-+-+-+-+-+-+-+-+-+-+-+-+-+-+-+-+-+-+-+</a:t>
-            </a:r>
-          </a:p>
-          <a:p>
-            <a:r>
-              <a:rPr lang="en-CA" sz="900" dirty="0">
-                <a:latin typeface="Courier" pitchFamily="2" charset="0"/>
-              </a:rPr>
-              <a:t>   | IOAM Indicator Label                  | TC  |1|  TTL          |</a:t>
-            </a:r>
-          </a:p>
-          <a:p>
-            <a:r>
-              <a:rPr lang="en-CA" sz="900" dirty="0">
-                <a:latin typeface="Courier" pitchFamily="2" charset="0"/>
-              </a:rPr>
-              <a:t>   +-+-+-+-+-+-+-+-+-+-+-+-+-+-+-+-+-+-+-+-+-+-+-+-+-+-+-+-+-+-+-+-+&lt;-+</a:t>
-            </a:r>
-          </a:p>
-          <a:p>
-            <a:r>
-              <a:rPr lang="en-CA" sz="900" dirty="0">
-                <a:latin typeface="Courier" pitchFamily="2" charset="0"/>
-              </a:rPr>
-              <a:t>   |0 0 0 1|Version| Reserved      | IOAM G-</a:t>
-            </a:r>
-            <a:r>
-              <a:rPr lang="en-CA" sz="900" dirty="0" err="1">
-                <a:latin typeface="Courier" pitchFamily="2" charset="0"/>
-              </a:rPr>
-              <a:t>ACh</a:t>
-            </a:r>
-            <a:r>
-              <a:rPr lang="en-CA" sz="900" dirty="0">
-                <a:latin typeface="Courier" pitchFamily="2" charset="0"/>
-              </a:rPr>
-              <a:t>                    |  |</a:t>
-            </a:r>
-          </a:p>
-          <a:p>
-            <a:r>
-              <a:rPr lang="en-CA" sz="900" dirty="0">
-                <a:latin typeface="Courier" pitchFamily="2" charset="0"/>
-              </a:rPr>
-              <a:t>   +-+-+-+-+-+-+-+-+-+-+-+-+-+-+-+-+-+-+-+-+-+-+-+-+-+-+-+-+-+-+-+-+  |</a:t>
-            </a:r>
-          </a:p>
-          <a:p>
-            <a:r>
-              <a:rPr lang="en-CA" sz="900" dirty="0">
-                <a:latin typeface="Courier" pitchFamily="2" charset="0"/>
-              </a:rPr>
-              <a:t>   | Reserved      | Block Number  | IOAM-OPT-Type |</a:t>
-            </a:r>
-            <a:r>
-              <a:rPr lang="en-CA" sz="900" dirty="0">
-                <a:solidFill>
-                  <a:srgbClr val="0070C0"/>
-                </a:solidFill>
-                <a:latin typeface="Courier" pitchFamily="2" charset="0"/>
-              </a:rPr>
-              <a:t>IOAM HDR Length</a:t>
-            </a:r>
-            <a:r>
-              <a:rPr lang="en-CA" sz="900" dirty="0">
-                <a:latin typeface="Courier" pitchFamily="2" charset="0"/>
-              </a:rPr>
-              <a:t>|  |</a:t>
-            </a:r>
-          </a:p>
-          <a:p>
-            <a:r>
-              <a:rPr lang="en-CA" sz="900" dirty="0">
-                <a:latin typeface="Courier" pitchFamily="2" charset="0"/>
-              </a:rPr>
-              <a:t>   +-+-+-+-+-+-+-+-+-+-+-+-+-+-+-+-+-+-+-+-+-+-+-+-+-+-+-+-+-+-+-+-+  I</a:t>
-            </a:r>
-          </a:p>
-          <a:p>
-            <a:r>
-              <a:rPr lang="en-CA" sz="900" dirty="0">
-                <a:latin typeface="Courier" pitchFamily="2" charset="0"/>
-              </a:rPr>
-              <a:t>   |                                                               |  O</a:t>
-            </a:r>
-          </a:p>
-          <a:p>
-            <a:r>
-              <a:rPr lang="en-CA" sz="900" dirty="0">
-                <a:latin typeface="Courier" pitchFamily="2" charset="0"/>
-              </a:rPr>
-              <a:t>   |                                                               |  A</a:t>
-            </a:r>
-          </a:p>
-          <a:p>
-            <a:r>
-              <a:rPr lang="en-CA" sz="900" dirty="0">
-                <a:latin typeface="Courier" pitchFamily="2" charset="0"/>
-              </a:rPr>
-              <a:t>   ~                 IOAM Option and Data Space                    ~  M</a:t>
-            </a:r>
-          </a:p>
-          <a:p>
-            <a:r>
-              <a:rPr lang="en-CA" sz="900" dirty="0">
-                <a:latin typeface="Courier" pitchFamily="2" charset="0"/>
-              </a:rPr>
-              <a:t>   |                                                               |  |</a:t>
-            </a:r>
-          </a:p>
-          <a:p>
-            <a:r>
-              <a:rPr lang="en-CA" sz="900" dirty="0">
-                <a:latin typeface="Courier" pitchFamily="2" charset="0"/>
-              </a:rPr>
-              <a:t>   |                                                               |  |</a:t>
-            </a:r>
-          </a:p>
-          <a:p>
-            <a:r>
-              <a:rPr lang="en-CA" sz="900" dirty="0">
-                <a:latin typeface="Courier" pitchFamily="2" charset="0"/>
-              </a:rPr>
-              <a:t>   +-+-+-+-+-+-+-+-+-+-+-+-+-+-+-+-+-+-+-+-+-+-+-+-+-+-+-+-+-+-+-+-+&lt;-+</a:t>
-            </a:r>
-          </a:p>
-          <a:p>
-            <a:r>
-              <a:rPr lang="en-CA" sz="900" dirty="0">
-                <a:solidFill>
-                  <a:srgbClr val="0070C0"/>
-                </a:solidFill>
-                <a:latin typeface="Courier" pitchFamily="2" charset="0"/>
-              </a:rPr>
-              <a:t>   |0 0 0 0| Specified by PW Encapsulation [RFC4385]               |   </a:t>
-            </a:r>
-          </a:p>
-          <a:p>
-            <a:r>
-              <a:rPr lang="en-CA" sz="900" dirty="0">
-                <a:solidFill>
-                  <a:srgbClr val="0070C0"/>
-                </a:solidFill>
-                <a:latin typeface="Courier" pitchFamily="2" charset="0"/>
-              </a:rPr>
-              <a:t>   +-+-+-+-+-+-+-+-+-+-+-+-+-+-+-+-+-+-+-+-+-+-+-+-+-+-+-+-+-+-+-+-+</a:t>
-            </a:r>
-          </a:p>
-          <a:p>
-            <a:r>
-              <a:rPr lang="en-CA" sz="900" dirty="0">
-                <a:latin typeface="Courier" pitchFamily="2" charset="0"/>
-              </a:rPr>
-              <a:t>   |                                                               |</a:t>
-            </a:r>
-          </a:p>
-          <a:p>
-            <a:r>
-              <a:rPr lang="en-CA" sz="900" dirty="0">
-                <a:latin typeface="Courier" pitchFamily="2" charset="0"/>
-              </a:rPr>
-              <a:t>   |                                                               |</a:t>
-            </a:r>
-          </a:p>
-          <a:p>
-            <a:r>
-              <a:rPr lang="en-CA" sz="900" dirty="0">
-                <a:latin typeface="Courier" pitchFamily="2" charset="0"/>
-              </a:rPr>
-              <a:t>   ~                 Payload + Padding                             ~</a:t>
-            </a:r>
-          </a:p>
-          <a:p>
-            <a:r>
-              <a:rPr lang="en-CA" sz="900" dirty="0">
-                <a:latin typeface="Courier" pitchFamily="2" charset="0"/>
-              </a:rPr>
-              <a:t>   |                                                               |</a:t>
-            </a:r>
-          </a:p>
-          <a:p>
-            <a:r>
-              <a:rPr lang="en-CA" sz="900" dirty="0">
-                <a:latin typeface="Courier" pitchFamily="2" charset="0"/>
-              </a:rPr>
-              <a:t>   |                                                               |</a:t>
-            </a:r>
-          </a:p>
-          <a:p>
-            <a:r>
-              <a:rPr lang="en-CA" sz="900" dirty="0">
-                <a:latin typeface="Courier" pitchFamily="2" charset="0"/>
-              </a:rPr>
-              <a:t>   +-+-+-+-+-+-+-+-+-+-+-+-+-+-+-+-+-+-+-+-+-+-+-+-+-+-+-+-+-+-+-+-+</a:t>
-            </a:r>
-          </a:p>
-          <a:p>
-            <a:r>
-              <a:rPr lang="en-CA" sz="900" dirty="0">
-                <a:latin typeface="Courier" pitchFamily="2" charset="0"/>
-              </a:rPr>
-              <a:t> </a:t>
-            </a:r>
-          </a:p>
-          <a:p>
-            <a:r>
-              <a:rPr lang="en-CA" sz="900" dirty="0">
-                <a:latin typeface="Courier" pitchFamily="2" charset="0"/>
-              </a:rPr>
-              <a:t>     Figure: Example Generic PW Control Word with IOAM Data Fields</a:t>
-            </a:r>
-            <a:endParaRPr lang="en-CA" sz="900" dirty="0">
-              <a:latin typeface="Courier" pitchFamily="2" charset="0"/>
-              <a:ea typeface="Calibri" panose="020F0502020204030204" pitchFamily="34" charset="0"/>
-              <a:cs typeface="Times New Roman" panose="02020603050405020304" pitchFamily="18" charset="0"/>
-            </a:endParaRPr>
-          </a:p>
-        </p:txBody>
-      </p:sp>
     </p:spTree>
     <p:extLst>
       <p:ext uri="{BB962C8B-B14F-4D97-AF65-F5344CB8AC3E}">
-        <p14:creationId xmlns:p14="http://schemas.microsoft.com/office/powerpoint/2010/main" val="3708656005"/>
+        <p14:creationId xmlns:p14="http://schemas.microsoft.com/office/powerpoint/2010/main" val="3990542425"/>
       </p:ext>
     </p:extLst>
   </p:cSld>
@@ -10583,7 +10649,7 @@
         </p:nvSpPr>
         <p:spPr>
           <a:xfrm>
-            <a:off x="0" y="75606"/>
+            <a:off x="0" y="42880"/>
             <a:ext cx="9144000" cy="599270"/>
           </a:xfrm>
         </p:spPr>
@@ -10592,56 +10658,16 @@
           <a:lstStyle/>
           <a:p>
             <a:r>
-              <a:rPr lang="en-CA" sz="2600" dirty="0">
+              <a:rPr lang="en-CA" sz="2800" dirty="0">
                 <a:solidFill>
                   <a:srgbClr val="0070C0"/>
                 </a:solidFill>
                 <a:latin typeface="Calibri Light" panose="020F0302020204030204" pitchFamily="34" charset="0"/>
                 <a:cs typeface="Calibri Light" panose="020F0302020204030204" pitchFamily="34" charset="0"/>
               </a:rPr>
-              <a:t>MPLS </a:t>
-            </a:r>
-            <a:r>
-              <a:rPr lang="en-CA" sz="2600" dirty="0" err="1">
-                <a:solidFill>
-                  <a:srgbClr val="0070C0"/>
-                </a:solidFill>
-                <a:latin typeface="Calibri Light" panose="020F0302020204030204" pitchFamily="34" charset="0"/>
-                <a:cs typeface="Calibri Light" panose="020F0302020204030204" pitchFamily="34" charset="0"/>
-              </a:rPr>
-              <a:t>Encap</a:t>
-            </a:r>
-            <a:r>
-              <a:rPr lang="en-CA" sz="2600" dirty="0">
-                <a:solidFill>
-                  <a:srgbClr val="0070C0"/>
-                </a:solidFill>
-                <a:latin typeface="Calibri Light" panose="020F0302020204030204" pitchFamily="34" charset="0"/>
-                <a:cs typeface="Calibri Light" panose="020F0302020204030204" pitchFamily="34" charset="0"/>
-              </a:rPr>
-              <a:t> with Another G-</a:t>
-            </a:r>
-            <a:r>
-              <a:rPr lang="en-CA" sz="2600" dirty="0" err="1">
-                <a:solidFill>
-                  <a:srgbClr val="0070C0"/>
-                </a:solidFill>
-                <a:latin typeface="Calibri Light" panose="020F0302020204030204" pitchFamily="34" charset="0"/>
-                <a:cs typeface="Calibri Light" panose="020F0302020204030204" pitchFamily="34" charset="0"/>
-              </a:rPr>
-              <a:t>ACh</a:t>
-            </a:r>
-            <a:r>
-              <a:rPr lang="en-CA" sz="2600" dirty="0">
-                <a:solidFill>
-                  <a:srgbClr val="0070C0"/>
-                </a:solidFill>
-                <a:latin typeface="Calibri Light" panose="020F0302020204030204" pitchFamily="34" charset="0"/>
-                <a:cs typeface="Calibri Light" panose="020F0302020204030204" pitchFamily="34" charset="0"/>
-              </a:rPr>
-              <a:t> [RFC5586] with IOAM Data Fields</a:t>
-            </a:r>
-            <a:endParaRPr lang="en-US" sz="2600" dirty="0">
+              <a:t>Generic PW Control Word [RFC4385] with IOAM Data Fields</a:t>
+            </a:r>
+            <a:endParaRPr lang="en-US" sz="2800" dirty="0">
               <a:solidFill>
                 <a:srgbClr val="0070C0"/>
               </a:solidFill>
@@ -10722,6 +10748,470 @@
                 <a:defRPr/>
               </a:pPr>
               <a:t>21</a:t>
+            </a:fld>
+            <a:endParaRPr lang="en-US" altLang="zh-CN" dirty="0"/>
+          </a:p>
+        </p:txBody>
+      </p:sp>
+      <p:sp>
+        <p:nvSpPr>
+          <p:cNvPr id="6" name="Rectangle 5">
+            <a:extLst>
+              <a:ext uri="{FF2B5EF4-FFF2-40B4-BE49-F238E27FC236}">
+                <a16:creationId xmlns:a16="http://schemas.microsoft.com/office/drawing/2014/main" id="{1EED4007-3A19-0E4E-8496-6CECEEA363EB}"/>
+              </a:ext>
+            </a:extLst>
+          </p:cNvPr>
+          <p:cNvSpPr/>
+          <p:nvPr/>
+        </p:nvSpPr>
+        <p:spPr>
+          <a:xfrm>
+            <a:off x="2019300" y="865190"/>
+            <a:ext cx="5105400" cy="3693319"/>
+          </a:xfrm>
+          <a:prstGeom prst="rect">
+            <a:avLst/>
+          </a:prstGeom>
+          <a:solidFill>
+            <a:schemeClr val="accent6">
+              <a:lumMod val="20000"/>
+              <a:lumOff val="80000"/>
+            </a:schemeClr>
+          </a:solidFill>
+        </p:spPr>
+        <p:txBody>
+          <a:bodyPr wrap="square">
+            <a:spAutoFit/>
+          </a:bodyPr>
+          <a:lstStyle/>
+          <a:p>
+            <a:r>
+              <a:rPr lang="en-CA" sz="900" dirty="0">
+                <a:latin typeface="Courier" pitchFamily="2" charset="0"/>
+              </a:rPr>
+              <a:t>   0                   1                   2                   3</a:t>
+            </a:r>
+          </a:p>
+          <a:p>
+            <a:r>
+              <a:rPr lang="en-CA" sz="900" dirty="0">
+                <a:latin typeface="Courier" pitchFamily="2" charset="0"/>
+              </a:rPr>
+              <a:t>   0 1 2 3 4 5 6 7 8 9 0 1 2 3 4 5 6 7 8 9 0 1 2 3 4 5 6 7 8 9 0 1</a:t>
+            </a:r>
+          </a:p>
+          <a:p>
+            <a:r>
+              <a:rPr lang="en-CA" sz="900" dirty="0">
+                <a:latin typeface="Courier" pitchFamily="2" charset="0"/>
+              </a:rPr>
+              <a:t>   +-+-+-+-+-+-+-+-+-+-+-+-+-+-+-+-+-+-+-+-+-+-+-+-+-+-+-+-+-+-+-+-+</a:t>
+            </a:r>
+          </a:p>
+          <a:p>
+            <a:r>
+              <a:rPr lang="en-CA" sz="900" dirty="0">
+                <a:latin typeface="Courier" pitchFamily="2" charset="0"/>
+              </a:rPr>
+              <a:t>   | IOAM Indicator Label                  | TC  |1|  TTL          |</a:t>
+            </a:r>
+          </a:p>
+          <a:p>
+            <a:r>
+              <a:rPr lang="en-CA" sz="900" dirty="0">
+                <a:latin typeface="Courier" pitchFamily="2" charset="0"/>
+              </a:rPr>
+              <a:t>   +-+-+-+-+-+-+-+-+-+-+-+-+-+-+-+-+-+-+-+-+-+-+-+-+-+-+-+-+-+-+-+-+&lt;-+</a:t>
+            </a:r>
+          </a:p>
+          <a:p>
+            <a:r>
+              <a:rPr lang="en-CA" sz="900" dirty="0">
+                <a:latin typeface="Courier" pitchFamily="2" charset="0"/>
+              </a:rPr>
+              <a:t>   |0 0 0 1|Version| Reserved      | IOAM G-</a:t>
+            </a:r>
+            <a:r>
+              <a:rPr lang="en-CA" sz="900" dirty="0" err="1">
+                <a:latin typeface="Courier" pitchFamily="2" charset="0"/>
+              </a:rPr>
+              <a:t>ACh</a:t>
+            </a:r>
+            <a:r>
+              <a:rPr lang="en-CA" sz="900" dirty="0">
+                <a:latin typeface="Courier" pitchFamily="2" charset="0"/>
+              </a:rPr>
+              <a:t>                    |  |</a:t>
+            </a:r>
+          </a:p>
+          <a:p>
+            <a:r>
+              <a:rPr lang="en-CA" sz="900" dirty="0">
+                <a:latin typeface="Courier" pitchFamily="2" charset="0"/>
+              </a:rPr>
+              <a:t>   +-+-+-+-+-+-+-+-+-+-+-+-+-+-+-+-+-+-+-+-+-+-+-+-+-+-+-+-+-+-+-+-+  |</a:t>
+            </a:r>
+          </a:p>
+          <a:p>
+            <a:r>
+              <a:rPr lang="en-CA" sz="900" dirty="0">
+                <a:latin typeface="Courier" pitchFamily="2" charset="0"/>
+              </a:rPr>
+              <a:t>   | Reserved      | Block Number  | IOAM-OPT-Type |</a:t>
+            </a:r>
+            <a:r>
+              <a:rPr lang="en-CA" sz="900" dirty="0">
+                <a:solidFill>
+                  <a:srgbClr val="0070C0"/>
+                </a:solidFill>
+                <a:latin typeface="Courier" pitchFamily="2" charset="0"/>
+              </a:rPr>
+              <a:t>IOAM HDR Length</a:t>
+            </a:r>
+            <a:r>
+              <a:rPr lang="en-CA" sz="900" dirty="0">
+                <a:latin typeface="Courier" pitchFamily="2" charset="0"/>
+              </a:rPr>
+              <a:t>|  |</a:t>
+            </a:r>
+          </a:p>
+          <a:p>
+            <a:r>
+              <a:rPr lang="en-CA" sz="900" dirty="0">
+                <a:latin typeface="Courier" pitchFamily="2" charset="0"/>
+              </a:rPr>
+              <a:t>   +-+-+-+-+-+-+-+-+-+-+-+-+-+-+-+-+-+-+-+-+-+-+-+-+-+-+-+-+-+-+-+-+  I</a:t>
+            </a:r>
+          </a:p>
+          <a:p>
+            <a:r>
+              <a:rPr lang="en-CA" sz="900" dirty="0">
+                <a:latin typeface="Courier" pitchFamily="2" charset="0"/>
+              </a:rPr>
+              <a:t>   |                                                               |  O</a:t>
+            </a:r>
+          </a:p>
+          <a:p>
+            <a:r>
+              <a:rPr lang="en-CA" sz="900" dirty="0">
+                <a:latin typeface="Courier" pitchFamily="2" charset="0"/>
+              </a:rPr>
+              <a:t>   |                                                               |  A</a:t>
+            </a:r>
+          </a:p>
+          <a:p>
+            <a:r>
+              <a:rPr lang="en-CA" sz="900" dirty="0">
+                <a:latin typeface="Courier" pitchFamily="2" charset="0"/>
+              </a:rPr>
+              <a:t>   ~                 IOAM Option and Data Space                    ~  M</a:t>
+            </a:r>
+          </a:p>
+          <a:p>
+            <a:r>
+              <a:rPr lang="en-CA" sz="900" dirty="0">
+                <a:latin typeface="Courier" pitchFamily="2" charset="0"/>
+              </a:rPr>
+              <a:t>   |                                                               |  |</a:t>
+            </a:r>
+          </a:p>
+          <a:p>
+            <a:r>
+              <a:rPr lang="en-CA" sz="900" dirty="0">
+                <a:latin typeface="Courier" pitchFamily="2" charset="0"/>
+              </a:rPr>
+              <a:t>   |                                                               |  |</a:t>
+            </a:r>
+          </a:p>
+          <a:p>
+            <a:r>
+              <a:rPr lang="en-CA" sz="900" dirty="0">
+                <a:latin typeface="Courier" pitchFamily="2" charset="0"/>
+              </a:rPr>
+              <a:t>   +-+-+-+-+-+-+-+-+-+-+-+-+-+-+-+-+-+-+-+-+-+-+-+-+-+-+-+-+-+-+-+-+&lt;-+</a:t>
+            </a:r>
+          </a:p>
+          <a:p>
+            <a:r>
+              <a:rPr lang="en-CA" sz="900" dirty="0">
+                <a:solidFill>
+                  <a:srgbClr val="0070C0"/>
+                </a:solidFill>
+                <a:latin typeface="Courier" pitchFamily="2" charset="0"/>
+              </a:rPr>
+              <a:t>   |0 0 0 0| Specified by PW Encapsulation [RFC4385]               |   </a:t>
+            </a:r>
+          </a:p>
+          <a:p>
+            <a:r>
+              <a:rPr lang="en-CA" sz="900" dirty="0">
+                <a:solidFill>
+                  <a:srgbClr val="0070C0"/>
+                </a:solidFill>
+                <a:latin typeface="Courier" pitchFamily="2" charset="0"/>
+              </a:rPr>
+              <a:t>   +-+-+-+-+-+-+-+-+-+-+-+-+-+-+-+-+-+-+-+-+-+-+-+-+-+-+-+-+-+-+-+-+</a:t>
+            </a:r>
+          </a:p>
+          <a:p>
+            <a:r>
+              <a:rPr lang="en-CA" sz="900" dirty="0">
+                <a:latin typeface="Courier" pitchFamily="2" charset="0"/>
+              </a:rPr>
+              <a:t>   |                                                               |</a:t>
+            </a:r>
+          </a:p>
+          <a:p>
+            <a:r>
+              <a:rPr lang="en-CA" sz="900" dirty="0">
+                <a:latin typeface="Courier" pitchFamily="2" charset="0"/>
+              </a:rPr>
+              <a:t>   |                                                               |</a:t>
+            </a:r>
+          </a:p>
+          <a:p>
+            <a:r>
+              <a:rPr lang="en-CA" sz="900" dirty="0">
+                <a:latin typeface="Courier" pitchFamily="2" charset="0"/>
+              </a:rPr>
+              <a:t>   ~                 Payload + Padding                             ~</a:t>
+            </a:r>
+          </a:p>
+          <a:p>
+            <a:r>
+              <a:rPr lang="en-CA" sz="900" dirty="0">
+                <a:latin typeface="Courier" pitchFamily="2" charset="0"/>
+              </a:rPr>
+              <a:t>   |                                                               |</a:t>
+            </a:r>
+          </a:p>
+          <a:p>
+            <a:r>
+              <a:rPr lang="en-CA" sz="900" dirty="0">
+                <a:latin typeface="Courier" pitchFamily="2" charset="0"/>
+              </a:rPr>
+              <a:t>   |                                                               |</a:t>
+            </a:r>
+          </a:p>
+          <a:p>
+            <a:r>
+              <a:rPr lang="en-CA" sz="900" dirty="0">
+                <a:latin typeface="Courier" pitchFamily="2" charset="0"/>
+              </a:rPr>
+              <a:t>   +-+-+-+-+-+-+-+-+-+-+-+-+-+-+-+-+-+-+-+-+-+-+-+-+-+-+-+-+-+-+-+-+</a:t>
+            </a:r>
+          </a:p>
+          <a:p>
+            <a:r>
+              <a:rPr lang="en-CA" sz="900" dirty="0">
+                <a:latin typeface="Courier" pitchFamily="2" charset="0"/>
+              </a:rPr>
+              <a:t> </a:t>
+            </a:r>
+          </a:p>
+          <a:p>
+            <a:r>
+              <a:rPr lang="en-CA" sz="900" dirty="0">
+                <a:latin typeface="Courier" pitchFamily="2" charset="0"/>
+              </a:rPr>
+              <a:t>     Figure: Example Generic PW Control Word with IOAM Data Fields</a:t>
+            </a:r>
+            <a:endParaRPr lang="en-CA" sz="900" dirty="0">
+              <a:latin typeface="Courier" pitchFamily="2" charset="0"/>
+              <a:ea typeface="Calibri" panose="020F0502020204030204" pitchFamily="34" charset="0"/>
+              <a:cs typeface="Times New Roman" panose="02020603050405020304" pitchFamily="18" charset="0"/>
+            </a:endParaRPr>
+          </a:p>
+        </p:txBody>
+      </p:sp>
+    </p:spTree>
+    <p:extLst>
+      <p:ext uri="{BB962C8B-B14F-4D97-AF65-F5344CB8AC3E}">
+        <p14:creationId xmlns:p14="http://schemas.microsoft.com/office/powerpoint/2010/main" val="3708656005"/>
+      </p:ext>
+    </p:extLst>
+  </p:cSld>
+  <p:clrMapOvr>
+    <a:masterClrMapping/>
+  </p:clrMapOvr>
+</p:sld>
+</file>
+
+<file path=ppt/slides/slide22.xml><?xml version="1.0" encoding="utf-8"?>
+<p:sld xmlns:a="http://schemas.openxmlformats.org/drawingml/2006/main" xmlns:r="http://schemas.openxmlformats.org/officeDocument/2006/relationships" xmlns:p="http://schemas.openxmlformats.org/presentationml/2006/main">
+  <p:cSld>
+    <p:spTree>
+      <p:nvGrpSpPr>
+        <p:cNvPr id="1" name=""/>
+        <p:cNvGrpSpPr/>
+        <p:nvPr/>
+      </p:nvGrpSpPr>
+      <p:grpSpPr>
+        <a:xfrm>
+          <a:off x="0" y="0"/>
+          <a:ext cx="0" cy="0"/>
+          <a:chOff x="0" y="0"/>
+          <a:chExt cx="0" cy="0"/>
+        </a:xfrm>
+      </p:grpSpPr>
+      <p:sp>
+        <p:nvSpPr>
+          <p:cNvPr id="2" name="Title 1">
+            <a:extLst>
+              <a:ext uri="{FF2B5EF4-FFF2-40B4-BE49-F238E27FC236}">
+                <a16:creationId xmlns:a16="http://schemas.microsoft.com/office/drawing/2014/main" id="{590D0125-5A9E-9D48-9391-85FBD0E608A2}"/>
+              </a:ext>
+            </a:extLst>
+          </p:cNvPr>
+          <p:cNvSpPr>
+            <a:spLocks noGrp="1"/>
+          </p:cNvSpPr>
+          <p:nvPr>
+            <p:ph type="title"/>
+          </p:nvPr>
+        </p:nvSpPr>
+        <p:spPr>
+          <a:xfrm>
+            <a:off x="0" y="75606"/>
+            <a:ext cx="9144000" cy="599270"/>
+          </a:xfrm>
+        </p:spPr>
+        <p:txBody>
+          <a:bodyPr/>
+          <a:lstStyle/>
+          <a:p>
+            <a:r>
+              <a:rPr lang="en-CA" sz="2600" dirty="0">
+                <a:solidFill>
+                  <a:srgbClr val="0070C0"/>
+                </a:solidFill>
+                <a:latin typeface="Calibri Light" panose="020F0302020204030204" pitchFamily="34" charset="0"/>
+                <a:cs typeface="Calibri Light" panose="020F0302020204030204" pitchFamily="34" charset="0"/>
+              </a:rPr>
+              <a:t>MPLS </a:t>
+            </a:r>
+            <a:r>
+              <a:rPr lang="en-CA" sz="2600" dirty="0" err="1">
+                <a:solidFill>
+                  <a:srgbClr val="0070C0"/>
+                </a:solidFill>
+                <a:latin typeface="Calibri Light" panose="020F0302020204030204" pitchFamily="34" charset="0"/>
+                <a:cs typeface="Calibri Light" panose="020F0302020204030204" pitchFamily="34" charset="0"/>
+              </a:rPr>
+              <a:t>Encap</a:t>
+            </a:r>
+            <a:r>
+              <a:rPr lang="en-CA" sz="2600" dirty="0">
+                <a:solidFill>
+                  <a:srgbClr val="0070C0"/>
+                </a:solidFill>
+                <a:latin typeface="Calibri Light" panose="020F0302020204030204" pitchFamily="34" charset="0"/>
+                <a:cs typeface="Calibri Light" panose="020F0302020204030204" pitchFamily="34" charset="0"/>
+              </a:rPr>
+              <a:t> with Another G-</a:t>
+            </a:r>
+            <a:r>
+              <a:rPr lang="en-CA" sz="2600" dirty="0" err="1">
+                <a:solidFill>
+                  <a:srgbClr val="0070C0"/>
+                </a:solidFill>
+                <a:latin typeface="Calibri Light" panose="020F0302020204030204" pitchFamily="34" charset="0"/>
+                <a:cs typeface="Calibri Light" panose="020F0302020204030204" pitchFamily="34" charset="0"/>
+              </a:rPr>
+              <a:t>ACh</a:t>
+            </a:r>
+            <a:r>
+              <a:rPr lang="en-CA" sz="2600" dirty="0">
+                <a:solidFill>
+                  <a:srgbClr val="0070C0"/>
+                </a:solidFill>
+                <a:latin typeface="Calibri Light" panose="020F0302020204030204" pitchFamily="34" charset="0"/>
+                <a:cs typeface="Calibri Light" panose="020F0302020204030204" pitchFamily="34" charset="0"/>
+              </a:rPr>
+              <a:t> [RFC5586] with IOAM Data Fields</a:t>
+            </a:r>
+            <a:endParaRPr lang="en-US" sz="2600" dirty="0">
+              <a:solidFill>
+                <a:srgbClr val="0070C0"/>
+              </a:solidFill>
+              <a:latin typeface="Calibri Light" panose="020F0302020204030204" pitchFamily="34" charset="0"/>
+              <a:cs typeface="Calibri Light" panose="020F0302020204030204" pitchFamily="34" charset="0"/>
+            </a:endParaRPr>
+          </a:p>
+        </p:txBody>
+      </p:sp>
+      <p:sp>
+        <p:nvSpPr>
+          <p:cNvPr id="4" name="Footer Placeholder 3">
+            <a:extLst>
+              <a:ext uri="{FF2B5EF4-FFF2-40B4-BE49-F238E27FC236}">
+                <a16:creationId xmlns:a16="http://schemas.microsoft.com/office/drawing/2014/main" id="{87713FCD-3B47-804D-B373-DAB61FB5FF59}"/>
+              </a:ext>
+            </a:extLst>
+          </p:cNvPr>
+          <p:cNvSpPr>
+            <a:spLocks noGrp="1"/>
+          </p:cNvSpPr>
+          <p:nvPr>
+            <p:ph type="ftr" sz="quarter" idx="11"/>
+          </p:nvPr>
+        </p:nvSpPr>
+        <p:spPr>
+          <a:xfrm>
+            <a:off x="3124200" y="4781550"/>
+            <a:ext cx="2895600" cy="357188"/>
+          </a:xfrm>
+        </p:spPr>
+        <p:txBody>
+          <a:bodyPr/>
+          <a:lstStyle/>
+          <a:p>
+            <a:r>
+              <a:rPr lang="en-CA" dirty="0"/>
+              <a:t>110</a:t>
+            </a:r>
+            <a:r>
+              <a:rPr lang="en-CA" baseline="30000" dirty="0"/>
+              <a:t>th</a:t>
+            </a:r>
+            <a:r>
+              <a:rPr lang="en-CA" dirty="0"/>
+              <a:t> IETF Online</a:t>
+            </a:r>
+          </a:p>
+        </p:txBody>
+      </p:sp>
+      <p:sp>
+        <p:nvSpPr>
+          <p:cNvPr id="5" name="Slide Number Placeholder 4">
+            <a:extLst>
+              <a:ext uri="{FF2B5EF4-FFF2-40B4-BE49-F238E27FC236}">
+                <a16:creationId xmlns:a16="http://schemas.microsoft.com/office/drawing/2014/main" id="{1371408B-9195-EC4D-8131-A3F5CC0592D0}"/>
+              </a:ext>
+            </a:extLst>
+          </p:cNvPr>
+          <p:cNvSpPr>
+            <a:spLocks noGrp="1"/>
+          </p:cNvSpPr>
+          <p:nvPr>
+            <p:ph type="sldNum" sz="quarter" idx="12"/>
+          </p:nvPr>
+        </p:nvSpPr>
+        <p:spPr/>
+        <p:txBody>
+          <a:bodyPr/>
+          <a:lstStyle/>
+          <a:p>
+            <a:pPr>
+              <a:defRPr/>
+            </a:pPr>
+            <a:fld id="{BD6E0F59-1DD8-40FC-9C92-B6295CBA6CCA}" type="slidenum">
+              <a:rPr lang="en-US" altLang="zh-CN" smtClean="0"/>
+              <a:pPr>
+                <a:defRPr/>
+              </a:pPr>
+              <a:t>22</a:t>
             </a:fld>
             <a:endParaRPr lang="en-US" altLang="zh-CN"/>
           </a:p>
@@ -11033,7 +11523,7 @@
 </p:sld>
 </file>
 
-<file path=ppt/slides/slide22.xml><?xml version="1.0" encoding="utf-8"?>
+<file path=ppt/slides/slide23.xml><?xml version="1.0" encoding="utf-8"?>
 <p:sld xmlns:a="http://schemas.openxmlformats.org/drawingml/2006/main" xmlns:r="http://schemas.openxmlformats.org/officeDocument/2006/relationships" xmlns:p="http://schemas.openxmlformats.org/presentationml/2006/main">
   <p:cSld>
     <p:spTree>
@@ -11297,7 +11787,7 @@
               <a:pPr>
                 <a:defRPr/>
               </a:pPr>
-              <a:t>22</a:t>
+              <a:t>23</a:t>
             </a:fld>
             <a:endParaRPr lang="en-US" altLang="zh-CN"/>
           </a:p>
@@ -11316,7 +11806,7 @@
 </p:sld>
 </file>
 
-<file path=ppt/slides/slide23.xml><?xml version="1.0" encoding="utf-8"?>
+<file path=ppt/slides/slide24.xml><?xml version="1.0" encoding="utf-8"?>
 <p:sld xmlns:a="http://schemas.openxmlformats.org/drawingml/2006/main" xmlns:r="http://schemas.openxmlformats.org/officeDocument/2006/relationships" xmlns:p="http://schemas.openxmlformats.org/presentationml/2006/main">
   <p:cSld>
     <p:spTree>
@@ -11580,7 +12070,7 @@
               <a:pPr>
                 <a:defRPr/>
               </a:pPr>
-              <a:t>23</a:t>
+              <a:t>24</a:t>
             </a:fld>
             <a:endParaRPr lang="en-US" altLang="zh-CN"/>
           </a:p>
@@ -11599,7 +12089,7 @@
 </p:sld>
 </file>
 
-<file path=ppt/slides/slide24.xml><?xml version="1.0" encoding="utf-8"?>
+<file path=ppt/slides/slide25.xml><?xml version="1.0" encoding="utf-8"?>
 <p:sld xmlns:a="http://schemas.openxmlformats.org/drawingml/2006/main" xmlns:r="http://schemas.openxmlformats.org/officeDocument/2006/relationships" xmlns:p="http://schemas.openxmlformats.org/presentationml/2006/main">
   <p:cSld>
     <p:spTree>
@@ -11732,7 +12222,7 @@
               <a:pPr>
                 <a:defRPr/>
               </a:pPr>
-              <a:t>24</a:t>
+              <a:t>25</a:t>
             </a:fld>
             <a:endParaRPr lang="en-US" altLang="zh-CN" dirty="0"/>
           </a:p>
@@ -12086,7 +12576,7 @@
 </p:sld>
 </file>
 
-<file path=ppt/slides/slide25.xml><?xml version="1.0" encoding="utf-8"?>
+<file path=ppt/slides/slide26.xml><?xml version="1.0" encoding="utf-8"?>
 <p:sld xmlns:a="http://schemas.openxmlformats.org/drawingml/2006/main" xmlns:r="http://schemas.openxmlformats.org/officeDocument/2006/relationships" xmlns:p="http://schemas.openxmlformats.org/presentationml/2006/main">
   <p:cSld>
     <p:spTree>
@@ -12350,7 +12840,7 @@
               <a:pPr>
                 <a:defRPr/>
               </a:pPr>
-              <a:t>25</a:t>
+              <a:t>26</a:t>
             </a:fld>
             <a:endParaRPr lang="en-US" altLang="zh-CN"/>
           </a:p>
@@ -12695,6 +13185,355 @@
 </file>
 
 <file path=ppt/slides/slide4.xml><?xml version="1.0" encoding="utf-8"?>
+<p:sld xmlns:a="http://schemas.openxmlformats.org/drawingml/2006/main" xmlns:r="http://schemas.openxmlformats.org/officeDocument/2006/relationships" xmlns:p="http://schemas.openxmlformats.org/presentationml/2006/main">
+  <p:cSld>
+    <p:spTree>
+      <p:nvGrpSpPr>
+        <p:cNvPr id="1" name=""/>
+        <p:cNvGrpSpPr/>
+        <p:nvPr/>
+      </p:nvGrpSpPr>
+      <p:grpSpPr>
+        <a:xfrm>
+          <a:off x="0" y="0"/>
+          <a:ext cx="0" cy="0"/>
+          <a:chOff x="0" y="0"/>
+          <a:chExt cx="0" cy="0"/>
+        </a:xfrm>
+      </p:grpSpPr>
+      <p:sp>
+        <p:nvSpPr>
+          <p:cNvPr id="2" name="Title 1"/>
+          <p:cNvSpPr>
+            <a:spLocks noGrp="1"/>
+          </p:cNvSpPr>
+          <p:nvPr>
+            <p:ph type="title"/>
+          </p:nvPr>
+        </p:nvSpPr>
+        <p:spPr>
+          <a:xfrm>
+            <a:off x="457200" y="0"/>
+            <a:ext cx="8229600" cy="857250"/>
+          </a:xfrm>
+        </p:spPr>
+        <p:txBody>
+          <a:bodyPr/>
+          <a:lstStyle/>
+          <a:p>
+            <a:r>
+              <a:rPr lang="en-US" sz="3600" dirty="0">
+                <a:solidFill>
+                  <a:srgbClr val="0070C0"/>
+                </a:solidFill>
+                <a:latin typeface="Calibri Light" panose="020F0302020204030204" pitchFamily="34" charset="0"/>
+                <a:cs typeface="Calibri Light" panose="020F0302020204030204" pitchFamily="34" charset="0"/>
+              </a:rPr>
+              <a:t>Updates Since Version-02</a:t>
+            </a:r>
+          </a:p>
+        </p:txBody>
+      </p:sp>
+      <p:sp>
+        <p:nvSpPr>
+          <p:cNvPr id="3" name="Content Placeholder 2"/>
+          <p:cNvSpPr>
+            <a:spLocks noGrp="1"/>
+          </p:cNvSpPr>
+          <p:nvPr>
+            <p:ph idx="1"/>
+          </p:nvPr>
+        </p:nvSpPr>
+        <p:spPr>
+          <a:xfrm>
+            <a:off x="533400" y="895349"/>
+            <a:ext cx="8077200" cy="3788569"/>
+          </a:xfrm>
+        </p:spPr>
+        <p:txBody>
+          <a:bodyPr/>
+          <a:lstStyle/>
+          <a:p>
+            <a:pPr marL="0" indent="0">
+              <a:lnSpc>
+                <a:spcPts val="2000"/>
+              </a:lnSpc>
+              <a:spcBef>
+                <a:spcPts val="600"/>
+              </a:spcBef>
+              <a:spcAft>
+                <a:spcPts val="0"/>
+              </a:spcAft>
+              <a:buNone/>
+            </a:pPr>
+            <a:r>
+              <a:rPr lang="en-US" sz="1600" dirty="0"/>
+              <a:t>Updates:</a:t>
+            </a:r>
+          </a:p>
+          <a:p>
+            <a:pPr lvl="1">
+              <a:lnSpc>
+                <a:spcPts val="2000"/>
+              </a:lnSpc>
+              <a:spcBef>
+                <a:spcPts val="600"/>
+              </a:spcBef>
+              <a:spcAft>
+                <a:spcPts val="0"/>
+              </a:spcAft>
+              <a:buFont typeface="Wingdings" pitchFamily="2" charset="2"/>
+              <a:buChar char="ü"/>
+            </a:pPr>
+            <a:r>
+              <a:rPr lang="en-US" sz="1600" dirty="0"/>
+              <a:t>Addressed MPLS-RT expert review comments</a:t>
+            </a:r>
+          </a:p>
+          <a:p>
+            <a:pPr lvl="2">
+              <a:lnSpc>
+                <a:spcPts val="2000"/>
+              </a:lnSpc>
+              <a:spcBef>
+                <a:spcPts val="600"/>
+              </a:spcBef>
+              <a:spcAft>
+                <a:spcPts val="0"/>
+              </a:spcAft>
+              <a:buFont typeface="Wingdings" pitchFamily="2" charset="2"/>
+              <a:buChar char="ü"/>
+            </a:pPr>
+            <a:r>
+              <a:rPr lang="en-US" sz="1600" dirty="0"/>
+              <a:t>Added IOAM G-</a:t>
+            </a:r>
+            <a:r>
+              <a:rPr lang="en-US" sz="1600" dirty="0" err="1"/>
+              <a:t>ACh</a:t>
+            </a:r>
+            <a:r>
+              <a:rPr lang="en-US" sz="1600" dirty="0"/>
+              <a:t> header</a:t>
+            </a:r>
+          </a:p>
+          <a:p>
+            <a:pPr lvl="2">
+              <a:lnSpc>
+                <a:spcPts val="2000"/>
+              </a:lnSpc>
+              <a:spcBef>
+                <a:spcPts val="600"/>
+              </a:spcBef>
+              <a:spcAft>
+                <a:spcPts val="0"/>
+              </a:spcAft>
+              <a:buFont typeface="Wingdings" pitchFamily="2" charset="2"/>
+              <a:buChar char="ü"/>
+            </a:pPr>
+            <a:r>
+              <a:rPr lang="en-US" sz="1600" dirty="0"/>
+              <a:t>Elaborate the IOAM procedures</a:t>
+            </a:r>
+          </a:p>
+          <a:p>
+            <a:pPr lvl="1">
+              <a:lnSpc>
+                <a:spcPts val="2000"/>
+              </a:lnSpc>
+              <a:spcBef>
+                <a:spcPts val="600"/>
+              </a:spcBef>
+              <a:spcAft>
+                <a:spcPts val="0"/>
+              </a:spcAft>
+              <a:buFont typeface="Wingdings" pitchFamily="2" charset="2"/>
+              <a:buChar char="ü"/>
+            </a:pPr>
+            <a:r>
+              <a:rPr lang="en-US" sz="1600" dirty="0"/>
+              <a:t>Clarified E2E and </a:t>
+            </a:r>
+            <a:r>
+              <a:rPr lang="en-US" sz="1600" dirty="0" err="1"/>
+              <a:t>HbH</a:t>
+            </a:r>
+            <a:r>
+              <a:rPr lang="en-US" sz="1600" dirty="0"/>
+              <a:t> Indicator Labels usage for different IOAM Option-Types</a:t>
+            </a:r>
+          </a:p>
+          <a:p>
+            <a:pPr lvl="1">
+              <a:lnSpc>
+                <a:spcPts val="2000"/>
+              </a:lnSpc>
+              <a:spcBef>
+                <a:spcPts val="600"/>
+              </a:spcBef>
+              <a:spcAft>
+                <a:spcPts val="0"/>
+              </a:spcAft>
+              <a:buFont typeface="Wingdings" pitchFamily="2" charset="2"/>
+              <a:buChar char="ü"/>
+            </a:pPr>
+            <a:r>
+              <a:rPr lang="en-US" sz="1600" dirty="0"/>
+              <a:t>Added multiple G-</a:t>
+            </a:r>
+            <a:r>
+              <a:rPr lang="en-US" sz="1600" dirty="0" err="1"/>
+              <a:t>ACh</a:t>
+            </a:r>
+            <a:r>
+              <a:rPr lang="en-US" sz="1600" dirty="0"/>
+              <a:t> / Control Word handling</a:t>
+            </a:r>
+          </a:p>
+          <a:p>
+            <a:pPr lvl="1">
+              <a:lnSpc>
+                <a:spcPts val="2000"/>
+              </a:lnSpc>
+              <a:spcBef>
+                <a:spcPts val="600"/>
+              </a:spcBef>
+              <a:spcAft>
+                <a:spcPts val="0"/>
+              </a:spcAft>
+              <a:buFont typeface="Wingdings" pitchFamily="2" charset="2"/>
+              <a:buChar char="ü"/>
+            </a:pPr>
+            <a:r>
+              <a:rPr lang="en-US" sz="1600" dirty="0"/>
+              <a:t>Editorial changes (e.g., cleanup SR text)</a:t>
+            </a:r>
+          </a:p>
+          <a:p>
+            <a:pPr marL="0" lvl="1" indent="0">
+              <a:lnSpc>
+                <a:spcPts val="2000"/>
+              </a:lnSpc>
+              <a:spcBef>
+                <a:spcPts val="600"/>
+              </a:spcBef>
+              <a:spcAft>
+                <a:spcPts val="0"/>
+              </a:spcAft>
+              <a:buNone/>
+            </a:pPr>
+            <a:r>
+              <a:rPr lang="en-US" sz="1600" dirty="0"/>
+              <a:t>Open Items:</a:t>
+            </a:r>
+          </a:p>
+          <a:p>
+            <a:pPr marL="742950" lvl="2" indent="-342900">
+              <a:lnSpc>
+                <a:spcPts val="2000"/>
+              </a:lnSpc>
+              <a:spcBef>
+                <a:spcPts val="600"/>
+              </a:spcBef>
+              <a:spcAft>
+                <a:spcPts val="0"/>
+              </a:spcAft>
+              <a:buFont typeface="Wingdings" pitchFamily="2" charset="2"/>
+              <a:buChar char="§"/>
+            </a:pPr>
+            <a:r>
+              <a:rPr lang="en-US" sz="1600" dirty="0"/>
+              <a:t>Discuss review comment on using IOAM FEC (SFL) for </a:t>
+            </a:r>
+            <a:r>
+              <a:rPr lang="en-US" sz="1600" dirty="0" err="1"/>
+              <a:t>HbH</a:t>
+            </a:r>
+            <a:r>
+              <a:rPr lang="en-US" sz="1600" dirty="0"/>
+              <a:t> IOAM</a:t>
+            </a:r>
+          </a:p>
+        </p:txBody>
+      </p:sp>
+      <p:sp>
+        <p:nvSpPr>
+          <p:cNvPr id="4" name="Footer Placeholder 3"/>
+          <p:cNvSpPr>
+            <a:spLocks noGrp="1"/>
+          </p:cNvSpPr>
+          <p:nvPr>
+            <p:ph type="ftr" sz="quarter" idx="11"/>
+          </p:nvPr>
+        </p:nvSpPr>
+        <p:spPr>
+          <a:xfrm>
+            <a:off x="3124200" y="4786312"/>
+            <a:ext cx="2895600" cy="357188"/>
+          </a:xfrm>
+        </p:spPr>
+        <p:txBody>
+          <a:bodyPr/>
+          <a:lstStyle/>
+          <a:p>
+            <a:r>
+              <a:rPr lang="en-CA" dirty="0"/>
+              <a:t>110</a:t>
+            </a:r>
+            <a:r>
+              <a:rPr lang="en-CA" baseline="30000" dirty="0"/>
+              <a:t>th</a:t>
+            </a:r>
+            <a:r>
+              <a:rPr lang="en-CA" dirty="0"/>
+              <a:t> IETF Online</a:t>
+            </a:r>
+          </a:p>
+        </p:txBody>
+      </p:sp>
+      <p:sp>
+        <p:nvSpPr>
+          <p:cNvPr id="5" name="Slide Number Placeholder 4"/>
+          <p:cNvSpPr>
+            <a:spLocks noGrp="1"/>
+          </p:cNvSpPr>
+          <p:nvPr>
+            <p:ph type="sldNum" sz="quarter" idx="12"/>
+          </p:nvPr>
+        </p:nvSpPr>
+        <p:spPr/>
+        <p:txBody>
+          <a:bodyPr/>
+          <a:lstStyle/>
+          <a:p>
+            <a:pPr>
+              <a:defRPr/>
+            </a:pPr>
+            <a:fld id="{BD6E0F59-1DD8-40FC-9C92-B6295CBA6CCA}" type="slidenum">
+              <a:rPr lang="en-US" altLang="zh-CN" smtClean="0"/>
+              <a:pPr>
+                <a:defRPr/>
+              </a:pPr>
+              <a:t>4</a:t>
+            </a:fld>
+            <a:endParaRPr lang="en-US" altLang="zh-CN" dirty="0"/>
+          </a:p>
+        </p:txBody>
+      </p:sp>
+    </p:spTree>
+    <p:extLst>
+      <p:ext uri="{BB962C8B-B14F-4D97-AF65-F5344CB8AC3E}">
+        <p14:creationId xmlns:p14="http://schemas.microsoft.com/office/powerpoint/2010/main" val="3813399967"/>
+      </p:ext>
+    </p:extLst>
+  </p:cSld>
+  <p:clrMapOvr>
+    <a:masterClrMapping/>
+  </p:clrMapOvr>
+</p:sld>
+</file>
+
+<file path=ppt/slides/slide5.xml><?xml version="1.0" encoding="utf-8"?>
 <p:sld xmlns:a="http://schemas.openxmlformats.org/drawingml/2006/main" xmlns:r="http://schemas.openxmlformats.org/officeDocument/2006/relationships" xmlns:p="http://schemas.openxmlformats.org/presentationml/2006/main">
   <p:cSld>
     <p:spTree>
@@ -12958,7 +13797,7 @@
               <a:pPr>
                 <a:defRPr/>
               </a:pPr>
-              <a:t>4</a:t>
+              <a:t>5</a:t>
             </a:fld>
             <a:endParaRPr lang="en-US" altLang="zh-CN"/>
           </a:p>
@@ -12968,409 +13807,6 @@
     <p:extLst>
       <p:ext uri="{BB962C8B-B14F-4D97-AF65-F5344CB8AC3E}">
         <p14:creationId xmlns:p14="http://schemas.microsoft.com/office/powerpoint/2010/main" val="1551564764"/>
-      </p:ext>
-    </p:extLst>
-  </p:cSld>
-  <p:clrMapOvr>
-    <a:masterClrMapping/>
-  </p:clrMapOvr>
-</p:sld>
-</file>
-
-<file path=ppt/slides/slide5.xml><?xml version="1.0" encoding="utf-8"?>
-<p:sld xmlns:a="http://schemas.openxmlformats.org/drawingml/2006/main" xmlns:r="http://schemas.openxmlformats.org/officeDocument/2006/relationships" xmlns:p="http://schemas.openxmlformats.org/presentationml/2006/main">
-  <p:cSld>
-    <p:spTree>
-      <p:nvGrpSpPr>
-        <p:cNvPr id="1" name=""/>
-        <p:cNvGrpSpPr/>
-        <p:nvPr/>
-      </p:nvGrpSpPr>
-      <p:grpSpPr>
-        <a:xfrm>
-          <a:off x="0" y="0"/>
-          <a:ext cx="0" cy="0"/>
-          <a:chOff x="0" y="0"/>
-          <a:chExt cx="0" cy="0"/>
-        </a:xfrm>
-      </p:grpSpPr>
-      <p:sp>
-        <p:nvSpPr>
-          <p:cNvPr id="2" name="Title 1">
-            <a:extLst>
-              <a:ext uri="{FF2B5EF4-FFF2-40B4-BE49-F238E27FC236}">
-                <a16:creationId xmlns:a16="http://schemas.microsoft.com/office/drawing/2014/main" id="{590D0125-5A9E-9D48-9391-85FBD0E608A2}"/>
-              </a:ext>
-            </a:extLst>
-          </p:cNvPr>
-          <p:cNvSpPr>
-            <a:spLocks noGrp="1"/>
-          </p:cNvSpPr>
-          <p:nvPr>
-            <p:ph type="title"/>
-          </p:nvPr>
-        </p:nvSpPr>
-        <p:spPr>
-          <a:xfrm>
-            <a:off x="571500" y="130865"/>
-            <a:ext cx="8001000" cy="599270"/>
-          </a:xfrm>
-        </p:spPr>
-        <p:txBody>
-          <a:bodyPr/>
-          <a:lstStyle/>
-          <a:p>
-            <a:r>
-              <a:rPr lang="en-CA" sz="3200" dirty="0">
-                <a:solidFill>
-                  <a:srgbClr val="0070C0"/>
-                </a:solidFill>
-                <a:latin typeface="Calibri Light" panose="020F0302020204030204" pitchFamily="34" charset="0"/>
-                <a:cs typeface="Calibri Light" panose="020F0302020204030204" pitchFamily="34" charset="0"/>
-              </a:rPr>
-              <a:t>IOAM G-</a:t>
-            </a:r>
-            <a:r>
-              <a:rPr lang="en-CA" sz="3200" dirty="0" err="1">
-                <a:solidFill>
-                  <a:srgbClr val="0070C0"/>
-                </a:solidFill>
-                <a:latin typeface="Calibri Light" panose="020F0302020204030204" pitchFamily="34" charset="0"/>
-                <a:cs typeface="Calibri Light" panose="020F0302020204030204" pitchFamily="34" charset="0"/>
-              </a:rPr>
-              <a:t>ACh</a:t>
-            </a:r>
-            <a:r>
-              <a:rPr lang="en-CA" sz="3200" dirty="0">
-                <a:solidFill>
-                  <a:srgbClr val="0070C0"/>
-                </a:solidFill>
-                <a:latin typeface="Calibri Light" panose="020F0302020204030204" pitchFamily="34" charset="0"/>
-                <a:cs typeface="Calibri Light" panose="020F0302020204030204" pitchFamily="34" charset="0"/>
-              </a:rPr>
-              <a:t> for IOAM Data Fields</a:t>
-            </a:r>
-            <a:endParaRPr lang="en-US" sz="3200" dirty="0">
-              <a:solidFill>
-                <a:srgbClr val="0070C0"/>
-              </a:solidFill>
-              <a:latin typeface="Calibri Light" panose="020F0302020204030204" pitchFamily="34" charset="0"/>
-              <a:cs typeface="Calibri Light" panose="020F0302020204030204" pitchFamily="34" charset="0"/>
-            </a:endParaRPr>
-          </a:p>
-        </p:txBody>
-      </p:sp>
-      <p:sp>
-        <p:nvSpPr>
-          <p:cNvPr id="4" name="Footer Placeholder 3">
-            <a:extLst>
-              <a:ext uri="{FF2B5EF4-FFF2-40B4-BE49-F238E27FC236}">
-                <a16:creationId xmlns:a16="http://schemas.microsoft.com/office/drawing/2014/main" id="{87713FCD-3B47-804D-B373-DAB61FB5FF59}"/>
-              </a:ext>
-            </a:extLst>
-          </p:cNvPr>
-          <p:cNvSpPr>
-            <a:spLocks noGrp="1"/>
-          </p:cNvSpPr>
-          <p:nvPr>
-            <p:ph type="ftr" sz="quarter" idx="11"/>
-          </p:nvPr>
-        </p:nvSpPr>
-        <p:spPr>
-          <a:xfrm>
-            <a:off x="3124200" y="4781550"/>
-            <a:ext cx="2895600" cy="357188"/>
-          </a:xfrm>
-        </p:spPr>
-        <p:txBody>
-          <a:bodyPr/>
-          <a:lstStyle/>
-          <a:p>
-            <a:r>
-              <a:rPr lang="en-CA" dirty="0"/>
-              <a:t>110</a:t>
-            </a:r>
-            <a:r>
-              <a:rPr lang="en-CA" baseline="30000" dirty="0"/>
-              <a:t>th</a:t>
-            </a:r>
-            <a:r>
-              <a:rPr lang="en-CA" dirty="0"/>
-              <a:t> IETF Online</a:t>
-            </a:r>
-          </a:p>
-        </p:txBody>
-      </p:sp>
-      <p:sp>
-        <p:nvSpPr>
-          <p:cNvPr id="5" name="Slide Number Placeholder 4">
-            <a:extLst>
-              <a:ext uri="{FF2B5EF4-FFF2-40B4-BE49-F238E27FC236}">
-                <a16:creationId xmlns:a16="http://schemas.microsoft.com/office/drawing/2014/main" id="{1371408B-9195-EC4D-8131-A3F5CC0592D0}"/>
-              </a:ext>
-            </a:extLst>
-          </p:cNvPr>
-          <p:cNvSpPr>
-            <a:spLocks noGrp="1"/>
-          </p:cNvSpPr>
-          <p:nvPr>
-            <p:ph type="sldNum" sz="quarter" idx="12"/>
-          </p:nvPr>
-        </p:nvSpPr>
-        <p:spPr/>
-        <p:txBody>
-          <a:bodyPr/>
-          <a:lstStyle/>
-          <a:p>
-            <a:pPr>
-              <a:defRPr/>
-            </a:pPr>
-            <a:fld id="{BD6E0F59-1DD8-40FC-9C92-B6295CBA6CCA}" type="slidenum">
-              <a:rPr lang="en-US" altLang="zh-CN" smtClean="0"/>
-              <a:pPr>
-                <a:defRPr/>
-              </a:pPr>
-              <a:t>5</a:t>
-            </a:fld>
-            <a:endParaRPr lang="en-US" altLang="zh-CN"/>
-          </a:p>
-        </p:txBody>
-      </p:sp>
-      <p:sp>
-        <p:nvSpPr>
-          <p:cNvPr id="6" name="Rectangle 5">
-            <a:extLst>
-              <a:ext uri="{FF2B5EF4-FFF2-40B4-BE49-F238E27FC236}">
-                <a16:creationId xmlns:a16="http://schemas.microsoft.com/office/drawing/2014/main" id="{1EED4007-3A19-0E4E-8496-6CECEEA363EB}"/>
-              </a:ext>
-            </a:extLst>
-          </p:cNvPr>
-          <p:cNvSpPr/>
-          <p:nvPr/>
-        </p:nvSpPr>
-        <p:spPr>
-          <a:xfrm>
-            <a:off x="1600200" y="1031216"/>
-            <a:ext cx="5791200" cy="3323987"/>
-          </a:xfrm>
-          <a:prstGeom prst="rect">
-            <a:avLst/>
-          </a:prstGeom>
-          <a:solidFill>
-            <a:schemeClr val="accent6">
-              <a:lumMod val="20000"/>
-              <a:lumOff val="80000"/>
-            </a:schemeClr>
-          </a:solidFill>
-        </p:spPr>
-        <p:txBody>
-          <a:bodyPr wrap="square">
-            <a:spAutoFit/>
-          </a:bodyPr>
-          <a:lstStyle/>
-          <a:p>
-            <a:r>
-              <a:rPr lang="en-CA" sz="1000" dirty="0">
-                <a:latin typeface="Courier" pitchFamily="2" charset="0"/>
-              </a:rPr>
-              <a:t>   0                   1                   2                   3</a:t>
-            </a:r>
-          </a:p>
-          <a:p>
-            <a:r>
-              <a:rPr lang="en-CA" sz="1000" dirty="0">
-                <a:latin typeface="Courier" pitchFamily="2" charset="0"/>
-              </a:rPr>
-              <a:t>   0 1 2 3 4 5 6 7 8 9 0 1 2 3 4 5 6 7 8 9 0 1 2 3 4 5 6 7 8 9 0 1</a:t>
-            </a:r>
-          </a:p>
-          <a:p>
-            <a:r>
-              <a:rPr lang="en-CA" sz="1000" dirty="0">
-                <a:latin typeface="Courier" pitchFamily="2" charset="0"/>
-              </a:rPr>
-              <a:t>   +-+-+-+-+-+-+-+-+-+-+-+-+-+-+-+-+-+-+-+-+-+-+-+-+-+-+-+-+-+-+-+-+&lt;-+ </a:t>
-            </a:r>
-          </a:p>
-          <a:p>
-            <a:r>
-              <a:rPr lang="en-CA" sz="1000" dirty="0">
-                <a:latin typeface="Courier" pitchFamily="2" charset="0"/>
-              </a:rPr>
-              <a:t>   |0 0 0 1|Version|  Reserved     | IOAM G-</a:t>
-            </a:r>
-            <a:r>
-              <a:rPr lang="en-CA" sz="1000" dirty="0" err="1">
-                <a:latin typeface="Courier" pitchFamily="2" charset="0"/>
-              </a:rPr>
-              <a:t>ACh</a:t>
-            </a:r>
-            <a:r>
-              <a:rPr lang="en-CA" sz="1000" dirty="0">
-                <a:latin typeface="Courier" pitchFamily="2" charset="0"/>
-              </a:rPr>
-              <a:t> (Type TBA3         |  | </a:t>
-            </a:r>
-          </a:p>
-          <a:p>
-            <a:r>
-              <a:rPr lang="en-CA" sz="1000" dirty="0">
-                <a:latin typeface="Courier" pitchFamily="2" charset="0"/>
-              </a:rPr>
-              <a:t>   +-+-+-+-+-+-+-+-+-+-+-+-+-+-+-+-+-+-+-+-+-+-+-+-+-+-+-+-+-+-+-+-+  | </a:t>
-            </a:r>
-          </a:p>
-          <a:p>
-            <a:r>
-              <a:rPr lang="en-CA" sz="1000" dirty="0">
-                <a:latin typeface="Courier" pitchFamily="2" charset="0"/>
-              </a:rPr>
-              <a:t>   | Reserved      | Block Number  | IOAM-OPT-Type |IOAM HDR Length|  |</a:t>
-            </a:r>
-          </a:p>
-          <a:p>
-            <a:r>
-              <a:rPr lang="en-CA" sz="1000" dirty="0">
-                <a:latin typeface="Courier" pitchFamily="2" charset="0"/>
-              </a:rPr>
-              <a:t>   +-+-+-+-+-+-+-+-+-+-+-+-+-+-+-+-+-+-+-+-+-+-+-+-+-+-+-+-+-+-+-+-+  I</a:t>
-            </a:r>
-          </a:p>
-          <a:p>
-            <a:r>
-              <a:rPr lang="en-CA" sz="1000" dirty="0">
-                <a:latin typeface="Courier" pitchFamily="2" charset="0"/>
-              </a:rPr>
-              <a:t>   |                                                               |  O</a:t>
-            </a:r>
-          </a:p>
-          <a:p>
-            <a:r>
-              <a:rPr lang="en-CA" sz="1000" dirty="0">
-                <a:latin typeface="Courier" pitchFamily="2" charset="0"/>
-              </a:rPr>
-              <a:t>   |                                                               |  A</a:t>
-            </a:r>
-          </a:p>
-          <a:p>
-            <a:r>
-              <a:rPr lang="en-CA" sz="1000" dirty="0">
-                <a:latin typeface="Courier" pitchFamily="2" charset="0"/>
-              </a:rPr>
-              <a:t>   ~                 IOAM Option and Data Space                    ~  M</a:t>
-            </a:r>
-          </a:p>
-          <a:p>
-            <a:r>
-              <a:rPr lang="en-CA" sz="1000" dirty="0">
-                <a:latin typeface="Courier" pitchFamily="2" charset="0"/>
-              </a:rPr>
-              <a:t>   |                                                               |  |</a:t>
-            </a:r>
-          </a:p>
-          <a:p>
-            <a:r>
-              <a:rPr lang="en-CA" sz="1000" dirty="0">
-                <a:latin typeface="Courier" pitchFamily="2" charset="0"/>
-              </a:rPr>
-              <a:t>   |                                                               |  |</a:t>
-            </a:r>
-          </a:p>
-          <a:p>
-            <a:r>
-              <a:rPr lang="en-CA" sz="1000" dirty="0">
-                <a:latin typeface="Courier" pitchFamily="2" charset="0"/>
-              </a:rPr>
-              <a:t>   +-+-+-+-+-+-+-+-+-+-+-+-+-+-+-+-+-+-+-+-+-+-+-+-+-+-+-+-+-+-+-+-+&lt;-+</a:t>
-            </a:r>
-          </a:p>
-          <a:p>
-            <a:r>
-              <a:rPr lang="en-CA" sz="1000" dirty="0">
-                <a:latin typeface="Courier" pitchFamily="2" charset="0"/>
-              </a:rPr>
-              <a:t>   |                                                               |</a:t>
-            </a:r>
-          </a:p>
-          <a:p>
-            <a:r>
-              <a:rPr lang="en-CA" sz="1000" dirty="0">
-                <a:latin typeface="Courier" pitchFamily="2" charset="0"/>
-              </a:rPr>
-              <a:t>   |                                                               |</a:t>
-            </a:r>
-          </a:p>
-          <a:p>
-            <a:r>
-              <a:rPr lang="en-CA" sz="1000" dirty="0">
-                <a:latin typeface="Courier" pitchFamily="2" charset="0"/>
-              </a:rPr>
-              <a:t>   ~                 Payload + Padding                             ~</a:t>
-            </a:r>
-          </a:p>
-          <a:p>
-            <a:r>
-              <a:rPr lang="en-CA" sz="1000" dirty="0">
-                <a:latin typeface="Courier" pitchFamily="2" charset="0"/>
-              </a:rPr>
-              <a:t>   |                                                               |</a:t>
-            </a:r>
-          </a:p>
-          <a:p>
-            <a:r>
-              <a:rPr lang="en-CA" sz="1000" dirty="0">
-                <a:latin typeface="Courier" pitchFamily="2" charset="0"/>
-              </a:rPr>
-              <a:t>   |                                                               |</a:t>
-            </a:r>
-          </a:p>
-          <a:p>
-            <a:r>
-              <a:rPr lang="en-CA" sz="1000" dirty="0">
-                <a:latin typeface="Courier" pitchFamily="2" charset="0"/>
-              </a:rPr>
-              <a:t>   +-+-+-+-+-+-+-+-+-+-+-+-+-+-+-+-+-+-+-+-+-+-+-+-+-+-+-+-+-+-+-+-+</a:t>
-            </a:r>
-          </a:p>
-          <a:p>
-            <a:r>
-              <a:rPr lang="en-CA" sz="1000" dirty="0">
-                <a:latin typeface="Courier" pitchFamily="2" charset="0"/>
-              </a:rPr>
-              <a:t> </a:t>
-            </a:r>
-          </a:p>
-          <a:p>
-            <a:r>
-              <a:rPr lang="en-CA" sz="1000" dirty="0">
-                <a:latin typeface="Courier" pitchFamily="2" charset="0"/>
-              </a:rPr>
-              <a:t>                  Figure: IOAM G-</a:t>
-            </a:r>
-            <a:r>
-              <a:rPr lang="en-CA" sz="1000" dirty="0" err="1">
-                <a:latin typeface="Courier" pitchFamily="2" charset="0"/>
-              </a:rPr>
-              <a:t>ACh</a:t>
-            </a:r>
-            <a:r>
-              <a:rPr lang="en-CA" sz="1000" dirty="0">
-                <a:latin typeface="Courier" pitchFamily="2" charset="0"/>
-              </a:rPr>
-              <a:t> for IOAM Data Fields</a:t>
-            </a:r>
-            <a:endParaRPr lang="en-CA" sz="1000" dirty="0">
-              <a:latin typeface="Courier" pitchFamily="2" charset="0"/>
-              <a:ea typeface="Calibri" panose="020F0502020204030204" pitchFamily="34" charset="0"/>
-              <a:cs typeface="Times New Roman" panose="02020603050405020304" pitchFamily="18" charset="0"/>
-            </a:endParaRPr>
-          </a:p>
-        </p:txBody>
-      </p:sp>
-    </p:spTree>
-    <p:extLst>
-      <p:ext uri="{BB962C8B-B14F-4D97-AF65-F5344CB8AC3E}">
-        <p14:creationId xmlns:p14="http://schemas.microsoft.com/office/powerpoint/2010/main" val="1778080048"/>
       </p:ext>
     </p:extLst>
   </p:cSld>
@@ -13399,7 +13835,13 @@
       </p:grpSpPr>
       <p:sp>
         <p:nvSpPr>
-          <p:cNvPr id="2" name="Title 1"/>
+          <p:cNvPr id="2" name="Title 1">
+            <a:extLst>
+              <a:ext uri="{FF2B5EF4-FFF2-40B4-BE49-F238E27FC236}">
+                <a16:creationId xmlns:a16="http://schemas.microsoft.com/office/drawing/2014/main" id="{590D0125-5A9E-9D48-9391-85FBD0E608A2}"/>
+              </a:ext>
+            </a:extLst>
+          </p:cNvPr>
           <p:cNvSpPr>
             <a:spLocks noGrp="1"/>
           </p:cNvSpPr>
@@ -13409,8 +13851,8 @@
         </p:nvSpPr>
         <p:spPr>
           <a:xfrm>
-            <a:off x="457200" y="0"/>
-            <a:ext cx="8229600" cy="857250"/>
+            <a:off x="571500" y="130865"/>
+            <a:ext cx="8001000" cy="599270"/>
           </a:xfrm>
         </p:spPr>
         <p:txBody>
@@ -13418,7 +13860,7 @@
           <a:lstStyle/>
           <a:p>
             <a:r>
-              <a:rPr lang="en-US" sz="3600" dirty="0">
+              <a:rPr lang="en-CA" sz="3200" dirty="0">
                 <a:solidFill>
                   <a:srgbClr val="0070C0"/>
                 </a:solidFill>
@@ -13428,7 +13870,7 @@
               <a:t>IOAM G-</a:t>
             </a:r>
             <a:r>
-              <a:rPr lang="en-US" sz="3600" dirty="0" err="1">
+              <a:rPr lang="en-CA" sz="3200" dirty="0" err="1">
                 <a:solidFill>
                   <a:srgbClr val="0070C0"/>
                 </a:solidFill>
@@ -13438,150 +13880,44 @@
               <a:t>ACh</a:t>
             </a:r>
             <a:r>
-              <a:rPr lang="en-US" sz="3600" dirty="0">
+              <a:rPr lang="en-CA" sz="3200" dirty="0">
                 <a:solidFill>
                   <a:srgbClr val="0070C0"/>
                 </a:solidFill>
                 <a:latin typeface="Calibri Light" panose="020F0302020204030204" pitchFamily="34" charset="0"/>
                 <a:cs typeface="Calibri Light" panose="020F0302020204030204" pitchFamily="34" charset="0"/>
               </a:rPr>
-              <a:t> Header</a:t>
-            </a:r>
-          </a:p>
-        </p:txBody>
-      </p:sp>
-      <p:sp>
-        <p:nvSpPr>
-          <p:cNvPr id="3" name="Content Placeholder 2"/>
+              <a:t> for IOAM Data Fields</a:t>
+            </a:r>
+            <a:endParaRPr lang="en-US" sz="3200" dirty="0">
+              <a:solidFill>
+                <a:srgbClr val="0070C0"/>
+              </a:solidFill>
+              <a:latin typeface="Calibri Light" panose="020F0302020204030204" pitchFamily="34" charset="0"/>
+              <a:cs typeface="Calibri Light" panose="020F0302020204030204" pitchFamily="34" charset="0"/>
+            </a:endParaRPr>
+          </a:p>
+        </p:txBody>
+      </p:sp>
+      <p:sp>
+        <p:nvSpPr>
+          <p:cNvPr id="4" name="Footer Placeholder 3">
+            <a:extLst>
+              <a:ext uri="{FF2B5EF4-FFF2-40B4-BE49-F238E27FC236}">
+                <a16:creationId xmlns:a16="http://schemas.microsoft.com/office/drawing/2014/main" id="{87713FCD-3B47-804D-B373-DAB61FB5FF59}"/>
+              </a:ext>
+            </a:extLst>
+          </p:cNvPr>
           <p:cNvSpPr>
             <a:spLocks noGrp="1"/>
           </p:cNvSpPr>
           <p:nvPr>
-            <p:ph idx="1"/>
+            <p:ph type="ftr" sz="quarter" idx="11"/>
           </p:nvPr>
         </p:nvSpPr>
         <p:spPr>
           <a:xfrm>
-            <a:off x="495300" y="971550"/>
-            <a:ext cx="8153400" cy="3238501"/>
-          </a:xfrm>
-        </p:spPr>
-        <p:txBody>
-          <a:bodyPr/>
-          <a:lstStyle/>
-          <a:p>
-            <a:pPr>
-              <a:lnSpc>
-                <a:spcPts val="2020"/>
-              </a:lnSpc>
-              <a:spcBef>
-                <a:spcPts val="600"/>
-              </a:spcBef>
-            </a:pPr>
-            <a:r>
-              <a:rPr lang="en-CA" sz="1800" dirty="0"/>
-              <a:t>New Generic Associated Channel (G-</a:t>
-            </a:r>
-            <a:r>
-              <a:rPr lang="en-CA" sz="1800" dirty="0" err="1"/>
-              <a:t>ACh</a:t>
-            </a:r>
-            <a:r>
-              <a:rPr lang="en-CA" sz="1800" dirty="0"/>
-              <a:t>) Type (value </a:t>
-            </a:r>
-            <a:r>
-              <a:rPr lang="en-CA" sz="1800" dirty="0">
-                <a:solidFill>
-                  <a:srgbClr val="0070C0"/>
-                </a:solidFill>
-              </a:rPr>
-              <a:t>TBA3</a:t>
-            </a:r>
-            <a:r>
-              <a:rPr lang="en-CA" sz="1800" dirty="0"/>
-              <a:t>) defined for IOAM</a:t>
-            </a:r>
-          </a:p>
-          <a:p>
-            <a:pPr>
-              <a:lnSpc>
-                <a:spcPts val="2020"/>
-              </a:lnSpc>
-              <a:spcBef>
-                <a:spcPts val="600"/>
-              </a:spcBef>
-            </a:pPr>
-            <a:r>
-              <a:rPr lang="en-CA" sz="1800" dirty="0"/>
-              <a:t>Protocol value </a:t>
-            </a:r>
-            <a:r>
-              <a:rPr lang="en-CA" sz="1800" i="1" dirty="0"/>
-              <a:t>0001b</a:t>
-            </a:r>
-            <a:r>
-              <a:rPr lang="en-CA" sz="1800" dirty="0"/>
-              <a:t> allows to avoid incorrect IP header based hashing over ECMP paths</a:t>
-            </a:r>
-          </a:p>
-          <a:p>
-            <a:pPr>
-              <a:lnSpc>
-                <a:spcPts val="2020"/>
-              </a:lnSpc>
-              <a:spcBef>
-                <a:spcPts val="600"/>
-              </a:spcBef>
-            </a:pPr>
-            <a:r>
-              <a:rPr lang="en-CA" sz="1800" dirty="0"/>
-              <a:t>Block Number can be used to: </a:t>
-            </a:r>
-          </a:p>
-          <a:p>
-            <a:pPr lvl="1">
-              <a:lnSpc>
-                <a:spcPts val="2020"/>
-              </a:lnSpc>
-              <a:spcBef>
-                <a:spcPts val="600"/>
-              </a:spcBef>
-            </a:pPr>
-            <a:r>
-              <a:rPr lang="en-CA" sz="1800" dirty="0"/>
-              <a:t>Aggregate IOAM data collected in data plane, e.g. compute measurement metrics for each block of a flow</a:t>
-            </a:r>
-          </a:p>
-          <a:p>
-            <a:pPr lvl="1">
-              <a:lnSpc>
-                <a:spcPts val="2020"/>
-              </a:lnSpc>
-              <a:spcBef>
-                <a:spcPts val="600"/>
-              </a:spcBef>
-            </a:pPr>
-            <a:r>
-              <a:rPr lang="en-CA" sz="1800" dirty="0"/>
-              <a:t>Correlate IOAM data from different nodes</a:t>
-            </a:r>
-          </a:p>
-        </p:txBody>
-      </p:sp>
-      <p:sp>
-        <p:nvSpPr>
-          <p:cNvPr id="4" name="Footer Placeholder 3"/>
-          <p:cNvSpPr>
-            <a:spLocks noGrp="1"/>
-          </p:cNvSpPr>
-          <p:nvPr>
-            <p:ph type="ftr" sz="quarter" idx="11"/>
-          </p:nvPr>
-        </p:nvSpPr>
-        <p:spPr>
-          <a:xfrm>
-            <a:off x="3124200" y="4786312"/>
+            <a:off x="3124200" y="4781550"/>
             <a:ext cx="2895600" cy="357188"/>
           </a:xfrm>
         </p:spPr>
@@ -13606,7 +13942,13 @@
       </p:sp>
       <p:sp>
         <p:nvSpPr>
-          <p:cNvPr id="5" name="Slide Number Placeholder 4"/>
+          <p:cNvPr id="5" name="Slide Number Placeholder 4">
+            <a:extLst>
+              <a:ext uri="{FF2B5EF4-FFF2-40B4-BE49-F238E27FC236}">
+                <a16:creationId xmlns:a16="http://schemas.microsoft.com/office/drawing/2014/main" id="{1371408B-9195-EC4D-8131-A3F5CC0592D0}"/>
+              </a:ext>
+            </a:extLst>
+          </p:cNvPr>
           <p:cNvSpPr>
             <a:spLocks noGrp="1"/>
           </p:cNvSpPr>
@@ -13638,7 +13980,7 @@
           <p:cNvPr id="6" name="Rectangle 5">
             <a:extLst>
               <a:ext uri="{FF2B5EF4-FFF2-40B4-BE49-F238E27FC236}">
-                <a16:creationId xmlns:a16="http://schemas.microsoft.com/office/drawing/2014/main" id="{633B0DEE-E361-1046-85F0-03B8346DB4B8}"/>
+                <a16:creationId xmlns:a16="http://schemas.microsoft.com/office/drawing/2014/main" id="{1EED4007-3A19-0E4E-8496-6CECEEA363EB}"/>
               </a:ext>
             </a:extLst>
           </p:cNvPr>
@@ -13647,12 +13989,18 @@
         </p:nvSpPr>
         <p:spPr>
           <a:xfrm>
-            <a:off x="571500" y="4278775"/>
-            <a:ext cx="8000999" cy="307777"/>
+            <a:off x="1600200" y="1031216"/>
+            <a:ext cx="5791200" cy="3323987"/>
           </a:xfrm>
           <a:prstGeom prst="rect">
             <a:avLst/>
           </a:prstGeom>
+          <a:solidFill>
+            <a:schemeClr val="accent6">
+              <a:lumMod val="20000"/>
+              <a:lumOff val="80000"/>
+            </a:schemeClr>
+          </a:solidFill>
         </p:spPr>
         <p:txBody>
           <a:bodyPr wrap="square">
@@ -13661,29 +14009,207 @@
           <a:lstStyle/>
           <a:p>
             <a:r>
-              <a:rPr lang="en-US" sz="1400" dirty="0"/>
-              <a:t>https://</a:t>
-            </a:r>
-            <a:r>
-              <a:rPr lang="en-US" sz="1400" dirty="0" err="1"/>
-              <a:t>www.iana.org</a:t>
-            </a:r>
-            <a:r>
-              <a:rPr lang="en-US" sz="1400" dirty="0"/>
-              <a:t>/assignments/g-ach-parameters/</a:t>
-            </a:r>
-            <a:r>
-              <a:rPr lang="en-US" sz="1400" dirty="0" err="1"/>
-              <a:t>g-ach-parameters.xhtml#mpls-g-ach-types</a:t>
-            </a:r>
-            <a:endParaRPr lang="en-US" sz="1400" dirty="0"/>
+              <a:rPr lang="en-CA" sz="1000" dirty="0">
+                <a:latin typeface="Courier" pitchFamily="2" charset="0"/>
+              </a:rPr>
+              <a:t>   0                   1                   2                   3</a:t>
+            </a:r>
+          </a:p>
+          <a:p>
+            <a:r>
+              <a:rPr lang="en-CA" sz="1000" dirty="0">
+                <a:latin typeface="Courier" pitchFamily="2" charset="0"/>
+              </a:rPr>
+              <a:t>   0 1 2 3 4 5 6 7 8 9 0 1 2 3 4 5 6 7 8 9 0 1 2 3 4 5 6 7 8 9 0 1</a:t>
+            </a:r>
+          </a:p>
+          <a:p>
+            <a:r>
+              <a:rPr lang="en-CA" sz="1000" dirty="0">
+                <a:latin typeface="Courier" pitchFamily="2" charset="0"/>
+              </a:rPr>
+              <a:t>   +-+-+-+-+-+-+-+-+-+-+-+-+-+-+-+-+-+-+-+-+-+-+-+-+-+-+-+-+-+-+-+-+&lt;-+ </a:t>
+            </a:r>
+          </a:p>
+          <a:p>
+            <a:r>
+              <a:rPr lang="en-CA" sz="1000" dirty="0">
+                <a:latin typeface="Courier" pitchFamily="2" charset="0"/>
+              </a:rPr>
+              <a:t>   |0 0 0 1|Version|  Reserved     | IOAM G-</a:t>
+            </a:r>
+            <a:r>
+              <a:rPr lang="en-CA" sz="1000" dirty="0" err="1">
+                <a:latin typeface="Courier" pitchFamily="2" charset="0"/>
+              </a:rPr>
+              <a:t>ACh</a:t>
+            </a:r>
+            <a:r>
+              <a:rPr lang="en-CA" sz="1000" dirty="0">
+                <a:latin typeface="Courier" pitchFamily="2" charset="0"/>
+              </a:rPr>
+              <a:t> (Type TBA3         |  | </a:t>
+            </a:r>
+          </a:p>
+          <a:p>
+            <a:r>
+              <a:rPr lang="en-CA" sz="1000" dirty="0">
+                <a:latin typeface="Courier" pitchFamily="2" charset="0"/>
+              </a:rPr>
+              <a:t>   +-+-+-+-+-+-+-+-+-+-+-+-+-+-+-+-+-+-+-+-+-+-+-+-+-+-+-+-+-+-+-+-+  | </a:t>
+            </a:r>
+          </a:p>
+          <a:p>
+            <a:r>
+              <a:rPr lang="en-CA" sz="1000" dirty="0">
+                <a:latin typeface="Courier" pitchFamily="2" charset="0"/>
+              </a:rPr>
+              <a:t>   | Reserved      | Block Number  | IOAM-OPT-Type |IOAM HDR Length|  |</a:t>
+            </a:r>
+          </a:p>
+          <a:p>
+            <a:r>
+              <a:rPr lang="en-CA" sz="1000" dirty="0">
+                <a:latin typeface="Courier" pitchFamily="2" charset="0"/>
+              </a:rPr>
+              <a:t>   +-+-+-+-+-+-+-+-+-+-+-+-+-+-+-+-+-+-+-+-+-+-+-+-+-+-+-+-+-+-+-+-+  I</a:t>
+            </a:r>
+          </a:p>
+          <a:p>
+            <a:r>
+              <a:rPr lang="en-CA" sz="1000" dirty="0">
+                <a:latin typeface="Courier" pitchFamily="2" charset="0"/>
+              </a:rPr>
+              <a:t>   |                                                               |  O</a:t>
+            </a:r>
+          </a:p>
+          <a:p>
+            <a:r>
+              <a:rPr lang="en-CA" sz="1000" dirty="0">
+                <a:latin typeface="Courier" pitchFamily="2" charset="0"/>
+              </a:rPr>
+              <a:t>   |                                                               |  A</a:t>
+            </a:r>
+          </a:p>
+          <a:p>
+            <a:r>
+              <a:rPr lang="en-CA" sz="1000" dirty="0">
+                <a:latin typeface="Courier" pitchFamily="2" charset="0"/>
+              </a:rPr>
+              <a:t>   ~                 IOAM Option and Data Space                    ~  M</a:t>
+            </a:r>
+          </a:p>
+          <a:p>
+            <a:r>
+              <a:rPr lang="en-CA" sz="1000" dirty="0">
+                <a:latin typeface="Courier" pitchFamily="2" charset="0"/>
+              </a:rPr>
+              <a:t>   |                                                               |  |</a:t>
+            </a:r>
+          </a:p>
+          <a:p>
+            <a:r>
+              <a:rPr lang="en-CA" sz="1000" dirty="0">
+                <a:latin typeface="Courier" pitchFamily="2" charset="0"/>
+              </a:rPr>
+              <a:t>   |                                                               |  |</a:t>
+            </a:r>
+          </a:p>
+          <a:p>
+            <a:r>
+              <a:rPr lang="en-CA" sz="1000" dirty="0">
+                <a:latin typeface="Courier" pitchFamily="2" charset="0"/>
+              </a:rPr>
+              <a:t>   +-+-+-+-+-+-+-+-+-+-+-+-+-+-+-+-+-+-+-+-+-+-+-+-+-+-+-+-+-+-+-+-+&lt;-+</a:t>
+            </a:r>
+          </a:p>
+          <a:p>
+            <a:r>
+              <a:rPr lang="en-CA" sz="1000" dirty="0">
+                <a:latin typeface="Courier" pitchFamily="2" charset="0"/>
+              </a:rPr>
+              <a:t>   |                                                               |</a:t>
+            </a:r>
+          </a:p>
+          <a:p>
+            <a:r>
+              <a:rPr lang="en-CA" sz="1000" dirty="0">
+                <a:latin typeface="Courier" pitchFamily="2" charset="0"/>
+              </a:rPr>
+              <a:t>   |                                                               |</a:t>
+            </a:r>
+          </a:p>
+          <a:p>
+            <a:r>
+              <a:rPr lang="en-CA" sz="1000" dirty="0">
+                <a:latin typeface="Courier" pitchFamily="2" charset="0"/>
+              </a:rPr>
+              <a:t>   ~                 Payload + Padding                             ~</a:t>
+            </a:r>
+          </a:p>
+          <a:p>
+            <a:r>
+              <a:rPr lang="en-CA" sz="1000" dirty="0">
+                <a:latin typeface="Courier" pitchFamily="2" charset="0"/>
+              </a:rPr>
+              <a:t>   |                                                               |</a:t>
+            </a:r>
+          </a:p>
+          <a:p>
+            <a:r>
+              <a:rPr lang="en-CA" sz="1000" dirty="0">
+                <a:latin typeface="Courier" pitchFamily="2" charset="0"/>
+              </a:rPr>
+              <a:t>   |                                                               |</a:t>
+            </a:r>
+          </a:p>
+          <a:p>
+            <a:r>
+              <a:rPr lang="en-CA" sz="1000" dirty="0">
+                <a:latin typeface="Courier" pitchFamily="2" charset="0"/>
+              </a:rPr>
+              <a:t>   +-+-+-+-+-+-+-+-+-+-+-+-+-+-+-+-+-+-+-+-+-+-+-+-+-+-+-+-+-+-+-+-+</a:t>
+            </a:r>
+          </a:p>
+          <a:p>
+            <a:r>
+              <a:rPr lang="en-CA" sz="1000" dirty="0">
+                <a:latin typeface="Courier" pitchFamily="2" charset="0"/>
+              </a:rPr>
+              <a:t> </a:t>
+            </a:r>
+          </a:p>
+          <a:p>
+            <a:r>
+              <a:rPr lang="en-CA" sz="1000" dirty="0">
+                <a:latin typeface="Courier" pitchFamily="2" charset="0"/>
+              </a:rPr>
+              <a:t>                  Figure: IOAM G-</a:t>
+            </a:r>
+            <a:r>
+              <a:rPr lang="en-CA" sz="1000" dirty="0" err="1">
+                <a:latin typeface="Courier" pitchFamily="2" charset="0"/>
+              </a:rPr>
+              <a:t>ACh</a:t>
+            </a:r>
+            <a:r>
+              <a:rPr lang="en-CA" sz="1000" dirty="0">
+                <a:latin typeface="Courier" pitchFamily="2" charset="0"/>
+              </a:rPr>
+              <a:t> for IOAM Data Fields</a:t>
+            </a:r>
+            <a:endParaRPr lang="en-CA" sz="1000" dirty="0">
+              <a:latin typeface="Courier" pitchFamily="2" charset="0"/>
+              <a:ea typeface="Calibri" panose="020F0502020204030204" pitchFamily="34" charset="0"/>
+              <a:cs typeface="Times New Roman" panose="02020603050405020304" pitchFamily="18" charset="0"/>
+            </a:endParaRPr>
           </a:p>
         </p:txBody>
       </p:sp>
     </p:spTree>
     <p:extLst>
       <p:ext uri="{BB962C8B-B14F-4D97-AF65-F5344CB8AC3E}">
-        <p14:creationId xmlns:p14="http://schemas.microsoft.com/office/powerpoint/2010/main" val="3591665698"/>
+        <p14:creationId xmlns:p14="http://schemas.microsoft.com/office/powerpoint/2010/main" val="1778080048"/>
       </p:ext>
     </p:extLst>
   </p:cSld>
@@ -13738,7 +14264,27 @@
                 <a:latin typeface="Calibri Light" panose="020F0302020204030204" pitchFamily="34" charset="0"/>
                 <a:cs typeface="Calibri Light" panose="020F0302020204030204" pitchFamily="34" charset="0"/>
               </a:rPr>
-              <a:t>IOAM Indicator Labels</a:t>
+              <a:t>IOAM G-</a:t>
+            </a:r>
+            <a:r>
+              <a:rPr lang="en-US" sz="3600" dirty="0" err="1">
+                <a:solidFill>
+                  <a:srgbClr val="0070C0"/>
+                </a:solidFill>
+                <a:latin typeface="Calibri Light" panose="020F0302020204030204" pitchFamily="34" charset="0"/>
+                <a:cs typeface="Calibri Light" panose="020F0302020204030204" pitchFamily="34" charset="0"/>
+              </a:rPr>
+              <a:t>ACh</a:t>
+            </a:r>
+            <a:r>
+              <a:rPr lang="en-US" sz="3600" dirty="0">
+                <a:solidFill>
+                  <a:srgbClr val="0070C0"/>
+                </a:solidFill>
+                <a:latin typeface="Calibri Light" panose="020F0302020204030204" pitchFamily="34" charset="0"/>
+                <a:cs typeface="Calibri Light" panose="020F0302020204030204" pitchFamily="34" charset="0"/>
+              </a:rPr>
+              <a:t> Header</a:t>
             </a:r>
           </a:p>
         </p:txBody>
@@ -13755,8 +14301,8 @@
         </p:nvSpPr>
         <p:spPr>
           <a:xfrm>
-            <a:off x="475648" y="887129"/>
-            <a:ext cx="8229600" cy="3437222"/>
+            <a:off x="495300" y="971550"/>
+            <a:ext cx="8153400" cy="3238501"/>
           </a:xfrm>
         </p:spPr>
         <p:txBody>
@@ -13765,111 +14311,99 @@
           <a:p>
             <a:pPr>
               <a:lnSpc>
-                <a:spcPts val="2320"/>
+                <a:spcPts val="2020"/>
               </a:lnSpc>
               <a:spcBef>
                 <a:spcPts val="600"/>
               </a:spcBef>
             </a:pPr>
             <a:r>
-              <a:rPr lang="en-CA" sz="1400" dirty="0"/>
-              <a:t>“IOAM Indicator Label” is used to indicate the presence of the IOAM data fields after EOS in the MPLS Encapsulation. </a:t>
+              <a:rPr lang="en-CA" sz="1800" dirty="0"/>
+              <a:t>New Generic Associated Channel (G-</a:t>
+            </a:r>
+            <a:r>
+              <a:rPr lang="en-CA" sz="1800" dirty="0" err="1"/>
+              <a:t>ACh</a:t>
+            </a:r>
+            <a:r>
+              <a:rPr lang="en-CA" sz="1800" dirty="0"/>
+              <a:t>) Type (value </a:t>
+            </a:r>
+            <a:r>
+              <a:rPr lang="en-CA" sz="1800" dirty="0">
+                <a:solidFill>
+                  <a:srgbClr val="0070C0"/>
+                </a:solidFill>
+              </a:rPr>
+              <a:t>TBA3</a:t>
+            </a:r>
+            <a:r>
+              <a:rPr lang="en-CA" sz="1800" dirty="0"/>
+              <a:t>) defined for IOAM</a:t>
             </a:r>
           </a:p>
           <a:p>
             <a:pPr>
               <a:lnSpc>
-                <a:spcPts val="2320"/>
+                <a:spcPts val="2020"/>
               </a:lnSpc>
               <a:spcBef>
                 <a:spcPts val="600"/>
               </a:spcBef>
             </a:pPr>
             <a:r>
-              <a:rPr lang="en-CA" sz="1400" dirty="0"/>
-              <a:t>Separate Indicator Labels are defined for E2E IOAM (for edge nodes) and </a:t>
-            </a:r>
-            <a:r>
-              <a:rPr lang="en-CA" sz="1400" dirty="0" err="1"/>
-              <a:t>HbH</a:t>
-            </a:r>
-            <a:r>
-              <a:rPr lang="en-CA" sz="1400" dirty="0"/>
-              <a:t> IOAM (</a:t>
-            </a:r>
-            <a:r>
-              <a:rPr lang="en-CA" sz="1400" i="1" dirty="0"/>
-              <a:t>for edge and intermediate nodes</a:t>
-            </a:r>
-            <a:r>
-              <a:rPr lang="en-CA" sz="1400" dirty="0"/>
-              <a:t>). </a:t>
-            </a:r>
-          </a:p>
-          <a:p>
-            <a:pPr lvl="1">
+              <a:rPr lang="en-CA" sz="1800" dirty="0"/>
+              <a:t>Protocol value </a:t>
+            </a:r>
+            <a:r>
+              <a:rPr lang="en-CA" sz="1800" i="1" dirty="0"/>
+              <a:t>0001b</a:t>
+            </a:r>
+            <a:r>
+              <a:rPr lang="en-CA" sz="1800" dirty="0"/>
+              <a:t> allows to avoid incorrect IP header based hashing over ECMP paths</a:t>
+            </a:r>
+          </a:p>
+          <a:p>
+            <a:pPr>
               <a:lnSpc>
-                <a:spcPts val="2320"/>
+                <a:spcPts val="2020"/>
               </a:lnSpc>
               <a:spcBef>
                 <a:spcPts val="600"/>
               </a:spcBef>
             </a:pPr>
             <a:r>
-              <a:rPr lang="en-CA" sz="1400" dirty="0"/>
-              <a:t>The E2E IOAM Label allows to bypass IOAM processing on intermediate nodes in case of E2E IOAM.</a:t>
-            </a:r>
-          </a:p>
-          <a:p>
-            <a:pPr>
+              <a:rPr lang="en-CA" sz="1800" dirty="0"/>
+              <a:t>Block Number can be used to: </a:t>
+            </a:r>
+          </a:p>
+          <a:p>
+            <a:pPr lvl="1">
               <a:lnSpc>
-                <a:spcPts val="2320"/>
+                <a:spcPts val="2020"/>
               </a:lnSpc>
               <a:spcBef>
                 <a:spcPts val="600"/>
               </a:spcBef>
             </a:pPr>
             <a:r>
-              <a:rPr lang="en-CA" sz="1400" dirty="0"/>
-              <a:t>In case of E2E IOAM, the IOAM Option-Type(s) in the data packets are processed on edge nodes only. The intermediate nodes ignore the IOAM Option-Type(s) carried by the data packets. </a:t>
-            </a:r>
-            <a:r>
-              <a:rPr lang="en-CA" sz="1400" b="1" dirty="0"/>
-              <a:t>Hence, only E2E Option-Type is carried in the IOAM data field.</a:t>
-            </a:r>
-          </a:p>
-          <a:p>
-            <a:pPr>
+              <a:rPr lang="en-CA" sz="1800" dirty="0"/>
+              <a:t>Aggregate IOAM data collected in data plane, e.g. compute measurement metrics for each block of a flow</a:t>
+            </a:r>
+          </a:p>
+          <a:p>
+            <a:pPr lvl="1">
               <a:lnSpc>
-                <a:spcPts val="2320"/>
+                <a:spcPts val="2020"/>
               </a:lnSpc>
               <a:spcBef>
                 <a:spcPts val="600"/>
               </a:spcBef>
             </a:pPr>
             <a:r>
-              <a:rPr lang="en-CA" sz="1400" dirty="0"/>
-              <a:t>In case of </a:t>
-            </a:r>
-            <a:r>
-              <a:rPr lang="en-CA" sz="1400" dirty="0" err="1"/>
-              <a:t>HbH</a:t>
-            </a:r>
-            <a:r>
-              <a:rPr lang="en-CA" sz="1400" dirty="0"/>
-              <a:t> IOAM, the IOAM Option-Type(s) in the data packets are processed on intermediate and edge nodes. </a:t>
-            </a:r>
-            <a:r>
-              <a:rPr lang="en-CA" sz="1400" b="1" dirty="0"/>
-              <a:t>Hence, both </a:t>
-            </a:r>
-            <a:r>
-              <a:rPr lang="en-CA" sz="1400" b="1" dirty="0" err="1"/>
-              <a:t>HbH</a:t>
-            </a:r>
-            <a:r>
-              <a:rPr lang="en-CA" sz="1400" b="1" dirty="0"/>
-              <a:t> and E2E Option-Types can be carried in the IOAM data field(s).</a:t>
+              <a:rPr lang="en-CA" sz="1800" dirty="0"/>
+              <a:t>Correlate IOAM data from different nodes</a:t>
             </a:r>
           </a:p>
         </p:txBody>
@@ -13933,6 +14467,311 @@
                 <a:defRPr/>
               </a:pPr>
               <a:t>7</a:t>
+            </a:fld>
+            <a:endParaRPr lang="en-US" altLang="zh-CN"/>
+          </a:p>
+        </p:txBody>
+      </p:sp>
+      <p:sp>
+        <p:nvSpPr>
+          <p:cNvPr id="6" name="Rectangle 5">
+            <a:extLst>
+              <a:ext uri="{FF2B5EF4-FFF2-40B4-BE49-F238E27FC236}">
+                <a16:creationId xmlns:a16="http://schemas.microsoft.com/office/drawing/2014/main" id="{633B0DEE-E361-1046-85F0-03B8346DB4B8}"/>
+              </a:ext>
+            </a:extLst>
+          </p:cNvPr>
+          <p:cNvSpPr/>
+          <p:nvPr/>
+        </p:nvSpPr>
+        <p:spPr>
+          <a:xfrm>
+            <a:off x="571500" y="4278775"/>
+            <a:ext cx="8000999" cy="307777"/>
+          </a:xfrm>
+          <a:prstGeom prst="rect">
+            <a:avLst/>
+          </a:prstGeom>
+        </p:spPr>
+        <p:txBody>
+          <a:bodyPr wrap="square">
+            <a:spAutoFit/>
+          </a:bodyPr>
+          <a:lstStyle/>
+          <a:p>
+            <a:r>
+              <a:rPr lang="en-US" sz="1400" dirty="0"/>
+              <a:t>https://</a:t>
+            </a:r>
+            <a:r>
+              <a:rPr lang="en-US" sz="1400" dirty="0" err="1"/>
+              <a:t>www.iana.org</a:t>
+            </a:r>
+            <a:r>
+              <a:rPr lang="en-US" sz="1400" dirty="0"/>
+              <a:t>/assignments/g-ach-parameters/</a:t>
+            </a:r>
+            <a:r>
+              <a:rPr lang="en-US" sz="1400" dirty="0" err="1"/>
+              <a:t>g-ach-parameters.xhtml#mpls-g-ach-types</a:t>
+            </a:r>
+            <a:endParaRPr lang="en-US" sz="1400" dirty="0"/>
+          </a:p>
+        </p:txBody>
+      </p:sp>
+    </p:spTree>
+    <p:extLst>
+      <p:ext uri="{BB962C8B-B14F-4D97-AF65-F5344CB8AC3E}">
+        <p14:creationId xmlns:p14="http://schemas.microsoft.com/office/powerpoint/2010/main" val="3591665698"/>
+      </p:ext>
+    </p:extLst>
+  </p:cSld>
+  <p:clrMapOvr>
+    <a:masterClrMapping/>
+  </p:clrMapOvr>
+</p:sld>
+</file>
+
+<file path=ppt/slides/slide8.xml><?xml version="1.0" encoding="utf-8"?>
+<p:sld xmlns:a="http://schemas.openxmlformats.org/drawingml/2006/main" xmlns:r="http://schemas.openxmlformats.org/officeDocument/2006/relationships" xmlns:p="http://schemas.openxmlformats.org/presentationml/2006/main">
+  <p:cSld>
+    <p:spTree>
+      <p:nvGrpSpPr>
+        <p:cNvPr id="1" name=""/>
+        <p:cNvGrpSpPr/>
+        <p:nvPr/>
+      </p:nvGrpSpPr>
+      <p:grpSpPr>
+        <a:xfrm>
+          <a:off x="0" y="0"/>
+          <a:ext cx="0" cy="0"/>
+          <a:chOff x="0" y="0"/>
+          <a:chExt cx="0" cy="0"/>
+        </a:xfrm>
+      </p:grpSpPr>
+      <p:sp>
+        <p:nvSpPr>
+          <p:cNvPr id="2" name="Title 1"/>
+          <p:cNvSpPr>
+            <a:spLocks noGrp="1"/>
+          </p:cNvSpPr>
+          <p:nvPr>
+            <p:ph type="title"/>
+          </p:nvPr>
+        </p:nvSpPr>
+        <p:spPr>
+          <a:xfrm>
+            <a:off x="457200" y="0"/>
+            <a:ext cx="8229600" cy="857250"/>
+          </a:xfrm>
+        </p:spPr>
+        <p:txBody>
+          <a:bodyPr/>
+          <a:lstStyle/>
+          <a:p>
+            <a:r>
+              <a:rPr lang="en-US" sz="3600" dirty="0">
+                <a:solidFill>
+                  <a:srgbClr val="0070C0"/>
+                </a:solidFill>
+                <a:latin typeface="Calibri Light" panose="020F0302020204030204" pitchFamily="34" charset="0"/>
+                <a:cs typeface="Calibri Light" panose="020F0302020204030204" pitchFamily="34" charset="0"/>
+              </a:rPr>
+              <a:t>IOAM Indicator Labels</a:t>
+            </a:r>
+          </a:p>
+        </p:txBody>
+      </p:sp>
+      <p:sp>
+        <p:nvSpPr>
+          <p:cNvPr id="3" name="Content Placeholder 2"/>
+          <p:cNvSpPr>
+            <a:spLocks noGrp="1"/>
+          </p:cNvSpPr>
+          <p:nvPr>
+            <p:ph idx="1"/>
+          </p:nvPr>
+        </p:nvSpPr>
+        <p:spPr>
+          <a:xfrm>
+            <a:off x="475648" y="887129"/>
+            <a:ext cx="8229600" cy="3437222"/>
+          </a:xfrm>
+        </p:spPr>
+        <p:txBody>
+          <a:bodyPr/>
+          <a:lstStyle/>
+          <a:p>
+            <a:pPr>
+              <a:lnSpc>
+                <a:spcPts val="2320"/>
+              </a:lnSpc>
+              <a:spcBef>
+                <a:spcPts val="600"/>
+              </a:spcBef>
+            </a:pPr>
+            <a:r>
+              <a:rPr lang="en-CA" sz="1400" dirty="0"/>
+              <a:t>“IOAM Indicator Label” is used to indicate the presence of the IOAM data fields after EOS in the MPLS Encapsulation. </a:t>
+            </a:r>
+          </a:p>
+          <a:p>
+            <a:pPr>
+              <a:lnSpc>
+                <a:spcPts val="2320"/>
+              </a:lnSpc>
+              <a:spcBef>
+                <a:spcPts val="600"/>
+              </a:spcBef>
+            </a:pPr>
+            <a:r>
+              <a:rPr lang="en-CA" sz="1400" dirty="0"/>
+              <a:t>Separate Indicator Labels are defined for E2E IOAM (for edge nodes) and </a:t>
+            </a:r>
+            <a:r>
+              <a:rPr lang="en-CA" sz="1400" dirty="0" err="1"/>
+              <a:t>HbH</a:t>
+            </a:r>
+            <a:r>
+              <a:rPr lang="en-CA" sz="1400" dirty="0"/>
+              <a:t> IOAM (</a:t>
+            </a:r>
+            <a:r>
+              <a:rPr lang="en-CA" sz="1400" i="1" dirty="0"/>
+              <a:t>for edge and intermediate nodes</a:t>
+            </a:r>
+            <a:r>
+              <a:rPr lang="en-CA" sz="1400" dirty="0"/>
+              <a:t>). </a:t>
+            </a:r>
+          </a:p>
+          <a:p>
+            <a:pPr lvl="1">
+              <a:lnSpc>
+                <a:spcPts val="2320"/>
+              </a:lnSpc>
+              <a:spcBef>
+                <a:spcPts val="600"/>
+              </a:spcBef>
+            </a:pPr>
+            <a:r>
+              <a:rPr lang="en-CA" sz="1400" dirty="0"/>
+              <a:t>The E2E IOAM Label allows to bypass IOAM processing on intermediate nodes in case of E2E IOAM.</a:t>
+            </a:r>
+          </a:p>
+          <a:p>
+            <a:pPr>
+              <a:lnSpc>
+                <a:spcPts val="2320"/>
+              </a:lnSpc>
+              <a:spcBef>
+                <a:spcPts val="600"/>
+              </a:spcBef>
+            </a:pPr>
+            <a:r>
+              <a:rPr lang="en-CA" sz="1400" dirty="0"/>
+              <a:t>In case of E2E IOAM, the IOAM Option-Type(s) in the data packets are processed on edge nodes only. The intermediate nodes ignore the IOAM Option-Type(s) carried by the data packets. </a:t>
+            </a:r>
+            <a:r>
+              <a:rPr lang="en-CA" sz="1400" b="1" dirty="0"/>
+              <a:t>Hence, only E2E Option-Type is carried in the IOAM data field.</a:t>
+            </a:r>
+          </a:p>
+          <a:p>
+            <a:pPr>
+              <a:lnSpc>
+                <a:spcPts val="2320"/>
+              </a:lnSpc>
+              <a:spcBef>
+                <a:spcPts val="600"/>
+              </a:spcBef>
+            </a:pPr>
+            <a:r>
+              <a:rPr lang="en-CA" sz="1400" dirty="0"/>
+              <a:t>In case of </a:t>
+            </a:r>
+            <a:r>
+              <a:rPr lang="en-CA" sz="1400" dirty="0" err="1"/>
+              <a:t>HbH</a:t>
+            </a:r>
+            <a:r>
+              <a:rPr lang="en-CA" sz="1400" dirty="0"/>
+              <a:t> IOAM, the IOAM Option-Type(s) in the data packets are processed on intermediate and edge nodes. </a:t>
+            </a:r>
+            <a:r>
+              <a:rPr lang="en-CA" sz="1400" b="1" dirty="0"/>
+              <a:t>Hence, both </a:t>
+            </a:r>
+            <a:r>
+              <a:rPr lang="en-CA" sz="1400" b="1" dirty="0" err="1"/>
+              <a:t>HbH</a:t>
+            </a:r>
+            <a:r>
+              <a:rPr lang="en-CA" sz="1400" b="1" dirty="0"/>
+              <a:t> and E2E Option-Types can be carried in the IOAM data field(s).</a:t>
+            </a:r>
+          </a:p>
+        </p:txBody>
+      </p:sp>
+      <p:sp>
+        <p:nvSpPr>
+          <p:cNvPr id="4" name="Footer Placeholder 3"/>
+          <p:cNvSpPr>
+            <a:spLocks noGrp="1"/>
+          </p:cNvSpPr>
+          <p:nvPr>
+            <p:ph type="ftr" sz="quarter" idx="11"/>
+          </p:nvPr>
+        </p:nvSpPr>
+        <p:spPr>
+          <a:xfrm>
+            <a:off x="3124200" y="4786312"/>
+            <a:ext cx="2895600" cy="357188"/>
+          </a:xfrm>
+        </p:spPr>
+        <p:txBody>
+          <a:bodyPr/>
+          <a:lstStyle/>
+          <a:p>
+            <a:r>
+              <a:rPr lang="en-CA" dirty="0"/>
+              <a:t>110</a:t>
+            </a:r>
+            <a:r>
+              <a:rPr lang="en-CA" baseline="30000" dirty="0"/>
+              <a:t>th</a:t>
+            </a:r>
+            <a:r>
+              <a:rPr lang="en-CA" dirty="0"/>
+              <a:t> IETF Online</a:t>
+            </a:r>
+          </a:p>
+        </p:txBody>
+      </p:sp>
+      <p:sp>
+        <p:nvSpPr>
+          <p:cNvPr id="5" name="Slide Number Placeholder 4"/>
+          <p:cNvSpPr>
+            <a:spLocks noGrp="1"/>
+          </p:cNvSpPr>
+          <p:nvPr>
+            <p:ph type="sldNum" sz="quarter" idx="12"/>
+          </p:nvPr>
+        </p:nvSpPr>
+        <p:spPr/>
+        <p:txBody>
+          <a:bodyPr/>
+          <a:lstStyle/>
+          <a:p>
+            <a:pPr>
+              <a:defRPr/>
+            </a:pPr>
+            <a:fld id="{BD6E0F59-1DD8-40FC-9C92-B6295CBA6CCA}" type="slidenum">
+              <a:rPr lang="en-US" altLang="zh-CN" smtClean="0"/>
+              <a:pPr>
+                <a:defRPr/>
+              </a:pPr>
+              <a:t>8</a:t>
             </a:fld>
             <a:endParaRPr lang="en-US" altLang="zh-CN"/>
           </a:p>
@@ -13951,7 +14790,7 @@
 </p:sld>
 </file>
 
-<file path=ppt/slides/slide8.xml><?xml version="1.0" encoding="utf-8"?>
+<file path=ppt/slides/slide9.xml><?xml version="1.0" encoding="utf-8"?>
 <p:sld xmlns:a="http://schemas.openxmlformats.org/drawingml/2006/main" xmlns:r="http://schemas.openxmlformats.org/officeDocument/2006/relationships" xmlns:p="http://schemas.openxmlformats.org/presentationml/2006/main">
   <p:cSld>
     <p:spTree>
@@ -14215,7 +15054,7 @@
               <a:pPr>
                 <a:defRPr/>
               </a:pPr>
-              <a:t>8</a:t>
+              <a:t>9</a:t>
             </a:fld>
             <a:endParaRPr lang="en-US" altLang="zh-CN"/>
           </a:p>
@@ -14225,405 +15064,6 @@
     <p:extLst>
       <p:ext uri="{BB962C8B-B14F-4D97-AF65-F5344CB8AC3E}">
         <p14:creationId xmlns:p14="http://schemas.microsoft.com/office/powerpoint/2010/main" val="3576489888"/>
-      </p:ext>
-    </p:extLst>
-  </p:cSld>
-  <p:clrMapOvr>
-    <a:masterClrMapping/>
-  </p:clrMapOvr>
-</p:sld>
-</file>
-
-<file path=ppt/slides/slide9.xml><?xml version="1.0" encoding="utf-8"?>
-<p:sld xmlns:a="http://schemas.openxmlformats.org/drawingml/2006/main" xmlns:r="http://schemas.openxmlformats.org/officeDocument/2006/relationships" xmlns:p="http://schemas.openxmlformats.org/presentationml/2006/main">
-  <p:cSld>
-    <p:spTree>
-      <p:nvGrpSpPr>
-        <p:cNvPr id="1" name=""/>
-        <p:cNvGrpSpPr/>
-        <p:nvPr/>
-      </p:nvGrpSpPr>
-      <p:grpSpPr>
-        <a:xfrm>
-          <a:off x="0" y="0"/>
-          <a:ext cx="0" cy="0"/>
-          <a:chOff x="0" y="0"/>
-          <a:chExt cx="0" cy="0"/>
-        </a:xfrm>
-      </p:grpSpPr>
-      <p:sp>
-        <p:nvSpPr>
-          <p:cNvPr id="2" name="Title 1">
-            <a:extLst>
-              <a:ext uri="{FF2B5EF4-FFF2-40B4-BE49-F238E27FC236}">
-                <a16:creationId xmlns:a16="http://schemas.microsoft.com/office/drawing/2014/main" id="{590D0125-5A9E-9D48-9391-85FBD0E608A2}"/>
-              </a:ext>
-            </a:extLst>
-          </p:cNvPr>
-          <p:cNvSpPr>
-            <a:spLocks noGrp="1"/>
-          </p:cNvSpPr>
-          <p:nvPr>
-            <p:ph type="title"/>
-          </p:nvPr>
-        </p:nvSpPr>
-        <p:spPr>
-          <a:xfrm>
-            <a:off x="76200" y="129372"/>
-            <a:ext cx="8915400" cy="599270"/>
-          </a:xfrm>
-        </p:spPr>
-        <p:txBody>
-          <a:bodyPr/>
-          <a:lstStyle/>
-          <a:p>
-            <a:r>
-              <a:rPr lang="en-CA" sz="3200" dirty="0">
-                <a:solidFill>
-                  <a:srgbClr val="0070C0"/>
-                </a:solidFill>
-                <a:latin typeface="Calibri Light" panose="020F0302020204030204" pitchFamily="34" charset="0"/>
-                <a:cs typeface="Calibri Light" panose="020F0302020204030204" pitchFamily="34" charset="0"/>
-              </a:rPr>
-              <a:t>MPLS Encapsulation with E2E IOAM Data Fields</a:t>
-            </a:r>
-            <a:endParaRPr lang="en-US" sz="3200" dirty="0">
-              <a:solidFill>
-                <a:srgbClr val="0070C0"/>
-              </a:solidFill>
-              <a:latin typeface="Calibri Light" panose="020F0302020204030204" pitchFamily="34" charset="0"/>
-              <a:cs typeface="Calibri Light" panose="020F0302020204030204" pitchFamily="34" charset="0"/>
-            </a:endParaRPr>
-          </a:p>
-        </p:txBody>
-      </p:sp>
-      <p:sp>
-        <p:nvSpPr>
-          <p:cNvPr id="4" name="Footer Placeholder 3">
-            <a:extLst>
-              <a:ext uri="{FF2B5EF4-FFF2-40B4-BE49-F238E27FC236}">
-                <a16:creationId xmlns:a16="http://schemas.microsoft.com/office/drawing/2014/main" id="{87713FCD-3B47-804D-B373-DAB61FB5FF59}"/>
-              </a:ext>
-            </a:extLst>
-          </p:cNvPr>
-          <p:cNvSpPr>
-            <a:spLocks noGrp="1"/>
-          </p:cNvSpPr>
-          <p:nvPr>
-            <p:ph type="ftr" sz="quarter" idx="11"/>
-          </p:nvPr>
-        </p:nvSpPr>
-        <p:spPr>
-          <a:xfrm>
-            <a:off x="3124200" y="4781550"/>
-            <a:ext cx="2895600" cy="357188"/>
-          </a:xfrm>
-        </p:spPr>
-        <p:txBody>
-          <a:bodyPr/>
-          <a:lstStyle/>
-          <a:p>
-            <a:r>
-              <a:rPr lang="en-CA" dirty="0"/>
-              <a:t>110</a:t>
-            </a:r>
-            <a:r>
-              <a:rPr lang="en-CA" baseline="30000" dirty="0"/>
-              <a:t>th</a:t>
-            </a:r>
-            <a:r>
-              <a:rPr lang="en-CA" dirty="0"/>
-              <a:t> IETF Online</a:t>
-            </a:r>
-          </a:p>
-        </p:txBody>
-      </p:sp>
-      <p:sp>
-        <p:nvSpPr>
-          <p:cNvPr id="5" name="Slide Number Placeholder 4">
-            <a:extLst>
-              <a:ext uri="{FF2B5EF4-FFF2-40B4-BE49-F238E27FC236}">
-                <a16:creationId xmlns:a16="http://schemas.microsoft.com/office/drawing/2014/main" id="{1371408B-9195-EC4D-8131-A3F5CC0592D0}"/>
-              </a:ext>
-            </a:extLst>
-          </p:cNvPr>
-          <p:cNvSpPr>
-            <a:spLocks noGrp="1"/>
-          </p:cNvSpPr>
-          <p:nvPr>
-            <p:ph type="sldNum" sz="quarter" idx="12"/>
-          </p:nvPr>
-        </p:nvSpPr>
-        <p:spPr/>
-        <p:txBody>
-          <a:bodyPr/>
-          <a:lstStyle/>
-          <a:p>
-            <a:pPr>
-              <a:defRPr/>
-            </a:pPr>
-            <a:fld id="{BD6E0F59-1DD8-40FC-9C92-B6295CBA6CCA}" type="slidenum">
-              <a:rPr lang="en-US" altLang="zh-CN" smtClean="0"/>
-              <a:pPr>
-                <a:defRPr/>
-              </a:pPr>
-              <a:t>9</a:t>
-            </a:fld>
-            <a:endParaRPr lang="en-US" altLang="zh-CN"/>
-          </a:p>
-        </p:txBody>
-      </p:sp>
-      <p:sp>
-        <p:nvSpPr>
-          <p:cNvPr id="6" name="Rectangle 5">
-            <a:extLst>
-              <a:ext uri="{FF2B5EF4-FFF2-40B4-BE49-F238E27FC236}">
-                <a16:creationId xmlns:a16="http://schemas.microsoft.com/office/drawing/2014/main" id="{1EED4007-3A19-0E4E-8496-6CECEEA363EB}"/>
-              </a:ext>
-            </a:extLst>
-          </p:cNvPr>
-          <p:cNvSpPr/>
-          <p:nvPr/>
-        </p:nvSpPr>
-        <p:spPr>
-          <a:xfrm>
-            <a:off x="1695450" y="841584"/>
-            <a:ext cx="5753100" cy="3631763"/>
-          </a:xfrm>
-          <a:prstGeom prst="rect">
-            <a:avLst/>
-          </a:prstGeom>
-          <a:solidFill>
-            <a:schemeClr val="accent6">
-              <a:lumMod val="20000"/>
-              <a:lumOff val="80000"/>
-            </a:schemeClr>
-          </a:solidFill>
-        </p:spPr>
-        <p:txBody>
-          <a:bodyPr wrap="square">
-            <a:spAutoFit/>
-          </a:bodyPr>
-          <a:lstStyle/>
-          <a:p>
-            <a:r>
-              <a:rPr lang="en-CA" sz="1000" dirty="0">
-                <a:latin typeface="Courier" pitchFamily="2" charset="0"/>
-              </a:rPr>
-              <a:t>   0                   1                   2                   3</a:t>
-            </a:r>
-          </a:p>
-          <a:p>
-            <a:r>
-              <a:rPr lang="en-CA" sz="1000" dirty="0">
-                <a:latin typeface="Courier" pitchFamily="2" charset="0"/>
-              </a:rPr>
-              <a:t>   0 1 2 3 4 5 6 7 8 9 0 1 2 3 4 5 6 7 8 9 0 1 2 3 4 5 6 7 8 9 0 1</a:t>
-            </a:r>
-          </a:p>
-          <a:p>
-            <a:r>
-              <a:rPr lang="en-CA" sz="1000" dirty="0">
-                <a:latin typeface="Courier" pitchFamily="2" charset="0"/>
-              </a:rPr>
-              <a:t>   +-+-+-+-+-+-+-+-+-+-+-+-+-+-+-+-+-+-+-+-+-+-+-+-+-+-+-+-+-+-+-+-+</a:t>
-            </a:r>
-          </a:p>
-          <a:p>
-            <a:r>
-              <a:rPr lang="en-CA" sz="1000" dirty="0">
-                <a:latin typeface="Courier" pitchFamily="2" charset="0"/>
-              </a:rPr>
-              <a:t>   |  </a:t>
-            </a:r>
-            <a:r>
-              <a:rPr lang="en-CA" sz="1000" b="1" dirty="0">
-                <a:latin typeface="Courier" pitchFamily="2" charset="0"/>
-              </a:rPr>
-              <a:t>E2E IOAM Indicator Label             </a:t>
-            </a:r>
-            <a:r>
-              <a:rPr lang="en-CA" sz="1000" dirty="0">
-                <a:latin typeface="Courier" pitchFamily="2" charset="0"/>
-              </a:rPr>
-              <a:t>| TC  |1|  TTL          |</a:t>
-            </a:r>
-          </a:p>
-          <a:p>
-            <a:r>
-              <a:rPr lang="en-CA" sz="1000" dirty="0">
-                <a:latin typeface="Courier" pitchFamily="2" charset="0"/>
-              </a:rPr>
-              <a:t>   +-+-+-+-+-+-+-+-+-+-+-+-+-+-+-+-+-+-+-+-+-+-+-+-+-+-+-+-+-+-+-+-+&lt;-+ </a:t>
-            </a:r>
-          </a:p>
-          <a:p>
-            <a:r>
-              <a:rPr lang="en-CA" sz="1000" dirty="0">
-                <a:latin typeface="Courier" pitchFamily="2" charset="0"/>
-              </a:rPr>
-              <a:t>   |0 0 0 1|Version| Reserved      | IOAM G-</a:t>
-            </a:r>
-            <a:r>
-              <a:rPr lang="en-CA" sz="1000" dirty="0" err="1">
-                <a:latin typeface="Courier" pitchFamily="2" charset="0"/>
-              </a:rPr>
-              <a:t>ACh</a:t>
-            </a:r>
-            <a:r>
-              <a:rPr lang="en-CA" sz="1000" dirty="0">
-                <a:latin typeface="Courier" pitchFamily="2" charset="0"/>
-              </a:rPr>
-              <a:t> (Type TBA3)        |  | </a:t>
-            </a:r>
-          </a:p>
-          <a:p>
-            <a:r>
-              <a:rPr lang="en-CA" sz="1000" dirty="0">
-                <a:latin typeface="Courier" pitchFamily="2" charset="0"/>
-              </a:rPr>
-              <a:t>   +-+-+-+-+-+-+-+-+-+-+-+-+-+-+-+-+-+-+-+-+-+-+-+-+-+-+-+-+-+-+-+-+  | </a:t>
-            </a:r>
-          </a:p>
-          <a:p>
-            <a:r>
-              <a:rPr lang="en-CA" sz="1000" dirty="0">
-                <a:latin typeface="Courier" pitchFamily="2" charset="0"/>
-              </a:rPr>
-              <a:t>   | Reserved      | Block Number  | IOAM-OPT-Type |IOAM HDR Length|  |</a:t>
-            </a:r>
-          </a:p>
-          <a:p>
-            <a:r>
-              <a:rPr lang="en-CA" sz="1000" dirty="0">
-                <a:latin typeface="Courier" pitchFamily="2" charset="0"/>
-              </a:rPr>
-              <a:t>   +-+-+-+-+-+-+-+-+-+-+-+-+-+-+-+-+-+-+-+-+-+-+-+-+-+-+-+-+-+-+-+-+  I</a:t>
-            </a:r>
-          </a:p>
-          <a:p>
-            <a:r>
-              <a:rPr lang="en-CA" sz="1000" dirty="0">
-                <a:latin typeface="Courier" pitchFamily="2" charset="0"/>
-              </a:rPr>
-              <a:t>   |                                                               |  O</a:t>
-            </a:r>
-          </a:p>
-          <a:p>
-            <a:r>
-              <a:rPr lang="en-CA" sz="1000" dirty="0">
-                <a:latin typeface="Courier" pitchFamily="2" charset="0"/>
-              </a:rPr>
-              <a:t>   |                                                               |  A</a:t>
-            </a:r>
-          </a:p>
-          <a:p>
-            <a:r>
-              <a:rPr lang="en-CA" sz="1000" dirty="0">
-                <a:latin typeface="Courier" pitchFamily="2" charset="0"/>
-              </a:rPr>
-              <a:t>   ~                 IOAM Option and Data Space                    ~  M</a:t>
-            </a:r>
-          </a:p>
-          <a:p>
-            <a:r>
-              <a:rPr lang="en-CA" sz="1000" dirty="0">
-                <a:latin typeface="Courier" pitchFamily="2" charset="0"/>
-              </a:rPr>
-              <a:t>   |                                                               |  |</a:t>
-            </a:r>
-          </a:p>
-          <a:p>
-            <a:r>
-              <a:rPr lang="en-CA" sz="1000" dirty="0">
-                <a:latin typeface="Courier" pitchFamily="2" charset="0"/>
-              </a:rPr>
-              <a:t>   |                                                               |  |</a:t>
-            </a:r>
-          </a:p>
-          <a:p>
-            <a:r>
-              <a:rPr lang="en-CA" sz="1000" dirty="0">
-                <a:latin typeface="Courier" pitchFamily="2" charset="0"/>
-              </a:rPr>
-              <a:t>   +-+-+-+-+-+-+-+-+-+-+-+-+-+-+-+-+-+-+-+-+-+-+-+-+-+-+-+-+-+-+-+-+&lt;-+</a:t>
-            </a:r>
-          </a:p>
-          <a:p>
-            <a:r>
-              <a:rPr lang="en-CA" sz="1000" dirty="0">
-                <a:latin typeface="Courier" pitchFamily="2" charset="0"/>
-              </a:rPr>
-              <a:t>   |                                                               |</a:t>
-            </a:r>
-          </a:p>
-          <a:p>
-            <a:r>
-              <a:rPr lang="en-CA" sz="1000" dirty="0">
-                <a:latin typeface="Courier" pitchFamily="2" charset="0"/>
-              </a:rPr>
-              <a:t>   |                                                               |</a:t>
-            </a:r>
-          </a:p>
-          <a:p>
-            <a:r>
-              <a:rPr lang="en-CA" sz="1000" dirty="0">
-                <a:latin typeface="Courier" pitchFamily="2" charset="0"/>
-              </a:rPr>
-              <a:t>   ~                 Payload + Padding                             ~</a:t>
-            </a:r>
-          </a:p>
-          <a:p>
-            <a:r>
-              <a:rPr lang="en-CA" sz="1000" dirty="0">
-                <a:latin typeface="Courier" pitchFamily="2" charset="0"/>
-              </a:rPr>
-              <a:t>   |                                                               |</a:t>
-            </a:r>
-          </a:p>
-          <a:p>
-            <a:r>
-              <a:rPr lang="en-CA" sz="1000" dirty="0">
-                <a:latin typeface="Courier" pitchFamily="2" charset="0"/>
-              </a:rPr>
-              <a:t>   |                                                               |</a:t>
-            </a:r>
-          </a:p>
-          <a:p>
-            <a:r>
-              <a:rPr lang="en-CA" sz="1000" dirty="0">
-                <a:latin typeface="Courier" pitchFamily="2" charset="0"/>
-              </a:rPr>
-              <a:t>   +-+-+-+-+-+-+-+-+-+-+-+-+-+-+-+-+-+-+-+-+-+-+-+-+-+-+-+-+-+-+-+-+</a:t>
-            </a:r>
-          </a:p>
-          <a:p>
-            <a:r>
-              <a:rPr lang="en-CA" sz="1000" dirty="0">
-                <a:latin typeface="Courier" pitchFamily="2" charset="0"/>
-              </a:rPr>
-              <a:t> </a:t>
-            </a:r>
-          </a:p>
-          <a:p>
-            <a:r>
-              <a:rPr lang="en-CA" sz="1000" dirty="0">
-                <a:latin typeface="Courier" pitchFamily="2" charset="0"/>
-              </a:rPr>
-              <a:t>           Figure: MPLS Encapsulation with E2E IOAM Data Fields</a:t>
-            </a:r>
-            <a:endParaRPr lang="en-CA" sz="1000" dirty="0">
-              <a:latin typeface="Courier" pitchFamily="2" charset="0"/>
-              <a:ea typeface="Calibri" panose="020F0502020204030204" pitchFamily="34" charset="0"/>
-              <a:cs typeface="Times New Roman" panose="02020603050405020304" pitchFamily="18" charset="0"/>
-            </a:endParaRPr>
-          </a:p>
-        </p:txBody>
-      </p:sp>
-    </p:spTree>
-    <p:extLst>
-      <p:ext uri="{BB962C8B-B14F-4D97-AF65-F5344CB8AC3E}">
-        <p14:creationId xmlns:p14="http://schemas.microsoft.com/office/powerpoint/2010/main" val="924950222"/>
       </p:ext>
     </p:extLst>
   </p:cSld>

--- a/draft-gandhi-mpls-ioam-sr-06.pptx
+++ b/draft-gandhi-mpls-ioam-sr-06.pptx
@@ -13229,7 +13229,7 @@
                 <a:latin typeface="Calibri Light" panose="020F0302020204030204" pitchFamily="34" charset="0"/>
                 <a:cs typeface="Calibri Light" panose="020F0302020204030204" pitchFamily="34" charset="0"/>
               </a:rPr>
-              <a:t>Updates Since Version-02</a:t>
+              <a:t>Updates Since Version-04</a:t>
             </a:r>
           </a:p>
         </p:txBody>

--- a/draft-gandhi-mpls-ioam-sr-06.pptx
+++ b/draft-gandhi-mpls-ioam-sr-06.pptx
@@ -5,10 +5,10 @@
     <p:sldMasterId id="2147483648" r:id="rId1"/>
   </p:sldMasterIdLst>
   <p:notesMasterIdLst>
-    <p:notesMasterId r:id="rId28"/>
+    <p:notesMasterId r:id="rId32"/>
   </p:notesMasterIdLst>
   <p:handoutMasterIdLst>
-    <p:handoutMasterId r:id="rId29"/>
+    <p:handoutMasterId r:id="rId33"/>
   </p:handoutMasterIdLst>
   <p:sldIdLst>
     <p:sldId id="256" r:id="rId2"/>
@@ -37,6 +37,10 @@
     <p:sldId id="1697" r:id="rId25"/>
     <p:sldId id="1667" r:id="rId26"/>
     <p:sldId id="1698" r:id="rId27"/>
+    <p:sldId id="1690" r:id="rId28"/>
+    <p:sldId id="1696" r:id="rId29"/>
+    <p:sldId id="1695" r:id="rId30"/>
+    <p:sldId id="1699" r:id="rId31"/>
   </p:sldIdLst>
   <p:sldSz cx="9144000" cy="5143500" type="screen16x9"/>
   <p:notesSz cx="6858000" cy="9144000"/>
@@ -269,7 +273,7 @@
           <a:p>
             <a:fld id="{E8FA3DB5-7722-3F4F-947D-12B203669AD7}" type="datetimeFigureOut">
               <a:rPr lang="en-US" smtClean="0"/>
-              <a:t>2/18/21</a:t>
+              <a:t>2/19/21</a:t>
             </a:fld>
             <a:endParaRPr lang="en-US"/>
           </a:p>
@@ -1597,6 +1601,96 @@
     <p:extLst>
       <p:ext uri="{BB962C8B-B14F-4D97-AF65-F5344CB8AC3E}">
         <p14:creationId xmlns:p14="http://schemas.microsoft.com/office/powerpoint/2010/main" val="1465844214"/>
+      </p:ext>
+    </p:extLst>
+  </p:cSld>
+  <p:clrMapOvr>
+    <a:masterClrMapping/>
+  </p:clrMapOvr>
+</p:notes>
+</file>
+
+<file path=ppt/notesSlides/notesSlide18.xml><?xml version="1.0" encoding="utf-8"?>
+<p:notes xmlns:a="http://schemas.openxmlformats.org/drawingml/2006/main" xmlns:r="http://schemas.openxmlformats.org/officeDocument/2006/relationships" xmlns:p="http://schemas.openxmlformats.org/presentationml/2006/main">
+  <p:cSld>
+    <p:spTree>
+      <p:nvGrpSpPr>
+        <p:cNvPr id="1" name=""/>
+        <p:cNvGrpSpPr/>
+        <p:nvPr/>
+      </p:nvGrpSpPr>
+      <p:grpSpPr>
+        <a:xfrm>
+          <a:off x="0" y="0"/>
+          <a:ext cx="0" cy="0"/>
+          <a:chOff x="0" y="0"/>
+          <a:chExt cx="0" cy="0"/>
+        </a:xfrm>
+      </p:grpSpPr>
+      <p:sp>
+        <p:nvSpPr>
+          <p:cNvPr id="2" name="Slide Image Placeholder 1"/>
+          <p:cNvSpPr>
+            <a:spLocks noGrp="1" noRot="1" noChangeAspect="1"/>
+          </p:cNvSpPr>
+          <p:nvPr>
+            <p:ph type="sldImg"/>
+          </p:nvPr>
+        </p:nvSpPr>
+        <p:spPr/>
+      </p:sp>
+      <p:sp>
+        <p:nvSpPr>
+          <p:cNvPr id="3" name="Notes Placeholder 2"/>
+          <p:cNvSpPr>
+            <a:spLocks noGrp="1"/>
+          </p:cNvSpPr>
+          <p:nvPr>
+            <p:ph type="body" idx="1"/>
+          </p:nvPr>
+        </p:nvSpPr>
+        <p:spPr/>
+        <p:txBody>
+          <a:bodyPr/>
+          <a:lstStyle/>
+          <a:p>
+            <a:endParaRPr lang="en-US" dirty="0"/>
+          </a:p>
+        </p:txBody>
+      </p:sp>
+      <p:sp>
+        <p:nvSpPr>
+          <p:cNvPr id="4" name="Slide Number Placeholder 3"/>
+          <p:cNvSpPr>
+            <a:spLocks noGrp="1"/>
+          </p:cNvSpPr>
+          <p:nvPr>
+            <p:ph type="sldNum" sz="quarter" idx="10"/>
+          </p:nvPr>
+        </p:nvSpPr>
+        <p:spPr/>
+        <p:txBody>
+          <a:bodyPr/>
+          <a:lstStyle/>
+          <a:p>
+            <a:pPr>
+              <a:defRPr/>
+            </a:pPr>
+            <a:fld id="{100938BD-FD70-4535-B0C2-13FC38CDF1BE}" type="slidenum">
+              <a:rPr lang="en-US" altLang="zh-CN" smtClean="0"/>
+              <a:pPr>
+                <a:defRPr/>
+              </a:pPr>
+              <a:t>30</a:t>
+            </a:fld>
+            <a:endParaRPr lang="en-US" altLang="zh-CN"/>
+          </a:p>
+        </p:txBody>
+      </p:sp>
+    </p:spTree>
+    <p:extLst>
+      <p:ext uri="{BB962C8B-B14F-4D97-AF65-F5344CB8AC3E}">
+        <p14:creationId xmlns:p14="http://schemas.microsoft.com/office/powerpoint/2010/main" val="214626184"/>
       </p:ext>
     </p:extLst>
   </p:cSld>
@@ -5610,7 +5704,7 @@
           <a:p>
             <a:r>
               <a:rPr lang="en-US" sz="2000" i="1" dirty="0"/>
-              <a:t>draft-gandhi-mpls-ioam-sr-05</a:t>
+              <a:t>draft-gandhi-mpls-ioam-sr-06</a:t>
             </a:r>
           </a:p>
         </p:txBody>
@@ -12859,6 +12953,1740 @@
 </p:sld>
 </file>
 
+<file path=ppt/slides/slide27.xml><?xml version="1.0" encoding="utf-8"?>
+<p:sld xmlns:a="http://schemas.openxmlformats.org/drawingml/2006/main" xmlns:r="http://schemas.openxmlformats.org/officeDocument/2006/relationships" xmlns:p="http://schemas.openxmlformats.org/presentationml/2006/main">
+  <p:cSld>
+    <p:spTree>
+      <p:nvGrpSpPr>
+        <p:cNvPr id="1" name=""/>
+        <p:cNvGrpSpPr/>
+        <p:nvPr/>
+      </p:nvGrpSpPr>
+      <p:grpSpPr>
+        <a:xfrm>
+          <a:off x="0" y="0"/>
+          <a:ext cx="0" cy="0"/>
+          <a:chOff x="0" y="0"/>
+          <a:chExt cx="0" cy="0"/>
+        </a:xfrm>
+      </p:grpSpPr>
+      <p:sp>
+        <p:nvSpPr>
+          <p:cNvPr id="2" name="Title 1">
+            <a:extLst>
+              <a:ext uri="{FF2B5EF4-FFF2-40B4-BE49-F238E27FC236}">
+                <a16:creationId xmlns:a16="http://schemas.microsoft.com/office/drawing/2014/main" id="{16C5255E-BE42-5348-AC0F-6257873BBB61}"/>
+              </a:ext>
+            </a:extLst>
+          </p:cNvPr>
+          <p:cNvSpPr>
+            <a:spLocks noGrp="1"/>
+          </p:cNvSpPr>
+          <p:nvPr>
+            <p:ph type="title"/>
+          </p:nvPr>
+        </p:nvSpPr>
+        <p:spPr>
+          <a:xfrm>
+            <a:off x="0" y="0"/>
+            <a:ext cx="8839200" cy="717589"/>
+          </a:xfrm>
+        </p:spPr>
+        <p:txBody>
+          <a:bodyPr/>
+          <a:lstStyle/>
+          <a:p>
+            <a:r>
+              <a:rPr lang="en-US" sz="2400" dirty="0">
+                <a:solidFill>
+                  <a:srgbClr val="0070C0"/>
+                </a:solidFill>
+                <a:latin typeface="Calibri Light" panose="020F0302020204030204" pitchFamily="34" charset="0"/>
+                <a:cs typeface="Calibri Light" panose="020F0302020204030204" pitchFamily="34" charset="0"/>
+              </a:rPr>
+              <a:t>Example 2 - </a:t>
+            </a:r>
+            <a:r>
+              <a:rPr lang="en-US" sz="2400" dirty="0" err="1">
+                <a:solidFill>
+                  <a:srgbClr val="0070C0"/>
+                </a:solidFill>
+                <a:latin typeface="Calibri Light" panose="020F0302020204030204" pitchFamily="34" charset="0"/>
+                <a:cs typeface="Calibri Light" panose="020F0302020204030204" pitchFamily="34" charset="0"/>
+              </a:rPr>
+              <a:t>DetNet</a:t>
+            </a:r>
+            <a:r>
+              <a:rPr lang="en-US" sz="2400" dirty="0">
+                <a:solidFill>
+                  <a:srgbClr val="0070C0"/>
+                </a:solidFill>
+                <a:latin typeface="Calibri Light" panose="020F0302020204030204" pitchFamily="34" charset="0"/>
+                <a:cs typeface="Calibri Light" panose="020F0302020204030204" pitchFamily="34" charset="0"/>
+              </a:rPr>
+              <a:t> Control Word [RFC8964] </a:t>
+            </a:r>
+            <a:r>
+              <a:rPr lang="en-CA" sz="2400" dirty="0">
+                <a:solidFill>
+                  <a:srgbClr val="0070C0"/>
+                </a:solidFill>
+                <a:latin typeface="Calibri Light" panose="020F0302020204030204" pitchFamily="34" charset="0"/>
+                <a:cs typeface="Calibri Light" panose="020F0302020204030204" pitchFamily="34" charset="0"/>
+              </a:rPr>
+              <a:t>with IOAM Data Fields</a:t>
+            </a:r>
+            <a:r>
+              <a:rPr lang="en-US" sz="2400" dirty="0">
+                <a:solidFill>
+                  <a:srgbClr val="0070C0"/>
+                </a:solidFill>
+                <a:latin typeface="Calibri Light" panose="020F0302020204030204" pitchFamily="34" charset="0"/>
+                <a:cs typeface="Calibri Light" panose="020F0302020204030204" pitchFamily="34" charset="0"/>
+              </a:rPr>
+              <a:t> </a:t>
+            </a:r>
+          </a:p>
+        </p:txBody>
+      </p:sp>
+      <p:sp>
+        <p:nvSpPr>
+          <p:cNvPr id="4" name="Footer Placeholder 3">
+            <a:extLst>
+              <a:ext uri="{FF2B5EF4-FFF2-40B4-BE49-F238E27FC236}">
+                <a16:creationId xmlns:a16="http://schemas.microsoft.com/office/drawing/2014/main" id="{CF70CC82-C055-3645-9254-87CEC1C49032}"/>
+              </a:ext>
+            </a:extLst>
+          </p:cNvPr>
+          <p:cNvSpPr>
+            <a:spLocks noGrp="1"/>
+          </p:cNvSpPr>
+          <p:nvPr>
+            <p:ph type="ftr" sz="quarter" idx="11"/>
+          </p:nvPr>
+        </p:nvSpPr>
+        <p:spPr>
+          <a:xfrm>
+            <a:off x="3124200" y="4786312"/>
+            <a:ext cx="2895600" cy="357188"/>
+          </a:xfrm>
+        </p:spPr>
+        <p:txBody>
+          <a:bodyPr/>
+          <a:lstStyle/>
+          <a:p>
+            <a:pPr>
+              <a:defRPr/>
+            </a:pPr>
+            <a:r>
+              <a:rPr lang="en-US" altLang="zh-CN" dirty="0"/>
+              <a:t>110</a:t>
+            </a:r>
+            <a:r>
+              <a:rPr lang="en-US" altLang="zh-CN" baseline="30000" dirty="0"/>
+              <a:t>th</a:t>
+            </a:r>
+            <a:r>
+              <a:rPr lang="en-US" altLang="zh-CN" dirty="0"/>
+              <a:t> IETF Online</a:t>
+            </a:r>
+          </a:p>
+        </p:txBody>
+      </p:sp>
+      <p:sp>
+        <p:nvSpPr>
+          <p:cNvPr id="5" name="Slide Number Placeholder 4">
+            <a:extLst>
+              <a:ext uri="{FF2B5EF4-FFF2-40B4-BE49-F238E27FC236}">
+                <a16:creationId xmlns:a16="http://schemas.microsoft.com/office/drawing/2014/main" id="{62DF7D69-BCF6-2D4A-A3F1-2D32C59355D3}"/>
+              </a:ext>
+            </a:extLst>
+          </p:cNvPr>
+          <p:cNvSpPr>
+            <a:spLocks noGrp="1"/>
+          </p:cNvSpPr>
+          <p:nvPr>
+            <p:ph type="sldNum" sz="quarter" idx="12"/>
+          </p:nvPr>
+        </p:nvSpPr>
+        <p:spPr/>
+        <p:txBody>
+          <a:bodyPr/>
+          <a:lstStyle/>
+          <a:p>
+            <a:pPr>
+              <a:defRPr/>
+            </a:pPr>
+            <a:fld id="{BD6E0F59-1DD8-40FC-9C92-B6295CBA6CCA}" type="slidenum">
+              <a:rPr lang="en-US" altLang="zh-CN" smtClean="0"/>
+              <a:pPr>
+                <a:defRPr/>
+              </a:pPr>
+              <a:t>27</a:t>
+            </a:fld>
+            <a:endParaRPr lang="en-US" altLang="zh-CN" dirty="0"/>
+          </a:p>
+        </p:txBody>
+      </p:sp>
+      <p:sp>
+        <p:nvSpPr>
+          <p:cNvPr id="6" name="Rectangle 5">
+            <a:extLst>
+              <a:ext uri="{FF2B5EF4-FFF2-40B4-BE49-F238E27FC236}">
+                <a16:creationId xmlns:a16="http://schemas.microsoft.com/office/drawing/2014/main" id="{E614F343-6DC2-A943-8496-BE1E2B6072CE}"/>
+              </a:ext>
+            </a:extLst>
+          </p:cNvPr>
+          <p:cNvSpPr/>
+          <p:nvPr/>
+        </p:nvSpPr>
+        <p:spPr>
+          <a:xfrm>
+            <a:off x="1905000" y="711150"/>
+            <a:ext cx="5257800" cy="4247317"/>
+          </a:xfrm>
+          <a:prstGeom prst="rect">
+            <a:avLst/>
+          </a:prstGeom>
+          <a:solidFill>
+            <a:schemeClr val="accent6">
+              <a:lumMod val="20000"/>
+              <a:lumOff val="80000"/>
+            </a:schemeClr>
+          </a:solidFill>
+        </p:spPr>
+        <p:txBody>
+          <a:bodyPr wrap="square">
+            <a:spAutoFit/>
+          </a:bodyPr>
+          <a:lstStyle/>
+          <a:p>
+            <a:r>
+              <a:rPr lang="en-CA" sz="900" dirty="0">
+                <a:latin typeface="Courier" pitchFamily="2" charset="0"/>
+              </a:rPr>
+              <a:t>   0                   1                   2                   3</a:t>
+            </a:r>
+          </a:p>
+          <a:p>
+            <a:r>
+              <a:rPr lang="en-CA" sz="900" dirty="0">
+                <a:latin typeface="Courier" pitchFamily="2" charset="0"/>
+              </a:rPr>
+              <a:t>   0 1 2 3 4 5 6 7 8 9 0 1 2 3 4 5 6 7 8 9 0 1 2 3 4 5 6 7 8 9 0 1</a:t>
+            </a:r>
+          </a:p>
+          <a:p>
+            <a:r>
+              <a:rPr lang="en-CA" sz="900" dirty="0">
+                <a:latin typeface="Courier" pitchFamily="2" charset="0"/>
+              </a:rPr>
+              <a:t>   +-+-+-+-+-+-+-+-+-+-+-+-+-+-+-+-+-+-+-+-+-+-+-+-+-+-+-+-+-+-+-+-+</a:t>
+            </a:r>
+          </a:p>
+          <a:p>
+            <a:r>
+              <a:rPr lang="en-CA" sz="900" dirty="0">
+                <a:latin typeface="Courier" pitchFamily="2" charset="0"/>
+              </a:rPr>
+              <a:t>   | [F-Label(s)]                          | TC  |S|  TTL          |</a:t>
+            </a:r>
+          </a:p>
+          <a:p>
+            <a:r>
+              <a:rPr lang="en-CA" sz="900" dirty="0">
+                <a:latin typeface="Courier" pitchFamily="2" charset="0"/>
+              </a:rPr>
+              <a:t>   +-+-+-+-+-+-+-+-+-+-+-+-+-+-+-+-+-+-+-+-+-+-+-+-+-+-+-+-+-+-+-+-+</a:t>
+            </a:r>
+          </a:p>
+          <a:p>
+            <a:r>
+              <a:rPr lang="en-CA" sz="900" dirty="0">
+                <a:latin typeface="Courier" pitchFamily="2" charset="0"/>
+              </a:rPr>
+              <a:t>   | S-Label                               | TC  |S|  TTL          |</a:t>
+            </a:r>
+          </a:p>
+          <a:p>
+            <a:r>
+              <a:rPr lang="en-CA" sz="900" dirty="0">
+                <a:latin typeface="Courier" pitchFamily="2" charset="0"/>
+              </a:rPr>
+              <a:t>   +-+-+-+-+-+-+-+-+-+-+-+-+-+-+-+-+-+-+-+-+-+-+-+-+-+-+-+-+-+-+-+-+</a:t>
+            </a:r>
+          </a:p>
+          <a:p>
+            <a:r>
+              <a:rPr lang="en-CA" sz="900" dirty="0">
+                <a:latin typeface="Courier" pitchFamily="2" charset="0"/>
+              </a:rPr>
+              <a:t>   | IOAM Indicator Label                  | TC  |1|  TTL          |</a:t>
+            </a:r>
+          </a:p>
+          <a:p>
+            <a:r>
+              <a:rPr lang="en-CA" sz="900" dirty="0">
+                <a:latin typeface="Courier" pitchFamily="2" charset="0"/>
+              </a:rPr>
+              <a:t>   +-+-+-+-+-+-+-+-+-+-+-+-+-+-+-+-+-+-+-+-+-+-+-+-+-+-+-+-+-+-+-+-+&lt;-+</a:t>
+            </a:r>
+          </a:p>
+          <a:p>
+            <a:r>
+              <a:rPr lang="en-CA" sz="900" dirty="0">
+                <a:latin typeface="Courier" pitchFamily="2" charset="0"/>
+              </a:rPr>
+              <a:t>   |0 0 0 1|Version| Reserved      | IOAM G-</a:t>
+            </a:r>
+            <a:r>
+              <a:rPr lang="en-CA" sz="900" dirty="0" err="1">
+                <a:latin typeface="Courier" pitchFamily="2" charset="0"/>
+              </a:rPr>
+              <a:t>ACh</a:t>
+            </a:r>
+            <a:r>
+              <a:rPr lang="en-CA" sz="900" dirty="0">
+                <a:latin typeface="Courier" pitchFamily="2" charset="0"/>
+              </a:rPr>
+              <a:t>                    |  |</a:t>
+            </a:r>
+          </a:p>
+          <a:p>
+            <a:r>
+              <a:rPr lang="en-CA" sz="900" dirty="0">
+                <a:latin typeface="Courier" pitchFamily="2" charset="0"/>
+              </a:rPr>
+              <a:t>   +-+-+-+-+-+-+-+-+-+-+-+-+-+-+-+-+-+-+-+-+-+-+-+-+-+-+-+-+-+-+-+-+  |</a:t>
+            </a:r>
+          </a:p>
+          <a:p>
+            <a:r>
+              <a:rPr lang="en-CA" sz="900" dirty="0">
+                <a:latin typeface="Courier" pitchFamily="2" charset="0"/>
+              </a:rPr>
+              <a:t>   | Reserved      | Block Number  | IOAM-OPT-Type |</a:t>
+            </a:r>
+            <a:r>
+              <a:rPr lang="en-CA" sz="900" dirty="0">
+                <a:solidFill>
+                  <a:srgbClr val="0070C0"/>
+                </a:solidFill>
+                <a:latin typeface="Courier" pitchFamily="2" charset="0"/>
+              </a:rPr>
+              <a:t>IOAM HDR Length</a:t>
+            </a:r>
+            <a:r>
+              <a:rPr lang="en-CA" sz="900" dirty="0">
+                <a:latin typeface="Courier" pitchFamily="2" charset="0"/>
+              </a:rPr>
+              <a:t>|  |</a:t>
+            </a:r>
+          </a:p>
+          <a:p>
+            <a:r>
+              <a:rPr lang="en-CA" sz="900" dirty="0">
+                <a:latin typeface="Courier" pitchFamily="2" charset="0"/>
+              </a:rPr>
+              <a:t>   +-+-+-+-+-+-+-+-+-+-+-+-+-+-+-+-+-+-+-+-+-+-+-+-+-+-+-+-+-+-+-+-+  I</a:t>
+            </a:r>
+          </a:p>
+          <a:p>
+            <a:r>
+              <a:rPr lang="en-CA" sz="900" dirty="0">
+                <a:latin typeface="Courier" pitchFamily="2" charset="0"/>
+              </a:rPr>
+              <a:t>   |                                                               |  O</a:t>
+            </a:r>
+          </a:p>
+          <a:p>
+            <a:r>
+              <a:rPr lang="en-CA" sz="900" dirty="0">
+                <a:latin typeface="Courier" pitchFamily="2" charset="0"/>
+              </a:rPr>
+              <a:t>   |                                                               |  A</a:t>
+            </a:r>
+          </a:p>
+          <a:p>
+            <a:r>
+              <a:rPr lang="en-CA" sz="900" dirty="0">
+                <a:latin typeface="Courier" pitchFamily="2" charset="0"/>
+              </a:rPr>
+              <a:t>   ~                 IOAM Option and Data Space                    ~  M</a:t>
+            </a:r>
+          </a:p>
+          <a:p>
+            <a:r>
+              <a:rPr lang="en-CA" sz="900" dirty="0">
+                <a:latin typeface="Courier" pitchFamily="2" charset="0"/>
+              </a:rPr>
+              <a:t>   |                                                               |  |</a:t>
+            </a:r>
+          </a:p>
+          <a:p>
+            <a:r>
+              <a:rPr lang="en-CA" sz="900" dirty="0">
+                <a:latin typeface="Courier" pitchFamily="2" charset="0"/>
+              </a:rPr>
+              <a:t>   |                                                               |  |</a:t>
+            </a:r>
+          </a:p>
+          <a:p>
+            <a:r>
+              <a:rPr lang="en-CA" sz="900" dirty="0">
+                <a:latin typeface="Courier" pitchFamily="2" charset="0"/>
+              </a:rPr>
+              <a:t>   +-+-+-+-+-+-+-+-+-+-+-+-+-+-+-+-+-+-+-+-+-+-+-+-+-+-+-+-+-+-+-+-+&lt;-+</a:t>
+            </a:r>
+          </a:p>
+          <a:p>
+            <a:r>
+              <a:rPr lang="en-CA" sz="900" dirty="0">
+                <a:solidFill>
+                  <a:srgbClr val="C00000"/>
+                </a:solidFill>
+                <a:latin typeface="Courier" pitchFamily="2" charset="0"/>
+              </a:rPr>
+              <a:t>   </a:t>
+            </a:r>
+            <a:r>
+              <a:rPr lang="en-CA" sz="900" dirty="0">
+                <a:solidFill>
+                  <a:srgbClr val="0070C0"/>
+                </a:solidFill>
+                <a:latin typeface="Courier" pitchFamily="2" charset="0"/>
+              </a:rPr>
+              <a:t>|0 0 0 0| Sequence Number (</a:t>
+            </a:r>
+            <a:r>
+              <a:rPr lang="en-CA" sz="900" dirty="0" err="1">
+                <a:solidFill>
+                  <a:srgbClr val="0070C0"/>
+                </a:solidFill>
+                <a:latin typeface="Courier" pitchFamily="2" charset="0"/>
+              </a:rPr>
+              <a:t>DetNet</a:t>
+            </a:r>
+            <a:r>
+              <a:rPr lang="en-CA" sz="900" dirty="0">
+                <a:solidFill>
+                  <a:srgbClr val="0070C0"/>
+                </a:solidFill>
+                <a:latin typeface="Courier" pitchFamily="2" charset="0"/>
+              </a:rPr>
+              <a:t> Control Word)                 |</a:t>
+            </a:r>
+          </a:p>
+          <a:p>
+            <a:r>
+              <a:rPr lang="en-CA" sz="900" dirty="0">
+                <a:solidFill>
+                  <a:srgbClr val="0070C0"/>
+                </a:solidFill>
+                <a:latin typeface="Courier" pitchFamily="2" charset="0"/>
+              </a:rPr>
+              <a:t>   +-+-+-+-+-+-+-+-+-+-+-+-+-+-+-+-+-+-+-+-+-+-+-+-+-+-+-+-+-+-+-+-+</a:t>
+            </a:r>
+          </a:p>
+          <a:p>
+            <a:r>
+              <a:rPr lang="en-CA" sz="900" dirty="0">
+                <a:latin typeface="Courier" pitchFamily="2" charset="0"/>
+              </a:rPr>
+              <a:t>   |                                                               |</a:t>
+            </a:r>
+          </a:p>
+          <a:p>
+            <a:r>
+              <a:rPr lang="en-CA" sz="900" dirty="0">
+                <a:latin typeface="Courier" pitchFamily="2" charset="0"/>
+              </a:rPr>
+              <a:t>   |                                                               |</a:t>
+            </a:r>
+          </a:p>
+          <a:p>
+            <a:r>
+              <a:rPr lang="en-CA" sz="900" dirty="0">
+                <a:latin typeface="Courier" pitchFamily="2" charset="0"/>
+              </a:rPr>
+              <a:t>   ~                 </a:t>
+            </a:r>
+            <a:r>
+              <a:rPr lang="en-CA" sz="900" dirty="0" err="1">
+                <a:latin typeface="Courier" pitchFamily="2" charset="0"/>
+              </a:rPr>
+              <a:t>DetNet</a:t>
+            </a:r>
+            <a:r>
+              <a:rPr lang="en-CA" sz="900" dirty="0">
+                <a:latin typeface="Courier" pitchFamily="2" charset="0"/>
+              </a:rPr>
+              <a:t> Flow                                   ~</a:t>
+            </a:r>
+          </a:p>
+          <a:p>
+            <a:r>
+              <a:rPr lang="en-CA" sz="900" dirty="0">
+                <a:latin typeface="Courier" pitchFamily="2" charset="0"/>
+              </a:rPr>
+              <a:t>   ~                 Payload Packet                                ~</a:t>
+            </a:r>
+          </a:p>
+          <a:p>
+            <a:r>
+              <a:rPr lang="en-CA" sz="900" dirty="0">
+                <a:latin typeface="Courier" pitchFamily="2" charset="0"/>
+              </a:rPr>
+              <a:t>   |                                                               |</a:t>
+            </a:r>
+          </a:p>
+          <a:p>
+            <a:r>
+              <a:rPr lang="en-CA" sz="900" dirty="0">
+                <a:latin typeface="Courier" pitchFamily="2" charset="0"/>
+              </a:rPr>
+              <a:t>   |                                                               |</a:t>
+            </a:r>
+          </a:p>
+          <a:p>
+            <a:r>
+              <a:rPr lang="en-CA" sz="900" dirty="0">
+                <a:latin typeface="Courier" pitchFamily="2" charset="0"/>
+              </a:rPr>
+              <a:t>   +-+-+-+-+-+-+-+-+-+-+-+-+-+-+-+-+-+-+-+-+-+-+-+-+-+-+-+-+-+-+-+-+</a:t>
+            </a:r>
+          </a:p>
+          <a:p>
+            <a:r>
+              <a:rPr lang="en-CA" sz="900" dirty="0">
+                <a:latin typeface="Courier" pitchFamily="2" charset="0"/>
+              </a:rPr>
+              <a:t> </a:t>
+            </a:r>
+          </a:p>
+          <a:p>
+            <a:r>
+              <a:rPr lang="en-CA" sz="900" dirty="0">
+                <a:latin typeface="Courier" pitchFamily="2" charset="0"/>
+              </a:rPr>
+              <a:t>  Figure: Example MPLS Encapsulation with </a:t>
+            </a:r>
+            <a:r>
+              <a:rPr lang="en-CA" sz="900" dirty="0" err="1">
+                <a:latin typeface="Courier" pitchFamily="2" charset="0"/>
+              </a:rPr>
+              <a:t>DetNet</a:t>
+            </a:r>
+            <a:r>
+              <a:rPr lang="en-CA" sz="900" dirty="0">
+                <a:latin typeface="Courier" pitchFamily="2" charset="0"/>
+              </a:rPr>
+              <a:t> with IOAM Data Fields</a:t>
+            </a:r>
+            <a:endParaRPr lang="en-CA" sz="900" dirty="0">
+              <a:latin typeface="Courier" pitchFamily="2" charset="0"/>
+              <a:ea typeface="Calibri" panose="020F0502020204030204" pitchFamily="34" charset="0"/>
+              <a:cs typeface="Times New Roman" panose="02020603050405020304" pitchFamily="18" charset="0"/>
+            </a:endParaRPr>
+          </a:p>
+        </p:txBody>
+      </p:sp>
+    </p:spTree>
+    <p:extLst>
+      <p:ext uri="{BB962C8B-B14F-4D97-AF65-F5344CB8AC3E}">
+        <p14:creationId xmlns:p14="http://schemas.microsoft.com/office/powerpoint/2010/main" val="2787306097"/>
+      </p:ext>
+    </p:extLst>
+  </p:cSld>
+  <p:clrMapOvr>
+    <a:masterClrMapping/>
+  </p:clrMapOvr>
+</p:sld>
+</file>
+
+<file path=ppt/slides/slide28.xml><?xml version="1.0" encoding="utf-8"?>
+<p:sld xmlns:a="http://schemas.openxmlformats.org/drawingml/2006/main" xmlns:r="http://schemas.openxmlformats.org/officeDocument/2006/relationships" xmlns:p="http://schemas.openxmlformats.org/presentationml/2006/main">
+  <p:cSld>
+    <p:spTree>
+      <p:nvGrpSpPr>
+        <p:cNvPr id="1" name=""/>
+        <p:cNvGrpSpPr/>
+        <p:nvPr/>
+      </p:nvGrpSpPr>
+      <p:grpSpPr>
+        <a:xfrm>
+          <a:off x="0" y="0"/>
+          <a:ext cx="0" cy="0"/>
+          <a:chOff x="0" y="0"/>
+          <a:chExt cx="0" cy="0"/>
+        </a:xfrm>
+      </p:grpSpPr>
+      <p:sp>
+        <p:nvSpPr>
+          <p:cNvPr id="2" name="Title 1">
+            <a:extLst>
+              <a:ext uri="{FF2B5EF4-FFF2-40B4-BE49-F238E27FC236}">
+                <a16:creationId xmlns:a16="http://schemas.microsoft.com/office/drawing/2014/main" id="{16C5255E-BE42-5348-AC0F-6257873BBB61}"/>
+              </a:ext>
+            </a:extLst>
+          </p:cNvPr>
+          <p:cNvSpPr>
+            <a:spLocks noGrp="1"/>
+          </p:cNvSpPr>
+          <p:nvPr>
+            <p:ph type="title"/>
+          </p:nvPr>
+        </p:nvSpPr>
+        <p:spPr>
+          <a:xfrm>
+            <a:off x="0" y="0"/>
+            <a:ext cx="9144000" cy="619185"/>
+          </a:xfrm>
+        </p:spPr>
+        <p:txBody>
+          <a:bodyPr/>
+          <a:lstStyle/>
+          <a:p>
+            <a:r>
+              <a:rPr lang="en-US" sz="2400" dirty="0">
+                <a:solidFill>
+                  <a:srgbClr val="0070C0"/>
+                </a:solidFill>
+                <a:latin typeface="Calibri Light" panose="020F0302020204030204" pitchFamily="34" charset="0"/>
+                <a:cs typeface="Calibri Light" panose="020F0302020204030204" pitchFamily="34" charset="0"/>
+              </a:rPr>
+              <a:t>Example 3 - </a:t>
+            </a:r>
+            <a:r>
+              <a:rPr lang="en-US" sz="2400" dirty="0" err="1">
+                <a:solidFill>
+                  <a:srgbClr val="0070C0"/>
+                </a:solidFill>
+                <a:latin typeface="Calibri Light" panose="020F0302020204030204" pitchFamily="34" charset="0"/>
+                <a:cs typeface="Calibri Light" panose="020F0302020204030204" pitchFamily="34" charset="0"/>
+              </a:rPr>
+              <a:t>DetNet</a:t>
+            </a:r>
+            <a:r>
+              <a:rPr lang="en-US" sz="2400" dirty="0">
+                <a:solidFill>
+                  <a:srgbClr val="0070C0"/>
+                </a:solidFill>
+                <a:latin typeface="Calibri Light" panose="020F0302020204030204" pitchFamily="34" charset="0"/>
+                <a:cs typeface="Calibri Light" panose="020F0302020204030204" pitchFamily="34" charset="0"/>
+              </a:rPr>
+              <a:t> Control Word [RFC8964] </a:t>
+            </a:r>
+            <a:r>
+              <a:rPr lang="en-CA" sz="2400" dirty="0">
+                <a:solidFill>
+                  <a:srgbClr val="0070C0"/>
+                </a:solidFill>
+                <a:latin typeface="Calibri Light" panose="020F0302020204030204" pitchFamily="34" charset="0"/>
+                <a:cs typeface="Calibri Light" panose="020F0302020204030204" pitchFamily="34" charset="0"/>
+              </a:rPr>
+              <a:t>with IOAM Data Fields</a:t>
+            </a:r>
+            <a:endParaRPr lang="en-US" sz="2400" dirty="0">
+              <a:solidFill>
+                <a:srgbClr val="0070C0"/>
+              </a:solidFill>
+              <a:latin typeface="Calibri Light" panose="020F0302020204030204" pitchFamily="34" charset="0"/>
+              <a:cs typeface="Calibri Light" panose="020F0302020204030204" pitchFamily="34" charset="0"/>
+            </a:endParaRPr>
+          </a:p>
+        </p:txBody>
+      </p:sp>
+      <p:sp>
+        <p:nvSpPr>
+          <p:cNvPr id="4" name="Footer Placeholder 3">
+            <a:extLst>
+              <a:ext uri="{FF2B5EF4-FFF2-40B4-BE49-F238E27FC236}">
+                <a16:creationId xmlns:a16="http://schemas.microsoft.com/office/drawing/2014/main" id="{CF70CC82-C055-3645-9254-87CEC1C49032}"/>
+              </a:ext>
+            </a:extLst>
+          </p:cNvPr>
+          <p:cNvSpPr>
+            <a:spLocks noGrp="1"/>
+          </p:cNvSpPr>
+          <p:nvPr>
+            <p:ph type="ftr" sz="quarter" idx="11"/>
+          </p:nvPr>
+        </p:nvSpPr>
+        <p:spPr>
+          <a:xfrm>
+            <a:off x="3124200" y="4786312"/>
+            <a:ext cx="2895600" cy="357188"/>
+          </a:xfrm>
+        </p:spPr>
+        <p:txBody>
+          <a:bodyPr/>
+          <a:lstStyle/>
+          <a:p>
+            <a:pPr>
+              <a:defRPr/>
+            </a:pPr>
+            <a:r>
+              <a:rPr lang="en-US" altLang="zh-CN" dirty="0"/>
+              <a:t>110</a:t>
+            </a:r>
+            <a:r>
+              <a:rPr lang="en-US" altLang="zh-CN" baseline="30000" dirty="0"/>
+              <a:t>th</a:t>
+            </a:r>
+            <a:r>
+              <a:rPr lang="en-US" altLang="zh-CN" dirty="0"/>
+              <a:t> IETF Online</a:t>
+            </a:r>
+          </a:p>
+        </p:txBody>
+      </p:sp>
+      <p:sp>
+        <p:nvSpPr>
+          <p:cNvPr id="5" name="Slide Number Placeholder 4">
+            <a:extLst>
+              <a:ext uri="{FF2B5EF4-FFF2-40B4-BE49-F238E27FC236}">
+                <a16:creationId xmlns:a16="http://schemas.microsoft.com/office/drawing/2014/main" id="{62DF7D69-BCF6-2D4A-A3F1-2D32C59355D3}"/>
+              </a:ext>
+            </a:extLst>
+          </p:cNvPr>
+          <p:cNvSpPr>
+            <a:spLocks noGrp="1"/>
+          </p:cNvSpPr>
+          <p:nvPr>
+            <p:ph type="sldNum" sz="quarter" idx="12"/>
+          </p:nvPr>
+        </p:nvSpPr>
+        <p:spPr/>
+        <p:txBody>
+          <a:bodyPr/>
+          <a:lstStyle/>
+          <a:p>
+            <a:pPr>
+              <a:defRPr/>
+            </a:pPr>
+            <a:fld id="{BD6E0F59-1DD8-40FC-9C92-B6295CBA6CCA}" type="slidenum">
+              <a:rPr lang="en-US" altLang="zh-CN" smtClean="0"/>
+              <a:pPr>
+                <a:defRPr/>
+              </a:pPr>
+              <a:t>28</a:t>
+            </a:fld>
+            <a:endParaRPr lang="en-US" altLang="zh-CN" dirty="0"/>
+          </a:p>
+        </p:txBody>
+      </p:sp>
+      <p:sp>
+        <p:nvSpPr>
+          <p:cNvPr id="6" name="Rectangle 5">
+            <a:extLst>
+              <a:ext uri="{FF2B5EF4-FFF2-40B4-BE49-F238E27FC236}">
+                <a16:creationId xmlns:a16="http://schemas.microsoft.com/office/drawing/2014/main" id="{E614F343-6DC2-A943-8496-BE1E2B6072CE}"/>
+              </a:ext>
+            </a:extLst>
+          </p:cNvPr>
+          <p:cNvSpPr/>
+          <p:nvPr/>
+        </p:nvSpPr>
+        <p:spPr>
+          <a:xfrm>
+            <a:off x="2057400" y="619185"/>
+            <a:ext cx="4648200" cy="4524315"/>
+          </a:xfrm>
+          <a:prstGeom prst="rect">
+            <a:avLst/>
+          </a:prstGeom>
+          <a:solidFill>
+            <a:schemeClr val="accent6">
+              <a:lumMod val="20000"/>
+              <a:lumOff val="80000"/>
+            </a:schemeClr>
+          </a:solidFill>
+        </p:spPr>
+        <p:txBody>
+          <a:bodyPr wrap="square">
+            <a:spAutoFit/>
+          </a:bodyPr>
+          <a:lstStyle/>
+          <a:p>
+            <a:r>
+              <a:rPr lang="en-CA" sz="800" dirty="0">
+                <a:latin typeface="Courier" pitchFamily="2" charset="0"/>
+              </a:rPr>
+              <a:t>   0                   1                   2                   3</a:t>
+            </a:r>
+          </a:p>
+          <a:p>
+            <a:r>
+              <a:rPr lang="en-CA" sz="800" dirty="0">
+                <a:latin typeface="Courier" pitchFamily="2" charset="0"/>
+              </a:rPr>
+              <a:t>   0 1 2 3 4 5 6 7 8 9 0 1 2 3 4 5 6 7 8 9 0 1 2 3 4 5 6 7 8 9 0 1</a:t>
+            </a:r>
+          </a:p>
+          <a:p>
+            <a:r>
+              <a:rPr lang="en-CA" sz="800" dirty="0">
+                <a:latin typeface="Courier" pitchFamily="2" charset="0"/>
+              </a:rPr>
+              <a:t>   +-+-+-+-+-+-+-+-+-+-+-+-+-+-+-+-+-+-+-+-+-+-+-+-+-+-+-+-+-+-+-+-+</a:t>
+            </a:r>
+          </a:p>
+          <a:p>
+            <a:r>
+              <a:rPr lang="en-CA" sz="800" dirty="0">
+                <a:latin typeface="Courier" pitchFamily="2" charset="0"/>
+              </a:rPr>
+              <a:t>   | [F-Label(s)]                          | TC  |S|  TTL          |</a:t>
+            </a:r>
+          </a:p>
+          <a:p>
+            <a:r>
+              <a:rPr lang="en-CA" sz="800" dirty="0">
+                <a:latin typeface="Courier" pitchFamily="2" charset="0"/>
+              </a:rPr>
+              <a:t>   +-+-+-+-+-+-+-+-+-+-+-+-+-+-+-+-+-+-+-+-+-+-+-+-+-+-+-+-+-+-+-+-+</a:t>
+            </a:r>
+          </a:p>
+          <a:p>
+            <a:r>
+              <a:rPr lang="en-CA" sz="800" dirty="0">
+                <a:latin typeface="Courier" pitchFamily="2" charset="0"/>
+              </a:rPr>
+              <a:t>   | A-Label                               | TC  |S|  TTL          |</a:t>
+            </a:r>
+          </a:p>
+          <a:p>
+            <a:r>
+              <a:rPr lang="en-CA" sz="800" dirty="0">
+                <a:latin typeface="Courier" pitchFamily="2" charset="0"/>
+              </a:rPr>
+              <a:t>   +-+-+-+-+-+-+-+-+-+-+-+-+-+-+-+-+-+-+-+-+-+-+-+-+-+-+-+-+-+-+-+-+</a:t>
+            </a:r>
+          </a:p>
+          <a:p>
+            <a:r>
+              <a:rPr lang="en-CA" sz="800" dirty="0">
+                <a:solidFill>
+                  <a:srgbClr val="C00000"/>
+                </a:solidFill>
+                <a:latin typeface="Courier" pitchFamily="2" charset="0"/>
+              </a:rPr>
+              <a:t>   </a:t>
+            </a:r>
+            <a:r>
+              <a:rPr lang="en-CA" sz="800" dirty="0">
+                <a:solidFill>
+                  <a:srgbClr val="0070C0"/>
+                </a:solidFill>
+                <a:latin typeface="Courier" pitchFamily="2" charset="0"/>
+              </a:rPr>
+              <a:t>|0 0 0 0| Sequence Number (</a:t>
+            </a:r>
+            <a:r>
+              <a:rPr lang="en-CA" sz="800" dirty="0" err="1">
+                <a:solidFill>
+                  <a:srgbClr val="0070C0"/>
+                </a:solidFill>
+                <a:latin typeface="Courier" pitchFamily="2" charset="0"/>
+              </a:rPr>
+              <a:t>DetNet</a:t>
+            </a:r>
+            <a:r>
+              <a:rPr lang="en-CA" sz="800" dirty="0">
+                <a:solidFill>
+                  <a:srgbClr val="0070C0"/>
+                </a:solidFill>
+                <a:latin typeface="Courier" pitchFamily="2" charset="0"/>
+              </a:rPr>
+              <a:t> Control Word)                 |</a:t>
+            </a:r>
+          </a:p>
+          <a:p>
+            <a:r>
+              <a:rPr lang="en-CA" sz="800" dirty="0">
+                <a:latin typeface="Courier" pitchFamily="2" charset="0"/>
+              </a:rPr>
+              <a:t>   +-+-+-+-+-+-+-+-+-+-+-+-+-+-+-+-+-+-+-+-+-+-+-+-+-+-+-+-+-+-+-+-+</a:t>
+            </a:r>
+          </a:p>
+          <a:p>
+            <a:r>
+              <a:rPr lang="en-CA" sz="800" dirty="0">
+                <a:latin typeface="Courier" pitchFamily="2" charset="0"/>
+              </a:rPr>
+              <a:t>   | [F-Label(s)]                          | TC  |S|  TTL          |</a:t>
+            </a:r>
+          </a:p>
+          <a:p>
+            <a:r>
+              <a:rPr lang="en-CA" sz="800" dirty="0">
+                <a:latin typeface="Courier" pitchFamily="2" charset="0"/>
+              </a:rPr>
+              <a:t>   +-+-+-+-+-+-+-+-+-+-+-+-+-+-+-+-+-+-+-+-+-+-+-+-+-+-+-+-+-+-+-+-+</a:t>
+            </a:r>
+          </a:p>
+          <a:p>
+            <a:r>
+              <a:rPr lang="en-CA" sz="800" dirty="0">
+                <a:latin typeface="Courier" pitchFamily="2" charset="0"/>
+              </a:rPr>
+              <a:t>   | S-Label                               | TC  |S|  TTL          |</a:t>
+            </a:r>
+          </a:p>
+          <a:p>
+            <a:r>
+              <a:rPr lang="en-CA" sz="800" dirty="0">
+                <a:latin typeface="Courier" pitchFamily="2" charset="0"/>
+              </a:rPr>
+              <a:t>   +-+-+-+-+-+-+-+-+-+-+-+-+-+-+-+-+-+-+-+-+-+-+-+-+-+-+-+-+-+-+-+-+</a:t>
+            </a:r>
+          </a:p>
+          <a:p>
+            <a:r>
+              <a:rPr lang="en-CA" sz="800" dirty="0">
+                <a:latin typeface="Courier" pitchFamily="2" charset="0"/>
+              </a:rPr>
+              <a:t>   | IOAM Indicator Label                  | TC  |1|  TTL          |</a:t>
+            </a:r>
+          </a:p>
+          <a:p>
+            <a:r>
+              <a:rPr lang="en-CA" sz="800" dirty="0">
+                <a:latin typeface="Courier" pitchFamily="2" charset="0"/>
+              </a:rPr>
+              <a:t>   +-+-+-+-+-+-+-+-+-+-+-+-+-+-+-+-+-+-+-+-+-+-+-+-+-+-+-+-+-+-+-+-+&lt;-+</a:t>
+            </a:r>
+          </a:p>
+          <a:p>
+            <a:r>
+              <a:rPr lang="en-CA" sz="800" dirty="0">
+                <a:latin typeface="Courier" pitchFamily="2" charset="0"/>
+              </a:rPr>
+              <a:t>   |0 0 0 1|Version| Reserved      | IOAM G-</a:t>
+            </a:r>
+            <a:r>
+              <a:rPr lang="en-CA" sz="800" dirty="0" err="1">
+                <a:latin typeface="Courier" pitchFamily="2" charset="0"/>
+              </a:rPr>
+              <a:t>ACh</a:t>
+            </a:r>
+            <a:r>
+              <a:rPr lang="en-CA" sz="800" dirty="0">
+                <a:latin typeface="Courier" pitchFamily="2" charset="0"/>
+              </a:rPr>
+              <a:t>                    |  |</a:t>
+            </a:r>
+          </a:p>
+          <a:p>
+            <a:r>
+              <a:rPr lang="en-CA" sz="800" dirty="0">
+                <a:latin typeface="Courier" pitchFamily="2" charset="0"/>
+              </a:rPr>
+              <a:t>   +-+-+-+-+-+-+-+-+-+-+-+-+-+-+-+-+-+-+-+-+-+-+-+-+-+-+-+-+-+-+-+-+  |</a:t>
+            </a:r>
+          </a:p>
+          <a:p>
+            <a:r>
+              <a:rPr lang="en-CA" sz="800" dirty="0">
+                <a:latin typeface="Courier" pitchFamily="2" charset="0"/>
+              </a:rPr>
+              <a:t>   | Reserved      | Block Number  | IOAM-OPT-Type |</a:t>
+            </a:r>
+            <a:r>
+              <a:rPr lang="en-CA" sz="800" dirty="0">
+                <a:solidFill>
+                  <a:srgbClr val="0070C0"/>
+                </a:solidFill>
+                <a:latin typeface="Courier" pitchFamily="2" charset="0"/>
+              </a:rPr>
+              <a:t>IOAM HDR Length</a:t>
+            </a:r>
+            <a:r>
+              <a:rPr lang="en-CA" sz="800" dirty="0">
+                <a:latin typeface="Courier" pitchFamily="2" charset="0"/>
+              </a:rPr>
+              <a:t>|  |</a:t>
+            </a:r>
+          </a:p>
+          <a:p>
+            <a:r>
+              <a:rPr lang="en-CA" sz="800" dirty="0">
+                <a:latin typeface="Courier" pitchFamily="2" charset="0"/>
+              </a:rPr>
+              <a:t>   +-+-+-+-+-+-+-+-+-+-+-+-+-+-+-+-+-+-+-+-+-+-+-+-+-+-+-+-+-+-+-+-+  I</a:t>
+            </a:r>
+          </a:p>
+          <a:p>
+            <a:r>
+              <a:rPr lang="en-CA" sz="800" dirty="0">
+                <a:latin typeface="Courier" pitchFamily="2" charset="0"/>
+              </a:rPr>
+              <a:t>   |                                                               |  O</a:t>
+            </a:r>
+          </a:p>
+          <a:p>
+            <a:r>
+              <a:rPr lang="en-CA" sz="800" dirty="0">
+                <a:latin typeface="Courier" pitchFamily="2" charset="0"/>
+              </a:rPr>
+              <a:t>   |                                                               |  A</a:t>
+            </a:r>
+          </a:p>
+          <a:p>
+            <a:r>
+              <a:rPr lang="en-CA" sz="800" dirty="0">
+                <a:latin typeface="Courier" pitchFamily="2" charset="0"/>
+              </a:rPr>
+              <a:t>   ~                 IOAM Option and Data Space                    ~  M</a:t>
+            </a:r>
+          </a:p>
+          <a:p>
+            <a:r>
+              <a:rPr lang="en-CA" sz="800" dirty="0">
+                <a:latin typeface="Courier" pitchFamily="2" charset="0"/>
+              </a:rPr>
+              <a:t>   |                                                               |  |</a:t>
+            </a:r>
+          </a:p>
+          <a:p>
+            <a:r>
+              <a:rPr lang="en-CA" sz="800" dirty="0">
+                <a:latin typeface="Courier" pitchFamily="2" charset="0"/>
+              </a:rPr>
+              <a:t>   |                                                               |  |</a:t>
+            </a:r>
+          </a:p>
+          <a:p>
+            <a:r>
+              <a:rPr lang="en-CA" sz="800" dirty="0">
+                <a:latin typeface="Courier" pitchFamily="2" charset="0"/>
+              </a:rPr>
+              <a:t>   +-+-+-+-+-+-+-+-+-+-+-+-+-+-+-+-+-+-+-+-+-+-+-+-+-+-+-+-+-+-+-+-+&lt;-+</a:t>
+            </a:r>
+          </a:p>
+          <a:p>
+            <a:r>
+              <a:rPr lang="en-CA" sz="800" dirty="0">
+                <a:solidFill>
+                  <a:srgbClr val="C00000"/>
+                </a:solidFill>
+                <a:latin typeface="Courier" pitchFamily="2" charset="0"/>
+              </a:rPr>
+              <a:t>   </a:t>
+            </a:r>
+            <a:r>
+              <a:rPr lang="en-CA" sz="800" dirty="0">
+                <a:solidFill>
+                  <a:srgbClr val="0070C0"/>
+                </a:solidFill>
+                <a:latin typeface="Courier" pitchFamily="2" charset="0"/>
+              </a:rPr>
+              <a:t>|0 0 0 0| Sequence Number (</a:t>
+            </a:r>
+            <a:r>
+              <a:rPr lang="en-CA" sz="800" dirty="0" err="1">
+                <a:solidFill>
+                  <a:srgbClr val="0070C0"/>
+                </a:solidFill>
+                <a:latin typeface="Courier" pitchFamily="2" charset="0"/>
+              </a:rPr>
+              <a:t>DetNet</a:t>
+            </a:r>
+            <a:r>
+              <a:rPr lang="en-CA" sz="800" dirty="0">
+                <a:solidFill>
+                  <a:srgbClr val="0070C0"/>
+                </a:solidFill>
+                <a:latin typeface="Courier" pitchFamily="2" charset="0"/>
+              </a:rPr>
+              <a:t> Control Word)                 |</a:t>
+            </a:r>
+          </a:p>
+          <a:p>
+            <a:r>
+              <a:rPr lang="en-CA" sz="800" dirty="0">
+                <a:solidFill>
+                  <a:srgbClr val="0070C0"/>
+                </a:solidFill>
+                <a:latin typeface="Courier" pitchFamily="2" charset="0"/>
+              </a:rPr>
+              <a:t>   +-+-+-+-+-+-+-+-+-+-+-+-+-+-+-+-+-+-+-+-+-+-+-+-+-+-+-+-+-+-+-+-+</a:t>
+            </a:r>
+          </a:p>
+          <a:p>
+            <a:r>
+              <a:rPr lang="en-CA" sz="800" dirty="0">
+                <a:latin typeface="Courier" pitchFamily="2" charset="0"/>
+              </a:rPr>
+              <a:t>   |                                                               |</a:t>
+            </a:r>
+          </a:p>
+          <a:p>
+            <a:r>
+              <a:rPr lang="en-CA" sz="800" dirty="0">
+                <a:latin typeface="Courier" pitchFamily="2" charset="0"/>
+              </a:rPr>
+              <a:t>   |                                                               |</a:t>
+            </a:r>
+          </a:p>
+          <a:p>
+            <a:r>
+              <a:rPr lang="en-CA" sz="800" dirty="0">
+                <a:latin typeface="Courier" pitchFamily="2" charset="0"/>
+              </a:rPr>
+              <a:t>   ~                 </a:t>
+            </a:r>
+            <a:r>
+              <a:rPr lang="en-CA" sz="800" dirty="0" err="1">
+                <a:latin typeface="Courier" pitchFamily="2" charset="0"/>
+              </a:rPr>
+              <a:t>DetNet</a:t>
+            </a:r>
+            <a:r>
+              <a:rPr lang="en-CA" sz="800" dirty="0">
+                <a:latin typeface="Courier" pitchFamily="2" charset="0"/>
+              </a:rPr>
+              <a:t> Flow                                   ~</a:t>
+            </a:r>
+          </a:p>
+          <a:p>
+            <a:r>
+              <a:rPr lang="en-CA" sz="800" dirty="0">
+                <a:latin typeface="Courier" pitchFamily="2" charset="0"/>
+              </a:rPr>
+              <a:t>   ~                 Payload Packet                                ~</a:t>
+            </a:r>
+          </a:p>
+          <a:p>
+            <a:r>
+              <a:rPr lang="en-CA" sz="800" dirty="0">
+                <a:latin typeface="Courier" pitchFamily="2" charset="0"/>
+              </a:rPr>
+              <a:t>   |                                                               |</a:t>
+            </a:r>
+          </a:p>
+          <a:p>
+            <a:r>
+              <a:rPr lang="en-CA" sz="800" dirty="0">
+                <a:latin typeface="Courier" pitchFamily="2" charset="0"/>
+              </a:rPr>
+              <a:t>   |                                                               |</a:t>
+            </a:r>
+          </a:p>
+          <a:p>
+            <a:r>
+              <a:rPr lang="en-CA" sz="800" dirty="0">
+                <a:latin typeface="Courier" pitchFamily="2" charset="0"/>
+              </a:rPr>
+              <a:t>   +-+-+-+-+-+-+-+-+-+-+-+-+-+-+-+-+-+-+-+-+-+-+-+-+-+-+-+-+-+-+-+-+</a:t>
+            </a:r>
+          </a:p>
+          <a:p>
+            <a:r>
+              <a:rPr lang="en-CA" sz="800" dirty="0">
+                <a:latin typeface="Courier" pitchFamily="2" charset="0"/>
+              </a:rPr>
+              <a:t> </a:t>
+            </a:r>
+          </a:p>
+          <a:p>
+            <a:r>
+              <a:rPr lang="en-CA" sz="800" dirty="0">
+                <a:latin typeface="Courier" pitchFamily="2" charset="0"/>
+              </a:rPr>
+              <a:t>  Figure: Example MPLS Encapsulation with </a:t>
+            </a:r>
+            <a:r>
+              <a:rPr lang="en-CA" sz="800" dirty="0" err="1">
+                <a:latin typeface="Courier" pitchFamily="2" charset="0"/>
+              </a:rPr>
+              <a:t>DetNet</a:t>
+            </a:r>
+            <a:r>
+              <a:rPr lang="en-CA" sz="800" dirty="0">
+                <a:latin typeface="Courier" pitchFamily="2" charset="0"/>
+              </a:rPr>
+              <a:t> with IOAM Data Fields</a:t>
+            </a:r>
+            <a:endParaRPr lang="en-CA" sz="800" dirty="0">
+              <a:latin typeface="Courier" pitchFamily="2" charset="0"/>
+              <a:ea typeface="Calibri" panose="020F0502020204030204" pitchFamily="34" charset="0"/>
+              <a:cs typeface="Times New Roman" panose="02020603050405020304" pitchFamily="18" charset="0"/>
+            </a:endParaRPr>
+          </a:p>
+        </p:txBody>
+      </p:sp>
+    </p:spTree>
+    <p:extLst>
+      <p:ext uri="{BB962C8B-B14F-4D97-AF65-F5344CB8AC3E}">
+        <p14:creationId xmlns:p14="http://schemas.microsoft.com/office/powerpoint/2010/main" val="3004204706"/>
+      </p:ext>
+    </p:extLst>
+  </p:cSld>
+  <p:clrMapOvr>
+    <a:masterClrMapping/>
+  </p:clrMapOvr>
+</p:sld>
+</file>
+
+<file path=ppt/slides/slide29.xml><?xml version="1.0" encoding="utf-8"?>
+<p:sld xmlns:a="http://schemas.openxmlformats.org/drawingml/2006/main" xmlns:r="http://schemas.openxmlformats.org/officeDocument/2006/relationships" xmlns:p="http://schemas.openxmlformats.org/presentationml/2006/main">
+  <p:cSld>
+    <p:spTree>
+      <p:nvGrpSpPr>
+        <p:cNvPr id="1" name=""/>
+        <p:cNvGrpSpPr/>
+        <p:nvPr/>
+      </p:nvGrpSpPr>
+      <p:grpSpPr>
+        <a:xfrm>
+          <a:off x="0" y="0"/>
+          <a:ext cx="0" cy="0"/>
+          <a:chOff x="0" y="0"/>
+          <a:chExt cx="0" cy="0"/>
+        </a:xfrm>
+      </p:grpSpPr>
+      <p:sp>
+        <p:nvSpPr>
+          <p:cNvPr id="2" name="Title 1">
+            <a:extLst>
+              <a:ext uri="{FF2B5EF4-FFF2-40B4-BE49-F238E27FC236}">
+                <a16:creationId xmlns:a16="http://schemas.microsoft.com/office/drawing/2014/main" id="{16C5255E-BE42-5348-AC0F-6257873BBB61}"/>
+              </a:ext>
+            </a:extLst>
+          </p:cNvPr>
+          <p:cNvSpPr>
+            <a:spLocks noGrp="1"/>
+          </p:cNvSpPr>
+          <p:nvPr>
+            <p:ph type="title"/>
+          </p:nvPr>
+        </p:nvSpPr>
+        <p:spPr>
+          <a:xfrm>
+            <a:off x="0" y="17653"/>
+            <a:ext cx="9124208" cy="717589"/>
+          </a:xfrm>
+        </p:spPr>
+        <p:txBody>
+          <a:bodyPr/>
+          <a:lstStyle/>
+          <a:p>
+            <a:r>
+              <a:rPr lang="en-US" sz="2400" dirty="0">
+                <a:solidFill>
+                  <a:srgbClr val="0070C0"/>
+                </a:solidFill>
+                <a:latin typeface="Calibri Light" panose="020F0302020204030204" pitchFamily="34" charset="0"/>
+                <a:cs typeface="Calibri Light" panose="020F0302020204030204" pitchFamily="34" charset="0"/>
+              </a:rPr>
+              <a:t>Example 4 - Generic Delivery Function </a:t>
+            </a:r>
+            <a:r>
+              <a:rPr lang="en-US" sz="2400" dirty="0" err="1">
+                <a:solidFill>
+                  <a:srgbClr val="0070C0"/>
+                </a:solidFill>
+                <a:latin typeface="Calibri Light" panose="020F0302020204030204" pitchFamily="34" charset="0"/>
+                <a:cs typeface="Calibri Light" panose="020F0302020204030204" pitchFamily="34" charset="0"/>
+              </a:rPr>
+              <a:t>Encap</a:t>
+            </a:r>
+            <a:r>
+              <a:rPr lang="en-US" sz="2400" dirty="0">
+                <a:solidFill>
+                  <a:srgbClr val="0070C0"/>
+                </a:solidFill>
+                <a:latin typeface="Calibri Light" panose="020F0302020204030204" pitchFamily="34" charset="0"/>
+                <a:cs typeface="Calibri Light" panose="020F0302020204030204" pitchFamily="34" charset="0"/>
+              </a:rPr>
+              <a:t> with IOAM Data Fields</a:t>
+            </a:r>
+          </a:p>
+        </p:txBody>
+      </p:sp>
+      <p:sp>
+        <p:nvSpPr>
+          <p:cNvPr id="4" name="Footer Placeholder 3">
+            <a:extLst>
+              <a:ext uri="{FF2B5EF4-FFF2-40B4-BE49-F238E27FC236}">
+                <a16:creationId xmlns:a16="http://schemas.microsoft.com/office/drawing/2014/main" id="{CF70CC82-C055-3645-9254-87CEC1C49032}"/>
+              </a:ext>
+            </a:extLst>
+          </p:cNvPr>
+          <p:cNvSpPr>
+            <a:spLocks noGrp="1"/>
+          </p:cNvSpPr>
+          <p:nvPr>
+            <p:ph type="ftr" sz="quarter" idx="11"/>
+          </p:nvPr>
+        </p:nvSpPr>
+        <p:spPr>
+          <a:xfrm>
+            <a:off x="3124200" y="4786312"/>
+            <a:ext cx="2895600" cy="357188"/>
+          </a:xfrm>
+        </p:spPr>
+        <p:txBody>
+          <a:bodyPr/>
+          <a:lstStyle/>
+          <a:p>
+            <a:pPr>
+              <a:defRPr/>
+            </a:pPr>
+            <a:r>
+              <a:rPr lang="en-US" altLang="zh-CN" dirty="0"/>
+              <a:t>110</a:t>
+            </a:r>
+            <a:r>
+              <a:rPr lang="en-US" altLang="zh-CN" baseline="30000" dirty="0"/>
+              <a:t>th</a:t>
+            </a:r>
+            <a:r>
+              <a:rPr lang="en-US" altLang="zh-CN" dirty="0"/>
+              <a:t> IETF Online</a:t>
+            </a:r>
+          </a:p>
+        </p:txBody>
+      </p:sp>
+      <p:sp>
+        <p:nvSpPr>
+          <p:cNvPr id="5" name="Slide Number Placeholder 4">
+            <a:extLst>
+              <a:ext uri="{FF2B5EF4-FFF2-40B4-BE49-F238E27FC236}">
+                <a16:creationId xmlns:a16="http://schemas.microsoft.com/office/drawing/2014/main" id="{62DF7D69-BCF6-2D4A-A3F1-2D32C59355D3}"/>
+              </a:ext>
+            </a:extLst>
+          </p:cNvPr>
+          <p:cNvSpPr>
+            <a:spLocks noGrp="1"/>
+          </p:cNvSpPr>
+          <p:nvPr>
+            <p:ph type="sldNum" sz="quarter" idx="12"/>
+          </p:nvPr>
+        </p:nvSpPr>
+        <p:spPr/>
+        <p:txBody>
+          <a:bodyPr/>
+          <a:lstStyle/>
+          <a:p>
+            <a:pPr>
+              <a:defRPr/>
+            </a:pPr>
+            <a:fld id="{BD6E0F59-1DD8-40FC-9C92-B6295CBA6CCA}" type="slidenum">
+              <a:rPr lang="en-US" altLang="zh-CN" smtClean="0"/>
+              <a:pPr>
+                <a:defRPr/>
+              </a:pPr>
+              <a:t>29</a:t>
+            </a:fld>
+            <a:endParaRPr lang="en-US" altLang="zh-CN" dirty="0"/>
+          </a:p>
+        </p:txBody>
+      </p:sp>
+      <p:sp>
+        <p:nvSpPr>
+          <p:cNvPr id="6" name="Rectangle 5">
+            <a:extLst>
+              <a:ext uri="{FF2B5EF4-FFF2-40B4-BE49-F238E27FC236}">
+                <a16:creationId xmlns:a16="http://schemas.microsoft.com/office/drawing/2014/main" id="{E614F343-6DC2-A943-8496-BE1E2B6072CE}"/>
+              </a:ext>
+            </a:extLst>
+          </p:cNvPr>
+          <p:cNvSpPr/>
+          <p:nvPr/>
+        </p:nvSpPr>
+        <p:spPr>
+          <a:xfrm>
+            <a:off x="2590800" y="793671"/>
+            <a:ext cx="5791200" cy="3970318"/>
+          </a:xfrm>
+          <a:prstGeom prst="rect">
+            <a:avLst/>
+          </a:prstGeom>
+          <a:solidFill>
+            <a:schemeClr val="accent6">
+              <a:lumMod val="20000"/>
+              <a:lumOff val="80000"/>
+            </a:schemeClr>
+          </a:solidFill>
+        </p:spPr>
+        <p:txBody>
+          <a:bodyPr wrap="square">
+            <a:spAutoFit/>
+          </a:bodyPr>
+          <a:lstStyle/>
+          <a:p>
+            <a:r>
+              <a:rPr lang="en-CA" sz="900" dirty="0">
+                <a:latin typeface="Courier" pitchFamily="2" charset="0"/>
+              </a:rPr>
+              <a:t>   0                   1                   2                   3</a:t>
+            </a:r>
+          </a:p>
+          <a:p>
+            <a:r>
+              <a:rPr lang="en-CA" sz="900" dirty="0">
+                <a:latin typeface="Courier" pitchFamily="2" charset="0"/>
+              </a:rPr>
+              <a:t>   0 1 2 3 4 5 6 7 8 9 0 1 2 3 4 5 6 7 8 9 0 1 2 3 4 5 6 7 8 9 0 1</a:t>
+            </a:r>
+          </a:p>
+          <a:p>
+            <a:r>
+              <a:rPr lang="en-CA" sz="900" dirty="0">
+                <a:latin typeface="Courier" pitchFamily="2" charset="0"/>
+              </a:rPr>
+              <a:t>   +-+-+-+-+-+-+-+-+-+-+-+-+-+-+-+-+-+-+-+-+-+-+-+-+-+-+-+-+-+-+-+-+</a:t>
+            </a:r>
+          </a:p>
+          <a:p>
+            <a:r>
+              <a:rPr lang="en-CA" sz="900" dirty="0">
+                <a:latin typeface="Courier" pitchFamily="2" charset="0"/>
+              </a:rPr>
+              <a:t>   | IOAM Indicator Label                  | TC  |1|  TTL          |</a:t>
+            </a:r>
+          </a:p>
+          <a:p>
+            <a:r>
+              <a:rPr lang="en-CA" sz="900" dirty="0">
+                <a:latin typeface="Courier" pitchFamily="2" charset="0"/>
+              </a:rPr>
+              <a:t>   +-+-+-+-+-+-+-+-+-+-+-+-+-+-+-+-+-+-+-+-+-+-+-+-+-+-+-+-+-+-+-+-+&lt;-+</a:t>
+            </a:r>
+          </a:p>
+          <a:p>
+            <a:r>
+              <a:rPr lang="en-CA" sz="900" dirty="0">
+                <a:latin typeface="Courier" pitchFamily="2" charset="0"/>
+              </a:rPr>
+              <a:t>   |0 0 0 1|Version| Reserved      | IOAM G-</a:t>
+            </a:r>
+            <a:r>
+              <a:rPr lang="en-CA" sz="900" dirty="0" err="1">
+                <a:latin typeface="Courier" pitchFamily="2" charset="0"/>
+              </a:rPr>
+              <a:t>ACh</a:t>
+            </a:r>
+            <a:r>
+              <a:rPr lang="en-CA" sz="900" dirty="0">
+                <a:latin typeface="Courier" pitchFamily="2" charset="0"/>
+              </a:rPr>
+              <a:t>                    |  |</a:t>
+            </a:r>
+          </a:p>
+          <a:p>
+            <a:r>
+              <a:rPr lang="en-CA" sz="900" dirty="0">
+                <a:latin typeface="Courier" pitchFamily="2" charset="0"/>
+              </a:rPr>
+              <a:t>   +-+-+-+-+-+-+-+-+-+-+-+-+-+-+-+-+-+-+-+-+-+-+-+-+-+-+-+-+-+-+-+-+  |</a:t>
+            </a:r>
+          </a:p>
+          <a:p>
+            <a:r>
+              <a:rPr lang="en-CA" sz="900" dirty="0">
+                <a:latin typeface="Courier" pitchFamily="2" charset="0"/>
+              </a:rPr>
+              <a:t>   | Reserved      | Block Number  | IOAM-OPT-Type |</a:t>
+            </a:r>
+            <a:r>
+              <a:rPr lang="en-CA" sz="900" dirty="0">
+                <a:solidFill>
+                  <a:srgbClr val="0070C0"/>
+                </a:solidFill>
+                <a:latin typeface="Courier" pitchFamily="2" charset="0"/>
+              </a:rPr>
+              <a:t>IOAM HDR Length</a:t>
+            </a:r>
+            <a:r>
+              <a:rPr lang="en-CA" sz="900" dirty="0">
+                <a:latin typeface="Courier" pitchFamily="2" charset="0"/>
+              </a:rPr>
+              <a:t>|  |</a:t>
+            </a:r>
+          </a:p>
+          <a:p>
+            <a:r>
+              <a:rPr lang="en-CA" sz="900" dirty="0">
+                <a:latin typeface="Courier" pitchFamily="2" charset="0"/>
+              </a:rPr>
+              <a:t>   +-+-+-+-+-+-+-+-+-+-+-+-+-+-+-+-+-+-+-+-+-+-+-+-+-+-+-+-+-+-+-+-+  I</a:t>
+            </a:r>
+          </a:p>
+          <a:p>
+            <a:r>
+              <a:rPr lang="en-CA" sz="900" dirty="0">
+                <a:latin typeface="Courier" pitchFamily="2" charset="0"/>
+              </a:rPr>
+              <a:t>   |                                                               |  O</a:t>
+            </a:r>
+          </a:p>
+          <a:p>
+            <a:r>
+              <a:rPr lang="en-CA" sz="900" dirty="0">
+                <a:latin typeface="Courier" pitchFamily="2" charset="0"/>
+              </a:rPr>
+              <a:t>   |                                                               |  A</a:t>
+            </a:r>
+          </a:p>
+          <a:p>
+            <a:r>
+              <a:rPr lang="en-CA" sz="900" dirty="0">
+                <a:latin typeface="Courier" pitchFamily="2" charset="0"/>
+              </a:rPr>
+              <a:t>   ~                 IOAM Option and Data Space                    ~  M</a:t>
+            </a:r>
+          </a:p>
+          <a:p>
+            <a:r>
+              <a:rPr lang="en-CA" sz="900" dirty="0">
+                <a:latin typeface="Courier" pitchFamily="2" charset="0"/>
+              </a:rPr>
+              <a:t>   |                                                               |  |</a:t>
+            </a:r>
+          </a:p>
+          <a:p>
+            <a:r>
+              <a:rPr lang="en-CA" sz="900" dirty="0">
+                <a:latin typeface="Courier" pitchFamily="2" charset="0"/>
+              </a:rPr>
+              <a:t>   |                                                               |  |</a:t>
+            </a:r>
+          </a:p>
+          <a:p>
+            <a:r>
+              <a:rPr lang="en-CA" sz="900" dirty="0">
+                <a:latin typeface="Courier" pitchFamily="2" charset="0"/>
+              </a:rPr>
+              <a:t>   +-+-+-+-+-+-+-+-+-+-+-+-+-+-+-+-+-+-+-+-+-+-+-+-+-+-+-+-+-+-+-+-+&lt;-+</a:t>
+            </a:r>
+          </a:p>
+          <a:p>
+            <a:r>
+              <a:rPr lang="en-CA" sz="900" dirty="0">
+                <a:solidFill>
+                  <a:srgbClr val="0070C0"/>
+                </a:solidFill>
+                <a:latin typeface="Courier" pitchFamily="2" charset="0"/>
+              </a:rPr>
+              <a:t>   |0 0 0 0| </a:t>
+            </a:r>
+            <a:r>
+              <a:rPr lang="en-CA" sz="900" dirty="0" err="1">
+                <a:solidFill>
+                  <a:srgbClr val="0070C0"/>
+                </a:solidFill>
+                <a:latin typeface="Courier" pitchFamily="2" charset="0"/>
+              </a:rPr>
+              <a:t>Rsved</a:t>
+            </a:r>
+            <a:r>
+              <a:rPr lang="en-CA" sz="900" dirty="0">
+                <a:solidFill>
+                  <a:srgbClr val="0070C0"/>
+                </a:solidFill>
+                <a:latin typeface="Courier" pitchFamily="2" charset="0"/>
+              </a:rPr>
+              <a:t> | This Header   | Header Length | Next Header   |</a:t>
+            </a:r>
+          </a:p>
+          <a:p>
+            <a:r>
+              <a:rPr lang="en-CA" sz="900" dirty="0">
+                <a:solidFill>
+                  <a:srgbClr val="0070C0"/>
+                </a:solidFill>
+                <a:latin typeface="Courier" pitchFamily="2" charset="0"/>
+              </a:rPr>
+              <a:t>   +-+-+-+-+-+-+-+-+-+-+-+-+-+-+-+-+-+-+-+-+-+-+-+-+-+-+-+-+-+-+-+-+</a:t>
+            </a:r>
+          </a:p>
+          <a:p>
+            <a:r>
+              <a:rPr lang="en-CA" sz="900" dirty="0">
+                <a:solidFill>
+                  <a:srgbClr val="0070C0"/>
+                </a:solidFill>
+                <a:latin typeface="Courier" pitchFamily="2" charset="0"/>
+              </a:rPr>
+              <a:t>   ~              Variable field per “This header”                 ~</a:t>
+            </a:r>
+          </a:p>
+          <a:p>
+            <a:r>
+              <a:rPr lang="en-CA" sz="900" dirty="0">
+                <a:solidFill>
+                  <a:srgbClr val="0070C0"/>
+                </a:solidFill>
+                <a:latin typeface="Courier" pitchFamily="2" charset="0"/>
+              </a:rPr>
+              <a:t>   +-+-+-+-+-+-+-+-+-+-+-+-+-+-+-+-+-+-+-+-+-+-+-+-+-+-+-+-+-+-+-+-+</a:t>
+            </a:r>
+          </a:p>
+          <a:p>
+            <a:r>
+              <a:rPr lang="en-CA" sz="900" dirty="0">
+                <a:solidFill>
+                  <a:srgbClr val="C00000"/>
+                </a:solidFill>
+                <a:latin typeface="Courier" pitchFamily="2" charset="0"/>
+              </a:rPr>
+              <a:t>  </a:t>
+            </a:r>
+            <a:r>
+              <a:rPr lang="en-CA" sz="900" dirty="0">
+                <a:latin typeface="Courier" pitchFamily="2" charset="0"/>
+              </a:rPr>
+              <a:t> |                                                               |</a:t>
+            </a:r>
+          </a:p>
+          <a:p>
+            <a:r>
+              <a:rPr lang="en-CA" sz="900" dirty="0">
+                <a:latin typeface="Courier" pitchFamily="2" charset="0"/>
+              </a:rPr>
+              <a:t>   |                                                               |</a:t>
+            </a:r>
+          </a:p>
+          <a:p>
+            <a:r>
+              <a:rPr lang="en-CA" sz="900" dirty="0">
+                <a:latin typeface="Courier" pitchFamily="2" charset="0"/>
+              </a:rPr>
+              <a:t>   ~                 Payload Packet                                ~</a:t>
+            </a:r>
+          </a:p>
+          <a:p>
+            <a:r>
+              <a:rPr lang="en-CA" sz="900" dirty="0">
+                <a:latin typeface="Courier" pitchFamily="2" charset="0"/>
+              </a:rPr>
+              <a:t>   |                                                               |</a:t>
+            </a:r>
+          </a:p>
+          <a:p>
+            <a:r>
+              <a:rPr lang="en-CA" sz="900" dirty="0">
+                <a:latin typeface="Courier" pitchFamily="2" charset="0"/>
+              </a:rPr>
+              <a:t>   |                                                               |</a:t>
+            </a:r>
+          </a:p>
+          <a:p>
+            <a:r>
+              <a:rPr lang="en-CA" sz="900" dirty="0">
+                <a:latin typeface="Courier" pitchFamily="2" charset="0"/>
+              </a:rPr>
+              <a:t>   +-+-+-+-+-+-+-+-+-+-+-+-+-+-+-+-+-+-+-+-+-+-+-+-+-+-+-+-+-+-+-+-+</a:t>
+            </a:r>
+          </a:p>
+          <a:p>
+            <a:r>
+              <a:rPr lang="en-CA" sz="900" dirty="0">
+                <a:latin typeface="Courier" pitchFamily="2" charset="0"/>
+              </a:rPr>
+              <a:t> </a:t>
+            </a:r>
+          </a:p>
+          <a:p>
+            <a:r>
+              <a:rPr lang="en-CA" sz="900" dirty="0">
+                <a:latin typeface="Courier" pitchFamily="2" charset="0"/>
+              </a:rPr>
+              <a:t>Figure: MPLS Encapsulation with Generic Delivery Functions with IOAM Data Fields</a:t>
+            </a:r>
+            <a:endParaRPr lang="en-CA" sz="900" dirty="0">
+              <a:latin typeface="Courier" pitchFamily="2" charset="0"/>
+              <a:ea typeface="Calibri" panose="020F0502020204030204" pitchFamily="34" charset="0"/>
+              <a:cs typeface="Times New Roman" panose="02020603050405020304" pitchFamily="18" charset="0"/>
+            </a:endParaRPr>
+          </a:p>
+        </p:txBody>
+      </p:sp>
+      <p:sp>
+        <p:nvSpPr>
+          <p:cNvPr id="7" name="Rectangle 6">
+            <a:extLst>
+              <a:ext uri="{FF2B5EF4-FFF2-40B4-BE49-F238E27FC236}">
+                <a16:creationId xmlns:a16="http://schemas.microsoft.com/office/drawing/2014/main" id="{AF26C24A-B63C-7045-B4DF-BFCC4C5A3608}"/>
+              </a:ext>
+            </a:extLst>
+          </p:cNvPr>
+          <p:cNvSpPr/>
+          <p:nvPr/>
+        </p:nvSpPr>
+        <p:spPr>
+          <a:xfrm>
+            <a:off x="114300" y="3556640"/>
+            <a:ext cx="2476500" cy="1015663"/>
+          </a:xfrm>
+          <a:prstGeom prst="rect">
+            <a:avLst/>
+          </a:prstGeom>
+        </p:spPr>
+        <p:txBody>
+          <a:bodyPr wrap="square">
+            <a:spAutoFit/>
+          </a:bodyPr>
+          <a:lstStyle/>
+          <a:p>
+            <a:pPr marL="171450" indent="-171450">
+              <a:buFont typeface="Arial" panose="020B0604020202020204" pitchFamily="34" charset="0"/>
+              <a:buChar char="•"/>
+            </a:pPr>
+            <a:r>
+              <a:rPr lang="en-US" sz="1000" dirty="0">
+                <a:hlinkClick r:id="rId2"/>
+              </a:rPr>
+              <a:t>https://datatracker.ietf.org/doc/draft-zzhang-intarea-generic-delivery-functions/</a:t>
+            </a:r>
+            <a:endParaRPr lang="en-US" sz="1000" dirty="0"/>
+          </a:p>
+          <a:p>
+            <a:pPr marL="171450" indent="-171450">
+              <a:buFont typeface="Arial" panose="020B0604020202020204" pitchFamily="34" charset="0"/>
+              <a:buChar char="•"/>
+            </a:pPr>
+            <a:endParaRPr lang="en-US" sz="1000" dirty="0"/>
+          </a:p>
+          <a:p>
+            <a:pPr marL="171450" indent="-171450">
+              <a:buFont typeface="Arial" panose="020B0604020202020204" pitchFamily="34" charset="0"/>
+              <a:buChar char="•"/>
+            </a:pPr>
+            <a:r>
+              <a:rPr lang="en-US" sz="1000" dirty="0"/>
+              <a:t>GDF Ingress/Egress Nodes only.</a:t>
+            </a:r>
+          </a:p>
+          <a:p>
+            <a:pPr marL="171450" indent="-171450">
+              <a:buFont typeface="Arial" panose="020B0604020202020204" pitchFamily="34" charset="0"/>
+              <a:buChar char="•"/>
+            </a:pPr>
+            <a:r>
+              <a:rPr lang="en-US" sz="1000" dirty="0"/>
+              <a:t>GDF has no Hop-by-hop processing</a:t>
+            </a:r>
+          </a:p>
+        </p:txBody>
+      </p:sp>
+    </p:spTree>
+    <p:extLst>
+      <p:ext uri="{BB962C8B-B14F-4D97-AF65-F5344CB8AC3E}">
+        <p14:creationId xmlns:p14="http://schemas.microsoft.com/office/powerpoint/2010/main" val="1532762073"/>
+      </p:ext>
+    </p:extLst>
+  </p:cSld>
+  <p:clrMapOvr>
+    <a:masterClrMapping/>
+  </p:clrMapOvr>
+</p:sld>
+</file>
+
 <file path=ppt/slides/slide3.xml><?xml version="1.0" encoding="utf-8"?>
 <p:sld xmlns:a="http://schemas.openxmlformats.org/drawingml/2006/main" xmlns:r="http://schemas.openxmlformats.org/officeDocument/2006/relationships" xmlns:p="http://schemas.openxmlformats.org/presentationml/2006/main">
   <p:cSld>
@@ -13175,6 +15003,289 @@
     <p:extLst>
       <p:ext uri="{BB962C8B-B14F-4D97-AF65-F5344CB8AC3E}">
         <p14:creationId xmlns:p14="http://schemas.microsoft.com/office/powerpoint/2010/main" val="2099784755"/>
+      </p:ext>
+    </p:extLst>
+  </p:cSld>
+  <p:clrMapOvr>
+    <a:masterClrMapping/>
+  </p:clrMapOvr>
+</p:sld>
+</file>
+
+<file path=ppt/slides/slide30.xml><?xml version="1.0" encoding="utf-8"?>
+<p:sld xmlns:a="http://schemas.openxmlformats.org/drawingml/2006/main" xmlns:r="http://schemas.openxmlformats.org/officeDocument/2006/relationships" xmlns:p="http://schemas.openxmlformats.org/presentationml/2006/main">
+  <p:cSld>
+    <p:spTree>
+      <p:nvGrpSpPr>
+        <p:cNvPr id="1" name=""/>
+        <p:cNvGrpSpPr/>
+        <p:nvPr/>
+      </p:nvGrpSpPr>
+      <p:grpSpPr>
+        <a:xfrm>
+          <a:off x="0" y="0"/>
+          <a:ext cx="0" cy="0"/>
+          <a:chOff x="0" y="0"/>
+          <a:chExt cx="0" cy="0"/>
+        </a:xfrm>
+      </p:grpSpPr>
+      <p:sp>
+        <p:nvSpPr>
+          <p:cNvPr id="4" name="Footer Placeholder 3"/>
+          <p:cNvSpPr>
+            <a:spLocks noGrp="1"/>
+          </p:cNvSpPr>
+          <p:nvPr>
+            <p:ph type="ftr" sz="quarter" idx="11"/>
+          </p:nvPr>
+        </p:nvSpPr>
+        <p:spPr>
+          <a:xfrm>
+            <a:off x="3124200" y="4787315"/>
+            <a:ext cx="2895600" cy="357188"/>
+          </a:xfrm>
+        </p:spPr>
+        <p:txBody>
+          <a:bodyPr/>
+          <a:lstStyle/>
+          <a:p>
+            <a:r>
+              <a:rPr lang="en-CA" dirty="0"/>
+              <a:t>110</a:t>
+            </a:r>
+            <a:r>
+              <a:rPr lang="en-CA" baseline="30000" dirty="0"/>
+              <a:t>th</a:t>
+            </a:r>
+            <a:r>
+              <a:rPr lang="en-CA" dirty="0"/>
+              <a:t> IETF Online</a:t>
+            </a:r>
+          </a:p>
+        </p:txBody>
+      </p:sp>
+      <p:sp>
+        <p:nvSpPr>
+          <p:cNvPr id="5" name="Rectangle 2"/>
+          <p:cNvSpPr txBox="1">
+            <a:spLocks noChangeArrowheads="1"/>
+          </p:cNvSpPr>
+          <p:nvPr/>
+        </p:nvSpPr>
+        <p:spPr bwMode="auto">
+          <a:xfrm>
+            <a:off x="685800" y="1657350"/>
+            <a:ext cx="7772400" cy="1102519"/>
+          </a:xfrm>
+          <a:prstGeom prst="rect">
+            <a:avLst/>
+          </a:prstGeom>
+          <a:noFill/>
+          <a:ln w="9525">
+            <a:noFill/>
+            <a:miter lim="800000"/>
+            <a:headEnd/>
+            <a:tailEnd/>
+          </a:ln>
+          <a:effectLst/>
+        </p:spPr>
+        <p:txBody>
+          <a:bodyPr vert="horz" wrap="square" lIns="91440" tIns="45720" rIns="91440" bIns="45720" numCol="1" anchor="ctr" anchorCtr="0" compatLnSpc="1">
+            <a:prstTxWarp prst="textNoShape">
+              <a:avLst/>
+            </a:prstTxWarp>
+          </a:bodyPr>
+          <a:lstStyle>
+            <a:lvl1pPr algn="ctr" rtl="0" eaLnBrk="0" fontAlgn="base" hangingPunct="0">
+              <a:spcBef>
+                <a:spcPct val="0"/>
+              </a:spcBef>
+              <a:spcAft>
+                <a:spcPct val="0"/>
+              </a:spcAft>
+              <a:defRPr sz="4400">
+                <a:solidFill>
+                  <a:schemeClr val="tx2"/>
+                </a:solidFill>
+                <a:latin typeface="+mj-lt"/>
+                <a:ea typeface="+mj-ea"/>
+                <a:cs typeface="+mj-cs"/>
+              </a:defRPr>
+            </a:lvl1pPr>
+            <a:lvl2pPr algn="ctr" rtl="0" eaLnBrk="0" fontAlgn="base" hangingPunct="0">
+              <a:spcBef>
+                <a:spcPct val="0"/>
+              </a:spcBef>
+              <a:spcAft>
+                <a:spcPct val="0"/>
+              </a:spcAft>
+              <a:defRPr sz="4400">
+                <a:solidFill>
+                  <a:schemeClr val="tx2"/>
+                </a:solidFill>
+                <a:latin typeface="Arial" charset="0"/>
+                <a:ea typeface="宋体" pitchFamily="2" charset="-122"/>
+              </a:defRPr>
+            </a:lvl2pPr>
+            <a:lvl3pPr algn="ctr" rtl="0" eaLnBrk="0" fontAlgn="base" hangingPunct="0">
+              <a:spcBef>
+                <a:spcPct val="0"/>
+              </a:spcBef>
+              <a:spcAft>
+                <a:spcPct val="0"/>
+              </a:spcAft>
+              <a:defRPr sz="4400">
+                <a:solidFill>
+                  <a:schemeClr val="tx2"/>
+                </a:solidFill>
+                <a:latin typeface="Arial" charset="0"/>
+                <a:ea typeface="宋体" pitchFamily="2" charset="-122"/>
+              </a:defRPr>
+            </a:lvl3pPr>
+            <a:lvl4pPr algn="ctr" rtl="0" eaLnBrk="0" fontAlgn="base" hangingPunct="0">
+              <a:spcBef>
+                <a:spcPct val="0"/>
+              </a:spcBef>
+              <a:spcAft>
+                <a:spcPct val="0"/>
+              </a:spcAft>
+              <a:defRPr sz="4400">
+                <a:solidFill>
+                  <a:schemeClr val="tx2"/>
+                </a:solidFill>
+                <a:latin typeface="Arial" charset="0"/>
+                <a:ea typeface="宋体" pitchFamily="2" charset="-122"/>
+              </a:defRPr>
+            </a:lvl4pPr>
+            <a:lvl5pPr algn="ctr" rtl="0" eaLnBrk="0" fontAlgn="base" hangingPunct="0">
+              <a:spcBef>
+                <a:spcPct val="0"/>
+              </a:spcBef>
+              <a:spcAft>
+                <a:spcPct val="0"/>
+              </a:spcAft>
+              <a:defRPr sz="4400">
+                <a:solidFill>
+                  <a:schemeClr val="tx2"/>
+                </a:solidFill>
+                <a:latin typeface="Arial" charset="0"/>
+                <a:ea typeface="宋体" pitchFamily="2" charset="-122"/>
+              </a:defRPr>
+            </a:lvl5pPr>
+            <a:lvl6pPr marL="457200" algn="ctr" rtl="0" fontAlgn="base">
+              <a:spcBef>
+                <a:spcPct val="0"/>
+              </a:spcBef>
+              <a:spcAft>
+                <a:spcPct val="0"/>
+              </a:spcAft>
+              <a:defRPr sz="4400">
+                <a:solidFill>
+                  <a:schemeClr val="tx2"/>
+                </a:solidFill>
+                <a:latin typeface="Arial" charset="0"/>
+                <a:ea typeface="宋体" pitchFamily="2" charset="-122"/>
+              </a:defRPr>
+            </a:lvl6pPr>
+            <a:lvl7pPr marL="914400" algn="ctr" rtl="0" fontAlgn="base">
+              <a:spcBef>
+                <a:spcPct val="0"/>
+              </a:spcBef>
+              <a:spcAft>
+                <a:spcPct val="0"/>
+              </a:spcAft>
+              <a:defRPr sz="4400">
+                <a:solidFill>
+                  <a:schemeClr val="tx2"/>
+                </a:solidFill>
+                <a:latin typeface="Arial" charset="0"/>
+                <a:ea typeface="宋体" pitchFamily="2" charset="-122"/>
+              </a:defRPr>
+            </a:lvl7pPr>
+            <a:lvl8pPr marL="1371600" algn="ctr" rtl="0" fontAlgn="base">
+              <a:spcBef>
+                <a:spcPct val="0"/>
+              </a:spcBef>
+              <a:spcAft>
+                <a:spcPct val="0"/>
+              </a:spcAft>
+              <a:defRPr sz="4400">
+                <a:solidFill>
+                  <a:schemeClr val="tx2"/>
+                </a:solidFill>
+                <a:latin typeface="Arial" charset="0"/>
+                <a:ea typeface="宋体" pitchFamily="2" charset="-122"/>
+              </a:defRPr>
+            </a:lvl8pPr>
+            <a:lvl9pPr marL="1828800" algn="ctr" rtl="0" fontAlgn="base">
+              <a:spcBef>
+                <a:spcPct val="0"/>
+              </a:spcBef>
+              <a:spcAft>
+                <a:spcPct val="0"/>
+              </a:spcAft>
+              <a:defRPr sz="4400">
+                <a:solidFill>
+                  <a:schemeClr val="tx2"/>
+                </a:solidFill>
+                <a:latin typeface="Arial" charset="0"/>
+                <a:ea typeface="宋体" pitchFamily="2" charset="-122"/>
+              </a:defRPr>
+            </a:lvl9pPr>
+          </a:lstStyle>
+          <a:p>
+            <a:pPr eaLnBrk="1" hangingPunct="1">
+              <a:defRPr/>
+            </a:pPr>
+            <a:r>
+              <a:rPr lang="en-US" altLang="zh-CN" sz="4000" kern="0" dirty="0">
+                <a:effectLst>
+                  <a:outerShdw blurRad="38100" dist="38100" dir="2700000" algn="tl">
+                    <a:srgbClr val="C0C0C0"/>
+                  </a:outerShdw>
+                </a:effectLst>
+                <a:latin typeface="Calibri" charset="0"/>
+                <a:ea typeface="Calibri" charset="0"/>
+                <a:cs typeface="Calibri" charset="0"/>
+              </a:rPr>
+              <a:t>Thank you</a:t>
+            </a:r>
+          </a:p>
+        </p:txBody>
+      </p:sp>
+      <p:sp>
+        <p:nvSpPr>
+          <p:cNvPr id="2" name="Slide Number Placeholder 1"/>
+          <p:cNvSpPr>
+            <a:spLocks noGrp="1"/>
+          </p:cNvSpPr>
+          <p:nvPr>
+            <p:ph type="sldNum" sz="quarter" idx="12"/>
+          </p:nvPr>
+        </p:nvSpPr>
+        <p:spPr/>
+        <p:txBody>
+          <a:bodyPr/>
+          <a:lstStyle/>
+          <a:p>
+            <a:pPr>
+              <a:defRPr/>
+            </a:pPr>
+            <a:fld id="{BD6E0F59-1DD8-40FC-9C92-B6295CBA6CCA}" type="slidenum">
+              <a:rPr lang="en-US" altLang="zh-CN" smtClean="0"/>
+              <a:pPr>
+                <a:defRPr/>
+              </a:pPr>
+              <a:t>30</a:t>
+            </a:fld>
+            <a:endParaRPr lang="en-US" altLang="zh-CN"/>
+          </a:p>
+        </p:txBody>
+      </p:sp>
+    </p:spTree>
+    <p:extLst>
+      <p:ext uri="{BB962C8B-B14F-4D97-AF65-F5344CB8AC3E}">
+        <p14:creationId xmlns:p14="http://schemas.microsoft.com/office/powerpoint/2010/main" val="4263515903"/>
       </p:ext>
     </p:extLst>
   </p:cSld>

--- a/draft-gandhi-mpls-ioam-sr-06.pptx
+++ b/draft-gandhi-mpls-ioam-sr-06.pptx
@@ -5,10 +5,10 @@
     <p:sldMasterId id="2147483648" r:id="rId1"/>
   </p:sldMasterIdLst>
   <p:notesMasterIdLst>
-    <p:notesMasterId r:id="rId32"/>
+    <p:notesMasterId r:id="rId31"/>
   </p:notesMasterIdLst>
   <p:handoutMasterIdLst>
-    <p:handoutMasterId r:id="rId33"/>
+    <p:handoutMasterId r:id="rId32"/>
   </p:handoutMasterIdLst>
   <p:sldIdLst>
     <p:sldId id="256" r:id="rId2"/>
@@ -36,11 +36,10 @@
     <p:sldId id="1669" r:id="rId24"/>
     <p:sldId id="1697" r:id="rId25"/>
     <p:sldId id="1667" r:id="rId26"/>
-    <p:sldId id="1698" r:id="rId27"/>
+    <p:sldId id="1695" r:id="rId27"/>
     <p:sldId id="1690" r:id="rId28"/>
     <p:sldId id="1696" r:id="rId29"/>
-    <p:sldId id="1695" r:id="rId30"/>
-    <p:sldId id="1699" r:id="rId31"/>
+    <p:sldId id="1699" r:id="rId30"/>
   </p:sldIdLst>
   <p:sldSz cx="9144000" cy="5143500" type="screen16x9"/>
   <p:notesSz cx="6858000" cy="9144000"/>
@@ -273,7 +272,7 @@
           <a:p>
             <a:fld id="{E8FA3DB5-7722-3F4F-947D-12B203669AD7}" type="datetimeFigureOut">
               <a:rPr lang="en-US" smtClean="0"/>
-              <a:t>2/19/21</a:t>
+              <a:t>2/20/21</a:t>
             </a:fld>
             <a:endParaRPr lang="en-US"/>
           </a:p>
@@ -1591,97 +1590,7 @@
               <a:pPr>
                 <a:defRPr/>
               </a:pPr>
-              <a:t>26</a:t>
-            </a:fld>
-            <a:endParaRPr lang="en-US" altLang="zh-CN"/>
-          </a:p>
-        </p:txBody>
-      </p:sp>
-    </p:spTree>
-    <p:extLst>
-      <p:ext uri="{BB962C8B-B14F-4D97-AF65-F5344CB8AC3E}">
-        <p14:creationId xmlns:p14="http://schemas.microsoft.com/office/powerpoint/2010/main" val="1465844214"/>
-      </p:ext>
-    </p:extLst>
-  </p:cSld>
-  <p:clrMapOvr>
-    <a:masterClrMapping/>
-  </p:clrMapOvr>
-</p:notes>
-</file>
-
-<file path=ppt/notesSlides/notesSlide18.xml><?xml version="1.0" encoding="utf-8"?>
-<p:notes xmlns:a="http://schemas.openxmlformats.org/drawingml/2006/main" xmlns:r="http://schemas.openxmlformats.org/officeDocument/2006/relationships" xmlns:p="http://schemas.openxmlformats.org/presentationml/2006/main">
-  <p:cSld>
-    <p:spTree>
-      <p:nvGrpSpPr>
-        <p:cNvPr id="1" name=""/>
-        <p:cNvGrpSpPr/>
-        <p:nvPr/>
-      </p:nvGrpSpPr>
-      <p:grpSpPr>
-        <a:xfrm>
-          <a:off x="0" y="0"/>
-          <a:ext cx="0" cy="0"/>
-          <a:chOff x="0" y="0"/>
-          <a:chExt cx="0" cy="0"/>
-        </a:xfrm>
-      </p:grpSpPr>
-      <p:sp>
-        <p:nvSpPr>
-          <p:cNvPr id="2" name="Slide Image Placeholder 1"/>
-          <p:cNvSpPr>
-            <a:spLocks noGrp="1" noRot="1" noChangeAspect="1"/>
-          </p:cNvSpPr>
-          <p:nvPr>
-            <p:ph type="sldImg"/>
-          </p:nvPr>
-        </p:nvSpPr>
-        <p:spPr/>
-      </p:sp>
-      <p:sp>
-        <p:nvSpPr>
-          <p:cNvPr id="3" name="Notes Placeholder 2"/>
-          <p:cNvSpPr>
-            <a:spLocks noGrp="1"/>
-          </p:cNvSpPr>
-          <p:nvPr>
-            <p:ph type="body" idx="1"/>
-          </p:nvPr>
-        </p:nvSpPr>
-        <p:spPr/>
-        <p:txBody>
-          <a:bodyPr/>
-          <a:lstStyle/>
-          <a:p>
-            <a:endParaRPr lang="en-US" dirty="0"/>
-          </a:p>
-        </p:txBody>
-      </p:sp>
-      <p:sp>
-        <p:nvSpPr>
-          <p:cNvPr id="4" name="Slide Number Placeholder 3"/>
-          <p:cNvSpPr>
-            <a:spLocks noGrp="1"/>
-          </p:cNvSpPr>
-          <p:nvPr>
-            <p:ph type="sldNum" sz="quarter" idx="10"/>
-          </p:nvPr>
-        </p:nvSpPr>
-        <p:spPr/>
-        <p:txBody>
-          <a:bodyPr/>
-          <a:lstStyle/>
-          <a:p>
-            <a:pPr>
-              <a:defRPr/>
-            </a:pPr>
-            <a:fld id="{100938BD-FD70-4535-B0C2-13FC38CDF1BE}" type="slidenum">
-              <a:rPr lang="en-US" altLang="zh-CN" smtClean="0"/>
-              <a:pPr>
-                <a:defRPr/>
-              </a:pPr>
-              <a:t>30</a:t>
+              <a:t>29</a:t>
             </a:fld>
             <a:endParaRPr lang="en-US" altLang="zh-CN"/>
           </a:p>
@@ -8729,7 +8638,7 @@
             <p:ph idx="1"/>
             <p:extLst>
               <p:ext uri="{D42A27DB-BD31-4B8C-83A1-F6EECF244321}">
-                <p14:modId xmlns:p14="http://schemas.microsoft.com/office/powerpoint/2010/main" val="441538441"/>
+                <p14:modId xmlns:p14="http://schemas.microsoft.com/office/powerpoint/2010/main" val="296977326"/>
               </p:ext>
             </p:extLst>
           </p:nvPr>
@@ -8752,21 +8661,21 @@
                     </a:ext>
                   </a:extLst>
                 </a:gridCol>
-                <a:gridCol w="1828800">
+                <a:gridCol w="1524000">
                   <a:extLst>
                     <a:ext uri="{9D8B030D-6E8A-4147-A177-3AD203B41FA5}">
                       <a16:colId xmlns:a16="http://schemas.microsoft.com/office/drawing/2014/main" val="4011394575"/>
                     </a:ext>
                   </a:extLst>
                 </a:gridCol>
-                <a:gridCol w="1752600">
+                <a:gridCol w="1981200">
                   <a:extLst>
                     <a:ext uri="{9D8B030D-6E8A-4147-A177-3AD203B41FA5}">
                       <a16:colId xmlns:a16="http://schemas.microsoft.com/office/drawing/2014/main" val="1670730324"/>
                     </a:ext>
                   </a:extLst>
                 </a:gridCol>
-                <a:gridCol w="1465385">
+                <a:gridCol w="1541585">
                   <a:extLst>
                     <a:ext uri="{9D8B030D-6E8A-4147-A177-3AD203B41FA5}">
                       <a16:colId xmlns:a16="http://schemas.microsoft.com/office/drawing/2014/main" val="975737954"/>
@@ -10513,21 +10422,21 @@
               </a:spcBef>
             </a:pPr>
             <a:r>
-              <a:rPr lang="en-CA" sz="1800" dirty="0">
+              <a:rPr lang="en-CA" sz="1800" b="1" dirty="0">
                 <a:latin typeface="Calibri" panose="020F0502020204030204" pitchFamily="34" charset="0"/>
                 <a:cs typeface="Calibri" panose="020F0502020204030204" pitchFamily="34" charset="0"/>
               </a:rPr>
               <a:t>This allows the intermediate nodes to easily access the </a:t>
             </a:r>
             <a:r>
-              <a:rPr lang="en-CA" sz="1800" dirty="0" err="1">
+              <a:rPr lang="en-CA" sz="1800" b="1" dirty="0" err="1">
                 <a:latin typeface="Calibri" panose="020F0502020204030204" pitchFamily="34" charset="0"/>
                 <a:cs typeface="Calibri" panose="020F0502020204030204" pitchFamily="34" charset="0"/>
               </a:rPr>
               <a:t>HbH</a:t>
             </a:r>
             <a:r>
-              <a:rPr lang="en-CA" sz="1800" dirty="0">
+              <a:rPr lang="en-CA" sz="1800" b="1" dirty="0">
                 <a:latin typeface="Calibri" panose="020F0502020204030204" pitchFamily="34" charset="0"/>
                 <a:cs typeface="Calibri" panose="020F0502020204030204" pitchFamily="34" charset="0"/>
               </a:rPr>
@@ -12689,6 +12598,1740 @@
       </p:grpSpPr>
       <p:sp>
         <p:nvSpPr>
+          <p:cNvPr id="2" name="Title 1">
+            <a:extLst>
+              <a:ext uri="{FF2B5EF4-FFF2-40B4-BE49-F238E27FC236}">
+                <a16:creationId xmlns:a16="http://schemas.microsoft.com/office/drawing/2014/main" id="{16C5255E-BE42-5348-AC0F-6257873BBB61}"/>
+              </a:ext>
+            </a:extLst>
+          </p:cNvPr>
+          <p:cNvSpPr>
+            <a:spLocks noGrp="1"/>
+          </p:cNvSpPr>
+          <p:nvPr>
+            <p:ph type="title"/>
+          </p:nvPr>
+        </p:nvSpPr>
+        <p:spPr>
+          <a:xfrm>
+            <a:off x="0" y="17653"/>
+            <a:ext cx="9124208" cy="717589"/>
+          </a:xfrm>
+        </p:spPr>
+        <p:txBody>
+          <a:bodyPr/>
+          <a:lstStyle/>
+          <a:p>
+            <a:r>
+              <a:rPr lang="en-US" sz="2400" dirty="0">
+                <a:solidFill>
+                  <a:srgbClr val="0070C0"/>
+                </a:solidFill>
+                <a:latin typeface="Calibri Light" panose="020F0302020204030204" pitchFamily="34" charset="0"/>
+                <a:cs typeface="Calibri Light" panose="020F0302020204030204" pitchFamily="34" charset="0"/>
+              </a:rPr>
+              <a:t>Example 2 - Generic Delivery Function </a:t>
+            </a:r>
+            <a:r>
+              <a:rPr lang="en-US" sz="2400" dirty="0" err="1">
+                <a:solidFill>
+                  <a:srgbClr val="0070C0"/>
+                </a:solidFill>
+                <a:latin typeface="Calibri Light" panose="020F0302020204030204" pitchFamily="34" charset="0"/>
+                <a:cs typeface="Calibri Light" panose="020F0302020204030204" pitchFamily="34" charset="0"/>
+              </a:rPr>
+              <a:t>Encap</a:t>
+            </a:r>
+            <a:r>
+              <a:rPr lang="en-US" sz="2400" dirty="0">
+                <a:solidFill>
+                  <a:srgbClr val="0070C0"/>
+                </a:solidFill>
+                <a:latin typeface="Calibri Light" panose="020F0302020204030204" pitchFamily="34" charset="0"/>
+                <a:cs typeface="Calibri Light" panose="020F0302020204030204" pitchFamily="34" charset="0"/>
+              </a:rPr>
+              <a:t> with IOAM Data Fields</a:t>
+            </a:r>
+          </a:p>
+        </p:txBody>
+      </p:sp>
+      <p:sp>
+        <p:nvSpPr>
+          <p:cNvPr id="4" name="Footer Placeholder 3">
+            <a:extLst>
+              <a:ext uri="{FF2B5EF4-FFF2-40B4-BE49-F238E27FC236}">
+                <a16:creationId xmlns:a16="http://schemas.microsoft.com/office/drawing/2014/main" id="{CF70CC82-C055-3645-9254-87CEC1C49032}"/>
+              </a:ext>
+            </a:extLst>
+          </p:cNvPr>
+          <p:cNvSpPr>
+            <a:spLocks noGrp="1"/>
+          </p:cNvSpPr>
+          <p:nvPr>
+            <p:ph type="ftr" sz="quarter" idx="11"/>
+          </p:nvPr>
+        </p:nvSpPr>
+        <p:spPr>
+          <a:xfrm>
+            <a:off x="3124200" y="4786312"/>
+            <a:ext cx="2895600" cy="357188"/>
+          </a:xfrm>
+        </p:spPr>
+        <p:txBody>
+          <a:bodyPr/>
+          <a:lstStyle/>
+          <a:p>
+            <a:pPr>
+              <a:defRPr/>
+            </a:pPr>
+            <a:r>
+              <a:rPr lang="en-US" altLang="zh-CN" dirty="0"/>
+              <a:t>110</a:t>
+            </a:r>
+            <a:r>
+              <a:rPr lang="en-US" altLang="zh-CN" baseline="30000" dirty="0"/>
+              <a:t>th</a:t>
+            </a:r>
+            <a:r>
+              <a:rPr lang="en-US" altLang="zh-CN" dirty="0"/>
+              <a:t> IETF Online</a:t>
+            </a:r>
+          </a:p>
+        </p:txBody>
+      </p:sp>
+      <p:sp>
+        <p:nvSpPr>
+          <p:cNvPr id="5" name="Slide Number Placeholder 4">
+            <a:extLst>
+              <a:ext uri="{FF2B5EF4-FFF2-40B4-BE49-F238E27FC236}">
+                <a16:creationId xmlns:a16="http://schemas.microsoft.com/office/drawing/2014/main" id="{62DF7D69-BCF6-2D4A-A3F1-2D32C59355D3}"/>
+              </a:ext>
+            </a:extLst>
+          </p:cNvPr>
+          <p:cNvSpPr>
+            <a:spLocks noGrp="1"/>
+          </p:cNvSpPr>
+          <p:nvPr>
+            <p:ph type="sldNum" sz="quarter" idx="12"/>
+          </p:nvPr>
+        </p:nvSpPr>
+        <p:spPr/>
+        <p:txBody>
+          <a:bodyPr/>
+          <a:lstStyle/>
+          <a:p>
+            <a:pPr>
+              <a:defRPr/>
+            </a:pPr>
+            <a:fld id="{BD6E0F59-1DD8-40FC-9C92-B6295CBA6CCA}" type="slidenum">
+              <a:rPr lang="en-US" altLang="zh-CN" smtClean="0"/>
+              <a:pPr>
+                <a:defRPr/>
+              </a:pPr>
+              <a:t>26</a:t>
+            </a:fld>
+            <a:endParaRPr lang="en-US" altLang="zh-CN" dirty="0"/>
+          </a:p>
+        </p:txBody>
+      </p:sp>
+      <p:sp>
+        <p:nvSpPr>
+          <p:cNvPr id="6" name="Rectangle 5">
+            <a:extLst>
+              <a:ext uri="{FF2B5EF4-FFF2-40B4-BE49-F238E27FC236}">
+                <a16:creationId xmlns:a16="http://schemas.microsoft.com/office/drawing/2014/main" id="{E614F343-6DC2-A943-8496-BE1E2B6072CE}"/>
+              </a:ext>
+            </a:extLst>
+          </p:cNvPr>
+          <p:cNvSpPr/>
+          <p:nvPr/>
+        </p:nvSpPr>
+        <p:spPr>
+          <a:xfrm>
+            <a:off x="2590800" y="793671"/>
+            <a:ext cx="5791200" cy="3970318"/>
+          </a:xfrm>
+          <a:prstGeom prst="rect">
+            <a:avLst/>
+          </a:prstGeom>
+          <a:solidFill>
+            <a:schemeClr val="accent6">
+              <a:lumMod val="20000"/>
+              <a:lumOff val="80000"/>
+            </a:schemeClr>
+          </a:solidFill>
+        </p:spPr>
+        <p:txBody>
+          <a:bodyPr wrap="square">
+            <a:spAutoFit/>
+          </a:bodyPr>
+          <a:lstStyle/>
+          <a:p>
+            <a:r>
+              <a:rPr lang="en-CA" sz="900" dirty="0">
+                <a:latin typeface="Courier" pitchFamily="2" charset="0"/>
+              </a:rPr>
+              <a:t>   0                   1                   2                   3</a:t>
+            </a:r>
+          </a:p>
+          <a:p>
+            <a:r>
+              <a:rPr lang="en-CA" sz="900" dirty="0">
+                <a:latin typeface="Courier" pitchFamily="2" charset="0"/>
+              </a:rPr>
+              <a:t>   0 1 2 3 4 5 6 7 8 9 0 1 2 3 4 5 6 7 8 9 0 1 2 3 4 5 6 7 8 9 0 1</a:t>
+            </a:r>
+          </a:p>
+          <a:p>
+            <a:r>
+              <a:rPr lang="en-CA" sz="900" dirty="0">
+                <a:latin typeface="Courier" pitchFamily="2" charset="0"/>
+              </a:rPr>
+              <a:t>   +-+-+-+-+-+-+-+-+-+-+-+-+-+-+-+-+-+-+-+-+-+-+-+-+-+-+-+-+-+-+-+-+</a:t>
+            </a:r>
+          </a:p>
+          <a:p>
+            <a:r>
+              <a:rPr lang="en-CA" sz="900" dirty="0">
+                <a:latin typeface="Courier" pitchFamily="2" charset="0"/>
+              </a:rPr>
+              <a:t>   | IOAM Indicator Label                  | TC  |1|  TTL          |</a:t>
+            </a:r>
+          </a:p>
+          <a:p>
+            <a:r>
+              <a:rPr lang="en-CA" sz="900" dirty="0">
+                <a:latin typeface="Courier" pitchFamily="2" charset="0"/>
+              </a:rPr>
+              <a:t>   +-+-+-+-+-+-+-+-+-+-+-+-+-+-+-+-+-+-+-+-+-+-+-+-+-+-+-+-+-+-+-+-+&lt;-+</a:t>
+            </a:r>
+          </a:p>
+          <a:p>
+            <a:r>
+              <a:rPr lang="en-CA" sz="900" dirty="0">
+                <a:latin typeface="Courier" pitchFamily="2" charset="0"/>
+              </a:rPr>
+              <a:t>   |0 0 0 1|Version| Reserved      | IOAM G-</a:t>
+            </a:r>
+            <a:r>
+              <a:rPr lang="en-CA" sz="900" dirty="0" err="1">
+                <a:latin typeface="Courier" pitchFamily="2" charset="0"/>
+              </a:rPr>
+              <a:t>ACh</a:t>
+            </a:r>
+            <a:r>
+              <a:rPr lang="en-CA" sz="900" dirty="0">
+                <a:latin typeface="Courier" pitchFamily="2" charset="0"/>
+              </a:rPr>
+              <a:t>                    |  |</a:t>
+            </a:r>
+          </a:p>
+          <a:p>
+            <a:r>
+              <a:rPr lang="en-CA" sz="900" dirty="0">
+                <a:latin typeface="Courier" pitchFamily="2" charset="0"/>
+              </a:rPr>
+              <a:t>   +-+-+-+-+-+-+-+-+-+-+-+-+-+-+-+-+-+-+-+-+-+-+-+-+-+-+-+-+-+-+-+-+  |</a:t>
+            </a:r>
+          </a:p>
+          <a:p>
+            <a:r>
+              <a:rPr lang="en-CA" sz="900" dirty="0">
+                <a:latin typeface="Courier" pitchFamily="2" charset="0"/>
+              </a:rPr>
+              <a:t>   | Reserved      | Block Number  | IOAM-OPT-Type |</a:t>
+            </a:r>
+            <a:r>
+              <a:rPr lang="en-CA" sz="900" dirty="0">
+                <a:solidFill>
+                  <a:srgbClr val="0070C0"/>
+                </a:solidFill>
+                <a:latin typeface="Courier" pitchFamily="2" charset="0"/>
+              </a:rPr>
+              <a:t>IOAM HDR Length</a:t>
+            </a:r>
+            <a:r>
+              <a:rPr lang="en-CA" sz="900" dirty="0">
+                <a:latin typeface="Courier" pitchFamily="2" charset="0"/>
+              </a:rPr>
+              <a:t>|  |</a:t>
+            </a:r>
+          </a:p>
+          <a:p>
+            <a:r>
+              <a:rPr lang="en-CA" sz="900" dirty="0">
+                <a:latin typeface="Courier" pitchFamily="2" charset="0"/>
+              </a:rPr>
+              <a:t>   +-+-+-+-+-+-+-+-+-+-+-+-+-+-+-+-+-+-+-+-+-+-+-+-+-+-+-+-+-+-+-+-+  I</a:t>
+            </a:r>
+          </a:p>
+          <a:p>
+            <a:r>
+              <a:rPr lang="en-CA" sz="900" dirty="0">
+                <a:latin typeface="Courier" pitchFamily="2" charset="0"/>
+              </a:rPr>
+              <a:t>   |                                                               |  O</a:t>
+            </a:r>
+          </a:p>
+          <a:p>
+            <a:r>
+              <a:rPr lang="en-CA" sz="900" dirty="0">
+                <a:latin typeface="Courier" pitchFamily="2" charset="0"/>
+              </a:rPr>
+              <a:t>   |                                                               |  A</a:t>
+            </a:r>
+          </a:p>
+          <a:p>
+            <a:r>
+              <a:rPr lang="en-CA" sz="900" dirty="0">
+                <a:latin typeface="Courier" pitchFamily="2" charset="0"/>
+              </a:rPr>
+              <a:t>   ~                 IOAM Option and Data Space                    ~  M</a:t>
+            </a:r>
+          </a:p>
+          <a:p>
+            <a:r>
+              <a:rPr lang="en-CA" sz="900" dirty="0">
+                <a:latin typeface="Courier" pitchFamily="2" charset="0"/>
+              </a:rPr>
+              <a:t>   |                                                               |  |</a:t>
+            </a:r>
+          </a:p>
+          <a:p>
+            <a:r>
+              <a:rPr lang="en-CA" sz="900" dirty="0">
+                <a:latin typeface="Courier" pitchFamily="2" charset="0"/>
+              </a:rPr>
+              <a:t>   |                                                               |  |</a:t>
+            </a:r>
+          </a:p>
+          <a:p>
+            <a:r>
+              <a:rPr lang="en-CA" sz="900" dirty="0">
+                <a:latin typeface="Courier" pitchFamily="2" charset="0"/>
+              </a:rPr>
+              <a:t>   +-+-+-+-+-+-+-+-+-+-+-+-+-+-+-+-+-+-+-+-+-+-+-+-+-+-+-+-+-+-+-+-+&lt;-+</a:t>
+            </a:r>
+          </a:p>
+          <a:p>
+            <a:r>
+              <a:rPr lang="en-CA" sz="900" dirty="0">
+                <a:solidFill>
+                  <a:srgbClr val="0070C0"/>
+                </a:solidFill>
+                <a:latin typeface="Courier" pitchFamily="2" charset="0"/>
+              </a:rPr>
+              <a:t>   |0 0 0 0| </a:t>
+            </a:r>
+            <a:r>
+              <a:rPr lang="en-CA" sz="900" dirty="0" err="1">
+                <a:solidFill>
+                  <a:srgbClr val="0070C0"/>
+                </a:solidFill>
+                <a:latin typeface="Courier" pitchFamily="2" charset="0"/>
+              </a:rPr>
+              <a:t>Rsved</a:t>
+            </a:r>
+            <a:r>
+              <a:rPr lang="en-CA" sz="900" dirty="0">
+                <a:solidFill>
+                  <a:srgbClr val="0070C0"/>
+                </a:solidFill>
+                <a:latin typeface="Courier" pitchFamily="2" charset="0"/>
+              </a:rPr>
+              <a:t> | This Header   | Header Length | Next Header   |</a:t>
+            </a:r>
+          </a:p>
+          <a:p>
+            <a:r>
+              <a:rPr lang="en-CA" sz="900" dirty="0">
+                <a:solidFill>
+                  <a:srgbClr val="0070C0"/>
+                </a:solidFill>
+                <a:latin typeface="Courier" pitchFamily="2" charset="0"/>
+              </a:rPr>
+              <a:t>   +-+-+-+-+-+-+-+-+-+-+-+-+-+-+-+-+-+-+-+-+-+-+-+-+-+-+-+-+-+-+-+-+</a:t>
+            </a:r>
+          </a:p>
+          <a:p>
+            <a:r>
+              <a:rPr lang="en-CA" sz="900" dirty="0">
+                <a:solidFill>
+                  <a:srgbClr val="0070C0"/>
+                </a:solidFill>
+                <a:latin typeface="Courier" pitchFamily="2" charset="0"/>
+              </a:rPr>
+              <a:t>   ~              Variable field per “This header”                 ~</a:t>
+            </a:r>
+          </a:p>
+          <a:p>
+            <a:r>
+              <a:rPr lang="en-CA" sz="900" dirty="0">
+                <a:solidFill>
+                  <a:srgbClr val="0070C0"/>
+                </a:solidFill>
+                <a:latin typeface="Courier" pitchFamily="2" charset="0"/>
+              </a:rPr>
+              <a:t>   +-+-+-+-+-+-+-+-+-+-+-+-+-+-+-+-+-+-+-+-+-+-+-+-+-+-+-+-+-+-+-+-+</a:t>
+            </a:r>
+          </a:p>
+          <a:p>
+            <a:r>
+              <a:rPr lang="en-CA" sz="900" dirty="0">
+                <a:solidFill>
+                  <a:srgbClr val="C00000"/>
+                </a:solidFill>
+                <a:latin typeface="Courier" pitchFamily="2" charset="0"/>
+              </a:rPr>
+              <a:t>  </a:t>
+            </a:r>
+            <a:r>
+              <a:rPr lang="en-CA" sz="900" dirty="0">
+                <a:latin typeface="Courier" pitchFamily="2" charset="0"/>
+              </a:rPr>
+              <a:t> |                                                               |</a:t>
+            </a:r>
+          </a:p>
+          <a:p>
+            <a:r>
+              <a:rPr lang="en-CA" sz="900" dirty="0">
+                <a:latin typeface="Courier" pitchFamily="2" charset="0"/>
+              </a:rPr>
+              <a:t>   |                                                               |</a:t>
+            </a:r>
+          </a:p>
+          <a:p>
+            <a:r>
+              <a:rPr lang="en-CA" sz="900" dirty="0">
+                <a:latin typeface="Courier" pitchFamily="2" charset="0"/>
+              </a:rPr>
+              <a:t>   ~                 Payload Packet                                ~</a:t>
+            </a:r>
+          </a:p>
+          <a:p>
+            <a:r>
+              <a:rPr lang="en-CA" sz="900" dirty="0">
+                <a:latin typeface="Courier" pitchFamily="2" charset="0"/>
+              </a:rPr>
+              <a:t>   |                                                               |</a:t>
+            </a:r>
+          </a:p>
+          <a:p>
+            <a:r>
+              <a:rPr lang="en-CA" sz="900" dirty="0">
+                <a:latin typeface="Courier" pitchFamily="2" charset="0"/>
+              </a:rPr>
+              <a:t>   |                                                               |</a:t>
+            </a:r>
+          </a:p>
+          <a:p>
+            <a:r>
+              <a:rPr lang="en-CA" sz="900" dirty="0">
+                <a:latin typeface="Courier" pitchFamily="2" charset="0"/>
+              </a:rPr>
+              <a:t>   +-+-+-+-+-+-+-+-+-+-+-+-+-+-+-+-+-+-+-+-+-+-+-+-+-+-+-+-+-+-+-+-+</a:t>
+            </a:r>
+          </a:p>
+          <a:p>
+            <a:r>
+              <a:rPr lang="en-CA" sz="900" dirty="0">
+                <a:latin typeface="Courier" pitchFamily="2" charset="0"/>
+              </a:rPr>
+              <a:t> </a:t>
+            </a:r>
+          </a:p>
+          <a:p>
+            <a:r>
+              <a:rPr lang="en-CA" sz="900" dirty="0">
+                <a:latin typeface="Courier" pitchFamily="2" charset="0"/>
+              </a:rPr>
+              <a:t>Figure: MPLS Encapsulation with Generic Delivery Functions with IOAM Data Fields</a:t>
+            </a:r>
+            <a:endParaRPr lang="en-CA" sz="900" dirty="0">
+              <a:latin typeface="Courier" pitchFamily="2" charset="0"/>
+              <a:ea typeface="Calibri" panose="020F0502020204030204" pitchFamily="34" charset="0"/>
+              <a:cs typeface="Times New Roman" panose="02020603050405020304" pitchFamily="18" charset="0"/>
+            </a:endParaRPr>
+          </a:p>
+        </p:txBody>
+      </p:sp>
+      <p:sp>
+        <p:nvSpPr>
+          <p:cNvPr id="7" name="Rectangle 6">
+            <a:extLst>
+              <a:ext uri="{FF2B5EF4-FFF2-40B4-BE49-F238E27FC236}">
+                <a16:creationId xmlns:a16="http://schemas.microsoft.com/office/drawing/2014/main" id="{AF26C24A-B63C-7045-B4DF-BFCC4C5A3608}"/>
+              </a:ext>
+            </a:extLst>
+          </p:cNvPr>
+          <p:cNvSpPr/>
+          <p:nvPr/>
+        </p:nvSpPr>
+        <p:spPr>
+          <a:xfrm>
+            <a:off x="114300" y="3556640"/>
+            <a:ext cx="2476500" cy="1015663"/>
+          </a:xfrm>
+          <a:prstGeom prst="rect">
+            <a:avLst/>
+          </a:prstGeom>
+        </p:spPr>
+        <p:txBody>
+          <a:bodyPr wrap="square">
+            <a:spAutoFit/>
+          </a:bodyPr>
+          <a:lstStyle/>
+          <a:p>
+            <a:pPr marL="171450" indent="-171450">
+              <a:buFont typeface="Arial" panose="020B0604020202020204" pitchFamily="34" charset="0"/>
+              <a:buChar char="•"/>
+            </a:pPr>
+            <a:r>
+              <a:rPr lang="en-US" sz="1000" dirty="0">
+                <a:hlinkClick r:id="rId2"/>
+              </a:rPr>
+              <a:t>https://datatracker.ietf.org/doc/draft-zzhang-intarea-generic-delivery-functions/</a:t>
+            </a:r>
+            <a:endParaRPr lang="en-US" sz="1000" dirty="0"/>
+          </a:p>
+          <a:p>
+            <a:pPr marL="171450" indent="-171450">
+              <a:buFont typeface="Arial" panose="020B0604020202020204" pitchFamily="34" charset="0"/>
+              <a:buChar char="•"/>
+            </a:pPr>
+            <a:endParaRPr lang="en-US" sz="1000" dirty="0"/>
+          </a:p>
+          <a:p>
+            <a:pPr marL="171450" indent="-171450">
+              <a:buFont typeface="Arial" panose="020B0604020202020204" pitchFamily="34" charset="0"/>
+              <a:buChar char="•"/>
+            </a:pPr>
+            <a:r>
+              <a:rPr lang="en-US" sz="1000" dirty="0"/>
+              <a:t>GDF Ingress/Egress Nodes only.</a:t>
+            </a:r>
+          </a:p>
+          <a:p>
+            <a:pPr marL="171450" indent="-171450">
+              <a:buFont typeface="Arial" panose="020B0604020202020204" pitchFamily="34" charset="0"/>
+              <a:buChar char="•"/>
+            </a:pPr>
+            <a:r>
+              <a:rPr lang="en-US" sz="1000" dirty="0"/>
+              <a:t>GDF has no Hop-by-hop processing</a:t>
+            </a:r>
+          </a:p>
+        </p:txBody>
+      </p:sp>
+    </p:spTree>
+    <p:extLst>
+      <p:ext uri="{BB962C8B-B14F-4D97-AF65-F5344CB8AC3E}">
+        <p14:creationId xmlns:p14="http://schemas.microsoft.com/office/powerpoint/2010/main" val="2472066818"/>
+      </p:ext>
+    </p:extLst>
+  </p:cSld>
+  <p:clrMapOvr>
+    <a:masterClrMapping/>
+  </p:clrMapOvr>
+</p:sld>
+</file>
+
+<file path=ppt/slides/slide27.xml><?xml version="1.0" encoding="utf-8"?>
+<p:sld xmlns:a="http://schemas.openxmlformats.org/drawingml/2006/main" xmlns:r="http://schemas.openxmlformats.org/officeDocument/2006/relationships" xmlns:p="http://schemas.openxmlformats.org/presentationml/2006/main">
+  <p:cSld>
+    <p:spTree>
+      <p:nvGrpSpPr>
+        <p:cNvPr id="1" name=""/>
+        <p:cNvGrpSpPr/>
+        <p:nvPr/>
+      </p:nvGrpSpPr>
+      <p:grpSpPr>
+        <a:xfrm>
+          <a:off x="0" y="0"/>
+          <a:ext cx="0" cy="0"/>
+          <a:chOff x="0" y="0"/>
+          <a:chExt cx="0" cy="0"/>
+        </a:xfrm>
+      </p:grpSpPr>
+      <p:sp>
+        <p:nvSpPr>
+          <p:cNvPr id="2" name="Title 1">
+            <a:extLst>
+              <a:ext uri="{FF2B5EF4-FFF2-40B4-BE49-F238E27FC236}">
+                <a16:creationId xmlns:a16="http://schemas.microsoft.com/office/drawing/2014/main" id="{16C5255E-BE42-5348-AC0F-6257873BBB61}"/>
+              </a:ext>
+            </a:extLst>
+          </p:cNvPr>
+          <p:cNvSpPr>
+            <a:spLocks noGrp="1"/>
+          </p:cNvSpPr>
+          <p:nvPr>
+            <p:ph type="title"/>
+          </p:nvPr>
+        </p:nvSpPr>
+        <p:spPr>
+          <a:xfrm>
+            <a:off x="0" y="0"/>
+            <a:ext cx="8839200" cy="717589"/>
+          </a:xfrm>
+        </p:spPr>
+        <p:txBody>
+          <a:bodyPr/>
+          <a:lstStyle/>
+          <a:p>
+            <a:r>
+              <a:rPr lang="en-US" sz="2400" dirty="0">
+                <a:solidFill>
+                  <a:srgbClr val="0070C0"/>
+                </a:solidFill>
+                <a:latin typeface="Calibri Light" panose="020F0302020204030204" pitchFamily="34" charset="0"/>
+                <a:cs typeface="Calibri Light" panose="020F0302020204030204" pitchFamily="34" charset="0"/>
+              </a:rPr>
+              <a:t>Example 3 - </a:t>
+            </a:r>
+            <a:r>
+              <a:rPr lang="en-US" sz="2400" dirty="0" err="1">
+                <a:solidFill>
+                  <a:srgbClr val="0070C0"/>
+                </a:solidFill>
+                <a:latin typeface="Calibri Light" panose="020F0302020204030204" pitchFamily="34" charset="0"/>
+                <a:cs typeface="Calibri Light" panose="020F0302020204030204" pitchFamily="34" charset="0"/>
+              </a:rPr>
+              <a:t>DetNet</a:t>
+            </a:r>
+            <a:r>
+              <a:rPr lang="en-US" sz="2400" dirty="0">
+                <a:solidFill>
+                  <a:srgbClr val="0070C0"/>
+                </a:solidFill>
+                <a:latin typeface="Calibri Light" panose="020F0302020204030204" pitchFamily="34" charset="0"/>
+                <a:cs typeface="Calibri Light" panose="020F0302020204030204" pitchFamily="34" charset="0"/>
+              </a:rPr>
+              <a:t> Control Word [RFC8964] </a:t>
+            </a:r>
+            <a:r>
+              <a:rPr lang="en-CA" sz="2400" dirty="0">
+                <a:solidFill>
+                  <a:srgbClr val="0070C0"/>
+                </a:solidFill>
+                <a:latin typeface="Calibri Light" panose="020F0302020204030204" pitchFamily="34" charset="0"/>
+                <a:cs typeface="Calibri Light" panose="020F0302020204030204" pitchFamily="34" charset="0"/>
+              </a:rPr>
+              <a:t>with IOAM Data Fields</a:t>
+            </a:r>
+            <a:r>
+              <a:rPr lang="en-US" sz="2400" dirty="0">
+                <a:solidFill>
+                  <a:srgbClr val="0070C0"/>
+                </a:solidFill>
+                <a:latin typeface="Calibri Light" panose="020F0302020204030204" pitchFamily="34" charset="0"/>
+                <a:cs typeface="Calibri Light" panose="020F0302020204030204" pitchFamily="34" charset="0"/>
+              </a:rPr>
+              <a:t> </a:t>
+            </a:r>
+          </a:p>
+        </p:txBody>
+      </p:sp>
+      <p:sp>
+        <p:nvSpPr>
+          <p:cNvPr id="4" name="Footer Placeholder 3">
+            <a:extLst>
+              <a:ext uri="{FF2B5EF4-FFF2-40B4-BE49-F238E27FC236}">
+                <a16:creationId xmlns:a16="http://schemas.microsoft.com/office/drawing/2014/main" id="{CF70CC82-C055-3645-9254-87CEC1C49032}"/>
+              </a:ext>
+            </a:extLst>
+          </p:cNvPr>
+          <p:cNvSpPr>
+            <a:spLocks noGrp="1"/>
+          </p:cNvSpPr>
+          <p:nvPr>
+            <p:ph type="ftr" sz="quarter" idx="11"/>
+          </p:nvPr>
+        </p:nvSpPr>
+        <p:spPr>
+          <a:xfrm>
+            <a:off x="3124200" y="4786312"/>
+            <a:ext cx="2895600" cy="357188"/>
+          </a:xfrm>
+        </p:spPr>
+        <p:txBody>
+          <a:bodyPr/>
+          <a:lstStyle/>
+          <a:p>
+            <a:pPr>
+              <a:defRPr/>
+            </a:pPr>
+            <a:r>
+              <a:rPr lang="en-US" altLang="zh-CN" dirty="0"/>
+              <a:t>110</a:t>
+            </a:r>
+            <a:r>
+              <a:rPr lang="en-US" altLang="zh-CN" baseline="30000" dirty="0"/>
+              <a:t>th</a:t>
+            </a:r>
+            <a:r>
+              <a:rPr lang="en-US" altLang="zh-CN" dirty="0"/>
+              <a:t> IETF Online</a:t>
+            </a:r>
+          </a:p>
+        </p:txBody>
+      </p:sp>
+      <p:sp>
+        <p:nvSpPr>
+          <p:cNvPr id="5" name="Slide Number Placeholder 4">
+            <a:extLst>
+              <a:ext uri="{FF2B5EF4-FFF2-40B4-BE49-F238E27FC236}">
+                <a16:creationId xmlns:a16="http://schemas.microsoft.com/office/drawing/2014/main" id="{62DF7D69-BCF6-2D4A-A3F1-2D32C59355D3}"/>
+              </a:ext>
+            </a:extLst>
+          </p:cNvPr>
+          <p:cNvSpPr>
+            <a:spLocks noGrp="1"/>
+          </p:cNvSpPr>
+          <p:nvPr>
+            <p:ph type="sldNum" sz="quarter" idx="12"/>
+          </p:nvPr>
+        </p:nvSpPr>
+        <p:spPr/>
+        <p:txBody>
+          <a:bodyPr/>
+          <a:lstStyle/>
+          <a:p>
+            <a:pPr>
+              <a:defRPr/>
+            </a:pPr>
+            <a:fld id="{BD6E0F59-1DD8-40FC-9C92-B6295CBA6CCA}" type="slidenum">
+              <a:rPr lang="en-US" altLang="zh-CN" smtClean="0"/>
+              <a:pPr>
+                <a:defRPr/>
+              </a:pPr>
+              <a:t>27</a:t>
+            </a:fld>
+            <a:endParaRPr lang="en-US" altLang="zh-CN" dirty="0"/>
+          </a:p>
+        </p:txBody>
+      </p:sp>
+      <p:sp>
+        <p:nvSpPr>
+          <p:cNvPr id="6" name="Rectangle 5">
+            <a:extLst>
+              <a:ext uri="{FF2B5EF4-FFF2-40B4-BE49-F238E27FC236}">
+                <a16:creationId xmlns:a16="http://schemas.microsoft.com/office/drawing/2014/main" id="{E614F343-6DC2-A943-8496-BE1E2B6072CE}"/>
+              </a:ext>
+            </a:extLst>
+          </p:cNvPr>
+          <p:cNvSpPr/>
+          <p:nvPr/>
+        </p:nvSpPr>
+        <p:spPr>
+          <a:xfrm>
+            <a:off x="1905000" y="711150"/>
+            <a:ext cx="5257800" cy="4247317"/>
+          </a:xfrm>
+          <a:prstGeom prst="rect">
+            <a:avLst/>
+          </a:prstGeom>
+          <a:solidFill>
+            <a:schemeClr val="accent6">
+              <a:lumMod val="20000"/>
+              <a:lumOff val="80000"/>
+            </a:schemeClr>
+          </a:solidFill>
+        </p:spPr>
+        <p:txBody>
+          <a:bodyPr wrap="square">
+            <a:spAutoFit/>
+          </a:bodyPr>
+          <a:lstStyle/>
+          <a:p>
+            <a:r>
+              <a:rPr lang="en-CA" sz="900" dirty="0">
+                <a:latin typeface="Courier" pitchFamily="2" charset="0"/>
+              </a:rPr>
+              <a:t>   0                   1                   2                   3</a:t>
+            </a:r>
+          </a:p>
+          <a:p>
+            <a:r>
+              <a:rPr lang="en-CA" sz="900" dirty="0">
+                <a:latin typeface="Courier" pitchFamily="2" charset="0"/>
+              </a:rPr>
+              <a:t>   0 1 2 3 4 5 6 7 8 9 0 1 2 3 4 5 6 7 8 9 0 1 2 3 4 5 6 7 8 9 0 1</a:t>
+            </a:r>
+          </a:p>
+          <a:p>
+            <a:r>
+              <a:rPr lang="en-CA" sz="900" dirty="0">
+                <a:latin typeface="Courier" pitchFamily="2" charset="0"/>
+              </a:rPr>
+              <a:t>   +-+-+-+-+-+-+-+-+-+-+-+-+-+-+-+-+-+-+-+-+-+-+-+-+-+-+-+-+-+-+-+-+</a:t>
+            </a:r>
+          </a:p>
+          <a:p>
+            <a:r>
+              <a:rPr lang="en-CA" sz="900" dirty="0">
+                <a:latin typeface="Courier" pitchFamily="2" charset="0"/>
+              </a:rPr>
+              <a:t>   | [F-Label(s)]                          | TC  |S|  TTL          |</a:t>
+            </a:r>
+          </a:p>
+          <a:p>
+            <a:r>
+              <a:rPr lang="en-CA" sz="900" dirty="0">
+                <a:latin typeface="Courier" pitchFamily="2" charset="0"/>
+              </a:rPr>
+              <a:t>   +-+-+-+-+-+-+-+-+-+-+-+-+-+-+-+-+-+-+-+-+-+-+-+-+-+-+-+-+-+-+-+-+</a:t>
+            </a:r>
+          </a:p>
+          <a:p>
+            <a:r>
+              <a:rPr lang="en-CA" sz="900" dirty="0">
+                <a:latin typeface="Courier" pitchFamily="2" charset="0"/>
+              </a:rPr>
+              <a:t>   | S-Label                               | TC  |S|  TTL          |</a:t>
+            </a:r>
+          </a:p>
+          <a:p>
+            <a:r>
+              <a:rPr lang="en-CA" sz="900" dirty="0">
+                <a:latin typeface="Courier" pitchFamily="2" charset="0"/>
+              </a:rPr>
+              <a:t>   +-+-+-+-+-+-+-+-+-+-+-+-+-+-+-+-+-+-+-+-+-+-+-+-+-+-+-+-+-+-+-+-+</a:t>
+            </a:r>
+          </a:p>
+          <a:p>
+            <a:r>
+              <a:rPr lang="en-CA" sz="900" dirty="0">
+                <a:latin typeface="Courier" pitchFamily="2" charset="0"/>
+              </a:rPr>
+              <a:t>   | IOAM Indicator Label                  | TC  |1|  TTL          |</a:t>
+            </a:r>
+          </a:p>
+          <a:p>
+            <a:r>
+              <a:rPr lang="en-CA" sz="900" dirty="0">
+                <a:latin typeface="Courier" pitchFamily="2" charset="0"/>
+              </a:rPr>
+              <a:t>   +-+-+-+-+-+-+-+-+-+-+-+-+-+-+-+-+-+-+-+-+-+-+-+-+-+-+-+-+-+-+-+-+&lt;-+</a:t>
+            </a:r>
+          </a:p>
+          <a:p>
+            <a:r>
+              <a:rPr lang="en-CA" sz="900" dirty="0">
+                <a:latin typeface="Courier" pitchFamily="2" charset="0"/>
+              </a:rPr>
+              <a:t>   |0 0 0 1|Version| Reserved      | IOAM G-</a:t>
+            </a:r>
+            <a:r>
+              <a:rPr lang="en-CA" sz="900" dirty="0" err="1">
+                <a:latin typeface="Courier" pitchFamily="2" charset="0"/>
+              </a:rPr>
+              <a:t>ACh</a:t>
+            </a:r>
+            <a:r>
+              <a:rPr lang="en-CA" sz="900" dirty="0">
+                <a:latin typeface="Courier" pitchFamily="2" charset="0"/>
+              </a:rPr>
+              <a:t>                    |  |</a:t>
+            </a:r>
+          </a:p>
+          <a:p>
+            <a:r>
+              <a:rPr lang="en-CA" sz="900" dirty="0">
+                <a:latin typeface="Courier" pitchFamily="2" charset="0"/>
+              </a:rPr>
+              <a:t>   +-+-+-+-+-+-+-+-+-+-+-+-+-+-+-+-+-+-+-+-+-+-+-+-+-+-+-+-+-+-+-+-+  |</a:t>
+            </a:r>
+          </a:p>
+          <a:p>
+            <a:r>
+              <a:rPr lang="en-CA" sz="900" dirty="0">
+                <a:latin typeface="Courier" pitchFamily="2" charset="0"/>
+              </a:rPr>
+              <a:t>   | Reserved      | Block Number  | IOAM-OPT-Type |</a:t>
+            </a:r>
+            <a:r>
+              <a:rPr lang="en-CA" sz="900" dirty="0">
+                <a:solidFill>
+                  <a:srgbClr val="0070C0"/>
+                </a:solidFill>
+                <a:latin typeface="Courier" pitchFamily="2" charset="0"/>
+              </a:rPr>
+              <a:t>IOAM HDR Length</a:t>
+            </a:r>
+            <a:r>
+              <a:rPr lang="en-CA" sz="900" dirty="0">
+                <a:latin typeface="Courier" pitchFamily="2" charset="0"/>
+              </a:rPr>
+              <a:t>|  |</a:t>
+            </a:r>
+          </a:p>
+          <a:p>
+            <a:r>
+              <a:rPr lang="en-CA" sz="900" dirty="0">
+                <a:latin typeface="Courier" pitchFamily="2" charset="0"/>
+              </a:rPr>
+              <a:t>   +-+-+-+-+-+-+-+-+-+-+-+-+-+-+-+-+-+-+-+-+-+-+-+-+-+-+-+-+-+-+-+-+  I</a:t>
+            </a:r>
+          </a:p>
+          <a:p>
+            <a:r>
+              <a:rPr lang="en-CA" sz="900" dirty="0">
+                <a:latin typeface="Courier" pitchFamily="2" charset="0"/>
+              </a:rPr>
+              <a:t>   |                                                               |  O</a:t>
+            </a:r>
+          </a:p>
+          <a:p>
+            <a:r>
+              <a:rPr lang="en-CA" sz="900" dirty="0">
+                <a:latin typeface="Courier" pitchFamily="2" charset="0"/>
+              </a:rPr>
+              <a:t>   |                                                               |  A</a:t>
+            </a:r>
+          </a:p>
+          <a:p>
+            <a:r>
+              <a:rPr lang="en-CA" sz="900" dirty="0">
+                <a:latin typeface="Courier" pitchFamily="2" charset="0"/>
+              </a:rPr>
+              <a:t>   ~                 IOAM Option and Data Space                    ~  M</a:t>
+            </a:r>
+          </a:p>
+          <a:p>
+            <a:r>
+              <a:rPr lang="en-CA" sz="900" dirty="0">
+                <a:latin typeface="Courier" pitchFamily="2" charset="0"/>
+              </a:rPr>
+              <a:t>   |                                                               |  |</a:t>
+            </a:r>
+          </a:p>
+          <a:p>
+            <a:r>
+              <a:rPr lang="en-CA" sz="900" dirty="0">
+                <a:latin typeface="Courier" pitchFamily="2" charset="0"/>
+              </a:rPr>
+              <a:t>   |                                                               |  |</a:t>
+            </a:r>
+          </a:p>
+          <a:p>
+            <a:r>
+              <a:rPr lang="en-CA" sz="900" dirty="0">
+                <a:latin typeface="Courier" pitchFamily="2" charset="0"/>
+              </a:rPr>
+              <a:t>   +-+-+-+-+-+-+-+-+-+-+-+-+-+-+-+-+-+-+-+-+-+-+-+-+-+-+-+-+-+-+-+-+&lt;-+</a:t>
+            </a:r>
+          </a:p>
+          <a:p>
+            <a:r>
+              <a:rPr lang="en-CA" sz="900" dirty="0">
+                <a:solidFill>
+                  <a:srgbClr val="C00000"/>
+                </a:solidFill>
+                <a:latin typeface="Courier" pitchFamily="2" charset="0"/>
+              </a:rPr>
+              <a:t>   </a:t>
+            </a:r>
+            <a:r>
+              <a:rPr lang="en-CA" sz="900" dirty="0">
+                <a:solidFill>
+                  <a:srgbClr val="0070C0"/>
+                </a:solidFill>
+                <a:latin typeface="Courier" pitchFamily="2" charset="0"/>
+              </a:rPr>
+              <a:t>|0 0 0 0| Sequence Number (</a:t>
+            </a:r>
+            <a:r>
+              <a:rPr lang="en-CA" sz="900" dirty="0" err="1">
+                <a:solidFill>
+                  <a:srgbClr val="0070C0"/>
+                </a:solidFill>
+                <a:latin typeface="Courier" pitchFamily="2" charset="0"/>
+              </a:rPr>
+              <a:t>DetNet</a:t>
+            </a:r>
+            <a:r>
+              <a:rPr lang="en-CA" sz="900" dirty="0">
+                <a:solidFill>
+                  <a:srgbClr val="0070C0"/>
+                </a:solidFill>
+                <a:latin typeface="Courier" pitchFamily="2" charset="0"/>
+              </a:rPr>
+              <a:t> Control Word)                 |</a:t>
+            </a:r>
+          </a:p>
+          <a:p>
+            <a:r>
+              <a:rPr lang="en-CA" sz="900" dirty="0">
+                <a:solidFill>
+                  <a:srgbClr val="0070C0"/>
+                </a:solidFill>
+                <a:latin typeface="Courier" pitchFamily="2" charset="0"/>
+              </a:rPr>
+              <a:t>   +-+-+-+-+-+-+-+-+-+-+-+-+-+-+-+-+-+-+-+-+-+-+-+-+-+-+-+-+-+-+-+-+</a:t>
+            </a:r>
+          </a:p>
+          <a:p>
+            <a:r>
+              <a:rPr lang="en-CA" sz="900" dirty="0">
+                <a:latin typeface="Courier" pitchFamily="2" charset="0"/>
+              </a:rPr>
+              <a:t>   |                                                               |</a:t>
+            </a:r>
+          </a:p>
+          <a:p>
+            <a:r>
+              <a:rPr lang="en-CA" sz="900" dirty="0">
+                <a:latin typeface="Courier" pitchFamily="2" charset="0"/>
+              </a:rPr>
+              <a:t>   |                                                               |</a:t>
+            </a:r>
+          </a:p>
+          <a:p>
+            <a:r>
+              <a:rPr lang="en-CA" sz="900" dirty="0">
+                <a:latin typeface="Courier" pitchFamily="2" charset="0"/>
+              </a:rPr>
+              <a:t>   ~                 </a:t>
+            </a:r>
+            <a:r>
+              <a:rPr lang="en-CA" sz="900" dirty="0" err="1">
+                <a:latin typeface="Courier" pitchFamily="2" charset="0"/>
+              </a:rPr>
+              <a:t>DetNet</a:t>
+            </a:r>
+            <a:r>
+              <a:rPr lang="en-CA" sz="900" dirty="0">
+                <a:latin typeface="Courier" pitchFamily="2" charset="0"/>
+              </a:rPr>
+              <a:t> Flow                                   ~</a:t>
+            </a:r>
+          </a:p>
+          <a:p>
+            <a:r>
+              <a:rPr lang="en-CA" sz="900" dirty="0">
+                <a:latin typeface="Courier" pitchFamily="2" charset="0"/>
+              </a:rPr>
+              <a:t>   ~                 Payload Packet                                ~</a:t>
+            </a:r>
+          </a:p>
+          <a:p>
+            <a:r>
+              <a:rPr lang="en-CA" sz="900" dirty="0">
+                <a:latin typeface="Courier" pitchFamily="2" charset="0"/>
+              </a:rPr>
+              <a:t>   |                                                               |</a:t>
+            </a:r>
+          </a:p>
+          <a:p>
+            <a:r>
+              <a:rPr lang="en-CA" sz="900" dirty="0">
+                <a:latin typeface="Courier" pitchFamily="2" charset="0"/>
+              </a:rPr>
+              <a:t>   |                                                               |</a:t>
+            </a:r>
+          </a:p>
+          <a:p>
+            <a:r>
+              <a:rPr lang="en-CA" sz="900" dirty="0">
+                <a:latin typeface="Courier" pitchFamily="2" charset="0"/>
+              </a:rPr>
+              <a:t>   +-+-+-+-+-+-+-+-+-+-+-+-+-+-+-+-+-+-+-+-+-+-+-+-+-+-+-+-+-+-+-+-+</a:t>
+            </a:r>
+          </a:p>
+          <a:p>
+            <a:r>
+              <a:rPr lang="en-CA" sz="900" dirty="0">
+                <a:latin typeface="Courier" pitchFamily="2" charset="0"/>
+              </a:rPr>
+              <a:t> </a:t>
+            </a:r>
+          </a:p>
+          <a:p>
+            <a:r>
+              <a:rPr lang="en-CA" sz="900" dirty="0">
+                <a:latin typeface="Courier" pitchFamily="2" charset="0"/>
+              </a:rPr>
+              <a:t>  Figure: Example MPLS Encapsulation with </a:t>
+            </a:r>
+            <a:r>
+              <a:rPr lang="en-CA" sz="900" dirty="0" err="1">
+                <a:latin typeface="Courier" pitchFamily="2" charset="0"/>
+              </a:rPr>
+              <a:t>DetNet</a:t>
+            </a:r>
+            <a:r>
+              <a:rPr lang="en-CA" sz="900" dirty="0">
+                <a:latin typeface="Courier" pitchFamily="2" charset="0"/>
+              </a:rPr>
+              <a:t> with IOAM Data Fields</a:t>
+            </a:r>
+            <a:endParaRPr lang="en-CA" sz="900" dirty="0">
+              <a:latin typeface="Courier" pitchFamily="2" charset="0"/>
+              <a:ea typeface="Calibri" panose="020F0502020204030204" pitchFamily="34" charset="0"/>
+              <a:cs typeface="Times New Roman" panose="02020603050405020304" pitchFamily="18" charset="0"/>
+            </a:endParaRPr>
+          </a:p>
+        </p:txBody>
+      </p:sp>
+    </p:spTree>
+    <p:extLst>
+      <p:ext uri="{BB962C8B-B14F-4D97-AF65-F5344CB8AC3E}">
+        <p14:creationId xmlns:p14="http://schemas.microsoft.com/office/powerpoint/2010/main" val="2787306097"/>
+      </p:ext>
+    </p:extLst>
+  </p:cSld>
+  <p:clrMapOvr>
+    <a:masterClrMapping/>
+  </p:clrMapOvr>
+</p:sld>
+</file>
+
+<file path=ppt/slides/slide28.xml><?xml version="1.0" encoding="utf-8"?>
+<p:sld xmlns:a="http://schemas.openxmlformats.org/drawingml/2006/main" xmlns:r="http://schemas.openxmlformats.org/officeDocument/2006/relationships" xmlns:p="http://schemas.openxmlformats.org/presentationml/2006/main">
+  <p:cSld>
+    <p:spTree>
+      <p:nvGrpSpPr>
+        <p:cNvPr id="1" name=""/>
+        <p:cNvGrpSpPr/>
+        <p:nvPr/>
+      </p:nvGrpSpPr>
+      <p:grpSpPr>
+        <a:xfrm>
+          <a:off x="0" y="0"/>
+          <a:ext cx="0" cy="0"/>
+          <a:chOff x="0" y="0"/>
+          <a:chExt cx="0" cy="0"/>
+        </a:xfrm>
+      </p:grpSpPr>
+      <p:sp>
+        <p:nvSpPr>
+          <p:cNvPr id="2" name="Title 1">
+            <a:extLst>
+              <a:ext uri="{FF2B5EF4-FFF2-40B4-BE49-F238E27FC236}">
+                <a16:creationId xmlns:a16="http://schemas.microsoft.com/office/drawing/2014/main" id="{16C5255E-BE42-5348-AC0F-6257873BBB61}"/>
+              </a:ext>
+            </a:extLst>
+          </p:cNvPr>
+          <p:cNvSpPr>
+            <a:spLocks noGrp="1"/>
+          </p:cNvSpPr>
+          <p:nvPr>
+            <p:ph type="title"/>
+          </p:nvPr>
+        </p:nvSpPr>
+        <p:spPr>
+          <a:xfrm>
+            <a:off x="0" y="0"/>
+            <a:ext cx="9144000" cy="619185"/>
+          </a:xfrm>
+        </p:spPr>
+        <p:txBody>
+          <a:bodyPr/>
+          <a:lstStyle/>
+          <a:p>
+            <a:r>
+              <a:rPr lang="en-US" sz="2400" dirty="0">
+                <a:solidFill>
+                  <a:srgbClr val="0070C0"/>
+                </a:solidFill>
+                <a:latin typeface="Calibri Light" panose="020F0302020204030204" pitchFamily="34" charset="0"/>
+                <a:cs typeface="Calibri Light" panose="020F0302020204030204" pitchFamily="34" charset="0"/>
+              </a:rPr>
+              <a:t>Example 4 - </a:t>
+            </a:r>
+            <a:r>
+              <a:rPr lang="en-US" sz="2400" dirty="0" err="1">
+                <a:solidFill>
+                  <a:srgbClr val="0070C0"/>
+                </a:solidFill>
+                <a:latin typeface="Calibri Light" panose="020F0302020204030204" pitchFamily="34" charset="0"/>
+                <a:cs typeface="Calibri Light" panose="020F0302020204030204" pitchFamily="34" charset="0"/>
+              </a:rPr>
+              <a:t>DetNet</a:t>
+            </a:r>
+            <a:r>
+              <a:rPr lang="en-US" sz="2400" dirty="0">
+                <a:solidFill>
+                  <a:srgbClr val="0070C0"/>
+                </a:solidFill>
+                <a:latin typeface="Calibri Light" panose="020F0302020204030204" pitchFamily="34" charset="0"/>
+                <a:cs typeface="Calibri Light" panose="020F0302020204030204" pitchFamily="34" charset="0"/>
+              </a:rPr>
+              <a:t> Control Word [RFC8964] </a:t>
+            </a:r>
+            <a:r>
+              <a:rPr lang="en-CA" sz="2400" dirty="0">
+                <a:solidFill>
+                  <a:srgbClr val="0070C0"/>
+                </a:solidFill>
+                <a:latin typeface="Calibri Light" panose="020F0302020204030204" pitchFamily="34" charset="0"/>
+                <a:cs typeface="Calibri Light" panose="020F0302020204030204" pitchFamily="34" charset="0"/>
+              </a:rPr>
+              <a:t>with IOAM Data Fields</a:t>
+            </a:r>
+            <a:endParaRPr lang="en-US" sz="2400" dirty="0">
+              <a:solidFill>
+                <a:srgbClr val="0070C0"/>
+              </a:solidFill>
+              <a:latin typeface="Calibri Light" panose="020F0302020204030204" pitchFamily="34" charset="0"/>
+              <a:cs typeface="Calibri Light" panose="020F0302020204030204" pitchFamily="34" charset="0"/>
+            </a:endParaRPr>
+          </a:p>
+        </p:txBody>
+      </p:sp>
+      <p:sp>
+        <p:nvSpPr>
+          <p:cNvPr id="4" name="Footer Placeholder 3">
+            <a:extLst>
+              <a:ext uri="{FF2B5EF4-FFF2-40B4-BE49-F238E27FC236}">
+                <a16:creationId xmlns:a16="http://schemas.microsoft.com/office/drawing/2014/main" id="{CF70CC82-C055-3645-9254-87CEC1C49032}"/>
+              </a:ext>
+            </a:extLst>
+          </p:cNvPr>
+          <p:cNvSpPr>
+            <a:spLocks noGrp="1"/>
+          </p:cNvSpPr>
+          <p:nvPr>
+            <p:ph type="ftr" sz="quarter" idx="11"/>
+          </p:nvPr>
+        </p:nvSpPr>
+        <p:spPr>
+          <a:xfrm>
+            <a:off x="3124200" y="4786312"/>
+            <a:ext cx="2895600" cy="357188"/>
+          </a:xfrm>
+        </p:spPr>
+        <p:txBody>
+          <a:bodyPr/>
+          <a:lstStyle/>
+          <a:p>
+            <a:pPr>
+              <a:defRPr/>
+            </a:pPr>
+            <a:r>
+              <a:rPr lang="en-US" altLang="zh-CN" dirty="0"/>
+              <a:t>110</a:t>
+            </a:r>
+            <a:r>
+              <a:rPr lang="en-US" altLang="zh-CN" baseline="30000" dirty="0"/>
+              <a:t>th</a:t>
+            </a:r>
+            <a:r>
+              <a:rPr lang="en-US" altLang="zh-CN" dirty="0"/>
+              <a:t> IETF Online</a:t>
+            </a:r>
+          </a:p>
+        </p:txBody>
+      </p:sp>
+      <p:sp>
+        <p:nvSpPr>
+          <p:cNvPr id="5" name="Slide Number Placeholder 4">
+            <a:extLst>
+              <a:ext uri="{FF2B5EF4-FFF2-40B4-BE49-F238E27FC236}">
+                <a16:creationId xmlns:a16="http://schemas.microsoft.com/office/drawing/2014/main" id="{62DF7D69-BCF6-2D4A-A3F1-2D32C59355D3}"/>
+              </a:ext>
+            </a:extLst>
+          </p:cNvPr>
+          <p:cNvSpPr>
+            <a:spLocks noGrp="1"/>
+          </p:cNvSpPr>
+          <p:nvPr>
+            <p:ph type="sldNum" sz="quarter" idx="12"/>
+          </p:nvPr>
+        </p:nvSpPr>
+        <p:spPr/>
+        <p:txBody>
+          <a:bodyPr/>
+          <a:lstStyle/>
+          <a:p>
+            <a:pPr>
+              <a:defRPr/>
+            </a:pPr>
+            <a:fld id="{BD6E0F59-1DD8-40FC-9C92-B6295CBA6CCA}" type="slidenum">
+              <a:rPr lang="en-US" altLang="zh-CN" smtClean="0"/>
+              <a:pPr>
+                <a:defRPr/>
+              </a:pPr>
+              <a:t>28</a:t>
+            </a:fld>
+            <a:endParaRPr lang="en-US" altLang="zh-CN" dirty="0"/>
+          </a:p>
+        </p:txBody>
+      </p:sp>
+      <p:sp>
+        <p:nvSpPr>
+          <p:cNvPr id="6" name="Rectangle 5">
+            <a:extLst>
+              <a:ext uri="{FF2B5EF4-FFF2-40B4-BE49-F238E27FC236}">
+                <a16:creationId xmlns:a16="http://schemas.microsoft.com/office/drawing/2014/main" id="{E614F343-6DC2-A943-8496-BE1E2B6072CE}"/>
+              </a:ext>
+            </a:extLst>
+          </p:cNvPr>
+          <p:cNvSpPr/>
+          <p:nvPr/>
+        </p:nvSpPr>
+        <p:spPr>
+          <a:xfrm>
+            <a:off x="2057400" y="619185"/>
+            <a:ext cx="4648200" cy="4524315"/>
+          </a:xfrm>
+          <a:prstGeom prst="rect">
+            <a:avLst/>
+          </a:prstGeom>
+          <a:solidFill>
+            <a:schemeClr val="accent6">
+              <a:lumMod val="20000"/>
+              <a:lumOff val="80000"/>
+            </a:schemeClr>
+          </a:solidFill>
+        </p:spPr>
+        <p:txBody>
+          <a:bodyPr wrap="square">
+            <a:spAutoFit/>
+          </a:bodyPr>
+          <a:lstStyle/>
+          <a:p>
+            <a:r>
+              <a:rPr lang="en-CA" sz="800" dirty="0">
+                <a:latin typeface="Courier" pitchFamily="2" charset="0"/>
+              </a:rPr>
+              <a:t>   0                   1                   2                   3</a:t>
+            </a:r>
+          </a:p>
+          <a:p>
+            <a:r>
+              <a:rPr lang="en-CA" sz="800" dirty="0">
+                <a:latin typeface="Courier" pitchFamily="2" charset="0"/>
+              </a:rPr>
+              <a:t>   0 1 2 3 4 5 6 7 8 9 0 1 2 3 4 5 6 7 8 9 0 1 2 3 4 5 6 7 8 9 0 1</a:t>
+            </a:r>
+          </a:p>
+          <a:p>
+            <a:r>
+              <a:rPr lang="en-CA" sz="800" dirty="0">
+                <a:latin typeface="Courier" pitchFamily="2" charset="0"/>
+              </a:rPr>
+              <a:t>   +-+-+-+-+-+-+-+-+-+-+-+-+-+-+-+-+-+-+-+-+-+-+-+-+-+-+-+-+-+-+-+-+</a:t>
+            </a:r>
+          </a:p>
+          <a:p>
+            <a:r>
+              <a:rPr lang="en-CA" sz="800" dirty="0">
+                <a:latin typeface="Courier" pitchFamily="2" charset="0"/>
+              </a:rPr>
+              <a:t>   | [F-Label(s)]                          | TC  |S|  TTL          |</a:t>
+            </a:r>
+          </a:p>
+          <a:p>
+            <a:r>
+              <a:rPr lang="en-CA" sz="800" dirty="0">
+                <a:latin typeface="Courier" pitchFamily="2" charset="0"/>
+              </a:rPr>
+              <a:t>   +-+-+-+-+-+-+-+-+-+-+-+-+-+-+-+-+-+-+-+-+-+-+-+-+-+-+-+-+-+-+-+-+</a:t>
+            </a:r>
+          </a:p>
+          <a:p>
+            <a:r>
+              <a:rPr lang="en-CA" sz="800" dirty="0">
+                <a:latin typeface="Courier" pitchFamily="2" charset="0"/>
+              </a:rPr>
+              <a:t>   | A-Label                               | TC  |S|  TTL          |</a:t>
+            </a:r>
+          </a:p>
+          <a:p>
+            <a:r>
+              <a:rPr lang="en-CA" sz="800" dirty="0">
+                <a:latin typeface="Courier" pitchFamily="2" charset="0"/>
+              </a:rPr>
+              <a:t>   +-+-+-+-+-+-+-+-+-+-+-+-+-+-+-+-+-+-+-+-+-+-+-+-+-+-+-+-+-+-+-+-+</a:t>
+            </a:r>
+          </a:p>
+          <a:p>
+            <a:r>
+              <a:rPr lang="en-CA" sz="800" dirty="0">
+                <a:solidFill>
+                  <a:srgbClr val="C00000"/>
+                </a:solidFill>
+                <a:latin typeface="Courier" pitchFamily="2" charset="0"/>
+              </a:rPr>
+              <a:t>   </a:t>
+            </a:r>
+            <a:r>
+              <a:rPr lang="en-CA" sz="800" dirty="0">
+                <a:solidFill>
+                  <a:srgbClr val="0070C0"/>
+                </a:solidFill>
+                <a:latin typeface="Courier" pitchFamily="2" charset="0"/>
+              </a:rPr>
+              <a:t>|0 0 0 0| Sequence Number (</a:t>
+            </a:r>
+            <a:r>
+              <a:rPr lang="en-CA" sz="800" dirty="0" err="1">
+                <a:solidFill>
+                  <a:srgbClr val="0070C0"/>
+                </a:solidFill>
+                <a:latin typeface="Courier" pitchFamily="2" charset="0"/>
+              </a:rPr>
+              <a:t>DetNet</a:t>
+            </a:r>
+            <a:r>
+              <a:rPr lang="en-CA" sz="800" dirty="0">
+                <a:solidFill>
+                  <a:srgbClr val="0070C0"/>
+                </a:solidFill>
+                <a:latin typeface="Courier" pitchFamily="2" charset="0"/>
+              </a:rPr>
+              <a:t> Control Word)                 |</a:t>
+            </a:r>
+          </a:p>
+          <a:p>
+            <a:r>
+              <a:rPr lang="en-CA" sz="800" dirty="0">
+                <a:latin typeface="Courier" pitchFamily="2" charset="0"/>
+              </a:rPr>
+              <a:t>   +-+-+-+-+-+-+-+-+-+-+-+-+-+-+-+-+-+-+-+-+-+-+-+-+-+-+-+-+-+-+-+-+</a:t>
+            </a:r>
+          </a:p>
+          <a:p>
+            <a:r>
+              <a:rPr lang="en-CA" sz="800" dirty="0">
+                <a:latin typeface="Courier" pitchFamily="2" charset="0"/>
+              </a:rPr>
+              <a:t>   | [F-Label(s)]                          | TC  |S|  TTL          |</a:t>
+            </a:r>
+          </a:p>
+          <a:p>
+            <a:r>
+              <a:rPr lang="en-CA" sz="800" dirty="0">
+                <a:latin typeface="Courier" pitchFamily="2" charset="0"/>
+              </a:rPr>
+              <a:t>   +-+-+-+-+-+-+-+-+-+-+-+-+-+-+-+-+-+-+-+-+-+-+-+-+-+-+-+-+-+-+-+-+</a:t>
+            </a:r>
+          </a:p>
+          <a:p>
+            <a:r>
+              <a:rPr lang="en-CA" sz="800" dirty="0">
+                <a:latin typeface="Courier" pitchFamily="2" charset="0"/>
+              </a:rPr>
+              <a:t>   | S-Label                               | TC  |S|  TTL          |</a:t>
+            </a:r>
+          </a:p>
+          <a:p>
+            <a:r>
+              <a:rPr lang="en-CA" sz="800" dirty="0">
+                <a:latin typeface="Courier" pitchFamily="2" charset="0"/>
+              </a:rPr>
+              <a:t>   +-+-+-+-+-+-+-+-+-+-+-+-+-+-+-+-+-+-+-+-+-+-+-+-+-+-+-+-+-+-+-+-+</a:t>
+            </a:r>
+          </a:p>
+          <a:p>
+            <a:r>
+              <a:rPr lang="en-CA" sz="800" dirty="0">
+                <a:latin typeface="Courier" pitchFamily="2" charset="0"/>
+              </a:rPr>
+              <a:t>   | IOAM Indicator Label                  | TC  |1|  TTL          |</a:t>
+            </a:r>
+          </a:p>
+          <a:p>
+            <a:r>
+              <a:rPr lang="en-CA" sz="800" dirty="0">
+                <a:latin typeface="Courier" pitchFamily="2" charset="0"/>
+              </a:rPr>
+              <a:t>   +-+-+-+-+-+-+-+-+-+-+-+-+-+-+-+-+-+-+-+-+-+-+-+-+-+-+-+-+-+-+-+-+&lt;-+</a:t>
+            </a:r>
+          </a:p>
+          <a:p>
+            <a:r>
+              <a:rPr lang="en-CA" sz="800" dirty="0">
+                <a:latin typeface="Courier" pitchFamily="2" charset="0"/>
+              </a:rPr>
+              <a:t>   |0 0 0 1|Version| Reserved      | IOAM G-</a:t>
+            </a:r>
+            <a:r>
+              <a:rPr lang="en-CA" sz="800" dirty="0" err="1">
+                <a:latin typeface="Courier" pitchFamily="2" charset="0"/>
+              </a:rPr>
+              <a:t>ACh</a:t>
+            </a:r>
+            <a:r>
+              <a:rPr lang="en-CA" sz="800" dirty="0">
+                <a:latin typeface="Courier" pitchFamily="2" charset="0"/>
+              </a:rPr>
+              <a:t>                    |  |</a:t>
+            </a:r>
+          </a:p>
+          <a:p>
+            <a:r>
+              <a:rPr lang="en-CA" sz="800" dirty="0">
+                <a:latin typeface="Courier" pitchFamily="2" charset="0"/>
+              </a:rPr>
+              <a:t>   +-+-+-+-+-+-+-+-+-+-+-+-+-+-+-+-+-+-+-+-+-+-+-+-+-+-+-+-+-+-+-+-+  |</a:t>
+            </a:r>
+          </a:p>
+          <a:p>
+            <a:r>
+              <a:rPr lang="en-CA" sz="800" dirty="0">
+                <a:latin typeface="Courier" pitchFamily="2" charset="0"/>
+              </a:rPr>
+              <a:t>   | Reserved      | Block Number  | IOAM-OPT-Type |</a:t>
+            </a:r>
+            <a:r>
+              <a:rPr lang="en-CA" sz="800" dirty="0">
+                <a:solidFill>
+                  <a:srgbClr val="0070C0"/>
+                </a:solidFill>
+                <a:latin typeface="Courier" pitchFamily="2" charset="0"/>
+              </a:rPr>
+              <a:t>IOAM HDR Length</a:t>
+            </a:r>
+            <a:r>
+              <a:rPr lang="en-CA" sz="800" dirty="0">
+                <a:latin typeface="Courier" pitchFamily="2" charset="0"/>
+              </a:rPr>
+              <a:t>|  |</a:t>
+            </a:r>
+          </a:p>
+          <a:p>
+            <a:r>
+              <a:rPr lang="en-CA" sz="800" dirty="0">
+                <a:latin typeface="Courier" pitchFamily="2" charset="0"/>
+              </a:rPr>
+              <a:t>   +-+-+-+-+-+-+-+-+-+-+-+-+-+-+-+-+-+-+-+-+-+-+-+-+-+-+-+-+-+-+-+-+  I</a:t>
+            </a:r>
+          </a:p>
+          <a:p>
+            <a:r>
+              <a:rPr lang="en-CA" sz="800" dirty="0">
+                <a:latin typeface="Courier" pitchFamily="2" charset="0"/>
+              </a:rPr>
+              <a:t>   |                                                               |  O</a:t>
+            </a:r>
+          </a:p>
+          <a:p>
+            <a:r>
+              <a:rPr lang="en-CA" sz="800" dirty="0">
+                <a:latin typeface="Courier" pitchFamily="2" charset="0"/>
+              </a:rPr>
+              <a:t>   |                                                               |  A</a:t>
+            </a:r>
+          </a:p>
+          <a:p>
+            <a:r>
+              <a:rPr lang="en-CA" sz="800" dirty="0">
+                <a:latin typeface="Courier" pitchFamily="2" charset="0"/>
+              </a:rPr>
+              <a:t>   ~                 IOAM Option and Data Space                    ~  M</a:t>
+            </a:r>
+          </a:p>
+          <a:p>
+            <a:r>
+              <a:rPr lang="en-CA" sz="800" dirty="0">
+                <a:latin typeface="Courier" pitchFamily="2" charset="0"/>
+              </a:rPr>
+              <a:t>   |                                                               |  |</a:t>
+            </a:r>
+          </a:p>
+          <a:p>
+            <a:r>
+              <a:rPr lang="en-CA" sz="800" dirty="0">
+                <a:latin typeface="Courier" pitchFamily="2" charset="0"/>
+              </a:rPr>
+              <a:t>   |                                                               |  |</a:t>
+            </a:r>
+          </a:p>
+          <a:p>
+            <a:r>
+              <a:rPr lang="en-CA" sz="800" dirty="0">
+                <a:latin typeface="Courier" pitchFamily="2" charset="0"/>
+              </a:rPr>
+              <a:t>   +-+-+-+-+-+-+-+-+-+-+-+-+-+-+-+-+-+-+-+-+-+-+-+-+-+-+-+-+-+-+-+-+&lt;-+</a:t>
+            </a:r>
+          </a:p>
+          <a:p>
+            <a:r>
+              <a:rPr lang="en-CA" sz="800" dirty="0">
+                <a:solidFill>
+                  <a:srgbClr val="C00000"/>
+                </a:solidFill>
+                <a:latin typeface="Courier" pitchFamily="2" charset="0"/>
+              </a:rPr>
+              <a:t>   </a:t>
+            </a:r>
+            <a:r>
+              <a:rPr lang="en-CA" sz="800" dirty="0">
+                <a:solidFill>
+                  <a:srgbClr val="0070C0"/>
+                </a:solidFill>
+                <a:latin typeface="Courier" pitchFamily="2" charset="0"/>
+              </a:rPr>
+              <a:t>|0 0 0 0| Sequence Number (</a:t>
+            </a:r>
+            <a:r>
+              <a:rPr lang="en-CA" sz="800" dirty="0" err="1">
+                <a:solidFill>
+                  <a:srgbClr val="0070C0"/>
+                </a:solidFill>
+                <a:latin typeface="Courier" pitchFamily="2" charset="0"/>
+              </a:rPr>
+              <a:t>DetNet</a:t>
+            </a:r>
+            <a:r>
+              <a:rPr lang="en-CA" sz="800" dirty="0">
+                <a:solidFill>
+                  <a:srgbClr val="0070C0"/>
+                </a:solidFill>
+                <a:latin typeface="Courier" pitchFamily="2" charset="0"/>
+              </a:rPr>
+              <a:t> Control Word)                 |</a:t>
+            </a:r>
+          </a:p>
+          <a:p>
+            <a:r>
+              <a:rPr lang="en-CA" sz="800" dirty="0">
+                <a:solidFill>
+                  <a:srgbClr val="0070C0"/>
+                </a:solidFill>
+                <a:latin typeface="Courier" pitchFamily="2" charset="0"/>
+              </a:rPr>
+              <a:t>   +-+-+-+-+-+-+-+-+-+-+-+-+-+-+-+-+-+-+-+-+-+-+-+-+-+-+-+-+-+-+-+-+</a:t>
+            </a:r>
+          </a:p>
+          <a:p>
+            <a:r>
+              <a:rPr lang="en-CA" sz="800" dirty="0">
+                <a:latin typeface="Courier" pitchFamily="2" charset="0"/>
+              </a:rPr>
+              <a:t>   |                                                               |</a:t>
+            </a:r>
+          </a:p>
+          <a:p>
+            <a:r>
+              <a:rPr lang="en-CA" sz="800" dirty="0">
+                <a:latin typeface="Courier" pitchFamily="2" charset="0"/>
+              </a:rPr>
+              <a:t>   |                                                               |</a:t>
+            </a:r>
+          </a:p>
+          <a:p>
+            <a:r>
+              <a:rPr lang="en-CA" sz="800" dirty="0">
+                <a:latin typeface="Courier" pitchFamily="2" charset="0"/>
+              </a:rPr>
+              <a:t>   ~                 </a:t>
+            </a:r>
+            <a:r>
+              <a:rPr lang="en-CA" sz="800" dirty="0" err="1">
+                <a:latin typeface="Courier" pitchFamily="2" charset="0"/>
+              </a:rPr>
+              <a:t>DetNet</a:t>
+            </a:r>
+            <a:r>
+              <a:rPr lang="en-CA" sz="800" dirty="0">
+                <a:latin typeface="Courier" pitchFamily="2" charset="0"/>
+              </a:rPr>
+              <a:t> Flow                                   ~</a:t>
+            </a:r>
+          </a:p>
+          <a:p>
+            <a:r>
+              <a:rPr lang="en-CA" sz="800" dirty="0">
+                <a:latin typeface="Courier" pitchFamily="2" charset="0"/>
+              </a:rPr>
+              <a:t>   ~                 Payload Packet                                ~</a:t>
+            </a:r>
+          </a:p>
+          <a:p>
+            <a:r>
+              <a:rPr lang="en-CA" sz="800" dirty="0">
+                <a:latin typeface="Courier" pitchFamily="2" charset="0"/>
+              </a:rPr>
+              <a:t>   |                                                               |</a:t>
+            </a:r>
+          </a:p>
+          <a:p>
+            <a:r>
+              <a:rPr lang="en-CA" sz="800" dirty="0">
+                <a:latin typeface="Courier" pitchFamily="2" charset="0"/>
+              </a:rPr>
+              <a:t>   |                                                               |</a:t>
+            </a:r>
+          </a:p>
+          <a:p>
+            <a:r>
+              <a:rPr lang="en-CA" sz="800" dirty="0">
+                <a:latin typeface="Courier" pitchFamily="2" charset="0"/>
+              </a:rPr>
+              <a:t>   +-+-+-+-+-+-+-+-+-+-+-+-+-+-+-+-+-+-+-+-+-+-+-+-+-+-+-+-+-+-+-+-+</a:t>
+            </a:r>
+          </a:p>
+          <a:p>
+            <a:r>
+              <a:rPr lang="en-CA" sz="800" dirty="0">
+                <a:latin typeface="Courier" pitchFamily="2" charset="0"/>
+              </a:rPr>
+              <a:t> </a:t>
+            </a:r>
+          </a:p>
+          <a:p>
+            <a:r>
+              <a:rPr lang="en-CA" sz="800" dirty="0">
+                <a:latin typeface="Courier" pitchFamily="2" charset="0"/>
+              </a:rPr>
+              <a:t>  Figure: Example MPLS Encapsulation with </a:t>
+            </a:r>
+            <a:r>
+              <a:rPr lang="en-CA" sz="800" dirty="0" err="1">
+                <a:latin typeface="Courier" pitchFamily="2" charset="0"/>
+              </a:rPr>
+              <a:t>DetNet</a:t>
+            </a:r>
+            <a:r>
+              <a:rPr lang="en-CA" sz="800" dirty="0">
+                <a:latin typeface="Courier" pitchFamily="2" charset="0"/>
+              </a:rPr>
+              <a:t> with IOAM Data Fields</a:t>
+            </a:r>
+            <a:endParaRPr lang="en-CA" sz="800" dirty="0">
+              <a:latin typeface="Courier" pitchFamily="2" charset="0"/>
+              <a:ea typeface="Calibri" panose="020F0502020204030204" pitchFamily="34" charset="0"/>
+              <a:cs typeface="Times New Roman" panose="02020603050405020304" pitchFamily="18" charset="0"/>
+            </a:endParaRPr>
+          </a:p>
+        </p:txBody>
+      </p:sp>
+    </p:spTree>
+    <p:extLst>
+      <p:ext uri="{BB962C8B-B14F-4D97-AF65-F5344CB8AC3E}">
+        <p14:creationId xmlns:p14="http://schemas.microsoft.com/office/powerpoint/2010/main" val="3004204706"/>
+      </p:ext>
+    </p:extLst>
+  </p:cSld>
+  <p:clrMapOvr>
+    <a:masterClrMapping/>
+  </p:clrMapOvr>
+</p:sld>
+</file>
+
+<file path=ppt/slides/slide29.xml><?xml version="1.0" encoding="utf-8"?>
+<p:sld xmlns:a="http://schemas.openxmlformats.org/drawingml/2006/main" xmlns:r="http://schemas.openxmlformats.org/officeDocument/2006/relationships" xmlns:p="http://schemas.openxmlformats.org/presentationml/2006/main">
+  <p:cSld>
+    <p:spTree>
+      <p:nvGrpSpPr>
+        <p:cNvPr id="1" name=""/>
+        <p:cNvGrpSpPr/>
+        <p:nvPr/>
+      </p:nvGrpSpPr>
+      <p:grpSpPr>
+        <a:xfrm>
+          <a:off x="0" y="0"/>
+          <a:ext cx="0" cy="0"/>
+          <a:chOff x="0" y="0"/>
+          <a:chExt cx="0" cy="0"/>
+        </a:xfrm>
+      </p:grpSpPr>
+      <p:sp>
+        <p:nvSpPr>
           <p:cNvPr id="4" name="Footer Placeholder 3"/>
           <p:cNvSpPr>
             <a:spLocks noGrp="1"/>
@@ -12934,7 +14577,7 @@
               <a:pPr>
                 <a:defRPr/>
               </a:pPr>
-              <a:t>26</a:t>
+              <a:t>29</a:t>
             </a:fld>
             <a:endParaRPr lang="en-US" altLang="zh-CN"/>
           </a:p>
@@ -12943,1741 +14586,7 @@
     </p:spTree>
     <p:extLst>
       <p:ext uri="{BB962C8B-B14F-4D97-AF65-F5344CB8AC3E}">
-        <p14:creationId xmlns:p14="http://schemas.microsoft.com/office/powerpoint/2010/main" val="2252375980"/>
-      </p:ext>
-    </p:extLst>
-  </p:cSld>
-  <p:clrMapOvr>
-    <a:masterClrMapping/>
-  </p:clrMapOvr>
-</p:sld>
-</file>
-
-<file path=ppt/slides/slide27.xml><?xml version="1.0" encoding="utf-8"?>
-<p:sld xmlns:a="http://schemas.openxmlformats.org/drawingml/2006/main" xmlns:r="http://schemas.openxmlformats.org/officeDocument/2006/relationships" xmlns:p="http://schemas.openxmlformats.org/presentationml/2006/main">
-  <p:cSld>
-    <p:spTree>
-      <p:nvGrpSpPr>
-        <p:cNvPr id="1" name=""/>
-        <p:cNvGrpSpPr/>
-        <p:nvPr/>
-      </p:nvGrpSpPr>
-      <p:grpSpPr>
-        <a:xfrm>
-          <a:off x="0" y="0"/>
-          <a:ext cx="0" cy="0"/>
-          <a:chOff x="0" y="0"/>
-          <a:chExt cx="0" cy="0"/>
-        </a:xfrm>
-      </p:grpSpPr>
-      <p:sp>
-        <p:nvSpPr>
-          <p:cNvPr id="2" name="Title 1">
-            <a:extLst>
-              <a:ext uri="{FF2B5EF4-FFF2-40B4-BE49-F238E27FC236}">
-                <a16:creationId xmlns:a16="http://schemas.microsoft.com/office/drawing/2014/main" id="{16C5255E-BE42-5348-AC0F-6257873BBB61}"/>
-              </a:ext>
-            </a:extLst>
-          </p:cNvPr>
-          <p:cNvSpPr>
-            <a:spLocks noGrp="1"/>
-          </p:cNvSpPr>
-          <p:nvPr>
-            <p:ph type="title"/>
-          </p:nvPr>
-        </p:nvSpPr>
-        <p:spPr>
-          <a:xfrm>
-            <a:off x="0" y="0"/>
-            <a:ext cx="8839200" cy="717589"/>
-          </a:xfrm>
-        </p:spPr>
-        <p:txBody>
-          <a:bodyPr/>
-          <a:lstStyle/>
-          <a:p>
-            <a:r>
-              <a:rPr lang="en-US" sz="2400" dirty="0">
-                <a:solidFill>
-                  <a:srgbClr val="0070C0"/>
-                </a:solidFill>
-                <a:latin typeface="Calibri Light" panose="020F0302020204030204" pitchFamily="34" charset="0"/>
-                <a:cs typeface="Calibri Light" panose="020F0302020204030204" pitchFamily="34" charset="0"/>
-              </a:rPr>
-              <a:t>Example 2 - </a:t>
-            </a:r>
-            <a:r>
-              <a:rPr lang="en-US" sz="2400" dirty="0" err="1">
-                <a:solidFill>
-                  <a:srgbClr val="0070C0"/>
-                </a:solidFill>
-                <a:latin typeface="Calibri Light" panose="020F0302020204030204" pitchFamily="34" charset="0"/>
-                <a:cs typeface="Calibri Light" panose="020F0302020204030204" pitchFamily="34" charset="0"/>
-              </a:rPr>
-              <a:t>DetNet</a:t>
-            </a:r>
-            <a:r>
-              <a:rPr lang="en-US" sz="2400" dirty="0">
-                <a:solidFill>
-                  <a:srgbClr val="0070C0"/>
-                </a:solidFill>
-                <a:latin typeface="Calibri Light" panose="020F0302020204030204" pitchFamily="34" charset="0"/>
-                <a:cs typeface="Calibri Light" panose="020F0302020204030204" pitchFamily="34" charset="0"/>
-              </a:rPr>
-              <a:t> Control Word [RFC8964] </a:t>
-            </a:r>
-            <a:r>
-              <a:rPr lang="en-CA" sz="2400" dirty="0">
-                <a:solidFill>
-                  <a:srgbClr val="0070C0"/>
-                </a:solidFill>
-                <a:latin typeface="Calibri Light" panose="020F0302020204030204" pitchFamily="34" charset="0"/>
-                <a:cs typeface="Calibri Light" panose="020F0302020204030204" pitchFamily="34" charset="0"/>
-              </a:rPr>
-              <a:t>with IOAM Data Fields</a:t>
-            </a:r>
-            <a:r>
-              <a:rPr lang="en-US" sz="2400" dirty="0">
-                <a:solidFill>
-                  <a:srgbClr val="0070C0"/>
-                </a:solidFill>
-                <a:latin typeface="Calibri Light" panose="020F0302020204030204" pitchFamily="34" charset="0"/>
-                <a:cs typeface="Calibri Light" panose="020F0302020204030204" pitchFamily="34" charset="0"/>
-              </a:rPr>
-              <a:t> </a:t>
-            </a:r>
-          </a:p>
-        </p:txBody>
-      </p:sp>
-      <p:sp>
-        <p:nvSpPr>
-          <p:cNvPr id="4" name="Footer Placeholder 3">
-            <a:extLst>
-              <a:ext uri="{FF2B5EF4-FFF2-40B4-BE49-F238E27FC236}">
-                <a16:creationId xmlns:a16="http://schemas.microsoft.com/office/drawing/2014/main" id="{CF70CC82-C055-3645-9254-87CEC1C49032}"/>
-              </a:ext>
-            </a:extLst>
-          </p:cNvPr>
-          <p:cNvSpPr>
-            <a:spLocks noGrp="1"/>
-          </p:cNvSpPr>
-          <p:nvPr>
-            <p:ph type="ftr" sz="quarter" idx="11"/>
-          </p:nvPr>
-        </p:nvSpPr>
-        <p:spPr>
-          <a:xfrm>
-            <a:off x="3124200" y="4786312"/>
-            <a:ext cx="2895600" cy="357188"/>
-          </a:xfrm>
-        </p:spPr>
-        <p:txBody>
-          <a:bodyPr/>
-          <a:lstStyle/>
-          <a:p>
-            <a:pPr>
-              <a:defRPr/>
-            </a:pPr>
-            <a:r>
-              <a:rPr lang="en-US" altLang="zh-CN" dirty="0"/>
-              <a:t>110</a:t>
-            </a:r>
-            <a:r>
-              <a:rPr lang="en-US" altLang="zh-CN" baseline="30000" dirty="0"/>
-              <a:t>th</a:t>
-            </a:r>
-            <a:r>
-              <a:rPr lang="en-US" altLang="zh-CN" dirty="0"/>
-              <a:t> IETF Online</a:t>
-            </a:r>
-          </a:p>
-        </p:txBody>
-      </p:sp>
-      <p:sp>
-        <p:nvSpPr>
-          <p:cNvPr id="5" name="Slide Number Placeholder 4">
-            <a:extLst>
-              <a:ext uri="{FF2B5EF4-FFF2-40B4-BE49-F238E27FC236}">
-                <a16:creationId xmlns:a16="http://schemas.microsoft.com/office/drawing/2014/main" id="{62DF7D69-BCF6-2D4A-A3F1-2D32C59355D3}"/>
-              </a:ext>
-            </a:extLst>
-          </p:cNvPr>
-          <p:cNvSpPr>
-            <a:spLocks noGrp="1"/>
-          </p:cNvSpPr>
-          <p:nvPr>
-            <p:ph type="sldNum" sz="quarter" idx="12"/>
-          </p:nvPr>
-        </p:nvSpPr>
-        <p:spPr/>
-        <p:txBody>
-          <a:bodyPr/>
-          <a:lstStyle/>
-          <a:p>
-            <a:pPr>
-              <a:defRPr/>
-            </a:pPr>
-            <a:fld id="{BD6E0F59-1DD8-40FC-9C92-B6295CBA6CCA}" type="slidenum">
-              <a:rPr lang="en-US" altLang="zh-CN" smtClean="0"/>
-              <a:pPr>
-                <a:defRPr/>
-              </a:pPr>
-              <a:t>27</a:t>
-            </a:fld>
-            <a:endParaRPr lang="en-US" altLang="zh-CN" dirty="0"/>
-          </a:p>
-        </p:txBody>
-      </p:sp>
-      <p:sp>
-        <p:nvSpPr>
-          <p:cNvPr id="6" name="Rectangle 5">
-            <a:extLst>
-              <a:ext uri="{FF2B5EF4-FFF2-40B4-BE49-F238E27FC236}">
-                <a16:creationId xmlns:a16="http://schemas.microsoft.com/office/drawing/2014/main" id="{E614F343-6DC2-A943-8496-BE1E2B6072CE}"/>
-              </a:ext>
-            </a:extLst>
-          </p:cNvPr>
-          <p:cNvSpPr/>
-          <p:nvPr/>
-        </p:nvSpPr>
-        <p:spPr>
-          <a:xfrm>
-            <a:off x="1905000" y="711150"/>
-            <a:ext cx="5257800" cy="4247317"/>
-          </a:xfrm>
-          <a:prstGeom prst="rect">
-            <a:avLst/>
-          </a:prstGeom>
-          <a:solidFill>
-            <a:schemeClr val="accent6">
-              <a:lumMod val="20000"/>
-              <a:lumOff val="80000"/>
-            </a:schemeClr>
-          </a:solidFill>
-        </p:spPr>
-        <p:txBody>
-          <a:bodyPr wrap="square">
-            <a:spAutoFit/>
-          </a:bodyPr>
-          <a:lstStyle/>
-          <a:p>
-            <a:r>
-              <a:rPr lang="en-CA" sz="900" dirty="0">
-                <a:latin typeface="Courier" pitchFamily="2" charset="0"/>
-              </a:rPr>
-              <a:t>   0                   1                   2                   3</a:t>
-            </a:r>
-          </a:p>
-          <a:p>
-            <a:r>
-              <a:rPr lang="en-CA" sz="900" dirty="0">
-                <a:latin typeface="Courier" pitchFamily="2" charset="0"/>
-              </a:rPr>
-              <a:t>   0 1 2 3 4 5 6 7 8 9 0 1 2 3 4 5 6 7 8 9 0 1 2 3 4 5 6 7 8 9 0 1</a:t>
-            </a:r>
-          </a:p>
-          <a:p>
-            <a:r>
-              <a:rPr lang="en-CA" sz="900" dirty="0">
-                <a:latin typeface="Courier" pitchFamily="2" charset="0"/>
-              </a:rPr>
-              <a:t>   +-+-+-+-+-+-+-+-+-+-+-+-+-+-+-+-+-+-+-+-+-+-+-+-+-+-+-+-+-+-+-+-+</a:t>
-            </a:r>
-          </a:p>
-          <a:p>
-            <a:r>
-              <a:rPr lang="en-CA" sz="900" dirty="0">
-                <a:latin typeface="Courier" pitchFamily="2" charset="0"/>
-              </a:rPr>
-              <a:t>   | [F-Label(s)]                          | TC  |S|  TTL          |</a:t>
-            </a:r>
-          </a:p>
-          <a:p>
-            <a:r>
-              <a:rPr lang="en-CA" sz="900" dirty="0">
-                <a:latin typeface="Courier" pitchFamily="2" charset="0"/>
-              </a:rPr>
-              <a:t>   +-+-+-+-+-+-+-+-+-+-+-+-+-+-+-+-+-+-+-+-+-+-+-+-+-+-+-+-+-+-+-+-+</a:t>
-            </a:r>
-          </a:p>
-          <a:p>
-            <a:r>
-              <a:rPr lang="en-CA" sz="900" dirty="0">
-                <a:latin typeface="Courier" pitchFamily="2" charset="0"/>
-              </a:rPr>
-              <a:t>   | S-Label                               | TC  |S|  TTL          |</a:t>
-            </a:r>
-          </a:p>
-          <a:p>
-            <a:r>
-              <a:rPr lang="en-CA" sz="900" dirty="0">
-                <a:latin typeface="Courier" pitchFamily="2" charset="0"/>
-              </a:rPr>
-              <a:t>   +-+-+-+-+-+-+-+-+-+-+-+-+-+-+-+-+-+-+-+-+-+-+-+-+-+-+-+-+-+-+-+-+</a:t>
-            </a:r>
-          </a:p>
-          <a:p>
-            <a:r>
-              <a:rPr lang="en-CA" sz="900" dirty="0">
-                <a:latin typeface="Courier" pitchFamily="2" charset="0"/>
-              </a:rPr>
-              <a:t>   | IOAM Indicator Label                  | TC  |1|  TTL          |</a:t>
-            </a:r>
-          </a:p>
-          <a:p>
-            <a:r>
-              <a:rPr lang="en-CA" sz="900" dirty="0">
-                <a:latin typeface="Courier" pitchFamily="2" charset="0"/>
-              </a:rPr>
-              <a:t>   +-+-+-+-+-+-+-+-+-+-+-+-+-+-+-+-+-+-+-+-+-+-+-+-+-+-+-+-+-+-+-+-+&lt;-+</a:t>
-            </a:r>
-          </a:p>
-          <a:p>
-            <a:r>
-              <a:rPr lang="en-CA" sz="900" dirty="0">
-                <a:latin typeface="Courier" pitchFamily="2" charset="0"/>
-              </a:rPr>
-              <a:t>   |0 0 0 1|Version| Reserved      | IOAM G-</a:t>
-            </a:r>
-            <a:r>
-              <a:rPr lang="en-CA" sz="900" dirty="0" err="1">
-                <a:latin typeface="Courier" pitchFamily="2" charset="0"/>
-              </a:rPr>
-              <a:t>ACh</a:t>
-            </a:r>
-            <a:r>
-              <a:rPr lang="en-CA" sz="900" dirty="0">
-                <a:latin typeface="Courier" pitchFamily="2" charset="0"/>
-              </a:rPr>
-              <a:t>                    |  |</a:t>
-            </a:r>
-          </a:p>
-          <a:p>
-            <a:r>
-              <a:rPr lang="en-CA" sz="900" dirty="0">
-                <a:latin typeface="Courier" pitchFamily="2" charset="0"/>
-              </a:rPr>
-              <a:t>   +-+-+-+-+-+-+-+-+-+-+-+-+-+-+-+-+-+-+-+-+-+-+-+-+-+-+-+-+-+-+-+-+  |</a:t>
-            </a:r>
-          </a:p>
-          <a:p>
-            <a:r>
-              <a:rPr lang="en-CA" sz="900" dirty="0">
-                <a:latin typeface="Courier" pitchFamily="2" charset="0"/>
-              </a:rPr>
-              <a:t>   | Reserved      | Block Number  | IOAM-OPT-Type |</a:t>
-            </a:r>
-            <a:r>
-              <a:rPr lang="en-CA" sz="900" dirty="0">
-                <a:solidFill>
-                  <a:srgbClr val="0070C0"/>
-                </a:solidFill>
-                <a:latin typeface="Courier" pitchFamily="2" charset="0"/>
-              </a:rPr>
-              <a:t>IOAM HDR Length</a:t>
-            </a:r>
-            <a:r>
-              <a:rPr lang="en-CA" sz="900" dirty="0">
-                <a:latin typeface="Courier" pitchFamily="2" charset="0"/>
-              </a:rPr>
-              <a:t>|  |</a:t>
-            </a:r>
-          </a:p>
-          <a:p>
-            <a:r>
-              <a:rPr lang="en-CA" sz="900" dirty="0">
-                <a:latin typeface="Courier" pitchFamily="2" charset="0"/>
-              </a:rPr>
-              <a:t>   +-+-+-+-+-+-+-+-+-+-+-+-+-+-+-+-+-+-+-+-+-+-+-+-+-+-+-+-+-+-+-+-+  I</a:t>
-            </a:r>
-          </a:p>
-          <a:p>
-            <a:r>
-              <a:rPr lang="en-CA" sz="900" dirty="0">
-                <a:latin typeface="Courier" pitchFamily="2" charset="0"/>
-              </a:rPr>
-              <a:t>   |                                                               |  O</a:t>
-            </a:r>
-          </a:p>
-          <a:p>
-            <a:r>
-              <a:rPr lang="en-CA" sz="900" dirty="0">
-                <a:latin typeface="Courier" pitchFamily="2" charset="0"/>
-              </a:rPr>
-              <a:t>   |                                                               |  A</a:t>
-            </a:r>
-          </a:p>
-          <a:p>
-            <a:r>
-              <a:rPr lang="en-CA" sz="900" dirty="0">
-                <a:latin typeface="Courier" pitchFamily="2" charset="0"/>
-              </a:rPr>
-              <a:t>   ~                 IOAM Option and Data Space                    ~  M</a:t>
-            </a:r>
-          </a:p>
-          <a:p>
-            <a:r>
-              <a:rPr lang="en-CA" sz="900" dirty="0">
-                <a:latin typeface="Courier" pitchFamily="2" charset="0"/>
-              </a:rPr>
-              <a:t>   |                                                               |  |</a:t>
-            </a:r>
-          </a:p>
-          <a:p>
-            <a:r>
-              <a:rPr lang="en-CA" sz="900" dirty="0">
-                <a:latin typeface="Courier" pitchFamily="2" charset="0"/>
-              </a:rPr>
-              <a:t>   |                                                               |  |</a:t>
-            </a:r>
-          </a:p>
-          <a:p>
-            <a:r>
-              <a:rPr lang="en-CA" sz="900" dirty="0">
-                <a:latin typeface="Courier" pitchFamily="2" charset="0"/>
-              </a:rPr>
-              <a:t>   +-+-+-+-+-+-+-+-+-+-+-+-+-+-+-+-+-+-+-+-+-+-+-+-+-+-+-+-+-+-+-+-+&lt;-+</a:t>
-            </a:r>
-          </a:p>
-          <a:p>
-            <a:r>
-              <a:rPr lang="en-CA" sz="900" dirty="0">
-                <a:solidFill>
-                  <a:srgbClr val="C00000"/>
-                </a:solidFill>
-                <a:latin typeface="Courier" pitchFamily="2" charset="0"/>
-              </a:rPr>
-              <a:t>   </a:t>
-            </a:r>
-            <a:r>
-              <a:rPr lang="en-CA" sz="900" dirty="0">
-                <a:solidFill>
-                  <a:srgbClr val="0070C0"/>
-                </a:solidFill>
-                <a:latin typeface="Courier" pitchFamily="2" charset="0"/>
-              </a:rPr>
-              <a:t>|0 0 0 0| Sequence Number (</a:t>
-            </a:r>
-            <a:r>
-              <a:rPr lang="en-CA" sz="900" dirty="0" err="1">
-                <a:solidFill>
-                  <a:srgbClr val="0070C0"/>
-                </a:solidFill>
-                <a:latin typeface="Courier" pitchFamily="2" charset="0"/>
-              </a:rPr>
-              <a:t>DetNet</a:t>
-            </a:r>
-            <a:r>
-              <a:rPr lang="en-CA" sz="900" dirty="0">
-                <a:solidFill>
-                  <a:srgbClr val="0070C0"/>
-                </a:solidFill>
-                <a:latin typeface="Courier" pitchFamily="2" charset="0"/>
-              </a:rPr>
-              <a:t> Control Word)                 |</a:t>
-            </a:r>
-          </a:p>
-          <a:p>
-            <a:r>
-              <a:rPr lang="en-CA" sz="900" dirty="0">
-                <a:solidFill>
-                  <a:srgbClr val="0070C0"/>
-                </a:solidFill>
-                <a:latin typeface="Courier" pitchFamily="2" charset="0"/>
-              </a:rPr>
-              <a:t>   +-+-+-+-+-+-+-+-+-+-+-+-+-+-+-+-+-+-+-+-+-+-+-+-+-+-+-+-+-+-+-+-+</a:t>
-            </a:r>
-          </a:p>
-          <a:p>
-            <a:r>
-              <a:rPr lang="en-CA" sz="900" dirty="0">
-                <a:latin typeface="Courier" pitchFamily="2" charset="0"/>
-              </a:rPr>
-              <a:t>   |                                                               |</a:t>
-            </a:r>
-          </a:p>
-          <a:p>
-            <a:r>
-              <a:rPr lang="en-CA" sz="900" dirty="0">
-                <a:latin typeface="Courier" pitchFamily="2" charset="0"/>
-              </a:rPr>
-              <a:t>   |                                                               |</a:t>
-            </a:r>
-          </a:p>
-          <a:p>
-            <a:r>
-              <a:rPr lang="en-CA" sz="900" dirty="0">
-                <a:latin typeface="Courier" pitchFamily="2" charset="0"/>
-              </a:rPr>
-              <a:t>   ~                 </a:t>
-            </a:r>
-            <a:r>
-              <a:rPr lang="en-CA" sz="900" dirty="0" err="1">
-                <a:latin typeface="Courier" pitchFamily="2" charset="0"/>
-              </a:rPr>
-              <a:t>DetNet</a:t>
-            </a:r>
-            <a:r>
-              <a:rPr lang="en-CA" sz="900" dirty="0">
-                <a:latin typeface="Courier" pitchFamily="2" charset="0"/>
-              </a:rPr>
-              <a:t> Flow                                   ~</a:t>
-            </a:r>
-          </a:p>
-          <a:p>
-            <a:r>
-              <a:rPr lang="en-CA" sz="900" dirty="0">
-                <a:latin typeface="Courier" pitchFamily="2" charset="0"/>
-              </a:rPr>
-              <a:t>   ~                 Payload Packet                                ~</a:t>
-            </a:r>
-          </a:p>
-          <a:p>
-            <a:r>
-              <a:rPr lang="en-CA" sz="900" dirty="0">
-                <a:latin typeface="Courier" pitchFamily="2" charset="0"/>
-              </a:rPr>
-              <a:t>   |                                                               |</a:t>
-            </a:r>
-          </a:p>
-          <a:p>
-            <a:r>
-              <a:rPr lang="en-CA" sz="900" dirty="0">
-                <a:latin typeface="Courier" pitchFamily="2" charset="0"/>
-              </a:rPr>
-              <a:t>   |                                                               |</a:t>
-            </a:r>
-          </a:p>
-          <a:p>
-            <a:r>
-              <a:rPr lang="en-CA" sz="900" dirty="0">
-                <a:latin typeface="Courier" pitchFamily="2" charset="0"/>
-              </a:rPr>
-              <a:t>   +-+-+-+-+-+-+-+-+-+-+-+-+-+-+-+-+-+-+-+-+-+-+-+-+-+-+-+-+-+-+-+-+</a:t>
-            </a:r>
-          </a:p>
-          <a:p>
-            <a:r>
-              <a:rPr lang="en-CA" sz="900" dirty="0">
-                <a:latin typeface="Courier" pitchFamily="2" charset="0"/>
-              </a:rPr>
-              <a:t> </a:t>
-            </a:r>
-          </a:p>
-          <a:p>
-            <a:r>
-              <a:rPr lang="en-CA" sz="900" dirty="0">
-                <a:latin typeface="Courier" pitchFamily="2" charset="0"/>
-              </a:rPr>
-              <a:t>  Figure: Example MPLS Encapsulation with </a:t>
-            </a:r>
-            <a:r>
-              <a:rPr lang="en-CA" sz="900" dirty="0" err="1">
-                <a:latin typeface="Courier" pitchFamily="2" charset="0"/>
-              </a:rPr>
-              <a:t>DetNet</a:t>
-            </a:r>
-            <a:r>
-              <a:rPr lang="en-CA" sz="900" dirty="0">
-                <a:latin typeface="Courier" pitchFamily="2" charset="0"/>
-              </a:rPr>
-              <a:t> with IOAM Data Fields</a:t>
-            </a:r>
-            <a:endParaRPr lang="en-CA" sz="900" dirty="0">
-              <a:latin typeface="Courier" pitchFamily="2" charset="0"/>
-              <a:ea typeface="Calibri" panose="020F0502020204030204" pitchFamily="34" charset="0"/>
-              <a:cs typeface="Times New Roman" panose="02020603050405020304" pitchFamily="18" charset="0"/>
-            </a:endParaRPr>
-          </a:p>
-        </p:txBody>
-      </p:sp>
-    </p:spTree>
-    <p:extLst>
-      <p:ext uri="{BB962C8B-B14F-4D97-AF65-F5344CB8AC3E}">
-        <p14:creationId xmlns:p14="http://schemas.microsoft.com/office/powerpoint/2010/main" val="2787306097"/>
-      </p:ext>
-    </p:extLst>
-  </p:cSld>
-  <p:clrMapOvr>
-    <a:masterClrMapping/>
-  </p:clrMapOvr>
-</p:sld>
-</file>
-
-<file path=ppt/slides/slide28.xml><?xml version="1.0" encoding="utf-8"?>
-<p:sld xmlns:a="http://schemas.openxmlformats.org/drawingml/2006/main" xmlns:r="http://schemas.openxmlformats.org/officeDocument/2006/relationships" xmlns:p="http://schemas.openxmlformats.org/presentationml/2006/main">
-  <p:cSld>
-    <p:spTree>
-      <p:nvGrpSpPr>
-        <p:cNvPr id="1" name=""/>
-        <p:cNvGrpSpPr/>
-        <p:nvPr/>
-      </p:nvGrpSpPr>
-      <p:grpSpPr>
-        <a:xfrm>
-          <a:off x="0" y="0"/>
-          <a:ext cx="0" cy="0"/>
-          <a:chOff x="0" y="0"/>
-          <a:chExt cx="0" cy="0"/>
-        </a:xfrm>
-      </p:grpSpPr>
-      <p:sp>
-        <p:nvSpPr>
-          <p:cNvPr id="2" name="Title 1">
-            <a:extLst>
-              <a:ext uri="{FF2B5EF4-FFF2-40B4-BE49-F238E27FC236}">
-                <a16:creationId xmlns:a16="http://schemas.microsoft.com/office/drawing/2014/main" id="{16C5255E-BE42-5348-AC0F-6257873BBB61}"/>
-              </a:ext>
-            </a:extLst>
-          </p:cNvPr>
-          <p:cNvSpPr>
-            <a:spLocks noGrp="1"/>
-          </p:cNvSpPr>
-          <p:nvPr>
-            <p:ph type="title"/>
-          </p:nvPr>
-        </p:nvSpPr>
-        <p:spPr>
-          <a:xfrm>
-            <a:off x="0" y="0"/>
-            <a:ext cx="9144000" cy="619185"/>
-          </a:xfrm>
-        </p:spPr>
-        <p:txBody>
-          <a:bodyPr/>
-          <a:lstStyle/>
-          <a:p>
-            <a:r>
-              <a:rPr lang="en-US" sz="2400" dirty="0">
-                <a:solidFill>
-                  <a:srgbClr val="0070C0"/>
-                </a:solidFill>
-                <a:latin typeface="Calibri Light" panose="020F0302020204030204" pitchFamily="34" charset="0"/>
-                <a:cs typeface="Calibri Light" panose="020F0302020204030204" pitchFamily="34" charset="0"/>
-              </a:rPr>
-              <a:t>Example 3 - </a:t>
-            </a:r>
-            <a:r>
-              <a:rPr lang="en-US" sz="2400" dirty="0" err="1">
-                <a:solidFill>
-                  <a:srgbClr val="0070C0"/>
-                </a:solidFill>
-                <a:latin typeface="Calibri Light" panose="020F0302020204030204" pitchFamily="34" charset="0"/>
-                <a:cs typeface="Calibri Light" panose="020F0302020204030204" pitchFamily="34" charset="0"/>
-              </a:rPr>
-              <a:t>DetNet</a:t>
-            </a:r>
-            <a:r>
-              <a:rPr lang="en-US" sz="2400" dirty="0">
-                <a:solidFill>
-                  <a:srgbClr val="0070C0"/>
-                </a:solidFill>
-                <a:latin typeface="Calibri Light" panose="020F0302020204030204" pitchFamily="34" charset="0"/>
-                <a:cs typeface="Calibri Light" panose="020F0302020204030204" pitchFamily="34" charset="0"/>
-              </a:rPr>
-              <a:t> Control Word [RFC8964] </a:t>
-            </a:r>
-            <a:r>
-              <a:rPr lang="en-CA" sz="2400" dirty="0">
-                <a:solidFill>
-                  <a:srgbClr val="0070C0"/>
-                </a:solidFill>
-                <a:latin typeface="Calibri Light" panose="020F0302020204030204" pitchFamily="34" charset="0"/>
-                <a:cs typeface="Calibri Light" panose="020F0302020204030204" pitchFamily="34" charset="0"/>
-              </a:rPr>
-              <a:t>with IOAM Data Fields</a:t>
-            </a:r>
-            <a:endParaRPr lang="en-US" sz="2400" dirty="0">
-              <a:solidFill>
-                <a:srgbClr val="0070C0"/>
-              </a:solidFill>
-              <a:latin typeface="Calibri Light" panose="020F0302020204030204" pitchFamily="34" charset="0"/>
-              <a:cs typeface="Calibri Light" panose="020F0302020204030204" pitchFamily="34" charset="0"/>
-            </a:endParaRPr>
-          </a:p>
-        </p:txBody>
-      </p:sp>
-      <p:sp>
-        <p:nvSpPr>
-          <p:cNvPr id="4" name="Footer Placeholder 3">
-            <a:extLst>
-              <a:ext uri="{FF2B5EF4-FFF2-40B4-BE49-F238E27FC236}">
-                <a16:creationId xmlns:a16="http://schemas.microsoft.com/office/drawing/2014/main" id="{CF70CC82-C055-3645-9254-87CEC1C49032}"/>
-              </a:ext>
-            </a:extLst>
-          </p:cNvPr>
-          <p:cNvSpPr>
-            <a:spLocks noGrp="1"/>
-          </p:cNvSpPr>
-          <p:nvPr>
-            <p:ph type="ftr" sz="quarter" idx="11"/>
-          </p:nvPr>
-        </p:nvSpPr>
-        <p:spPr>
-          <a:xfrm>
-            <a:off x="3124200" y="4786312"/>
-            <a:ext cx="2895600" cy="357188"/>
-          </a:xfrm>
-        </p:spPr>
-        <p:txBody>
-          <a:bodyPr/>
-          <a:lstStyle/>
-          <a:p>
-            <a:pPr>
-              <a:defRPr/>
-            </a:pPr>
-            <a:r>
-              <a:rPr lang="en-US" altLang="zh-CN" dirty="0"/>
-              <a:t>110</a:t>
-            </a:r>
-            <a:r>
-              <a:rPr lang="en-US" altLang="zh-CN" baseline="30000" dirty="0"/>
-              <a:t>th</a:t>
-            </a:r>
-            <a:r>
-              <a:rPr lang="en-US" altLang="zh-CN" dirty="0"/>
-              <a:t> IETF Online</a:t>
-            </a:r>
-          </a:p>
-        </p:txBody>
-      </p:sp>
-      <p:sp>
-        <p:nvSpPr>
-          <p:cNvPr id="5" name="Slide Number Placeholder 4">
-            <a:extLst>
-              <a:ext uri="{FF2B5EF4-FFF2-40B4-BE49-F238E27FC236}">
-                <a16:creationId xmlns:a16="http://schemas.microsoft.com/office/drawing/2014/main" id="{62DF7D69-BCF6-2D4A-A3F1-2D32C59355D3}"/>
-              </a:ext>
-            </a:extLst>
-          </p:cNvPr>
-          <p:cNvSpPr>
-            <a:spLocks noGrp="1"/>
-          </p:cNvSpPr>
-          <p:nvPr>
-            <p:ph type="sldNum" sz="quarter" idx="12"/>
-          </p:nvPr>
-        </p:nvSpPr>
-        <p:spPr/>
-        <p:txBody>
-          <a:bodyPr/>
-          <a:lstStyle/>
-          <a:p>
-            <a:pPr>
-              <a:defRPr/>
-            </a:pPr>
-            <a:fld id="{BD6E0F59-1DD8-40FC-9C92-B6295CBA6CCA}" type="slidenum">
-              <a:rPr lang="en-US" altLang="zh-CN" smtClean="0"/>
-              <a:pPr>
-                <a:defRPr/>
-              </a:pPr>
-              <a:t>28</a:t>
-            </a:fld>
-            <a:endParaRPr lang="en-US" altLang="zh-CN" dirty="0"/>
-          </a:p>
-        </p:txBody>
-      </p:sp>
-      <p:sp>
-        <p:nvSpPr>
-          <p:cNvPr id="6" name="Rectangle 5">
-            <a:extLst>
-              <a:ext uri="{FF2B5EF4-FFF2-40B4-BE49-F238E27FC236}">
-                <a16:creationId xmlns:a16="http://schemas.microsoft.com/office/drawing/2014/main" id="{E614F343-6DC2-A943-8496-BE1E2B6072CE}"/>
-              </a:ext>
-            </a:extLst>
-          </p:cNvPr>
-          <p:cNvSpPr/>
-          <p:nvPr/>
-        </p:nvSpPr>
-        <p:spPr>
-          <a:xfrm>
-            <a:off x="2057400" y="619185"/>
-            <a:ext cx="4648200" cy="4524315"/>
-          </a:xfrm>
-          <a:prstGeom prst="rect">
-            <a:avLst/>
-          </a:prstGeom>
-          <a:solidFill>
-            <a:schemeClr val="accent6">
-              <a:lumMod val="20000"/>
-              <a:lumOff val="80000"/>
-            </a:schemeClr>
-          </a:solidFill>
-        </p:spPr>
-        <p:txBody>
-          <a:bodyPr wrap="square">
-            <a:spAutoFit/>
-          </a:bodyPr>
-          <a:lstStyle/>
-          <a:p>
-            <a:r>
-              <a:rPr lang="en-CA" sz="800" dirty="0">
-                <a:latin typeface="Courier" pitchFamily="2" charset="0"/>
-              </a:rPr>
-              <a:t>   0                   1                   2                   3</a:t>
-            </a:r>
-          </a:p>
-          <a:p>
-            <a:r>
-              <a:rPr lang="en-CA" sz="800" dirty="0">
-                <a:latin typeface="Courier" pitchFamily="2" charset="0"/>
-              </a:rPr>
-              <a:t>   0 1 2 3 4 5 6 7 8 9 0 1 2 3 4 5 6 7 8 9 0 1 2 3 4 5 6 7 8 9 0 1</a:t>
-            </a:r>
-          </a:p>
-          <a:p>
-            <a:r>
-              <a:rPr lang="en-CA" sz="800" dirty="0">
-                <a:latin typeface="Courier" pitchFamily="2" charset="0"/>
-              </a:rPr>
-              <a:t>   +-+-+-+-+-+-+-+-+-+-+-+-+-+-+-+-+-+-+-+-+-+-+-+-+-+-+-+-+-+-+-+-+</a:t>
-            </a:r>
-          </a:p>
-          <a:p>
-            <a:r>
-              <a:rPr lang="en-CA" sz="800" dirty="0">
-                <a:latin typeface="Courier" pitchFamily="2" charset="0"/>
-              </a:rPr>
-              <a:t>   | [F-Label(s)]                          | TC  |S|  TTL          |</a:t>
-            </a:r>
-          </a:p>
-          <a:p>
-            <a:r>
-              <a:rPr lang="en-CA" sz="800" dirty="0">
-                <a:latin typeface="Courier" pitchFamily="2" charset="0"/>
-              </a:rPr>
-              <a:t>   +-+-+-+-+-+-+-+-+-+-+-+-+-+-+-+-+-+-+-+-+-+-+-+-+-+-+-+-+-+-+-+-+</a:t>
-            </a:r>
-          </a:p>
-          <a:p>
-            <a:r>
-              <a:rPr lang="en-CA" sz="800" dirty="0">
-                <a:latin typeface="Courier" pitchFamily="2" charset="0"/>
-              </a:rPr>
-              <a:t>   | A-Label                               | TC  |S|  TTL          |</a:t>
-            </a:r>
-          </a:p>
-          <a:p>
-            <a:r>
-              <a:rPr lang="en-CA" sz="800" dirty="0">
-                <a:latin typeface="Courier" pitchFamily="2" charset="0"/>
-              </a:rPr>
-              <a:t>   +-+-+-+-+-+-+-+-+-+-+-+-+-+-+-+-+-+-+-+-+-+-+-+-+-+-+-+-+-+-+-+-+</a:t>
-            </a:r>
-          </a:p>
-          <a:p>
-            <a:r>
-              <a:rPr lang="en-CA" sz="800" dirty="0">
-                <a:solidFill>
-                  <a:srgbClr val="C00000"/>
-                </a:solidFill>
-                <a:latin typeface="Courier" pitchFamily="2" charset="0"/>
-              </a:rPr>
-              <a:t>   </a:t>
-            </a:r>
-            <a:r>
-              <a:rPr lang="en-CA" sz="800" dirty="0">
-                <a:solidFill>
-                  <a:srgbClr val="0070C0"/>
-                </a:solidFill>
-                <a:latin typeface="Courier" pitchFamily="2" charset="0"/>
-              </a:rPr>
-              <a:t>|0 0 0 0| Sequence Number (</a:t>
-            </a:r>
-            <a:r>
-              <a:rPr lang="en-CA" sz="800" dirty="0" err="1">
-                <a:solidFill>
-                  <a:srgbClr val="0070C0"/>
-                </a:solidFill>
-                <a:latin typeface="Courier" pitchFamily="2" charset="0"/>
-              </a:rPr>
-              <a:t>DetNet</a:t>
-            </a:r>
-            <a:r>
-              <a:rPr lang="en-CA" sz="800" dirty="0">
-                <a:solidFill>
-                  <a:srgbClr val="0070C0"/>
-                </a:solidFill>
-                <a:latin typeface="Courier" pitchFamily="2" charset="0"/>
-              </a:rPr>
-              <a:t> Control Word)                 |</a:t>
-            </a:r>
-          </a:p>
-          <a:p>
-            <a:r>
-              <a:rPr lang="en-CA" sz="800" dirty="0">
-                <a:latin typeface="Courier" pitchFamily="2" charset="0"/>
-              </a:rPr>
-              <a:t>   +-+-+-+-+-+-+-+-+-+-+-+-+-+-+-+-+-+-+-+-+-+-+-+-+-+-+-+-+-+-+-+-+</a:t>
-            </a:r>
-          </a:p>
-          <a:p>
-            <a:r>
-              <a:rPr lang="en-CA" sz="800" dirty="0">
-                <a:latin typeface="Courier" pitchFamily="2" charset="0"/>
-              </a:rPr>
-              <a:t>   | [F-Label(s)]                          | TC  |S|  TTL          |</a:t>
-            </a:r>
-          </a:p>
-          <a:p>
-            <a:r>
-              <a:rPr lang="en-CA" sz="800" dirty="0">
-                <a:latin typeface="Courier" pitchFamily="2" charset="0"/>
-              </a:rPr>
-              <a:t>   +-+-+-+-+-+-+-+-+-+-+-+-+-+-+-+-+-+-+-+-+-+-+-+-+-+-+-+-+-+-+-+-+</a:t>
-            </a:r>
-          </a:p>
-          <a:p>
-            <a:r>
-              <a:rPr lang="en-CA" sz="800" dirty="0">
-                <a:latin typeface="Courier" pitchFamily="2" charset="0"/>
-              </a:rPr>
-              <a:t>   | S-Label                               | TC  |S|  TTL          |</a:t>
-            </a:r>
-          </a:p>
-          <a:p>
-            <a:r>
-              <a:rPr lang="en-CA" sz="800" dirty="0">
-                <a:latin typeface="Courier" pitchFamily="2" charset="0"/>
-              </a:rPr>
-              <a:t>   +-+-+-+-+-+-+-+-+-+-+-+-+-+-+-+-+-+-+-+-+-+-+-+-+-+-+-+-+-+-+-+-+</a:t>
-            </a:r>
-          </a:p>
-          <a:p>
-            <a:r>
-              <a:rPr lang="en-CA" sz="800" dirty="0">
-                <a:latin typeface="Courier" pitchFamily="2" charset="0"/>
-              </a:rPr>
-              <a:t>   | IOAM Indicator Label                  | TC  |1|  TTL          |</a:t>
-            </a:r>
-          </a:p>
-          <a:p>
-            <a:r>
-              <a:rPr lang="en-CA" sz="800" dirty="0">
-                <a:latin typeface="Courier" pitchFamily="2" charset="0"/>
-              </a:rPr>
-              <a:t>   +-+-+-+-+-+-+-+-+-+-+-+-+-+-+-+-+-+-+-+-+-+-+-+-+-+-+-+-+-+-+-+-+&lt;-+</a:t>
-            </a:r>
-          </a:p>
-          <a:p>
-            <a:r>
-              <a:rPr lang="en-CA" sz="800" dirty="0">
-                <a:latin typeface="Courier" pitchFamily="2" charset="0"/>
-              </a:rPr>
-              <a:t>   |0 0 0 1|Version| Reserved      | IOAM G-</a:t>
-            </a:r>
-            <a:r>
-              <a:rPr lang="en-CA" sz="800" dirty="0" err="1">
-                <a:latin typeface="Courier" pitchFamily="2" charset="0"/>
-              </a:rPr>
-              <a:t>ACh</a:t>
-            </a:r>
-            <a:r>
-              <a:rPr lang="en-CA" sz="800" dirty="0">
-                <a:latin typeface="Courier" pitchFamily="2" charset="0"/>
-              </a:rPr>
-              <a:t>                    |  |</a:t>
-            </a:r>
-          </a:p>
-          <a:p>
-            <a:r>
-              <a:rPr lang="en-CA" sz="800" dirty="0">
-                <a:latin typeface="Courier" pitchFamily="2" charset="0"/>
-              </a:rPr>
-              <a:t>   +-+-+-+-+-+-+-+-+-+-+-+-+-+-+-+-+-+-+-+-+-+-+-+-+-+-+-+-+-+-+-+-+  |</a:t>
-            </a:r>
-          </a:p>
-          <a:p>
-            <a:r>
-              <a:rPr lang="en-CA" sz="800" dirty="0">
-                <a:latin typeface="Courier" pitchFamily="2" charset="0"/>
-              </a:rPr>
-              <a:t>   | Reserved      | Block Number  | IOAM-OPT-Type |</a:t>
-            </a:r>
-            <a:r>
-              <a:rPr lang="en-CA" sz="800" dirty="0">
-                <a:solidFill>
-                  <a:srgbClr val="0070C0"/>
-                </a:solidFill>
-                <a:latin typeface="Courier" pitchFamily="2" charset="0"/>
-              </a:rPr>
-              <a:t>IOAM HDR Length</a:t>
-            </a:r>
-            <a:r>
-              <a:rPr lang="en-CA" sz="800" dirty="0">
-                <a:latin typeface="Courier" pitchFamily="2" charset="0"/>
-              </a:rPr>
-              <a:t>|  |</a:t>
-            </a:r>
-          </a:p>
-          <a:p>
-            <a:r>
-              <a:rPr lang="en-CA" sz="800" dirty="0">
-                <a:latin typeface="Courier" pitchFamily="2" charset="0"/>
-              </a:rPr>
-              <a:t>   +-+-+-+-+-+-+-+-+-+-+-+-+-+-+-+-+-+-+-+-+-+-+-+-+-+-+-+-+-+-+-+-+  I</a:t>
-            </a:r>
-          </a:p>
-          <a:p>
-            <a:r>
-              <a:rPr lang="en-CA" sz="800" dirty="0">
-                <a:latin typeface="Courier" pitchFamily="2" charset="0"/>
-              </a:rPr>
-              <a:t>   |                                                               |  O</a:t>
-            </a:r>
-          </a:p>
-          <a:p>
-            <a:r>
-              <a:rPr lang="en-CA" sz="800" dirty="0">
-                <a:latin typeface="Courier" pitchFamily="2" charset="0"/>
-              </a:rPr>
-              <a:t>   |                                                               |  A</a:t>
-            </a:r>
-          </a:p>
-          <a:p>
-            <a:r>
-              <a:rPr lang="en-CA" sz="800" dirty="0">
-                <a:latin typeface="Courier" pitchFamily="2" charset="0"/>
-              </a:rPr>
-              <a:t>   ~                 IOAM Option and Data Space                    ~  M</a:t>
-            </a:r>
-          </a:p>
-          <a:p>
-            <a:r>
-              <a:rPr lang="en-CA" sz="800" dirty="0">
-                <a:latin typeface="Courier" pitchFamily="2" charset="0"/>
-              </a:rPr>
-              <a:t>   |                                                               |  |</a:t>
-            </a:r>
-          </a:p>
-          <a:p>
-            <a:r>
-              <a:rPr lang="en-CA" sz="800" dirty="0">
-                <a:latin typeface="Courier" pitchFamily="2" charset="0"/>
-              </a:rPr>
-              <a:t>   |                                                               |  |</a:t>
-            </a:r>
-          </a:p>
-          <a:p>
-            <a:r>
-              <a:rPr lang="en-CA" sz="800" dirty="0">
-                <a:latin typeface="Courier" pitchFamily="2" charset="0"/>
-              </a:rPr>
-              <a:t>   +-+-+-+-+-+-+-+-+-+-+-+-+-+-+-+-+-+-+-+-+-+-+-+-+-+-+-+-+-+-+-+-+&lt;-+</a:t>
-            </a:r>
-          </a:p>
-          <a:p>
-            <a:r>
-              <a:rPr lang="en-CA" sz="800" dirty="0">
-                <a:solidFill>
-                  <a:srgbClr val="C00000"/>
-                </a:solidFill>
-                <a:latin typeface="Courier" pitchFamily="2" charset="0"/>
-              </a:rPr>
-              <a:t>   </a:t>
-            </a:r>
-            <a:r>
-              <a:rPr lang="en-CA" sz="800" dirty="0">
-                <a:solidFill>
-                  <a:srgbClr val="0070C0"/>
-                </a:solidFill>
-                <a:latin typeface="Courier" pitchFamily="2" charset="0"/>
-              </a:rPr>
-              <a:t>|0 0 0 0| Sequence Number (</a:t>
-            </a:r>
-            <a:r>
-              <a:rPr lang="en-CA" sz="800" dirty="0" err="1">
-                <a:solidFill>
-                  <a:srgbClr val="0070C0"/>
-                </a:solidFill>
-                <a:latin typeface="Courier" pitchFamily="2" charset="0"/>
-              </a:rPr>
-              <a:t>DetNet</a:t>
-            </a:r>
-            <a:r>
-              <a:rPr lang="en-CA" sz="800" dirty="0">
-                <a:solidFill>
-                  <a:srgbClr val="0070C0"/>
-                </a:solidFill>
-                <a:latin typeface="Courier" pitchFamily="2" charset="0"/>
-              </a:rPr>
-              <a:t> Control Word)                 |</a:t>
-            </a:r>
-          </a:p>
-          <a:p>
-            <a:r>
-              <a:rPr lang="en-CA" sz="800" dirty="0">
-                <a:solidFill>
-                  <a:srgbClr val="0070C0"/>
-                </a:solidFill>
-                <a:latin typeface="Courier" pitchFamily="2" charset="0"/>
-              </a:rPr>
-              <a:t>   +-+-+-+-+-+-+-+-+-+-+-+-+-+-+-+-+-+-+-+-+-+-+-+-+-+-+-+-+-+-+-+-+</a:t>
-            </a:r>
-          </a:p>
-          <a:p>
-            <a:r>
-              <a:rPr lang="en-CA" sz="800" dirty="0">
-                <a:latin typeface="Courier" pitchFamily="2" charset="0"/>
-              </a:rPr>
-              <a:t>   |                                                               |</a:t>
-            </a:r>
-          </a:p>
-          <a:p>
-            <a:r>
-              <a:rPr lang="en-CA" sz="800" dirty="0">
-                <a:latin typeface="Courier" pitchFamily="2" charset="0"/>
-              </a:rPr>
-              <a:t>   |                                                               |</a:t>
-            </a:r>
-          </a:p>
-          <a:p>
-            <a:r>
-              <a:rPr lang="en-CA" sz="800" dirty="0">
-                <a:latin typeface="Courier" pitchFamily="2" charset="0"/>
-              </a:rPr>
-              <a:t>   ~                 </a:t>
-            </a:r>
-            <a:r>
-              <a:rPr lang="en-CA" sz="800" dirty="0" err="1">
-                <a:latin typeface="Courier" pitchFamily="2" charset="0"/>
-              </a:rPr>
-              <a:t>DetNet</a:t>
-            </a:r>
-            <a:r>
-              <a:rPr lang="en-CA" sz="800" dirty="0">
-                <a:latin typeface="Courier" pitchFamily="2" charset="0"/>
-              </a:rPr>
-              <a:t> Flow                                   ~</a:t>
-            </a:r>
-          </a:p>
-          <a:p>
-            <a:r>
-              <a:rPr lang="en-CA" sz="800" dirty="0">
-                <a:latin typeface="Courier" pitchFamily="2" charset="0"/>
-              </a:rPr>
-              <a:t>   ~                 Payload Packet                                ~</a:t>
-            </a:r>
-          </a:p>
-          <a:p>
-            <a:r>
-              <a:rPr lang="en-CA" sz="800" dirty="0">
-                <a:latin typeface="Courier" pitchFamily="2" charset="0"/>
-              </a:rPr>
-              <a:t>   |                                                               |</a:t>
-            </a:r>
-          </a:p>
-          <a:p>
-            <a:r>
-              <a:rPr lang="en-CA" sz="800" dirty="0">
-                <a:latin typeface="Courier" pitchFamily="2" charset="0"/>
-              </a:rPr>
-              <a:t>   |                                                               |</a:t>
-            </a:r>
-          </a:p>
-          <a:p>
-            <a:r>
-              <a:rPr lang="en-CA" sz="800" dirty="0">
-                <a:latin typeface="Courier" pitchFamily="2" charset="0"/>
-              </a:rPr>
-              <a:t>   +-+-+-+-+-+-+-+-+-+-+-+-+-+-+-+-+-+-+-+-+-+-+-+-+-+-+-+-+-+-+-+-+</a:t>
-            </a:r>
-          </a:p>
-          <a:p>
-            <a:r>
-              <a:rPr lang="en-CA" sz="800" dirty="0">
-                <a:latin typeface="Courier" pitchFamily="2" charset="0"/>
-              </a:rPr>
-              <a:t> </a:t>
-            </a:r>
-          </a:p>
-          <a:p>
-            <a:r>
-              <a:rPr lang="en-CA" sz="800" dirty="0">
-                <a:latin typeface="Courier" pitchFamily="2" charset="0"/>
-              </a:rPr>
-              <a:t>  Figure: Example MPLS Encapsulation with </a:t>
-            </a:r>
-            <a:r>
-              <a:rPr lang="en-CA" sz="800" dirty="0" err="1">
-                <a:latin typeface="Courier" pitchFamily="2" charset="0"/>
-              </a:rPr>
-              <a:t>DetNet</a:t>
-            </a:r>
-            <a:r>
-              <a:rPr lang="en-CA" sz="800" dirty="0">
-                <a:latin typeface="Courier" pitchFamily="2" charset="0"/>
-              </a:rPr>
-              <a:t> with IOAM Data Fields</a:t>
-            </a:r>
-            <a:endParaRPr lang="en-CA" sz="800" dirty="0">
-              <a:latin typeface="Courier" pitchFamily="2" charset="0"/>
-              <a:ea typeface="Calibri" panose="020F0502020204030204" pitchFamily="34" charset="0"/>
-              <a:cs typeface="Times New Roman" panose="02020603050405020304" pitchFamily="18" charset="0"/>
-            </a:endParaRPr>
-          </a:p>
-        </p:txBody>
-      </p:sp>
-    </p:spTree>
-    <p:extLst>
-      <p:ext uri="{BB962C8B-B14F-4D97-AF65-F5344CB8AC3E}">
-        <p14:creationId xmlns:p14="http://schemas.microsoft.com/office/powerpoint/2010/main" val="3004204706"/>
-      </p:ext>
-    </p:extLst>
-  </p:cSld>
-  <p:clrMapOvr>
-    <a:masterClrMapping/>
-  </p:clrMapOvr>
-</p:sld>
-</file>
-
-<file path=ppt/slides/slide29.xml><?xml version="1.0" encoding="utf-8"?>
-<p:sld xmlns:a="http://schemas.openxmlformats.org/drawingml/2006/main" xmlns:r="http://schemas.openxmlformats.org/officeDocument/2006/relationships" xmlns:p="http://schemas.openxmlformats.org/presentationml/2006/main">
-  <p:cSld>
-    <p:spTree>
-      <p:nvGrpSpPr>
-        <p:cNvPr id="1" name=""/>
-        <p:cNvGrpSpPr/>
-        <p:nvPr/>
-      </p:nvGrpSpPr>
-      <p:grpSpPr>
-        <a:xfrm>
-          <a:off x="0" y="0"/>
-          <a:ext cx="0" cy="0"/>
-          <a:chOff x="0" y="0"/>
-          <a:chExt cx="0" cy="0"/>
-        </a:xfrm>
-      </p:grpSpPr>
-      <p:sp>
-        <p:nvSpPr>
-          <p:cNvPr id="2" name="Title 1">
-            <a:extLst>
-              <a:ext uri="{FF2B5EF4-FFF2-40B4-BE49-F238E27FC236}">
-                <a16:creationId xmlns:a16="http://schemas.microsoft.com/office/drawing/2014/main" id="{16C5255E-BE42-5348-AC0F-6257873BBB61}"/>
-              </a:ext>
-            </a:extLst>
-          </p:cNvPr>
-          <p:cNvSpPr>
-            <a:spLocks noGrp="1"/>
-          </p:cNvSpPr>
-          <p:nvPr>
-            <p:ph type="title"/>
-          </p:nvPr>
-        </p:nvSpPr>
-        <p:spPr>
-          <a:xfrm>
-            <a:off x="0" y="17653"/>
-            <a:ext cx="9124208" cy="717589"/>
-          </a:xfrm>
-        </p:spPr>
-        <p:txBody>
-          <a:bodyPr/>
-          <a:lstStyle/>
-          <a:p>
-            <a:r>
-              <a:rPr lang="en-US" sz="2400" dirty="0">
-                <a:solidFill>
-                  <a:srgbClr val="0070C0"/>
-                </a:solidFill>
-                <a:latin typeface="Calibri Light" panose="020F0302020204030204" pitchFamily="34" charset="0"/>
-                <a:cs typeface="Calibri Light" panose="020F0302020204030204" pitchFamily="34" charset="0"/>
-              </a:rPr>
-              <a:t>Example 4 - Generic Delivery Function </a:t>
-            </a:r>
-            <a:r>
-              <a:rPr lang="en-US" sz="2400" dirty="0" err="1">
-                <a:solidFill>
-                  <a:srgbClr val="0070C0"/>
-                </a:solidFill>
-                <a:latin typeface="Calibri Light" panose="020F0302020204030204" pitchFamily="34" charset="0"/>
-                <a:cs typeface="Calibri Light" panose="020F0302020204030204" pitchFamily="34" charset="0"/>
-              </a:rPr>
-              <a:t>Encap</a:t>
-            </a:r>
-            <a:r>
-              <a:rPr lang="en-US" sz="2400" dirty="0">
-                <a:solidFill>
-                  <a:srgbClr val="0070C0"/>
-                </a:solidFill>
-                <a:latin typeface="Calibri Light" panose="020F0302020204030204" pitchFamily="34" charset="0"/>
-                <a:cs typeface="Calibri Light" panose="020F0302020204030204" pitchFamily="34" charset="0"/>
-              </a:rPr>
-              <a:t> with IOAM Data Fields</a:t>
-            </a:r>
-          </a:p>
-        </p:txBody>
-      </p:sp>
-      <p:sp>
-        <p:nvSpPr>
-          <p:cNvPr id="4" name="Footer Placeholder 3">
-            <a:extLst>
-              <a:ext uri="{FF2B5EF4-FFF2-40B4-BE49-F238E27FC236}">
-                <a16:creationId xmlns:a16="http://schemas.microsoft.com/office/drawing/2014/main" id="{CF70CC82-C055-3645-9254-87CEC1C49032}"/>
-              </a:ext>
-            </a:extLst>
-          </p:cNvPr>
-          <p:cNvSpPr>
-            <a:spLocks noGrp="1"/>
-          </p:cNvSpPr>
-          <p:nvPr>
-            <p:ph type="ftr" sz="quarter" idx="11"/>
-          </p:nvPr>
-        </p:nvSpPr>
-        <p:spPr>
-          <a:xfrm>
-            <a:off x="3124200" y="4786312"/>
-            <a:ext cx="2895600" cy="357188"/>
-          </a:xfrm>
-        </p:spPr>
-        <p:txBody>
-          <a:bodyPr/>
-          <a:lstStyle/>
-          <a:p>
-            <a:pPr>
-              <a:defRPr/>
-            </a:pPr>
-            <a:r>
-              <a:rPr lang="en-US" altLang="zh-CN" dirty="0"/>
-              <a:t>110</a:t>
-            </a:r>
-            <a:r>
-              <a:rPr lang="en-US" altLang="zh-CN" baseline="30000" dirty="0"/>
-              <a:t>th</a:t>
-            </a:r>
-            <a:r>
-              <a:rPr lang="en-US" altLang="zh-CN" dirty="0"/>
-              <a:t> IETF Online</a:t>
-            </a:r>
-          </a:p>
-        </p:txBody>
-      </p:sp>
-      <p:sp>
-        <p:nvSpPr>
-          <p:cNvPr id="5" name="Slide Number Placeholder 4">
-            <a:extLst>
-              <a:ext uri="{FF2B5EF4-FFF2-40B4-BE49-F238E27FC236}">
-                <a16:creationId xmlns:a16="http://schemas.microsoft.com/office/drawing/2014/main" id="{62DF7D69-BCF6-2D4A-A3F1-2D32C59355D3}"/>
-              </a:ext>
-            </a:extLst>
-          </p:cNvPr>
-          <p:cNvSpPr>
-            <a:spLocks noGrp="1"/>
-          </p:cNvSpPr>
-          <p:nvPr>
-            <p:ph type="sldNum" sz="quarter" idx="12"/>
-          </p:nvPr>
-        </p:nvSpPr>
-        <p:spPr/>
-        <p:txBody>
-          <a:bodyPr/>
-          <a:lstStyle/>
-          <a:p>
-            <a:pPr>
-              <a:defRPr/>
-            </a:pPr>
-            <a:fld id="{BD6E0F59-1DD8-40FC-9C92-B6295CBA6CCA}" type="slidenum">
-              <a:rPr lang="en-US" altLang="zh-CN" smtClean="0"/>
-              <a:pPr>
-                <a:defRPr/>
-              </a:pPr>
-              <a:t>29</a:t>
-            </a:fld>
-            <a:endParaRPr lang="en-US" altLang="zh-CN" dirty="0"/>
-          </a:p>
-        </p:txBody>
-      </p:sp>
-      <p:sp>
-        <p:nvSpPr>
-          <p:cNvPr id="6" name="Rectangle 5">
-            <a:extLst>
-              <a:ext uri="{FF2B5EF4-FFF2-40B4-BE49-F238E27FC236}">
-                <a16:creationId xmlns:a16="http://schemas.microsoft.com/office/drawing/2014/main" id="{E614F343-6DC2-A943-8496-BE1E2B6072CE}"/>
-              </a:ext>
-            </a:extLst>
-          </p:cNvPr>
-          <p:cNvSpPr/>
-          <p:nvPr/>
-        </p:nvSpPr>
-        <p:spPr>
-          <a:xfrm>
-            <a:off x="2590800" y="793671"/>
-            <a:ext cx="5791200" cy="3970318"/>
-          </a:xfrm>
-          <a:prstGeom prst="rect">
-            <a:avLst/>
-          </a:prstGeom>
-          <a:solidFill>
-            <a:schemeClr val="accent6">
-              <a:lumMod val="20000"/>
-              <a:lumOff val="80000"/>
-            </a:schemeClr>
-          </a:solidFill>
-        </p:spPr>
-        <p:txBody>
-          <a:bodyPr wrap="square">
-            <a:spAutoFit/>
-          </a:bodyPr>
-          <a:lstStyle/>
-          <a:p>
-            <a:r>
-              <a:rPr lang="en-CA" sz="900" dirty="0">
-                <a:latin typeface="Courier" pitchFamily="2" charset="0"/>
-              </a:rPr>
-              <a:t>   0                   1                   2                   3</a:t>
-            </a:r>
-          </a:p>
-          <a:p>
-            <a:r>
-              <a:rPr lang="en-CA" sz="900" dirty="0">
-                <a:latin typeface="Courier" pitchFamily="2" charset="0"/>
-              </a:rPr>
-              <a:t>   0 1 2 3 4 5 6 7 8 9 0 1 2 3 4 5 6 7 8 9 0 1 2 3 4 5 6 7 8 9 0 1</a:t>
-            </a:r>
-          </a:p>
-          <a:p>
-            <a:r>
-              <a:rPr lang="en-CA" sz="900" dirty="0">
-                <a:latin typeface="Courier" pitchFamily="2" charset="0"/>
-              </a:rPr>
-              <a:t>   +-+-+-+-+-+-+-+-+-+-+-+-+-+-+-+-+-+-+-+-+-+-+-+-+-+-+-+-+-+-+-+-+</a:t>
-            </a:r>
-          </a:p>
-          <a:p>
-            <a:r>
-              <a:rPr lang="en-CA" sz="900" dirty="0">
-                <a:latin typeface="Courier" pitchFamily="2" charset="0"/>
-              </a:rPr>
-              <a:t>   | IOAM Indicator Label                  | TC  |1|  TTL          |</a:t>
-            </a:r>
-          </a:p>
-          <a:p>
-            <a:r>
-              <a:rPr lang="en-CA" sz="900" dirty="0">
-                <a:latin typeface="Courier" pitchFamily="2" charset="0"/>
-              </a:rPr>
-              <a:t>   +-+-+-+-+-+-+-+-+-+-+-+-+-+-+-+-+-+-+-+-+-+-+-+-+-+-+-+-+-+-+-+-+&lt;-+</a:t>
-            </a:r>
-          </a:p>
-          <a:p>
-            <a:r>
-              <a:rPr lang="en-CA" sz="900" dirty="0">
-                <a:latin typeface="Courier" pitchFamily="2" charset="0"/>
-              </a:rPr>
-              <a:t>   |0 0 0 1|Version| Reserved      | IOAM G-</a:t>
-            </a:r>
-            <a:r>
-              <a:rPr lang="en-CA" sz="900" dirty="0" err="1">
-                <a:latin typeface="Courier" pitchFamily="2" charset="0"/>
-              </a:rPr>
-              <a:t>ACh</a:t>
-            </a:r>
-            <a:r>
-              <a:rPr lang="en-CA" sz="900" dirty="0">
-                <a:latin typeface="Courier" pitchFamily="2" charset="0"/>
-              </a:rPr>
-              <a:t>                    |  |</a:t>
-            </a:r>
-          </a:p>
-          <a:p>
-            <a:r>
-              <a:rPr lang="en-CA" sz="900" dirty="0">
-                <a:latin typeface="Courier" pitchFamily="2" charset="0"/>
-              </a:rPr>
-              <a:t>   +-+-+-+-+-+-+-+-+-+-+-+-+-+-+-+-+-+-+-+-+-+-+-+-+-+-+-+-+-+-+-+-+  |</a:t>
-            </a:r>
-          </a:p>
-          <a:p>
-            <a:r>
-              <a:rPr lang="en-CA" sz="900" dirty="0">
-                <a:latin typeface="Courier" pitchFamily="2" charset="0"/>
-              </a:rPr>
-              <a:t>   | Reserved      | Block Number  | IOAM-OPT-Type |</a:t>
-            </a:r>
-            <a:r>
-              <a:rPr lang="en-CA" sz="900" dirty="0">
-                <a:solidFill>
-                  <a:srgbClr val="0070C0"/>
-                </a:solidFill>
-                <a:latin typeface="Courier" pitchFamily="2" charset="0"/>
-              </a:rPr>
-              <a:t>IOAM HDR Length</a:t>
-            </a:r>
-            <a:r>
-              <a:rPr lang="en-CA" sz="900" dirty="0">
-                <a:latin typeface="Courier" pitchFamily="2" charset="0"/>
-              </a:rPr>
-              <a:t>|  |</a:t>
-            </a:r>
-          </a:p>
-          <a:p>
-            <a:r>
-              <a:rPr lang="en-CA" sz="900" dirty="0">
-                <a:latin typeface="Courier" pitchFamily="2" charset="0"/>
-              </a:rPr>
-              <a:t>   +-+-+-+-+-+-+-+-+-+-+-+-+-+-+-+-+-+-+-+-+-+-+-+-+-+-+-+-+-+-+-+-+  I</a:t>
-            </a:r>
-          </a:p>
-          <a:p>
-            <a:r>
-              <a:rPr lang="en-CA" sz="900" dirty="0">
-                <a:latin typeface="Courier" pitchFamily="2" charset="0"/>
-              </a:rPr>
-              <a:t>   |                                                               |  O</a:t>
-            </a:r>
-          </a:p>
-          <a:p>
-            <a:r>
-              <a:rPr lang="en-CA" sz="900" dirty="0">
-                <a:latin typeface="Courier" pitchFamily="2" charset="0"/>
-              </a:rPr>
-              <a:t>   |                                                               |  A</a:t>
-            </a:r>
-          </a:p>
-          <a:p>
-            <a:r>
-              <a:rPr lang="en-CA" sz="900" dirty="0">
-                <a:latin typeface="Courier" pitchFamily="2" charset="0"/>
-              </a:rPr>
-              <a:t>   ~                 IOAM Option and Data Space                    ~  M</a:t>
-            </a:r>
-          </a:p>
-          <a:p>
-            <a:r>
-              <a:rPr lang="en-CA" sz="900" dirty="0">
-                <a:latin typeface="Courier" pitchFamily="2" charset="0"/>
-              </a:rPr>
-              <a:t>   |                                                               |  |</a:t>
-            </a:r>
-          </a:p>
-          <a:p>
-            <a:r>
-              <a:rPr lang="en-CA" sz="900" dirty="0">
-                <a:latin typeface="Courier" pitchFamily="2" charset="0"/>
-              </a:rPr>
-              <a:t>   |                                                               |  |</a:t>
-            </a:r>
-          </a:p>
-          <a:p>
-            <a:r>
-              <a:rPr lang="en-CA" sz="900" dirty="0">
-                <a:latin typeface="Courier" pitchFamily="2" charset="0"/>
-              </a:rPr>
-              <a:t>   +-+-+-+-+-+-+-+-+-+-+-+-+-+-+-+-+-+-+-+-+-+-+-+-+-+-+-+-+-+-+-+-+&lt;-+</a:t>
-            </a:r>
-          </a:p>
-          <a:p>
-            <a:r>
-              <a:rPr lang="en-CA" sz="900" dirty="0">
-                <a:solidFill>
-                  <a:srgbClr val="0070C0"/>
-                </a:solidFill>
-                <a:latin typeface="Courier" pitchFamily="2" charset="0"/>
-              </a:rPr>
-              <a:t>   |0 0 0 0| </a:t>
-            </a:r>
-            <a:r>
-              <a:rPr lang="en-CA" sz="900" dirty="0" err="1">
-                <a:solidFill>
-                  <a:srgbClr val="0070C0"/>
-                </a:solidFill>
-                <a:latin typeface="Courier" pitchFamily="2" charset="0"/>
-              </a:rPr>
-              <a:t>Rsved</a:t>
-            </a:r>
-            <a:r>
-              <a:rPr lang="en-CA" sz="900" dirty="0">
-                <a:solidFill>
-                  <a:srgbClr val="0070C0"/>
-                </a:solidFill>
-                <a:latin typeface="Courier" pitchFamily="2" charset="0"/>
-              </a:rPr>
-              <a:t> | This Header   | Header Length | Next Header   |</a:t>
-            </a:r>
-          </a:p>
-          <a:p>
-            <a:r>
-              <a:rPr lang="en-CA" sz="900" dirty="0">
-                <a:solidFill>
-                  <a:srgbClr val="0070C0"/>
-                </a:solidFill>
-                <a:latin typeface="Courier" pitchFamily="2" charset="0"/>
-              </a:rPr>
-              <a:t>   +-+-+-+-+-+-+-+-+-+-+-+-+-+-+-+-+-+-+-+-+-+-+-+-+-+-+-+-+-+-+-+-+</a:t>
-            </a:r>
-          </a:p>
-          <a:p>
-            <a:r>
-              <a:rPr lang="en-CA" sz="900" dirty="0">
-                <a:solidFill>
-                  <a:srgbClr val="0070C0"/>
-                </a:solidFill>
-                <a:latin typeface="Courier" pitchFamily="2" charset="0"/>
-              </a:rPr>
-              <a:t>   ~              Variable field per “This header”                 ~</a:t>
-            </a:r>
-          </a:p>
-          <a:p>
-            <a:r>
-              <a:rPr lang="en-CA" sz="900" dirty="0">
-                <a:solidFill>
-                  <a:srgbClr val="0070C0"/>
-                </a:solidFill>
-                <a:latin typeface="Courier" pitchFamily="2" charset="0"/>
-              </a:rPr>
-              <a:t>   +-+-+-+-+-+-+-+-+-+-+-+-+-+-+-+-+-+-+-+-+-+-+-+-+-+-+-+-+-+-+-+-+</a:t>
-            </a:r>
-          </a:p>
-          <a:p>
-            <a:r>
-              <a:rPr lang="en-CA" sz="900" dirty="0">
-                <a:solidFill>
-                  <a:srgbClr val="C00000"/>
-                </a:solidFill>
-                <a:latin typeface="Courier" pitchFamily="2" charset="0"/>
-              </a:rPr>
-              <a:t>  </a:t>
-            </a:r>
-            <a:r>
-              <a:rPr lang="en-CA" sz="900" dirty="0">
-                <a:latin typeface="Courier" pitchFamily="2" charset="0"/>
-              </a:rPr>
-              <a:t> |                                                               |</a:t>
-            </a:r>
-          </a:p>
-          <a:p>
-            <a:r>
-              <a:rPr lang="en-CA" sz="900" dirty="0">
-                <a:latin typeface="Courier" pitchFamily="2" charset="0"/>
-              </a:rPr>
-              <a:t>   |                                                               |</a:t>
-            </a:r>
-          </a:p>
-          <a:p>
-            <a:r>
-              <a:rPr lang="en-CA" sz="900" dirty="0">
-                <a:latin typeface="Courier" pitchFamily="2" charset="0"/>
-              </a:rPr>
-              <a:t>   ~                 Payload Packet                                ~</a:t>
-            </a:r>
-          </a:p>
-          <a:p>
-            <a:r>
-              <a:rPr lang="en-CA" sz="900" dirty="0">
-                <a:latin typeface="Courier" pitchFamily="2" charset="0"/>
-              </a:rPr>
-              <a:t>   |                                                               |</a:t>
-            </a:r>
-          </a:p>
-          <a:p>
-            <a:r>
-              <a:rPr lang="en-CA" sz="900" dirty="0">
-                <a:latin typeface="Courier" pitchFamily="2" charset="0"/>
-              </a:rPr>
-              <a:t>   |                                                               |</a:t>
-            </a:r>
-          </a:p>
-          <a:p>
-            <a:r>
-              <a:rPr lang="en-CA" sz="900" dirty="0">
-                <a:latin typeface="Courier" pitchFamily="2" charset="0"/>
-              </a:rPr>
-              <a:t>   +-+-+-+-+-+-+-+-+-+-+-+-+-+-+-+-+-+-+-+-+-+-+-+-+-+-+-+-+-+-+-+-+</a:t>
-            </a:r>
-          </a:p>
-          <a:p>
-            <a:r>
-              <a:rPr lang="en-CA" sz="900" dirty="0">
-                <a:latin typeface="Courier" pitchFamily="2" charset="0"/>
-              </a:rPr>
-              <a:t> </a:t>
-            </a:r>
-          </a:p>
-          <a:p>
-            <a:r>
-              <a:rPr lang="en-CA" sz="900" dirty="0">
-                <a:latin typeface="Courier" pitchFamily="2" charset="0"/>
-              </a:rPr>
-              <a:t>Figure: MPLS Encapsulation with Generic Delivery Functions with IOAM Data Fields</a:t>
-            </a:r>
-            <a:endParaRPr lang="en-CA" sz="900" dirty="0">
-              <a:latin typeface="Courier" pitchFamily="2" charset="0"/>
-              <a:ea typeface="Calibri" panose="020F0502020204030204" pitchFamily="34" charset="0"/>
-              <a:cs typeface="Times New Roman" panose="02020603050405020304" pitchFamily="18" charset="0"/>
-            </a:endParaRPr>
-          </a:p>
-        </p:txBody>
-      </p:sp>
-      <p:sp>
-        <p:nvSpPr>
-          <p:cNvPr id="7" name="Rectangle 6">
-            <a:extLst>
-              <a:ext uri="{FF2B5EF4-FFF2-40B4-BE49-F238E27FC236}">
-                <a16:creationId xmlns:a16="http://schemas.microsoft.com/office/drawing/2014/main" id="{AF26C24A-B63C-7045-B4DF-BFCC4C5A3608}"/>
-              </a:ext>
-            </a:extLst>
-          </p:cNvPr>
-          <p:cNvSpPr/>
-          <p:nvPr/>
-        </p:nvSpPr>
-        <p:spPr>
-          <a:xfrm>
-            <a:off x="114300" y="3556640"/>
-            <a:ext cx="2476500" cy="1015663"/>
-          </a:xfrm>
-          <a:prstGeom prst="rect">
-            <a:avLst/>
-          </a:prstGeom>
-        </p:spPr>
-        <p:txBody>
-          <a:bodyPr wrap="square">
-            <a:spAutoFit/>
-          </a:bodyPr>
-          <a:lstStyle/>
-          <a:p>
-            <a:pPr marL="171450" indent="-171450">
-              <a:buFont typeface="Arial" panose="020B0604020202020204" pitchFamily="34" charset="0"/>
-              <a:buChar char="•"/>
-            </a:pPr>
-            <a:r>
-              <a:rPr lang="en-US" sz="1000" dirty="0">
-                <a:hlinkClick r:id="rId2"/>
-              </a:rPr>
-              <a:t>https://datatracker.ietf.org/doc/draft-zzhang-intarea-generic-delivery-functions/</a:t>
-            </a:r>
-            <a:endParaRPr lang="en-US" sz="1000" dirty="0"/>
-          </a:p>
-          <a:p>
-            <a:pPr marL="171450" indent="-171450">
-              <a:buFont typeface="Arial" panose="020B0604020202020204" pitchFamily="34" charset="0"/>
-              <a:buChar char="•"/>
-            </a:pPr>
-            <a:endParaRPr lang="en-US" sz="1000" dirty="0"/>
-          </a:p>
-          <a:p>
-            <a:pPr marL="171450" indent="-171450">
-              <a:buFont typeface="Arial" panose="020B0604020202020204" pitchFamily="34" charset="0"/>
-              <a:buChar char="•"/>
-            </a:pPr>
-            <a:r>
-              <a:rPr lang="en-US" sz="1000" dirty="0"/>
-              <a:t>GDF Ingress/Egress Nodes only.</a:t>
-            </a:r>
-          </a:p>
-          <a:p>
-            <a:pPr marL="171450" indent="-171450">
-              <a:buFont typeface="Arial" panose="020B0604020202020204" pitchFamily="34" charset="0"/>
-              <a:buChar char="•"/>
-            </a:pPr>
-            <a:r>
-              <a:rPr lang="en-US" sz="1000" dirty="0"/>
-              <a:t>GDF has no Hop-by-hop processing</a:t>
-            </a:r>
-          </a:p>
-        </p:txBody>
-      </p:sp>
-    </p:spTree>
-    <p:extLst>
-      <p:ext uri="{BB962C8B-B14F-4D97-AF65-F5344CB8AC3E}">
-        <p14:creationId xmlns:p14="http://schemas.microsoft.com/office/powerpoint/2010/main" val="1532762073"/>
+        <p14:creationId xmlns:p14="http://schemas.microsoft.com/office/powerpoint/2010/main" val="4263515903"/>
       </p:ext>
     </p:extLst>
   </p:cSld>
@@ -15012,289 +14921,6 @@
 </p:sld>
 </file>
 
-<file path=ppt/slides/slide30.xml><?xml version="1.0" encoding="utf-8"?>
-<p:sld xmlns:a="http://schemas.openxmlformats.org/drawingml/2006/main" xmlns:r="http://schemas.openxmlformats.org/officeDocument/2006/relationships" xmlns:p="http://schemas.openxmlformats.org/presentationml/2006/main">
-  <p:cSld>
-    <p:spTree>
-      <p:nvGrpSpPr>
-        <p:cNvPr id="1" name=""/>
-        <p:cNvGrpSpPr/>
-        <p:nvPr/>
-      </p:nvGrpSpPr>
-      <p:grpSpPr>
-        <a:xfrm>
-          <a:off x="0" y="0"/>
-          <a:ext cx="0" cy="0"/>
-          <a:chOff x="0" y="0"/>
-          <a:chExt cx="0" cy="0"/>
-        </a:xfrm>
-      </p:grpSpPr>
-      <p:sp>
-        <p:nvSpPr>
-          <p:cNvPr id="4" name="Footer Placeholder 3"/>
-          <p:cNvSpPr>
-            <a:spLocks noGrp="1"/>
-          </p:cNvSpPr>
-          <p:nvPr>
-            <p:ph type="ftr" sz="quarter" idx="11"/>
-          </p:nvPr>
-        </p:nvSpPr>
-        <p:spPr>
-          <a:xfrm>
-            <a:off x="3124200" y="4787315"/>
-            <a:ext cx="2895600" cy="357188"/>
-          </a:xfrm>
-        </p:spPr>
-        <p:txBody>
-          <a:bodyPr/>
-          <a:lstStyle/>
-          <a:p>
-            <a:r>
-              <a:rPr lang="en-CA" dirty="0"/>
-              <a:t>110</a:t>
-            </a:r>
-            <a:r>
-              <a:rPr lang="en-CA" baseline="30000" dirty="0"/>
-              <a:t>th</a:t>
-            </a:r>
-            <a:r>
-              <a:rPr lang="en-CA" dirty="0"/>
-              <a:t> IETF Online</a:t>
-            </a:r>
-          </a:p>
-        </p:txBody>
-      </p:sp>
-      <p:sp>
-        <p:nvSpPr>
-          <p:cNvPr id="5" name="Rectangle 2"/>
-          <p:cNvSpPr txBox="1">
-            <a:spLocks noChangeArrowheads="1"/>
-          </p:cNvSpPr>
-          <p:nvPr/>
-        </p:nvSpPr>
-        <p:spPr bwMode="auto">
-          <a:xfrm>
-            <a:off x="685800" y="1657350"/>
-            <a:ext cx="7772400" cy="1102519"/>
-          </a:xfrm>
-          <a:prstGeom prst="rect">
-            <a:avLst/>
-          </a:prstGeom>
-          <a:noFill/>
-          <a:ln w="9525">
-            <a:noFill/>
-            <a:miter lim="800000"/>
-            <a:headEnd/>
-            <a:tailEnd/>
-          </a:ln>
-          <a:effectLst/>
-        </p:spPr>
-        <p:txBody>
-          <a:bodyPr vert="horz" wrap="square" lIns="91440" tIns="45720" rIns="91440" bIns="45720" numCol="1" anchor="ctr" anchorCtr="0" compatLnSpc="1">
-            <a:prstTxWarp prst="textNoShape">
-              <a:avLst/>
-            </a:prstTxWarp>
-          </a:bodyPr>
-          <a:lstStyle>
-            <a:lvl1pPr algn="ctr" rtl="0" eaLnBrk="0" fontAlgn="base" hangingPunct="0">
-              <a:spcBef>
-                <a:spcPct val="0"/>
-              </a:spcBef>
-              <a:spcAft>
-                <a:spcPct val="0"/>
-              </a:spcAft>
-              <a:defRPr sz="4400">
-                <a:solidFill>
-                  <a:schemeClr val="tx2"/>
-                </a:solidFill>
-                <a:latin typeface="+mj-lt"/>
-                <a:ea typeface="+mj-ea"/>
-                <a:cs typeface="+mj-cs"/>
-              </a:defRPr>
-            </a:lvl1pPr>
-            <a:lvl2pPr algn="ctr" rtl="0" eaLnBrk="0" fontAlgn="base" hangingPunct="0">
-              <a:spcBef>
-                <a:spcPct val="0"/>
-              </a:spcBef>
-              <a:spcAft>
-                <a:spcPct val="0"/>
-              </a:spcAft>
-              <a:defRPr sz="4400">
-                <a:solidFill>
-                  <a:schemeClr val="tx2"/>
-                </a:solidFill>
-                <a:latin typeface="Arial" charset="0"/>
-                <a:ea typeface="宋体" pitchFamily="2" charset="-122"/>
-              </a:defRPr>
-            </a:lvl2pPr>
-            <a:lvl3pPr algn="ctr" rtl="0" eaLnBrk="0" fontAlgn="base" hangingPunct="0">
-              <a:spcBef>
-                <a:spcPct val="0"/>
-              </a:spcBef>
-              <a:spcAft>
-                <a:spcPct val="0"/>
-              </a:spcAft>
-              <a:defRPr sz="4400">
-                <a:solidFill>
-                  <a:schemeClr val="tx2"/>
-                </a:solidFill>
-                <a:latin typeface="Arial" charset="0"/>
-                <a:ea typeface="宋体" pitchFamily="2" charset="-122"/>
-              </a:defRPr>
-            </a:lvl3pPr>
-            <a:lvl4pPr algn="ctr" rtl="0" eaLnBrk="0" fontAlgn="base" hangingPunct="0">
-              <a:spcBef>
-                <a:spcPct val="0"/>
-              </a:spcBef>
-              <a:spcAft>
-                <a:spcPct val="0"/>
-              </a:spcAft>
-              <a:defRPr sz="4400">
-                <a:solidFill>
-                  <a:schemeClr val="tx2"/>
-                </a:solidFill>
-                <a:latin typeface="Arial" charset="0"/>
-                <a:ea typeface="宋体" pitchFamily="2" charset="-122"/>
-              </a:defRPr>
-            </a:lvl4pPr>
-            <a:lvl5pPr algn="ctr" rtl="0" eaLnBrk="0" fontAlgn="base" hangingPunct="0">
-              <a:spcBef>
-                <a:spcPct val="0"/>
-              </a:spcBef>
-              <a:spcAft>
-                <a:spcPct val="0"/>
-              </a:spcAft>
-              <a:defRPr sz="4400">
-                <a:solidFill>
-                  <a:schemeClr val="tx2"/>
-                </a:solidFill>
-                <a:latin typeface="Arial" charset="0"/>
-                <a:ea typeface="宋体" pitchFamily="2" charset="-122"/>
-              </a:defRPr>
-            </a:lvl5pPr>
-            <a:lvl6pPr marL="457200" algn="ctr" rtl="0" fontAlgn="base">
-              <a:spcBef>
-                <a:spcPct val="0"/>
-              </a:spcBef>
-              <a:spcAft>
-                <a:spcPct val="0"/>
-              </a:spcAft>
-              <a:defRPr sz="4400">
-                <a:solidFill>
-                  <a:schemeClr val="tx2"/>
-                </a:solidFill>
-                <a:latin typeface="Arial" charset="0"/>
-                <a:ea typeface="宋体" pitchFamily="2" charset="-122"/>
-              </a:defRPr>
-            </a:lvl6pPr>
-            <a:lvl7pPr marL="914400" algn="ctr" rtl="0" fontAlgn="base">
-              <a:spcBef>
-                <a:spcPct val="0"/>
-              </a:spcBef>
-              <a:spcAft>
-                <a:spcPct val="0"/>
-              </a:spcAft>
-              <a:defRPr sz="4400">
-                <a:solidFill>
-                  <a:schemeClr val="tx2"/>
-                </a:solidFill>
-                <a:latin typeface="Arial" charset="0"/>
-                <a:ea typeface="宋体" pitchFamily="2" charset="-122"/>
-              </a:defRPr>
-            </a:lvl7pPr>
-            <a:lvl8pPr marL="1371600" algn="ctr" rtl="0" fontAlgn="base">
-              <a:spcBef>
-                <a:spcPct val="0"/>
-              </a:spcBef>
-              <a:spcAft>
-                <a:spcPct val="0"/>
-              </a:spcAft>
-              <a:defRPr sz="4400">
-                <a:solidFill>
-                  <a:schemeClr val="tx2"/>
-                </a:solidFill>
-                <a:latin typeface="Arial" charset="0"/>
-                <a:ea typeface="宋体" pitchFamily="2" charset="-122"/>
-              </a:defRPr>
-            </a:lvl8pPr>
-            <a:lvl9pPr marL="1828800" algn="ctr" rtl="0" fontAlgn="base">
-              <a:spcBef>
-                <a:spcPct val="0"/>
-              </a:spcBef>
-              <a:spcAft>
-                <a:spcPct val="0"/>
-              </a:spcAft>
-              <a:defRPr sz="4400">
-                <a:solidFill>
-                  <a:schemeClr val="tx2"/>
-                </a:solidFill>
-                <a:latin typeface="Arial" charset="0"/>
-                <a:ea typeface="宋体" pitchFamily="2" charset="-122"/>
-              </a:defRPr>
-            </a:lvl9pPr>
-          </a:lstStyle>
-          <a:p>
-            <a:pPr eaLnBrk="1" hangingPunct="1">
-              <a:defRPr/>
-            </a:pPr>
-            <a:r>
-              <a:rPr lang="en-US" altLang="zh-CN" sz="4000" kern="0" dirty="0">
-                <a:effectLst>
-                  <a:outerShdw blurRad="38100" dist="38100" dir="2700000" algn="tl">
-                    <a:srgbClr val="C0C0C0"/>
-                  </a:outerShdw>
-                </a:effectLst>
-                <a:latin typeface="Calibri" charset="0"/>
-                <a:ea typeface="Calibri" charset="0"/>
-                <a:cs typeface="Calibri" charset="0"/>
-              </a:rPr>
-              <a:t>Thank you</a:t>
-            </a:r>
-          </a:p>
-        </p:txBody>
-      </p:sp>
-      <p:sp>
-        <p:nvSpPr>
-          <p:cNvPr id="2" name="Slide Number Placeholder 1"/>
-          <p:cNvSpPr>
-            <a:spLocks noGrp="1"/>
-          </p:cNvSpPr>
-          <p:nvPr>
-            <p:ph type="sldNum" sz="quarter" idx="12"/>
-          </p:nvPr>
-        </p:nvSpPr>
-        <p:spPr/>
-        <p:txBody>
-          <a:bodyPr/>
-          <a:lstStyle/>
-          <a:p>
-            <a:pPr>
-              <a:defRPr/>
-            </a:pPr>
-            <a:fld id="{BD6E0F59-1DD8-40FC-9C92-B6295CBA6CCA}" type="slidenum">
-              <a:rPr lang="en-US" altLang="zh-CN" smtClean="0"/>
-              <a:pPr>
-                <a:defRPr/>
-              </a:pPr>
-              <a:t>30</a:t>
-            </a:fld>
-            <a:endParaRPr lang="en-US" altLang="zh-CN"/>
-          </a:p>
-        </p:txBody>
-      </p:sp>
-    </p:spTree>
-    <p:extLst>
-      <p:ext uri="{BB962C8B-B14F-4D97-AF65-F5344CB8AC3E}">
-        <p14:creationId xmlns:p14="http://schemas.microsoft.com/office/powerpoint/2010/main" val="4263515903"/>
-      </p:ext>
-    </p:extLst>
-  </p:cSld>
-  <p:clrMapOvr>
-    <a:masterClrMapping/>
-  </p:clrMapOvr>
-</p:sld>
-</file>
-
 <file path=ppt/slides/slide4.xml><?xml version="1.0" encoding="utf-8"?>
 <p:sld xmlns:a="http://schemas.openxmlformats.org/drawingml/2006/main" xmlns:r="http://schemas.openxmlformats.org/officeDocument/2006/relationships" xmlns:p="http://schemas.openxmlformats.org/presentationml/2006/main">
   <p:cSld>
@@ -15563,6 +15189,33 @@
             <a:r>
               <a:rPr lang="en-US" sz="1600" dirty="0"/>
               <a:t> IOAM</a:t>
+            </a:r>
+          </a:p>
+          <a:p>
+            <a:pPr marL="742950" lvl="2" indent="-342900">
+              <a:lnSpc>
+                <a:spcPts val="2000"/>
+              </a:lnSpc>
+              <a:spcBef>
+                <a:spcPts val="600"/>
+              </a:spcBef>
+              <a:spcAft>
+                <a:spcPts val="0"/>
+              </a:spcAft>
+              <a:buFont typeface="Wingdings" pitchFamily="2" charset="2"/>
+              <a:buChar char="§"/>
+            </a:pPr>
+            <a:r>
+              <a:rPr lang="en-US" sz="1600" dirty="0"/>
+              <a:t>Discuss multiple G-</a:t>
+            </a:r>
+            <a:r>
+              <a:rPr lang="en-US" sz="1600" dirty="0" err="1"/>
+              <a:t>ACh</a:t>
+            </a:r>
+            <a:r>
+              <a:rPr lang="en-US" sz="1600" dirty="0"/>
+              <a:t> / Control Word handling</a:t>
             </a:r>
           </a:p>
         </p:txBody>

--- a/draft-gandhi-mpls-ioam-sr-06.pptx
+++ b/draft-gandhi-mpls-ioam-sr-06.pptx
@@ -5,10 +5,10 @@
     <p:sldMasterId id="2147483648" r:id="rId1"/>
   </p:sldMasterIdLst>
   <p:notesMasterIdLst>
-    <p:notesMasterId r:id="rId31"/>
+    <p:notesMasterId r:id="rId32"/>
   </p:notesMasterIdLst>
   <p:handoutMasterIdLst>
-    <p:handoutMasterId r:id="rId32"/>
+    <p:handoutMasterId r:id="rId33"/>
   </p:handoutMasterIdLst>
   <p:sldIdLst>
     <p:sldId id="256" r:id="rId2"/>
@@ -40,6 +40,7 @@
     <p:sldId id="1690" r:id="rId28"/>
     <p:sldId id="1696" r:id="rId29"/>
     <p:sldId id="1699" r:id="rId30"/>
+    <p:sldId id="1700" r:id="rId31"/>
   </p:sldIdLst>
   <p:sldSz cx="9144000" cy="5143500" type="screen16x9"/>
   <p:notesSz cx="6858000" cy="9144000"/>
@@ -272,7 +273,7 @@
           <a:p>
             <a:fld id="{E8FA3DB5-7722-3F4F-947D-12B203669AD7}" type="datetimeFigureOut">
               <a:rPr lang="en-US" smtClean="0"/>
-              <a:t>2/20/21</a:t>
+              <a:t>2/21/21</a:t>
             </a:fld>
             <a:endParaRPr lang="en-US"/>
           </a:p>
@@ -14921,6 +14922,772 @@
 </p:sld>
 </file>
 
+<file path=ppt/slides/slide30.xml><?xml version="1.0" encoding="utf-8"?>
+<p:sld xmlns:a="http://schemas.openxmlformats.org/drawingml/2006/main" xmlns:r="http://schemas.openxmlformats.org/officeDocument/2006/relationships" xmlns:p="http://schemas.openxmlformats.org/presentationml/2006/main">
+  <p:cSld>
+    <p:spTree>
+      <p:nvGrpSpPr>
+        <p:cNvPr id="1" name=""/>
+        <p:cNvGrpSpPr/>
+        <p:nvPr/>
+      </p:nvGrpSpPr>
+      <p:grpSpPr>
+        <a:xfrm>
+          <a:off x="0" y="0"/>
+          <a:ext cx="0" cy="0"/>
+          <a:chOff x="0" y="0"/>
+          <a:chExt cx="0" cy="0"/>
+        </a:xfrm>
+      </p:grpSpPr>
+      <p:sp>
+        <p:nvSpPr>
+          <p:cNvPr id="2" name="Title 1">
+            <a:extLst>
+              <a:ext uri="{FF2B5EF4-FFF2-40B4-BE49-F238E27FC236}">
+                <a16:creationId xmlns:a16="http://schemas.microsoft.com/office/drawing/2014/main" id="{16C5255E-BE42-5348-AC0F-6257873BBB61}"/>
+              </a:ext>
+            </a:extLst>
+          </p:cNvPr>
+          <p:cNvSpPr>
+            <a:spLocks noGrp="1"/>
+          </p:cNvSpPr>
+          <p:nvPr>
+            <p:ph type="title"/>
+          </p:nvPr>
+        </p:nvSpPr>
+        <p:spPr>
+          <a:xfrm>
+            <a:off x="0" y="17653"/>
+            <a:ext cx="9124208" cy="717589"/>
+          </a:xfrm>
+        </p:spPr>
+        <p:txBody>
+          <a:bodyPr/>
+          <a:lstStyle/>
+          <a:p>
+            <a:r>
+              <a:rPr lang="en-US" sz="2400" dirty="0">
+                <a:solidFill>
+                  <a:srgbClr val="0070C0"/>
+                </a:solidFill>
+                <a:latin typeface="Calibri Light" panose="020F0302020204030204" pitchFamily="34" charset="0"/>
+                <a:cs typeface="Calibri Light" panose="020F0302020204030204" pitchFamily="34" charset="0"/>
+              </a:rPr>
+              <a:t>Generic Delivery Function </a:t>
+            </a:r>
+            <a:r>
+              <a:rPr lang="en-US" sz="2400" dirty="0" err="1">
+                <a:solidFill>
+                  <a:srgbClr val="0070C0"/>
+                </a:solidFill>
+                <a:latin typeface="Calibri Light" panose="020F0302020204030204" pitchFamily="34" charset="0"/>
+                <a:cs typeface="Calibri Light" panose="020F0302020204030204" pitchFamily="34" charset="0"/>
+              </a:rPr>
+              <a:t>Encap</a:t>
+            </a:r>
+            <a:r>
+              <a:rPr lang="en-US" sz="2400" dirty="0">
+                <a:solidFill>
+                  <a:srgbClr val="0070C0"/>
+                </a:solidFill>
+                <a:latin typeface="Calibri Light" panose="020F0302020204030204" pitchFamily="34" charset="0"/>
+                <a:cs typeface="Calibri Light" panose="020F0302020204030204" pitchFamily="34" charset="0"/>
+              </a:rPr>
+              <a:t> with IOAM Data Fields</a:t>
+            </a:r>
+          </a:p>
+        </p:txBody>
+      </p:sp>
+      <p:sp>
+        <p:nvSpPr>
+          <p:cNvPr id="4" name="Footer Placeholder 3">
+            <a:extLst>
+              <a:ext uri="{FF2B5EF4-FFF2-40B4-BE49-F238E27FC236}">
+                <a16:creationId xmlns:a16="http://schemas.microsoft.com/office/drawing/2014/main" id="{CF70CC82-C055-3645-9254-87CEC1C49032}"/>
+              </a:ext>
+            </a:extLst>
+          </p:cNvPr>
+          <p:cNvSpPr>
+            <a:spLocks noGrp="1"/>
+          </p:cNvSpPr>
+          <p:nvPr>
+            <p:ph type="ftr" sz="quarter" idx="11"/>
+          </p:nvPr>
+        </p:nvSpPr>
+        <p:spPr>
+          <a:xfrm>
+            <a:off x="3124200" y="4786312"/>
+            <a:ext cx="2895600" cy="357188"/>
+          </a:xfrm>
+        </p:spPr>
+        <p:txBody>
+          <a:bodyPr/>
+          <a:lstStyle/>
+          <a:p>
+            <a:pPr>
+              <a:defRPr/>
+            </a:pPr>
+            <a:r>
+              <a:rPr lang="en-US" altLang="zh-CN" dirty="0"/>
+              <a:t>110</a:t>
+            </a:r>
+            <a:r>
+              <a:rPr lang="en-US" altLang="zh-CN" baseline="30000" dirty="0"/>
+              <a:t>th</a:t>
+            </a:r>
+            <a:r>
+              <a:rPr lang="en-US" altLang="zh-CN" dirty="0"/>
+              <a:t> IETF Online</a:t>
+            </a:r>
+          </a:p>
+        </p:txBody>
+      </p:sp>
+      <p:sp>
+        <p:nvSpPr>
+          <p:cNvPr id="5" name="Slide Number Placeholder 4">
+            <a:extLst>
+              <a:ext uri="{FF2B5EF4-FFF2-40B4-BE49-F238E27FC236}">
+                <a16:creationId xmlns:a16="http://schemas.microsoft.com/office/drawing/2014/main" id="{62DF7D69-BCF6-2D4A-A3F1-2D32C59355D3}"/>
+              </a:ext>
+            </a:extLst>
+          </p:cNvPr>
+          <p:cNvSpPr>
+            <a:spLocks noGrp="1"/>
+          </p:cNvSpPr>
+          <p:nvPr>
+            <p:ph type="sldNum" sz="quarter" idx="12"/>
+          </p:nvPr>
+        </p:nvSpPr>
+        <p:spPr/>
+        <p:txBody>
+          <a:bodyPr/>
+          <a:lstStyle/>
+          <a:p>
+            <a:pPr>
+              <a:defRPr/>
+            </a:pPr>
+            <a:fld id="{BD6E0F59-1DD8-40FC-9C92-B6295CBA6CCA}" type="slidenum">
+              <a:rPr lang="en-US" altLang="zh-CN" smtClean="0"/>
+              <a:pPr>
+                <a:defRPr/>
+              </a:pPr>
+              <a:t>30</a:t>
+            </a:fld>
+            <a:endParaRPr lang="en-US" altLang="zh-CN" dirty="0"/>
+          </a:p>
+        </p:txBody>
+      </p:sp>
+      <p:sp>
+        <p:nvSpPr>
+          <p:cNvPr id="6" name="Rectangle 5">
+            <a:extLst>
+              <a:ext uri="{FF2B5EF4-FFF2-40B4-BE49-F238E27FC236}">
+                <a16:creationId xmlns:a16="http://schemas.microsoft.com/office/drawing/2014/main" id="{E614F343-6DC2-A943-8496-BE1E2B6072CE}"/>
+              </a:ext>
+            </a:extLst>
+          </p:cNvPr>
+          <p:cNvSpPr/>
+          <p:nvPr/>
+        </p:nvSpPr>
+        <p:spPr>
+          <a:xfrm>
+            <a:off x="19792" y="666750"/>
+            <a:ext cx="4493623" cy="2800767"/>
+          </a:xfrm>
+          <a:prstGeom prst="rect">
+            <a:avLst/>
+          </a:prstGeom>
+          <a:solidFill>
+            <a:schemeClr val="accent6">
+              <a:lumMod val="20000"/>
+              <a:lumOff val="80000"/>
+            </a:schemeClr>
+          </a:solidFill>
+        </p:spPr>
+        <p:txBody>
+          <a:bodyPr wrap="square">
+            <a:spAutoFit/>
+          </a:bodyPr>
+          <a:lstStyle/>
+          <a:p>
+            <a:r>
+              <a:rPr lang="en-CA" sz="800" dirty="0">
+                <a:latin typeface="Courier" pitchFamily="2" charset="0"/>
+              </a:rPr>
+              <a:t>   0                   1                   2                   3</a:t>
+            </a:r>
+          </a:p>
+          <a:p>
+            <a:r>
+              <a:rPr lang="en-CA" sz="800" dirty="0">
+                <a:latin typeface="Courier" pitchFamily="2" charset="0"/>
+              </a:rPr>
+              <a:t>   0 1 2 3 4 5 6 7 8 9 0 1 2 3 4 5 6 7 8 9 0 1 2 3 4 5 6 7 8 9 0 1</a:t>
+            </a:r>
+          </a:p>
+          <a:p>
+            <a:r>
+              <a:rPr lang="en-CA" sz="800" dirty="0">
+                <a:latin typeface="Courier" pitchFamily="2" charset="0"/>
+              </a:rPr>
+              <a:t>   +-+-+-+-+-+-+-+-+-+-+-+-+-+-+-+-+-+-+-+-+-+-+-+-+-+-+-+-+-+-+-+-+</a:t>
+            </a:r>
+          </a:p>
+          <a:p>
+            <a:r>
+              <a:rPr lang="en-CA" sz="800" dirty="0">
+                <a:latin typeface="Courier" pitchFamily="2" charset="0"/>
+              </a:rPr>
+              <a:t>   | Indicator Label                       | TC  |1|  TTL          |</a:t>
+            </a:r>
+          </a:p>
+          <a:p>
+            <a:r>
+              <a:rPr lang="en-CA" sz="800" dirty="0">
+                <a:latin typeface="Courier" pitchFamily="2" charset="0"/>
+              </a:rPr>
+              <a:t>   +-+-+-+-+-+-+-+-+-+-+-+-+-+-+-+-+-+-+-+-+-+-+-+-+-+-+-+-+-+-+-+-+&lt;-+</a:t>
+            </a:r>
+          </a:p>
+          <a:p>
+            <a:r>
+              <a:rPr lang="en-CA" sz="800" dirty="0">
+                <a:latin typeface="Courier" pitchFamily="2" charset="0"/>
+              </a:rPr>
+              <a:t>   |0 0 0 0| </a:t>
+            </a:r>
+            <a:r>
+              <a:rPr lang="en-CA" sz="800" dirty="0" err="1">
+                <a:latin typeface="Courier" pitchFamily="2" charset="0"/>
+              </a:rPr>
+              <a:t>Rsved</a:t>
+            </a:r>
+            <a:r>
+              <a:rPr lang="en-CA" sz="800" dirty="0">
+                <a:latin typeface="Courier" pitchFamily="2" charset="0"/>
+              </a:rPr>
+              <a:t> | </a:t>
+            </a:r>
+            <a:r>
+              <a:rPr lang="en-CA" sz="800" b="1" dirty="0">
+                <a:latin typeface="Courier" pitchFamily="2" charset="0"/>
+              </a:rPr>
+              <a:t>This HDR=IOAM </a:t>
+            </a:r>
+            <a:r>
+              <a:rPr lang="en-CA" sz="800" dirty="0">
+                <a:latin typeface="Courier" pitchFamily="2" charset="0"/>
+              </a:rPr>
+              <a:t>| Header Length |  </a:t>
+            </a:r>
+            <a:r>
+              <a:rPr lang="en-CA" sz="800" b="1" dirty="0">
+                <a:latin typeface="Courier" pitchFamily="2" charset="0"/>
+              </a:rPr>
+              <a:t>Next Header  </a:t>
+            </a:r>
+            <a:r>
+              <a:rPr lang="en-CA" sz="800" dirty="0">
+                <a:latin typeface="Courier" pitchFamily="2" charset="0"/>
+              </a:rPr>
+              <a:t>|  |</a:t>
+            </a:r>
+          </a:p>
+          <a:p>
+            <a:r>
+              <a:rPr lang="en-CA" sz="800" dirty="0">
+                <a:latin typeface="Courier" pitchFamily="2" charset="0"/>
+              </a:rPr>
+              <a:t>   +-+-+-+-+-+-+-+-+-+-+-+-+-+-+-+-+-+-+-+-+-+-+-+-+-+-+-+-+-+-+-+-+  |</a:t>
+            </a:r>
+          </a:p>
+          <a:p>
+            <a:r>
+              <a:rPr lang="en-CA" sz="800" dirty="0">
+                <a:latin typeface="Courier" pitchFamily="2" charset="0"/>
+              </a:rPr>
+              <a:t>   | Reserved      | Block Number  | IOAM-OPT-Type |  Reserved     |  |</a:t>
+            </a:r>
+          </a:p>
+          <a:p>
+            <a:r>
+              <a:rPr lang="en-CA" sz="800" dirty="0">
+                <a:latin typeface="Courier" pitchFamily="2" charset="0"/>
+              </a:rPr>
+              <a:t>   +-+-+-+-+-+-+-+-+-+-+-+-+-+-+-+-+-+-+-+-+-+-+-+-+-+-+-+-+-+-+-+-+  I</a:t>
+            </a:r>
+          </a:p>
+          <a:p>
+            <a:r>
+              <a:rPr lang="en-CA" sz="800" dirty="0">
+                <a:latin typeface="Courier" pitchFamily="2" charset="0"/>
+              </a:rPr>
+              <a:t>   |                                                               |  O</a:t>
+            </a:r>
+          </a:p>
+          <a:p>
+            <a:r>
+              <a:rPr lang="en-CA" sz="800" dirty="0">
+                <a:latin typeface="Courier" pitchFamily="2" charset="0"/>
+              </a:rPr>
+              <a:t>   |                                                               |  A</a:t>
+            </a:r>
+          </a:p>
+          <a:p>
+            <a:r>
+              <a:rPr lang="en-CA" sz="800" dirty="0">
+                <a:latin typeface="Courier" pitchFamily="2" charset="0"/>
+              </a:rPr>
+              <a:t>   ~                 IOAM Option and Data Space                    ~  M</a:t>
+            </a:r>
+          </a:p>
+          <a:p>
+            <a:r>
+              <a:rPr lang="en-CA" sz="800" dirty="0">
+                <a:latin typeface="Courier" pitchFamily="2" charset="0"/>
+              </a:rPr>
+              <a:t>   |                                                               |  |</a:t>
+            </a:r>
+          </a:p>
+          <a:p>
+            <a:r>
+              <a:rPr lang="en-CA" sz="800" dirty="0">
+                <a:latin typeface="Courier" pitchFamily="2" charset="0"/>
+              </a:rPr>
+              <a:t>   |                                                               |  |</a:t>
+            </a:r>
+          </a:p>
+          <a:p>
+            <a:r>
+              <a:rPr lang="en-CA" sz="800" dirty="0">
+                <a:latin typeface="Courier" pitchFamily="2" charset="0"/>
+              </a:rPr>
+              <a:t>   +-+-+-+-+-+-+-+-+-+-+-+-+-+-+-+-+-+-+-+-+-+-+-+-+-+-+-+-+-+-+-+-+&lt;-+</a:t>
+            </a:r>
+          </a:p>
+          <a:p>
+            <a:r>
+              <a:rPr lang="en-CA" sz="800" dirty="0">
+                <a:latin typeface="Courier" pitchFamily="2" charset="0"/>
+              </a:rPr>
+              <a:t>   |                                                               |</a:t>
+            </a:r>
+          </a:p>
+          <a:p>
+            <a:r>
+              <a:rPr lang="en-CA" sz="800" dirty="0">
+                <a:latin typeface="Courier" pitchFamily="2" charset="0"/>
+              </a:rPr>
+              <a:t>   |                                                               |</a:t>
+            </a:r>
+          </a:p>
+          <a:p>
+            <a:r>
+              <a:rPr lang="en-CA" sz="800" dirty="0">
+                <a:latin typeface="Courier" pitchFamily="2" charset="0"/>
+              </a:rPr>
+              <a:t>   ~                 Payload + Padding                             ~</a:t>
+            </a:r>
+          </a:p>
+          <a:p>
+            <a:r>
+              <a:rPr lang="en-CA" sz="800" dirty="0">
+                <a:latin typeface="Courier" pitchFamily="2" charset="0"/>
+              </a:rPr>
+              <a:t>   |                                                               |</a:t>
+            </a:r>
+          </a:p>
+          <a:p>
+            <a:r>
+              <a:rPr lang="en-CA" sz="800" dirty="0">
+                <a:latin typeface="Courier" pitchFamily="2" charset="0"/>
+              </a:rPr>
+              <a:t>   |                                                               |</a:t>
+            </a:r>
+          </a:p>
+          <a:p>
+            <a:r>
+              <a:rPr lang="en-CA" sz="800" dirty="0">
+                <a:latin typeface="Courier" pitchFamily="2" charset="0"/>
+              </a:rPr>
+              <a:t>   +-+-+-+-+-+-+-+-+-+-+-+-+-+-+-+-+-+-+-+-+-+-+-+-+-+-+-+-+-+-+-+-+</a:t>
+            </a:r>
+          </a:p>
+          <a:p>
+            <a:r>
+              <a:rPr lang="en-CA" sz="800" dirty="0">
+                <a:latin typeface="Courier" pitchFamily="2" charset="0"/>
+              </a:rPr>
+              <a:t> </a:t>
+            </a:r>
+          </a:p>
+        </p:txBody>
+      </p:sp>
+      <p:sp>
+        <p:nvSpPr>
+          <p:cNvPr id="8" name="Rectangle 7">
+            <a:extLst>
+              <a:ext uri="{FF2B5EF4-FFF2-40B4-BE49-F238E27FC236}">
+                <a16:creationId xmlns:a16="http://schemas.microsoft.com/office/drawing/2014/main" id="{761FCCDE-D57E-354B-B5ED-CBA378AA7CFB}"/>
+              </a:ext>
+            </a:extLst>
+          </p:cNvPr>
+          <p:cNvSpPr/>
+          <p:nvPr/>
+        </p:nvSpPr>
+        <p:spPr>
+          <a:xfrm>
+            <a:off x="4542336" y="2301454"/>
+            <a:ext cx="4552950" cy="2677656"/>
+          </a:xfrm>
+          <a:prstGeom prst="rect">
+            <a:avLst/>
+          </a:prstGeom>
+          <a:solidFill>
+            <a:schemeClr val="accent6">
+              <a:lumMod val="20000"/>
+              <a:lumOff val="80000"/>
+            </a:schemeClr>
+          </a:solidFill>
+        </p:spPr>
+        <p:txBody>
+          <a:bodyPr wrap="square">
+            <a:spAutoFit/>
+          </a:bodyPr>
+          <a:lstStyle/>
+          <a:p>
+            <a:r>
+              <a:rPr lang="en-CA" sz="800" dirty="0">
+                <a:latin typeface="Courier" pitchFamily="2" charset="0"/>
+              </a:rPr>
+              <a:t>   0                   1                   2                   3</a:t>
+            </a:r>
+          </a:p>
+          <a:p>
+            <a:r>
+              <a:rPr lang="en-CA" sz="800" dirty="0">
+                <a:latin typeface="Courier" pitchFamily="2" charset="0"/>
+              </a:rPr>
+              <a:t>   0 1 2 3 4 5 6 7 8 9 0 1 2 3 4 5 6 7 8 9 0 1 2 3 4 5 6 7 8 9 0 1</a:t>
+            </a:r>
+          </a:p>
+          <a:p>
+            <a:r>
+              <a:rPr lang="en-CA" sz="800" dirty="0">
+                <a:latin typeface="Courier" pitchFamily="2" charset="0"/>
+              </a:rPr>
+              <a:t>   +-+-+-+-+-+-+-+-+-+-+-+-+-+-+-+-+-+-+-+-+-+-+-+-+-+-+-+-+-+-+-+-+</a:t>
+            </a:r>
+          </a:p>
+          <a:p>
+            <a:r>
+              <a:rPr lang="en-CA" sz="800" dirty="0">
+                <a:latin typeface="Courier" pitchFamily="2" charset="0"/>
+              </a:rPr>
+              <a:t>   | Indicator Label                       | TC  |1|  TTL          |</a:t>
+            </a:r>
+          </a:p>
+          <a:p>
+            <a:r>
+              <a:rPr lang="en-CA" sz="800" dirty="0">
+                <a:latin typeface="Courier" pitchFamily="2" charset="0"/>
+              </a:rPr>
+              <a:t>   +-+-+-+-+-+-+-+-+-+-+-+-+-+-+-+-+-+-+-+-+-+-+-+-+-+-+-+-+-+-+-+-+&lt;-+ </a:t>
+            </a:r>
+          </a:p>
+          <a:p>
+            <a:r>
+              <a:rPr lang="en-CA" sz="800" dirty="0">
+                <a:latin typeface="Courier" pitchFamily="2" charset="0"/>
+              </a:rPr>
+              <a:t>   |0 0 0 1|Version| </a:t>
+            </a:r>
+            <a:r>
+              <a:rPr lang="en-CA" sz="800" b="1" dirty="0">
+                <a:latin typeface="Courier" pitchFamily="2" charset="0"/>
+              </a:rPr>
+              <a:t>Next Header   </a:t>
+            </a:r>
+            <a:r>
+              <a:rPr lang="en-CA" sz="800" dirty="0">
+                <a:latin typeface="Courier" pitchFamily="2" charset="0"/>
+              </a:rPr>
+              <a:t>| </a:t>
+            </a:r>
+            <a:r>
+              <a:rPr lang="en-CA" sz="800" b="1" dirty="0">
+                <a:latin typeface="Courier" pitchFamily="2" charset="0"/>
+              </a:rPr>
+              <a:t>IOAM G-</a:t>
+            </a:r>
+            <a:r>
+              <a:rPr lang="en-CA" sz="800" b="1" dirty="0" err="1">
+                <a:latin typeface="Courier" pitchFamily="2" charset="0"/>
+              </a:rPr>
+              <a:t>ACh</a:t>
+            </a:r>
+            <a:r>
+              <a:rPr lang="en-CA" sz="800" b="1" dirty="0">
+                <a:latin typeface="Courier" pitchFamily="2" charset="0"/>
+              </a:rPr>
+              <a:t> (Type TBA3)        </a:t>
+            </a:r>
+            <a:r>
+              <a:rPr lang="en-CA" sz="800" dirty="0">
+                <a:latin typeface="Courier" pitchFamily="2" charset="0"/>
+              </a:rPr>
+              <a:t>|  | </a:t>
+            </a:r>
+          </a:p>
+          <a:p>
+            <a:r>
+              <a:rPr lang="en-CA" sz="800" dirty="0">
+                <a:latin typeface="Courier" pitchFamily="2" charset="0"/>
+              </a:rPr>
+              <a:t>   +-+-+-+-+-+-+-+-+-+-+-+-+-+-+-+-+-+-+-+-+-+-+-+-+-+-+-+-+-+-+-+-+  | </a:t>
+            </a:r>
+          </a:p>
+          <a:p>
+            <a:r>
+              <a:rPr lang="en-CA" sz="800" dirty="0">
+                <a:latin typeface="Courier" pitchFamily="2" charset="0"/>
+              </a:rPr>
+              <a:t>   | Reserved      | Block Number  | IOAM-OPT-Type |IOAM HDR Length|  |</a:t>
+            </a:r>
+          </a:p>
+          <a:p>
+            <a:r>
+              <a:rPr lang="en-CA" sz="800" dirty="0">
+                <a:latin typeface="Courier" pitchFamily="2" charset="0"/>
+              </a:rPr>
+              <a:t>   +-+-+-+-+-+-+-+-+-+-+-+-+-+-+-+-+-+-+-+-+-+-+-+-+-+-+-+-+-+-+-+-+  I</a:t>
+            </a:r>
+          </a:p>
+          <a:p>
+            <a:r>
+              <a:rPr lang="en-CA" sz="800" dirty="0">
+                <a:latin typeface="Courier" pitchFamily="2" charset="0"/>
+              </a:rPr>
+              <a:t>   |                                                               |  O</a:t>
+            </a:r>
+          </a:p>
+          <a:p>
+            <a:r>
+              <a:rPr lang="en-CA" sz="800" dirty="0">
+                <a:latin typeface="Courier" pitchFamily="2" charset="0"/>
+              </a:rPr>
+              <a:t>   |                                                               |  A</a:t>
+            </a:r>
+          </a:p>
+          <a:p>
+            <a:r>
+              <a:rPr lang="en-CA" sz="800" dirty="0">
+                <a:latin typeface="Courier" pitchFamily="2" charset="0"/>
+              </a:rPr>
+              <a:t>   ~                 IOAM Option and Data Space                    ~  M</a:t>
+            </a:r>
+          </a:p>
+          <a:p>
+            <a:r>
+              <a:rPr lang="en-CA" sz="800" dirty="0">
+                <a:latin typeface="Courier" pitchFamily="2" charset="0"/>
+              </a:rPr>
+              <a:t>   |                                                               |  |</a:t>
+            </a:r>
+          </a:p>
+          <a:p>
+            <a:r>
+              <a:rPr lang="en-CA" sz="800" dirty="0">
+                <a:latin typeface="Courier" pitchFamily="2" charset="0"/>
+              </a:rPr>
+              <a:t>   |                                                               |  |</a:t>
+            </a:r>
+          </a:p>
+          <a:p>
+            <a:r>
+              <a:rPr lang="en-CA" sz="800" dirty="0">
+                <a:latin typeface="Courier" pitchFamily="2" charset="0"/>
+              </a:rPr>
+              <a:t>   +-+-+-+-+-+-+-+-+-+-+-+-+-+-+-+-+-+-+-+-+-+-+-+-+-+-+-+-+-+-+-+-+&lt;-+</a:t>
+            </a:r>
+          </a:p>
+          <a:p>
+            <a:r>
+              <a:rPr lang="en-CA" sz="800" dirty="0">
+                <a:latin typeface="Courier" pitchFamily="2" charset="0"/>
+              </a:rPr>
+              <a:t>   |                                                               |</a:t>
+            </a:r>
+          </a:p>
+          <a:p>
+            <a:r>
+              <a:rPr lang="en-CA" sz="800" dirty="0">
+                <a:latin typeface="Courier" pitchFamily="2" charset="0"/>
+              </a:rPr>
+              <a:t>   |                                                               |</a:t>
+            </a:r>
+          </a:p>
+          <a:p>
+            <a:r>
+              <a:rPr lang="en-CA" sz="800" dirty="0">
+                <a:latin typeface="Courier" pitchFamily="2" charset="0"/>
+              </a:rPr>
+              <a:t>   ~                 Payload + Padding                             ~</a:t>
+            </a:r>
+          </a:p>
+          <a:p>
+            <a:r>
+              <a:rPr lang="en-CA" sz="800" dirty="0">
+                <a:latin typeface="Courier" pitchFamily="2" charset="0"/>
+              </a:rPr>
+              <a:t>   |                                                               |</a:t>
+            </a:r>
+          </a:p>
+          <a:p>
+            <a:r>
+              <a:rPr lang="en-CA" sz="800" dirty="0">
+                <a:latin typeface="Courier" pitchFamily="2" charset="0"/>
+              </a:rPr>
+              <a:t>   |                                                               |</a:t>
+            </a:r>
+          </a:p>
+          <a:p>
+            <a:r>
+              <a:rPr lang="en-CA" sz="800" dirty="0">
+                <a:latin typeface="Courier" pitchFamily="2" charset="0"/>
+              </a:rPr>
+              <a:t>   +-+-+-+-+-+-+-+-+-+-+-+-+-+-+-+-+-+-+-+-+-+-+-+-+-+-+-+-+-+-+-+-+</a:t>
+            </a:r>
+          </a:p>
+        </p:txBody>
+      </p:sp>
+      <p:sp>
+        <p:nvSpPr>
+          <p:cNvPr id="3" name="TextBox 2">
+            <a:extLst>
+              <a:ext uri="{FF2B5EF4-FFF2-40B4-BE49-F238E27FC236}">
+                <a16:creationId xmlns:a16="http://schemas.microsoft.com/office/drawing/2014/main" id="{62AAADEA-CF9A-0B4B-ADB1-6DFFD2948980}"/>
+              </a:ext>
+            </a:extLst>
+          </p:cNvPr>
+          <p:cNvSpPr txBox="1"/>
+          <p:nvPr/>
+        </p:nvSpPr>
+        <p:spPr>
+          <a:xfrm>
+            <a:off x="152400" y="3627912"/>
+            <a:ext cx="3429000" cy="1323439"/>
+          </a:xfrm>
+          <a:prstGeom prst="rect">
+            <a:avLst/>
+          </a:prstGeom>
+          <a:noFill/>
+        </p:spPr>
+        <p:txBody>
+          <a:bodyPr wrap="square" rtlCol="0">
+            <a:spAutoFit/>
+          </a:bodyPr>
+          <a:lstStyle/>
+          <a:p>
+            <a:pPr marL="171450" indent="-171450">
+              <a:buFont typeface="Arial" panose="020B0604020202020204" pitchFamily="34" charset="0"/>
+              <a:buChar char="•"/>
+            </a:pPr>
+            <a:r>
+              <a:rPr lang="en-US" sz="1100" dirty="0"/>
+              <a:t>Different </a:t>
+            </a:r>
+            <a:r>
+              <a:rPr lang="en-US" sz="1100" dirty="0" err="1"/>
+              <a:t>HbH</a:t>
+            </a:r>
+            <a:r>
+              <a:rPr lang="en-US" sz="1100" dirty="0"/>
+              <a:t> Label to optimize processing</a:t>
+            </a:r>
+          </a:p>
+          <a:p>
+            <a:pPr marL="171450" indent="-171450">
+              <a:buFont typeface="Arial" panose="020B0604020202020204" pitchFamily="34" charset="0"/>
+              <a:buChar char="•"/>
+            </a:pPr>
+            <a:r>
+              <a:rPr lang="en-US" sz="1100" dirty="0"/>
+              <a:t>Need to support both 0000 and 0001 in a packet</a:t>
+            </a:r>
+          </a:p>
+          <a:p>
+            <a:pPr marL="171450" indent="-171450">
+              <a:buFont typeface="Arial" panose="020B0604020202020204" pitchFamily="34" charset="0"/>
+              <a:buChar char="•"/>
+            </a:pPr>
+            <a:r>
+              <a:rPr lang="en-US" sz="1100" dirty="0"/>
+              <a:t>Next Header can be added in 0001 as well</a:t>
+            </a:r>
+          </a:p>
+          <a:p>
+            <a:pPr marL="171450" indent="-171450">
+              <a:buFont typeface="Arial" panose="020B0604020202020204" pitchFamily="34" charset="0"/>
+              <a:buChar char="•"/>
+            </a:pPr>
+            <a:r>
+              <a:rPr lang="en-US" sz="1100" dirty="0"/>
+              <a:t>    Define GDH GACH with 0001</a:t>
+            </a:r>
+          </a:p>
+          <a:p>
+            <a:pPr marL="171450" indent="-171450">
+              <a:buFont typeface="Arial" panose="020B0604020202020204" pitchFamily="34" charset="0"/>
+              <a:buChar char="•"/>
+            </a:pPr>
+            <a:r>
+              <a:rPr lang="en-US" sz="1100" dirty="0"/>
+              <a:t>Multiple 0000 and 0001 headers</a:t>
+            </a:r>
+          </a:p>
+          <a:p>
+            <a:pPr marL="171450" indent="-171450">
+              <a:buFont typeface="Arial" panose="020B0604020202020204" pitchFamily="34" charset="0"/>
+              <a:buChar char="•"/>
+            </a:pPr>
+            <a:r>
+              <a:rPr lang="en-US" sz="1100" dirty="0"/>
+              <a:t>GAL is not for data packets – only for OAM</a:t>
+            </a:r>
+          </a:p>
+          <a:p>
+            <a:pPr marL="628650" lvl="1" indent="-171450">
+              <a:buFont typeface="Arial" panose="020B0604020202020204" pitchFamily="34" charset="0"/>
+              <a:buChar char="•"/>
+            </a:pPr>
+            <a:r>
+              <a:rPr lang="en-US" sz="1100" dirty="0"/>
+              <a:t>Define a new Label</a:t>
+            </a:r>
+          </a:p>
+          <a:p>
+            <a:pPr marL="171450" indent="-171450">
+              <a:buFont typeface="Arial" panose="020B0604020202020204" pitchFamily="34" charset="0"/>
+              <a:buChar char="•"/>
+            </a:pPr>
+            <a:endParaRPr lang="en-US" sz="1100" dirty="0"/>
+          </a:p>
+        </p:txBody>
+      </p:sp>
+    </p:spTree>
+    <p:extLst>
+      <p:ext uri="{BB962C8B-B14F-4D97-AF65-F5344CB8AC3E}">
+        <p14:creationId xmlns:p14="http://schemas.microsoft.com/office/powerpoint/2010/main" val="4008361696"/>
+      </p:ext>
+    </p:extLst>
+  </p:cSld>
+  <p:clrMapOvr>
+    <a:masterClrMapping/>
+  </p:clrMapOvr>
+</p:sld>
+</file>
+
 <file path=ppt/slides/slide4.xml><?xml version="1.0" encoding="utf-8"?>
 <p:sld xmlns:a="http://schemas.openxmlformats.org/drawingml/2006/main" xmlns:r="http://schemas.openxmlformats.org/officeDocument/2006/relationships" xmlns:p="http://schemas.openxmlformats.org/presentationml/2006/main">
   <p:cSld>
@@ -15812,7 +16579,7 @@
               <a:rPr lang="en-CA" sz="1000" dirty="0">
                 <a:latin typeface="Courier" pitchFamily="2" charset="0"/>
               </a:rPr>
-              <a:t> (Type TBA3         |  | </a:t>
+              <a:t> (Type TBA3)        |  | </a:t>
             </a:r>
           </a:p>
           <a:p>

--- a/draft-gandhi-mpls-ioam-sr-06.pptx
+++ b/draft-gandhi-mpls-ioam-sr-06.pptx
@@ -15576,7 +15576,7 @@
         <p:spPr>
           <a:xfrm>
             <a:off x="152400" y="3627912"/>
-            <a:ext cx="3429000" cy="1323439"/>
+            <a:ext cx="3429000" cy="1615827"/>
           </a:xfrm>
           <a:prstGeom prst="rect">
             <a:avLst/>
@@ -15595,7 +15595,7 @@
             </a:pPr>
             <a:r>
               <a:rPr lang="en-US" sz="1100" dirty="0"/>
-              <a:t>Different </a:t>
+              <a:t>Use different </a:t>
             </a:r>
             <a:r>
               <a:rPr lang="en-US" sz="1100" dirty="0" err="1"/>
@@ -15623,7 +15623,7 @@
             </a:pPr>
             <a:r>
               <a:rPr lang="en-US" sz="1100" dirty="0"/>
-              <a:t>Next Header can be added in 0001 as well</a:t>
+              <a:t>Next HDR added in GACH Header </a:t>
             </a:r>
           </a:p>
           <a:p>
@@ -15633,7 +15633,17 @@
             </a:pPr>
             <a:r>
               <a:rPr lang="en-US" sz="1100" dirty="0"/>
-              <a:t>    Define GDH GACH with 0001</a:t>
+              <a:t>    Used to check if additional 0001/0000</a:t>
+            </a:r>
+          </a:p>
+          <a:p>
+            <a:pPr marL="628650" lvl="1" indent="-171450">
+              <a:buFont typeface="Arial" panose="020B0604020202020204" pitchFamily="34" charset="0"/>
+              <a:buChar char="•"/>
+            </a:pPr>
+            <a:r>
+              <a:rPr lang="en-US" sz="1100" dirty="0"/>
+              <a:t>Next HDR = 0000 or 0001</a:t>
             </a:r>
           </a:p>
           <a:p>
@@ -15672,6 +15682,47 @@
               <a:buChar char="•"/>
             </a:pPr>
             <a:endParaRPr lang="en-US" sz="1100" dirty="0"/>
+          </a:p>
+        </p:txBody>
+      </p:sp>
+      <p:sp>
+        <p:nvSpPr>
+          <p:cNvPr id="7" name="Rectangle 6">
+            <a:extLst>
+              <a:ext uri="{FF2B5EF4-FFF2-40B4-BE49-F238E27FC236}">
+                <a16:creationId xmlns:a16="http://schemas.microsoft.com/office/drawing/2014/main" id="{A93F6BED-CF77-0A4C-97A2-17A8A1C56208}"/>
+              </a:ext>
+            </a:extLst>
+          </p:cNvPr>
+          <p:cNvSpPr/>
+          <p:nvPr/>
+        </p:nvSpPr>
+        <p:spPr>
+          <a:xfrm>
+            <a:off x="4724400" y="1056683"/>
+            <a:ext cx="3733800" cy="646331"/>
+          </a:xfrm>
+          <a:prstGeom prst="rect">
+            <a:avLst/>
+          </a:prstGeom>
+        </p:spPr>
+        <p:txBody>
+          <a:bodyPr wrap="square">
+            <a:spAutoFit/>
+          </a:bodyPr>
+          <a:lstStyle/>
+          <a:p>
+            <a:r>
+              <a:rPr lang="en-CA" sz="1200" dirty="0"/>
+              <a:t>RFC 5586</a:t>
+            </a:r>
+          </a:p>
+          <a:p>
+            <a:r>
+              <a:rPr lang="en-CA" sz="1200" dirty="0"/>
+              <a:t>The GAL MUST NOT appear in the label stack when transporting normal user-plane packets. </a:t>
+            </a:r>
+            <a:endParaRPr lang="en-US" sz="1200" dirty="0"/>
           </a:p>
         </p:txBody>
       </p:sp>
@@ -16520,7 +16571,7 @@
         </p:nvSpPr>
         <p:spPr>
           <a:xfrm>
-            <a:off x="1600200" y="1031216"/>
+            <a:off x="1676400" y="768375"/>
             <a:ext cx="5791200" cy="3323987"/>
           </a:xfrm>
           <a:prstGeom prst="rect">
@@ -16567,7 +16618,22 @@
               <a:rPr lang="en-CA" sz="1000" dirty="0">
                 <a:latin typeface="Courier" pitchFamily="2" charset="0"/>
               </a:rPr>
-              <a:t>   |0 0 0 1|Version|  Reserved     | IOAM G-</a:t>
+              <a:t>   |0 0 0 1|Version| </a:t>
+            </a:r>
+            <a:r>
+              <a:rPr lang="en-CA" sz="1000" b="1" dirty="0">
+                <a:solidFill>
+                  <a:srgbClr val="0070C0"/>
+                </a:solidFill>
+                <a:latin typeface="Courier" pitchFamily="2" charset="0"/>
+              </a:rPr>
+              <a:t>Next HDR      </a:t>
+            </a:r>
+            <a:r>
+              <a:rPr lang="en-CA" sz="1000" dirty="0">
+                <a:latin typeface="Courier" pitchFamily="2" charset="0"/>
+              </a:rPr>
+              <a:t>| IOAM G-</a:t>
             </a:r>
             <a:r>
               <a:rPr lang="en-CA" sz="1000" dirty="0" err="1">
@@ -16734,6 +16800,75 @@
               <a:ea typeface="Calibri" panose="020F0502020204030204" pitchFamily="34" charset="0"/>
               <a:cs typeface="Times New Roman" panose="02020603050405020304" pitchFamily="18" charset="0"/>
             </a:endParaRPr>
+          </a:p>
+        </p:txBody>
+      </p:sp>
+      <p:sp>
+        <p:nvSpPr>
+          <p:cNvPr id="3" name="TextBox 2">
+            <a:extLst>
+              <a:ext uri="{FF2B5EF4-FFF2-40B4-BE49-F238E27FC236}">
+                <a16:creationId xmlns:a16="http://schemas.microsoft.com/office/drawing/2014/main" id="{FBCBFA7A-6F5E-D34C-8FC7-FBAE9A3824F9}"/>
+              </a:ext>
+            </a:extLst>
+          </p:cNvPr>
+          <p:cNvSpPr txBox="1"/>
+          <p:nvPr/>
+        </p:nvSpPr>
+        <p:spPr>
+          <a:xfrm>
+            <a:off x="228600" y="4271666"/>
+            <a:ext cx="3183826" cy="769441"/>
+          </a:xfrm>
+          <a:prstGeom prst="rect">
+            <a:avLst/>
+          </a:prstGeom>
+          <a:noFill/>
+        </p:spPr>
+        <p:txBody>
+          <a:bodyPr wrap="square" rtlCol="0">
+            <a:spAutoFit/>
+          </a:bodyPr>
+          <a:lstStyle/>
+          <a:p>
+            <a:pPr marL="171450" indent="-171450">
+              <a:buFont typeface="Arial" panose="020B0604020202020204" pitchFamily="34" charset="0"/>
+              <a:buChar char="•"/>
+            </a:pPr>
+            <a:r>
+              <a:rPr lang="en-US" sz="1100" dirty="0"/>
+              <a:t>Next HDR can be added in GACH Header </a:t>
+            </a:r>
+          </a:p>
+          <a:p>
+            <a:pPr marL="171450" indent="-171450">
+              <a:buFont typeface="Arial" panose="020B0604020202020204" pitchFamily="34" charset="0"/>
+              <a:buChar char="•"/>
+            </a:pPr>
+            <a:r>
+              <a:rPr lang="en-US" sz="1100" dirty="0"/>
+              <a:t>Used to check if additional 0001/0000</a:t>
+            </a:r>
+          </a:p>
+          <a:p>
+            <a:pPr marL="628650" lvl="1" indent="-171450">
+              <a:buFont typeface="Arial" panose="020B0604020202020204" pitchFamily="34" charset="0"/>
+              <a:buChar char="•"/>
+            </a:pPr>
+            <a:r>
+              <a:rPr lang="en-US" sz="1100" dirty="0"/>
+              <a:t>Next HDR = 0000 or 0001</a:t>
+            </a:r>
+          </a:p>
+          <a:p>
+            <a:pPr marL="171450" indent="-171450">
+              <a:buFont typeface="Arial" panose="020B0604020202020204" pitchFamily="34" charset="0"/>
+              <a:buChar char="•"/>
+            </a:pPr>
+            <a:r>
+              <a:rPr lang="en-US" sz="1100" dirty="0"/>
+              <a:t>Multiple 0000 and 0001 headers</a:t>
+            </a:r>
           </a:p>
         </p:txBody>
       </p:sp>

--- a/draft-gandhi-mpls-ioam-sr-06.pptx
+++ b/draft-gandhi-mpls-ioam-sr-06.pptx
@@ -5,10 +5,10 @@
     <p:sldMasterId id="2147483648" r:id="rId1"/>
   </p:sldMasterIdLst>
   <p:notesMasterIdLst>
-    <p:notesMasterId r:id="rId32"/>
+    <p:notesMasterId r:id="rId33"/>
   </p:notesMasterIdLst>
   <p:handoutMasterIdLst>
-    <p:handoutMasterId r:id="rId33"/>
+    <p:handoutMasterId r:id="rId34"/>
   </p:handoutMasterIdLst>
   <p:sldIdLst>
     <p:sldId id="256" r:id="rId2"/>
@@ -41,6 +41,7 @@
     <p:sldId id="1696" r:id="rId29"/>
     <p:sldId id="1699" r:id="rId30"/>
     <p:sldId id="1700" r:id="rId31"/>
+    <p:sldId id="1701" r:id="rId32"/>
   </p:sldIdLst>
   <p:sldSz cx="9144000" cy="5143500" type="screen16x9"/>
   <p:notesSz cx="6858000" cy="9144000"/>
@@ -1601,6 +1602,96 @@
     <p:extLst>
       <p:ext uri="{BB962C8B-B14F-4D97-AF65-F5344CB8AC3E}">
         <p14:creationId xmlns:p14="http://schemas.microsoft.com/office/powerpoint/2010/main" val="214626184"/>
+      </p:ext>
+    </p:extLst>
+  </p:cSld>
+  <p:clrMapOvr>
+    <a:masterClrMapping/>
+  </p:clrMapOvr>
+</p:notes>
+</file>
+
+<file path=ppt/notesSlides/notesSlide18.xml><?xml version="1.0" encoding="utf-8"?>
+<p:notes xmlns:a="http://schemas.openxmlformats.org/drawingml/2006/main" xmlns:r="http://schemas.openxmlformats.org/officeDocument/2006/relationships" xmlns:p="http://schemas.openxmlformats.org/presentationml/2006/main">
+  <p:cSld>
+    <p:spTree>
+      <p:nvGrpSpPr>
+        <p:cNvPr id="1" name=""/>
+        <p:cNvGrpSpPr/>
+        <p:nvPr/>
+      </p:nvGrpSpPr>
+      <p:grpSpPr>
+        <a:xfrm>
+          <a:off x="0" y="0"/>
+          <a:ext cx="0" cy="0"/>
+          <a:chOff x="0" y="0"/>
+          <a:chExt cx="0" cy="0"/>
+        </a:xfrm>
+      </p:grpSpPr>
+      <p:sp>
+        <p:nvSpPr>
+          <p:cNvPr id="2" name="Slide Image Placeholder 1"/>
+          <p:cNvSpPr>
+            <a:spLocks noGrp="1" noRot="1" noChangeAspect="1"/>
+          </p:cNvSpPr>
+          <p:nvPr>
+            <p:ph type="sldImg"/>
+          </p:nvPr>
+        </p:nvSpPr>
+        <p:spPr/>
+      </p:sp>
+      <p:sp>
+        <p:nvSpPr>
+          <p:cNvPr id="3" name="Notes Placeholder 2"/>
+          <p:cNvSpPr>
+            <a:spLocks noGrp="1"/>
+          </p:cNvSpPr>
+          <p:nvPr>
+            <p:ph type="body" idx="1"/>
+          </p:nvPr>
+        </p:nvSpPr>
+        <p:spPr/>
+        <p:txBody>
+          <a:bodyPr/>
+          <a:lstStyle/>
+          <a:p>
+            <a:endParaRPr lang="en-US" dirty="0"/>
+          </a:p>
+        </p:txBody>
+      </p:sp>
+      <p:sp>
+        <p:nvSpPr>
+          <p:cNvPr id="4" name="Slide Number Placeholder 3"/>
+          <p:cNvSpPr>
+            <a:spLocks noGrp="1"/>
+          </p:cNvSpPr>
+          <p:nvPr>
+            <p:ph type="sldNum" sz="quarter" idx="10"/>
+          </p:nvPr>
+        </p:nvSpPr>
+        <p:spPr/>
+        <p:txBody>
+          <a:bodyPr/>
+          <a:lstStyle/>
+          <a:p>
+            <a:pPr>
+              <a:defRPr/>
+            </a:pPr>
+            <a:fld id="{100938BD-FD70-4535-B0C2-13FC38CDF1BE}" type="slidenum">
+              <a:rPr lang="en-US" altLang="zh-CN" smtClean="0"/>
+              <a:pPr>
+                <a:defRPr/>
+              </a:pPr>
+              <a:t>31</a:t>
+            </a:fld>
+            <a:endParaRPr lang="en-US" altLang="zh-CN"/>
+          </a:p>
+        </p:txBody>
+      </p:sp>
+    </p:spTree>
+    <p:extLst>
+      <p:ext uri="{BB962C8B-B14F-4D97-AF65-F5344CB8AC3E}">
+        <p14:creationId xmlns:p14="http://schemas.microsoft.com/office/powerpoint/2010/main" val="2031914186"/>
       </p:ext>
     </p:extLst>
   </p:cSld>
@@ -15313,14 +15404,6 @@
               <a:t>   +-+-+-+-+-+-+-+-+-+-+-+-+-+-+-+-+-+-+-+-+-+-+-+-+-+-+-+-+-+-+-+-+</a:t>
             </a:r>
           </a:p>
-          <a:p>
-            <a:r>
-              <a:rPr lang="en-CA" sz="800" dirty="0">
-                <a:latin typeface="Courier" pitchFamily="2" charset="0"/>
-              </a:rPr>
-              <a:t> </a:t>
-            </a:r>
-          </a:p>
         </p:txBody>
       </p:sp>
       <p:sp>
@@ -15337,8 +15420,8 @@
         </p:nvSpPr>
         <p:spPr>
           <a:xfrm>
-            <a:off x="4542336" y="2301454"/>
-            <a:ext cx="4552950" cy="2677656"/>
+            <a:off x="4533206" y="666749"/>
+            <a:ext cx="4591001" cy="2677656"/>
           </a:xfrm>
           <a:prstGeom prst="rect">
             <a:avLst/>
@@ -15406,7 +15489,7 @@
               <a:rPr lang="en-CA" sz="800" b="1" dirty="0">
                 <a:latin typeface="Courier" pitchFamily="2" charset="0"/>
               </a:rPr>
-              <a:t>Next Header   </a:t>
+              <a:t>Next Protocol </a:t>
             </a:r>
             <a:r>
               <a:rPr lang="en-CA" sz="800" dirty="0">
@@ -15575,8 +15658,8 @@
         </p:nvSpPr>
         <p:spPr>
           <a:xfrm>
-            <a:off x="152400" y="3627912"/>
-            <a:ext cx="3429000" cy="1615827"/>
+            <a:off x="48714" y="3640282"/>
+            <a:ext cx="4142286" cy="1107996"/>
           </a:xfrm>
           <a:prstGeom prst="rect">
             <a:avLst/>
@@ -15612,8 +15695,18 @@
               <a:buChar char="•"/>
             </a:pPr>
             <a:r>
-              <a:rPr lang="en-US" sz="1100" dirty="0"/>
-              <a:t>Need to support both 0000 and 0001 in a packet</a:t>
+              <a:rPr lang="en-CA" sz="1100" dirty="0"/>
+              <a:t>RFC 5586 - GAL MUST NOT appear in the label stack when transporting normal user-plane packets.</a:t>
+            </a:r>
+          </a:p>
+          <a:p>
+            <a:pPr marL="628650" lvl="1" indent="-171450">
+              <a:buFontTx/>
+              <a:buChar char="-"/>
+            </a:pPr>
+            <a:r>
+              <a:rPr lang="en-CA" sz="1100" dirty="0"/>
+              <a:t>Breaks existing networks where packets would get punted. </a:t>
             </a:r>
           </a:p>
           <a:p>
@@ -15623,106 +15716,8 @@
             </a:pPr>
             <a:r>
               <a:rPr lang="en-US" sz="1100" dirty="0"/>
-              <a:t>Next HDR added in GACH Header </a:t>
-            </a:r>
-          </a:p>
-          <a:p>
-            <a:pPr marL="171450" indent="-171450">
-              <a:buFont typeface="Arial" panose="020B0604020202020204" pitchFamily="34" charset="0"/>
-              <a:buChar char="•"/>
-            </a:pPr>
-            <a:r>
-              <a:rPr lang="en-US" sz="1100" dirty="0"/>
-              <a:t>    Used to check if additional 0001/0000</a:t>
-            </a:r>
-          </a:p>
-          <a:p>
-            <a:pPr marL="628650" lvl="1" indent="-171450">
-              <a:buFont typeface="Arial" panose="020B0604020202020204" pitchFamily="34" charset="0"/>
-              <a:buChar char="•"/>
-            </a:pPr>
-            <a:r>
-              <a:rPr lang="en-US" sz="1100" dirty="0"/>
-              <a:t>Next HDR = 0000 or 0001</a:t>
-            </a:r>
-          </a:p>
-          <a:p>
-            <a:pPr marL="171450" indent="-171450">
-              <a:buFont typeface="Arial" panose="020B0604020202020204" pitchFamily="34" charset="0"/>
-              <a:buChar char="•"/>
-            </a:pPr>
-            <a:r>
-              <a:rPr lang="en-US" sz="1100" dirty="0"/>
-              <a:t>Multiple 0000 and 0001 headers</a:t>
-            </a:r>
-          </a:p>
-          <a:p>
-            <a:pPr marL="171450" indent="-171450">
-              <a:buFont typeface="Arial" panose="020B0604020202020204" pitchFamily="34" charset="0"/>
-              <a:buChar char="•"/>
-            </a:pPr>
-            <a:r>
-              <a:rPr lang="en-US" sz="1100" dirty="0"/>
-              <a:t>GAL is not for data packets – only for OAM</a:t>
-            </a:r>
-          </a:p>
-          <a:p>
-            <a:pPr marL="628650" lvl="1" indent="-171450">
-              <a:buFont typeface="Arial" panose="020B0604020202020204" pitchFamily="34" charset="0"/>
-              <a:buChar char="•"/>
-            </a:pPr>
-            <a:r>
-              <a:rPr lang="en-US" sz="1100" dirty="0"/>
-              <a:t>Define a new Label</a:t>
-            </a:r>
-          </a:p>
-          <a:p>
-            <a:pPr marL="171450" indent="-171450">
-              <a:buFont typeface="Arial" panose="020B0604020202020204" pitchFamily="34" charset="0"/>
-              <a:buChar char="•"/>
-            </a:pPr>
-            <a:endParaRPr lang="en-US" sz="1100" dirty="0"/>
-          </a:p>
-        </p:txBody>
-      </p:sp>
-      <p:sp>
-        <p:nvSpPr>
-          <p:cNvPr id="7" name="Rectangle 6">
-            <a:extLst>
-              <a:ext uri="{FF2B5EF4-FFF2-40B4-BE49-F238E27FC236}">
-                <a16:creationId xmlns:a16="http://schemas.microsoft.com/office/drawing/2014/main" id="{A93F6BED-CF77-0A4C-97A2-17A8A1C56208}"/>
-              </a:ext>
-            </a:extLst>
-          </p:cNvPr>
-          <p:cNvSpPr/>
-          <p:nvPr/>
-        </p:nvSpPr>
-        <p:spPr>
-          <a:xfrm>
-            <a:off x="4724400" y="1056683"/>
-            <a:ext cx="3733800" cy="646331"/>
-          </a:xfrm>
-          <a:prstGeom prst="rect">
-            <a:avLst/>
-          </a:prstGeom>
-        </p:spPr>
-        <p:txBody>
-          <a:bodyPr wrap="square">
-            <a:spAutoFit/>
-          </a:bodyPr>
-          <a:lstStyle/>
-          <a:p>
-            <a:r>
-              <a:rPr lang="en-CA" sz="1200" dirty="0"/>
-              <a:t>RFC 5586</a:t>
-            </a:r>
-          </a:p>
-          <a:p>
-            <a:r>
-              <a:rPr lang="en-CA" sz="1200" dirty="0"/>
-              <a:t>The GAL MUST NOT appear in the label stack when transporting normal user-plane packets. </a:t>
-            </a:r>
-            <a:endParaRPr lang="en-US" sz="1200" dirty="0"/>
+              <a:t>GDF Need to support both 0000 and 0001 in a packet</a:t>
+            </a:r>
           </a:p>
         </p:txBody>
       </p:sp>
@@ -15739,7 +15734,7 @@
 </p:sld>
 </file>
 
-<file path=ppt/slides/slide4.xml><?xml version="1.0" encoding="utf-8"?>
+<file path=ppt/slides/slide31.xml><?xml version="1.0" encoding="utf-8"?>
 <p:sld xmlns:a="http://schemas.openxmlformats.org/drawingml/2006/main" xmlns:r="http://schemas.openxmlformats.org/officeDocument/2006/relationships" xmlns:p="http://schemas.openxmlformats.org/presentationml/2006/main">
   <p:cSld>
     <p:spTree>
@@ -15758,382 +15753,6 @@
       </p:grpSpPr>
       <p:sp>
         <p:nvSpPr>
-          <p:cNvPr id="2" name="Title 1"/>
-          <p:cNvSpPr>
-            <a:spLocks noGrp="1"/>
-          </p:cNvSpPr>
-          <p:nvPr>
-            <p:ph type="title"/>
-          </p:nvPr>
-        </p:nvSpPr>
-        <p:spPr>
-          <a:xfrm>
-            <a:off x="457200" y="0"/>
-            <a:ext cx="8229600" cy="857250"/>
-          </a:xfrm>
-        </p:spPr>
-        <p:txBody>
-          <a:bodyPr/>
-          <a:lstStyle/>
-          <a:p>
-            <a:r>
-              <a:rPr lang="en-US" sz="3600" dirty="0">
-                <a:solidFill>
-                  <a:srgbClr val="0070C0"/>
-                </a:solidFill>
-                <a:latin typeface="Calibri Light" panose="020F0302020204030204" pitchFamily="34" charset="0"/>
-                <a:cs typeface="Calibri Light" panose="020F0302020204030204" pitchFamily="34" charset="0"/>
-              </a:rPr>
-              <a:t>Updates Since Version-04</a:t>
-            </a:r>
-          </a:p>
-        </p:txBody>
-      </p:sp>
-      <p:sp>
-        <p:nvSpPr>
-          <p:cNvPr id="3" name="Content Placeholder 2"/>
-          <p:cNvSpPr>
-            <a:spLocks noGrp="1"/>
-          </p:cNvSpPr>
-          <p:nvPr>
-            <p:ph idx="1"/>
-          </p:nvPr>
-        </p:nvSpPr>
-        <p:spPr>
-          <a:xfrm>
-            <a:off x="533400" y="895349"/>
-            <a:ext cx="8077200" cy="3788569"/>
-          </a:xfrm>
-        </p:spPr>
-        <p:txBody>
-          <a:bodyPr/>
-          <a:lstStyle/>
-          <a:p>
-            <a:pPr marL="0" indent="0">
-              <a:lnSpc>
-                <a:spcPts val="2000"/>
-              </a:lnSpc>
-              <a:spcBef>
-                <a:spcPts val="600"/>
-              </a:spcBef>
-              <a:spcAft>
-                <a:spcPts val="0"/>
-              </a:spcAft>
-              <a:buNone/>
-            </a:pPr>
-            <a:r>
-              <a:rPr lang="en-US" sz="1600" dirty="0"/>
-              <a:t>Updates:</a:t>
-            </a:r>
-          </a:p>
-          <a:p>
-            <a:pPr lvl="1">
-              <a:lnSpc>
-                <a:spcPts val="2000"/>
-              </a:lnSpc>
-              <a:spcBef>
-                <a:spcPts val="600"/>
-              </a:spcBef>
-              <a:spcAft>
-                <a:spcPts val="0"/>
-              </a:spcAft>
-              <a:buFont typeface="Wingdings" pitchFamily="2" charset="2"/>
-              <a:buChar char="ü"/>
-            </a:pPr>
-            <a:r>
-              <a:rPr lang="en-US" sz="1600" dirty="0"/>
-              <a:t>Addressed MPLS-RT expert review comments</a:t>
-            </a:r>
-          </a:p>
-          <a:p>
-            <a:pPr lvl="2">
-              <a:lnSpc>
-                <a:spcPts val="2000"/>
-              </a:lnSpc>
-              <a:spcBef>
-                <a:spcPts val="600"/>
-              </a:spcBef>
-              <a:spcAft>
-                <a:spcPts val="0"/>
-              </a:spcAft>
-              <a:buFont typeface="Wingdings" pitchFamily="2" charset="2"/>
-              <a:buChar char="ü"/>
-            </a:pPr>
-            <a:r>
-              <a:rPr lang="en-US" sz="1600" dirty="0"/>
-              <a:t>Added IOAM G-</a:t>
-            </a:r>
-            <a:r>
-              <a:rPr lang="en-US" sz="1600" dirty="0" err="1"/>
-              <a:t>ACh</a:t>
-            </a:r>
-            <a:r>
-              <a:rPr lang="en-US" sz="1600" dirty="0"/>
-              <a:t> header</a:t>
-            </a:r>
-          </a:p>
-          <a:p>
-            <a:pPr lvl="2">
-              <a:lnSpc>
-                <a:spcPts val="2000"/>
-              </a:lnSpc>
-              <a:spcBef>
-                <a:spcPts val="600"/>
-              </a:spcBef>
-              <a:spcAft>
-                <a:spcPts val="0"/>
-              </a:spcAft>
-              <a:buFont typeface="Wingdings" pitchFamily="2" charset="2"/>
-              <a:buChar char="ü"/>
-            </a:pPr>
-            <a:r>
-              <a:rPr lang="en-US" sz="1600" dirty="0"/>
-              <a:t>Elaborate the IOAM procedures</a:t>
-            </a:r>
-          </a:p>
-          <a:p>
-            <a:pPr lvl="1">
-              <a:lnSpc>
-                <a:spcPts val="2000"/>
-              </a:lnSpc>
-              <a:spcBef>
-                <a:spcPts val="600"/>
-              </a:spcBef>
-              <a:spcAft>
-                <a:spcPts val="0"/>
-              </a:spcAft>
-              <a:buFont typeface="Wingdings" pitchFamily="2" charset="2"/>
-              <a:buChar char="ü"/>
-            </a:pPr>
-            <a:r>
-              <a:rPr lang="en-US" sz="1600" dirty="0"/>
-              <a:t>Clarified E2E and </a:t>
-            </a:r>
-            <a:r>
-              <a:rPr lang="en-US" sz="1600" dirty="0" err="1"/>
-              <a:t>HbH</a:t>
-            </a:r>
-            <a:r>
-              <a:rPr lang="en-US" sz="1600" dirty="0"/>
-              <a:t> Indicator Labels usage for different IOAM Option-Types</a:t>
-            </a:r>
-          </a:p>
-          <a:p>
-            <a:pPr lvl="1">
-              <a:lnSpc>
-                <a:spcPts val="2000"/>
-              </a:lnSpc>
-              <a:spcBef>
-                <a:spcPts val="600"/>
-              </a:spcBef>
-              <a:spcAft>
-                <a:spcPts val="0"/>
-              </a:spcAft>
-              <a:buFont typeface="Wingdings" pitchFamily="2" charset="2"/>
-              <a:buChar char="ü"/>
-            </a:pPr>
-            <a:r>
-              <a:rPr lang="en-US" sz="1600" dirty="0"/>
-              <a:t>Added multiple G-</a:t>
-            </a:r>
-            <a:r>
-              <a:rPr lang="en-US" sz="1600" dirty="0" err="1"/>
-              <a:t>ACh</a:t>
-            </a:r>
-            <a:r>
-              <a:rPr lang="en-US" sz="1600" dirty="0"/>
-              <a:t> / Control Word handling</a:t>
-            </a:r>
-          </a:p>
-          <a:p>
-            <a:pPr lvl="1">
-              <a:lnSpc>
-                <a:spcPts val="2000"/>
-              </a:lnSpc>
-              <a:spcBef>
-                <a:spcPts val="600"/>
-              </a:spcBef>
-              <a:spcAft>
-                <a:spcPts val="0"/>
-              </a:spcAft>
-              <a:buFont typeface="Wingdings" pitchFamily="2" charset="2"/>
-              <a:buChar char="ü"/>
-            </a:pPr>
-            <a:r>
-              <a:rPr lang="en-US" sz="1600" dirty="0"/>
-              <a:t>Editorial changes (e.g., cleanup SR text)</a:t>
-            </a:r>
-          </a:p>
-          <a:p>
-            <a:pPr marL="0" lvl="1" indent="0">
-              <a:lnSpc>
-                <a:spcPts val="2000"/>
-              </a:lnSpc>
-              <a:spcBef>
-                <a:spcPts val="600"/>
-              </a:spcBef>
-              <a:spcAft>
-                <a:spcPts val="0"/>
-              </a:spcAft>
-              <a:buNone/>
-            </a:pPr>
-            <a:r>
-              <a:rPr lang="en-US" sz="1600" dirty="0"/>
-              <a:t>Open Items:</a:t>
-            </a:r>
-          </a:p>
-          <a:p>
-            <a:pPr marL="742950" lvl="2" indent="-342900">
-              <a:lnSpc>
-                <a:spcPts val="2000"/>
-              </a:lnSpc>
-              <a:spcBef>
-                <a:spcPts val="600"/>
-              </a:spcBef>
-              <a:spcAft>
-                <a:spcPts val="0"/>
-              </a:spcAft>
-              <a:buFont typeface="Wingdings" pitchFamily="2" charset="2"/>
-              <a:buChar char="§"/>
-            </a:pPr>
-            <a:r>
-              <a:rPr lang="en-US" sz="1600" dirty="0"/>
-              <a:t>Discuss review comment on using IOAM FEC (SFL) for </a:t>
-            </a:r>
-            <a:r>
-              <a:rPr lang="en-US" sz="1600" dirty="0" err="1"/>
-              <a:t>HbH</a:t>
-            </a:r>
-            <a:r>
-              <a:rPr lang="en-US" sz="1600" dirty="0"/>
-              <a:t> IOAM</a:t>
-            </a:r>
-          </a:p>
-          <a:p>
-            <a:pPr marL="742950" lvl="2" indent="-342900">
-              <a:lnSpc>
-                <a:spcPts val="2000"/>
-              </a:lnSpc>
-              <a:spcBef>
-                <a:spcPts val="600"/>
-              </a:spcBef>
-              <a:spcAft>
-                <a:spcPts val="0"/>
-              </a:spcAft>
-              <a:buFont typeface="Wingdings" pitchFamily="2" charset="2"/>
-              <a:buChar char="§"/>
-            </a:pPr>
-            <a:r>
-              <a:rPr lang="en-US" sz="1600" dirty="0"/>
-              <a:t>Discuss multiple G-</a:t>
-            </a:r>
-            <a:r>
-              <a:rPr lang="en-US" sz="1600" dirty="0" err="1"/>
-              <a:t>ACh</a:t>
-            </a:r>
-            <a:r>
-              <a:rPr lang="en-US" sz="1600" dirty="0"/>
-              <a:t> / Control Word handling</a:t>
-            </a:r>
-          </a:p>
-        </p:txBody>
-      </p:sp>
-      <p:sp>
-        <p:nvSpPr>
-          <p:cNvPr id="4" name="Footer Placeholder 3"/>
-          <p:cNvSpPr>
-            <a:spLocks noGrp="1"/>
-          </p:cNvSpPr>
-          <p:nvPr>
-            <p:ph type="ftr" sz="quarter" idx="11"/>
-          </p:nvPr>
-        </p:nvSpPr>
-        <p:spPr>
-          <a:xfrm>
-            <a:off x="3124200" y="4786312"/>
-            <a:ext cx="2895600" cy="357188"/>
-          </a:xfrm>
-        </p:spPr>
-        <p:txBody>
-          <a:bodyPr/>
-          <a:lstStyle/>
-          <a:p>
-            <a:r>
-              <a:rPr lang="en-CA" dirty="0"/>
-              <a:t>110</a:t>
-            </a:r>
-            <a:r>
-              <a:rPr lang="en-CA" baseline="30000" dirty="0"/>
-              <a:t>th</a:t>
-            </a:r>
-            <a:r>
-              <a:rPr lang="en-CA" dirty="0"/>
-              <a:t> IETF Online</a:t>
-            </a:r>
-          </a:p>
-        </p:txBody>
-      </p:sp>
-      <p:sp>
-        <p:nvSpPr>
-          <p:cNvPr id="5" name="Slide Number Placeholder 4"/>
-          <p:cNvSpPr>
-            <a:spLocks noGrp="1"/>
-          </p:cNvSpPr>
-          <p:nvPr>
-            <p:ph type="sldNum" sz="quarter" idx="12"/>
-          </p:nvPr>
-        </p:nvSpPr>
-        <p:spPr/>
-        <p:txBody>
-          <a:bodyPr/>
-          <a:lstStyle/>
-          <a:p>
-            <a:pPr>
-              <a:defRPr/>
-            </a:pPr>
-            <a:fld id="{BD6E0F59-1DD8-40FC-9C92-B6295CBA6CCA}" type="slidenum">
-              <a:rPr lang="en-US" altLang="zh-CN" smtClean="0"/>
-              <a:pPr>
-                <a:defRPr/>
-              </a:pPr>
-              <a:t>4</a:t>
-            </a:fld>
-            <a:endParaRPr lang="en-US" altLang="zh-CN" dirty="0"/>
-          </a:p>
-        </p:txBody>
-      </p:sp>
-    </p:spTree>
-    <p:extLst>
-      <p:ext uri="{BB962C8B-B14F-4D97-AF65-F5344CB8AC3E}">
-        <p14:creationId xmlns:p14="http://schemas.microsoft.com/office/powerpoint/2010/main" val="3813399967"/>
-      </p:ext>
-    </p:extLst>
-  </p:cSld>
-  <p:clrMapOvr>
-    <a:masterClrMapping/>
-  </p:clrMapOvr>
-</p:sld>
-</file>
-
-<file path=ppt/slides/slide5.xml><?xml version="1.0" encoding="utf-8"?>
-<p:sld xmlns:a="http://schemas.openxmlformats.org/drawingml/2006/main" xmlns:r="http://schemas.openxmlformats.org/officeDocument/2006/relationships" xmlns:p="http://schemas.openxmlformats.org/presentationml/2006/main">
-  <p:cSld>
-    <p:spTree>
-      <p:nvGrpSpPr>
-        <p:cNvPr id="1" name=""/>
-        <p:cNvGrpSpPr/>
-        <p:nvPr/>
-      </p:nvGrpSpPr>
-      <p:grpSpPr>
-        <a:xfrm>
-          <a:off x="0" y="0"/>
-          <a:ext cx="0" cy="0"/>
-          <a:chOff x="0" y="0"/>
-          <a:chExt cx="0" cy="0"/>
-        </a:xfrm>
-      </p:grpSpPr>
-      <p:sp>
-        <p:nvSpPr>
           <p:cNvPr id="4" name="Footer Placeholder 3"/>
           <p:cNvSpPr>
             <a:spLocks noGrp="1"/>
@@ -16177,7 +15796,7 @@
         </p:nvSpPr>
         <p:spPr bwMode="auto">
           <a:xfrm>
-            <a:off x="685800" y="2020490"/>
+            <a:off x="685800" y="1657350"/>
             <a:ext cx="7772400" cy="1102519"/>
           </a:xfrm>
           <a:prstGeom prst="rect">
@@ -16337,6 +15956,665 @@
             </a:lvl9pPr>
           </a:lstStyle>
           <a:p>
+            <a:pPr eaLnBrk="1" hangingPunct="1">
+              <a:defRPr/>
+            </a:pPr>
+            <a:r>
+              <a:rPr lang="en-US" altLang="zh-CN" sz="4000" kern="0" dirty="0">
+                <a:effectLst>
+                  <a:outerShdw blurRad="38100" dist="38100" dir="2700000" algn="tl">
+                    <a:srgbClr val="C0C0C0"/>
+                  </a:outerShdw>
+                </a:effectLst>
+                <a:latin typeface="Calibri" charset="0"/>
+                <a:ea typeface="Calibri" charset="0"/>
+                <a:cs typeface="Calibri" charset="0"/>
+              </a:rPr>
+              <a:t>Thank you</a:t>
+            </a:r>
+          </a:p>
+        </p:txBody>
+      </p:sp>
+      <p:sp>
+        <p:nvSpPr>
+          <p:cNvPr id="2" name="Slide Number Placeholder 1"/>
+          <p:cNvSpPr>
+            <a:spLocks noGrp="1"/>
+          </p:cNvSpPr>
+          <p:nvPr>
+            <p:ph type="sldNum" sz="quarter" idx="12"/>
+          </p:nvPr>
+        </p:nvSpPr>
+        <p:spPr/>
+        <p:txBody>
+          <a:bodyPr/>
+          <a:lstStyle/>
+          <a:p>
+            <a:pPr>
+              <a:defRPr/>
+            </a:pPr>
+            <a:fld id="{BD6E0F59-1DD8-40FC-9C92-B6295CBA6CCA}" type="slidenum">
+              <a:rPr lang="en-US" altLang="zh-CN" smtClean="0"/>
+              <a:pPr>
+                <a:defRPr/>
+              </a:pPr>
+              <a:t>31</a:t>
+            </a:fld>
+            <a:endParaRPr lang="en-US" altLang="zh-CN"/>
+          </a:p>
+        </p:txBody>
+      </p:sp>
+    </p:spTree>
+    <p:extLst>
+      <p:ext uri="{BB962C8B-B14F-4D97-AF65-F5344CB8AC3E}">
+        <p14:creationId xmlns:p14="http://schemas.microsoft.com/office/powerpoint/2010/main" val="654570542"/>
+      </p:ext>
+    </p:extLst>
+  </p:cSld>
+  <p:clrMapOvr>
+    <a:masterClrMapping/>
+  </p:clrMapOvr>
+</p:sld>
+</file>
+
+<file path=ppt/slides/slide4.xml><?xml version="1.0" encoding="utf-8"?>
+<p:sld xmlns:a="http://schemas.openxmlformats.org/drawingml/2006/main" xmlns:r="http://schemas.openxmlformats.org/officeDocument/2006/relationships" xmlns:p="http://schemas.openxmlformats.org/presentationml/2006/main">
+  <p:cSld>
+    <p:spTree>
+      <p:nvGrpSpPr>
+        <p:cNvPr id="1" name=""/>
+        <p:cNvGrpSpPr/>
+        <p:nvPr/>
+      </p:nvGrpSpPr>
+      <p:grpSpPr>
+        <a:xfrm>
+          <a:off x="0" y="0"/>
+          <a:ext cx="0" cy="0"/>
+          <a:chOff x="0" y="0"/>
+          <a:chExt cx="0" cy="0"/>
+        </a:xfrm>
+      </p:grpSpPr>
+      <p:sp>
+        <p:nvSpPr>
+          <p:cNvPr id="2" name="Title 1"/>
+          <p:cNvSpPr>
+            <a:spLocks noGrp="1"/>
+          </p:cNvSpPr>
+          <p:nvPr>
+            <p:ph type="title"/>
+          </p:nvPr>
+        </p:nvSpPr>
+        <p:spPr>
+          <a:xfrm>
+            <a:off x="457200" y="0"/>
+            <a:ext cx="8229600" cy="857250"/>
+          </a:xfrm>
+        </p:spPr>
+        <p:txBody>
+          <a:bodyPr/>
+          <a:lstStyle/>
+          <a:p>
+            <a:r>
+              <a:rPr lang="en-US" sz="3600" dirty="0">
+                <a:solidFill>
+                  <a:srgbClr val="0070C0"/>
+                </a:solidFill>
+                <a:latin typeface="Calibri Light" panose="020F0302020204030204" pitchFamily="34" charset="0"/>
+                <a:cs typeface="Calibri Light" panose="020F0302020204030204" pitchFamily="34" charset="0"/>
+              </a:rPr>
+              <a:t>Updates Since Version-04</a:t>
+            </a:r>
+          </a:p>
+        </p:txBody>
+      </p:sp>
+      <p:sp>
+        <p:nvSpPr>
+          <p:cNvPr id="3" name="Content Placeholder 2"/>
+          <p:cNvSpPr>
+            <a:spLocks noGrp="1"/>
+          </p:cNvSpPr>
+          <p:nvPr>
+            <p:ph idx="1"/>
+          </p:nvPr>
+        </p:nvSpPr>
+        <p:spPr>
+          <a:xfrm>
+            <a:off x="533400" y="895349"/>
+            <a:ext cx="8077200" cy="3788569"/>
+          </a:xfrm>
+        </p:spPr>
+        <p:txBody>
+          <a:bodyPr/>
+          <a:lstStyle/>
+          <a:p>
+            <a:pPr marL="0" indent="0">
+              <a:lnSpc>
+                <a:spcPts val="2000"/>
+              </a:lnSpc>
+              <a:spcBef>
+                <a:spcPts val="600"/>
+              </a:spcBef>
+              <a:spcAft>
+                <a:spcPts val="0"/>
+              </a:spcAft>
+              <a:buNone/>
+            </a:pPr>
+            <a:r>
+              <a:rPr lang="en-US" sz="1600" dirty="0"/>
+              <a:t>Updates:</a:t>
+            </a:r>
+          </a:p>
+          <a:p>
+            <a:pPr lvl="1">
+              <a:lnSpc>
+                <a:spcPts val="2000"/>
+              </a:lnSpc>
+              <a:spcBef>
+                <a:spcPts val="600"/>
+              </a:spcBef>
+              <a:spcAft>
+                <a:spcPts val="0"/>
+              </a:spcAft>
+              <a:buFont typeface="Wingdings" pitchFamily="2" charset="2"/>
+              <a:buChar char="ü"/>
+            </a:pPr>
+            <a:r>
+              <a:rPr lang="en-US" sz="1600" dirty="0"/>
+              <a:t>Addressed MPLS-RT expert review comments</a:t>
+            </a:r>
+          </a:p>
+          <a:p>
+            <a:pPr lvl="2">
+              <a:lnSpc>
+                <a:spcPts val="2000"/>
+              </a:lnSpc>
+              <a:spcBef>
+                <a:spcPts val="600"/>
+              </a:spcBef>
+              <a:spcAft>
+                <a:spcPts val="0"/>
+              </a:spcAft>
+              <a:buFont typeface="Wingdings" pitchFamily="2" charset="2"/>
+              <a:buChar char="ü"/>
+            </a:pPr>
+            <a:r>
+              <a:rPr lang="en-US" sz="1600" dirty="0"/>
+              <a:t>Added IOAM G-</a:t>
+            </a:r>
+            <a:r>
+              <a:rPr lang="en-US" sz="1600" dirty="0" err="1"/>
+              <a:t>ACh</a:t>
+            </a:r>
+            <a:r>
+              <a:rPr lang="en-US" sz="1600" dirty="0"/>
+              <a:t> header</a:t>
+            </a:r>
+          </a:p>
+          <a:p>
+            <a:pPr lvl="2">
+              <a:lnSpc>
+                <a:spcPts val="2000"/>
+              </a:lnSpc>
+              <a:spcBef>
+                <a:spcPts val="600"/>
+              </a:spcBef>
+              <a:spcAft>
+                <a:spcPts val="0"/>
+              </a:spcAft>
+              <a:buFont typeface="Wingdings" pitchFamily="2" charset="2"/>
+              <a:buChar char="ü"/>
+            </a:pPr>
+            <a:r>
+              <a:rPr lang="en-US" sz="1600" dirty="0"/>
+              <a:t>Elaborate the IOAM procedures</a:t>
+            </a:r>
+          </a:p>
+          <a:p>
+            <a:pPr lvl="1">
+              <a:lnSpc>
+                <a:spcPts val="2000"/>
+              </a:lnSpc>
+              <a:spcBef>
+                <a:spcPts val="600"/>
+              </a:spcBef>
+              <a:spcAft>
+                <a:spcPts val="0"/>
+              </a:spcAft>
+              <a:buFont typeface="Wingdings" pitchFamily="2" charset="2"/>
+              <a:buChar char="ü"/>
+            </a:pPr>
+            <a:r>
+              <a:rPr lang="en-US" sz="1600" dirty="0"/>
+              <a:t>Clarified E2E and </a:t>
+            </a:r>
+            <a:r>
+              <a:rPr lang="en-US" sz="1600" dirty="0" err="1"/>
+              <a:t>HbH</a:t>
+            </a:r>
+            <a:r>
+              <a:rPr lang="en-US" sz="1600" dirty="0"/>
+              <a:t> Indicator Labels usage for different IOAM Option-Types</a:t>
+            </a:r>
+          </a:p>
+          <a:p>
+            <a:pPr lvl="1">
+              <a:lnSpc>
+                <a:spcPts val="2000"/>
+              </a:lnSpc>
+              <a:spcBef>
+                <a:spcPts val="600"/>
+              </a:spcBef>
+              <a:spcAft>
+                <a:spcPts val="0"/>
+              </a:spcAft>
+              <a:buFont typeface="Wingdings" pitchFamily="2" charset="2"/>
+              <a:buChar char="ü"/>
+            </a:pPr>
+            <a:r>
+              <a:rPr lang="en-US" sz="1600" dirty="0"/>
+              <a:t>Added multiple G-</a:t>
+            </a:r>
+            <a:r>
+              <a:rPr lang="en-US" sz="1600" dirty="0" err="1"/>
+              <a:t>ACh</a:t>
+            </a:r>
+            <a:r>
+              <a:rPr lang="en-US" sz="1600" dirty="0"/>
+              <a:t> / Control Word handling</a:t>
+            </a:r>
+          </a:p>
+          <a:p>
+            <a:pPr lvl="1">
+              <a:lnSpc>
+                <a:spcPts val="2000"/>
+              </a:lnSpc>
+              <a:spcBef>
+                <a:spcPts val="600"/>
+              </a:spcBef>
+              <a:spcAft>
+                <a:spcPts val="0"/>
+              </a:spcAft>
+              <a:buFont typeface="Wingdings" pitchFamily="2" charset="2"/>
+              <a:buChar char="ü"/>
+            </a:pPr>
+            <a:r>
+              <a:rPr lang="en-US" sz="1600" dirty="0"/>
+              <a:t>Editorial changes (e.g., cleanup SR text)</a:t>
+            </a:r>
+          </a:p>
+          <a:p>
+            <a:pPr marL="0" lvl="1" indent="0">
+              <a:lnSpc>
+                <a:spcPts val="2000"/>
+              </a:lnSpc>
+              <a:spcBef>
+                <a:spcPts val="600"/>
+              </a:spcBef>
+              <a:spcAft>
+                <a:spcPts val="0"/>
+              </a:spcAft>
+              <a:buNone/>
+            </a:pPr>
+            <a:r>
+              <a:rPr lang="en-US" sz="1600" dirty="0"/>
+              <a:t>Open Items:</a:t>
+            </a:r>
+          </a:p>
+          <a:p>
+            <a:pPr marL="742950" lvl="2" indent="-342900">
+              <a:lnSpc>
+                <a:spcPts val="2000"/>
+              </a:lnSpc>
+              <a:spcBef>
+                <a:spcPts val="600"/>
+              </a:spcBef>
+              <a:spcAft>
+                <a:spcPts val="0"/>
+              </a:spcAft>
+              <a:buFont typeface="Wingdings" pitchFamily="2" charset="2"/>
+              <a:buChar char="§"/>
+            </a:pPr>
+            <a:r>
+              <a:rPr lang="en-US" sz="1600" dirty="0"/>
+              <a:t>Discuss review comment on using IOAM FEC (SFL) for </a:t>
+            </a:r>
+            <a:r>
+              <a:rPr lang="en-US" sz="1600" dirty="0" err="1"/>
+              <a:t>HbH</a:t>
+            </a:r>
+            <a:r>
+              <a:rPr lang="en-US" sz="1600" dirty="0"/>
+              <a:t> IOAM</a:t>
+            </a:r>
+          </a:p>
+          <a:p>
+            <a:pPr marL="742950" lvl="2" indent="-342900">
+              <a:lnSpc>
+                <a:spcPts val="2000"/>
+              </a:lnSpc>
+              <a:spcBef>
+                <a:spcPts val="600"/>
+              </a:spcBef>
+              <a:spcAft>
+                <a:spcPts val="0"/>
+              </a:spcAft>
+              <a:buFont typeface="Wingdings" pitchFamily="2" charset="2"/>
+              <a:buChar char="§"/>
+            </a:pPr>
+            <a:r>
+              <a:rPr lang="en-US" sz="1600" dirty="0"/>
+              <a:t>Discuss multiple G-</a:t>
+            </a:r>
+            <a:r>
+              <a:rPr lang="en-US" sz="1600" dirty="0" err="1"/>
+              <a:t>ACh</a:t>
+            </a:r>
+            <a:r>
+              <a:rPr lang="en-US" sz="1600" dirty="0"/>
+              <a:t> / Control Word handling</a:t>
+            </a:r>
+          </a:p>
+        </p:txBody>
+      </p:sp>
+      <p:sp>
+        <p:nvSpPr>
+          <p:cNvPr id="4" name="Footer Placeholder 3"/>
+          <p:cNvSpPr>
+            <a:spLocks noGrp="1"/>
+          </p:cNvSpPr>
+          <p:nvPr>
+            <p:ph type="ftr" sz="quarter" idx="11"/>
+          </p:nvPr>
+        </p:nvSpPr>
+        <p:spPr>
+          <a:xfrm>
+            <a:off x="3124200" y="4786312"/>
+            <a:ext cx="2895600" cy="357188"/>
+          </a:xfrm>
+        </p:spPr>
+        <p:txBody>
+          <a:bodyPr/>
+          <a:lstStyle/>
+          <a:p>
+            <a:r>
+              <a:rPr lang="en-CA" dirty="0"/>
+              <a:t>110</a:t>
+            </a:r>
+            <a:r>
+              <a:rPr lang="en-CA" baseline="30000" dirty="0"/>
+              <a:t>th</a:t>
+            </a:r>
+            <a:r>
+              <a:rPr lang="en-CA" dirty="0"/>
+              <a:t> IETF Online</a:t>
+            </a:r>
+          </a:p>
+        </p:txBody>
+      </p:sp>
+      <p:sp>
+        <p:nvSpPr>
+          <p:cNvPr id="5" name="Slide Number Placeholder 4"/>
+          <p:cNvSpPr>
+            <a:spLocks noGrp="1"/>
+          </p:cNvSpPr>
+          <p:nvPr>
+            <p:ph type="sldNum" sz="quarter" idx="12"/>
+          </p:nvPr>
+        </p:nvSpPr>
+        <p:spPr/>
+        <p:txBody>
+          <a:bodyPr/>
+          <a:lstStyle/>
+          <a:p>
+            <a:pPr>
+              <a:defRPr/>
+            </a:pPr>
+            <a:fld id="{BD6E0F59-1DD8-40FC-9C92-B6295CBA6CCA}" type="slidenum">
+              <a:rPr lang="en-US" altLang="zh-CN" smtClean="0"/>
+              <a:pPr>
+                <a:defRPr/>
+              </a:pPr>
+              <a:t>4</a:t>
+            </a:fld>
+            <a:endParaRPr lang="en-US" altLang="zh-CN" dirty="0"/>
+          </a:p>
+        </p:txBody>
+      </p:sp>
+    </p:spTree>
+    <p:extLst>
+      <p:ext uri="{BB962C8B-B14F-4D97-AF65-F5344CB8AC3E}">
+        <p14:creationId xmlns:p14="http://schemas.microsoft.com/office/powerpoint/2010/main" val="3813399967"/>
+      </p:ext>
+    </p:extLst>
+  </p:cSld>
+  <p:clrMapOvr>
+    <a:masterClrMapping/>
+  </p:clrMapOvr>
+</p:sld>
+</file>
+
+<file path=ppt/slides/slide5.xml><?xml version="1.0" encoding="utf-8"?>
+<p:sld xmlns:a="http://schemas.openxmlformats.org/drawingml/2006/main" xmlns:r="http://schemas.openxmlformats.org/officeDocument/2006/relationships" xmlns:p="http://schemas.openxmlformats.org/presentationml/2006/main">
+  <p:cSld>
+    <p:spTree>
+      <p:nvGrpSpPr>
+        <p:cNvPr id="1" name=""/>
+        <p:cNvGrpSpPr/>
+        <p:nvPr/>
+      </p:nvGrpSpPr>
+      <p:grpSpPr>
+        <a:xfrm>
+          <a:off x="0" y="0"/>
+          <a:ext cx="0" cy="0"/>
+          <a:chOff x="0" y="0"/>
+          <a:chExt cx="0" cy="0"/>
+        </a:xfrm>
+      </p:grpSpPr>
+      <p:sp>
+        <p:nvSpPr>
+          <p:cNvPr id="4" name="Footer Placeholder 3"/>
+          <p:cNvSpPr>
+            <a:spLocks noGrp="1"/>
+          </p:cNvSpPr>
+          <p:nvPr>
+            <p:ph type="ftr" sz="quarter" idx="11"/>
+          </p:nvPr>
+        </p:nvSpPr>
+        <p:spPr>
+          <a:xfrm>
+            <a:off x="3124200" y="4787315"/>
+            <a:ext cx="2895600" cy="357188"/>
+          </a:xfrm>
+        </p:spPr>
+        <p:txBody>
+          <a:bodyPr/>
+          <a:lstStyle/>
+          <a:p>
+            <a:r>
+              <a:rPr lang="en-CA" dirty="0"/>
+              <a:t>110</a:t>
+            </a:r>
+            <a:r>
+              <a:rPr lang="en-CA" baseline="30000" dirty="0"/>
+              <a:t>th</a:t>
+            </a:r>
+            <a:r>
+              <a:rPr lang="en-CA" dirty="0"/>
+              <a:t> IETF Online</a:t>
+            </a:r>
+          </a:p>
+        </p:txBody>
+      </p:sp>
+      <p:sp>
+        <p:nvSpPr>
+          <p:cNvPr id="5" name="Rectangle 2"/>
+          <p:cNvSpPr txBox="1">
+            <a:spLocks noChangeArrowheads="1"/>
+          </p:cNvSpPr>
+          <p:nvPr/>
+        </p:nvSpPr>
+        <p:spPr bwMode="auto">
+          <a:xfrm>
+            <a:off x="685800" y="2020490"/>
+            <a:ext cx="7772400" cy="1102519"/>
+          </a:xfrm>
+          <a:prstGeom prst="rect">
+            <a:avLst/>
+          </a:prstGeom>
+          <a:noFill/>
+          <a:ln w="9525">
+            <a:noFill/>
+            <a:miter lim="800000"/>
+            <a:headEnd/>
+            <a:tailEnd/>
+          </a:ln>
+          <a:effectLst/>
+        </p:spPr>
+        <p:txBody>
+          <a:bodyPr vert="horz" wrap="square" lIns="91440" tIns="45720" rIns="91440" bIns="45720" numCol="1" anchor="ctr" anchorCtr="0" compatLnSpc="1">
+            <a:prstTxWarp prst="textNoShape">
+              <a:avLst/>
+            </a:prstTxWarp>
+          </a:bodyPr>
+          <a:lstStyle>
+            <a:lvl1pPr algn="ctr" rtl="0" eaLnBrk="0" fontAlgn="base" hangingPunct="0">
+              <a:spcBef>
+                <a:spcPct val="0"/>
+              </a:spcBef>
+              <a:spcAft>
+                <a:spcPct val="0"/>
+              </a:spcAft>
+              <a:defRPr sz="4400">
+                <a:solidFill>
+                  <a:schemeClr val="tx2"/>
+                </a:solidFill>
+                <a:latin typeface="+mj-lt"/>
+                <a:ea typeface="+mj-ea"/>
+                <a:cs typeface="+mj-cs"/>
+              </a:defRPr>
+            </a:lvl1pPr>
+            <a:lvl2pPr algn="ctr" rtl="0" eaLnBrk="0" fontAlgn="base" hangingPunct="0">
+              <a:spcBef>
+                <a:spcPct val="0"/>
+              </a:spcBef>
+              <a:spcAft>
+                <a:spcPct val="0"/>
+              </a:spcAft>
+              <a:defRPr sz="4400">
+                <a:solidFill>
+                  <a:schemeClr val="tx2"/>
+                </a:solidFill>
+                <a:latin typeface="Arial" charset="0"/>
+                <a:ea typeface="宋体" pitchFamily="2" charset="-122"/>
+              </a:defRPr>
+            </a:lvl2pPr>
+            <a:lvl3pPr algn="ctr" rtl="0" eaLnBrk="0" fontAlgn="base" hangingPunct="0">
+              <a:spcBef>
+                <a:spcPct val="0"/>
+              </a:spcBef>
+              <a:spcAft>
+                <a:spcPct val="0"/>
+              </a:spcAft>
+              <a:defRPr sz="4400">
+                <a:solidFill>
+                  <a:schemeClr val="tx2"/>
+                </a:solidFill>
+                <a:latin typeface="Arial" charset="0"/>
+                <a:ea typeface="宋体" pitchFamily="2" charset="-122"/>
+              </a:defRPr>
+            </a:lvl3pPr>
+            <a:lvl4pPr algn="ctr" rtl="0" eaLnBrk="0" fontAlgn="base" hangingPunct="0">
+              <a:spcBef>
+                <a:spcPct val="0"/>
+              </a:spcBef>
+              <a:spcAft>
+                <a:spcPct val="0"/>
+              </a:spcAft>
+              <a:defRPr sz="4400">
+                <a:solidFill>
+                  <a:schemeClr val="tx2"/>
+                </a:solidFill>
+                <a:latin typeface="Arial" charset="0"/>
+                <a:ea typeface="宋体" pitchFamily="2" charset="-122"/>
+              </a:defRPr>
+            </a:lvl4pPr>
+            <a:lvl5pPr algn="ctr" rtl="0" eaLnBrk="0" fontAlgn="base" hangingPunct="0">
+              <a:spcBef>
+                <a:spcPct val="0"/>
+              </a:spcBef>
+              <a:spcAft>
+                <a:spcPct val="0"/>
+              </a:spcAft>
+              <a:defRPr sz="4400">
+                <a:solidFill>
+                  <a:schemeClr val="tx2"/>
+                </a:solidFill>
+                <a:latin typeface="Arial" charset="0"/>
+                <a:ea typeface="宋体" pitchFamily="2" charset="-122"/>
+              </a:defRPr>
+            </a:lvl5pPr>
+            <a:lvl6pPr marL="457200" algn="ctr" rtl="0" fontAlgn="base">
+              <a:spcBef>
+                <a:spcPct val="0"/>
+              </a:spcBef>
+              <a:spcAft>
+                <a:spcPct val="0"/>
+              </a:spcAft>
+              <a:defRPr sz="4400">
+                <a:solidFill>
+                  <a:schemeClr val="tx2"/>
+                </a:solidFill>
+                <a:latin typeface="Arial" charset="0"/>
+                <a:ea typeface="宋体" pitchFamily="2" charset="-122"/>
+              </a:defRPr>
+            </a:lvl6pPr>
+            <a:lvl7pPr marL="914400" algn="ctr" rtl="0" fontAlgn="base">
+              <a:spcBef>
+                <a:spcPct val="0"/>
+              </a:spcBef>
+              <a:spcAft>
+                <a:spcPct val="0"/>
+              </a:spcAft>
+              <a:defRPr sz="4400">
+                <a:solidFill>
+                  <a:schemeClr val="tx2"/>
+                </a:solidFill>
+                <a:latin typeface="Arial" charset="0"/>
+                <a:ea typeface="宋体" pitchFamily="2" charset="-122"/>
+              </a:defRPr>
+            </a:lvl7pPr>
+            <a:lvl8pPr marL="1371600" algn="ctr" rtl="0" fontAlgn="base">
+              <a:spcBef>
+                <a:spcPct val="0"/>
+              </a:spcBef>
+              <a:spcAft>
+                <a:spcPct val="0"/>
+              </a:spcAft>
+              <a:defRPr sz="4400">
+                <a:solidFill>
+                  <a:schemeClr val="tx2"/>
+                </a:solidFill>
+                <a:latin typeface="Arial" charset="0"/>
+                <a:ea typeface="宋体" pitchFamily="2" charset="-122"/>
+              </a:defRPr>
+            </a:lvl8pPr>
+            <a:lvl9pPr marL="1828800" algn="ctr" rtl="0" fontAlgn="base">
+              <a:spcBef>
+                <a:spcPct val="0"/>
+              </a:spcBef>
+              <a:spcAft>
+                <a:spcPct val="0"/>
+              </a:spcAft>
+              <a:defRPr sz="4400">
+                <a:solidFill>
+                  <a:schemeClr val="tx2"/>
+                </a:solidFill>
+                <a:latin typeface="Arial" charset="0"/>
+                <a:ea typeface="宋体" pitchFamily="2" charset="-122"/>
+              </a:defRPr>
+            </a:lvl9pPr>
+          </a:lstStyle>
+          <a:p>
             <a:pPr algn="l" eaLnBrk="1" hangingPunct="1">
               <a:defRPr/>
             </a:pPr>
@@ -16627,7 +16905,7 @@
                 </a:solidFill>
                 <a:latin typeface="Courier" pitchFamily="2" charset="0"/>
               </a:rPr>
-              <a:t>Next HDR      </a:t>
+              <a:t>Next Protocol </a:t>
             </a:r>
             <a:r>
               <a:rPr lang="en-CA" sz="1000" dirty="0">
@@ -16817,8 +17095,8 @@
         </p:nvSpPr>
         <p:spPr>
           <a:xfrm>
-            <a:off x="228600" y="4271666"/>
-            <a:ext cx="3183826" cy="769441"/>
+            <a:off x="0" y="4190703"/>
+            <a:ext cx="3962400" cy="769441"/>
           </a:xfrm>
           <a:prstGeom prst="rect">
             <a:avLst/>
@@ -16837,7 +17115,7 @@
             </a:pPr>
             <a:r>
               <a:rPr lang="en-US" sz="1100" dirty="0"/>
-              <a:t>Next HDR can be added in GACH Header </a:t>
+              <a:t>Next Protocol is added in GACH Header </a:t>
             </a:r>
           </a:p>
           <a:p>
@@ -16847,7 +17125,7 @@
             </a:pPr>
             <a:r>
               <a:rPr lang="en-US" sz="1100" dirty="0"/>
-              <a:t>Used to check if additional 0001/0000</a:t>
+              <a:t>Used to check if additional 0001/0000 header follows</a:t>
             </a:r>
           </a:p>
           <a:p>
@@ -16857,7 +17135,7 @@
             </a:pPr>
             <a:r>
               <a:rPr lang="en-US" sz="1100" dirty="0"/>
-              <a:t>Next HDR = 0000 or 0001</a:t>
+              <a:t>Next Protocol = 0000 or 0001 or IPV4 or IPv6, etc.</a:t>
             </a:r>
           </a:p>
           <a:p>

--- a/draft-gandhi-mpls-ioam-sr-06.pptx
+++ b/draft-gandhi-mpls-ioam-sr-06.pptx
@@ -10925,7 +10925,22 @@
               <a:rPr lang="en-CA" sz="900" dirty="0">
                 <a:latin typeface="Courier" pitchFamily="2" charset="0"/>
               </a:rPr>
-              <a:t>   |0 0 0 1|Version| Reserved      | IOAM G-</a:t>
+              <a:t>   |0 0 0 1|Version| RESVD |</a:t>
+            </a:r>
+            <a:r>
+              <a:rPr lang="en-CA" sz="900" dirty="0">
+                <a:solidFill>
+                  <a:srgbClr val="0070C0"/>
+                </a:solidFill>
+                <a:latin typeface="Courier" pitchFamily="2" charset="0"/>
+              </a:rPr>
+              <a:t>0 0 0 0</a:t>
+            </a:r>
+            <a:r>
+              <a:rPr lang="en-CA" sz="900" dirty="0">
+                <a:latin typeface="Courier" pitchFamily="2" charset="0"/>
+              </a:rPr>
+              <a:t>| IOAM G-</a:t>
             </a:r>
             <a:r>
               <a:rPr lang="en-CA" sz="900" dirty="0" err="1">
@@ -11389,7 +11404,22 @@
               <a:rPr lang="en-CA" sz="900" dirty="0">
                 <a:latin typeface="Courier" pitchFamily="2" charset="0"/>
               </a:rPr>
-              <a:t>   |0 0 0 1|Version| Reserved      | IOAM G-</a:t>
+              <a:t>   |0 0 0 1|Version| RESVD |</a:t>
+            </a:r>
+            <a:r>
+              <a:rPr lang="en-CA" sz="900" dirty="0">
+                <a:solidFill>
+                  <a:srgbClr val="0070C0"/>
+                </a:solidFill>
+                <a:latin typeface="Courier" pitchFamily="2" charset="0"/>
+              </a:rPr>
+              <a:t>0 0 0 1</a:t>
+            </a:r>
+            <a:r>
+              <a:rPr lang="en-CA" sz="900" dirty="0">
+                <a:latin typeface="Courier" pitchFamily="2" charset="0"/>
+              </a:rPr>
+              <a:t>| IOAM G-</a:t>
             </a:r>
             <a:r>
               <a:rPr lang="en-CA" sz="900" dirty="0" err="1">
@@ -12903,7 +12933,22 @@
               <a:rPr lang="en-CA" sz="900" dirty="0">
                 <a:latin typeface="Courier" pitchFamily="2" charset="0"/>
               </a:rPr>
-              <a:t>   |0 0 0 1|Version| Reserved      | IOAM G-</a:t>
+              <a:t>   |0 0 0 1|Version| RESVD |</a:t>
+            </a:r>
+            <a:r>
+              <a:rPr lang="en-CA" sz="900" dirty="0">
+                <a:solidFill>
+                  <a:srgbClr val="0070C0"/>
+                </a:solidFill>
+                <a:latin typeface="Courier" pitchFamily="2" charset="0"/>
+              </a:rPr>
+              <a:t>0 0 0 0</a:t>
+            </a:r>
+            <a:r>
+              <a:rPr lang="en-CA" sz="900" dirty="0">
+                <a:latin typeface="Courier" pitchFamily="2" charset="0"/>
+              </a:rPr>
+              <a:t>| IOAM G-</a:t>
             </a:r>
             <a:r>
               <a:rPr lang="en-CA" sz="900" dirty="0" err="1">
@@ -13512,7 +13557,22 @@
               <a:rPr lang="en-CA" sz="900" dirty="0">
                 <a:latin typeface="Courier" pitchFamily="2" charset="0"/>
               </a:rPr>
-              <a:t>   |0 0 0 1|Version| Reserved      | IOAM G-</a:t>
+              <a:t>   |0 0 0 1|Version| RESVD |</a:t>
+            </a:r>
+            <a:r>
+              <a:rPr lang="en-CA" sz="900" dirty="0">
+                <a:solidFill>
+                  <a:srgbClr val="0070C0"/>
+                </a:solidFill>
+                <a:latin typeface="Courier" pitchFamily="2" charset="0"/>
+              </a:rPr>
+              <a:t>0 0 0 0</a:t>
+            </a:r>
+            <a:r>
+              <a:rPr lang="en-CA" sz="900" dirty="0">
+                <a:latin typeface="Courier" pitchFamily="2" charset="0"/>
+              </a:rPr>
+              <a:t>| IOAM G-</a:t>
             </a:r>
             <a:r>
               <a:rPr lang="en-CA" sz="900" dirty="0" err="1">
@@ -13966,7 +14026,7 @@
         <p:spPr>
           <a:xfrm>
             <a:off x="2057400" y="619185"/>
-            <a:ext cx="4648200" cy="4524315"/>
+            <a:ext cx="4648200" cy="4678204"/>
           </a:xfrm>
           <a:prstGeom prst="rect">
             <a:avLst/>
@@ -14138,7 +14198,22 @@
               <a:rPr lang="en-CA" sz="800" dirty="0">
                 <a:latin typeface="Courier" pitchFamily="2" charset="0"/>
               </a:rPr>
-              <a:t>   |0 0 0 1|Version| Reserved      | IOAM G-</a:t>
+              <a:t>   |0 0 0 1|Version| RESVD |</a:t>
+            </a:r>
+            <a:r>
+              <a:rPr lang="en-CA" sz="800" dirty="0">
+                <a:solidFill>
+                  <a:srgbClr val="0070C0"/>
+                </a:solidFill>
+                <a:latin typeface="Courier" pitchFamily="2" charset="0"/>
+              </a:rPr>
+              <a:t>0 0 0 0</a:t>
+            </a:r>
+            <a:r>
+              <a:rPr lang="en-CA" sz="800" dirty="0">
+                <a:latin typeface="Courier" pitchFamily="2" charset="0"/>
+              </a:rPr>
+              <a:t>| IOAM G-</a:t>
             </a:r>
             <a:r>
               <a:rPr lang="en-CA" sz="800" dirty="0" err="1">
@@ -15489,7 +15564,13 @@
               <a:rPr lang="en-CA" sz="800" b="1" dirty="0">
                 <a:latin typeface="Courier" pitchFamily="2" charset="0"/>
               </a:rPr>
-              <a:t>Next Protocol </a:t>
+              <a:t>RESVD |</a:t>
+            </a:r>
+            <a:r>
+              <a:rPr lang="en-CA" sz="800" b="1" dirty="0" err="1">
+                <a:latin typeface="Courier" pitchFamily="2" charset="0"/>
+              </a:rPr>
+              <a:t>NexProt</a:t>
             </a:r>
             <a:r>
               <a:rPr lang="en-CA" sz="800" dirty="0">
@@ -15690,7 +15771,7 @@
             </a:r>
           </a:p>
           <a:p>
-            <a:pPr marL="171450" indent="-171450">
+            <a:pPr marL="628650" lvl="1" indent="-171450">
               <a:buFont typeface="Arial" panose="020B0604020202020204" pitchFamily="34" charset="0"/>
               <a:buChar char="•"/>
             </a:pPr>
@@ -15701,8 +15782,8 @@
           </a:p>
           <a:p>
             <a:pPr marL="628650" lvl="1" indent="-171450">
-              <a:buFontTx/>
-              <a:buChar char="-"/>
+              <a:buFont typeface="Arial" panose="020B0604020202020204" pitchFamily="34" charset="0"/>
+              <a:buChar char="•"/>
             </a:pPr>
             <a:r>
               <a:rPr lang="en-CA" sz="1100" dirty="0"/>
@@ -16896,16 +16977,16 @@
               <a:rPr lang="en-CA" sz="1000" dirty="0">
                 <a:latin typeface="Courier" pitchFamily="2" charset="0"/>
               </a:rPr>
-              <a:t>   |0 0 0 1|Version| </a:t>
-            </a:r>
-            <a:r>
-              <a:rPr lang="en-CA" sz="1000" b="1" dirty="0">
+              <a:t>   |0 0 0 1|Version| RESVD |</a:t>
+            </a:r>
+            <a:r>
+              <a:rPr lang="en-CA" sz="1000" b="1" dirty="0" err="1">
                 <a:solidFill>
                   <a:srgbClr val="0070C0"/>
                 </a:solidFill>
                 <a:latin typeface="Courier" pitchFamily="2" charset="0"/>
               </a:rPr>
-              <a:t>Next Protocol </a:t>
+              <a:t>NexProt</a:t>
             </a:r>
             <a:r>
               <a:rPr lang="en-CA" sz="1000" dirty="0">
@@ -17096,7 +17177,7 @@
         <p:spPr>
           <a:xfrm>
             <a:off x="0" y="4190703"/>
-            <a:ext cx="3962400" cy="769441"/>
+            <a:ext cx="4343400" cy="707886"/>
           </a:xfrm>
           <a:prstGeom prst="rect">
             <a:avLst/>
@@ -17114,7 +17195,7 @@
               <a:buChar char="•"/>
             </a:pPr>
             <a:r>
-              <a:rPr lang="en-US" sz="1100" dirty="0"/>
+              <a:rPr lang="en-US" sz="1000" dirty="0"/>
               <a:t>Next Protocol is added in GACH Header </a:t>
             </a:r>
           </a:p>
@@ -17124,7 +17205,7 @@
               <a:buChar char="•"/>
             </a:pPr>
             <a:r>
-              <a:rPr lang="en-US" sz="1100" dirty="0"/>
+              <a:rPr lang="en-US" sz="1000" dirty="0"/>
               <a:t>Used to check if additional 0001/0000 header follows</a:t>
             </a:r>
           </a:p>
@@ -17134,8 +17215,8 @@
               <a:buChar char="•"/>
             </a:pPr>
             <a:r>
-              <a:rPr lang="en-US" sz="1100" dirty="0"/>
-              <a:t>Next Protocol = 0000 or 0001 or IPV4 or IPv6, etc.</a:t>
+              <a:rPr lang="en-US" sz="1000" dirty="0"/>
+              <a:t>Next Protocol = 0000 or 0001 or IPV4 0100 or IPv6 0110, etc.</a:t>
             </a:r>
           </a:p>
           <a:p>
@@ -17144,7 +17225,7 @@
               <a:buChar char="•"/>
             </a:pPr>
             <a:r>
-              <a:rPr lang="en-US" sz="1100" dirty="0"/>
+              <a:rPr lang="en-US" sz="1000" dirty="0"/>
               <a:t>Multiple 0000 and 0001 headers</a:t>
             </a:r>
           </a:p>

--- a/draft-gandhi-mpls-ioam-sr-06.pptx
+++ b/draft-gandhi-mpls-ioam-sr-06.pptx
@@ -6293,7 +6293,22 @@
               <a:rPr lang="en-CA" sz="1000" dirty="0">
                 <a:latin typeface="Courier" pitchFamily="2" charset="0"/>
               </a:rPr>
-              <a:t>   |0 0 0 1|Version| Reserved      | IOAM G-</a:t>
+              <a:t>   |0 0 0 1|Version| RESVD |</a:t>
+            </a:r>
+            <a:r>
+              <a:rPr lang="en-CA" sz="1000" b="1" dirty="0" err="1">
+                <a:solidFill>
+                  <a:srgbClr val="0070C0"/>
+                </a:solidFill>
+                <a:latin typeface="Courier" pitchFamily="2" charset="0"/>
+              </a:rPr>
+              <a:t>NextIPv</a:t>
+            </a:r>
+            <a:r>
+              <a:rPr lang="en-CA" sz="1000" dirty="0">
+                <a:latin typeface="Courier" pitchFamily="2" charset="0"/>
+              </a:rPr>
+              <a:t>| IOAM G-</a:t>
             </a:r>
             <a:r>
               <a:rPr lang="en-CA" sz="1000" dirty="0" err="1">
@@ -8231,7 +8246,22 @@
               <a:rPr lang="en-CA" sz="1000" dirty="0">
                 <a:latin typeface="Courier" pitchFamily="2" charset="0"/>
               </a:rPr>
-              <a:t>   |0 0 0 1|Version| Reserved      | IOAM G-</a:t>
+              <a:t>   |0 0 0 1|Version| RESVD |</a:t>
+            </a:r>
+            <a:r>
+              <a:rPr lang="en-CA" sz="1000" b="1" dirty="0" err="1">
+                <a:solidFill>
+                  <a:srgbClr val="0070C0"/>
+                </a:solidFill>
+                <a:latin typeface="Courier" pitchFamily="2" charset="0"/>
+              </a:rPr>
+              <a:t>NextIPv</a:t>
+            </a:r>
+            <a:r>
+              <a:rPr lang="en-CA" sz="1000" dirty="0">
+                <a:latin typeface="Courier" pitchFamily="2" charset="0"/>
+              </a:rPr>
+              <a:t>| IOAM G-</a:t>
             </a:r>
             <a:r>
               <a:rPr lang="en-CA" sz="1000" dirty="0" err="1">
@@ -12530,7 +12560,22 @@
               <a:rPr lang="en-CA" sz="800" dirty="0">
                 <a:latin typeface="Courier" pitchFamily="2" charset="0"/>
               </a:rPr>
-              <a:t>   |0 0 0 1|Version|  Reserved     | IOAM G-</a:t>
+              <a:t>   |0 0 0 1|Version| RESVD |</a:t>
+            </a:r>
+            <a:r>
+              <a:rPr lang="en-CA" sz="800" b="1" dirty="0" err="1">
+                <a:solidFill>
+                  <a:srgbClr val="0070C0"/>
+                </a:solidFill>
+                <a:latin typeface="Courier" pitchFamily="2" charset="0"/>
+              </a:rPr>
+              <a:t>NextIPv</a:t>
+            </a:r>
+            <a:r>
+              <a:rPr lang="en-CA" sz="800" dirty="0">
+                <a:latin typeface="Courier" pitchFamily="2" charset="0"/>
+              </a:rPr>
+              <a:t>| IOAM G-</a:t>
             </a:r>
             <a:r>
               <a:rPr lang="en-CA" sz="800" dirty="0" err="1">
@@ -12542,7 +12587,7 @@
               <a:rPr lang="en-CA" sz="800" dirty="0">
                 <a:latin typeface="Courier" pitchFamily="2" charset="0"/>
               </a:rPr>
-              <a:t>                    |  | </a:t>
+              <a:t> (Type TBA3)        |  | </a:t>
             </a:r>
           </a:p>
           <a:p>
@@ -15558,49 +15603,34 @@
               <a:rPr lang="en-CA" sz="800" dirty="0">
                 <a:latin typeface="Courier" pitchFamily="2" charset="0"/>
               </a:rPr>
-              <a:t>   |0 0 0 1|Version| </a:t>
-            </a:r>
-            <a:r>
-              <a:rPr lang="en-CA" sz="800" b="1" dirty="0">
-                <a:latin typeface="Courier" pitchFamily="2" charset="0"/>
-              </a:rPr>
-              <a:t>RESVD |</a:t>
+              <a:t>   |0 0 0 1|Version| RESVD |</a:t>
             </a:r>
             <a:r>
               <a:rPr lang="en-CA" sz="800" b="1" dirty="0" err="1">
-                <a:latin typeface="Courier" pitchFamily="2" charset="0"/>
-              </a:rPr>
-              <a:t>NexProt</a:t>
+                <a:solidFill>
+                  <a:srgbClr val="0070C0"/>
+                </a:solidFill>
+                <a:latin typeface="Courier" pitchFamily="2" charset="0"/>
+              </a:rPr>
+              <a:t>NextIPv</a:t>
             </a:r>
             <a:r>
               <a:rPr lang="en-CA" sz="800" dirty="0">
                 <a:latin typeface="Courier" pitchFamily="2" charset="0"/>
               </a:rPr>
-              <a:t>| </a:t>
-            </a:r>
-            <a:r>
-              <a:rPr lang="en-CA" sz="800" b="1" dirty="0">
-                <a:latin typeface="Courier" pitchFamily="2" charset="0"/>
-              </a:rPr>
-              <a:t>IOAM G-</a:t>
-            </a:r>
-            <a:r>
-              <a:rPr lang="en-CA" sz="800" b="1" dirty="0" err="1">
+              <a:t>| IOAM G-</a:t>
+            </a:r>
+            <a:r>
+              <a:rPr lang="en-CA" sz="800" dirty="0" err="1">
                 <a:latin typeface="Courier" pitchFamily="2" charset="0"/>
               </a:rPr>
               <a:t>ACh</a:t>
             </a:r>
             <a:r>
-              <a:rPr lang="en-CA" sz="800" b="1" dirty="0">
-                <a:latin typeface="Courier" pitchFamily="2" charset="0"/>
-              </a:rPr>
-              <a:t> (Type TBA3)        </a:t>
-            </a:r>
-            <a:r>
               <a:rPr lang="en-CA" sz="800" dirty="0">
                 <a:latin typeface="Courier" pitchFamily="2" charset="0"/>
               </a:rPr>
-              <a:t>|  | </a:t>
+              <a:t> (Type TBA3)        |  | </a:t>
             </a:r>
           </a:p>
           <a:p>
@@ -16986,7 +17016,7 @@
                 </a:solidFill>
                 <a:latin typeface="Courier" pitchFamily="2" charset="0"/>
               </a:rPr>
-              <a:t>NexProt</a:t>
+              <a:t>NextIPv</a:t>
             </a:r>
             <a:r>
               <a:rPr lang="en-CA" sz="1000" dirty="0">
@@ -17176,8 +17206,8 @@
         </p:nvSpPr>
         <p:spPr>
           <a:xfrm>
-            <a:off x="0" y="4190703"/>
-            <a:ext cx="4343400" cy="707886"/>
+            <a:off x="152400" y="4185574"/>
+            <a:ext cx="3581400" cy="900246"/>
           </a:xfrm>
           <a:prstGeom prst="rect">
             <a:avLst/>
@@ -17195,8 +17225,8 @@
               <a:buChar char="•"/>
             </a:pPr>
             <a:r>
-              <a:rPr lang="en-US" sz="1000" dirty="0"/>
-              <a:t>Next Protocol is added in GACH Header </a:t>
+              <a:rPr lang="en-US" sz="1050" dirty="0"/>
+              <a:t>Next IP Version is added in GACH Header </a:t>
             </a:r>
           </a:p>
           <a:p>
@@ -17205,7 +17235,7 @@
               <a:buChar char="•"/>
             </a:pPr>
             <a:r>
-              <a:rPr lang="en-US" sz="1000" dirty="0"/>
+              <a:rPr lang="en-US" sz="1050" dirty="0"/>
               <a:t>Used to check if additional 0001/0000 header follows</a:t>
             </a:r>
           </a:p>
@@ -17215,7 +17245,7 @@
               <a:buChar char="•"/>
             </a:pPr>
             <a:r>
-              <a:rPr lang="en-US" sz="1000" dirty="0"/>
+              <a:rPr lang="en-US" sz="1050" dirty="0"/>
               <a:t>Next Protocol = 0000 or 0001 or IPV4 0100 or IPv6 0110, etc.</a:t>
             </a:r>
           </a:p>
@@ -17225,7 +17255,7 @@
               <a:buChar char="•"/>
             </a:pPr>
             <a:r>
-              <a:rPr lang="en-US" sz="1000" dirty="0"/>
+              <a:rPr lang="en-US" sz="1050" dirty="0"/>
               <a:t>Multiple 0000 and 0001 headers</a:t>
             </a:r>
           </a:p>

--- a/draft-gandhi-mpls-ioam-sr-06.pptx
+++ b/draft-gandhi-mpls-ioam-sr-06.pptx
@@ -16387,16 +16387,21 @@
             </a:pPr>
             <a:r>
               <a:rPr lang="en-US" sz="1600" dirty="0"/>
-              <a:t>Discuss review comment on using IOAM FEC (SFL) for </a:t>
+              <a:t>Use GAL with different IOAM G-</a:t>
+            </a:r>
+            <a:r>
+              <a:rPr lang="en-US" sz="1600" dirty="0" err="1"/>
+              <a:t>ACh</a:t>
+            </a:r>
+            <a:r>
+              <a:rPr lang="en-US" sz="1600" dirty="0"/>
+              <a:t> for E2E and </a:t>
             </a:r>
             <a:r>
               <a:rPr lang="en-US" sz="1600" dirty="0" err="1"/>
               <a:t>HbH</a:t>
             </a:r>
-            <a:r>
-              <a:rPr lang="en-US" sz="1600" dirty="0"/>
-              <a:t> IOAM</a:t>
-            </a:r>
+            <a:endParaRPr lang="en-US" sz="1600" dirty="0"/>
           </a:p>
           <a:p>
             <a:pPr marL="742950" lvl="2" indent="-342900">
@@ -16422,7 +16427,34 @@
             </a:r>
             <a:r>
               <a:rPr lang="en-US" sz="1600" dirty="0"/>
-              <a:t> / Control Word handling</a:t>
+              <a:t> / Control Word headers</a:t>
+            </a:r>
+          </a:p>
+          <a:p>
+            <a:pPr marL="742950" lvl="2" indent="-342900">
+              <a:lnSpc>
+                <a:spcPts val="2000"/>
+              </a:lnSpc>
+              <a:spcBef>
+                <a:spcPts val="600"/>
+              </a:spcBef>
+              <a:spcAft>
+                <a:spcPts val="0"/>
+              </a:spcAft>
+              <a:buFont typeface="Wingdings" pitchFamily="2" charset="2"/>
+              <a:buChar char="§"/>
+            </a:pPr>
+            <a:r>
+              <a:rPr lang="en-US" sz="1600" dirty="0"/>
+              <a:t>Discuss using IOAM FEC (SFL) for </a:t>
+            </a:r>
+            <a:r>
+              <a:rPr lang="en-US" sz="1600" dirty="0" err="1"/>
+              <a:t>HbH</a:t>
+            </a:r>
+            <a:r>
+              <a:rPr lang="en-US" sz="1600" dirty="0"/>
+              <a:t> IOAM</a:t>
             </a:r>
           </a:p>
         </p:txBody>
@@ -17226,7 +17258,15 @@
             </a:pPr>
             <a:r>
               <a:rPr lang="en-US" sz="1050" dirty="0"/>
-              <a:t>Next IP Version is added in GACH Header </a:t>
+              <a:t>Next IP Version is added in G-</a:t>
+            </a:r>
+            <a:r>
+              <a:rPr lang="en-US" sz="1050" dirty="0" err="1"/>
+              <a:t>ACh</a:t>
+            </a:r>
+            <a:r>
+              <a:rPr lang="en-US" sz="1050" dirty="0"/>
+              <a:t> Header </a:t>
             </a:r>
           </a:p>
           <a:p>
@@ -17246,7 +17286,7 @@
             </a:pPr>
             <a:r>
               <a:rPr lang="en-US" sz="1050" dirty="0"/>
-              <a:t>Next Protocol = 0000 or 0001 or IPV4 0100 or IPv6 0110, etc.</a:t>
+              <a:t>Next IP Version = 0000 or 0001 or IPV4 0100 or IPv6 0110, etc.</a:t>
             </a:r>
           </a:p>
           <a:p>

--- a/draft-gandhi-mpls-ioam-sr-06.pptx
+++ b/draft-gandhi-mpls-ioam-sr-06.pptx
@@ -274,7 +274,7 @@
           <a:p>
             <a:fld id="{E8FA3DB5-7722-3F4F-947D-12B203669AD7}" type="datetimeFigureOut">
               <a:rPr lang="en-US" smtClean="0"/>
-              <a:t>2/21/21</a:t>
+              <a:t>2/22/21</a:t>
             </a:fld>
             <a:endParaRPr lang="en-US"/>
           </a:p>
@@ -6293,22 +6293,7 @@
               <a:rPr lang="en-CA" sz="1000" dirty="0">
                 <a:latin typeface="Courier" pitchFamily="2" charset="0"/>
               </a:rPr>
-              <a:t>   |0 0 0 1|Version| RESVD |</a:t>
-            </a:r>
-            <a:r>
-              <a:rPr lang="en-CA" sz="1000" b="1" dirty="0" err="1">
-                <a:solidFill>
-                  <a:srgbClr val="0070C0"/>
-                </a:solidFill>
-                <a:latin typeface="Courier" pitchFamily="2" charset="0"/>
-              </a:rPr>
-              <a:t>NextIPv</a:t>
-            </a:r>
-            <a:r>
-              <a:rPr lang="en-CA" sz="1000" dirty="0">
-                <a:latin typeface="Courier" pitchFamily="2" charset="0"/>
-              </a:rPr>
-              <a:t>| IOAM G-</a:t>
+              <a:t>   |0 0 0 1|Version| Reserved      | IOAM G-</a:t>
             </a:r>
             <a:r>
               <a:rPr lang="en-CA" sz="1000" dirty="0" err="1">
@@ -8246,22 +8231,7 @@
               <a:rPr lang="en-CA" sz="1000" dirty="0">
                 <a:latin typeface="Courier" pitchFamily="2" charset="0"/>
               </a:rPr>
-              <a:t>   |0 0 0 1|Version| RESVD |</a:t>
-            </a:r>
-            <a:r>
-              <a:rPr lang="en-CA" sz="1000" b="1" dirty="0" err="1">
-                <a:solidFill>
-                  <a:srgbClr val="0070C0"/>
-                </a:solidFill>
-                <a:latin typeface="Courier" pitchFamily="2" charset="0"/>
-              </a:rPr>
-              <a:t>NextIPv</a:t>
-            </a:r>
-            <a:r>
-              <a:rPr lang="en-CA" sz="1000" dirty="0">
-                <a:latin typeface="Courier" pitchFamily="2" charset="0"/>
-              </a:rPr>
-              <a:t>| IOAM G-</a:t>
+              <a:t>   |0 0 0 1|Version| Reserved      | IOAM G-</a:t>
             </a:r>
             <a:r>
               <a:rPr lang="en-CA" sz="1000" dirty="0" err="1">
@@ -10955,22 +10925,7 @@
               <a:rPr lang="en-CA" sz="900" dirty="0">
                 <a:latin typeface="Courier" pitchFamily="2" charset="0"/>
               </a:rPr>
-              <a:t>   |0 0 0 1|Version| RESVD |</a:t>
-            </a:r>
-            <a:r>
-              <a:rPr lang="en-CA" sz="900" dirty="0">
-                <a:solidFill>
-                  <a:srgbClr val="0070C0"/>
-                </a:solidFill>
-                <a:latin typeface="Courier" pitchFamily="2" charset="0"/>
-              </a:rPr>
-              <a:t>0 0 0 0</a:t>
-            </a:r>
-            <a:r>
-              <a:rPr lang="en-CA" sz="900" dirty="0">
-                <a:latin typeface="Courier" pitchFamily="2" charset="0"/>
-              </a:rPr>
-              <a:t>| IOAM G-</a:t>
+              <a:t>   |0 0 0 1|Version| Reserved      | IOAM G-</a:t>
             </a:r>
             <a:r>
               <a:rPr lang="en-CA" sz="900" dirty="0" err="1">
@@ -11434,22 +11389,7 @@
               <a:rPr lang="en-CA" sz="900" dirty="0">
                 <a:latin typeface="Courier" pitchFamily="2" charset="0"/>
               </a:rPr>
-              <a:t>   |0 0 0 1|Version| RESVD |</a:t>
-            </a:r>
-            <a:r>
-              <a:rPr lang="en-CA" sz="900" dirty="0">
-                <a:solidFill>
-                  <a:srgbClr val="0070C0"/>
-                </a:solidFill>
-                <a:latin typeface="Courier" pitchFamily="2" charset="0"/>
-              </a:rPr>
-              <a:t>0 0 0 1</a:t>
-            </a:r>
-            <a:r>
-              <a:rPr lang="en-CA" sz="900" dirty="0">
-                <a:latin typeface="Courier" pitchFamily="2" charset="0"/>
-              </a:rPr>
-              <a:t>| IOAM G-</a:t>
+              <a:t>   |0 0 0 1|Version| Reserved      | IOAM G-</a:t>
             </a:r>
             <a:r>
               <a:rPr lang="en-CA" sz="900" dirty="0" err="1">
@@ -12560,22 +12500,7 @@
               <a:rPr lang="en-CA" sz="800" dirty="0">
                 <a:latin typeface="Courier" pitchFamily="2" charset="0"/>
               </a:rPr>
-              <a:t>   |0 0 0 1|Version| RESVD |</a:t>
-            </a:r>
-            <a:r>
-              <a:rPr lang="en-CA" sz="800" b="1" dirty="0" err="1">
-                <a:solidFill>
-                  <a:srgbClr val="0070C0"/>
-                </a:solidFill>
-                <a:latin typeface="Courier" pitchFamily="2" charset="0"/>
-              </a:rPr>
-              <a:t>NextIPv</a:t>
-            </a:r>
-            <a:r>
-              <a:rPr lang="en-CA" sz="800" dirty="0">
-                <a:latin typeface="Courier" pitchFamily="2" charset="0"/>
-              </a:rPr>
-              <a:t>| IOAM G-</a:t>
+              <a:t>   |0 0 0 1|Version| Reserved      | IOAM G-</a:t>
             </a:r>
             <a:r>
               <a:rPr lang="en-CA" sz="800" dirty="0" err="1">
@@ -12978,22 +12903,7 @@
               <a:rPr lang="en-CA" sz="900" dirty="0">
                 <a:latin typeface="Courier" pitchFamily="2" charset="0"/>
               </a:rPr>
-              <a:t>   |0 0 0 1|Version| RESVD |</a:t>
-            </a:r>
-            <a:r>
-              <a:rPr lang="en-CA" sz="900" dirty="0">
-                <a:solidFill>
-                  <a:srgbClr val="0070C0"/>
-                </a:solidFill>
-                <a:latin typeface="Courier" pitchFamily="2" charset="0"/>
-              </a:rPr>
-              <a:t>0 0 0 0</a:t>
-            </a:r>
-            <a:r>
-              <a:rPr lang="en-CA" sz="900" dirty="0">
-                <a:latin typeface="Courier" pitchFamily="2" charset="0"/>
-              </a:rPr>
-              <a:t>| IOAM G-</a:t>
+              <a:t>   |0 0 0 1|Version| Reserved      | IOAM G-</a:t>
             </a:r>
             <a:r>
               <a:rPr lang="en-CA" sz="900" dirty="0" err="1">
@@ -13602,22 +13512,7 @@
               <a:rPr lang="en-CA" sz="900" dirty="0">
                 <a:latin typeface="Courier" pitchFamily="2" charset="0"/>
               </a:rPr>
-              <a:t>   |0 0 0 1|Version| RESVD |</a:t>
-            </a:r>
-            <a:r>
-              <a:rPr lang="en-CA" sz="900" dirty="0">
-                <a:solidFill>
-                  <a:srgbClr val="0070C0"/>
-                </a:solidFill>
-                <a:latin typeface="Courier" pitchFamily="2" charset="0"/>
-              </a:rPr>
-              <a:t>0 0 0 0</a:t>
-            </a:r>
-            <a:r>
-              <a:rPr lang="en-CA" sz="900" dirty="0">
-                <a:latin typeface="Courier" pitchFamily="2" charset="0"/>
-              </a:rPr>
-              <a:t>| IOAM G-</a:t>
+              <a:t>   |0 0 0 1|Version| Reserved      | IOAM G-</a:t>
             </a:r>
             <a:r>
               <a:rPr lang="en-CA" sz="900" dirty="0" err="1">
@@ -14243,22 +14138,7 @@
               <a:rPr lang="en-CA" sz="800" dirty="0">
                 <a:latin typeface="Courier" pitchFamily="2" charset="0"/>
               </a:rPr>
-              <a:t>   |0 0 0 1|Version| RESVD |</a:t>
-            </a:r>
-            <a:r>
-              <a:rPr lang="en-CA" sz="800" dirty="0">
-                <a:solidFill>
-                  <a:srgbClr val="0070C0"/>
-                </a:solidFill>
-                <a:latin typeface="Courier" pitchFamily="2" charset="0"/>
-              </a:rPr>
-              <a:t>0 0 0 0</a:t>
-            </a:r>
-            <a:r>
-              <a:rPr lang="en-CA" sz="800" dirty="0">
-                <a:latin typeface="Courier" pitchFamily="2" charset="0"/>
-              </a:rPr>
-              <a:t>| IOAM G-</a:t>
+              <a:t>   |0 0 0 1|Version| Reserved      | IOAM G-</a:t>
             </a:r>
             <a:r>
               <a:rPr lang="en-CA" sz="800" dirty="0" err="1">
@@ -15414,10 +15294,28 @@
           </a:p>
           <a:p>
             <a:r>
+              <a:rPr lang="en-CA" sz="800">
+                <a:latin typeface="Courier" pitchFamily="2" charset="0"/>
+              </a:rPr>
+              <a:t>   | Reserved      </a:t>
+            </a:r>
+            <a:r>
               <a:rPr lang="en-CA" sz="800" dirty="0">
                 <a:latin typeface="Courier" pitchFamily="2" charset="0"/>
               </a:rPr>
-              <a:t>   | Reserved      | Block Number  | IOAM-OPT-Type |  Reserved     |  |</a:t>
+              <a:t>| Block Number  | </a:t>
+            </a:r>
+            <a:r>
+              <a:rPr lang="en-CA" sz="800">
+                <a:latin typeface="Courier" pitchFamily="2" charset="0"/>
+              </a:rPr>
+              <a:t>IOAM-OPT-Type |  Reserved     </a:t>
+            </a:r>
+            <a:r>
+              <a:rPr lang="en-CA" sz="800" dirty="0">
+                <a:latin typeface="Courier" pitchFamily="2" charset="0"/>
+              </a:rPr>
+              <a:t>|  |</a:t>
             </a:r>
           </a:p>
           <a:p>
@@ -15603,34 +15501,27 @@
               <a:rPr lang="en-CA" sz="800" dirty="0">
                 <a:latin typeface="Courier" pitchFamily="2" charset="0"/>
               </a:rPr>
-              <a:t>   |0 0 0 1|Version| RESVD |</a:t>
-            </a:r>
-            <a:r>
-              <a:rPr lang="en-CA" sz="800" b="1" dirty="0" err="1">
-                <a:solidFill>
-                  <a:srgbClr val="0070C0"/>
-                </a:solidFill>
-                <a:latin typeface="Courier" pitchFamily="2" charset="0"/>
-              </a:rPr>
-              <a:t>NextIPv</a:t>
+              <a:t>   |0 0 0 1|Version| Reserved      | IOAM G-</a:t>
+            </a:r>
+            <a:r>
+              <a:rPr lang="en-CA" sz="800" dirty="0" err="1">
+                <a:latin typeface="Courier" pitchFamily="2" charset="0"/>
+              </a:rPr>
+              <a:t>ACh</a:t>
             </a:r>
             <a:r>
               <a:rPr lang="en-CA" sz="800" dirty="0">
                 <a:latin typeface="Courier" pitchFamily="2" charset="0"/>
               </a:rPr>
-              <a:t>| IOAM G-</a:t>
-            </a:r>
-            <a:r>
-              <a:rPr lang="en-CA" sz="800" dirty="0" err="1">
-                <a:latin typeface="Courier" pitchFamily="2" charset="0"/>
-              </a:rPr>
-              <a:t>ACh</a:t>
-            </a:r>
+              <a:t> (Type TBA3)        |  | </a:t>
+            </a:r>
+          </a:p>
+          <a:p>
             <a:r>
               <a:rPr lang="en-CA" sz="800" dirty="0">
                 <a:latin typeface="Courier" pitchFamily="2" charset="0"/>
               </a:rPr>
-              <a:t> (Type TBA3)        |  | </a:t>
+              <a:t>   +-+-+-+-+-+-+-+-+-+-+-+-+-+-+-+-+-+-+-+-+-+-+-+-+-+-+-+-+-+-+-+-+  | </a:t>
             </a:r>
           </a:p>
           <a:p>
@@ -15638,7 +15529,7 @@
               <a:rPr lang="en-CA" sz="800" dirty="0">
                 <a:latin typeface="Courier" pitchFamily="2" charset="0"/>
               </a:rPr>
-              <a:t>   +-+-+-+-+-+-+-+-+-+-+-+-+-+-+-+-+-+-+-+-+-+-+-+-+-+-+-+-+-+-+-+-+  | </a:t>
+              <a:t>   | Reserved      | Block Number  | IOAM-OPT-Type |IOAM HDR Length|  |</a:t>
             </a:r>
           </a:p>
           <a:p>
@@ -15646,7 +15537,7 @@
               <a:rPr lang="en-CA" sz="800" dirty="0">
                 <a:latin typeface="Courier" pitchFamily="2" charset="0"/>
               </a:rPr>
-              <a:t>   | Reserved      | Block Number  | IOAM-OPT-Type |IOAM HDR Length|  |</a:t>
+              <a:t>   +-+-+-+-+-+-+-+-+-+-+-+-+-+-+-+-+-+-+-+-+-+-+-+-+-+-+-+-+-+-+-+-+  I</a:t>
             </a:r>
           </a:p>
           <a:p>
@@ -15654,7 +15545,7 @@
               <a:rPr lang="en-CA" sz="800" dirty="0">
                 <a:latin typeface="Courier" pitchFamily="2" charset="0"/>
               </a:rPr>
-              <a:t>   +-+-+-+-+-+-+-+-+-+-+-+-+-+-+-+-+-+-+-+-+-+-+-+-+-+-+-+-+-+-+-+-+  I</a:t>
+              <a:t>   |                                                               |  O</a:t>
             </a:r>
           </a:p>
           <a:p>
@@ -15662,7 +15553,7 @@
               <a:rPr lang="en-CA" sz="800" dirty="0">
                 <a:latin typeface="Courier" pitchFamily="2" charset="0"/>
               </a:rPr>
-              <a:t>   |                                                               |  O</a:t>
+              <a:t>   |                                                               |  A</a:t>
             </a:r>
           </a:p>
           <a:p>
@@ -15670,7 +15561,7 @@
               <a:rPr lang="en-CA" sz="800" dirty="0">
                 <a:latin typeface="Courier" pitchFamily="2" charset="0"/>
               </a:rPr>
-              <a:t>   |                                                               |  A</a:t>
+              <a:t>   ~                 IOAM Option and Data Space                    ~  M</a:t>
             </a:r>
           </a:p>
           <a:p>
@@ -15678,7 +15569,7 @@
               <a:rPr lang="en-CA" sz="800" dirty="0">
                 <a:latin typeface="Courier" pitchFamily="2" charset="0"/>
               </a:rPr>
-              <a:t>   ~                 IOAM Option and Data Space                    ~  M</a:t>
+              <a:t>   |                                                               |  |</a:t>
             </a:r>
           </a:p>
           <a:p>
@@ -15694,7 +15585,7 @@
               <a:rPr lang="en-CA" sz="800" dirty="0">
                 <a:latin typeface="Courier" pitchFamily="2" charset="0"/>
               </a:rPr>
-              <a:t>   |                                                               |  |</a:t>
+              <a:t>   +-+-+-+-+-+-+-+-+-+-+-+-+-+-+-+-+-+-+-+-+-+-+-+-+-+-+-+-+-+-+-+-+&lt;-+</a:t>
             </a:r>
           </a:p>
           <a:p>
@@ -15702,7 +15593,7 @@
               <a:rPr lang="en-CA" sz="800" dirty="0">
                 <a:latin typeface="Courier" pitchFamily="2" charset="0"/>
               </a:rPr>
-              <a:t>   +-+-+-+-+-+-+-+-+-+-+-+-+-+-+-+-+-+-+-+-+-+-+-+-+-+-+-+-+-+-+-+-+&lt;-+</a:t>
+              <a:t>   |                                                               |</a:t>
             </a:r>
           </a:p>
           <a:p>
@@ -15718,6 +15609,14 @@
               <a:rPr lang="en-CA" sz="800" dirty="0">
                 <a:latin typeface="Courier" pitchFamily="2" charset="0"/>
               </a:rPr>
+              <a:t>   ~                 Payload + Padding                             ~</a:t>
+            </a:r>
+          </a:p>
+          <a:p>
+            <a:r>
+              <a:rPr lang="en-CA" sz="800" dirty="0">
+                <a:latin typeface="Courier" pitchFamily="2" charset="0"/>
+              </a:rPr>
               <a:t>   |                                                               |</a:t>
             </a:r>
           </a:p>
@@ -15726,7 +15625,7 @@
               <a:rPr lang="en-CA" sz="800" dirty="0">
                 <a:latin typeface="Courier" pitchFamily="2" charset="0"/>
               </a:rPr>
-              <a:t>   ~                 Payload + Padding                             ~</a:t>
+              <a:t>   |                                                               |</a:t>
             </a:r>
           </a:p>
           <a:p>
@@ -15734,100 +15633,7 @@
               <a:rPr lang="en-CA" sz="800" dirty="0">
                 <a:latin typeface="Courier" pitchFamily="2" charset="0"/>
               </a:rPr>
-              <a:t>   |                                                               |</a:t>
-            </a:r>
-          </a:p>
-          <a:p>
-            <a:r>
-              <a:rPr lang="en-CA" sz="800" dirty="0">
-                <a:latin typeface="Courier" pitchFamily="2" charset="0"/>
-              </a:rPr>
-              <a:t>   |                                                               |</a:t>
-            </a:r>
-          </a:p>
-          <a:p>
-            <a:r>
-              <a:rPr lang="en-CA" sz="800" dirty="0">
-                <a:latin typeface="Courier" pitchFamily="2" charset="0"/>
-              </a:rPr>
               <a:t>   +-+-+-+-+-+-+-+-+-+-+-+-+-+-+-+-+-+-+-+-+-+-+-+-+-+-+-+-+-+-+-+-+</a:t>
-            </a:r>
-          </a:p>
-        </p:txBody>
-      </p:sp>
-      <p:sp>
-        <p:nvSpPr>
-          <p:cNvPr id="3" name="TextBox 2">
-            <a:extLst>
-              <a:ext uri="{FF2B5EF4-FFF2-40B4-BE49-F238E27FC236}">
-                <a16:creationId xmlns:a16="http://schemas.microsoft.com/office/drawing/2014/main" id="{62AAADEA-CF9A-0B4B-ADB1-6DFFD2948980}"/>
-              </a:ext>
-            </a:extLst>
-          </p:cNvPr>
-          <p:cNvSpPr txBox="1"/>
-          <p:nvPr/>
-        </p:nvSpPr>
-        <p:spPr>
-          <a:xfrm>
-            <a:off x="48714" y="3640282"/>
-            <a:ext cx="4142286" cy="1107996"/>
-          </a:xfrm>
-          <a:prstGeom prst="rect">
-            <a:avLst/>
-          </a:prstGeom>
-          <a:noFill/>
-        </p:spPr>
-        <p:txBody>
-          <a:bodyPr wrap="square" rtlCol="0">
-            <a:spAutoFit/>
-          </a:bodyPr>
-          <a:lstStyle/>
-          <a:p>
-            <a:pPr marL="171450" indent="-171450">
-              <a:buFont typeface="Arial" panose="020B0604020202020204" pitchFamily="34" charset="0"/>
-              <a:buChar char="•"/>
-            </a:pPr>
-            <a:r>
-              <a:rPr lang="en-US" sz="1100" dirty="0"/>
-              <a:t>Use different </a:t>
-            </a:r>
-            <a:r>
-              <a:rPr lang="en-US" sz="1100" dirty="0" err="1"/>
-              <a:t>HbH</a:t>
-            </a:r>
-            <a:r>
-              <a:rPr lang="en-US" sz="1100" dirty="0"/>
-              <a:t> Label to optimize processing</a:t>
-            </a:r>
-          </a:p>
-          <a:p>
-            <a:pPr marL="628650" lvl="1" indent="-171450">
-              <a:buFont typeface="Arial" panose="020B0604020202020204" pitchFamily="34" charset="0"/>
-              <a:buChar char="•"/>
-            </a:pPr>
-            <a:r>
-              <a:rPr lang="en-CA" sz="1100" dirty="0"/>
-              <a:t>RFC 5586 - GAL MUST NOT appear in the label stack when transporting normal user-plane packets.</a:t>
-            </a:r>
-          </a:p>
-          <a:p>
-            <a:pPr marL="628650" lvl="1" indent="-171450">
-              <a:buFont typeface="Arial" panose="020B0604020202020204" pitchFamily="34" charset="0"/>
-              <a:buChar char="•"/>
-            </a:pPr>
-            <a:r>
-              <a:rPr lang="en-CA" sz="1100" dirty="0"/>
-              <a:t>Breaks existing networks where packets would get punted. </a:t>
-            </a:r>
-          </a:p>
-          <a:p>
-            <a:pPr marL="171450" indent="-171450">
-              <a:buFont typeface="Arial" panose="020B0604020202020204" pitchFamily="34" charset="0"/>
-              <a:buChar char="•"/>
-            </a:pPr>
-            <a:r>
-              <a:rPr lang="en-US" sz="1100" dirty="0"/>
-              <a:t>GDF Need to support both 0000 and 0001 in a packet</a:t>
             </a:r>
           </a:p>
         </p:txBody>
@@ -16387,7 +16193,7 @@
             </a:pPr>
             <a:r>
               <a:rPr lang="en-US" sz="1600" dirty="0"/>
-              <a:t>Use GAL with different IOAM G-</a:t>
+              <a:t>Discuss multiple G-</a:t>
             </a:r>
             <a:r>
               <a:rPr lang="en-US" sz="1600" dirty="0" err="1"/>
@@ -16395,66 +16201,7 @@
             </a:r>
             <a:r>
               <a:rPr lang="en-US" sz="1600" dirty="0"/>
-              <a:t> for E2E and </a:t>
-            </a:r>
-            <a:r>
-              <a:rPr lang="en-US" sz="1600" dirty="0" err="1"/>
-              <a:t>HbH</a:t>
-            </a:r>
-            <a:endParaRPr lang="en-US" sz="1600" dirty="0"/>
-          </a:p>
-          <a:p>
-            <a:pPr marL="742950" lvl="2" indent="-342900">
-              <a:lnSpc>
-                <a:spcPts val="2000"/>
-              </a:lnSpc>
-              <a:spcBef>
-                <a:spcPts val="600"/>
-              </a:spcBef>
-              <a:spcAft>
-                <a:spcPts val="0"/>
-              </a:spcAft>
-              <a:buFont typeface="Wingdings" pitchFamily="2" charset="2"/>
-              <a:buChar char="§"/>
-            </a:pPr>
-            <a:r>
-              <a:rPr lang="en-US" sz="1600" dirty="0"/>
-              <a:t>Discuss multiple G-</a:t>
-            </a:r>
-            <a:r>
-              <a:rPr lang="en-US" sz="1600" dirty="0" err="1"/>
-              <a:t>ACh</a:t>
-            </a:r>
-            <a:r>
-              <a:rPr lang="en-US" sz="1600" dirty="0"/>
               <a:t> / Control Word headers</a:t>
-            </a:r>
-          </a:p>
-          <a:p>
-            <a:pPr marL="742950" lvl="2" indent="-342900">
-              <a:lnSpc>
-                <a:spcPts val="2000"/>
-              </a:lnSpc>
-              <a:spcBef>
-                <a:spcPts val="600"/>
-              </a:spcBef>
-              <a:spcAft>
-                <a:spcPts val="0"/>
-              </a:spcAft>
-              <a:buFont typeface="Wingdings" pitchFamily="2" charset="2"/>
-              <a:buChar char="§"/>
-            </a:pPr>
-            <a:r>
-              <a:rPr lang="en-US" sz="1600" dirty="0"/>
-              <a:t>Discuss using IOAM FEC (SFL) for </a:t>
-            </a:r>
-            <a:r>
-              <a:rPr lang="en-US" sz="1600" dirty="0" err="1"/>
-              <a:t>HbH</a:t>
-            </a:r>
-            <a:r>
-              <a:rPr lang="en-US" sz="1600" dirty="0"/>
-              <a:t> IOAM</a:t>
             </a:r>
           </a:p>
         </p:txBody>
@@ -17039,22 +16786,7 @@
               <a:rPr lang="en-CA" sz="1000" dirty="0">
                 <a:latin typeface="Courier" pitchFamily="2" charset="0"/>
               </a:rPr>
-              <a:t>   |0 0 0 1|Version| RESVD |</a:t>
-            </a:r>
-            <a:r>
-              <a:rPr lang="en-CA" sz="1000" b="1" dirty="0" err="1">
-                <a:solidFill>
-                  <a:srgbClr val="0070C0"/>
-                </a:solidFill>
-                <a:latin typeface="Courier" pitchFamily="2" charset="0"/>
-              </a:rPr>
-              <a:t>NextIPv</a:t>
-            </a:r>
-            <a:r>
-              <a:rPr lang="en-CA" sz="1000" dirty="0">
-                <a:latin typeface="Courier" pitchFamily="2" charset="0"/>
-              </a:rPr>
-              <a:t>| IOAM G-</a:t>
+              <a:t>   |0 0 0 1|Version| Reserved      | IOAM G-</a:t>
             </a:r>
             <a:r>
               <a:rPr lang="en-CA" sz="1000" dirty="0" err="1">
@@ -17221,83 +16953,6 @@
               <a:ea typeface="Calibri" panose="020F0502020204030204" pitchFamily="34" charset="0"/>
               <a:cs typeface="Times New Roman" panose="02020603050405020304" pitchFamily="18" charset="0"/>
             </a:endParaRPr>
-          </a:p>
-        </p:txBody>
-      </p:sp>
-      <p:sp>
-        <p:nvSpPr>
-          <p:cNvPr id="3" name="TextBox 2">
-            <a:extLst>
-              <a:ext uri="{FF2B5EF4-FFF2-40B4-BE49-F238E27FC236}">
-                <a16:creationId xmlns:a16="http://schemas.microsoft.com/office/drawing/2014/main" id="{FBCBFA7A-6F5E-D34C-8FC7-FBAE9A3824F9}"/>
-              </a:ext>
-            </a:extLst>
-          </p:cNvPr>
-          <p:cNvSpPr txBox="1"/>
-          <p:nvPr/>
-        </p:nvSpPr>
-        <p:spPr>
-          <a:xfrm>
-            <a:off x="152400" y="4185574"/>
-            <a:ext cx="3581400" cy="900246"/>
-          </a:xfrm>
-          <a:prstGeom prst="rect">
-            <a:avLst/>
-          </a:prstGeom>
-          <a:noFill/>
-        </p:spPr>
-        <p:txBody>
-          <a:bodyPr wrap="square" rtlCol="0">
-            <a:spAutoFit/>
-          </a:bodyPr>
-          <a:lstStyle/>
-          <a:p>
-            <a:pPr marL="171450" indent="-171450">
-              <a:buFont typeface="Arial" panose="020B0604020202020204" pitchFamily="34" charset="0"/>
-              <a:buChar char="•"/>
-            </a:pPr>
-            <a:r>
-              <a:rPr lang="en-US" sz="1050" dirty="0"/>
-              <a:t>Next IP Version is added in G-</a:t>
-            </a:r>
-            <a:r>
-              <a:rPr lang="en-US" sz="1050" dirty="0" err="1"/>
-              <a:t>ACh</a:t>
-            </a:r>
-            <a:r>
-              <a:rPr lang="en-US" sz="1050" dirty="0"/>
-              <a:t> Header </a:t>
-            </a:r>
-          </a:p>
-          <a:p>
-            <a:pPr marL="171450" indent="-171450">
-              <a:buFont typeface="Arial" panose="020B0604020202020204" pitchFamily="34" charset="0"/>
-              <a:buChar char="•"/>
-            </a:pPr>
-            <a:r>
-              <a:rPr lang="en-US" sz="1050" dirty="0"/>
-              <a:t>Used to check if additional 0001/0000 header follows</a:t>
-            </a:r>
-          </a:p>
-          <a:p>
-            <a:pPr marL="628650" lvl="1" indent="-171450">
-              <a:buFont typeface="Arial" panose="020B0604020202020204" pitchFamily="34" charset="0"/>
-              <a:buChar char="•"/>
-            </a:pPr>
-            <a:r>
-              <a:rPr lang="en-US" sz="1050" dirty="0"/>
-              <a:t>Next IP Version = 0000 or 0001 or IPV4 0100 or IPv6 0110, etc.</a:t>
-            </a:r>
-          </a:p>
-          <a:p>
-            <a:pPr marL="171450" indent="-171450">
-              <a:buFont typeface="Arial" panose="020B0604020202020204" pitchFamily="34" charset="0"/>
-              <a:buChar char="•"/>
-            </a:pPr>
-            <a:r>
-              <a:rPr lang="en-US" sz="1050" dirty="0"/>
-              <a:t>Multiple 0000 and 0001 headers</a:t>
-            </a:r>
           </a:p>
         </p:txBody>
       </p:sp>

--- a/draft-gandhi-mpls-ioam-sr-06.pptx
+++ b/draft-gandhi-mpls-ioam-sr-06.pptx
@@ -38,8 +38,8 @@
     <p:sldId id="1667" r:id="rId26"/>
     <p:sldId id="1695" r:id="rId27"/>
     <p:sldId id="1690" r:id="rId28"/>
-    <p:sldId id="1696" r:id="rId29"/>
-    <p:sldId id="1699" r:id="rId30"/>
+    <p:sldId id="1699" r:id="rId29"/>
+    <p:sldId id="1696" r:id="rId30"/>
     <p:sldId id="1700" r:id="rId31"/>
     <p:sldId id="1701" r:id="rId32"/>
   </p:sldIdLst>
@@ -1592,7 +1592,7 @@
               <a:pPr>
                 <a:defRPr/>
               </a:pPr>
-              <a:t>29</a:t>
+              <a:t>28</a:t>
             </a:fld>
             <a:endParaRPr lang="en-US" altLang="zh-CN"/>
           </a:p>
@@ -8486,8 +8486,8 @@
         </p:nvSpPr>
         <p:spPr>
           <a:xfrm>
-            <a:off x="609600" y="1001685"/>
-            <a:ext cx="7924800" cy="3140129"/>
+            <a:off x="609600" y="895350"/>
+            <a:ext cx="7924800" cy="3352800"/>
           </a:xfrm>
         </p:spPr>
         <p:txBody>
@@ -8499,11 +8499,11 @@
               <a:buAutoNum type="arabicPeriod"/>
             </a:pPr>
             <a:r>
-              <a:rPr lang="en-CA" sz="1800" dirty="0"/>
+              <a:rPr lang="en-CA" sz="1600" dirty="0"/>
               <a:t>Extension Label (15) and Label assigned by IANA with value </a:t>
             </a:r>
             <a:r>
-              <a:rPr lang="en-CA" sz="1800" dirty="0">
+              <a:rPr lang="en-CA" sz="1600" dirty="0">
                 <a:solidFill>
                   <a:srgbClr val="0070C0"/>
                 </a:solidFill>
@@ -8517,16 +8517,26 @@
               <a:buChar char="§"/>
             </a:pPr>
             <a:r>
-              <a:rPr lang="en-CA" sz="1800" dirty="0"/>
+              <a:rPr lang="en-CA" sz="1600" dirty="0"/>
               <a:t>From Extended Special Purpose Labels (</a:t>
             </a:r>
             <a:r>
-              <a:rPr lang="en-CA" sz="1800" dirty="0" err="1"/>
+              <a:rPr lang="en-CA" sz="1600" dirty="0" err="1"/>
               <a:t>eSPL</a:t>
             </a:r>
             <a:r>
-              <a:rPr lang="en-CA" sz="1800" dirty="0"/>
+              <a:rPr lang="en-CA" sz="1600" dirty="0"/>
               <a:t>) range</a:t>
+            </a:r>
+          </a:p>
+          <a:p>
+            <a:pPr lvl="1" indent="-342900">
+              <a:buFont typeface="Wingdings" pitchFamily="2" charset="2"/>
+              <a:buChar char="§"/>
+            </a:pPr>
+            <a:r>
+              <a:rPr lang="en-CA" sz="1600" dirty="0"/>
+              <a:t>The Labels are carried at the bottom of the label stack</a:t>
             </a:r>
           </a:p>
           <a:p>
@@ -8535,7 +8545,7 @@
               <a:buAutoNum type="arabicPeriod"/>
             </a:pPr>
             <a:r>
-              <a:rPr lang="en-CA" sz="1800" dirty="0"/>
+              <a:rPr lang="en-CA" sz="1600" dirty="0"/>
               <a:t>Global Label allocated by a controller</a:t>
             </a:r>
           </a:p>
@@ -8545,8 +8555,18 @@
               <a:buChar char="§"/>
             </a:pPr>
             <a:r>
-              <a:rPr lang="en-CA" sz="1800" dirty="0"/>
+              <a:rPr lang="en-CA" sz="1600" dirty="0"/>
               <a:t>The controller provisions the label on encapsulating, intermediate and decapsulating nodes</a:t>
+            </a:r>
+          </a:p>
+          <a:p>
+            <a:pPr lvl="1" indent="-342900">
+              <a:buFont typeface="Wingdings" pitchFamily="2" charset="2"/>
+              <a:buChar char="§"/>
+            </a:pPr>
+            <a:r>
+              <a:rPr lang="en-CA" sz="1600" dirty="0"/>
+              <a:t>The Label is carried at the bottom of the label stack</a:t>
             </a:r>
           </a:p>
           <a:p>
@@ -8555,7 +8575,7 @@
               <a:buAutoNum type="arabicPeriod"/>
             </a:pPr>
             <a:r>
-              <a:rPr lang="en-CA" sz="1800" dirty="0"/>
+              <a:rPr lang="en-CA" sz="1600" dirty="0"/>
               <a:t>The IOAM Label allocated by the intermediate and decapsulating nodes</a:t>
             </a:r>
           </a:p>
@@ -8565,8 +8585,38 @@
               <a:buChar char="§"/>
             </a:pPr>
             <a:r>
-              <a:rPr lang="en-CA" sz="1800" dirty="0"/>
+              <a:rPr lang="en-CA" sz="1600" dirty="0"/>
               <a:t>Signaling/advertisement extensions needed to convey the label to all encapsulating nodes (out of scope)</a:t>
+            </a:r>
+          </a:p>
+          <a:p>
+            <a:pPr lvl="1" indent="-342900">
+              <a:buFont typeface="Wingdings" pitchFamily="2" charset="2"/>
+              <a:buChar char="§"/>
+            </a:pPr>
+            <a:r>
+              <a:rPr lang="en-CA" sz="1600" dirty="0">
+                <a:solidFill>
+                  <a:srgbClr val="0070C0"/>
+                </a:solidFill>
+              </a:rPr>
+              <a:t>The Label is carried at the </a:t>
+            </a:r>
+            <a:r>
+              <a:rPr lang="en-CA" sz="1600" b="1" dirty="0">
+                <a:solidFill>
+                  <a:srgbClr val="0070C0"/>
+                </a:solidFill>
+              </a:rPr>
+              <a:t>top</a:t>
+            </a:r>
+            <a:r>
+              <a:rPr lang="en-CA" sz="1600" dirty="0">
+                <a:solidFill>
+                  <a:srgbClr val="0070C0"/>
+                </a:solidFill>
+              </a:rPr>
+              <a:t> of the label stack</a:t>
             </a:r>
           </a:p>
         </p:txBody>
@@ -8730,7 +8780,7 @@
             <p:ph idx="1"/>
             <p:extLst>
               <p:ext uri="{D42A27DB-BD31-4B8C-83A1-F6EECF244321}">
-                <p14:modId xmlns:p14="http://schemas.microsoft.com/office/powerpoint/2010/main" val="296977326"/>
+                <p14:modId xmlns:p14="http://schemas.microsoft.com/office/powerpoint/2010/main" val="4027267190"/>
               </p:ext>
             </p:extLst>
           </p:nvPr>
@@ -9106,7 +9156,7 @@
                           <a:latin typeface="Calibri" panose="020F0502020204030204" pitchFamily="34" charset="0"/>
                           <a:cs typeface="Calibri" panose="020F0502020204030204" pitchFamily="34" charset="0"/>
                         </a:rPr>
-                        <a:t>Signal/Advertise SFL like Label</a:t>
+                        <a:t>Signal/Advertise Label</a:t>
                       </a:r>
                     </a:p>
                   </a:txBody>
@@ -10862,7 +10912,7 @@
         </p:nvSpPr>
         <p:spPr>
           <a:xfrm>
-            <a:off x="2019300" y="865190"/>
+            <a:off x="3124200" y="725090"/>
             <a:ext cx="5105400" cy="3693319"/>
           </a:xfrm>
           <a:prstGeom prst="rect">
@@ -11117,6 +11167,58 @@
               <a:ea typeface="Calibri" panose="020F0502020204030204" pitchFamily="34" charset="0"/>
               <a:cs typeface="Times New Roman" panose="02020603050405020304" pitchFamily="18" charset="0"/>
             </a:endParaRPr>
+          </a:p>
+        </p:txBody>
+      </p:sp>
+      <p:sp>
+        <p:nvSpPr>
+          <p:cNvPr id="3" name="TextBox 2">
+            <a:extLst>
+              <a:ext uri="{FF2B5EF4-FFF2-40B4-BE49-F238E27FC236}">
+                <a16:creationId xmlns:a16="http://schemas.microsoft.com/office/drawing/2014/main" id="{301B9597-BC73-F646-968A-2D31781EF553}"/>
+              </a:ext>
+            </a:extLst>
+          </p:cNvPr>
+          <p:cNvSpPr txBox="1"/>
+          <p:nvPr/>
+        </p:nvSpPr>
+        <p:spPr>
+          <a:xfrm>
+            <a:off x="152400" y="4638350"/>
+            <a:ext cx="1905000" cy="430887"/>
+          </a:xfrm>
+          <a:prstGeom prst="rect">
+            <a:avLst/>
+          </a:prstGeom>
+          <a:noFill/>
+          <a:ln>
+            <a:solidFill>
+              <a:schemeClr val="accent1"/>
+            </a:solidFill>
+          </a:ln>
+        </p:spPr>
+        <p:txBody>
+          <a:bodyPr wrap="square" rtlCol="0">
+            <a:spAutoFit/>
+          </a:bodyPr>
+          <a:lstStyle/>
+          <a:p>
+            <a:pPr marL="171450" indent="-171450">
+              <a:buFont typeface="Arial" panose="020B0604020202020204" pitchFamily="34" charset="0"/>
+              <a:buChar char="•"/>
+            </a:pPr>
+            <a:r>
+              <a:rPr lang="en-US" sz="1100" dirty="0"/>
+              <a:t>IOAM G-</a:t>
+            </a:r>
+            <a:r>
+              <a:rPr lang="en-US" sz="1100" dirty="0" err="1"/>
+              <a:t>ACh</a:t>
+            </a:r>
+            <a:r>
+              <a:rPr lang="en-US" sz="1100" dirty="0"/>
+              <a:t> Type 2 - with another Metadata</a:t>
+            </a:r>
           </a:p>
         </p:txBody>
       </p:sp>
@@ -11326,7 +11428,7 @@
         </p:nvSpPr>
         <p:spPr>
           <a:xfrm>
-            <a:off x="2019300" y="812661"/>
+            <a:off x="2850969" y="832738"/>
             <a:ext cx="5372100" cy="3693319"/>
           </a:xfrm>
           <a:prstGeom prst="rect">
@@ -11602,6 +11704,58 @@
               <a:ea typeface="Calibri" panose="020F0502020204030204" pitchFamily="34" charset="0"/>
               <a:cs typeface="Times New Roman" panose="02020603050405020304" pitchFamily="18" charset="0"/>
             </a:endParaRPr>
+          </a:p>
+        </p:txBody>
+      </p:sp>
+      <p:sp>
+        <p:nvSpPr>
+          <p:cNvPr id="7" name="TextBox 6">
+            <a:extLst>
+              <a:ext uri="{FF2B5EF4-FFF2-40B4-BE49-F238E27FC236}">
+                <a16:creationId xmlns:a16="http://schemas.microsoft.com/office/drawing/2014/main" id="{2408B109-510A-0E40-BF63-B5DCD7F2D5B7}"/>
+              </a:ext>
+            </a:extLst>
+          </p:cNvPr>
+          <p:cNvSpPr txBox="1"/>
+          <p:nvPr/>
+        </p:nvSpPr>
+        <p:spPr>
+          <a:xfrm>
+            <a:off x="114300" y="4610220"/>
+            <a:ext cx="1790700" cy="430887"/>
+          </a:xfrm>
+          <a:prstGeom prst="rect">
+            <a:avLst/>
+          </a:prstGeom>
+          <a:noFill/>
+          <a:ln>
+            <a:solidFill>
+              <a:schemeClr val="accent1"/>
+            </a:solidFill>
+          </a:ln>
+        </p:spPr>
+        <p:txBody>
+          <a:bodyPr wrap="square" rtlCol="0">
+            <a:spAutoFit/>
+          </a:bodyPr>
+          <a:lstStyle/>
+          <a:p>
+            <a:pPr marL="171450" indent="-171450">
+              <a:buFont typeface="Arial" panose="020B0604020202020204" pitchFamily="34" charset="0"/>
+              <a:buChar char="•"/>
+            </a:pPr>
+            <a:r>
+              <a:rPr lang="en-US" sz="1100" dirty="0"/>
+              <a:t>IOAM G-</a:t>
+            </a:r>
+            <a:r>
+              <a:rPr lang="en-US" sz="1100" dirty="0" err="1"/>
+              <a:t>ACh</a:t>
+            </a:r>
+            <a:r>
+              <a:rPr lang="en-US" sz="1100" dirty="0"/>
+              <a:t> Type 2 - with another Metadata</a:t>
+            </a:r>
           </a:p>
         </p:txBody>
       </p:sp>
@@ -13215,6 +13369,58 @@
           </a:p>
         </p:txBody>
       </p:sp>
+      <p:sp>
+        <p:nvSpPr>
+          <p:cNvPr id="8" name="TextBox 7">
+            <a:extLst>
+              <a:ext uri="{FF2B5EF4-FFF2-40B4-BE49-F238E27FC236}">
+                <a16:creationId xmlns:a16="http://schemas.microsoft.com/office/drawing/2014/main" id="{26635932-8C0E-D84F-BA3A-4C2CBE7854A1}"/>
+              </a:ext>
+            </a:extLst>
+          </p:cNvPr>
+          <p:cNvSpPr txBox="1"/>
+          <p:nvPr/>
+        </p:nvSpPr>
+        <p:spPr>
+          <a:xfrm>
+            <a:off x="216898" y="4683919"/>
+            <a:ext cx="1908810" cy="430887"/>
+          </a:xfrm>
+          <a:prstGeom prst="rect">
+            <a:avLst/>
+          </a:prstGeom>
+          <a:noFill/>
+          <a:ln>
+            <a:solidFill>
+              <a:schemeClr val="accent1"/>
+            </a:solidFill>
+          </a:ln>
+        </p:spPr>
+        <p:txBody>
+          <a:bodyPr wrap="square" rtlCol="0">
+            <a:spAutoFit/>
+          </a:bodyPr>
+          <a:lstStyle/>
+          <a:p>
+            <a:pPr marL="171450" indent="-171450">
+              <a:buFont typeface="Arial" panose="020B0604020202020204" pitchFamily="34" charset="0"/>
+              <a:buChar char="•"/>
+            </a:pPr>
+            <a:r>
+              <a:rPr lang="en-US" sz="1100" dirty="0"/>
+              <a:t>IOAM G-</a:t>
+            </a:r>
+            <a:r>
+              <a:rPr lang="en-US" sz="1100" dirty="0" err="1"/>
+              <a:t>ACh</a:t>
+            </a:r>
+            <a:r>
+              <a:rPr lang="en-US" sz="1100" dirty="0"/>
+              <a:t> Type 2 - with another Metadata</a:t>
+            </a:r>
+          </a:p>
+        </p:txBody>
+      </p:sp>
     </p:spTree>
     <p:extLst>
       <p:ext uri="{BB962C8B-B14F-4D97-AF65-F5344CB8AC3E}">
@@ -13417,7 +13623,7 @@
         </p:nvSpPr>
         <p:spPr>
           <a:xfrm>
-            <a:off x="1905000" y="711150"/>
+            <a:off x="2667000" y="703658"/>
             <a:ext cx="5257800" cy="4247317"/>
           </a:xfrm>
           <a:prstGeom prst="rect">
@@ -13763,6 +13969,58 @@
               <a:ea typeface="Calibri" panose="020F0502020204030204" pitchFamily="34" charset="0"/>
               <a:cs typeface="Times New Roman" panose="02020603050405020304" pitchFamily="18" charset="0"/>
             </a:endParaRPr>
+          </a:p>
+        </p:txBody>
+      </p:sp>
+      <p:sp>
+        <p:nvSpPr>
+          <p:cNvPr id="7" name="TextBox 6">
+            <a:extLst>
+              <a:ext uri="{FF2B5EF4-FFF2-40B4-BE49-F238E27FC236}">
+                <a16:creationId xmlns:a16="http://schemas.microsoft.com/office/drawing/2014/main" id="{DA230AE3-98B3-5E4A-A0F2-679B0C4BE38C}"/>
+              </a:ext>
+            </a:extLst>
+          </p:cNvPr>
+          <p:cNvSpPr txBox="1"/>
+          <p:nvPr/>
+        </p:nvSpPr>
+        <p:spPr>
+          <a:xfrm>
+            <a:off x="152400" y="4638350"/>
+            <a:ext cx="1981200" cy="430887"/>
+          </a:xfrm>
+          <a:prstGeom prst="rect">
+            <a:avLst/>
+          </a:prstGeom>
+          <a:noFill/>
+          <a:ln>
+            <a:solidFill>
+              <a:schemeClr val="accent1"/>
+            </a:solidFill>
+          </a:ln>
+        </p:spPr>
+        <p:txBody>
+          <a:bodyPr wrap="square" rtlCol="0">
+            <a:spAutoFit/>
+          </a:bodyPr>
+          <a:lstStyle/>
+          <a:p>
+            <a:pPr marL="171450" indent="-171450">
+              <a:buFont typeface="Arial" panose="020B0604020202020204" pitchFamily="34" charset="0"/>
+              <a:buChar char="•"/>
+            </a:pPr>
+            <a:r>
+              <a:rPr lang="en-US" sz="1100" dirty="0"/>
+              <a:t>IOAM G-</a:t>
+            </a:r>
+            <a:r>
+              <a:rPr lang="en-US" sz="1100" dirty="0" err="1"/>
+              <a:t>ACh</a:t>
+            </a:r>
+            <a:r>
+              <a:rPr lang="en-US" sz="1100" dirty="0"/>
+              <a:t> Type 2 - with another Metadata</a:t>
+            </a:r>
           </a:p>
         </p:txBody>
       </p:sp>
@@ -13780,632 +14038,6 @@
 </file>
 
 <file path=ppt/slides/slide28.xml><?xml version="1.0" encoding="utf-8"?>
-<p:sld xmlns:a="http://schemas.openxmlformats.org/drawingml/2006/main" xmlns:r="http://schemas.openxmlformats.org/officeDocument/2006/relationships" xmlns:p="http://schemas.openxmlformats.org/presentationml/2006/main">
-  <p:cSld>
-    <p:spTree>
-      <p:nvGrpSpPr>
-        <p:cNvPr id="1" name=""/>
-        <p:cNvGrpSpPr/>
-        <p:nvPr/>
-      </p:nvGrpSpPr>
-      <p:grpSpPr>
-        <a:xfrm>
-          <a:off x="0" y="0"/>
-          <a:ext cx="0" cy="0"/>
-          <a:chOff x="0" y="0"/>
-          <a:chExt cx="0" cy="0"/>
-        </a:xfrm>
-      </p:grpSpPr>
-      <p:sp>
-        <p:nvSpPr>
-          <p:cNvPr id="2" name="Title 1">
-            <a:extLst>
-              <a:ext uri="{FF2B5EF4-FFF2-40B4-BE49-F238E27FC236}">
-                <a16:creationId xmlns:a16="http://schemas.microsoft.com/office/drawing/2014/main" id="{16C5255E-BE42-5348-AC0F-6257873BBB61}"/>
-              </a:ext>
-            </a:extLst>
-          </p:cNvPr>
-          <p:cNvSpPr>
-            <a:spLocks noGrp="1"/>
-          </p:cNvSpPr>
-          <p:nvPr>
-            <p:ph type="title"/>
-          </p:nvPr>
-        </p:nvSpPr>
-        <p:spPr>
-          <a:xfrm>
-            <a:off x="0" y="0"/>
-            <a:ext cx="9144000" cy="619185"/>
-          </a:xfrm>
-        </p:spPr>
-        <p:txBody>
-          <a:bodyPr/>
-          <a:lstStyle/>
-          <a:p>
-            <a:r>
-              <a:rPr lang="en-US" sz="2400" dirty="0">
-                <a:solidFill>
-                  <a:srgbClr val="0070C0"/>
-                </a:solidFill>
-                <a:latin typeface="Calibri Light" panose="020F0302020204030204" pitchFamily="34" charset="0"/>
-                <a:cs typeface="Calibri Light" panose="020F0302020204030204" pitchFamily="34" charset="0"/>
-              </a:rPr>
-              <a:t>Example 4 - </a:t>
-            </a:r>
-            <a:r>
-              <a:rPr lang="en-US" sz="2400" dirty="0" err="1">
-                <a:solidFill>
-                  <a:srgbClr val="0070C0"/>
-                </a:solidFill>
-                <a:latin typeface="Calibri Light" panose="020F0302020204030204" pitchFamily="34" charset="0"/>
-                <a:cs typeface="Calibri Light" panose="020F0302020204030204" pitchFamily="34" charset="0"/>
-              </a:rPr>
-              <a:t>DetNet</a:t>
-            </a:r>
-            <a:r>
-              <a:rPr lang="en-US" sz="2400" dirty="0">
-                <a:solidFill>
-                  <a:srgbClr val="0070C0"/>
-                </a:solidFill>
-                <a:latin typeface="Calibri Light" panose="020F0302020204030204" pitchFamily="34" charset="0"/>
-                <a:cs typeface="Calibri Light" panose="020F0302020204030204" pitchFamily="34" charset="0"/>
-              </a:rPr>
-              <a:t> Control Word [RFC8964] </a:t>
-            </a:r>
-            <a:r>
-              <a:rPr lang="en-CA" sz="2400" dirty="0">
-                <a:solidFill>
-                  <a:srgbClr val="0070C0"/>
-                </a:solidFill>
-                <a:latin typeface="Calibri Light" panose="020F0302020204030204" pitchFamily="34" charset="0"/>
-                <a:cs typeface="Calibri Light" panose="020F0302020204030204" pitchFamily="34" charset="0"/>
-              </a:rPr>
-              <a:t>with IOAM Data Fields</a:t>
-            </a:r>
-            <a:endParaRPr lang="en-US" sz="2400" dirty="0">
-              <a:solidFill>
-                <a:srgbClr val="0070C0"/>
-              </a:solidFill>
-              <a:latin typeface="Calibri Light" panose="020F0302020204030204" pitchFamily="34" charset="0"/>
-              <a:cs typeface="Calibri Light" panose="020F0302020204030204" pitchFamily="34" charset="0"/>
-            </a:endParaRPr>
-          </a:p>
-        </p:txBody>
-      </p:sp>
-      <p:sp>
-        <p:nvSpPr>
-          <p:cNvPr id="4" name="Footer Placeholder 3">
-            <a:extLst>
-              <a:ext uri="{FF2B5EF4-FFF2-40B4-BE49-F238E27FC236}">
-                <a16:creationId xmlns:a16="http://schemas.microsoft.com/office/drawing/2014/main" id="{CF70CC82-C055-3645-9254-87CEC1C49032}"/>
-              </a:ext>
-            </a:extLst>
-          </p:cNvPr>
-          <p:cNvSpPr>
-            <a:spLocks noGrp="1"/>
-          </p:cNvSpPr>
-          <p:nvPr>
-            <p:ph type="ftr" sz="quarter" idx="11"/>
-          </p:nvPr>
-        </p:nvSpPr>
-        <p:spPr>
-          <a:xfrm>
-            <a:off x="3124200" y="4786312"/>
-            <a:ext cx="2895600" cy="357188"/>
-          </a:xfrm>
-        </p:spPr>
-        <p:txBody>
-          <a:bodyPr/>
-          <a:lstStyle/>
-          <a:p>
-            <a:pPr>
-              <a:defRPr/>
-            </a:pPr>
-            <a:r>
-              <a:rPr lang="en-US" altLang="zh-CN" dirty="0"/>
-              <a:t>110</a:t>
-            </a:r>
-            <a:r>
-              <a:rPr lang="en-US" altLang="zh-CN" baseline="30000" dirty="0"/>
-              <a:t>th</a:t>
-            </a:r>
-            <a:r>
-              <a:rPr lang="en-US" altLang="zh-CN" dirty="0"/>
-              <a:t> IETF Online</a:t>
-            </a:r>
-          </a:p>
-        </p:txBody>
-      </p:sp>
-      <p:sp>
-        <p:nvSpPr>
-          <p:cNvPr id="5" name="Slide Number Placeholder 4">
-            <a:extLst>
-              <a:ext uri="{FF2B5EF4-FFF2-40B4-BE49-F238E27FC236}">
-                <a16:creationId xmlns:a16="http://schemas.microsoft.com/office/drawing/2014/main" id="{62DF7D69-BCF6-2D4A-A3F1-2D32C59355D3}"/>
-              </a:ext>
-            </a:extLst>
-          </p:cNvPr>
-          <p:cNvSpPr>
-            <a:spLocks noGrp="1"/>
-          </p:cNvSpPr>
-          <p:nvPr>
-            <p:ph type="sldNum" sz="quarter" idx="12"/>
-          </p:nvPr>
-        </p:nvSpPr>
-        <p:spPr/>
-        <p:txBody>
-          <a:bodyPr/>
-          <a:lstStyle/>
-          <a:p>
-            <a:pPr>
-              <a:defRPr/>
-            </a:pPr>
-            <a:fld id="{BD6E0F59-1DD8-40FC-9C92-B6295CBA6CCA}" type="slidenum">
-              <a:rPr lang="en-US" altLang="zh-CN" smtClean="0"/>
-              <a:pPr>
-                <a:defRPr/>
-              </a:pPr>
-              <a:t>28</a:t>
-            </a:fld>
-            <a:endParaRPr lang="en-US" altLang="zh-CN" dirty="0"/>
-          </a:p>
-        </p:txBody>
-      </p:sp>
-      <p:sp>
-        <p:nvSpPr>
-          <p:cNvPr id="6" name="Rectangle 5">
-            <a:extLst>
-              <a:ext uri="{FF2B5EF4-FFF2-40B4-BE49-F238E27FC236}">
-                <a16:creationId xmlns:a16="http://schemas.microsoft.com/office/drawing/2014/main" id="{E614F343-6DC2-A943-8496-BE1E2B6072CE}"/>
-              </a:ext>
-            </a:extLst>
-          </p:cNvPr>
-          <p:cNvSpPr/>
-          <p:nvPr/>
-        </p:nvSpPr>
-        <p:spPr>
-          <a:xfrm>
-            <a:off x="2057400" y="619185"/>
-            <a:ext cx="4648200" cy="4678204"/>
-          </a:xfrm>
-          <a:prstGeom prst="rect">
-            <a:avLst/>
-          </a:prstGeom>
-          <a:solidFill>
-            <a:schemeClr val="accent6">
-              <a:lumMod val="20000"/>
-              <a:lumOff val="80000"/>
-            </a:schemeClr>
-          </a:solidFill>
-        </p:spPr>
-        <p:txBody>
-          <a:bodyPr wrap="square">
-            <a:spAutoFit/>
-          </a:bodyPr>
-          <a:lstStyle/>
-          <a:p>
-            <a:r>
-              <a:rPr lang="en-CA" sz="800" dirty="0">
-                <a:latin typeface="Courier" pitchFamily="2" charset="0"/>
-              </a:rPr>
-              <a:t>   0                   1                   2                   3</a:t>
-            </a:r>
-          </a:p>
-          <a:p>
-            <a:r>
-              <a:rPr lang="en-CA" sz="800" dirty="0">
-                <a:latin typeface="Courier" pitchFamily="2" charset="0"/>
-              </a:rPr>
-              <a:t>   0 1 2 3 4 5 6 7 8 9 0 1 2 3 4 5 6 7 8 9 0 1 2 3 4 5 6 7 8 9 0 1</a:t>
-            </a:r>
-          </a:p>
-          <a:p>
-            <a:r>
-              <a:rPr lang="en-CA" sz="800" dirty="0">
-                <a:latin typeface="Courier" pitchFamily="2" charset="0"/>
-              </a:rPr>
-              <a:t>   +-+-+-+-+-+-+-+-+-+-+-+-+-+-+-+-+-+-+-+-+-+-+-+-+-+-+-+-+-+-+-+-+</a:t>
-            </a:r>
-          </a:p>
-          <a:p>
-            <a:r>
-              <a:rPr lang="en-CA" sz="800" dirty="0">
-                <a:latin typeface="Courier" pitchFamily="2" charset="0"/>
-              </a:rPr>
-              <a:t>   | [F-Label(s)]                          | TC  |S|  TTL          |</a:t>
-            </a:r>
-          </a:p>
-          <a:p>
-            <a:r>
-              <a:rPr lang="en-CA" sz="800" dirty="0">
-                <a:latin typeface="Courier" pitchFamily="2" charset="0"/>
-              </a:rPr>
-              <a:t>   +-+-+-+-+-+-+-+-+-+-+-+-+-+-+-+-+-+-+-+-+-+-+-+-+-+-+-+-+-+-+-+-+</a:t>
-            </a:r>
-          </a:p>
-          <a:p>
-            <a:r>
-              <a:rPr lang="en-CA" sz="800" dirty="0">
-                <a:latin typeface="Courier" pitchFamily="2" charset="0"/>
-              </a:rPr>
-              <a:t>   | A-Label                               | TC  |S|  TTL          |</a:t>
-            </a:r>
-          </a:p>
-          <a:p>
-            <a:r>
-              <a:rPr lang="en-CA" sz="800" dirty="0">
-                <a:latin typeface="Courier" pitchFamily="2" charset="0"/>
-              </a:rPr>
-              <a:t>   +-+-+-+-+-+-+-+-+-+-+-+-+-+-+-+-+-+-+-+-+-+-+-+-+-+-+-+-+-+-+-+-+</a:t>
-            </a:r>
-          </a:p>
-          <a:p>
-            <a:r>
-              <a:rPr lang="en-CA" sz="800" dirty="0">
-                <a:solidFill>
-                  <a:srgbClr val="C00000"/>
-                </a:solidFill>
-                <a:latin typeface="Courier" pitchFamily="2" charset="0"/>
-              </a:rPr>
-              <a:t>   </a:t>
-            </a:r>
-            <a:r>
-              <a:rPr lang="en-CA" sz="800" dirty="0">
-                <a:solidFill>
-                  <a:srgbClr val="0070C0"/>
-                </a:solidFill>
-                <a:latin typeface="Courier" pitchFamily="2" charset="0"/>
-              </a:rPr>
-              <a:t>|0 0 0 0| Sequence Number (</a:t>
-            </a:r>
-            <a:r>
-              <a:rPr lang="en-CA" sz="800" dirty="0" err="1">
-                <a:solidFill>
-                  <a:srgbClr val="0070C0"/>
-                </a:solidFill>
-                <a:latin typeface="Courier" pitchFamily="2" charset="0"/>
-              </a:rPr>
-              <a:t>DetNet</a:t>
-            </a:r>
-            <a:r>
-              <a:rPr lang="en-CA" sz="800" dirty="0">
-                <a:solidFill>
-                  <a:srgbClr val="0070C0"/>
-                </a:solidFill>
-                <a:latin typeface="Courier" pitchFamily="2" charset="0"/>
-              </a:rPr>
-              <a:t> Control Word)                 |</a:t>
-            </a:r>
-          </a:p>
-          <a:p>
-            <a:r>
-              <a:rPr lang="en-CA" sz="800" dirty="0">
-                <a:latin typeface="Courier" pitchFamily="2" charset="0"/>
-              </a:rPr>
-              <a:t>   +-+-+-+-+-+-+-+-+-+-+-+-+-+-+-+-+-+-+-+-+-+-+-+-+-+-+-+-+-+-+-+-+</a:t>
-            </a:r>
-          </a:p>
-          <a:p>
-            <a:r>
-              <a:rPr lang="en-CA" sz="800" dirty="0">
-                <a:latin typeface="Courier" pitchFamily="2" charset="0"/>
-              </a:rPr>
-              <a:t>   | [F-Label(s)]                          | TC  |S|  TTL          |</a:t>
-            </a:r>
-          </a:p>
-          <a:p>
-            <a:r>
-              <a:rPr lang="en-CA" sz="800" dirty="0">
-                <a:latin typeface="Courier" pitchFamily="2" charset="0"/>
-              </a:rPr>
-              <a:t>   +-+-+-+-+-+-+-+-+-+-+-+-+-+-+-+-+-+-+-+-+-+-+-+-+-+-+-+-+-+-+-+-+</a:t>
-            </a:r>
-          </a:p>
-          <a:p>
-            <a:r>
-              <a:rPr lang="en-CA" sz="800" dirty="0">
-                <a:latin typeface="Courier" pitchFamily="2" charset="0"/>
-              </a:rPr>
-              <a:t>   | S-Label                               | TC  |S|  TTL          |</a:t>
-            </a:r>
-          </a:p>
-          <a:p>
-            <a:r>
-              <a:rPr lang="en-CA" sz="800" dirty="0">
-                <a:latin typeface="Courier" pitchFamily="2" charset="0"/>
-              </a:rPr>
-              <a:t>   +-+-+-+-+-+-+-+-+-+-+-+-+-+-+-+-+-+-+-+-+-+-+-+-+-+-+-+-+-+-+-+-+</a:t>
-            </a:r>
-          </a:p>
-          <a:p>
-            <a:r>
-              <a:rPr lang="en-CA" sz="800" dirty="0">
-                <a:latin typeface="Courier" pitchFamily="2" charset="0"/>
-              </a:rPr>
-              <a:t>   | IOAM Indicator Label                  | TC  |1|  TTL          |</a:t>
-            </a:r>
-          </a:p>
-          <a:p>
-            <a:r>
-              <a:rPr lang="en-CA" sz="800" dirty="0">
-                <a:latin typeface="Courier" pitchFamily="2" charset="0"/>
-              </a:rPr>
-              <a:t>   +-+-+-+-+-+-+-+-+-+-+-+-+-+-+-+-+-+-+-+-+-+-+-+-+-+-+-+-+-+-+-+-+&lt;-+</a:t>
-            </a:r>
-          </a:p>
-          <a:p>
-            <a:r>
-              <a:rPr lang="en-CA" sz="800" dirty="0">
-                <a:latin typeface="Courier" pitchFamily="2" charset="0"/>
-              </a:rPr>
-              <a:t>   |0 0 0 1|Version| Reserved      | IOAM G-</a:t>
-            </a:r>
-            <a:r>
-              <a:rPr lang="en-CA" sz="800" dirty="0" err="1">
-                <a:latin typeface="Courier" pitchFamily="2" charset="0"/>
-              </a:rPr>
-              <a:t>ACh</a:t>
-            </a:r>
-            <a:r>
-              <a:rPr lang="en-CA" sz="800" dirty="0">
-                <a:latin typeface="Courier" pitchFamily="2" charset="0"/>
-              </a:rPr>
-              <a:t>                    |  |</a:t>
-            </a:r>
-          </a:p>
-          <a:p>
-            <a:r>
-              <a:rPr lang="en-CA" sz="800" dirty="0">
-                <a:latin typeface="Courier" pitchFamily="2" charset="0"/>
-              </a:rPr>
-              <a:t>   +-+-+-+-+-+-+-+-+-+-+-+-+-+-+-+-+-+-+-+-+-+-+-+-+-+-+-+-+-+-+-+-+  |</a:t>
-            </a:r>
-          </a:p>
-          <a:p>
-            <a:r>
-              <a:rPr lang="en-CA" sz="800" dirty="0">
-                <a:latin typeface="Courier" pitchFamily="2" charset="0"/>
-              </a:rPr>
-              <a:t>   | Reserved      | Block Number  | IOAM-OPT-Type |</a:t>
-            </a:r>
-            <a:r>
-              <a:rPr lang="en-CA" sz="800" dirty="0">
-                <a:solidFill>
-                  <a:srgbClr val="0070C0"/>
-                </a:solidFill>
-                <a:latin typeface="Courier" pitchFamily="2" charset="0"/>
-              </a:rPr>
-              <a:t>IOAM HDR Length</a:t>
-            </a:r>
-            <a:r>
-              <a:rPr lang="en-CA" sz="800" dirty="0">
-                <a:latin typeface="Courier" pitchFamily="2" charset="0"/>
-              </a:rPr>
-              <a:t>|  |</a:t>
-            </a:r>
-          </a:p>
-          <a:p>
-            <a:r>
-              <a:rPr lang="en-CA" sz="800" dirty="0">
-                <a:latin typeface="Courier" pitchFamily="2" charset="0"/>
-              </a:rPr>
-              <a:t>   +-+-+-+-+-+-+-+-+-+-+-+-+-+-+-+-+-+-+-+-+-+-+-+-+-+-+-+-+-+-+-+-+  I</a:t>
-            </a:r>
-          </a:p>
-          <a:p>
-            <a:r>
-              <a:rPr lang="en-CA" sz="800" dirty="0">
-                <a:latin typeface="Courier" pitchFamily="2" charset="0"/>
-              </a:rPr>
-              <a:t>   |                                                               |  O</a:t>
-            </a:r>
-          </a:p>
-          <a:p>
-            <a:r>
-              <a:rPr lang="en-CA" sz="800" dirty="0">
-                <a:latin typeface="Courier" pitchFamily="2" charset="0"/>
-              </a:rPr>
-              <a:t>   |                                                               |  A</a:t>
-            </a:r>
-          </a:p>
-          <a:p>
-            <a:r>
-              <a:rPr lang="en-CA" sz="800" dirty="0">
-                <a:latin typeface="Courier" pitchFamily="2" charset="0"/>
-              </a:rPr>
-              <a:t>   ~                 IOAM Option and Data Space                    ~  M</a:t>
-            </a:r>
-          </a:p>
-          <a:p>
-            <a:r>
-              <a:rPr lang="en-CA" sz="800" dirty="0">
-                <a:latin typeface="Courier" pitchFamily="2" charset="0"/>
-              </a:rPr>
-              <a:t>   |                                                               |  |</a:t>
-            </a:r>
-          </a:p>
-          <a:p>
-            <a:r>
-              <a:rPr lang="en-CA" sz="800" dirty="0">
-                <a:latin typeface="Courier" pitchFamily="2" charset="0"/>
-              </a:rPr>
-              <a:t>   |                                                               |  |</a:t>
-            </a:r>
-          </a:p>
-          <a:p>
-            <a:r>
-              <a:rPr lang="en-CA" sz="800" dirty="0">
-                <a:latin typeface="Courier" pitchFamily="2" charset="0"/>
-              </a:rPr>
-              <a:t>   +-+-+-+-+-+-+-+-+-+-+-+-+-+-+-+-+-+-+-+-+-+-+-+-+-+-+-+-+-+-+-+-+&lt;-+</a:t>
-            </a:r>
-          </a:p>
-          <a:p>
-            <a:r>
-              <a:rPr lang="en-CA" sz="800" dirty="0">
-                <a:solidFill>
-                  <a:srgbClr val="C00000"/>
-                </a:solidFill>
-                <a:latin typeface="Courier" pitchFamily="2" charset="0"/>
-              </a:rPr>
-              <a:t>   </a:t>
-            </a:r>
-            <a:r>
-              <a:rPr lang="en-CA" sz="800" dirty="0">
-                <a:solidFill>
-                  <a:srgbClr val="0070C0"/>
-                </a:solidFill>
-                <a:latin typeface="Courier" pitchFamily="2" charset="0"/>
-              </a:rPr>
-              <a:t>|0 0 0 0| Sequence Number (</a:t>
-            </a:r>
-            <a:r>
-              <a:rPr lang="en-CA" sz="800" dirty="0" err="1">
-                <a:solidFill>
-                  <a:srgbClr val="0070C0"/>
-                </a:solidFill>
-                <a:latin typeface="Courier" pitchFamily="2" charset="0"/>
-              </a:rPr>
-              <a:t>DetNet</a:t>
-            </a:r>
-            <a:r>
-              <a:rPr lang="en-CA" sz="800" dirty="0">
-                <a:solidFill>
-                  <a:srgbClr val="0070C0"/>
-                </a:solidFill>
-                <a:latin typeface="Courier" pitchFamily="2" charset="0"/>
-              </a:rPr>
-              <a:t> Control Word)                 |</a:t>
-            </a:r>
-          </a:p>
-          <a:p>
-            <a:r>
-              <a:rPr lang="en-CA" sz="800" dirty="0">
-                <a:solidFill>
-                  <a:srgbClr val="0070C0"/>
-                </a:solidFill>
-                <a:latin typeface="Courier" pitchFamily="2" charset="0"/>
-              </a:rPr>
-              <a:t>   +-+-+-+-+-+-+-+-+-+-+-+-+-+-+-+-+-+-+-+-+-+-+-+-+-+-+-+-+-+-+-+-+</a:t>
-            </a:r>
-          </a:p>
-          <a:p>
-            <a:r>
-              <a:rPr lang="en-CA" sz="800" dirty="0">
-                <a:latin typeface="Courier" pitchFamily="2" charset="0"/>
-              </a:rPr>
-              <a:t>   |                                                               |</a:t>
-            </a:r>
-          </a:p>
-          <a:p>
-            <a:r>
-              <a:rPr lang="en-CA" sz="800" dirty="0">
-                <a:latin typeface="Courier" pitchFamily="2" charset="0"/>
-              </a:rPr>
-              <a:t>   |                                                               |</a:t>
-            </a:r>
-          </a:p>
-          <a:p>
-            <a:r>
-              <a:rPr lang="en-CA" sz="800" dirty="0">
-                <a:latin typeface="Courier" pitchFamily="2" charset="0"/>
-              </a:rPr>
-              <a:t>   ~                 </a:t>
-            </a:r>
-            <a:r>
-              <a:rPr lang="en-CA" sz="800" dirty="0" err="1">
-                <a:latin typeface="Courier" pitchFamily="2" charset="0"/>
-              </a:rPr>
-              <a:t>DetNet</a:t>
-            </a:r>
-            <a:r>
-              <a:rPr lang="en-CA" sz="800" dirty="0">
-                <a:latin typeface="Courier" pitchFamily="2" charset="0"/>
-              </a:rPr>
-              <a:t> Flow                                   ~</a:t>
-            </a:r>
-          </a:p>
-          <a:p>
-            <a:r>
-              <a:rPr lang="en-CA" sz="800" dirty="0">
-                <a:latin typeface="Courier" pitchFamily="2" charset="0"/>
-              </a:rPr>
-              <a:t>   ~                 Payload Packet                                ~</a:t>
-            </a:r>
-          </a:p>
-          <a:p>
-            <a:r>
-              <a:rPr lang="en-CA" sz="800" dirty="0">
-                <a:latin typeface="Courier" pitchFamily="2" charset="0"/>
-              </a:rPr>
-              <a:t>   |                                                               |</a:t>
-            </a:r>
-          </a:p>
-          <a:p>
-            <a:r>
-              <a:rPr lang="en-CA" sz="800" dirty="0">
-                <a:latin typeface="Courier" pitchFamily="2" charset="0"/>
-              </a:rPr>
-              <a:t>   |                                                               |</a:t>
-            </a:r>
-          </a:p>
-          <a:p>
-            <a:r>
-              <a:rPr lang="en-CA" sz="800" dirty="0">
-                <a:latin typeface="Courier" pitchFamily="2" charset="0"/>
-              </a:rPr>
-              <a:t>   +-+-+-+-+-+-+-+-+-+-+-+-+-+-+-+-+-+-+-+-+-+-+-+-+-+-+-+-+-+-+-+-+</a:t>
-            </a:r>
-          </a:p>
-          <a:p>
-            <a:r>
-              <a:rPr lang="en-CA" sz="800" dirty="0">
-                <a:latin typeface="Courier" pitchFamily="2" charset="0"/>
-              </a:rPr>
-              <a:t> </a:t>
-            </a:r>
-          </a:p>
-          <a:p>
-            <a:r>
-              <a:rPr lang="en-CA" sz="800" dirty="0">
-                <a:latin typeface="Courier" pitchFamily="2" charset="0"/>
-              </a:rPr>
-              <a:t>  Figure: Example MPLS Encapsulation with </a:t>
-            </a:r>
-            <a:r>
-              <a:rPr lang="en-CA" sz="800" dirty="0" err="1">
-                <a:latin typeface="Courier" pitchFamily="2" charset="0"/>
-              </a:rPr>
-              <a:t>DetNet</a:t>
-            </a:r>
-            <a:r>
-              <a:rPr lang="en-CA" sz="800" dirty="0">
-                <a:latin typeface="Courier" pitchFamily="2" charset="0"/>
-              </a:rPr>
-              <a:t> with IOAM Data Fields</a:t>
-            </a:r>
-            <a:endParaRPr lang="en-CA" sz="800" dirty="0">
-              <a:latin typeface="Courier" pitchFamily="2" charset="0"/>
-              <a:ea typeface="Calibri" panose="020F0502020204030204" pitchFamily="34" charset="0"/>
-              <a:cs typeface="Times New Roman" panose="02020603050405020304" pitchFamily="18" charset="0"/>
-            </a:endParaRPr>
-          </a:p>
-        </p:txBody>
-      </p:sp>
-    </p:spTree>
-    <p:extLst>
-      <p:ext uri="{BB962C8B-B14F-4D97-AF65-F5344CB8AC3E}">
-        <p14:creationId xmlns:p14="http://schemas.microsoft.com/office/powerpoint/2010/main" val="3004204706"/>
-      </p:ext>
-    </p:extLst>
-  </p:cSld>
-  <p:clrMapOvr>
-    <a:masterClrMapping/>
-  </p:clrMapOvr>
-</p:sld>
-</file>
-
-<file path=ppt/slides/slide29.xml><?xml version="1.0" encoding="utf-8"?>
 <p:sld xmlns:a="http://schemas.openxmlformats.org/drawingml/2006/main" xmlns:r="http://schemas.openxmlformats.org/officeDocument/2006/relationships" xmlns:p="http://schemas.openxmlformats.org/presentationml/2006/main">
   <p:cSld>
     <p:spTree>
@@ -14669,7 +14301,7 @@
               <a:pPr>
                 <a:defRPr/>
               </a:pPr>
-              <a:t>29</a:t>
+              <a:t>28</a:t>
             </a:fld>
             <a:endParaRPr lang="en-US" altLang="zh-CN"/>
           </a:p>
@@ -14679,6 +14311,632 @@
     <p:extLst>
       <p:ext uri="{BB962C8B-B14F-4D97-AF65-F5344CB8AC3E}">
         <p14:creationId xmlns:p14="http://schemas.microsoft.com/office/powerpoint/2010/main" val="4263515903"/>
+      </p:ext>
+    </p:extLst>
+  </p:cSld>
+  <p:clrMapOvr>
+    <a:masterClrMapping/>
+  </p:clrMapOvr>
+</p:sld>
+</file>
+
+<file path=ppt/slides/slide29.xml><?xml version="1.0" encoding="utf-8"?>
+<p:sld xmlns:a="http://schemas.openxmlformats.org/drawingml/2006/main" xmlns:r="http://schemas.openxmlformats.org/officeDocument/2006/relationships" xmlns:p="http://schemas.openxmlformats.org/presentationml/2006/main">
+  <p:cSld>
+    <p:spTree>
+      <p:nvGrpSpPr>
+        <p:cNvPr id="1" name=""/>
+        <p:cNvGrpSpPr/>
+        <p:nvPr/>
+      </p:nvGrpSpPr>
+      <p:grpSpPr>
+        <a:xfrm>
+          <a:off x="0" y="0"/>
+          <a:ext cx="0" cy="0"/>
+          <a:chOff x="0" y="0"/>
+          <a:chExt cx="0" cy="0"/>
+        </a:xfrm>
+      </p:grpSpPr>
+      <p:sp>
+        <p:nvSpPr>
+          <p:cNvPr id="2" name="Title 1">
+            <a:extLst>
+              <a:ext uri="{FF2B5EF4-FFF2-40B4-BE49-F238E27FC236}">
+                <a16:creationId xmlns:a16="http://schemas.microsoft.com/office/drawing/2014/main" id="{16C5255E-BE42-5348-AC0F-6257873BBB61}"/>
+              </a:ext>
+            </a:extLst>
+          </p:cNvPr>
+          <p:cNvSpPr>
+            <a:spLocks noGrp="1"/>
+          </p:cNvSpPr>
+          <p:nvPr>
+            <p:ph type="title"/>
+          </p:nvPr>
+        </p:nvSpPr>
+        <p:spPr>
+          <a:xfrm>
+            <a:off x="0" y="0"/>
+            <a:ext cx="9144000" cy="619185"/>
+          </a:xfrm>
+        </p:spPr>
+        <p:txBody>
+          <a:bodyPr/>
+          <a:lstStyle/>
+          <a:p>
+            <a:r>
+              <a:rPr lang="en-US" sz="2400" dirty="0">
+                <a:solidFill>
+                  <a:srgbClr val="0070C0"/>
+                </a:solidFill>
+                <a:latin typeface="Calibri Light" panose="020F0302020204030204" pitchFamily="34" charset="0"/>
+                <a:cs typeface="Calibri Light" panose="020F0302020204030204" pitchFamily="34" charset="0"/>
+              </a:rPr>
+              <a:t>Example 4 - </a:t>
+            </a:r>
+            <a:r>
+              <a:rPr lang="en-US" sz="2400" dirty="0" err="1">
+                <a:solidFill>
+                  <a:srgbClr val="0070C0"/>
+                </a:solidFill>
+                <a:latin typeface="Calibri Light" panose="020F0302020204030204" pitchFamily="34" charset="0"/>
+                <a:cs typeface="Calibri Light" panose="020F0302020204030204" pitchFamily="34" charset="0"/>
+              </a:rPr>
+              <a:t>DetNet</a:t>
+            </a:r>
+            <a:r>
+              <a:rPr lang="en-US" sz="2400" dirty="0">
+                <a:solidFill>
+                  <a:srgbClr val="0070C0"/>
+                </a:solidFill>
+                <a:latin typeface="Calibri Light" panose="020F0302020204030204" pitchFamily="34" charset="0"/>
+                <a:cs typeface="Calibri Light" panose="020F0302020204030204" pitchFamily="34" charset="0"/>
+              </a:rPr>
+              <a:t> Control Word [RFC8964] </a:t>
+            </a:r>
+            <a:r>
+              <a:rPr lang="en-CA" sz="2400" dirty="0">
+                <a:solidFill>
+                  <a:srgbClr val="0070C0"/>
+                </a:solidFill>
+                <a:latin typeface="Calibri Light" panose="020F0302020204030204" pitchFamily="34" charset="0"/>
+                <a:cs typeface="Calibri Light" panose="020F0302020204030204" pitchFamily="34" charset="0"/>
+              </a:rPr>
+              <a:t>with IOAM Data Fields</a:t>
+            </a:r>
+            <a:endParaRPr lang="en-US" sz="2400" dirty="0">
+              <a:solidFill>
+                <a:srgbClr val="0070C0"/>
+              </a:solidFill>
+              <a:latin typeface="Calibri Light" panose="020F0302020204030204" pitchFamily="34" charset="0"/>
+              <a:cs typeface="Calibri Light" panose="020F0302020204030204" pitchFamily="34" charset="0"/>
+            </a:endParaRPr>
+          </a:p>
+        </p:txBody>
+      </p:sp>
+      <p:sp>
+        <p:nvSpPr>
+          <p:cNvPr id="4" name="Footer Placeholder 3">
+            <a:extLst>
+              <a:ext uri="{FF2B5EF4-FFF2-40B4-BE49-F238E27FC236}">
+                <a16:creationId xmlns:a16="http://schemas.microsoft.com/office/drawing/2014/main" id="{CF70CC82-C055-3645-9254-87CEC1C49032}"/>
+              </a:ext>
+            </a:extLst>
+          </p:cNvPr>
+          <p:cNvSpPr>
+            <a:spLocks noGrp="1"/>
+          </p:cNvSpPr>
+          <p:nvPr>
+            <p:ph type="ftr" sz="quarter" idx="11"/>
+          </p:nvPr>
+        </p:nvSpPr>
+        <p:spPr>
+          <a:xfrm>
+            <a:off x="3124200" y="4786312"/>
+            <a:ext cx="2895600" cy="357188"/>
+          </a:xfrm>
+        </p:spPr>
+        <p:txBody>
+          <a:bodyPr/>
+          <a:lstStyle/>
+          <a:p>
+            <a:pPr>
+              <a:defRPr/>
+            </a:pPr>
+            <a:r>
+              <a:rPr lang="en-US" altLang="zh-CN" dirty="0"/>
+              <a:t>110</a:t>
+            </a:r>
+            <a:r>
+              <a:rPr lang="en-US" altLang="zh-CN" baseline="30000" dirty="0"/>
+              <a:t>th</a:t>
+            </a:r>
+            <a:r>
+              <a:rPr lang="en-US" altLang="zh-CN" dirty="0"/>
+              <a:t> IETF Online</a:t>
+            </a:r>
+          </a:p>
+        </p:txBody>
+      </p:sp>
+      <p:sp>
+        <p:nvSpPr>
+          <p:cNvPr id="5" name="Slide Number Placeholder 4">
+            <a:extLst>
+              <a:ext uri="{FF2B5EF4-FFF2-40B4-BE49-F238E27FC236}">
+                <a16:creationId xmlns:a16="http://schemas.microsoft.com/office/drawing/2014/main" id="{62DF7D69-BCF6-2D4A-A3F1-2D32C59355D3}"/>
+              </a:ext>
+            </a:extLst>
+          </p:cNvPr>
+          <p:cNvSpPr>
+            <a:spLocks noGrp="1"/>
+          </p:cNvSpPr>
+          <p:nvPr>
+            <p:ph type="sldNum" sz="quarter" idx="12"/>
+          </p:nvPr>
+        </p:nvSpPr>
+        <p:spPr/>
+        <p:txBody>
+          <a:bodyPr/>
+          <a:lstStyle/>
+          <a:p>
+            <a:pPr>
+              <a:defRPr/>
+            </a:pPr>
+            <a:fld id="{BD6E0F59-1DD8-40FC-9C92-B6295CBA6CCA}" type="slidenum">
+              <a:rPr lang="en-US" altLang="zh-CN" smtClean="0"/>
+              <a:pPr>
+                <a:defRPr/>
+              </a:pPr>
+              <a:t>29</a:t>
+            </a:fld>
+            <a:endParaRPr lang="en-US" altLang="zh-CN" dirty="0"/>
+          </a:p>
+        </p:txBody>
+      </p:sp>
+      <p:sp>
+        <p:nvSpPr>
+          <p:cNvPr id="6" name="Rectangle 5">
+            <a:extLst>
+              <a:ext uri="{FF2B5EF4-FFF2-40B4-BE49-F238E27FC236}">
+                <a16:creationId xmlns:a16="http://schemas.microsoft.com/office/drawing/2014/main" id="{E614F343-6DC2-A943-8496-BE1E2B6072CE}"/>
+              </a:ext>
+            </a:extLst>
+          </p:cNvPr>
+          <p:cNvSpPr/>
+          <p:nvPr/>
+        </p:nvSpPr>
+        <p:spPr>
+          <a:xfrm>
+            <a:off x="2057400" y="619185"/>
+            <a:ext cx="4648200" cy="4678204"/>
+          </a:xfrm>
+          <a:prstGeom prst="rect">
+            <a:avLst/>
+          </a:prstGeom>
+          <a:solidFill>
+            <a:schemeClr val="accent6">
+              <a:lumMod val="20000"/>
+              <a:lumOff val="80000"/>
+            </a:schemeClr>
+          </a:solidFill>
+        </p:spPr>
+        <p:txBody>
+          <a:bodyPr wrap="square">
+            <a:spAutoFit/>
+          </a:bodyPr>
+          <a:lstStyle/>
+          <a:p>
+            <a:r>
+              <a:rPr lang="en-CA" sz="800" dirty="0">
+                <a:latin typeface="Courier" pitchFamily="2" charset="0"/>
+              </a:rPr>
+              <a:t>   0                   1                   2                   3</a:t>
+            </a:r>
+          </a:p>
+          <a:p>
+            <a:r>
+              <a:rPr lang="en-CA" sz="800" dirty="0">
+                <a:latin typeface="Courier" pitchFamily="2" charset="0"/>
+              </a:rPr>
+              <a:t>   0 1 2 3 4 5 6 7 8 9 0 1 2 3 4 5 6 7 8 9 0 1 2 3 4 5 6 7 8 9 0 1</a:t>
+            </a:r>
+          </a:p>
+          <a:p>
+            <a:r>
+              <a:rPr lang="en-CA" sz="800" dirty="0">
+                <a:latin typeface="Courier" pitchFamily="2" charset="0"/>
+              </a:rPr>
+              <a:t>   +-+-+-+-+-+-+-+-+-+-+-+-+-+-+-+-+-+-+-+-+-+-+-+-+-+-+-+-+-+-+-+-+</a:t>
+            </a:r>
+          </a:p>
+          <a:p>
+            <a:r>
+              <a:rPr lang="en-CA" sz="800" dirty="0">
+                <a:latin typeface="Courier" pitchFamily="2" charset="0"/>
+              </a:rPr>
+              <a:t>   | [F-Label(s)]                          | TC  |S|  TTL          |</a:t>
+            </a:r>
+          </a:p>
+          <a:p>
+            <a:r>
+              <a:rPr lang="en-CA" sz="800" dirty="0">
+                <a:latin typeface="Courier" pitchFamily="2" charset="0"/>
+              </a:rPr>
+              <a:t>   +-+-+-+-+-+-+-+-+-+-+-+-+-+-+-+-+-+-+-+-+-+-+-+-+-+-+-+-+-+-+-+-+</a:t>
+            </a:r>
+          </a:p>
+          <a:p>
+            <a:r>
+              <a:rPr lang="en-CA" sz="800" dirty="0">
+                <a:latin typeface="Courier" pitchFamily="2" charset="0"/>
+              </a:rPr>
+              <a:t>   | A-Label                               | TC  |S|  TTL          |</a:t>
+            </a:r>
+          </a:p>
+          <a:p>
+            <a:r>
+              <a:rPr lang="en-CA" sz="800" dirty="0">
+                <a:latin typeface="Courier" pitchFamily="2" charset="0"/>
+              </a:rPr>
+              <a:t>   +-+-+-+-+-+-+-+-+-+-+-+-+-+-+-+-+-+-+-+-+-+-+-+-+-+-+-+-+-+-+-+-+</a:t>
+            </a:r>
+          </a:p>
+          <a:p>
+            <a:r>
+              <a:rPr lang="en-CA" sz="800" dirty="0">
+                <a:solidFill>
+                  <a:srgbClr val="C00000"/>
+                </a:solidFill>
+                <a:latin typeface="Courier" pitchFamily="2" charset="0"/>
+              </a:rPr>
+              <a:t>   </a:t>
+            </a:r>
+            <a:r>
+              <a:rPr lang="en-CA" sz="800" dirty="0">
+                <a:solidFill>
+                  <a:srgbClr val="0070C0"/>
+                </a:solidFill>
+                <a:latin typeface="Courier" pitchFamily="2" charset="0"/>
+              </a:rPr>
+              <a:t>|0 0 0 0| Sequence Number (</a:t>
+            </a:r>
+            <a:r>
+              <a:rPr lang="en-CA" sz="800" dirty="0" err="1">
+                <a:solidFill>
+                  <a:srgbClr val="0070C0"/>
+                </a:solidFill>
+                <a:latin typeface="Courier" pitchFamily="2" charset="0"/>
+              </a:rPr>
+              <a:t>DetNet</a:t>
+            </a:r>
+            <a:r>
+              <a:rPr lang="en-CA" sz="800" dirty="0">
+                <a:solidFill>
+                  <a:srgbClr val="0070C0"/>
+                </a:solidFill>
+                <a:latin typeface="Courier" pitchFamily="2" charset="0"/>
+              </a:rPr>
+              <a:t> Control Word)                 |</a:t>
+            </a:r>
+          </a:p>
+          <a:p>
+            <a:r>
+              <a:rPr lang="en-CA" sz="800" dirty="0">
+                <a:latin typeface="Courier" pitchFamily="2" charset="0"/>
+              </a:rPr>
+              <a:t>   +-+-+-+-+-+-+-+-+-+-+-+-+-+-+-+-+-+-+-+-+-+-+-+-+-+-+-+-+-+-+-+-+</a:t>
+            </a:r>
+          </a:p>
+          <a:p>
+            <a:r>
+              <a:rPr lang="en-CA" sz="800" dirty="0">
+                <a:latin typeface="Courier" pitchFamily="2" charset="0"/>
+              </a:rPr>
+              <a:t>   | [F-Label(s)]                          | TC  |S|  TTL          |</a:t>
+            </a:r>
+          </a:p>
+          <a:p>
+            <a:r>
+              <a:rPr lang="en-CA" sz="800" dirty="0">
+                <a:latin typeface="Courier" pitchFamily="2" charset="0"/>
+              </a:rPr>
+              <a:t>   +-+-+-+-+-+-+-+-+-+-+-+-+-+-+-+-+-+-+-+-+-+-+-+-+-+-+-+-+-+-+-+-+</a:t>
+            </a:r>
+          </a:p>
+          <a:p>
+            <a:r>
+              <a:rPr lang="en-CA" sz="800" dirty="0">
+                <a:latin typeface="Courier" pitchFamily="2" charset="0"/>
+              </a:rPr>
+              <a:t>   | S-Label                               | TC  |S|  TTL          |</a:t>
+            </a:r>
+          </a:p>
+          <a:p>
+            <a:r>
+              <a:rPr lang="en-CA" sz="800" dirty="0">
+                <a:latin typeface="Courier" pitchFamily="2" charset="0"/>
+              </a:rPr>
+              <a:t>   +-+-+-+-+-+-+-+-+-+-+-+-+-+-+-+-+-+-+-+-+-+-+-+-+-+-+-+-+-+-+-+-+</a:t>
+            </a:r>
+          </a:p>
+          <a:p>
+            <a:r>
+              <a:rPr lang="en-CA" sz="800" dirty="0">
+                <a:latin typeface="Courier" pitchFamily="2" charset="0"/>
+              </a:rPr>
+              <a:t>   | IOAM Indicator Label                  | TC  |1|  TTL          |</a:t>
+            </a:r>
+          </a:p>
+          <a:p>
+            <a:r>
+              <a:rPr lang="en-CA" sz="800" dirty="0">
+                <a:latin typeface="Courier" pitchFamily="2" charset="0"/>
+              </a:rPr>
+              <a:t>   +-+-+-+-+-+-+-+-+-+-+-+-+-+-+-+-+-+-+-+-+-+-+-+-+-+-+-+-+-+-+-+-+&lt;-+</a:t>
+            </a:r>
+          </a:p>
+          <a:p>
+            <a:r>
+              <a:rPr lang="en-CA" sz="800" dirty="0">
+                <a:latin typeface="Courier" pitchFamily="2" charset="0"/>
+              </a:rPr>
+              <a:t>   |0 0 0 1|Version| Reserved      | IOAM G-</a:t>
+            </a:r>
+            <a:r>
+              <a:rPr lang="en-CA" sz="800" dirty="0" err="1">
+                <a:latin typeface="Courier" pitchFamily="2" charset="0"/>
+              </a:rPr>
+              <a:t>ACh</a:t>
+            </a:r>
+            <a:r>
+              <a:rPr lang="en-CA" sz="800" dirty="0">
+                <a:latin typeface="Courier" pitchFamily="2" charset="0"/>
+              </a:rPr>
+              <a:t>                    |  |</a:t>
+            </a:r>
+          </a:p>
+          <a:p>
+            <a:r>
+              <a:rPr lang="en-CA" sz="800" dirty="0">
+                <a:latin typeface="Courier" pitchFamily="2" charset="0"/>
+              </a:rPr>
+              <a:t>   +-+-+-+-+-+-+-+-+-+-+-+-+-+-+-+-+-+-+-+-+-+-+-+-+-+-+-+-+-+-+-+-+  |</a:t>
+            </a:r>
+          </a:p>
+          <a:p>
+            <a:r>
+              <a:rPr lang="en-CA" sz="800" dirty="0">
+                <a:latin typeface="Courier" pitchFamily="2" charset="0"/>
+              </a:rPr>
+              <a:t>   | Reserved      | Block Number  | IOAM-OPT-Type |</a:t>
+            </a:r>
+            <a:r>
+              <a:rPr lang="en-CA" sz="800" dirty="0">
+                <a:solidFill>
+                  <a:srgbClr val="0070C0"/>
+                </a:solidFill>
+                <a:latin typeface="Courier" pitchFamily="2" charset="0"/>
+              </a:rPr>
+              <a:t>IOAM HDR Length</a:t>
+            </a:r>
+            <a:r>
+              <a:rPr lang="en-CA" sz="800" dirty="0">
+                <a:latin typeface="Courier" pitchFamily="2" charset="0"/>
+              </a:rPr>
+              <a:t>|  |</a:t>
+            </a:r>
+          </a:p>
+          <a:p>
+            <a:r>
+              <a:rPr lang="en-CA" sz="800" dirty="0">
+                <a:latin typeface="Courier" pitchFamily="2" charset="0"/>
+              </a:rPr>
+              <a:t>   +-+-+-+-+-+-+-+-+-+-+-+-+-+-+-+-+-+-+-+-+-+-+-+-+-+-+-+-+-+-+-+-+  I</a:t>
+            </a:r>
+          </a:p>
+          <a:p>
+            <a:r>
+              <a:rPr lang="en-CA" sz="800" dirty="0">
+                <a:latin typeface="Courier" pitchFamily="2" charset="0"/>
+              </a:rPr>
+              <a:t>   |                                                               |  O</a:t>
+            </a:r>
+          </a:p>
+          <a:p>
+            <a:r>
+              <a:rPr lang="en-CA" sz="800" dirty="0">
+                <a:latin typeface="Courier" pitchFamily="2" charset="0"/>
+              </a:rPr>
+              <a:t>   |                                                               |  A</a:t>
+            </a:r>
+          </a:p>
+          <a:p>
+            <a:r>
+              <a:rPr lang="en-CA" sz="800" dirty="0">
+                <a:latin typeface="Courier" pitchFamily="2" charset="0"/>
+              </a:rPr>
+              <a:t>   ~                 IOAM Option and Data Space                    ~  M</a:t>
+            </a:r>
+          </a:p>
+          <a:p>
+            <a:r>
+              <a:rPr lang="en-CA" sz="800" dirty="0">
+                <a:latin typeface="Courier" pitchFamily="2" charset="0"/>
+              </a:rPr>
+              <a:t>   |                                                               |  |</a:t>
+            </a:r>
+          </a:p>
+          <a:p>
+            <a:r>
+              <a:rPr lang="en-CA" sz="800" dirty="0">
+                <a:latin typeface="Courier" pitchFamily="2" charset="0"/>
+              </a:rPr>
+              <a:t>   |                                                               |  |</a:t>
+            </a:r>
+          </a:p>
+          <a:p>
+            <a:r>
+              <a:rPr lang="en-CA" sz="800" dirty="0">
+                <a:latin typeface="Courier" pitchFamily="2" charset="0"/>
+              </a:rPr>
+              <a:t>   +-+-+-+-+-+-+-+-+-+-+-+-+-+-+-+-+-+-+-+-+-+-+-+-+-+-+-+-+-+-+-+-+&lt;-+</a:t>
+            </a:r>
+          </a:p>
+          <a:p>
+            <a:r>
+              <a:rPr lang="en-CA" sz="800" dirty="0">
+                <a:solidFill>
+                  <a:srgbClr val="C00000"/>
+                </a:solidFill>
+                <a:latin typeface="Courier" pitchFamily="2" charset="0"/>
+              </a:rPr>
+              <a:t>   </a:t>
+            </a:r>
+            <a:r>
+              <a:rPr lang="en-CA" sz="800" dirty="0">
+                <a:solidFill>
+                  <a:srgbClr val="0070C0"/>
+                </a:solidFill>
+                <a:latin typeface="Courier" pitchFamily="2" charset="0"/>
+              </a:rPr>
+              <a:t>|0 0 0 0| Sequence Number (</a:t>
+            </a:r>
+            <a:r>
+              <a:rPr lang="en-CA" sz="800" dirty="0" err="1">
+                <a:solidFill>
+                  <a:srgbClr val="0070C0"/>
+                </a:solidFill>
+                <a:latin typeface="Courier" pitchFamily="2" charset="0"/>
+              </a:rPr>
+              <a:t>DetNet</a:t>
+            </a:r>
+            <a:r>
+              <a:rPr lang="en-CA" sz="800" dirty="0">
+                <a:solidFill>
+                  <a:srgbClr val="0070C0"/>
+                </a:solidFill>
+                <a:latin typeface="Courier" pitchFamily="2" charset="0"/>
+              </a:rPr>
+              <a:t> Control Word)                 |</a:t>
+            </a:r>
+          </a:p>
+          <a:p>
+            <a:r>
+              <a:rPr lang="en-CA" sz="800" dirty="0">
+                <a:solidFill>
+                  <a:srgbClr val="0070C0"/>
+                </a:solidFill>
+                <a:latin typeface="Courier" pitchFamily="2" charset="0"/>
+              </a:rPr>
+              <a:t>   +-+-+-+-+-+-+-+-+-+-+-+-+-+-+-+-+-+-+-+-+-+-+-+-+-+-+-+-+-+-+-+-+</a:t>
+            </a:r>
+          </a:p>
+          <a:p>
+            <a:r>
+              <a:rPr lang="en-CA" sz="800" dirty="0">
+                <a:latin typeface="Courier" pitchFamily="2" charset="0"/>
+              </a:rPr>
+              <a:t>   |                                                               |</a:t>
+            </a:r>
+          </a:p>
+          <a:p>
+            <a:r>
+              <a:rPr lang="en-CA" sz="800" dirty="0">
+                <a:latin typeface="Courier" pitchFamily="2" charset="0"/>
+              </a:rPr>
+              <a:t>   |                                                               |</a:t>
+            </a:r>
+          </a:p>
+          <a:p>
+            <a:r>
+              <a:rPr lang="en-CA" sz="800" dirty="0">
+                <a:latin typeface="Courier" pitchFamily="2" charset="0"/>
+              </a:rPr>
+              <a:t>   ~                 </a:t>
+            </a:r>
+            <a:r>
+              <a:rPr lang="en-CA" sz="800" dirty="0" err="1">
+                <a:latin typeface="Courier" pitchFamily="2" charset="0"/>
+              </a:rPr>
+              <a:t>DetNet</a:t>
+            </a:r>
+            <a:r>
+              <a:rPr lang="en-CA" sz="800" dirty="0">
+                <a:latin typeface="Courier" pitchFamily="2" charset="0"/>
+              </a:rPr>
+              <a:t> Flow                                   ~</a:t>
+            </a:r>
+          </a:p>
+          <a:p>
+            <a:r>
+              <a:rPr lang="en-CA" sz="800" dirty="0">
+                <a:latin typeface="Courier" pitchFamily="2" charset="0"/>
+              </a:rPr>
+              <a:t>   ~                 Payload Packet                                ~</a:t>
+            </a:r>
+          </a:p>
+          <a:p>
+            <a:r>
+              <a:rPr lang="en-CA" sz="800" dirty="0">
+                <a:latin typeface="Courier" pitchFamily="2" charset="0"/>
+              </a:rPr>
+              <a:t>   |                                                               |</a:t>
+            </a:r>
+          </a:p>
+          <a:p>
+            <a:r>
+              <a:rPr lang="en-CA" sz="800" dirty="0">
+                <a:latin typeface="Courier" pitchFamily="2" charset="0"/>
+              </a:rPr>
+              <a:t>   |                                                               |</a:t>
+            </a:r>
+          </a:p>
+          <a:p>
+            <a:r>
+              <a:rPr lang="en-CA" sz="800" dirty="0">
+                <a:latin typeface="Courier" pitchFamily="2" charset="0"/>
+              </a:rPr>
+              <a:t>   +-+-+-+-+-+-+-+-+-+-+-+-+-+-+-+-+-+-+-+-+-+-+-+-+-+-+-+-+-+-+-+-+</a:t>
+            </a:r>
+          </a:p>
+          <a:p>
+            <a:r>
+              <a:rPr lang="en-CA" sz="800" dirty="0">
+                <a:latin typeface="Courier" pitchFamily="2" charset="0"/>
+              </a:rPr>
+              <a:t> </a:t>
+            </a:r>
+          </a:p>
+          <a:p>
+            <a:r>
+              <a:rPr lang="en-CA" sz="800" dirty="0">
+                <a:latin typeface="Courier" pitchFamily="2" charset="0"/>
+              </a:rPr>
+              <a:t>  Figure: Example MPLS Encapsulation with </a:t>
+            </a:r>
+            <a:r>
+              <a:rPr lang="en-CA" sz="800" dirty="0" err="1">
+                <a:latin typeface="Courier" pitchFamily="2" charset="0"/>
+              </a:rPr>
+              <a:t>DetNet</a:t>
+            </a:r>
+            <a:r>
+              <a:rPr lang="en-CA" sz="800" dirty="0">
+                <a:latin typeface="Courier" pitchFamily="2" charset="0"/>
+              </a:rPr>
+              <a:t> with IOAM Data Fields</a:t>
+            </a:r>
+            <a:endParaRPr lang="en-CA" sz="800" dirty="0">
+              <a:latin typeface="Courier" pitchFamily="2" charset="0"/>
+              <a:ea typeface="Calibri" panose="020F0502020204030204" pitchFamily="34" charset="0"/>
+              <a:cs typeface="Times New Roman" panose="02020603050405020304" pitchFamily="18" charset="0"/>
+            </a:endParaRPr>
+          </a:p>
+        </p:txBody>
+      </p:sp>
+    </p:spTree>
+    <p:extLst>
+      <p:ext uri="{BB962C8B-B14F-4D97-AF65-F5344CB8AC3E}">
+        <p14:creationId xmlns:p14="http://schemas.microsoft.com/office/powerpoint/2010/main" val="1058011721"/>
       </p:ext>
     </p:extLst>
   </p:cSld>
@@ -16739,7 +16997,7 @@
         </p:nvSpPr>
         <p:spPr>
           <a:xfrm>
-            <a:off x="1676400" y="768375"/>
+            <a:off x="1676400" y="996218"/>
             <a:ext cx="5791200" cy="3323987"/>
           </a:xfrm>
           <a:prstGeom prst="rect">

--- a/draft-gandhi-mpls-ioam-sr-06.pptx
+++ b/draft-gandhi-mpls-ioam-sr-06.pptx
@@ -6527,7 +6527,7 @@
         <p:spPr>
           <a:xfrm>
             <a:off x="609600" y="1007445"/>
-            <a:ext cx="7924800" cy="3429000"/>
+            <a:ext cx="7924800" cy="3676474"/>
           </a:xfrm>
         </p:spPr>
         <p:txBody>
@@ -6570,6 +6570,24 @@
             </a:r>
           </a:p>
           <a:p>
+            <a:pPr lvl="1" indent="-342900">
+              <a:buFont typeface="Wingdings" pitchFamily="2" charset="2"/>
+              <a:buChar char="§"/>
+            </a:pPr>
+            <a:r>
+              <a:rPr lang="en-CA" sz="1800" dirty="0"/>
+              <a:t>Both Labels are carried at the </a:t>
+            </a:r>
+            <a:r>
+              <a:rPr lang="en-CA" sz="1800" b="1" dirty="0"/>
+              <a:t>bottom</a:t>
+            </a:r>
+            <a:r>
+              <a:rPr lang="en-CA" sz="1800" dirty="0"/>
+              <a:t> of the label stack</a:t>
+            </a:r>
+          </a:p>
+          <a:p>
             <a:pPr marL="457200" lvl="0" indent="-457200">
               <a:buFont typeface="+mj-lt"/>
               <a:buAutoNum type="arabicPeriod"/>
@@ -6590,6 +6608,24 @@
             </a:r>
           </a:p>
           <a:p>
+            <a:pPr lvl="1" indent="-342900">
+              <a:buFont typeface="Wingdings" pitchFamily="2" charset="2"/>
+              <a:buChar char="§"/>
+            </a:pPr>
+            <a:r>
+              <a:rPr lang="en-CA" sz="1800" dirty="0"/>
+              <a:t>The Label is carried at the </a:t>
+            </a:r>
+            <a:r>
+              <a:rPr lang="en-CA" sz="1800" b="1" dirty="0"/>
+              <a:t>bottom</a:t>
+            </a:r>
+            <a:r>
+              <a:rPr lang="en-CA" sz="1800" dirty="0"/>
+              <a:t> of the label stack</a:t>
+            </a:r>
+          </a:p>
+          <a:p>
             <a:pPr marL="457200" lvl="0" indent="-457200">
               <a:buFont typeface="+mj-lt"/>
               <a:buAutoNum type="arabicPeriod"/>
@@ -6607,6 +6643,24 @@
             <a:r>
               <a:rPr lang="en-CA" sz="1800" dirty="0"/>
               <a:t>Signaling/advertisement extensions needed to convey the label to all encapsulating nodes (out of scope)</a:t>
+            </a:r>
+          </a:p>
+          <a:p>
+            <a:pPr lvl="1" indent="-342900">
+              <a:buFont typeface="Wingdings" pitchFamily="2" charset="2"/>
+              <a:buChar char="§"/>
+            </a:pPr>
+            <a:r>
+              <a:rPr lang="en-CA" sz="1800" dirty="0"/>
+              <a:t>The Label is carried at the </a:t>
+            </a:r>
+            <a:r>
+              <a:rPr lang="en-CA" sz="1800" b="1" dirty="0"/>
+              <a:t>bottom</a:t>
+            </a:r>
+            <a:r>
+              <a:rPr lang="en-CA" sz="1800" dirty="0"/>
+              <a:t> of the label stack</a:t>
             </a:r>
           </a:p>
         </p:txBody>
@@ -8486,7 +8540,7 @@
         </p:nvSpPr>
         <p:spPr>
           <a:xfrm>
-            <a:off x="609600" y="895350"/>
+            <a:off x="609600" y="994547"/>
             <a:ext cx="7924800" cy="3352800"/>
           </a:xfrm>
         </p:spPr>
@@ -8536,7 +8590,15 @@
             </a:pPr>
             <a:r>
               <a:rPr lang="en-CA" sz="1600" dirty="0"/>
-              <a:t>The Labels are carried at the bottom of the label stack</a:t>
+              <a:t>Both Labels are carried at the </a:t>
+            </a:r>
+            <a:r>
+              <a:rPr lang="en-CA" sz="1600" b="1" dirty="0"/>
+              <a:t>bottom</a:t>
+            </a:r>
+            <a:r>
+              <a:rPr lang="en-CA" sz="1600" dirty="0"/>
+              <a:t> of the label stack</a:t>
             </a:r>
           </a:p>
           <a:p>
@@ -8566,7 +8628,15 @@
             </a:pPr>
             <a:r>
               <a:rPr lang="en-CA" sz="1600" dirty="0"/>
-              <a:t>The Label is carried at the bottom of the label stack</a:t>
+              <a:t>The Label is carried at the </a:t>
+            </a:r>
+            <a:r>
+              <a:rPr lang="en-CA" sz="1600" b="1" dirty="0"/>
+              <a:t>bottom</a:t>
+            </a:r>
+            <a:r>
+              <a:rPr lang="en-CA" sz="1600" dirty="0"/>
+              <a:t> of the label stack</a:t>
             </a:r>
           </a:p>
           <a:p>
@@ -8595,27 +8665,15 @@
               <a:buChar char="§"/>
             </a:pPr>
             <a:r>
-              <a:rPr lang="en-CA" sz="1600" dirty="0">
-                <a:solidFill>
-                  <a:srgbClr val="0070C0"/>
-                </a:solidFill>
-              </a:rPr>
+              <a:rPr lang="en-CA" sz="1600" dirty="0"/>
               <a:t>The Label is carried at the </a:t>
             </a:r>
             <a:r>
-              <a:rPr lang="en-CA" sz="1600" b="1" dirty="0">
-                <a:solidFill>
-                  <a:srgbClr val="0070C0"/>
-                </a:solidFill>
-              </a:rPr>
+              <a:rPr lang="en-CA" sz="1600" b="1" dirty="0"/>
               <a:t>top</a:t>
             </a:r>
             <a:r>
-              <a:rPr lang="en-CA" sz="1600" dirty="0">
-                <a:solidFill>
-                  <a:srgbClr val="0070C0"/>
-                </a:solidFill>
-              </a:rPr>
+              <a:rPr lang="en-CA" sz="1600" dirty="0"/>
               <a:t> of the label stack</a:t>
             </a:r>
           </a:p>
@@ -8780,7 +8838,7 @@
             <p:ph idx="1"/>
             <p:extLst>
               <p:ext uri="{D42A27DB-BD31-4B8C-83A1-F6EECF244321}">
-                <p14:modId xmlns:p14="http://schemas.microsoft.com/office/powerpoint/2010/main" val="4027267190"/>
+                <p14:modId xmlns:p14="http://schemas.microsoft.com/office/powerpoint/2010/main" val="547895154"/>
               </p:ext>
             </p:extLst>
           </p:nvPr>
@@ -9194,7 +9252,7 @@
                           <a:latin typeface="Calibri" panose="020F0502020204030204" pitchFamily="34" charset="0"/>
                           <a:cs typeface="Calibri" panose="020F0502020204030204" pitchFamily="34" charset="0"/>
                         </a:rPr>
-                        <a:t>Incoming Packet with Top Label</a:t>
+                        <a:t>Top</a:t>
                       </a:r>
                     </a:p>
                   </a:txBody>
@@ -10912,7 +10970,7 @@
         </p:nvSpPr>
         <p:spPr>
           <a:xfrm>
-            <a:off x="3124200" y="725090"/>
+            <a:off x="2019300" y="793590"/>
             <a:ext cx="5105400" cy="3693319"/>
           </a:xfrm>
           <a:prstGeom prst="rect">
@@ -11428,7 +11486,7 @@
         </p:nvSpPr>
         <p:spPr>
           <a:xfrm>
-            <a:off x="2850969" y="832738"/>
+            <a:off x="1885950" y="820745"/>
             <a:ext cx="5372100" cy="3693319"/>
           </a:xfrm>
           <a:prstGeom prst="rect">
@@ -12994,7 +13052,7 @@
         </p:nvSpPr>
         <p:spPr>
           <a:xfrm>
-            <a:off x="2590800" y="793671"/>
+            <a:off x="2438400" y="713601"/>
             <a:ext cx="5791200" cy="3970318"/>
           </a:xfrm>
           <a:prstGeom prst="rect">
@@ -13623,7 +13681,7 @@
         </p:nvSpPr>
         <p:spPr>
           <a:xfrm>
-            <a:off x="2667000" y="703658"/>
+            <a:off x="2020389" y="631777"/>
             <a:ext cx="5257800" cy="4247317"/>
           </a:xfrm>
           <a:prstGeom prst="rect">
@@ -13986,7 +14044,7 @@
         </p:nvSpPr>
         <p:spPr>
           <a:xfrm>
-            <a:off x="152400" y="4638350"/>
+            <a:off x="28303" y="4663651"/>
             <a:ext cx="1981200" cy="430887"/>
           </a:xfrm>
           <a:prstGeom prst="rect">

--- a/draft-gandhi-mpls-ioam-sr-06.pptx
+++ b/draft-gandhi-mpls-ioam-sr-06.pptx
@@ -5,10 +5,10 @@
     <p:sldMasterId id="2147483648" r:id="rId1"/>
   </p:sldMasterIdLst>
   <p:notesMasterIdLst>
-    <p:notesMasterId r:id="rId33"/>
+    <p:notesMasterId r:id="rId34"/>
   </p:notesMasterIdLst>
   <p:handoutMasterIdLst>
-    <p:handoutMasterId r:id="rId34"/>
+    <p:handoutMasterId r:id="rId35"/>
   </p:handoutMasterIdLst>
   <p:sldIdLst>
     <p:sldId id="256" r:id="rId2"/>
@@ -33,15 +33,16 @@
     <p:sldId id="1688" r:id="rId21"/>
     <p:sldId id="1687" r:id="rId22"/>
     <p:sldId id="1686" r:id="rId23"/>
-    <p:sldId id="1669" r:id="rId24"/>
-    <p:sldId id="1697" r:id="rId25"/>
-    <p:sldId id="1667" r:id="rId26"/>
-    <p:sldId id="1695" r:id="rId27"/>
-    <p:sldId id="1690" r:id="rId28"/>
-    <p:sldId id="1699" r:id="rId29"/>
-    <p:sldId id="1696" r:id="rId30"/>
-    <p:sldId id="1700" r:id="rId31"/>
-    <p:sldId id="1701" r:id="rId32"/>
+    <p:sldId id="1702" r:id="rId24"/>
+    <p:sldId id="1669" r:id="rId25"/>
+    <p:sldId id="1697" r:id="rId26"/>
+    <p:sldId id="1667" r:id="rId27"/>
+    <p:sldId id="1695" r:id="rId28"/>
+    <p:sldId id="1690" r:id="rId29"/>
+    <p:sldId id="1699" r:id="rId30"/>
+    <p:sldId id="1696" r:id="rId31"/>
+    <p:sldId id="1700" r:id="rId32"/>
+    <p:sldId id="1701" r:id="rId33"/>
   </p:sldIdLst>
   <p:sldSz cx="9144000" cy="5143500" type="screen16x9"/>
   <p:notesSz cx="6858000" cy="9144000"/>
@@ -1385,7 +1386,7 @@
           <a:bodyPr/>
           <a:lstStyle/>
           <a:p>
-            <a:endParaRPr lang="en-US" dirty="0"/>
+            <a:endParaRPr lang="en-CA" dirty="0"/>
           </a:p>
         </p:txBody>
       </p:sp>
@@ -1421,7 +1422,7 @@
     </p:spTree>
     <p:extLst>
       <p:ext uri="{BB962C8B-B14F-4D97-AF65-F5344CB8AC3E}">
-        <p14:creationId xmlns:p14="http://schemas.microsoft.com/office/powerpoint/2010/main" val="1568418167"/>
+        <p14:creationId xmlns:p14="http://schemas.microsoft.com/office/powerpoint/2010/main" val="242012024"/>
       </p:ext>
     </p:extLst>
   </p:cSld>
@@ -1511,7 +1512,7 @@
     </p:spTree>
     <p:extLst>
       <p:ext uri="{BB962C8B-B14F-4D97-AF65-F5344CB8AC3E}">
-        <p14:creationId xmlns:p14="http://schemas.microsoft.com/office/powerpoint/2010/main" val="3770362993"/>
+        <p14:creationId xmlns:p14="http://schemas.microsoft.com/office/powerpoint/2010/main" val="1568418167"/>
       </p:ext>
     </p:extLst>
   </p:cSld>
@@ -1592,7 +1593,7 @@
               <a:pPr>
                 <a:defRPr/>
               </a:pPr>
-              <a:t>28</a:t>
+              <a:t>25</a:t>
             </a:fld>
             <a:endParaRPr lang="en-US" altLang="zh-CN"/>
           </a:p>
@@ -1601,7 +1602,7 @@
     </p:spTree>
     <p:extLst>
       <p:ext uri="{BB962C8B-B14F-4D97-AF65-F5344CB8AC3E}">
-        <p14:creationId xmlns:p14="http://schemas.microsoft.com/office/powerpoint/2010/main" val="214626184"/>
+        <p14:creationId xmlns:p14="http://schemas.microsoft.com/office/powerpoint/2010/main" val="3770362993"/>
       </p:ext>
     </p:extLst>
   </p:cSld>
@@ -1682,7 +1683,97 @@
               <a:pPr>
                 <a:defRPr/>
               </a:pPr>
-              <a:t>31</a:t>
+              <a:t>29</a:t>
+            </a:fld>
+            <a:endParaRPr lang="en-US" altLang="zh-CN"/>
+          </a:p>
+        </p:txBody>
+      </p:sp>
+    </p:spTree>
+    <p:extLst>
+      <p:ext uri="{BB962C8B-B14F-4D97-AF65-F5344CB8AC3E}">
+        <p14:creationId xmlns:p14="http://schemas.microsoft.com/office/powerpoint/2010/main" val="214626184"/>
+      </p:ext>
+    </p:extLst>
+  </p:cSld>
+  <p:clrMapOvr>
+    <a:masterClrMapping/>
+  </p:clrMapOvr>
+</p:notes>
+</file>
+
+<file path=ppt/notesSlides/notesSlide19.xml><?xml version="1.0" encoding="utf-8"?>
+<p:notes xmlns:a="http://schemas.openxmlformats.org/drawingml/2006/main" xmlns:r="http://schemas.openxmlformats.org/officeDocument/2006/relationships" xmlns:p="http://schemas.openxmlformats.org/presentationml/2006/main">
+  <p:cSld>
+    <p:spTree>
+      <p:nvGrpSpPr>
+        <p:cNvPr id="1" name=""/>
+        <p:cNvGrpSpPr/>
+        <p:nvPr/>
+      </p:nvGrpSpPr>
+      <p:grpSpPr>
+        <a:xfrm>
+          <a:off x="0" y="0"/>
+          <a:ext cx="0" cy="0"/>
+          <a:chOff x="0" y="0"/>
+          <a:chExt cx="0" cy="0"/>
+        </a:xfrm>
+      </p:grpSpPr>
+      <p:sp>
+        <p:nvSpPr>
+          <p:cNvPr id="2" name="Slide Image Placeholder 1"/>
+          <p:cNvSpPr>
+            <a:spLocks noGrp="1" noRot="1" noChangeAspect="1"/>
+          </p:cNvSpPr>
+          <p:nvPr>
+            <p:ph type="sldImg"/>
+          </p:nvPr>
+        </p:nvSpPr>
+        <p:spPr/>
+      </p:sp>
+      <p:sp>
+        <p:nvSpPr>
+          <p:cNvPr id="3" name="Notes Placeholder 2"/>
+          <p:cNvSpPr>
+            <a:spLocks noGrp="1"/>
+          </p:cNvSpPr>
+          <p:nvPr>
+            <p:ph type="body" idx="1"/>
+          </p:nvPr>
+        </p:nvSpPr>
+        <p:spPr/>
+        <p:txBody>
+          <a:bodyPr/>
+          <a:lstStyle/>
+          <a:p>
+            <a:endParaRPr lang="en-US" dirty="0"/>
+          </a:p>
+        </p:txBody>
+      </p:sp>
+      <p:sp>
+        <p:nvSpPr>
+          <p:cNvPr id="4" name="Slide Number Placeholder 3"/>
+          <p:cNvSpPr>
+            <a:spLocks noGrp="1"/>
+          </p:cNvSpPr>
+          <p:nvPr>
+            <p:ph type="sldNum" sz="quarter" idx="10"/>
+          </p:nvPr>
+        </p:nvSpPr>
+        <p:spPr/>
+        <p:txBody>
+          <a:bodyPr/>
+          <a:lstStyle/>
+          <a:p>
+            <a:pPr>
+              <a:defRPr/>
+            </a:pPr>
+            <a:fld id="{100938BD-FD70-4535-B0C2-13FC38CDF1BE}" type="slidenum">
+              <a:rPr lang="en-US" altLang="zh-CN" smtClean="0"/>
+              <a:pPr>
+                <a:defRPr/>
+              </a:pPr>
+              <a:t>32</a:t>
             </a:fld>
             <a:endParaRPr lang="en-US" altLang="zh-CN"/>
           </a:p>
@@ -11849,6 +11940,187 @@
       </p:grpSpPr>
       <p:sp>
         <p:nvSpPr>
+          <p:cNvPr id="2" name="Title 1"/>
+          <p:cNvSpPr>
+            <a:spLocks noGrp="1"/>
+          </p:cNvSpPr>
+          <p:nvPr>
+            <p:ph type="title"/>
+          </p:nvPr>
+        </p:nvSpPr>
+        <p:spPr>
+          <a:xfrm>
+            <a:off x="457200" y="0"/>
+            <a:ext cx="8229600" cy="857250"/>
+          </a:xfrm>
+        </p:spPr>
+        <p:txBody>
+          <a:bodyPr/>
+          <a:lstStyle/>
+          <a:p>
+            <a:r>
+              <a:rPr lang="en-US" sz="3600" dirty="0">
+                <a:solidFill>
+                  <a:srgbClr val="0070C0"/>
+                </a:solidFill>
+                <a:latin typeface="Calibri Light" panose="020F0302020204030204" pitchFamily="34" charset="0"/>
+                <a:cs typeface="Calibri Light" panose="020F0302020204030204" pitchFamily="34" charset="0"/>
+              </a:rPr>
+              <a:t>Next Steps</a:t>
+            </a:r>
+          </a:p>
+        </p:txBody>
+      </p:sp>
+      <p:sp>
+        <p:nvSpPr>
+          <p:cNvPr id="3" name="Content Placeholder 2"/>
+          <p:cNvSpPr>
+            <a:spLocks noGrp="1"/>
+          </p:cNvSpPr>
+          <p:nvPr>
+            <p:ph idx="1"/>
+          </p:nvPr>
+        </p:nvSpPr>
+        <p:spPr>
+          <a:xfrm>
+            <a:off x="685800" y="1123950"/>
+            <a:ext cx="8001000" cy="2514599"/>
+          </a:xfrm>
+        </p:spPr>
+        <p:txBody>
+          <a:bodyPr/>
+          <a:lstStyle/>
+          <a:p>
+            <a:pPr lvl="0"/>
+            <a:r>
+              <a:rPr lang="en-US" sz="2400" dirty="0">
+                <a:latin typeface="Calibri" charset="0"/>
+                <a:ea typeface="Calibri" charset="0"/>
+                <a:cs typeface="Calibri" charset="0"/>
+              </a:rPr>
+              <a:t>Welcome your comments and suggestions</a:t>
+            </a:r>
+          </a:p>
+          <a:p>
+            <a:pPr lvl="0"/>
+            <a:r>
+              <a:rPr lang="en-US" sz="2400" dirty="0"/>
+              <a:t>Requesting WG adoption</a:t>
+            </a:r>
+            <a:endParaRPr lang="en-US" sz="2400" dirty="0">
+              <a:latin typeface="Calibri" charset="0"/>
+              <a:ea typeface="Calibri" charset="0"/>
+              <a:cs typeface="Calibri" charset="0"/>
+            </a:endParaRPr>
+          </a:p>
+          <a:p>
+            <a:pPr marL="0" indent="0">
+              <a:buNone/>
+            </a:pPr>
+            <a:endParaRPr lang="en-US" sz="2400" dirty="0">
+              <a:latin typeface="Calibri" charset="0"/>
+              <a:ea typeface="Calibri" charset="0"/>
+              <a:cs typeface="Calibri" charset="0"/>
+            </a:endParaRPr>
+          </a:p>
+        </p:txBody>
+      </p:sp>
+      <p:sp>
+        <p:nvSpPr>
+          <p:cNvPr id="4" name="Footer Placeholder 3"/>
+          <p:cNvSpPr>
+            <a:spLocks noGrp="1"/>
+          </p:cNvSpPr>
+          <p:nvPr>
+            <p:ph type="ftr" sz="quarter" idx="11"/>
+          </p:nvPr>
+        </p:nvSpPr>
+        <p:spPr>
+          <a:xfrm>
+            <a:off x="3124200" y="4786312"/>
+            <a:ext cx="2895600" cy="357188"/>
+          </a:xfrm>
+        </p:spPr>
+        <p:txBody>
+          <a:bodyPr/>
+          <a:lstStyle/>
+          <a:p>
+            <a:r>
+              <a:rPr lang="en-CA" dirty="0"/>
+              <a:t>110</a:t>
+            </a:r>
+            <a:r>
+              <a:rPr lang="en-CA" baseline="30000" dirty="0"/>
+              <a:t>th</a:t>
+            </a:r>
+            <a:r>
+              <a:rPr lang="en-CA" dirty="0"/>
+              <a:t> IETF Online</a:t>
+            </a:r>
+          </a:p>
+        </p:txBody>
+      </p:sp>
+      <p:sp>
+        <p:nvSpPr>
+          <p:cNvPr id="5" name="Slide Number Placeholder 4"/>
+          <p:cNvSpPr>
+            <a:spLocks noGrp="1"/>
+          </p:cNvSpPr>
+          <p:nvPr>
+            <p:ph type="sldNum" sz="quarter" idx="12"/>
+          </p:nvPr>
+        </p:nvSpPr>
+        <p:spPr/>
+        <p:txBody>
+          <a:bodyPr/>
+          <a:lstStyle/>
+          <a:p>
+            <a:pPr>
+              <a:defRPr/>
+            </a:pPr>
+            <a:fld id="{BD6E0F59-1DD8-40FC-9C92-B6295CBA6CCA}" type="slidenum">
+              <a:rPr lang="en-US" altLang="zh-CN" smtClean="0"/>
+              <a:pPr>
+                <a:defRPr/>
+              </a:pPr>
+              <a:t>23</a:t>
+            </a:fld>
+            <a:endParaRPr lang="en-US" altLang="zh-CN"/>
+          </a:p>
+        </p:txBody>
+      </p:sp>
+    </p:spTree>
+    <p:extLst>
+      <p:ext uri="{BB962C8B-B14F-4D97-AF65-F5344CB8AC3E}">
+        <p14:creationId xmlns:p14="http://schemas.microsoft.com/office/powerpoint/2010/main" val="1080376442"/>
+      </p:ext>
+    </p:extLst>
+  </p:cSld>
+  <p:clrMapOvr>
+    <a:masterClrMapping/>
+  </p:clrMapOvr>
+</p:sld>
+</file>
+
+<file path=ppt/slides/slide24.xml><?xml version="1.0" encoding="utf-8"?>
+<p:sld xmlns:a="http://schemas.openxmlformats.org/drawingml/2006/main" xmlns:r="http://schemas.openxmlformats.org/officeDocument/2006/relationships" xmlns:p="http://schemas.openxmlformats.org/presentationml/2006/main">
+  <p:cSld>
+    <p:spTree>
+      <p:nvGrpSpPr>
+        <p:cNvPr id="1" name=""/>
+        <p:cNvGrpSpPr/>
+        <p:nvPr/>
+      </p:nvGrpSpPr>
+      <p:grpSpPr>
+        <a:xfrm>
+          <a:off x="0" y="0"/>
+          <a:ext cx="0" cy="0"/>
+          <a:chOff x="0" y="0"/>
+          <a:chExt cx="0" cy="0"/>
+        </a:xfrm>
+      </p:grpSpPr>
+      <p:sp>
+        <p:nvSpPr>
           <p:cNvPr id="4" name="Footer Placeholder 3"/>
           <p:cNvSpPr>
             <a:spLocks noGrp="1"/>
@@ -12094,7 +12366,7 @@
               <a:pPr>
                 <a:defRPr/>
               </a:pPr>
-              <a:t>23</a:t>
+              <a:t>24</a:t>
             </a:fld>
             <a:endParaRPr lang="en-US" altLang="zh-CN"/>
           </a:p>
@@ -12113,7 +12385,7 @@
 </p:sld>
 </file>
 
-<file path=ppt/slides/slide24.xml><?xml version="1.0" encoding="utf-8"?>
+<file path=ppt/slides/slide25.xml><?xml version="1.0" encoding="utf-8"?>
 <p:sld xmlns:a="http://schemas.openxmlformats.org/drawingml/2006/main" xmlns:r="http://schemas.openxmlformats.org/officeDocument/2006/relationships" xmlns:p="http://schemas.openxmlformats.org/presentationml/2006/main">
   <p:cSld>
     <p:spTree>
@@ -12377,7 +12649,7 @@
               <a:pPr>
                 <a:defRPr/>
               </a:pPr>
-              <a:t>24</a:t>
+              <a:t>25</a:t>
             </a:fld>
             <a:endParaRPr lang="en-US" altLang="zh-CN"/>
           </a:p>
@@ -12387,493 +12659,6 @@
     <p:extLst>
       <p:ext uri="{BB962C8B-B14F-4D97-AF65-F5344CB8AC3E}">
         <p14:creationId xmlns:p14="http://schemas.microsoft.com/office/powerpoint/2010/main" val="3805780229"/>
-      </p:ext>
-    </p:extLst>
-  </p:cSld>
-  <p:clrMapOvr>
-    <a:masterClrMapping/>
-  </p:clrMapOvr>
-</p:sld>
-</file>
-
-<file path=ppt/slides/slide25.xml><?xml version="1.0" encoding="utf-8"?>
-<p:sld xmlns:a="http://schemas.openxmlformats.org/drawingml/2006/main" xmlns:r="http://schemas.openxmlformats.org/officeDocument/2006/relationships" xmlns:p="http://schemas.openxmlformats.org/presentationml/2006/main">
-  <p:cSld>
-    <p:spTree>
-      <p:nvGrpSpPr>
-        <p:cNvPr id="1" name=""/>
-        <p:cNvGrpSpPr/>
-        <p:nvPr/>
-      </p:nvGrpSpPr>
-      <p:grpSpPr>
-        <a:xfrm>
-          <a:off x="0" y="0"/>
-          <a:ext cx="0" cy="0"/>
-          <a:chOff x="0" y="0"/>
-          <a:chExt cx="0" cy="0"/>
-        </a:xfrm>
-      </p:grpSpPr>
-      <p:sp>
-        <p:nvSpPr>
-          <p:cNvPr id="2" name="Title 1">
-            <a:extLst>
-              <a:ext uri="{FF2B5EF4-FFF2-40B4-BE49-F238E27FC236}">
-                <a16:creationId xmlns:a16="http://schemas.microsoft.com/office/drawing/2014/main" id="{590D0125-5A9E-9D48-9391-85FBD0E608A2}"/>
-              </a:ext>
-            </a:extLst>
-          </p:cNvPr>
-          <p:cNvSpPr>
-            <a:spLocks noGrp="1"/>
-          </p:cNvSpPr>
-          <p:nvPr>
-            <p:ph type="title"/>
-          </p:nvPr>
-        </p:nvSpPr>
-        <p:spPr>
-          <a:xfrm>
-            <a:off x="0" y="9427"/>
-            <a:ext cx="9144000" cy="599270"/>
-          </a:xfrm>
-        </p:spPr>
-        <p:txBody>
-          <a:bodyPr/>
-          <a:lstStyle/>
-          <a:p>
-            <a:r>
-              <a:rPr lang="en-CA" sz="2800" dirty="0">
-                <a:solidFill>
-                  <a:srgbClr val="0070C0"/>
-                </a:solidFill>
-                <a:latin typeface="Calibri Light" panose="020F0302020204030204" pitchFamily="34" charset="0"/>
-                <a:cs typeface="Calibri Light" panose="020F0302020204030204" pitchFamily="34" charset="0"/>
-              </a:rPr>
-              <a:t>Example 1 - SR-MPLS Encapsulation with IOAM Data Fields</a:t>
-            </a:r>
-            <a:endParaRPr lang="en-US" sz="2800" dirty="0">
-              <a:solidFill>
-                <a:srgbClr val="0070C0"/>
-              </a:solidFill>
-              <a:latin typeface="Calibri Light" panose="020F0302020204030204" pitchFamily="34" charset="0"/>
-              <a:cs typeface="Calibri Light" panose="020F0302020204030204" pitchFamily="34" charset="0"/>
-            </a:endParaRPr>
-          </a:p>
-        </p:txBody>
-      </p:sp>
-      <p:sp>
-        <p:nvSpPr>
-          <p:cNvPr id="4" name="Footer Placeholder 3">
-            <a:extLst>
-              <a:ext uri="{FF2B5EF4-FFF2-40B4-BE49-F238E27FC236}">
-                <a16:creationId xmlns:a16="http://schemas.microsoft.com/office/drawing/2014/main" id="{87713FCD-3B47-804D-B373-DAB61FB5FF59}"/>
-              </a:ext>
-            </a:extLst>
-          </p:cNvPr>
-          <p:cNvSpPr>
-            <a:spLocks noGrp="1"/>
-          </p:cNvSpPr>
-          <p:nvPr>
-            <p:ph type="ftr" sz="quarter" idx="11"/>
-          </p:nvPr>
-        </p:nvSpPr>
-        <p:spPr>
-          <a:xfrm>
-            <a:off x="3124200" y="4786312"/>
-            <a:ext cx="2895600" cy="357188"/>
-          </a:xfrm>
-        </p:spPr>
-        <p:txBody>
-          <a:bodyPr/>
-          <a:lstStyle/>
-          <a:p>
-            <a:r>
-              <a:rPr lang="en-CA" dirty="0"/>
-              <a:t>110</a:t>
-            </a:r>
-            <a:r>
-              <a:rPr lang="en-CA" baseline="30000" dirty="0"/>
-              <a:t>th</a:t>
-            </a:r>
-            <a:r>
-              <a:rPr lang="en-CA" dirty="0"/>
-              <a:t> IETF Online</a:t>
-            </a:r>
-          </a:p>
-        </p:txBody>
-      </p:sp>
-      <p:sp>
-        <p:nvSpPr>
-          <p:cNvPr id="5" name="Slide Number Placeholder 4">
-            <a:extLst>
-              <a:ext uri="{FF2B5EF4-FFF2-40B4-BE49-F238E27FC236}">
-                <a16:creationId xmlns:a16="http://schemas.microsoft.com/office/drawing/2014/main" id="{1371408B-9195-EC4D-8131-A3F5CC0592D0}"/>
-              </a:ext>
-            </a:extLst>
-          </p:cNvPr>
-          <p:cNvSpPr>
-            <a:spLocks noGrp="1"/>
-          </p:cNvSpPr>
-          <p:nvPr>
-            <p:ph type="sldNum" sz="quarter" idx="12"/>
-          </p:nvPr>
-        </p:nvSpPr>
-        <p:spPr/>
-        <p:txBody>
-          <a:bodyPr/>
-          <a:lstStyle/>
-          <a:p>
-            <a:pPr>
-              <a:defRPr/>
-            </a:pPr>
-            <a:fld id="{BD6E0F59-1DD8-40FC-9C92-B6295CBA6CCA}" type="slidenum">
-              <a:rPr lang="en-US" altLang="zh-CN" smtClean="0"/>
-              <a:pPr>
-                <a:defRPr/>
-              </a:pPr>
-              <a:t>25</a:t>
-            </a:fld>
-            <a:endParaRPr lang="en-US" altLang="zh-CN" dirty="0"/>
-          </a:p>
-        </p:txBody>
-      </p:sp>
-      <p:sp>
-        <p:nvSpPr>
-          <p:cNvPr id="6" name="Rectangle 5">
-            <a:extLst>
-              <a:ext uri="{FF2B5EF4-FFF2-40B4-BE49-F238E27FC236}">
-                <a16:creationId xmlns:a16="http://schemas.microsoft.com/office/drawing/2014/main" id="{1EED4007-3A19-0E4E-8496-6CECEEA363EB}"/>
-              </a:ext>
-            </a:extLst>
-          </p:cNvPr>
-          <p:cNvSpPr/>
-          <p:nvPr/>
-        </p:nvSpPr>
-        <p:spPr>
-          <a:xfrm>
-            <a:off x="2305050" y="641003"/>
-            <a:ext cx="4533900" cy="4278094"/>
-          </a:xfrm>
-          <a:prstGeom prst="rect">
-            <a:avLst/>
-          </a:prstGeom>
-          <a:solidFill>
-            <a:schemeClr val="accent6">
-              <a:lumMod val="20000"/>
-              <a:lumOff val="80000"/>
-            </a:schemeClr>
-          </a:solidFill>
-        </p:spPr>
-        <p:txBody>
-          <a:bodyPr wrap="square">
-            <a:spAutoFit/>
-          </a:bodyPr>
-          <a:lstStyle/>
-          <a:p>
-            <a:r>
-              <a:rPr lang="en-CA" sz="800" dirty="0">
-                <a:latin typeface="Courier" pitchFamily="2" charset="0"/>
-              </a:rPr>
-              <a:t>    0 1 2 3 4 5 6 7 8 9 0 1 2 3 4 5 6 7 8 9 0 1 2 3 4 5 6 7 8 9 0 1</a:t>
-            </a:r>
-          </a:p>
-          <a:p>
-            <a:r>
-              <a:rPr lang="en-CA" sz="800" dirty="0">
-                <a:latin typeface="Courier" pitchFamily="2" charset="0"/>
-              </a:rPr>
-              <a:t>   +-+-+-+-+-+-+-+-+-+-+-+-+-+-+-+-+-+-+-+-+-+-+-+-+-+-+-+-+-+-+-+-+</a:t>
-            </a:r>
-          </a:p>
-          <a:p>
-            <a:r>
-              <a:rPr lang="en-CA" sz="800" dirty="0">
-                <a:latin typeface="Courier" pitchFamily="2" charset="0"/>
-              </a:rPr>
-              <a:t>   |                Label(1)               | TC  |S|      TTL      |</a:t>
-            </a:r>
-          </a:p>
-          <a:p>
-            <a:r>
-              <a:rPr lang="en-CA" sz="800" dirty="0">
-                <a:latin typeface="Courier" pitchFamily="2" charset="0"/>
-              </a:rPr>
-              <a:t>   +-+-+-+-+-+-+-+-+-+-+-+-+-+-+-+-+-+-+-+-+-+-+-+-+-+-+-+-+-+-+-+-+</a:t>
-            </a:r>
-          </a:p>
-          <a:p>
-            <a:r>
-              <a:rPr lang="en-CA" sz="800" dirty="0">
-                <a:latin typeface="Courier" pitchFamily="2" charset="0"/>
-              </a:rPr>
-              <a:t>   .                                                               .</a:t>
-            </a:r>
-          </a:p>
-          <a:p>
-            <a:r>
-              <a:rPr lang="en-CA" sz="800" dirty="0">
-                <a:latin typeface="Courier" pitchFamily="2" charset="0"/>
-              </a:rPr>
-              <a:t>   .                                                               .</a:t>
-            </a:r>
-          </a:p>
-          <a:p>
-            <a:r>
-              <a:rPr lang="en-CA" sz="800" dirty="0">
-                <a:latin typeface="Courier" pitchFamily="2" charset="0"/>
-              </a:rPr>
-              <a:t>   .                                                               .</a:t>
-            </a:r>
-          </a:p>
-          <a:p>
-            <a:r>
-              <a:rPr lang="en-CA" sz="800" dirty="0">
-                <a:latin typeface="Courier" pitchFamily="2" charset="0"/>
-              </a:rPr>
-              <a:t>   +-+-+-+-+-+-+-+-+-+-+-+-+-+-+-+-+-+-+-+-+-+-+-+-+-+-+-+-+-+-+-+-+</a:t>
-            </a:r>
-          </a:p>
-          <a:p>
-            <a:r>
-              <a:rPr lang="en-CA" sz="800" dirty="0">
-                <a:latin typeface="Courier" pitchFamily="2" charset="0"/>
-              </a:rPr>
-              <a:t>   |                Label(n)               | TC  |S|      TTL      |</a:t>
-            </a:r>
-          </a:p>
-          <a:p>
-            <a:r>
-              <a:rPr lang="en-CA" sz="800" dirty="0">
-                <a:latin typeface="Courier" pitchFamily="2" charset="0"/>
-              </a:rPr>
-              <a:t>   +-+-+-+-+-+-+-+-+-+-+-+-+-+-+-+-+-+-+-+-+-+-+-+-+-+-+-+-+-+-+-+-+</a:t>
-            </a:r>
-          </a:p>
-          <a:p>
-            <a:r>
-              <a:rPr lang="en-CA" sz="800" b="1" dirty="0">
-                <a:latin typeface="Courier" pitchFamily="2" charset="0"/>
-              </a:rPr>
-              <a:t>   |                PSID                   | TC  |S|      TTL      | </a:t>
-            </a:r>
-          </a:p>
-          <a:p>
-            <a:r>
-              <a:rPr lang="en-CA" sz="800" dirty="0">
-                <a:latin typeface="Courier" pitchFamily="2" charset="0"/>
-              </a:rPr>
-              <a:t>   +-+-+-+-+-+-+-+-+-+-+-+-+-+-+-+-+-+-+-+-+-+-+-+-+-+-+-+-+-+-+-+-+</a:t>
-            </a:r>
-          </a:p>
-          <a:p>
-            <a:r>
-              <a:rPr lang="en-CA" sz="800" b="1" dirty="0">
-                <a:latin typeface="Courier" pitchFamily="2" charset="0"/>
-              </a:rPr>
-              <a:t>   | Extension Label (15)                  | TC  |S|      TTL      | </a:t>
-            </a:r>
-          </a:p>
-          <a:p>
-            <a:r>
-              <a:rPr lang="en-CA" sz="800" dirty="0">
-                <a:latin typeface="Courier" pitchFamily="2" charset="0"/>
-              </a:rPr>
-              <a:t>   +-+-+-+-+-+-+-+-+-+-+-+-+-+-+-+-+-+-+-+-+-+-+-+-+-+-+-+-+-+-+-+-+</a:t>
-            </a:r>
-          </a:p>
-          <a:p>
-            <a:r>
-              <a:rPr lang="en-CA" sz="800" dirty="0">
-                <a:latin typeface="Courier" pitchFamily="2" charset="0"/>
-              </a:rPr>
-              <a:t>   | </a:t>
-            </a:r>
-            <a:r>
-              <a:rPr lang="en-CA" sz="800" b="1" dirty="0">
-                <a:latin typeface="Courier" pitchFamily="2" charset="0"/>
-              </a:rPr>
-              <a:t>E2E IOAM Indicator Label TBA1         </a:t>
-            </a:r>
-            <a:r>
-              <a:rPr lang="en-CA" sz="800" dirty="0">
-                <a:latin typeface="Courier" pitchFamily="2" charset="0"/>
-              </a:rPr>
-              <a:t>| TC  |1|      TTL      |</a:t>
-            </a:r>
-          </a:p>
-          <a:p>
-            <a:r>
-              <a:rPr lang="en-CA" sz="800" dirty="0">
-                <a:latin typeface="Courier" pitchFamily="2" charset="0"/>
-              </a:rPr>
-              <a:t>   +-+-+-+-+-+-+-+-+-+-+-+-+-+-+-+-+-+-+-+-+-+-+-+-+-+-+-+-+-+-+-+-+&lt;-+ </a:t>
-            </a:r>
-          </a:p>
-          <a:p>
-            <a:r>
-              <a:rPr lang="en-CA" sz="800" dirty="0">
-                <a:latin typeface="Courier" pitchFamily="2" charset="0"/>
-              </a:rPr>
-              <a:t>   |0 0 0 1|Version| Reserved      | IOAM G-</a:t>
-            </a:r>
-            <a:r>
-              <a:rPr lang="en-CA" sz="800" dirty="0" err="1">
-                <a:latin typeface="Courier" pitchFamily="2" charset="0"/>
-              </a:rPr>
-              <a:t>ACh</a:t>
-            </a:r>
-            <a:r>
-              <a:rPr lang="en-CA" sz="800" dirty="0">
-                <a:latin typeface="Courier" pitchFamily="2" charset="0"/>
-              </a:rPr>
-              <a:t> (Type TBA3)        |  | </a:t>
-            </a:r>
-          </a:p>
-          <a:p>
-            <a:r>
-              <a:rPr lang="en-CA" sz="800" dirty="0">
-                <a:latin typeface="Courier" pitchFamily="2" charset="0"/>
-              </a:rPr>
-              <a:t>   +-+-+-+-+-+-+-+-+-+-+-+-+-+-+-+-+-+-+-+-+-+-+-+-+-+-+-+-+-+-+-+-+  | </a:t>
-            </a:r>
-          </a:p>
-          <a:p>
-            <a:r>
-              <a:rPr lang="en-CA" sz="800" dirty="0">
-                <a:latin typeface="Courier" pitchFamily="2" charset="0"/>
-              </a:rPr>
-              <a:t>   | Reserved      | Block Number  | IOAM-OPT-Type |IOAM HDR Length|  |</a:t>
-            </a:r>
-          </a:p>
-          <a:p>
-            <a:r>
-              <a:rPr lang="en-CA" sz="800" dirty="0">
-                <a:latin typeface="Courier" pitchFamily="2" charset="0"/>
-              </a:rPr>
-              <a:t>   +-+-+-+-+-+-+-+-+-+-+-+-+-+-+-+-+-+-+-+-+-+-+-+-+-+-+-+-+-+-+-+-+  I</a:t>
-            </a:r>
-          </a:p>
-          <a:p>
-            <a:r>
-              <a:rPr lang="en-CA" sz="800" dirty="0">
-                <a:latin typeface="Courier" pitchFamily="2" charset="0"/>
-              </a:rPr>
-              <a:t>   |                                                               |  O</a:t>
-            </a:r>
-          </a:p>
-          <a:p>
-            <a:r>
-              <a:rPr lang="en-CA" sz="800" dirty="0">
-                <a:latin typeface="Courier" pitchFamily="2" charset="0"/>
-              </a:rPr>
-              <a:t>   |                                                               |  A</a:t>
-            </a:r>
-          </a:p>
-          <a:p>
-            <a:r>
-              <a:rPr lang="en-CA" sz="800" dirty="0">
-                <a:latin typeface="Courier" pitchFamily="2" charset="0"/>
-              </a:rPr>
-              <a:t>   ~                 IOAM Option and Data Space                    ~  M</a:t>
-            </a:r>
-          </a:p>
-          <a:p>
-            <a:r>
-              <a:rPr lang="en-CA" sz="800" dirty="0">
-                <a:latin typeface="Courier" pitchFamily="2" charset="0"/>
-              </a:rPr>
-              <a:t>   |                                                               |  |</a:t>
-            </a:r>
-          </a:p>
-          <a:p>
-            <a:r>
-              <a:rPr lang="en-CA" sz="800" dirty="0">
-                <a:latin typeface="Courier" pitchFamily="2" charset="0"/>
-              </a:rPr>
-              <a:t>   |                                                               |  |</a:t>
-            </a:r>
-          </a:p>
-          <a:p>
-            <a:r>
-              <a:rPr lang="en-CA" sz="800" dirty="0">
-                <a:latin typeface="Courier" pitchFamily="2" charset="0"/>
-              </a:rPr>
-              <a:t>   +-+-+-+-+-+-+-+-+-+-+-+-+-+-+-+-+-+-+-+-+-+-+-+-+-+-+-+-+-+-+-+-+&lt;-+</a:t>
-            </a:r>
-          </a:p>
-          <a:p>
-            <a:r>
-              <a:rPr lang="en-CA" sz="800" dirty="0">
-                <a:latin typeface="Courier" pitchFamily="2" charset="0"/>
-              </a:rPr>
-              <a:t>   |                                                               |</a:t>
-            </a:r>
-          </a:p>
-          <a:p>
-            <a:r>
-              <a:rPr lang="en-CA" sz="800" dirty="0">
-                <a:latin typeface="Courier" pitchFamily="2" charset="0"/>
-              </a:rPr>
-              <a:t>   |                                                               |</a:t>
-            </a:r>
-          </a:p>
-          <a:p>
-            <a:r>
-              <a:rPr lang="en-CA" sz="800" dirty="0">
-                <a:latin typeface="Courier" pitchFamily="2" charset="0"/>
-              </a:rPr>
-              <a:t>   ~                 Payload + Padding                             ~</a:t>
-            </a:r>
-          </a:p>
-          <a:p>
-            <a:r>
-              <a:rPr lang="en-CA" sz="800" dirty="0">
-                <a:latin typeface="Courier" pitchFamily="2" charset="0"/>
-              </a:rPr>
-              <a:t>   |                                                               |</a:t>
-            </a:r>
-          </a:p>
-          <a:p>
-            <a:r>
-              <a:rPr lang="en-CA" sz="800" dirty="0">
-                <a:latin typeface="Courier" pitchFamily="2" charset="0"/>
-              </a:rPr>
-              <a:t>   |                                                               |</a:t>
-            </a:r>
-          </a:p>
-          <a:p>
-            <a:r>
-              <a:rPr lang="en-CA" sz="800" dirty="0">
-                <a:latin typeface="Courier" pitchFamily="2" charset="0"/>
-              </a:rPr>
-              <a:t>   +-+-+-+-+-+-+-+-+-+-+-+-+-+-+-+-+-+-+-+-+-+-+-+-+-+-+-+-+-+-+-+-+ </a:t>
-            </a:r>
-          </a:p>
-          <a:p>
-            <a:r>
-              <a:rPr lang="en-CA" sz="800" dirty="0">
-                <a:latin typeface="Courier" pitchFamily="2" charset="0"/>
-              </a:rPr>
-              <a:t>             </a:t>
-            </a:r>
-          </a:p>
-          <a:p>
-            <a:r>
-              <a:rPr lang="en-CA" sz="800" dirty="0">
-                <a:latin typeface="Courier" pitchFamily="2" charset="0"/>
-              </a:rPr>
-              <a:t>      Figure: Example SR-MPLS Encapsulation with IOAM Data Fields</a:t>
-            </a:r>
-            <a:endParaRPr lang="en-CA" sz="800" dirty="0">
-              <a:latin typeface="Courier" pitchFamily="2" charset="0"/>
-              <a:ea typeface="Calibri" panose="020F0502020204030204" pitchFamily="34" charset="0"/>
-              <a:cs typeface="Times New Roman" panose="02020603050405020304" pitchFamily="18" charset="0"/>
-            </a:endParaRPr>
-          </a:p>
-        </p:txBody>
-      </p:sp>
-    </p:spTree>
-    <p:extLst>
-      <p:ext uri="{BB962C8B-B14F-4D97-AF65-F5344CB8AC3E}">
-        <p14:creationId xmlns:p14="http://schemas.microsoft.com/office/powerpoint/2010/main" val="2339215023"/>
       </p:ext>
     </p:extLst>
   </p:cSld>
@@ -12905,7 +12690,7 @@
           <p:cNvPr id="2" name="Title 1">
             <a:extLst>
               <a:ext uri="{FF2B5EF4-FFF2-40B4-BE49-F238E27FC236}">
-                <a16:creationId xmlns:a16="http://schemas.microsoft.com/office/drawing/2014/main" id="{16C5255E-BE42-5348-AC0F-6257873BBB61}"/>
+                <a16:creationId xmlns:a16="http://schemas.microsoft.com/office/drawing/2014/main" id="{590D0125-5A9E-9D48-9391-85FBD0E608A2}"/>
               </a:ext>
             </a:extLst>
           </p:cNvPr>
@@ -12918,8 +12703,8 @@
         </p:nvSpPr>
         <p:spPr>
           <a:xfrm>
-            <a:off x="0" y="17653"/>
-            <a:ext cx="9124208" cy="717589"/>
+            <a:off x="0" y="9427"/>
+            <a:ext cx="9144000" cy="599270"/>
           </a:xfrm>
         </p:spPr>
         <p:txBody>
@@ -12927,35 +12712,22 @@
           <a:lstStyle/>
           <a:p>
             <a:r>
-              <a:rPr lang="en-US" sz="2400" dirty="0">
+              <a:rPr lang="en-CA" sz="2800" dirty="0">
                 <a:solidFill>
                   <a:srgbClr val="0070C0"/>
                 </a:solidFill>
                 <a:latin typeface="Calibri Light" panose="020F0302020204030204" pitchFamily="34" charset="0"/>
                 <a:cs typeface="Calibri Light" panose="020F0302020204030204" pitchFamily="34" charset="0"/>
               </a:rPr>
-              <a:t>Example 2 - Generic Delivery Function </a:t>
-            </a:r>
-            <a:r>
-              <a:rPr lang="en-US" sz="2400" dirty="0" err="1">
-                <a:solidFill>
-                  <a:srgbClr val="0070C0"/>
-                </a:solidFill>
-                <a:latin typeface="Calibri Light" panose="020F0302020204030204" pitchFamily="34" charset="0"/>
-                <a:cs typeface="Calibri Light" panose="020F0302020204030204" pitchFamily="34" charset="0"/>
-              </a:rPr>
-              <a:t>Encap</a:t>
-            </a:r>
-            <a:r>
-              <a:rPr lang="en-US" sz="2400" dirty="0">
-                <a:solidFill>
-                  <a:srgbClr val="0070C0"/>
-                </a:solidFill>
-                <a:latin typeface="Calibri Light" panose="020F0302020204030204" pitchFamily="34" charset="0"/>
-                <a:cs typeface="Calibri Light" panose="020F0302020204030204" pitchFamily="34" charset="0"/>
-              </a:rPr>
-              <a:t> with IOAM Data Fields</a:t>
-            </a:r>
+              <a:t>Example 1 - SR-MPLS Encapsulation with IOAM Data Fields</a:t>
+            </a:r>
+            <a:endParaRPr lang="en-US" sz="2800" dirty="0">
+              <a:solidFill>
+                <a:srgbClr val="0070C0"/>
+              </a:solidFill>
+              <a:latin typeface="Calibri Light" panose="020F0302020204030204" pitchFamily="34" charset="0"/>
+              <a:cs typeface="Calibri Light" panose="020F0302020204030204" pitchFamily="34" charset="0"/>
+            </a:endParaRPr>
           </a:p>
         </p:txBody>
       </p:sp>
@@ -12964,7 +12736,7 @@
           <p:cNvPr id="4" name="Footer Placeholder 3">
             <a:extLst>
               <a:ext uri="{FF2B5EF4-FFF2-40B4-BE49-F238E27FC236}">
-                <a16:creationId xmlns:a16="http://schemas.microsoft.com/office/drawing/2014/main" id="{CF70CC82-C055-3645-9254-87CEC1C49032}"/>
+                <a16:creationId xmlns:a16="http://schemas.microsoft.com/office/drawing/2014/main" id="{87713FCD-3B47-804D-B373-DAB61FB5FF59}"/>
               </a:ext>
             </a:extLst>
           </p:cNvPr>
@@ -12985,19 +12757,16 @@
           <a:bodyPr/>
           <a:lstStyle/>
           <a:p>
-            <a:pPr>
-              <a:defRPr/>
-            </a:pPr>
-            <a:r>
-              <a:rPr lang="en-US" altLang="zh-CN" dirty="0"/>
+            <a:r>
+              <a:rPr lang="en-CA" dirty="0"/>
               <a:t>110</a:t>
             </a:r>
             <a:r>
-              <a:rPr lang="en-US" altLang="zh-CN" baseline="30000" dirty="0"/>
+              <a:rPr lang="en-CA" baseline="30000" dirty="0"/>
               <a:t>th</a:t>
             </a:r>
             <a:r>
-              <a:rPr lang="en-US" altLang="zh-CN" dirty="0"/>
+              <a:rPr lang="en-CA" dirty="0"/>
               <a:t> IETF Online</a:t>
             </a:r>
           </a:p>
@@ -13008,7 +12777,7 @@
           <p:cNvPr id="5" name="Slide Number Placeholder 4">
             <a:extLst>
               <a:ext uri="{FF2B5EF4-FFF2-40B4-BE49-F238E27FC236}">
-                <a16:creationId xmlns:a16="http://schemas.microsoft.com/office/drawing/2014/main" id="{62DF7D69-BCF6-2D4A-A3F1-2D32C59355D3}"/>
+                <a16:creationId xmlns:a16="http://schemas.microsoft.com/office/drawing/2014/main" id="{1371408B-9195-EC4D-8131-A3F5CC0592D0}"/>
               </a:ext>
             </a:extLst>
           </p:cNvPr>
@@ -13043,7 +12812,7 @@
           <p:cNvPr id="6" name="Rectangle 5">
             <a:extLst>
               <a:ext uri="{FF2B5EF4-FFF2-40B4-BE49-F238E27FC236}">
-                <a16:creationId xmlns:a16="http://schemas.microsoft.com/office/drawing/2014/main" id="{E614F343-6DC2-A943-8496-BE1E2B6072CE}"/>
+                <a16:creationId xmlns:a16="http://schemas.microsoft.com/office/drawing/2014/main" id="{1EED4007-3A19-0E4E-8496-6CECEEA363EB}"/>
               </a:ext>
             </a:extLst>
           </p:cNvPr>
@@ -13052,8 +12821,8 @@
         </p:nvSpPr>
         <p:spPr>
           <a:xfrm>
-            <a:off x="2438400" y="713601"/>
-            <a:ext cx="5791200" cy="3970318"/>
+            <a:off x="2305050" y="641003"/>
+            <a:ext cx="4533900" cy="4278094"/>
           </a:xfrm>
           <a:prstGeom prst="rect">
             <a:avLst/>
@@ -13072,23 +12841,15 @@
           <a:lstStyle/>
           <a:p>
             <a:r>
-              <a:rPr lang="en-CA" sz="900" dirty="0">
-                <a:latin typeface="Courier" pitchFamily="2" charset="0"/>
-              </a:rPr>
-              <a:t>   0                   1                   2                   3</a:t>
-            </a:r>
-          </a:p>
-          <a:p>
-            <a:r>
-              <a:rPr lang="en-CA" sz="900" dirty="0">
-                <a:latin typeface="Courier" pitchFamily="2" charset="0"/>
-              </a:rPr>
-              <a:t>   0 1 2 3 4 5 6 7 8 9 0 1 2 3 4 5 6 7 8 9 0 1 2 3 4 5 6 7 8 9 0 1</a:t>
-            </a:r>
-          </a:p>
-          <a:p>
-            <a:r>
-              <a:rPr lang="en-CA" sz="900" dirty="0">
+              <a:rPr lang="en-CA" sz="800" dirty="0">
+                <a:latin typeface="Courier" pitchFamily="2" charset="0"/>
+              </a:rPr>
+              <a:t>    0 1 2 3 4 5 6 7 8 9 0 1 2 3 4 5 6 7 8 9 0 1 2 3 4 5 6 7 8 9 0 1</a:t>
+            </a:r>
+          </a:p>
+          <a:p>
+            <a:r>
+              <a:rPr lang="en-CA" sz="800" dirty="0">
                 <a:latin typeface="Courier" pitchFamily="2" charset="0"/>
               </a:rPr>
               <a:t>   +-+-+-+-+-+-+-+-+-+-+-+-+-+-+-+-+-+-+-+-+-+-+-+-+-+-+-+-+-+-+-+-+</a:t>
@@ -13096,15 +12857,215 @@
           </a:p>
           <a:p>
             <a:r>
-              <a:rPr lang="en-CA" sz="900" dirty="0">
-                <a:latin typeface="Courier" pitchFamily="2" charset="0"/>
-              </a:rPr>
-              <a:t>   | IOAM Indicator Label                  | TC  |1|  TTL          |</a:t>
-            </a:r>
-          </a:p>
-          <a:p>
-            <a:r>
-              <a:rPr lang="en-CA" sz="900" dirty="0">
+              <a:rPr lang="en-CA" sz="800" dirty="0">
+                <a:latin typeface="Courier" pitchFamily="2" charset="0"/>
+              </a:rPr>
+              <a:t>   |                Label(1)               | TC  |S|      TTL      |</a:t>
+            </a:r>
+          </a:p>
+          <a:p>
+            <a:r>
+              <a:rPr lang="en-CA" sz="800" dirty="0">
+                <a:latin typeface="Courier" pitchFamily="2" charset="0"/>
+              </a:rPr>
+              <a:t>   +-+-+-+-+-+-+-+-+-+-+-+-+-+-+-+-+-+-+-+-+-+-+-+-+-+-+-+-+-+-+-+-+</a:t>
+            </a:r>
+          </a:p>
+          <a:p>
+            <a:r>
+              <a:rPr lang="en-CA" sz="800" dirty="0">
+                <a:latin typeface="Courier" pitchFamily="2" charset="0"/>
+              </a:rPr>
+              <a:t>   .                                                               .</a:t>
+            </a:r>
+          </a:p>
+          <a:p>
+            <a:r>
+              <a:rPr lang="en-CA" sz="800" dirty="0">
+                <a:latin typeface="Courier" pitchFamily="2" charset="0"/>
+              </a:rPr>
+              <a:t>   .                                                               .</a:t>
+            </a:r>
+          </a:p>
+          <a:p>
+            <a:r>
+              <a:rPr lang="en-CA" sz="800" dirty="0">
+                <a:latin typeface="Courier" pitchFamily="2" charset="0"/>
+              </a:rPr>
+              <a:t>   .                                                               .</a:t>
+            </a:r>
+          </a:p>
+          <a:p>
+            <a:r>
+              <a:rPr lang="en-CA" sz="800" dirty="0">
+                <a:latin typeface="Courier" pitchFamily="2" charset="0"/>
+              </a:rPr>
+              <a:t>   +-+-+-+-+-+-+-+-+-+-+-+-+-+-+-+-+-+-+-+-+-+-+-+-+-+-+-+-+-+-+-+-+</a:t>
+            </a:r>
+          </a:p>
+          <a:p>
+            <a:r>
+              <a:rPr lang="en-CA" sz="800" dirty="0">
+                <a:latin typeface="Courier" pitchFamily="2" charset="0"/>
+              </a:rPr>
+              <a:t>   |                Label(n)               | TC  |S|      TTL      |</a:t>
+            </a:r>
+          </a:p>
+          <a:p>
+            <a:r>
+              <a:rPr lang="en-CA" sz="800" dirty="0">
+                <a:latin typeface="Courier" pitchFamily="2" charset="0"/>
+              </a:rPr>
+              <a:t>   +-+-+-+-+-+-+-+-+-+-+-+-+-+-+-+-+-+-+-+-+-+-+-+-+-+-+-+-+-+-+-+-+</a:t>
+            </a:r>
+          </a:p>
+          <a:p>
+            <a:r>
+              <a:rPr lang="en-CA" sz="800" b="1" dirty="0">
+                <a:latin typeface="Courier" pitchFamily="2" charset="0"/>
+              </a:rPr>
+              <a:t>   |                PSID                   | TC  |S|      TTL      | </a:t>
+            </a:r>
+          </a:p>
+          <a:p>
+            <a:r>
+              <a:rPr lang="en-CA" sz="800" dirty="0">
+                <a:latin typeface="Courier" pitchFamily="2" charset="0"/>
+              </a:rPr>
+              <a:t>   +-+-+-+-+-+-+-+-+-+-+-+-+-+-+-+-+-+-+-+-+-+-+-+-+-+-+-+-+-+-+-+-+</a:t>
+            </a:r>
+          </a:p>
+          <a:p>
+            <a:r>
+              <a:rPr lang="en-CA" sz="800" b="1" dirty="0">
+                <a:latin typeface="Courier" pitchFamily="2" charset="0"/>
+              </a:rPr>
+              <a:t>   | Extension Label (15)                  | TC  |S|      TTL      | </a:t>
+            </a:r>
+          </a:p>
+          <a:p>
+            <a:r>
+              <a:rPr lang="en-CA" sz="800" dirty="0">
+                <a:latin typeface="Courier" pitchFamily="2" charset="0"/>
+              </a:rPr>
+              <a:t>   +-+-+-+-+-+-+-+-+-+-+-+-+-+-+-+-+-+-+-+-+-+-+-+-+-+-+-+-+-+-+-+-+</a:t>
+            </a:r>
+          </a:p>
+          <a:p>
+            <a:r>
+              <a:rPr lang="en-CA" sz="800" dirty="0">
+                <a:latin typeface="Courier" pitchFamily="2" charset="0"/>
+              </a:rPr>
+              <a:t>   | </a:t>
+            </a:r>
+            <a:r>
+              <a:rPr lang="en-CA" sz="800" b="1" dirty="0">
+                <a:latin typeface="Courier" pitchFamily="2" charset="0"/>
+              </a:rPr>
+              <a:t>E2E IOAM Indicator Label TBA1         </a:t>
+            </a:r>
+            <a:r>
+              <a:rPr lang="en-CA" sz="800" dirty="0">
+                <a:latin typeface="Courier" pitchFamily="2" charset="0"/>
+              </a:rPr>
+              <a:t>| TC  |1|      TTL      |</a:t>
+            </a:r>
+          </a:p>
+          <a:p>
+            <a:r>
+              <a:rPr lang="en-CA" sz="800" dirty="0">
+                <a:latin typeface="Courier" pitchFamily="2" charset="0"/>
+              </a:rPr>
+              <a:t>   +-+-+-+-+-+-+-+-+-+-+-+-+-+-+-+-+-+-+-+-+-+-+-+-+-+-+-+-+-+-+-+-+&lt;-+ </a:t>
+            </a:r>
+          </a:p>
+          <a:p>
+            <a:r>
+              <a:rPr lang="en-CA" sz="800" dirty="0">
+                <a:latin typeface="Courier" pitchFamily="2" charset="0"/>
+              </a:rPr>
+              <a:t>   |0 0 0 1|Version| Reserved      | IOAM G-</a:t>
+            </a:r>
+            <a:r>
+              <a:rPr lang="en-CA" sz="800" dirty="0" err="1">
+                <a:latin typeface="Courier" pitchFamily="2" charset="0"/>
+              </a:rPr>
+              <a:t>ACh</a:t>
+            </a:r>
+            <a:r>
+              <a:rPr lang="en-CA" sz="800" dirty="0">
+                <a:latin typeface="Courier" pitchFamily="2" charset="0"/>
+              </a:rPr>
+              <a:t> (Type TBA3)        |  | </a:t>
+            </a:r>
+          </a:p>
+          <a:p>
+            <a:r>
+              <a:rPr lang="en-CA" sz="800" dirty="0">
+                <a:latin typeface="Courier" pitchFamily="2" charset="0"/>
+              </a:rPr>
+              <a:t>   +-+-+-+-+-+-+-+-+-+-+-+-+-+-+-+-+-+-+-+-+-+-+-+-+-+-+-+-+-+-+-+-+  | </a:t>
+            </a:r>
+          </a:p>
+          <a:p>
+            <a:r>
+              <a:rPr lang="en-CA" sz="800" dirty="0">
+                <a:latin typeface="Courier" pitchFamily="2" charset="0"/>
+              </a:rPr>
+              <a:t>   | Reserved      | Block Number  | IOAM-OPT-Type |IOAM HDR Length|  |</a:t>
+            </a:r>
+          </a:p>
+          <a:p>
+            <a:r>
+              <a:rPr lang="en-CA" sz="800" dirty="0">
+                <a:latin typeface="Courier" pitchFamily="2" charset="0"/>
+              </a:rPr>
+              <a:t>   +-+-+-+-+-+-+-+-+-+-+-+-+-+-+-+-+-+-+-+-+-+-+-+-+-+-+-+-+-+-+-+-+  I</a:t>
+            </a:r>
+          </a:p>
+          <a:p>
+            <a:r>
+              <a:rPr lang="en-CA" sz="800" dirty="0">
+                <a:latin typeface="Courier" pitchFamily="2" charset="0"/>
+              </a:rPr>
+              <a:t>   |                                                               |  O</a:t>
+            </a:r>
+          </a:p>
+          <a:p>
+            <a:r>
+              <a:rPr lang="en-CA" sz="800" dirty="0">
+                <a:latin typeface="Courier" pitchFamily="2" charset="0"/>
+              </a:rPr>
+              <a:t>   |                                                               |  A</a:t>
+            </a:r>
+          </a:p>
+          <a:p>
+            <a:r>
+              <a:rPr lang="en-CA" sz="800" dirty="0">
+                <a:latin typeface="Courier" pitchFamily="2" charset="0"/>
+              </a:rPr>
+              <a:t>   ~                 IOAM Option and Data Space                    ~  M</a:t>
+            </a:r>
+          </a:p>
+          <a:p>
+            <a:r>
+              <a:rPr lang="en-CA" sz="800" dirty="0">
+                <a:latin typeface="Courier" pitchFamily="2" charset="0"/>
+              </a:rPr>
+              <a:t>   |                                                               |  |</a:t>
+            </a:r>
+          </a:p>
+          <a:p>
+            <a:r>
+              <a:rPr lang="en-CA" sz="800" dirty="0">
+                <a:latin typeface="Courier" pitchFamily="2" charset="0"/>
+              </a:rPr>
+              <a:t>   |                                                               |  |</a:t>
+            </a:r>
+          </a:p>
+          <a:p>
+            <a:r>
+              <a:rPr lang="en-CA" sz="800" dirty="0">
                 <a:latin typeface="Courier" pitchFamily="2" charset="0"/>
               </a:rPr>
               <a:t>   +-+-+-+-+-+-+-+-+-+-+-+-+-+-+-+-+-+-+-+-+-+-+-+-+-+-+-+-+-+-+-+-+&lt;-+</a:t>
@@ -13112,193 +13073,7 @@
           </a:p>
           <a:p>
             <a:r>
-              <a:rPr lang="en-CA" sz="900" dirty="0">
-                <a:latin typeface="Courier" pitchFamily="2" charset="0"/>
-              </a:rPr>
-              <a:t>   |0 0 0 1|Version| Reserved      | IOAM G-</a:t>
-            </a:r>
-            <a:r>
-              <a:rPr lang="en-CA" sz="900" dirty="0" err="1">
-                <a:latin typeface="Courier" pitchFamily="2" charset="0"/>
-              </a:rPr>
-              <a:t>ACh</a:t>
-            </a:r>
-            <a:r>
-              <a:rPr lang="en-CA" sz="900" dirty="0">
-                <a:latin typeface="Courier" pitchFamily="2" charset="0"/>
-              </a:rPr>
-              <a:t>                    |  |</a:t>
-            </a:r>
-          </a:p>
-          <a:p>
-            <a:r>
-              <a:rPr lang="en-CA" sz="900" dirty="0">
-                <a:latin typeface="Courier" pitchFamily="2" charset="0"/>
-              </a:rPr>
-              <a:t>   +-+-+-+-+-+-+-+-+-+-+-+-+-+-+-+-+-+-+-+-+-+-+-+-+-+-+-+-+-+-+-+-+  |</a:t>
-            </a:r>
-          </a:p>
-          <a:p>
-            <a:r>
-              <a:rPr lang="en-CA" sz="900" dirty="0">
-                <a:latin typeface="Courier" pitchFamily="2" charset="0"/>
-              </a:rPr>
-              <a:t>   | Reserved      | Block Number  | IOAM-OPT-Type |</a:t>
-            </a:r>
-            <a:r>
-              <a:rPr lang="en-CA" sz="900" dirty="0">
-                <a:solidFill>
-                  <a:srgbClr val="0070C0"/>
-                </a:solidFill>
-                <a:latin typeface="Courier" pitchFamily="2" charset="0"/>
-              </a:rPr>
-              <a:t>IOAM HDR Length</a:t>
-            </a:r>
-            <a:r>
-              <a:rPr lang="en-CA" sz="900" dirty="0">
-                <a:latin typeface="Courier" pitchFamily="2" charset="0"/>
-              </a:rPr>
-              <a:t>|  |</a:t>
-            </a:r>
-          </a:p>
-          <a:p>
-            <a:r>
-              <a:rPr lang="en-CA" sz="900" dirty="0">
-                <a:latin typeface="Courier" pitchFamily="2" charset="0"/>
-              </a:rPr>
-              <a:t>   +-+-+-+-+-+-+-+-+-+-+-+-+-+-+-+-+-+-+-+-+-+-+-+-+-+-+-+-+-+-+-+-+  I</a:t>
-            </a:r>
-          </a:p>
-          <a:p>
-            <a:r>
-              <a:rPr lang="en-CA" sz="900" dirty="0">
-                <a:latin typeface="Courier" pitchFamily="2" charset="0"/>
-              </a:rPr>
-              <a:t>   |                                                               |  O</a:t>
-            </a:r>
-          </a:p>
-          <a:p>
-            <a:r>
-              <a:rPr lang="en-CA" sz="900" dirty="0">
-                <a:latin typeface="Courier" pitchFamily="2" charset="0"/>
-              </a:rPr>
-              <a:t>   |                                                               |  A</a:t>
-            </a:r>
-          </a:p>
-          <a:p>
-            <a:r>
-              <a:rPr lang="en-CA" sz="900" dirty="0">
-                <a:latin typeface="Courier" pitchFamily="2" charset="0"/>
-              </a:rPr>
-              <a:t>   ~                 IOAM Option and Data Space                    ~  M</a:t>
-            </a:r>
-          </a:p>
-          <a:p>
-            <a:r>
-              <a:rPr lang="en-CA" sz="900" dirty="0">
-                <a:latin typeface="Courier" pitchFamily="2" charset="0"/>
-              </a:rPr>
-              <a:t>   |                                                               |  |</a:t>
-            </a:r>
-          </a:p>
-          <a:p>
-            <a:r>
-              <a:rPr lang="en-CA" sz="900" dirty="0">
-                <a:latin typeface="Courier" pitchFamily="2" charset="0"/>
-              </a:rPr>
-              <a:t>   |                                                               |  |</a:t>
-            </a:r>
-          </a:p>
-          <a:p>
-            <a:r>
-              <a:rPr lang="en-CA" sz="900" dirty="0">
-                <a:latin typeface="Courier" pitchFamily="2" charset="0"/>
-              </a:rPr>
-              <a:t>   +-+-+-+-+-+-+-+-+-+-+-+-+-+-+-+-+-+-+-+-+-+-+-+-+-+-+-+-+-+-+-+-+&lt;-+</a:t>
-            </a:r>
-          </a:p>
-          <a:p>
-            <a:r>
-              <a:rPr lang="en-CA" sz="900" dirty="0">
-                <a:solidFill>
-                  <a:srgbClr val="0070C0"/>
-                </a:solidFill>
-                <a:latin typeface="Courier" pitchFamily="2" charset="0"/>
-              </a:rPr>
-              <a:t>   |0 0 0 0| </a:t>
-            </a:r>
-            <a:r>
-              <a:rPr lang="en-CA" sz="900" dirty="0" err="1">
-                <a:solidFill>
-                  <a:srgbClr val="0070C0"/>
-                </a:solidFill>
-                <a:latin typeface="Courier" pitchFamily="2" charset="0"/>
-              </a:rPr>
-              <a:t>Rsved</a:t>
-            </a:r>
-            <a:r>
-              <a:rPr lang="en-CA" sz="900" dirty="0">
-                <a:solidFill>
-                  <a:srgbClr val="0070C0"/>
-                </a:solidFill>
-                <a:latin typeface="Courier" pitchFamily="2" charset="0"/>
-              </a:rPr>
-              <a:t> | This Header   | Header Length | Next Header   |</a:t>
-            </a:r>
-          </a:p>
-          <a:p>
-            <a:r>
-              <a:rPr lang="en-CA" sz="900" dirty="0">
-                <a:solidFill>
-                  <a:srgbClr val="0070C0"/>
-                </a:solidFill>
-                <a:latin typeface="Courier" pitchFamily="2" charset="0"/>
-              </a:rPr>
-              <a:t>   +-+-+-+-+-+-+-+-+-+-+-+-+-+-+-+-+-+-+-+-+-+-+-+-+-+-+-+-+-+-+-+-+</a:t>
-            </a:r>
-          </a:p>
-          <a:p>
-            <a:r>
-              <a:rPr lang="en-CA" sz="900" dirty="0">
-                <a:solidFill>
-                  <a:srgbClr val="0070C0"/>
-                </a:solidFill>
-                <a:latin typeface="Courier" pitchFamily="2" charset="0"/>
-              </a:rPr>
-              <a:t>   ~              Variable field per “This header”                 ~</a:t>
-            </a:r>
-          </a:p>
-          <a:p>
-            <a:r>
-              <a:rPr lang="en-CA" sz="900" dirty="0">
-                <a:solidFill>
-                  <a:srgbClr val="0070C0"/>
-                </a:solidFill>
-                <a:latin typeface="Courier" pitchFamily="2" charset="0"/>
-              </a:rPr>
-              <a:t>   +-+-+-+-+-+-+-+-+-+-+-+-+-+-+-+-+-+-+-+-+-+-+-+-+-+-+-+-+-+-+-+-+</a:t>
-            </a:r>
-          </a:p>
-          <a:p>
-            <a:r>
-              <a:rPr lang="en-CA" sz="900" dirty="0">
-                <a:solidFill>
-                  <a:srgbClr val="C00000"/>
-                </a:solidFill>
-                <a:latin typeface="Courier" pitchFamily="2" charset="0"/>
-              </a:rPr>
-              <a:t>  </a:t>
-            </a:r>
-            <a:r>
-              <a:rPr lang="en-CA" sz="900" dirty="0">
-                <a:latin typeface="Courier" pitchFamily="2" charset="0"/>
-              </a:rPr>
-              <a:t> |                                                               |</a:t>
-            </a:r>
-          </a:p>
-          <a:p>
-            <a:r>
-              <a:rPr lang="en-CA" sz="900" dirty="0">
+              <a:rPr lang="en-CA" sz="800" dirty="0">
                 <a:latin typeface="Courier" pitchFamily="2" charset="0"/>
               </a:rPr>
               <a:t>   |                                                               |</a:t>
@@ -13306,15 +13081,7 @@
           </a:p>
           <a:p>
             <a:r>
-              <a:rPr lang="en-CA" sz="900" dirty="0">
-                <a:latin typeface="Courier" pitchFamily="2" charset="0"/>
-              </a:rPr>
-              <a:t>   ~                 Payload Packet                                ~</a:t>
-            </a:r>
-          </a:p>
-          <a:p>
-            <a:r>
-              <a:rPr lang="en-CA" sz="900" dirty="0">
+              <a:rPr lang="en-CA" sz="800" dirty="0">
                 <a:latin typeface="Courier" pitchFamily="2" charset="0"/>
               </a:rPr>
               <a:t>   |                                                               |</a:t>
@@ -13322,7 +13089,15 @@
           </a:p>
           <a:p>
             <a:r>
-              <a:rPr lang="en-CA" sz="900" dirty="0">
+              <a:rPr lang="en-CA" sz="800" dirty="0">
+                <a:latin typeface="Courier" pitchFamily="2" charset="0"/>
+              </a:rPr>
+              <a:t>   ~                 Payload + Padding                             ~</a:t>
+            </a:r>
+          </a:p>
+          <a:p>
+            <a:r>
+              <a:rPr lang="en-CA" sz="800" dirty="0">
                 <a:latin typeface="Courier" pitchFamily="2" charset="0"/>
               </a:rPr>
               <a:t>   |                                                               |</a:t>
@@ -13330,28 +13105,36 @@
           </a:p>
           <a:p>
             <a:r>
-              <a:rPr lang="en-CA" sz="900" dirty="0">
-                <a:latin typeface="Courier" pitchFamily="2" charset="0"/>
-              </a:rPr>
-              <a:t>   +-+-+-+-+-+-+-+-+-+-+-+-+-+-+-+-+-+-+-+-+-+-+-+-+-+-+-+-+-+-+-+-+</a:t>
-            </a:r>
-          </a:p>
-          <a:p>
-            <a:r>
-              <a:rPr lang="en-CA" sz="900" dirty="0">
-                <a:latin typeface="Courier" pitchFamily="2" charset="0"/>
-              </a:rPr>
-              <a:t> </a:t>
-            </a:r>
-          </a:p>
-          <a:p>
-            <a:r>
-              <a:rPr lang="en-CA" sz="900" dirty="0">
-                <a:latin typeface="Courier" pitchFamily="2" charset="0"/>
-              </a:rPr>
-              <a:t>Figure: MPLS Encapsulation with Generic Delivery Functions with IOAM Data Fields</a:t>
-            </a:r>
-            <a:endParaRPr lang="en-CA" sz="900" dirty="0">
+              <a:rPr lang="en-CA" sz="800" dirty="0">
+                <a:latin typeface="Courier" pitchFamily="2" charset="0"/>
+              </a:rPr>
+              <a:t>   |                                                               |</a:t>
+            </a:r>
+          </a:p>
+          <a:p>
+            <a:r>
+              <a:rPr lang="en-CA" sz="800" dirty="0">
+                <a:latin typeface="Courier" pitchFamily="2" charset="0"/>
+              </a:rPr>
+              <a:t>   +-+-+-+-+-+-+-+-+-+-+-+-+-+-+-+-+-+-+-+-+-+-+-+-+-+-+-+-+-+-+-+-+ </a:t>
+            </a:r>
+          </a:p>
+          <a:p>
+            <a:r>
+              <a:rPr lang="en-CA" sz="800" dirty="0">
+                <a:latin typeface="Courier" pitchFamily="2" charset="0"/>
+              </a:rPr>
+              <a:t>             </a:t>
+            </a:r>
+          </a:p>
+          <a:p>
+            <a:r>
+              <a:rPr lang="en-CA" sz="800" dirty="0">
+                <a:latin typeface="Courier" pitchFamily="2" charset="0"/>
+              </a:rPr>
+              <a:t>      Figure: Example SR-MPLS Encapsulation with IOAM Data Fields</a:t>
+            </a:r>
+            <a:endParaRPr lang="en-CA" sz="800" dirty="0">
               <a:latin typeface="Courier" pitchFamily="2" charset="0"/>
               <a:ea typeface="Calibri" panose="020F0502020204030204" pitchFamily="34" charset="0"/>
               <a:cs typeface="Times New Roman" panose="02020603050405020304" pitchFamily="18" charset="0"/>
@@ -13359,130 +13142,10 @@
           </a:p>
         </p:txBody>
       </p:sp>
-      <p:sp>
-        <p:nvSpPr>
-          <p:cNvPr id="7" name="Rectangle 6">
-            <a:extLst>
-              <a:ext uri="{FF2B5EF4-FFF2-40B4-BE49-F238E27FC236}">
-                <a16:creationId xmlns:a16="http://schemas.microsoft.com/office/drawing/2014/main" id="{AF26C24A-B63C-7045-B4DF-BFCC4C5A3608}"/>
-              </a:ext>
-            </a:extLst>
-          </p:cNvPr>
-          <p:cNvSpPr/>
-          <p:nvPr/>
-        </p:nvSpPr>
-        <p:spPr>
-          <a:xfrm>
-            <a:off x="114300" y="3556640"/>
-            <a:ext cx="2476500" cy="1015663"/>
-          </a:xfrm>
-          <a:prstGeom prst="rect">
-            <a:avLst/>
-          </a:prstGeom>
-        </p:spPr>
-        <p:txBody>
-          <a:bodyPr wrap="square">
-            <a:spAutoFit/>
-          </a:bodyPr>
-          <a:lstStyle/>
-          <a:p>
-            <a:pPr marL="171450" indent="-171450">
-              <a:buFont typeface="Arial" panose="020B0604020202020204" pitchFamily="34" charset="0"/>
-              <a:buChar char="•"/>
-            </a:pPr>
-            <a:r>
-              <a:rPr lang="en-US" sz="1000" dirty="0">
-                <a:hlinkClick r:id="rId2"/>
-              </a:rPr>
-              <a:t>https://datatracker.ietf.org/doc/draft-zzhang-intarea-generic-delivery-functions/</a:t>
-            </a:r>
-            <a:endParaRPr lang="en-US" sz="1000" dirty="0"/>
-          </a:p>
-          <a:p>
-            <a:pPr marL="171450" indent="-171450">
-              <a:buFont typeface="Arial" panose="020B0604020202020204" pitchFamily="34" charset="0"/>
-              <a:buChar char="•"/>
-            </a:pPr>
-            <a:endParaRPr lang="en-US" sz="1000" dirty="0"/>
-          </a:p>
-          <a:p>
-            <a:pPr marL="171450" indent="-171450">
-              <a:buFont typeface="Arial" panose="020B0604020202020204" pitchFamily="34" charset="0"/>
-              <a:buChar char="•"/>
-            </a:pPr>
-            <a:r>
-              <a:rPr lang="en-US" sz="1000" dirty="0"/>
-              <a:t>GDF Ingress/Egress Nodes only.</a:t>
-            </a:r>
-          </a:p>
-          <a:p>
-            <a:pPr marL="171450" indent="-171450">
-              <a:buFont typeface="Arial" panose="020B0604020202020204" pitchFamily="34" charset="0"/>
-              <a:buChar char="•"/>
-            </a:pPr>
-            <a:r>
-              <a:rPr lang="en-US" sz="1000" dirty="0"/>
-              <a:t>GDF has no Hop-by-hop processing</a:t>
-            </a:r>
-          </a:p>
-        </p:txBody>
-      </p:sp>
-      <p:sp>
-        <p:nvSpPr>
-          <p:cNvPr id="8" name="TextBox 7">
-            <a:extLst>
-              <a:ext uri="{FF2B5EF4-FFF2-40B4-BE49-F238E27FC236}">
-                <a16:creationId xmlns:a16="http://schemas.microsoft.com/office/drawing/2014/main" id="{26635932-8C0E-D84F-BA3A-4C2CBE7854A1}"/>
-              </a:ext>
-            </a:extLst>
-          </p:cNvPr>
-          <p:cNvSpPr txBox="1"/>
-          <p:nvPr/>
-        </p:nvSpPr>
-        <p:spPr>
-          <a:xfrm>
-            <a:off x="216898" y="4683919"/>
-            <a:ext cx="1908810" cy="430887"/>
-          </a:xfrm>
-          <a:prstGeom prst="rect">
-            <a:avLst/>
-          </a:prstGeom>
-          <a:noFill/>
-          <a:ln>
-            <a:solidFill>
-              <a:schemeClr val="accent1"/>
-            </a:solidFill>
-          </a:ln>
-        </p:spPr>
-        <p:txBody>
-          <a:bodyPr wrap="square" rtlCol="0">
-            <a:spAutoFit/>
-          </a:bodyPr>
-          <a:lstStyle/>
-          <a:p>
-            <a:pPr marL="171450" indent="-171450">
-              <a:buFont typeface="Arial" panose="020B0604020202020204" pitchFamily="34" charset="0"/>
-              <a:buChar char="•"/>
-            </a:pPr>
-            <a:r>
-              <a:rPr lang="en-US" sz="1100" dirty="0"/>
-              <a:t>IOAM G-</a:t>
-            </a:r>
-            <a:r>
-              <a:rPr lang="en-US" sz="1100" dirty="0" err="1"/>
-              <a:t>ACh</a:t>
-            </a:r>
-            <a:r>
-              <a:rPr lang="en-US" sz="1100" dirty="0"/>
-              <a:t> Type 2 - with another Metadata</a:t>
-            </a:r>
-          </a:p>
-        </p:txBody>
-      </p:sp>
     </p:spTree>
     <p:extLst>
       <p:ext uri="{BB962C8B-B14F-4D97-AF65-F5344CB8AC3E}">
-        <p14:creationId xmlns:p14="http://schemas.microsoft.com/office/powerpoint/2010/main" val="2472066818"/>
+        <p14:creationId xmlns:p14="http://schemas.microsoft.com/office/powerpoint/2010/main" val="2339215023"/>
       </p:ext>
     </p:extLst>
   </p:cSld>
@@ -13527,8 +13190,8 @@
         </p:nvSpPr>
         <p:spPr>
           <a:xfrm>
-            <a:off x="0" y="0"/>
-            <a:ext cx="8839200" cy="717589"/>
+            <a:off x="0" y="17653"/>
+            <a:ext cx="9124208" cy="717589"/>
           </a:xfrm>
         </p:spPr>
         <p:txBody>
@@ -13543,7 +13206,7 @@
                 <a:latin typeface="Calibri Light" panose="020F0302020204030204" pitchFamily="34" charset="0"/>
                 <a:cs typeface="Calibri Light" panose="020F0302020204030204" pitchFamily="34" charset="0"/>
               </a:rPr>
-              <a:t>Example 3 - </a:t>
+              <a:t>Example 2 - Generic Delivery Function </a:t>
             </a:r>
             <a:r>
               <a:rPr lang="en-US" sz="2400" dirty="0" err="1">
@@ -13553,7 +13216,7 @@
                 <a:latin typeface="Calibri Light" panose="020F0302020204030204" pitchFamily="34" charset="0"/>
                 <a:cs typeface="Calibri Light" panose="020F0302020204030204" pitchFamily="34" charset="0"/>
               </a:rPr>
-              <a:t>DetNet</a:t>
+              <a:t>Encap</a:t>
             </a:r>
             <a:r>
               <a:rPr lang="en-US" sz="2400" dirty="0">
@@ -13563,27 +13226,7 @@
                 <a:latin typeface="Calibri Light" panose="020F0302020204030204" pitchFamily="34" charset="0"/>
                 <a:cs typeface="Calibri Light" panose="020F0302020204030204" pitchFamily="34" charset="0"/>
               </a:rPr>
-              <a:t> Control Word [RFC8964] </a:t>
-            </a:r>
-            <a:r>
-              <a:rPr lang="en-CA" sz="2400" dirty="0">
-                <a:solidFill>
-                  <a:srgbClr val="0070C0"/>
-                </a:solidFill>
-                <a:latin typeface="Calibri Light" panose="020F0302020204030204" pitchFamily="34" charset="0"/>
-                <a:cs typeface="Calibri Light" panose="020F0302020204030204" pitchFamily="34" charset="0"/>
-              </a:rPr>
-              <a:t>with IOAM Data Fields</a:t>
-            </a:r>
-            <a:r>
-              <a:rPr lang="en-US" sz="2400" dirty="0">
-                <a:solidFill>
-                  <a:srgbClr val="0070C0"/>
-                </a:solidFill>
-                <a:latin typeface="Calibri Light" panose="020F0302020204030204" pitchFamily="34" charset="0"/>
-                <a:cs typeface="Calibri Light" panose="020F0302020204030204" pitchFamily="34" charset="0"/>
-              </a:rPr>
-              <a:t> </a:t>
+              <a:t> with IOAM Data Fields</a:t>
             </a:r>
           </a:p>
         </p:txBody>
@@ -13662,6 +13305,635 @@
                 <a:defRPr/>
               </a:pPr>
               <a:t>27</a:t>
+            </a:fld>
+            <a:endParaRPr lang="en-US" altLang="zh-CN" dirty="0"/>
+          </a:p>
+        </p:txBody>
+      </p:sp>
+      <p:sp>
+        <p:nvSpPr>
+          <p:cNvPr id="6" name="Rectangle 5">
+            <a:extLst>
+              <a:ext uri="{FF2B5EF4-FFF2-40B4-BE49-F238E27FC236}">
+                <a16:creationId xmlns:a16="http://schemas.microsoft.com/office/drawing/2014/main" id="{E614F343-6DC2-A943-8496-BE1E2B6072CE}"/>
+              </a:ext>
+            </a:extLst>
+          </p:cNvPr>
+          <p:cNvSpPr/>
+          <p:nvPr/>
+        </p:nvSpPr>
+        <p:spPr>
+          <a:xfrm>
+            <a:off x="2438400" y="713601"/>
+            <a:ext cx="5791200" cy="3970318"/>
+          </a:xfrm>
+          <a:prstGeom prst="rect">
+            <a:avLst/>
+          </a:prstGeom>
+          <a:solidFill>
+            <a:schemeClr val="accent6">
+              <a:lumMod val="20000"/>
+              <a:lumOff val="80000"/>
+            </a:schemeClr>
+          </a:solidFill>
+        </p:spPr>
+        <p:txBody>
+          <a:bodyPr wrap="square">
+            <a:spAutoFit/>
+          </a:bodyPr>
+          <a:lstStyle/>
+          <a:p>
+            <a:r>
+              <a:rPr lang="en-CA" sz="900" dirty="0">
+                <a:latin typeface="Courier" pitchFamily="2" charset="0"/>
+              </a:rPr>
+              <a:t>   0                   1                   2                   3</a:t>
+            </a:r>
+          </a:p>
+          <a:p>
+            <a:r>
+              <a:rPr lang="en-CA" sz="900" dirty="0">
+                <a:latin typeface="Courier" pitchFamily="2" charset="0"/>
+              </a:rPr>
+              <a:t>   0 1 2 3 4 5 6 7 8 9 0 1 2 3 4 5 6 7 8 9 0 1 2 3 4 5 6 7 8 9 0 1</a:t>
+            </a:r>
+          </a:p>
+          <a:p>
+            <a:r>
+              <a:rPr lang="en-CA" sz="900" dirty="0">
+                <a:latin typeface="Courier" pitchFamily="2" charset="0"/>
+              </a:rPr>
+              <a:t>   +-+-+-+-+-+-+-+-+-+-+-+-+-+-+-+-+-+-+-+-+-+-+-+-+-+-+-+-+-+-+-+-+</a:t>
+            </a:r>
+          </a:p>
+          <a:p>
+            <a:r>
+              <a:rPr lang="en-CA" sz="900" dirty="0">
+                <a:latin typeface="Courier" pitchFamily="2" charset="0"/>
+              </a:rPr>
+              <a:t>   | IOAM Indicator Label                  | TC  |1|  TTL          |</a:t>
+            </a:r>
+          </a:p>
+          <a:p>
+            <a:r>
+              <a:rPr lang="en-CA" sz="900" dirty="0">
+                <a:latin typeface="Courier" pitchFamily="2" charset="0"/>
+              </a:rPr>
+              <a:t>   +-+-+-+-+-+-+-+-+-+-+-+-+-+-+-+-+-+-+-+-+-+-+-+-+-+-+-+-+-+-+-+-+&lt;-+</a:t>
+            </a:r>
+          </a:p>
+          <a:p>
+            <a:r>
+              <a:rPr lang="en-CA" sz="900" dirty="0">
+                <a:latin typeface="Courier" pitchFamily="2" charset="0"/>
+              </a:rPr>
+              <a:t>   |0 0 0 1|Version| Reserved      | IOAM G-</a:t>
+            </a:r>
+            <a:r>
+              <a:rPr lang="en-CA" sz="900" dirty="0" err="1">
+                <a:latin typeface="Courier" pitchFamily="2" charset="0"/>
+              </a:rPr>
+              <a:t>ACh</a:t>
+            </a:r>
+            <a:r>
+              <a:rPr lang="en-CA" sz="900" dirty="0">
+                <a:latin typeface="Courier" pitchFamily="2" charset="0"/>
+              </a:rPr>
+              <a:t>                    |  |</a:t>
+            </a:r>
+          </a:p>
+          <a:p>
+            <a:r>
+              <a:rPr lang="en-CA" sz="900" dirty="0">
+                <a:latin typeface="Courier" pitchFamily="2" charset="0"/>
+              </a:rPr>
+              <a:t>   +-+-+-+-+-+-+-+-+-+-+-+-+-+-+-+-+-+-+-+-+-+-+-+-+-+-+-+-+-+-+-+-+  |</a:t>
+            </a:r>
+          </a:p>
+          <a:p>
+            <a:r>
+              <a:rPr lang="en-CA" sz="900" dirty="0">
+                <a:latin typeface="Courier" pitchFamily="2" charset="0"/>
+              </a:rPr>
+              <a:t>   | Reserved      | Block Number  | IOAM-OPT-Type |</a:t>
+            </a:r>
+            <a:r>
+              <a:rPr lang="en-CA" sz="900" dirty="0">
+                <a:solidFill>
+                  <a:srgbClr val="0070C0"/>
+                </a:solidFill>
+                <a:latin typeface="Courier" pitchFamily="2" charset="0"/>
+              </a:rPr>
+              <a:t>IOAM HDR Length</a:t>
+            </a:r>
+            <a:r>
+              <a:rPr lang="en-CA" sz="900" dirty="0">
+                <a:latin typeface="Courier" pitchFamily="2" charset="0"/>
+              </a:rPr>
+              <a:t>|  |</a:t>
+            </a:r>
+          </a:p>
+          <a:p>
+            <a:r>
+              <a:rPr lang="en-CA" sz="900" dirty="0">
+                <a:latin typeface="Courier" pitchFamily="2" charset="0"/>
+              </a:rPr>
+              <a:t>   +-+-+-+-+-+-+-+-+-+-+-+-+-+-+-+-+-+-+-+-+-+-+-+-+-+-+-+-+-+-+-+-+  I</a:t>
+            </a:r>
+          </a:p>
+          <a:p>
+            <a:r>
+              <a:rPr lang="en-CA" sz="900" dirty="0">
+                <a:latin typeface="Courier" pitchFamily="2" charset="0"/>
+              </a:rPr>
+              <a:t>   |                                                               |  O</a:t>
+            </a:r>
+          </a:p>
+          <a:p>
+            <a:r>
+              <a:rPr lang="en-CA" sz="900" dirty="0">
+                <a:latin typeface="Courier" pitchFamily="2" charset="0"/>
+              </a:rPr>
+              <a:t>   |                                                               |  A</a:t>
+            </a:r>
+          </a:p>
+          <a:p>
+            <a:r>
+              <a:rPr lang="en-CA" sz="900" dirty="0">
+                <a:latin typeface="Courier" pitchFamily="2" charset="0"/>
+              </a:rPr>
+              <a:t>   ~                 IOAM Option and Data Space                    ~  M</a:t>
+            </a:r>
+          </a:p>
+          <a:p>
+            <a:r>
+              <a:rPr lang="en-CA" sz="900" dirty="0">
+                <a:latin typeface="Courier" pitchFamily="2" charset="0"/>
+              </a:rPr>
+              <a:t>   |                                                               |  |</a:t>
+            </a:r>
+          </a:p>
+          <a:p>
+            <a:r>
+              <a:rPr lang="en-CA" sz="900" dirty="0">
+                <a:latin typeface="Courier" pitchFamily="2" charset="0"/>
+              </a:rPr>
+              <a:t>   |                                                               |  |</a:t>
+            </a:r>
+          </a:p>
+          <a:p>
+            <a:r>
+              <a:rPr lang="en-CA" sz="900" dirty="0">
+                <a:latin typeface="Courier" pitchFamily="2" charset="0"/>
+              </a:rPr>
+              <a:t>   +-+-+-+-+-+-+-+-+-+-+-+-+-+-+-+-+-+-+-+-+-+-+-+-+-+-+-+-+-+-+-+-+&lt;-+</a:t>
+            </a:r>
+          </a:p>
+          <a:p>
+            <a:r>
+              <a:rPr lang="en-CA" sz="900" dirty="0">
+                <a:solidFill>
+                  <a:srgbClr val="0070C0"/>
+                </a:solidFill>
+                <a:latin typeface="Courier" pitchFamily="2" charset="0"/>
+              </a:rPr>
+              <a:t>   |0 0 0 0| </a:t>
+            </a:r>
+            <a:r>
+              <a:rPr lang="en-CA" sz="900" dirty="0" err="1">
+                <a:solidFill>
+                  <a:srgbClr val="0070C0"/>
+                </a:solidFill>
+                <a:latin typeface="Courier" pitchFamily="2" charset="0"/>
+              </a:rPr>
+              <a:t>Rsved</a:t>
+            </a:r>
+            <a:r>
+              <a:rPr lang="en-CA" sz="900" dirty="0">
+                <a:solidFill>
+                  <a:srgbClr val="0070C0"/>
+                </a:solidFill>
+                <a:latin typeface="Courier" pitchFamily="2" charset="0"/>
+              </a:rPr>
+              <a:t> | This Header   | Header Length | Next Header   |</a:t>
+            </a:r>
+          </a:p>
+          <a:p>
+            <a:r>
+              <a:rPr lang="en-CA" sz="900" dirty="0">
+                <a:solidFill>
+                  <a:srgbClr val="0070C0"/>
+                </a:solidFill>
+                <a:latin typeface="Courier" pitchFamily="2" charset="0"/>
+              </a:rPr>
+              <a:t>   +-+-+-+-+-+-+-+-+-+-+-+-+-+-+-+-+-+-+-+-+-+-+-+-+-+-+-+-+-+-+-+-+</a:t>
+            </a:r>
+          </a:p>
+          <a:p>
+            <a:r>
+              <a:rPr lang="en-CA" sz="900" dirty="0">
+                <a:solidFill>
+                  <a:srgbClr val="0070C0"/>
+                </a:solidFill>
+                <a:latin typeface="Courier" pitchFamily="2" charset="0"/>
+              </a:rPr>
+              <a:t>   ~              Variable field per “This header”                 ~</a:t>
+            </a:r>
+          </a:p>
+          <a:p>
+            <a:r>
+              <a:rPr lang="en-CA" sz="900" dirty="0">
+                <a:solidFill>
+                  <a:srgbClr val="0070C0"/>
+                </a:solidFill>
+                <a:latin typeface="Courier" pitchFamily="2" charset="0"/>
+              </a:rPr>
+              <a:t>   +-+-+-+-+-+-+-+-+-+-+-+-+-+-+-+-+-+-+-+-+-+-+-+-+-+-+-+-+-+-+-+-+</a:t>
+            </a:r>
+          </a:p>
+          <a:p>
+            <a:r>
+              <a:rPr lang="en-CA" sz="900" dirty="0">
+                <a:solidFill>
+                  <a:srgbClr val="C00000"/>
+                </a:solidFill>
+                <a:latin typeface="Courier" pitchFamily="2" charset="0"/>
+              </a:rPr>
+              <a:t>  </a:t>
+            </a:r>
+            <a:r>
+              <a:rPr lang="en-CA" sz="900" dirty="0">
+                <a:latin typeface="Courier" pitchFamily="2" charset="0"/>
+              </a:rPr>
+              <a:t> |                                                               |</a:t>
+            </a:r>
+          </a:p>
+          <a:p>
+            <a:r>
+              <a:rPr lang="en-CA" sz="900" dirty="0">
+                <a:latin typeface="Courier" pitchFamily="2" charset="0"/>
+              </a:rPr>
+              <a:t>   |                                                               |</a:t>
+            </a:r>
+          </a:p>
+          <a:p>
+            <a:r>
+              <a:rPr lang="en-CA" sz="900" dirty="0">
+                <a:latin typeface="Courier" pitchFamily="2" charset="0"/>
+              </a:rPr>
+              <a:t>   ~                 Payload Packet                                ~</a:t>
+            </a:r>
+          </a:p>
+          <a:p>
+            <a:r>
+              <a:rPr lang="en-CA" sz="900" dirty="0">
+                <a:latin typeface="Courier" pitchFamily="2" charset="0"/>
+              </a:rPr>
+              <a:t>   |                                                               |</a:t>
+            </a:r>
+          </a:p>
+          <a:p>
+            <a:r>
+              <a:rPr lang="en-CA" sz="900" dirty="0">
+                <a:latin typeface="Courier" pitchFamily="2" charset="0"/>
+              </a:rPr>
+              <a:t>   |                                                               |</a:t>
+            </a:r>
+          </a:p>
+          <a:p>
+            <a:r>
+              <a:rPr lang="en-CA" sz="900" dirty="0">
+                <a:latin typeface="Courier" pitchFamily="2" charset="0"/>
+              </a:rPr>
+              <a:t>   +-+-+-+-+-+-+-+-+-+-+-+-+-+-+-+-+-+-+-+-+-+-+-+-+-+-+-+-+-+-+-+-+</a:t>
+            </a:r>
+          </a:p>
+          <a:p>
+            <a:r>
+              <a:rPr lang="en-CA" sz="900" dirty="0">
+                <a:latin typeface="Courier" pitchFamily="2" charset="0"/>
+              </a:rPr>
+              <a:t> </a:t>
+            </a:r>
+          </a:p>
+          <a:p>
+            <a:r>
+              <a:rPr lang="en-CA" sz="900" dirty="0">
+                <a:latin typeface="Courier" pitchFamily="2" charset="0"/>
+              </a:rPr>
+              <a:t>Figure: MPLS Encapsulation with Generic Delivery Functions with IOAM Data Fields</a:t>
+            </a:r>
+            <a:endParaRPr lang="en-CA" sz="900" dirty="0">
+              <a:latin typeface="Courier" pitchFamily="2" charset="0"/>
+              <a:ea typeface="Calibri" panose="020F0502020204030204" pitchFamily="34" charset="0"/>
+              <a:cs typeface="Times New Roman" panose="02020603050405020304" pitchFamily="18" charset="0"/>
+            </a:endParaRPr>
+          </a:p>
+        </p:txBody>
+      </p:sp>
+      <p:sp>
+        <p:nvSpPr>
+          <p:cNvPr id="7" name="Rectangle 6">
+            <a:extLst>
+              <a:ext uri="{FF2B5EF4-FFF2-40B4-BE49-F238E27FC236}">
+                <a16:creationId xmlns:a16="http://schemas.microsoft.com/office/drawing/2014/main" id="{AF26C24A-B63C-7045-B4DF-BFCC4C5A3608}"/>
+              </a:ext>
+            </a:extLst>
+          </p:cNvPr>
+          <p:cNvSpPr/>
+          <p:nvPr/>
+        </p:nvSpPr>
+        <p:spPr>
+          <a:xfrm>
+            <a:off x="114300" y="3556640"/>
+            <a:ext cx="2476500" cy="1015663"/>
+          </a:xfrm>
+          <a:prstGeom prst="rect">
+            <a:avLst/>
+          </a:prstGeom>
+        </p:spPr>
+        <p:txBody>
+          <a:bodyPr wrap="square">
+            <a:spAutoFit/>
+          </a:bodyPr>
+          <a:lstStyle/>
+          <a:p>
+            <a:pPr marL="171450" indent="-171450">
+              <a:buFont typeface="Arial" panose="020B0604020202020204" pitchFamily="34" charset="0"/>
+              <a:buChar char="•"/>
+            </a:pPr>
+            <a:r>
+              <a:rPr lang="en-US" sz="1000" dirty="0">
+                <a:hlinkClick r:id="rId2"/>
+              </a:rPr>
+              <a:t>https://datatracker.ietf.org/doc/draft-zzhang-intarea-generic-delivery-functions/</a:t>
+            </a:r>
+            <a:endParaRPr lang="en-US" sz="1000" dirty="0"/>
+          </a:p>
+          <a:p>
+            <a:pPr marL="171450" indent="-171450">
+              <a:buFont typeface="Arial" panose="020B0604020202020204" pitchFamily="34" charset="0"/>
+              <a:buChar char="•"/>
+            </a:pPr>
+            <a:endParaRPr lang="en-US" sz="1000" dirty="0"/>
+          </a:p>
+          <a:p>
+            <a:pPr marL="171450" indent="-171450">
+              <a:buFont typeface="Arial" panose="020B0604020202020204" pitchFamily="34" charset="0"/>
+              <a:buChar char="•"/>
+            </a:pPr>
+            <a:r>
+              <a:rPr lang="en-US" sz="1000" dirty="0"/>
+              <a:t>GDF Ingress/Egress Nodes only.</a:t>
+            </a:r>
+          </a:p>
+          <a:p>
+            <a:pPr marL="171450" indent="-171450">
+              <a:buFont typeface="Arial" panose="020B0604020202020204" pitchFamily="34" charset="0"/>
+              <a:buChar char="•"/>
+            </a:pPr>
+            <a:r>
+              <a:rPr lang="en-US" sz="1000" dirty="0"/>
+              <a:t>GDF has no Hop-by-hop processing</a:t>
+            </a:r>
+          </a:p>
+        </p:txBody>
+      </p:sp>
+      <p:sp>
+        <p:nvSpPr>
+          <p:cNvPr id="8" name="TextBox 7">
+            <a:extLst>
+              <a:ext uri="{FF2B5EF4-FFF2-40B4-BE49-F238E27FC236}">
+                <a16:creationId xmlns:a16="http://schemas.microsoft.com/office/drawing/2014/main" id="{26635932-8C0E-D84F-BA3A-4C2CBE7854A1}"/>
+              </a:ext>
+            </a:extLst>
+          </p:cNvPr>
+          <p:cNvSpPr txBox="1"/>
+          <p:nvPr/>
+        </p:nvSpPr>
+        <p:spPr>
+          <a:xfrm>
+            <a:off x="216898" y="4683919"/>
+            <a:ext cx="1908810" cy="430887"/>
+          </a:xfrm>
+          <a:prstGeom prst="rect">
+            <a:avLst/>
+          </a:prstGeom>
+          <a:noFill/>
+          <a:ln>
+            <a:solidFill>
+              <a:schemeClr val="accent1"/>
+            </a:solidFill>
+          </a:ln>
+        </p:spPr>
+        <p:txBody>
+          <a:bodyPr wrap="square" rtlCol="0">
+            <a:spAutoFit/>
+          </a:bodyPr>
+          <a:lstStyle/>
+          <a:p>
+            <a:pPr marL="171450" indent="-171450">
+              <a:buFont typeface="Arial" panose="020B0604020202020204" pitchFamily="34" charset="0"/>
+              <a:buChar char="•"/>
+            </a:pPr>
+            <a:r>
+              <a:rPr lang="en-US" sz="1100" dirty="0"/>
+              <a:t>IOAM G-</a:t>
+            </a:r>
+            <a:r>
+              <a:rPr lang="en-US" sz="1100" dirty="0" err="1"/>
+              <a:t>ACh</a:t>
+            </a:r>
+            <a:r>
+              <a:rPr lang="en-US" sz="1100" dirty="0"/>
+              <a:t> Type 2 - with another Metadata</a:t>
+            </a:r>
+          </a:p>
+        </p:txBody>
+      </p:sp>
+    </p:spTree>
+    <p:extLst>
+      <p:ext uri="{BB962C8B-B14F-4D97-AF65-F5344CB8AC3E}">
+        <p14:creationId xmlns:p14="http://schemas.microsoft.com/office/powerpoint/2010/main" val="2472066818"/>
+      </p:ext>
+    </p:extLst>
+  </p:cSld>
+  <p:clrMapOvr>
+    <a:masterClrMapping/>
+  </p:clrMapOvr>
+</p:sld>
+</file>
+
+<file path=ppt/slides/slide28.xml><?xml version="1.0" encoding="utf-8"?>
+<p:sld xmlns:a="http://schemas.openxmlformats.org/drawingml/2006/main" xmlns:r="http://schemas.openxmlformats.org/officeDocument/2006/relationships" xmlns:p="http://schemas.openxmlformats.org/presentationml/2006/main">
+  <p:cSld>
+    <p:spTree>
+      <p:nvGrpSpPr>
+        <p:cNvPr id="1" name=""/>
+        <p:cNvGrpSpPr/>
+        <p:nvPr/>
+      </p:nvGrpSpPr>
+      <p:grpSpPr>
+        <a:xfrm>
+          <a:off x="0" y="0"/>
+          <a:ext cx="0" cy="0"/>
+          <a:chOff x="0" y="0"/>
+          <a:chExt cx="0" cy="0"/>
+        </a:xfrm>
+      </p:grpSpPr>
+      <p:sp>
+        <p:nvSpPr>
+          <p:cNvPr id="2" name="Title 1">
+            <a:extLst>
+              <a:ext uri="{FF2B5EF4-FFF2-40B4-BE49-F238E27FC236}">
+                <a16:creationId xmlns:a16="http://schemas.microsoft.com/office/drawing/2014/main" id="{16C5255E-BE42-5348-AC0F-6257873BBB61}"/>
+              </a:ext>
+            </a:extLst>
+          </p:cNvPr>
+          <p:cNvSpPr>
+            <a:spLocks noGrp="1"/>
+          </p:cNvSpPr>
+          <p:nvPr>
+            <p:ph type="title"/>
+          </p:nvPr>
+        </p:nvSpPr>
+        <p:spPr>
+          <a:xfrm>
+            <a:off x="0" y="0"/>
+            <a:ext cx="8839200" cy="717589"/>
+          </a:xfrm>
+        </p:spPr>
+        <p:txBody>
+          <a:bodyPr/>
+          <a:lstStyle/>
+          <a:p>
+            <a:r>
+              <a:rPr lang="en-US" sz="2400" dirty="0">
+                <a:solidFill>
+                  <a:srgbClr val="0070C0"/>
+                </a:solidFill>
+                <a:latin typeface="Calibri Light" panose="020F0302020204030204" pitchFamily="34" charset="0"/>
+                <a:cs typeface="Calibri Light" panose="020F0302020204030204" pitchFamily="34" charset="0"/>
+              </a:rPr>
+              <a:t>Example 3 - </a:t>
+            </a:r>
+            <a:r>
+              <a:rPr lang="en-US" sz="2400" dirty="0" err="1">
+                <a:solidFill>
+                  <a:srgbClr val="0070C0"/>
+                </a:solidFill>
+                <a:latin typeface="Calibri Light" panose="020F0302020204030204" pitchFamily="34" charset="0"/>
+                <a:cs typeface="Calibri Light" panose="020F0302020204030204" pitchFamily="34" charset="0"/>
+              </a:rPr>
+              <a:t>DetNet</a:t>
+            </a:r>
+            <a:r>
+              <a:rPr lang="en-US" sz="2400" dirty="0">
+                <a:solidFill>
+                  <a:srgbClr val="0070C0"/>
+                </a:solidFill>
+                <a:latin typeface="Calibri Light" panose="020F0302020204030204" pitchFamily="34" charset="0"/>
+                <a:cs typeface="Calibri Light" panose="020F0302020204030204" pitchFamily="34" charset="0"/>
+              </a:rPr>
+              <a:t> Control Word [RFC8964] </a:t>
+            </a:r>
+            <a:r>
+              <a:rPr lang="en-CA" sz="2400" dirty="0">
+                <a:solidFill>
+                  <a:srgbClr val="0070C0"/>
+                </a:solidFill>
+                <a:latin typeface="Calibri Light" panose="020F0302020204030204" pitchFamily="34" charset="0"/>
+                <a:cs typeface="Calibri Light" panose="020F0302020204030204" pitchFamily="34" charset="0"/>
+              </a:rPr>
+              <a:t>with IOAM Data Fields</a:t>
+            </a:r>
+            <a:r>
+              <a:rPr lang="en-US" sz="2400" dirty="0">
+                <a:solidFill>
+                  <a:srgbClr val="0070C0"/>
+                </a:solidFill>
+                <a:latin typeface="Calibri Light" panose="020F0302020204030204" pitchFamily="34" charset="0"/>
+                <a:cs typeface="Calibri Light" panose="020F0302020204030204" pitchFamily="34" charset="0"/>
+              </a:rPr>
+              <a:t> </a:t>
+            </a:r>
+          </a:p>
+        </p:txBody>
+      </p:sp>
+      <p:sp>
+        <p:nvSpPr>
+          <p:cNvPr id="4" name="Footer Placeholder 3">
+            <a:extLst>
+              <a:ext uri="{FF2B5EF4-FFF2-40B4-BE49-F238E27FC236}">
+                <a16:creationId xmlns:a16="http://schemas.microsoft.com/office/drawing/2014/main" id="{CF70CC82-C055-3645-9254-87CEC1C49032}"/>
+              </a:ext>
+            </a:extLst>
+          </p:cNvPr>
+          <p:cNvSpPr>
+            <a:spLocks noGrp="1"/>
+          </p:cNvSpPr>
+          <p:nvPr>
+            <p:ph type="ftr" sz="quarter" idx="11"/>
+          </p:nvPr>
+        </p:nvSpPr>
+        <p:spPr>
+          <a:xfrm>
+            <a:off x="3124200" y="4786312"/>
+            <a:ext cx="2895600" cy="357188"/>
+          </a:xfrm>
+        </p:spPr>
+        <p:txBody>
+          <a:bodyPr/>
+          <a:lstStyle/>
+          <a:p>
+            <a:pPr>
+              <a:defRPr/>
+            </a:pPr>
+            <a:r>
+              <a:rPr lang="en-US" altLang="zh-CN" dirty="0"/>
+              <a:t>110</a:t>
+            </a:r>
+            <a:r>
+              <a:rPr lang="en-US" altLang="zh-CN" baseline="30000" dirty="0"/>
+              <a:t>th</a:t>
+            </a:r>
+            <a:r>
+              <a:rPr lang="en-US" altLang="zh-CN" dirty="0"/>
+              <a:t> IETF Online</a:t>
+            </a:r>
+          </a:p>
+        </p:txBody>
+      </p:sp>
+      <p:sp>
+        <p:nvSpPr>
+          <p:cNvPr id="5" name="Slide Number Placeholder 4">
+            <a:extLst>
+              <a:ext uri="{FF2B5EF4-FFF2-40B4-BE49-F238E27FC236}">
+                <a16:creationId xmlns:a16="http://schemas.microsoft.com/office/drawing/2014/main" id="{62DF7D69-BCF6-2D4A-A3F1-2D32C59355D3}"/>
+              </a:ext>
+            </a:extLst>
+          </p:cNvPr>
+          <p:cNvSpPr>
+            <a:spLocks noGrp="1"/>
+          </p:cNvSpPr>
+          <p:nvPr>
+            <p:ph type="sldNum" sz="quarter" idx="12"/>
+          </p:nvPr>
+        </p:nvSpPr>
+        <p:spPr/>
+        <p:txBody>
+          <a:bodyPr/>
+          <a:lstStyle/>
+          <a:p>
+            <a:pPr>
+              <a:defRPr/>
+            </a:pPr>
+            <a:fld id="{BD6E0F59-1DD8-40FC-9C92-B6295CBA6CCA}" type="slidenum">
+              <a:rPr lang="en-US" altLang="zh-CN" smtClean="0"/>
+              <a:pPr>
+                <a:defRPr/>
+              </a:pPr>
+              <a:t>28</a:t>
             </a:fld>
             <a:endParaRPr lang="en-US" altLang="zh-CN" dirty="0"/>
           </a:p>
@@ -14095,7 +14367,7 @@
 </p:sld>
 </file>
 
-<file path=ppt/slides/slide28.xml><?xml version="1.0" encoding="utf-8"?>
+<file path=ppt/slides/slide29.xml><?xml version="1.0" encoding="utf-8"?>
 <p:sld xmlns:a="http://schemas.openxmlformats.org/drawingml/2006/main" xmlns:r="http://schemas.openxmlformats.org/officeDocument/2006/relationships" xmlns:p="http://schemas.openxmlformats.org/presentationml/2006/main">
   <p:cSld>
     <p:spTree>
@@ -14359,7 +14631,7 @@
               <a:pPr>
                 <a:defRPr/>
               </a:pPr>
-              <a:t>28</a:t>
+              <a:t>29</a:t>
             </a:fld>
             <a:endParaRPr lang="en-US" altLang="zh-CN"/>
           </a:p>
@@ -14369,632 +14641,6 @@
     <p:extLst>
       <p:ext uri="{BB962C8B-B14F-4D97-AF65-F5344CB8AC3E}">
         <p14:creationId xmlns:p14="http://schemas.microsoft.com/office/powerpoint/2010/main" val="4263515903"/>
-      </p:ext>
-    </p:extLst>
-  </p:cSld>
-  <p:clrMapOvr>
-    <a:masterClrMapping/>
-  </p:clrMapOvr>
-</p:sld>
-</file>
-
-<file path=ppt/slides/slide29.xml><?xml version="1.0" encoding="utf-8"?>
-<p:sld xmlns:a="http://schemas.openxmlformats.org/drawingml/2006/main" xmlns:r="http://schemas.openxmlformats.org/officeDocument/2006/relationships" xmlns:p="http://schemas.openxmlformats.org/presentationml/2006/main">
-  <p:cSld>
-    <p:spTree>
-      <p:nvGrpSpPr>
-        <p:cNvPr id="1" name=""/>
-        <p:cNvGrpSpPr/>
-        <p:nvPr/>
-      </p:nvGrpSpPr>
-      <p:grpSpPr>
-        <a:xfrm>
-          <a:off x="0" y="0"/>
-          <a:ext cx="0" cy="0"/>
-          <a:chOff x="0" y="0"/>
-          <a:chExt cx="0" cy="0"/>
-        </a:xfrm>
-      </p:grpSpPr>
-      <p:sp>
-        <p:nvSpPr>
-          <p:cNvPr id="2" name="Title 1">
-            <a:extLst>
-              <a:ext uri="{FF2B5EF4-FFF2-40B4-BE49-F238E27FC236}">
-                <a16:creationId xmlns:a16="http://schemas.microsoft.com/office/drawing/2014/main" id="{16C5255E-BE42-5348-AC0F-6257873BBB61}"/>
-              </a:ext>
-            </a:extLst>
-          </p:cNvPr>
-          <p:cNvSpPr>
-            <a:spLocks noGrp="1"/>
-          </p:cNvSpPr>
-          <p:nvPr>
-            <p:ph type="title"/>
-          </p:nvPr>
-        </p:nvSpPr>
-        <p:spPr>
-          <a:xfrm>
-            <a:off x="0" y="0"/>
-            <a:ext cx="9144000" cy="619185"/>
-          </a:xfrm>
-        </p:spPr>
-        <p:txBody>
-          <a:bodyPr/>
-          <a:lstStyle/>
-          <a:p>
-            <a:r>
-              <a:rPr lang="en-US" sz="2400" dirty="0">
-                <a:solidFill>
-                  <a:srgbClr val="0070C0"/>
-                </a:solidFill>
-                <a:latin typeface="Calibri Light" panose="020F0302020204030204" pitchFamily="34" charset="0"/>
-                <a:cs typeface="Calibri Light" panose="020F0302020204030204" pitchFamily="34" charset="0"/>
-              </a:rPr>
-              <a:t>Example 4 - </a:t>
-            </a:r>
-            <a:r>
-              <a:rPr lang="en-US" sz="2400" dirty="0" err="1">
-                <a:solidFill>
-                  <a:srgbClr val="0070C0"/>
-                </a:solidFill>
-                <a:latin typeface="Calibri Light" panose="020F0302020204030204" pitchFamily="34" charset="0"/>
-                <a:cs typeface="Calibri Light" panose="020F0302020204030204" pitchFamily="34" charset="0"/>
-              </a:rPr>
-              <a:t>DetNet</a:t>
-            </a:r>
-            <a:r>
-              <a:rPr lang="en-US" sz="2400" dirty="0">
-                <a:solidFill>
-                  <a:srgbClr val="0070C0"/>
-                </a:solidFill>
-                <a:latin typeface="Calibri Light" panose="020F0302020204030204" pitchFamily="34" charset="0"/>
-                <a:cs typeface="Calibri Light" panose="020F0302020204030204" pitchFamily="34" charset="0"/>
-              </a:rPr>
-              <a:t> Control Word [RFC8964] </a:t>
-            </a:r>
-            <a:r>
-              <a:rPr lang="en-CA" sz="2400" dirty="0">
-                <a:solidFill>
-                  <a:srgbClr val="0070C0"/>
-                </a:solidFill>
-                <a:latin typeface="Calibri Light" panose="020F0302020204030204" pitchFamily="34" charset="0"/>
-                <a:cs typeface="Calibri Light" panose="020F0302020204030204" pitchFamily="34" charset="0"/>
-              </a:rPr>
-              <a:t>with IOAM Data Fields</a:t>
-            </a:r>
-            <a:endParaRPr lang="en-US" sz="2400" dirty="0">
-              <a:solidFill>
-                <a:srgbClr val="0070C0"/>
-              </a:solidFill>
-              <a:latin typeface="Calibri Light" panose="020F0302020204030204" pitchFamily="34" charset="0"/>
-              <a:cs typeface="Calibri Light" panose="020F0302020204030204" pitchFamily="34" charset="0"/>
-            </a:endParaRPr>
-          </a:p>
-        </p:txBody>
-      </p:sp>
-      <p:sp>
-        <p:nvSpPr>
-          <p:cNvPr id="4" name="Footer Placeholder 3">
-            <a:extLst>
-              <a:ext uri="{FF2B5EF4-FFF2-40B4-BE49-F238E27FC236}">
-                <a16:creationId xmlns:a16="http://schemas.microsoft.com/office/drawing/2014/main" id="{CF70CC82-C055-3645-9254-87CEC1C49032}"/>
-              </a:ext>
-            </a:extLst>
-          </p:cNvPr>
-          <p:cNvSpPr>
-            <a:spLocks noGrp="1"/>
-          </p:cNvSpPr>
-          <p:nvPr>
-            <p:ph type="ftr" sz="quarter" idx="11"/>
-          </p:nvPr>
-        </p:nvSpPr>
-        <p:spPr>
-          <a:xfrm>
-            <a:off x="3124200" y="4786312"/>
-            <a:ext cx="2895600" cy="357188"/>
-          </a:xfrm>
-        </p:spPr>
-        <p:txBody>
-          <a:bodyPr/>
-          <a:lstStyle/>
-          <a:p>
-            <a:pPr>
-              <a:defRPr/>
-            </a:pPr>
-            <a:r>
-              <a:rPr lang="en-US" altLang="zh-CN" dirty="0"/>
-              <a:t>110</a:t>
-            </a:r>
-            <a:r>
-              <a:rPr lang="en-US" altLang="zh-CN" baseline="30000" dirty="0"/>
-              <a:t>th</a:t>
-            </a:r>
-            <a:r>
-              <a:rPr lang="en-US" altLang="zh-CN" dirty="0"/>
-              <a:t> IETF Online</a:t>
-            </a:r>
-          </a:p>
-        </p:txBody>
-      </p:sp>
-      <p:sp>
-        <p:nvSpPr>
-          <p:cNvPr id="5" name="Slide Number Placeholder 4">
-            <a:extLst>
-              <a:ext uri="{FF2B5EF4-FFF2-40B4-BE49-F238E27FC236}">
-                <a16:creationId xmlns:a16="http://schemas.microsoft.com/office/drawing/2014/main" id="{62DF7D69-BCF6-2D4A-A3F1-2D32C59355D3}"/>
-              </a:ext>
-            </a:extLst>
-          </p:cNvPr>
-          <p:cNvSpPr>
-            <a:spLocks noGrp="1"/>
-          </p:cNvSpPr>
-          <p:nvPr>
-            <p:ph type="sldNum" sz="quarter" idx="12"/>
-          </p:nvPr>
-        </p:nvSpPr>
-        <p:spPr/>
-        <p:txBody>
-          <a:bodyPr/>
-          <a:lstStyle/>
-          <a:p>
-            <a:pPr>
-              <a:defRPr/>
-            </a:pPr>
-            <a:fld id="{BD6E0F59-1DD8-40FC-9C92-B6295CBA6CCA}" type="slidenum">
-              <a:rPr lang="en-US" altLang="zh-CN" smtClean="0"/>
-              <a:pPr>
-                <a:defRPr/>
-              </a:pPr>
-              <a:t>29</a:t>
-            </a:fld>
-            <a:endParaRPr lang="en-US" altLang="zh-CN" dirty="0"/>
-          </a:p>
-        </p:txBody>
-      </p:sp>
-      <p:sp>
-        <p:nvSpPr>
-          <p:cNvPr id="6" name="Rectangle 5">
-            <a:extLst>
-              <a:ext uri="{FF2B5EF4-FFF2-40B4-BE49-F238E27FC236}">
-                <a16:creationId xmlns:a16="http://schemas.microsoft.com/office/drawing/2014/main" id="{E614F343-6DC2-A943-8496-BE1E2B6072CE}"/>
-              </a:ext>
-            </a:extLst>
-          </p:cNvPr>
-          <p:cNvSpPr/>
-          <p:nvPr/>
-        </p:nvSpPr>
-        <p:spPr>
-          <a:xfrm>
-            <a:off x="2057400" y="619185"/>
-            <a:ext cx="4648200" cy="4678204"/>
-          </a:xfrm>
-          <a:prstGeom prst="rect">
-            <a:avLst/>
-          </a:prstGeom>
-          <a:solidFill>
-            <a:schemeClr val="accent6">
-              <a:lumMod val="20000"/>
-              <a:lumOff val="80000"/>
-            </a:schemeClr>
-          </a:solidFill>
-        </p:spPr>
-        <p:txBody>
-          <a:bodyPr wrap="square">
-            <a:spAutoFit/>
-          </a:bodyPr>
-          <a:lstStyle/>
-          <a:p>
-            <a:r>
-              <a:rPr lang="en-CA" sz="800" dirty="0">
-                <a:latin typeface="Courier" pitchFamily="2" charset="0"/>
-              </a:rPr>
-              <a:t>   0                   1                   2                   3</a:t>
-            </a:r>
-          </a:p>
-          <a:p>
-            <a:r>
-              <a:rPr lang="en-CA" sz="800" dirty="0">
-                <a:latin typeface="Courier" pitchFamily="2" charset="0"/>
-              </a:rPr>
-              <a:t>   0 1 2 3 4 5 6 7 8 9 0 1 2 3 4 5 6 7 8 9 0 1 2 3 4 5 6 7 8 9 0 1</a:t>
-            </a:r>
-          </a:p>
-          <a:p>
-            <a:r>
-              <a:rPr lang="en-CA" sz="800" dirty="0">
-                <a:latin typeface="Courier" pitchFamily="2" charset="0"/>
-              </a:rPr>
-              <a:t>   +-+-+-+-+-+-+-+-+-+-+-+-+-+-+-+-+-+-+-+-+-+-+-+-+-+-+-+-+-+-+-+-+</a:t>
-            </a:r>
-          </a:p>
-          <a:p>
-            <a:r>
-              <a:rPr lang="en-CA" sz="800" dirty="0">
-                <a:latin typeface="Courier" pitchFamily="2" charset="0"/>
-              </a:rPr>
-              <a:t>   | [F-Label(s)]                          | TC  |S|  TTL          |</a:t>
-            </a:r>
-          </a:p>
-          <a:p>
-            <a:r>
-              <a:rPr lang="en-CA" sz="800" dirty="0">
-                <a:latin typeface="Courier" pitchFamily="2" charset="0"/>
-              </a:rPr>
-              <a:t>   +-+-+-+-+-+-+-+-+-+-+-+-+-+-+-+-+-+-+-+-+-+-+-+-+-+-+-+-+-+-+-+-+</a:t>
-            </a:r>
-          </a:p>
-          <a:p>
-            <a:r>
-              <a:rPr lang="en-CA" sz="800" dirty="0">
-                <a:latin typeface="Courier" pitchFamily="2" charset="0"/>
-              </a:rPr>
-              <a:t>   | A-Label                               | TC  |S|  TTL          |</a:t>
-            </a:r>
-          </a:p>
-          <a:p>
-            <a:r>
-              <a:rPr lang="en-CA" sz="800" dirty="0">
-                <a:latin typeface="Courier" pitchFamily="2" charset="0"/>
-              </a:rPr>
-              <a:t>   +-+-+-+-+-+-+-+-+-+-+-+-+-+-+-+-+-+-+-+-+-+-+-+-+-+-+-+-+-+-+-+-+</a:t>
-            </a:r>
-          </a:p>
-          <a:p>
-            <a:r>
-              <a:rPr lang="en-CA" sz="800" dirty="0">
-                <a:solidFill>
-                  <a:srgbClr val="C00000"/>
-                </a:solidFill>
-                <a:latin typeface="Courier" pitchFamily="2" charset="0"/>
-              </a:rPr>
-              <a:t>   </a:t>
-            </a:r>
-            <a:r>
-              <a:rPr lang="en-CA" sz="800" dirty="0">
-                <a:solidFill>
-                  <a:srgbClr val="0070C0"/>
-                </a:solidFill>
-                <a:latin typeface="Courier" pitchFamily="2" charset="0"/>
-              </a:rPr>
-              <a:t>|0 0 0 0| Sequence Number (</a:t>
-            </a:r>
-            <a:r>
-              <a:rPr lang="en-CA" sz="800" dirty="0" err="1">
-                <a:solidFill>
-                  <a:srgbClr val="0070C0"/>
-                </a:solidFill>
-                <a:latin typeface="Courier" pitchFamily="2" charset="0"/>
-              </a:rPr>
-              <a:t>DetNet</a:t>
-            </a:r>
-            <a:r>
-              <a:rPr lang="en-CA" sz="800" dirty="0">
-                <a:solidFill>
-                  <a:srgbClr val="0070C0"/>
-                </a:solidFill>
-                <a:latin typeface="Courier" pitchFamily="2" charset="0"/>
-              </a:rPr>
-              <a:t> Control Word)                 |</a:t>
-            </a:r>
-          </a:p>
-          <a:p>
-            <a:r>
-              <a:rPr lang="en-CA" sz="800" dirty="0">
-                <a:latin typeface="Courier" pitchFamily="2" charset="0"/>
-              </a:rPr>
-              <a:t>   +-+-+-+-+-+-+-+-+-+-+-+-+-+-+-+-+-+-+-+-+-+-+-+-+-+-+-+-+-+-+-+-+</a:t>
-            </a:r>
-          </a:p>
-          <a:p>
-            <a:r>
-              <a:rPr lang="en-CA" sz="800" dirty="0">
-                <a:latin typeface="Courier" pitchFamily="2" charset="0"/>
-              </a:rPr>
-              <a:t>   | [F-Label(s)]                          | TC  |S|  TTL          |</a:t>
-            </a:r>
-          </a:p>
-          <a:p>
-            <a:r>
-              <a:rPr lang="en-CA" sz="800" dirty="0">
-                <a:latin typeface="Courier" pitchFamily="2" charset="0"/>
-              </a:rPr>
-              <a:t>   +-+-+-+-+-+-+-+-+-+-+-+-+-+-+-+-+-+-+-+-+-+-+-+-+-+-+-+-+-+-+-+-+</a:t>
-            </a:r>
-          </a:p>
-          <a:p>
-            <a:r>
-              <a:rPr lang="en-CA" sz="800" dirty="0">
-                <a:latin typeface="Courier" pitchFamily="2" charset="0"/>
-              </a:rPr>
-              <a:t>   | S-Label                               | TC  |S|  TTL          |</a:t>
-            </a:r>
-          </a:p>
-          <a:p>
-            <a:r>
-              <a:rPr lang="en-CA" sz="800" dirty="0">
-                <a:latin typeface="Courier" pitchFamily="2" charset="0"/>
-              </a:rPr>
-              <a:t>   +-+-+-+-+-+-+-+-+-+-+-+-+-+-+-+-+-+-+-+-+-+-+-+-+-+-+-+-+-+-+-+-+</a:t>
-            </a:r>
-          </a:p>
-          <a:p>
-            <a:r>
-              <a:rPr lang="en-CA" sz="800" dirty="0">
-                <a:latin typeface="Courier" pitchFamily="2" charset="0"/>
-              </a:rPr>
-              <a:t>   | IOAM Indicator Label                  | TC  |1|  TTL          |</a:t>
-            </a:r>
-          </a:p>
-          <a:p>
-            <a:r>
-              <a:rPr lang="en-CA" sz="800" dirty="0">
-                <a:latin typeface="Courier" pitchFamily="2" charset="0"/>
-              </a:rPr>
-              <a:t>   +-+-+-+-+-+-+-+-+-+-+-+-+-+-+-+-+-+-+-+-+-+-+-+-+-+-+-+-+-+-+-+-+&lt;-+</a:t>
-            </a:r>
-          </a:p>
-          <a:p>
-            <a:r>
-              <a:rPr lang="en-CA" sz="800" dirty="0">
-                <a:latin typeface="Courier" pitchFamily="2" charset="0"/>
-              </a:rPr>
-              <a:t>   |0 0 0 1|Version| Reserved      | IOAM G-</a:t>
-            </a:r>
-            <a:r>
-              <a:rPr lang="en-CA" sz="800" dirty="0" err="1">
-                <a:latin typeface="Courier" pitchFamily="2" charset="0"/>
-              </a:rPr>
-              <a:t>ACh</a:t>
-            </a:r>
-            <a:r>
-              <a:rPr lang="en-CA" sz="800" dirty="0">
-                <a:latin typeface="Courier" pitchFamily="2" charset="0"/>
-              </a:rPr>
-              <a:t>                    |  |</a:t>
-            </a:r>
-          </a:p>
-          <a:p>
-            <a:r>
-              <a:rPr lang="en-CA" sz="800" dirty="0">
-                <a:latin typeface="Courier" pitchFamily="2" charset="0"/>
-              </a:rPr>
-              <a:t>   +-+-+-+-+-+-+-+-+-+-+-+-+-+-+-+-+-+-+-+-+-+-+-+-+-+-+-+-+-+-+-+-+  |</a:t>
-            </a:r>
-          </a:p>
-          <a:p>
-            <a:r>
-              <a:rPr lang="en-CA" sz="800" dirty="0">
-                <a:latin typeface="Courier" pitchFamily="2" charset="0"/>
-              </a:rPr>
-              <a:t>   | Reserved      | Block Number  | IOAM-OPT-Type |</a:t>
-            </a:r>
-            <a:r>
-              <a:rPr lang="en-CA" sz="800" dirty="0">
-                <a:solidFill>
-                  <a:srgbClr val="0070C0"/>
-                </a:solidFill>
-                <a:latin typeface="Courier" pitchFamily="2" charset="0"/>
-              </a:rPr>
-              <a:t>IOAM HDR Length</a:t>
-            </a:r>
-            <a:r>
-              <a:rPr lang="en-CA" sz="800" dirty="0">
-                <a:latin typeface="Courier" pitchFamily="2" charset="0"/>
-              </a:rPr>
-              <a:t>|  |</a:t>
-            </a:r>
-          </a:p>
-          <a:p>
-            <a:r>
-              <a:rPr lang="en-CA" sz="800" dirty="0">
-                <a:latin typeface="Courier" pitchFamily="2" charset="0"/>
-              </a:rPr>
-              <a:t>   +-+-+-+-+-+-+-+-+-+-+-+-+-+-+-+-+-+-+-+-+-+-+-+-+-+-+-+-+-+-+-+-+  I</a:t>
-            </a:r>
-          </a:p>
-          <a:p>
-            <a:r>
-              <a:rPr lang="en-CA" sz="800" dirty="0">
-                <a:latin typeface="Courier" pitchFamily="2" charset="0"/>
-              </a:rPr>
-              <a:t>   |                                                               |  O</a:t>
-            </a:r>
-          </a:p>
-          <a:p>
-            <a:r>
-              <a:rPr lang="en-CA" sz="800" dirty="0">
-                <a:latin typeface="Courier" pitchFamily="2" charset="0"/>
-              </a:rPr>
-              <a:t>   |                                                               |  A</a:t>
-            </a:r>
-          </a:p>
-          <a:p>
-            <a:r>
-              <a:rPr lang="en-CA" sz="800" dirty="0">
-                <a:latin typeface="Courier" pitchFamily="2" charset="0"/>
-              </a:rPr>
-              <a:t>   ~                 IOAM Option and Data Space                    ~  M</a:t>
-            </a:r>
-          </a:p>
-          <a:p>
-            <a:r>
-              <a:rPr lang="en-CA" sz="800" dirty="0">
-                <a:latin typeface="Courier" pitchFamily="2" charset="0"/>
-              </a:rPr>
-              <a:t>   |                                                               |  |</a:t>
-            </a:r>
-          </a:p>
-          <a:p>
-            <a:r>
-              <a:rPr lang="en-CA" sz="800" dirty="0">
-                <a:latin typeface="Courier" pitchFamily="2" charset="0"/>
-              </a:rPr>
-              <a:t>   |                                                               |  |</a:t>
-            </a:r>
-          </a:p>
-          <a:p>
-            <a:r>
-              <a:rPr lang="en-CA" sz="800" dirty="0">
-                <a:latin typeface="Courier" pitchFamily="2" charset="0"/>
-              </a:rPr>
-              <a:t>   +-+-+-+-+-+-+-+-+-+-+-+-+-+-+-+-+-+-+-+-+-+-+-+-+-+-+-+-+-+-+-+-+&lt;-+</a:t>
-            </a:r>
-          </a:p>
-          <a:p>
-            <a:r>
-              <a:rPr lang="en-CA" sz="800" dirty="0">
-                <a:solidFill>
-                  <a:srgbClr val="C00000"/>
-                </a:solidFill>
-                <a:latin typeface="Courier" pitchFamily="2" charset="0"/>
-              </a:rPr>
-              <a:t>   </a:t>
-            </a:r>
-            <a:r>
-              <a:rPr lang="en-CA" sz="800" dirty="0">
-                <a:solidFill>
-                  <a:srgbClr val="0070C0"/>
-                </a:solidFill>
-                <a:latin typeface="Courier" pitchFamily="2" charset="0"/>
-              </a:rPr>
-              <a:t>|0 0 0 0| Sequence Number (</a:t>
-            </a:r>
-            <a:r>
-              <a:rPr lang="en-CA" sz="800" dirty="0" err="1">
-                <a:solidFill>
-                  <a:srgbClr val="0070C0"/>
-                </a:solidFill>
-                <a:latin typeface="Courier" pitchFamily="2" charset="0"/>
-              </a:rPr>
-              <a:t>DetNet</a:t>
-            </a:r>
-            <a:r>
-              <a:rPr lang="en-CA" sz="800" dirty="0">
-                <a:solidFill>
-                  <a:srgbClr val="0070C0"/>
-                </a:solidFill>
-                <a:latin typeface="Courier" pitchFamily="2" charset="0"/>
-              </a:rPr>
-              <a:t> Control Word)                 |</a:t>
-            </a:r>
-          </a:p>
-          <a:p>
-            <a:r>
-              <a:rPr lang="en-CA" sz="800" dirty="0">
-                <a:solidFill>
-                  <a:srgbClr val="0070C0"/>
-                </a:solidFill>
-                <a:latin typeface="Courier" pitchFamily="2" charset="0"/>
-              </a:rPr>
-              <a:t>   +-+-+-+-+-+-+-+-+-+-+-+-+-+-+-+-+-+-+-+-+-+-+-+-+-+-+-+-+-+-+-+-+</a:t>
-            </a:r>
-          </a:p>
-          <a:p>
-            <a:r>
-              <a:rPr lang="en-CA" sz="800" dirty="0">
-                <a:latin typeface="Courier" pitchFamily="2" charset="0"/>
-              </a:rPr>
-              <a:t>   |                                                               |</a:t>
-            </a:r>
-          </a:p>
-          <a:p>
-            <a:r>
-              <a:rPr lang="en-CA" sz="800" dirty="0">
-                <a:latin typeface="Courier" pitchFamily="2" charset="0"/>
-              </a:rPr>
-              <a:t>   |                                                               |</a:t>
-            </a:r>
-          </a:p>
-          <a:p>
-            <a:r>
-              <a:rPr lang="en-CA" sz="800" dirty="0">
-                <a:latin typeface="Courier" pitchFamily="2" charset="0"/>
-              </a:rPr>
-              <a:t>   ~                 </a:t>
-            </a:r>
-            <a:r>
-              <a:rPr lang="en-CA" sz="800" dirty="0" err="1">
-                <a:latin typeface="Courier" pitchFamily="2" charset="0"/>
-              </a:rPr>
-              <a:t>DetNet</a:t>
-            </a:r>
-            <a:r>
-              <a:rPr lang="en-CA" sz="800" dirty="0">
-                <a:latin typeface="Courier" pitchFamily="2" charset="0"/>
-              </a:rPr>
-              <a:t> Flow                                   ~</a:t>
-            </a:r>
-          </a:p>
-          <a:p>
-            <a:r>
-              <a:rPr lang="en-CA" sz="800" dirty="0">
-                <a:latin typeface="Courier" pitchFamily="2" charset="0"/>
-              </a:rPr>
-              <a:t>   ~                 Payload Packet                                ~</a:t>
-            </a:r>
-          </a:p>
-          <a:p>
-            <a:r>
-              <a:rPr lang="en-CA" sz="800" dirty="0">
-                <a:latin typeface="Courier" pitchFamily="2" charset="0"/>
-              </a:rPr>
-              <a:t>   |                                                               |</a:t>
-            </a:r>
-          </a:p>
-          <a:p>
-            <a:r>
-              <a:rPr lang="en-CA" sz="800" dirty="0">
-                <a:latin typeface="Courier" pitchFamily="2" charset="0"/>
-              </a:rPr>
-              <a:t>   |                                                               |</a:t>
-            </a:r>
-          </a:p>
-          <a:p>
-            <a:r>
-              <a:rPr lang="en-CA" sz="800" dirty="0">
-                <a:latin typeface="Courier" pitchFamily="2" charset="0"/>
-              </a:rPr>
-              <a:t>   +-+-+-+-+-+-+-+-+-+-+-+-+-+-+-+-+-+-+-+-+-+-+-+-+-+-+-+-+-+-+-+-+</a:t>
-            </a:r>
-          </a:p>
-          <a:p>
-            <a:r>
-              <a:rPr lang="en-CA" sz="800" dirty="0">
-                <a:latin typeface="Courier" pitchFamily="2" charset="0"/>
-              </a:rPr>
-              <a:t> </a:t>
-            </a:r>
-          </a:p>
-          <a:p>
-            <a:r>
-              <a:rPr lang="en-CA" sz="800" dirty="0">
-                <a:latin typeface="Courier" pitchFamily="2" charset="0"/>
-              </a:rPr>
-              <a:t>  Figure: Example MPLS Encapsulation with </a:t>
-            </a:r>
-            <a:r>
-              <a:rPr lang="en-CA" sz="800" dirty="0" err="1">
-                <a:latin typeface="Courier" pitchFamily="2" charset="0"/>
-              </a:rPr>
-              <a:t>DetNet</a:t>
-            </a:r>
-            <a:r>
-              <a:rPr lang="en-CA" sz="800" dirty="0">
-                <a:latin typeface="Courier" pitchFamily="2" charset="0"/>
-              </a:rPr>
-              <a:t> with IOAM Data Fields</a:t>
-            </a:r>
-            <a:endParaRPr lang="en-CA" sz="800" dirty="0">
-              <a:latin typeface="Courier" pitchFamily="2" charset="0"/>
-              <a:ea typeface="Calibri" panose="020F0502020204030204" pitchFamily="34" charset="0"/>
-              <a:cs typeface="Times New Roman" panose="02020603050405020304" pitchFamily="18" charset="0"/>
-            </a:endParaRPr>
-          </a:p>
-        </p:txBody>
-      </p:sp>
-    </p:spTree>
-    <p:extLst>
-      <p:ext uri="{BB962C8B-B14F-4D97-AF65-F5344CB8AC3E}">
-        <p14:creationId xmlns:p14="http://schemas.microsoft.com/office/powerpoint/2010/main" val="1058011721"/>
       </p:ext>
     </p:extLst>
   </p:cSld>
@@ -15364,8 +15010,8 @@
         </p:nvSpPr>
         <p:spPr>
           <a:xfrm>
-            <a:off x="0" y="17653"/>
-            <a:ext cx="9124208" cy="717589"/>
+            <a:off x="0" y="0"/>
+            <a:ext cx="9144000" cy="619185"/>
           </a:xfrm>
         </p:spPr>
         <p:txBody>
@@ -15380,7 +15026,7 @@
                 <a:latin typeface="Calibri Light" panose="020F0302020204030204" pitchFamily="34" charset="0"/>
                 <a:cs typeface="Calibri Light" panose="020F0302020204030204" pitchFamily="34" charset="0"/>
               </a:rPr>
-              <a:t>Generic Delivery Function </a:t>
+              <a:t>Example 4 - </a:t>
             </a:r>
             <a:r>
               <a:rPr lang="en-US" sz="2400" dirty="0" err="1">
@@ -15390,7 +15036,7 @@
                 <a:latin typeface="Calibri Light" panose="020F0302020204030204" pitchFamily="34" charset="0"/>
                 <a:cs typeface="Calibri Light" panose="020F0302020204030204" pitchFamily="34" charset="0"/>
               </a:rPr>
-              <a:t>Encap</a:t>
+              <a:t>DetNet</a:t>
             </a:r>
             <a:r>
               <a:rPr lang="en-US" sz="2400" dirty="0">
@@ -15400,8 +15046,25 @@
                 <a:latin typeface="Calibri Light" panose="020F0302020204030204" pitchFamily="34" charset="0"/>
                 <a:cs typeface="Calibri Light" panose="020F0302020204030204" pitchFamily="34" charset="0"/>
               </a:rPr>
-              <a:t> with IOAM Data Fields</a:t>
-            </a:r>
+              <a:t> Control Word [RFC8964] </a:t>
+            </a:r>
+            <a:r>
+              <a:rPr lang="en-CA" sz="2400" dirty="0">
+                <a:solidFill>
+                  <a:srgbClr val="0070C0"/>
+                </a:solidFill>
+                <a:latin typeface="Calibri Light" panose="020F0302020204030204" pitchFamily="34" charset="0"/>
+                <a:cs typeface="Calibri Light" panose="020F0302020204030204" pitchFamily="34" charset="0"/>
+              </a:rPr>
+              <a:t>with IOAM Data Fields</a:t>
+            </a:r>
+            <a:endParaRPr lang="en-US" sz="2400" dirty="0">
+              <a:solidFill>
+                <a:srgbClr val="0070C0"/>
+              </a:solidFill>
+              <a:latin typeface="Calibri Light" panose="020F0302020204030204" pitchFamily="34" charset="0"/>
+              <a:cs typeface="Calibri Light" panose="020F0302020204030204" pitchFamily="34" charset="0"/>
+            </a:endParaRPr>
           </a:p>
         </p:txBody>
       </p:sp>
@@ -15479,6 +15142,615 @@
                 <a:defRPr/>
               </a:pPr>
               <a:t>30</a:t>
+            </a:fld>
+            <a:endParaRPr lang="en-US" altLang="zh-CN" dirty="0"/>
+          </a:p>
+        </p:txBody>
+      </p:sp>
+      <p:sp>
+        <p:nvSpPr>
+          <p:cNvPr id="6" name="Rectangle 5">
+            <a:extLst>
+              <a:ext uri="{FF2B5EF4-FFF2-40B4-BE49-F238E27FC236}">
+                <a16:creationId xmlns:a16="http://schemas.microsoft.com/office/drawing/2014/main" id="{E614F343-6DC2-A943-8496-BE1E2B6072CE}"/>
+              </a:ext>
+            </a:extLst>
+          </p:cNvPr>
+          <p:cNvSpPr/>
+          <p:nvPr/>
+        </p:nvSpPr>
+        <p:spPr>
+          <a:xfrm>
+            <a:off x="2057400" y="619185"/>
+            <a:ext cx="4648200" cy="4678204"/>
+          </a:xfrm>
+          <a:prstGeom prst="rect">
+            <a:avLst/>
+          </a:prstGeom>
+          <a:solidFill>
+            <a:schemeClr val="accent6">
+              <a:lumMod val="20000"/>
+              <a:lumOff val="80000"/>
+            </a:schemeClr>
+          </a:solidFill>
+        </p:spPr>
+        <p:txBody>
+          <a:bodyPr wrap="square">
+            <a:spAutoFit/>
+          </a:bodyPr>
+          <a:lstStyle/>
+          <a:p>
+            <a:r>
+              <a:rPr lang="en-CA" sz="800" dirty="0">
+                <a:latin typeface="Courier" pitchFamily="2" charset="0"/>
+              </a:rPr>
+              <a:t>   0                   1                   2                   3</a:t>
+            </a:r>
+          </a:p>
+          <a:p>
+            <a:r>
+              <a:rPr lang="en-CA" sz="800" dirty="0">
+                <a:latin typeface="Courier" pitchFamily="2" charset="0"/>
+              </a:rPr>
+              <a:t>   0 1 2 3 4 5 6 7 8 9 0 1 2 3 4 5 6 7 8 9 0 1 2 3 4 5 6 7 8 9 0 1</a:t>
+            </a:r>
+          </a:p>
+          <a:p>
+            <a:r>
+              <a:rPr lang="en-CA" sz="800" dirty="0">
+                <a:latin typeface="Courier" pitchFamily="2" charset="0"/>
+              </a:rPr>
+              <a:t>   +-+-+-+-+-+-+-+-+-+-+-+-+-+-+-+-+-+-+-+-+-+-+-+-+-+-+-+-+-+-+-+-+</a:t>
+            </a:r>
+          </a:p>
+          <a:p>
+            <a:r>
+              <a:rPr lang="en-CA" sz="800" dirty="0">
+                <a:latin typeface="Courier" pitchFamily="2" charset="0"/>
+              </a:rPr>
+              <a:t>   | [F-Label(s)]                          | TC  |S|  TTL          |</a:t>
+            </a:r>
+          </a:p>
+          <a:p>
+            <a:r>
+              <a:rPr lang="en-CA" sz="800" dirty="0">
+                <a:latin typeface="Courier" pitchFamily="2" charset="0"/>
+              </a:rPr>
+              <a:t>   +-+-+-+-+-+-+-+-+-+-+-+-+-+-+-+-+-+-+-+-+-+-+-+-+-+-+-+-+-+-+-+-+</a:t>
+            </a:r>
+          </a:p>
+          <a:p>
+            <a:r>
+              <a:rPr lang="en-CA" sz="800" dirty="0">
+                <a:latin typeface="Courier" pitchFamily="2" charset="0"/>
+              </a:rPr>
+              <a:t>   | A-Label                               | TC  |S|  TTL          |</a:t>
+            </a:r>
+          </a:p>
+          <a:p>
+            <a:r>
+              <a:rPr lang="en-CA" sz="800" dirty="0">
+                <a:latin typeface="Courier" pitchFamily="2" charset="0"/>
+              </a:rPr>
+              <a:t>   +-+-+-+-+-+-+-+-+-+-+-+-+-+-+-+-+-+-+-+-+-+-+-+-+-+-+-+-+-+-+-+-+</a:t>
+            </a:r>
+          </a:p>
+          <a:p>
+            <a:r>
+              <a:rPr lang="en-CA" sz="800" dirty="0">
+                <a:solidFill>
+                  <a:srgbClr val="C00000"/>
+                </a:solidFill>
+                <a:latin typeface="Courier" pitchFamily="2" charset="0"/>
+              </a:rPr>
+              <a:t>   </a:t>
+            </a:r>
+            <a:r>
+              <a:rPr lang="en-CA" sz="800" dirty="0">
+                <a:solidFill>
+                  <a:srgbClr val="0070C0"/>
+                </a:solidFill>
+                <a:latin typeface="Courier" pitchFamily="2" charset="0"/>
+              </a:rPr>
+              <a:t>|0 0 0 0| Sequence Number (</a:t>
+            </a:r>
+            <a:r>
+              <a:rPr lang="en-CA" sz="800" dirty="0" err="1">
+                <a:solidFill>
+                  <a:srgbClr val="0070C0"/>
+                </a:solidFill>
+                <a:latin typeface="Courier" pitchFamily="2" charset="0"/>
+              </a:rPr>
+              <a:t>DetNet</a:t>
+            </a:r>
+            <a:r>
+              <a:rPr lang="en-CA" sz="800" dirty="0">
+                <a:solidFill>
+                  <a:srgbClr val="0070C0"/>
+                </a:solidFill>
+                <a:latin typeface="Courier" pitchFamily="2" charset="0"/>
+              </a:rPr>
+              <a:t> Control Word)                 |</a:t>
+            </a:r>
+          </a:p>
+          <a:p>
+            <a:r>
+              <a:rPr lang="en-CA" sz="800" dirty="0">
+                <a:latin typeface="Courier" pitchFamily="2" charset="0"/>
+              </a:rPr>
+              <a:t>   +-+-+-+-+-+-+-+-+-+-+-+-+-+-+-+-+-+-+-+-+-+-+-+-+-+-+-+-+-+-+-+-+</a:t>
+            </a:r>
+          </a:p>
+          <a:p>
+            <a:r>
+              <a:rPr lang="en-CA" sz="800" dirty="0">
+                <a:latin typeface="Courier" pitchFamily="2" charset="0"/>
+              </a:rPr>
+              <a:t>   | [F-Label(s)]                          | TC  |S|  TTL          |</a:t>
+            </a:r>
+          </a:p>
+          <a:p>
+            <a:r>
+              <a:rPr lang="en-CA" sz="800" dirty="0">
+                <a:latin typeface="Courier" pitchFamily="2" charset="0"/>
+              </a:rPr>
+              <a:t>   +-+-+-+-+-+-+-+-+-+-+-+-+-+-+-+-+-+-+-+-+-+-+-+-+-+-+-+-+-+-+-+-+</a:t>
+            </a:r>
+          </a:p>
+          <a:p>
+            <a:r>
+              <a:rPr lang="en-CA" sz="800" dirty="0">
+                <a:latin typeface="Courier" pitchFamily="2" charset="0"/>
+              </a:rPr>
+              <a:t>   | S-Label                               | TC  |S|  TTL          |</a:t>
+            </a:r>
+          </a:p>
+          <a:p>
+            <a:r>
+              <a:rPr lang="en-CA" sz="800" dirty="0">
+                <a:latin typeface="Courier" pitchFamily="2" charset="0"/>
+              </a:rPr>
+              <a:t>   +-+-+-+-+-+-+-+-+-+-+-+-+-+-+-+-+-+-+-+-+-+-+-+-+-+-+-+-+-+-+-+-+</a:t>
+            </a:r>
+          </a:p>
+          <a:p>
+            <a:r>
+              <a:rPr lang="en-CA" sz="800" dirty="0">
+                <a:latin typeface="Courier" pitchFamily="2" charset="0"/>
+              </a:rPr>
+              <a:t>   | IOAM Indicator Label                  | TC  |1|  TTL          |</a:t>
+            </a:r>
+          </a:p>
+          <a:p>
+            <a:r>
+              <a:rPr lang="en-CA" sz="800" dirty="0">
+                <a:latin typeface="Courier" pitchFamily="2" charset="0"/>
+              </a:rPr>
+              <a:t>   +-+-+-+-+-+-+-+-+-+-+-+-+-+-+-+-+-+-+-+-+-+-+-+-+-+-+-+-+-+-+-+-+&lt;-+</a:t>
+            </a:r>
+          </a:p>
+          <a:p>
+            <a:r>
+              <a:rPr lang="en-CA" sz="800" dirty="0">
+                <a:latin typeface="Courier" pitchFamily="2" charset="0"/>
+              </a:rPr>
+              <a:t>   |0 0 0 1|Version| Reserved      | IOAM G-</a:t>
+            </a:r>
+            <a:r>
+              <a:rPr lang="en-CA" sz="800" dirty="0" err="1">
+                <a:latin typeface="Courier" pitchFamily="2" charset="0"/>
+              </a:rPr>
+              <a:t>ACh</a:t>
+            </a:r>
+            <a:r>
+              <a:rPr lang="en-CA" sz="800" dirty="0">
+                <a:latin typeface="Courier" pitchFamily="2" charset="0"/>
+              </a:rPr>
+              <a:t>                    |  |</a:t>
+            </a:r>
+          </a:p>
+          <a:p>
+            <a:r>
+              <a:rPr lang="en-CA" sz="800" dirty="0">
+                <a:latin typeface="Courier" pitchFamily="2" charset="0"/>
+              </a:rPr>
+              <a:t>   +-+-+-+-+-+-+-+-+-+-+-+-+-+-+-+-+-+-+-+-+-+-+-+-+-+-+-+-+-+-+-+-+  |</a:t>
+            </a:r>
+          </a:p>
+          <a:p>
+            <a:r>
+              <a:rPr lang="en-CA" sz="800" dirty="0">
+                <a:latin typeface="Courier" pitchFamily="2" charset="0"/>
+              </a:rPr>
+              <a:t>   | Reserved      | Block Number  | IOAM-OPT-Type |</a:t>
+            </a:r>
+            <a:r>
+              <a:rPr lang="en-CA" sz="800" dirty="0">
+                <a:solidFill>
+                  <a:srgbClr val="0070C0"/>
+                </a:solidFill>
+                <a:latin typeface="Courier" pitchFamily="2" charset="0"/>
+              </a:rPr>
+              <a:t>IOAM HDR Length</a:t>
+            </a:r>
+            <a:r>
+              <a:rPr lang="en-CA" sz="800" dirty="0">
+                <a:latin typeface="Courier" pitchFamily="2" charset="0"/>
+              </a:rPr>
+              <a:t>|  |</a:t>
+            </a:r>
+          </a:p>
+          <a:p>
+            <a:r>
+              <a:rPr lang="en-CA" sz="800" dirty="0">
+                <a:latin typeface="Courier" pitchFamily="2" charset="0"/>
+              </a:rPr>
+              <a:t>   +-+-+-+-+-+-+-+-+-+-+-+-+-+-+-+-+-+-+-+-+-+-+-+-+-+-+-+-+-+-+-+-+  I</a:t>
+            </a:r>
+          </a:p>
+          <a:p>
+            <a:r>
+              <a:rPr lang="en-CA" sz="800" dirty="0">
+                <a:latin typeface="Courier" pitchFamily="2" charset="0"/>
+              </a:rPr>
+              <a:t>   |                                                               |  O</a:t>
+            </a:r>
+          </a:p>
+          <a:p>
+            <a:r>
+              <a:rPr lang="en-CA" sz="800" dirty="0">
+                <a:latin typeface="Courier" pitchFamily="2" charset="0"/>
+              </a:rPr>
+              <a:t>   |                                                               |  A</a:t>
+            </a:r>
+          </a:p>
+          <a:p>
+            <a:r>
+              <a:rPr lang="en-CA" sz="800" dirty="0">
+                <a:latin typeface="Courier" pitchFamily="2" charset="0"/>
+              </a:rPr>
+              <a:t>   ~                 IOAM Option and Data Space                    ~  M</a:t>
+            </a:r>
+          </a:p>
+          <a:p>
+            <a:r>
+              <a:rPr lang="en-CA" sz="800" dirty="0">
+                <a:latin typeface="Courier" pitchFamily="2" charset="0"/>
+              </a:rPr>
+              <a:t>   |                                                               |  |</a:t>
+            </a:r>
+          </a:p>
+          <a:p>
+            <a:r>
+              <a:rPr lang="en-CA" sz="800" dirty="0">
+                <a:latin typeface="Courier" pitchFamily="2" charset="0"/>
+              </a:rPr>
+              <a:t>   |                                                               |  |</a:t>
+            </a:r>
+          </a:p>
+          <a:p>
+            <a:r>
+              <a:rPr lang="en-CA" sz="800" dirty="0">
+                <a:latin typeface="Courier" pitchFamily="2" charset="0"/>
+              </a:rPr>
+              <a:t>   +-+-+-+-+-+-+-+-+-+-+-+-+-+-+-+-+-+-+-+-+-+-+-+-+-+-+-+-+-+-+-+-+&lt;-+</a:t>
+            </a:r>
+          </a:p>
+          <a:p>
+            <a:r>
+              <a:rPr lang="en-CA" sz="800" dirty="0">
+                <a:solidFill>
+                  <a:srgbClr val="C00000"/>
+                </a:solidFill>
+                <a:latin typeface="Courier" pitchFamily="2" charset="0"/>
+              </a:rPr>
+              <a:t>   </a:t>
+            </a:r>
+            <a:r>
+              <a:rPr lang="en-CA" sz="800" dirty="0">
+                <a:solidFill>
+                  <a:srgbClr val="0070C0"/>
+                </a:solidFill>
+                <a:latin typeface="Courier" pitchFamily="2" charset="0"/>
+              </a:rPr>
+              <a:t>|0 0 0 0| Sequence Number (</a:t>
+            </a:r>
+            <a:r>
+              <a:rPr lang="en-CA" sz="800" dirty="0" err="1">
+                <a:solidFill>
+                  <a:srgbClr val="0070C0"/>
+                </a:solidFill>
+                <a:latin typeface="Courier" pitchFamily="2" charset="0"/>
+              </a:rPr>
+              <a:t>DetNet</a:t>
+            </a:r>
+            <a:r>
+              <a:rPr lang="en-CA" sz="800" dirty="0">
+                <a:solidFill>
+                  <a:srgbClr val="0070C0"/>
+                </a:solidFill>
+                <a:latin typeface="Courier" pitchFamily="2" charset="0"/>
+              </a:rPr>
+              <a:t> Control Word)                 |</a:t>
+            </a:r>
+          </a:p>
+          <a:p>
+            <a:r>
+              <a:rPr lang="en-CA" sz="800" dirty="0">
+                <a:solidFill>
+                  <a:srgbClr val="0070C0"/>
+                </a:solidFill>
+                <a:latin typeface="Courier" pitchFamily="2" charset="0"/>
+              </a:rPr>
+              <a:t>   +-+-+-+-+-+-+-+-+-+-+-+-+-+-+-+-+-+-+-+-+-+-+-+-+-+-+-+-+-+-+-+-+</a:t>
+            </a:r>
+          </a:p>
+          <a:p>
+            <a:r>
+              <a:rPr lang="en-CA" sz="800" dirty="0">
+                <a:latin typeface="Courier" pitchFamily="2" charset="0"/>
+              </a:rPr>
+              <a:t>   |                                                               |</a:t>
+            </a:r>
+          </a:p>
+          <a:p>
+            <a:r>
+              <a:rPr lang="en-CA" sz="800" dirty="0">
+                <a:latin typeface="Courier" pitchFamily="2" charset="0"/>
+              </a:rPr>
+              <a:t>   |                                                               |</a:t>
+            </a:r>
+          </a:p>
+          <a:p>
+            <a:r>
+              <a:rPr lang="en-CA" sz="800" dirty="0">
+                <a:latin typeface="Courier" pitchFamily="2" charset="0"/>
+              </a:rPr>
+              <a:t>   ~                 </a:t>
+            </a:r>
+            <a:r>
+              <a:rPr lang="en-CA" sz="800" dirty="0" err="1">
+                <a:latin typeface="Courier" pitchFamily="2" charset="0"/>
+              </a:rPr>
+              <a:t>DetNet</a:t>
+            </a:r>
+            <a:r>
+              <a:rPr lang="en-CA" sz="800" dirty="0">
+                <a:latin typeface="Courier" pitchFamily="2" charset="0"/>
+              </a:rPr>
+              <a:t> Flow                                   ~</a:t>
+            </a:r>
+          </a:p>
+          <a:p>
+            <a:r>
+              <a:rPr lang="en-CA" sz="800" dirty="0">
+                <a:latin typeface="Courier" pitchFamily="2" charset="0"/>
+              </a:rPr>
+              <a:t>   ~                 Payload Packet                                ~</a:t>
+            </a:r>
+          </a:p>
+          <a:p>
+            <a:r>
+              <a:rPr lang="en-CA" sz="800" dirty="0">
+                <a:latin typeface="Courier" pitchFamily="2" charset="0"/>
+              </a:rPr>
+              <a:t>   |                                                               |</a:t>
+            </a:r>
+          </a:p>
+          <a:p>
+            <a:r>
+              <a:rPr lang="en-CA" sz="800" dirty="0">
+                <a:latin typeface="Courier" pitchFamily="2" charset="0"/>
+              </a:rPr>
+              <a:t>   |                                                               |</a:t>
+            </a:r>
+          </a:p>
+          <a:p>
+            <a:r>
+              <a:rPr lang="en-CA" sz="800" dirty="0">
+                <a:latin typeface="Courier" pitchFamily="2" charset="0"/>
+              </a:rPr>
+              <a:t>   +-+-+-+-+-+-+-+-+-+-+-+-+-+-+-+-+-+-+-+-+-+-+-+-+-+-+-+-+-+-+-+-+</a:t>
+            </a:r>
+          </a:p>
+          <a:p>
+            <a:r>
+              <a:rPr lang="en-CA" sz="800" dirty="0">
+                <a:latin typeface="Courier" pitchFamily="2" charset="0"/>
+              </a:rPr>
+              <a:t> </a:t>
+            </a:r>
+          </a:p>
+          <a:p>
+            <a:r>
+              <a:rPr lang="en-CA" sz="800" dirty="0">
+                <a:latin typeface="Courier" pitchFamily="2" charset="0"/>
+              </a:rPr>
+              <a:t>  Figure: Example MPLS Encapsulation with </a:t>
+            </a:r>
+            <a:r>
+              <a:rPr lang="en-CA" sz="800" dirty="0" err="1">
+                <a:latin typeface="Courier" pitchFamily="2" charset="0"/>
+              </a:rPr>
+              <a:t>DetNet</a:t>
+            </a:r>
+            <a:r>
+              <a:rPr lang="en-CA" sz="800" dirty="0">
+                <a:latin typeface="Courier" pitchFamily="2" charset="0"/>
+              </a:rPr>
+              <a:t> with IOAM Data Fields</a:t>
+            </a:r>
+            <a:endParaRPr lang="en-CA" sz="800" dirty="0">
+              <a:latin typeface="Courier" pitchFamily="2" charset="0"/>
+              <a:ea typeface="Calibri" panose="020F0502020204030204" pitchFamily="34" charset="0"/>
+              <a:cs typeface="Times New Roman" panose="02020603050405020304" pitchFamily="18" charset="0"/>
+            </a:endParaRPr>
+          </a:p>
+        </p:txBody>
+      </p:sp>
+    </p:spTree>
+    <p:extLst>
+      <p:ext uri="{BB962C8B-B14F-4D97-AF65-F5344CB8AC3E}">
+        <p14:creationId xmlns:p14="http://schemas.microsoft.com/office/powerpoint/2010/main" val="1058011721"/>
+      </p:ext>
+    </p:extLst>
+  </p:cSld>
+  <p:clrMapOvr>
+    <a:masterClrMapping/>
+  </p:clrMapOvr>
+</p:sld>
+</file>
+
+<file path=ppt/slides/slide31.xml><?xml version="1.0" encoding="utf-8"?>
+<p:sld xmlns:a="http://schemas.openxmlformats.org/drawingml/2006/main" xmlns:r="http://schemas.openxmlformats.org/officeDocument/2006/relationships" xmlns:p="http://schemas.openxmlformats.org/presentationml/2006/main">
+  <p:cSld>
+    <p:spTree>
+      <p:nvGrpSpPr>
+        <p:cNvPr id="1" name=""/>
+        <p:cNvGrpSpPr/>
+        <p:nvPr/>
+      </p:nvGrpSpPr>
+      <p:grpSpPr>
+        <a:xfrm>
+          <a:off x="0" y="0"/>
+          <a:ext cx="0" cy="0"/>
+          <a:chOff x="0" y="0"/>
+          <a:chExt cx="0" cy="0"/>
+        </a:xfrm>
+      </p:grpSpPr>
+      <p:sp>
+        <p:nvSpPr>
+          <p:cNvPr id="2" name="Title 1">
+            <a:extLst>
+              <a:ext uri="{FF2B5EF4-FFF2-40B4-BE49-F238E27FC236}">
+                <a16:creationId xmlns:a16="http://schemas.microsoft.com/office/drawing/2014/main" id="{16C5255E-BE42-5348-AC0F-6257873BBB61}"/>
+              </a:ext>
+            </a:extLst>
+          </p:cNvPr>
+          <p:cNvSpPr>
+            <a:spLocks noGrp="1"/>
+          </p:cNvSpPr>
+          <p:nvPr>
+            <p:ph type="title"/>
+          </p:nvPr>
+        </p:nvSpPr>
+        <p:spPr>
+          <a:xfrm>
+            <a:off x="0" y="17653"/>
+            <a:ext cx="9124208" cy="717589"/>
+          </a:xfrm>
+        </p:spPr>
+        <p:txBody>
+          <a:bodyPr/>
+          <a:lstStyle/>
+          <a:p>
+            <a:r>
+              <a:rPr lang="en-US" sz="2400" dirty="0">
+                <a:solidFill>
+                  <a:srgbClr val="0070C0"/>
+                </a:solidFill>
+                <a:latin typeface="Calibri Light" panose="020F0302020204030204" pitchFamily="34" charset="0"/>
+                <a:cs typeface="Calibri Light" panose="020F0302020204030204" pitchFamily="34" charset="0"/>
+              </a:rPr>
+              <a:t>Generic Delivery Function </a:t>
+            </a:r>
+            <a:r>
+              <a:rPr lang="en-US" sz="2400" dirty="0" err="1">
+                <a:solidFill>
+                  <a:srgbClr val="0070C0"/>
+                </a:solidFill>
+                <a:latin typeface="Calibri Light" panose="020F0302020204030204" pitchFamily="34" charset="0"/>
+                <a:cs typeface="Calibri Light" panose="020F0302020204030204" pitchFamily="34" charset="0"/>
+              </a:rPr>
+              <a:t>Encap</a:t>
+            </a:r>
+            <a:r>
+              <a:rPr lang="en-US" sz="2400" dirty="0">
+                <a:solidFill>
+                  <a:srgbClr val="0070C0"/>
+                </a:solidFill>
+                <a:latin typeface="Calibri Light" panose="020F0302020204030204" pitchFamily="34" charset="0"/>
+                <a:cs typeface="Calibri Light" panose="020F0302020204030204" pitchFamily="34" charset="0"/>
+              </a:rPr>
+              <a:t> with IOAM Data Fields</a:t>
+            </a:r>
+          </a:p>
+        </p:txBody>
+      </p:sp>
+      <p:sp>
+        <p:nvSpPr>
+          <p:cNvPr id="4" name="Footer Placeholder 3">
+            <a:extLst>
+              <a:ext uri="{FF2B5EF4-FFF2-40B4-BE49-F238E27FC236}">
+                <a16:creationId xmlns:a16="http://schemas.microsoft.com/office/drawing/2014/main" id="{CF70CC82-C055-3645-9254-87CEC1C49032}"/>
+              </a:ext>
+            </a:extLst>
+          </p:cNvPr>
+          <p:cNvSpPr>
+            <a:spLocks noGrp="1"/>
+          </p:cNvSpPr>
+          <p:nvPr>
+            <p:ph type="ftr" sz="quarter" idx="11"/>
+          </p:nvPr>
+        </p:nvSpPr>
+        <p:spPr>
+          <a:xfrm>
+            <a:off x="3124200" y="4786312"/>
+            <a:ext cx="2895600" cy="357188"/>
+          </a:xfrm>
+        </p:spPr>
+        <p:txBody>
+          <a:bodyPr/>
+          <a:lstStyle/>
+          <a:p>
+            <a:pPr>
+              <a:defRPr/>
+            </a:pPr>
+            <a:r>
+              <a:rPr lang="en-US" altLang="zh-CN" dirty="0"/>
+              <a:t>110</a:t>
+            </a:r>
+            <a:r>
+              <a:rPr lang="en-US" altLang="zh-CN" baseline="30000" dirty="0"/>
+              <a:t>th</a:t>
+            </a:r>
+            <a:r>
+              <a:rPr lang="en-US" altLang="zh-CN" dirty="0"/>
+              <a:t> IETF Online</a:t>
+            </a:r>
+          </a:p>
+        </p:txBody>
+      </p:sp>
+      <p:sp>
+        <p:nvSpPr>
+          <p:cNvPr id="5" name="Slide Number Placeholder 4">
+            <a:extLst>
+              <a:ext uri="{FF2B5EF4-FFF2-40B4-BE49-F238E27FC236}">
+                <a16:creationId xmlns:a16="http://schemas.microsoft.com/office/drawing/2014/main" id="{62DF7D69-BCF6-2D4A-A3F1-2D32C59355D3}"/>
+              </a:ext>
+            </a:extLst>
+          </p:cNvPr>
+          <p:cNvSpPr>
+            <a:spLocks noGrp="1"/>
+          </p:cNvSpPr>
+          <p:nvPr>
+            <p:ph type="sldNum" sz="quarter" idx="12"/>
+          </p:nvPr>
+        </p:nvSpPr>
+        <p:spPr/>
+        <p:txBody>
+          <a:bodyPr/>
+          <a:lstStyle/>
+          <a:p>
+            <a:pPr>
+              <a:defRPr/>
+            </a:pPr>
+            <a:fld id="{BD6E0F59-1DD8-40FC-9C92-B6295CBA6CCA}" type="slidenum">
+              <a:rPr lang="en-US" altLang="zh-CN" smtClean="0"/>
+              <a:pPr>
+                <a:defRPr/>
+              </a:pPr>
+              <a:t>31</a:t>
             </a:fld>
             <a:endParaRPr lang="en-US" altLang="zh-CN" dirty="0"/>
           </a:p>
@@ -15967,7 +16239,7 @@
 </p:sld>
 </file>
 
-<file path=ppt/slides/slide31.xml><?xml version="1.0" encoding="utf-8"?>
+<file path=ppt/slides/slide32.xml><?xml version="1.0" encoding="utf-8"?>
 <p:sld xmlns:a="http://schemas.openxmlformats.org/drawingml/2006/main" xmlns:r="http://schemas.openxmlformats.org/officeDocument/2006/relationships" xmlns:p="http://schemas.openxmlformats.org/presentationml/2006/main">
   <p:cSld>
     <p:spTree>
@@ -16231,7 +16503,7 @@
               <a:pPr>
                 <a:defRPr/>
               </a:pPr>
-              <a:t>31</a:t>
+              <a:t>32</a:t>
             </a:fld>
             <a:endParaRPr lang="en-US" altLang="zh-CN"/>
           </a:p>

--- a/draft-gandhi-mpls-ioam-sr-06.pptx
+++ b/draft-gandhi-mpls-ioam-sr-06.pptx
@@ -11333,8 +11333,8 @@
         </p:nvSpPr>
         <p:spPr>
           <a:xfrm>
-            <a:off x="152400" y="4638350"/>
-            <a:ext cx="1905000" cy="430887"/>
+            <a:off x="-6531" y="4715435"/>
+            <a:ext cx="2362200" cy="430887"/>
           </a:xfrm>
           <a:prstGeom prst="rect">
             <a:avLst/>
@@ -11352,13 +11352,9 @@
           </a:bodyPr>
           <a:lstStyle/>
           <a:p>
-            <a:pPr marL="171450" indent="-171450">
-              <a:buFont typeface="Arial" panose="020B0604020202020204" pitchFamily="34" charset="0"/>
-              <a:buChar char="•"/>
-            </a:pPr>
             <a:r>
               <a:rPr lang="en-US" sz="1100" dirty="0"/>
-              <a:t>IOAM G-</a:t>
+              <a:t>Do we define IOAM G-</a:t>
             </a:r>
             <a:r>
               <a:rPr lang="en-US" sz="1100" dirty="0" err="1"/>
@@ -11366,7 +11362,7 @@
             </a:r>
             <a:r>
               <a:rPr lang="en-US" sz="1100" dirty="0"/>
-              <a:t> Type 2 - with another Metadata</a:t>
+              <a:t> Type2 when another Metadata follows?</a:t>
             </a:r>
           </a:p>
         </p:txBody>
@@ -11858,10 +11854,10 @@
       </p:sp>
       <p:sp>
         <p:nvSpPr>
-          <p:cNvPr id="7" name="TextBox 6">
+          <p:cNvPr id="8" name="TextBox 7">
             <a:extLst>
               <a:ext uri="{FF2B5EF4-FFF2-40B4-BE49-F238E27FC236}">
-                <a16:creationId xmlns:a16="http://schemas.microsoft.com/office/drawing/2014/main" id="{2408B109-510A-0E40-BF63-B5DCD7F2D5B7}"/>
+                <a16:creationId xmlns:a16="http://schemas.microsoft.com/office/drawing/2014/main" id="{D4F9B4B7-7435-BD49-ABB9-1AC0A720E4E6}"/>
               </a:ext>
             </a:extLst>
           </p:cNvPr>
@@ -11870,8 +11866,8 @@
         </p:nvSpPr>
         <p:spPr>
           <a:xfrm>
-            <a:off x="114300" y="4610220"/>
-            <a:ext cx="1790700" cy="430887"/>
+            <a:off x="0" y="4718003"/>
+            <a:ext cx="2362200" cy="430887"/>
           </a:xfrm>
           <a:prstGeom prst="rect">
             <a:avLst/>
@@ -11889,13 +11885,9 @@
           </a:bodyPr>
           <a:lstStyle/>
           <a:p>
-            <a:pPr marL="171450" indent="-171450">
-              <a:buFont typeface="Arial" panose="020B0604020202020204" pitchFamily="34" charset="0"/>
-              <a:buChar char="•"/>
-            </a:pPr>
             <a:r>
               <a:rPr lang="en-US" sz="1100" dirty="0"/>
-              <a:t>IOAM G-</a:t>
+              <a:t>Do we define IOAM G-</a:t>
             </a:r>
             <a:r>
               <a:rPr lang="en-US" sz="1100" dirty="0" err="1"/>
@@ -11903,7 +11895,7 @@
             </a:r>
             <a:r>
               <a:rPr lang="en-US" sz="1100" dirty="0"/>
-              <a:t> Type 2 - with another Metadata</a:t>
+              <a:t> Type2 when another Metadata follows?</a:t>
             </a:r>
           </a:p>
         </p:txBody>
@@ -13645,7 +13637,7 @@
         </p:nvSpPr>
         <p:spPr>
           <a:xfrm>
-            <a:off x="114300" y="3556640"/>
+            <a:off x="-38100" y="3379754"/>
             <a:ext cx="2476500" cy="1015663"/>
           </a:xfrm>
           <a:prstGeom prst="rect">
@@ -13701,10 +13693,10 @@
       </p:sp>
       <p:sp>
         <p:nvSpPr>
-          <p:cNvPr id="8" name="TextBox 7">
+          <p:cNvPr id="9" name="TextBox 8">
             <a:extLst>
               <a:ext uri="{FF2B5EF4-FFF2-40B4-BE49-F238E27FC236}">
-                <a16:creationId xmlns:a16="http://schemas.microsoft.com/office/drawing/2014/main" id="{26635932-8C0E-D84F-BA3A-4C2CBE7854A1}"/>
+                <a16:creationId xmlns:a16="http://schemas.microsoft.com/office/drawing/2014/main" id="{04EDB6FD-5617-114F-A3B8-F6A476C270E1}"/>
               </a:ext>
             </a:extLst>
           </p:cNvPr>
@@ -13713,8 +13705,8 @@
         </p:nvSpPr>
         <p:spPr>
           <a:xfrm>
-            <a:off x="216898" y="4683919"/>
-            <a:ext cx="1908810" cy="430887"/>
+            <a:off x="0" y="4726722"/>
+            <a:ext cx="2362200" cy="430887"/>
           </a:xfrm>
           <a:prstGeom prst="rect">
             <a:avLst/>
@@ -13732,13 +13724,9 @@
           </a:bodyPr>
           <a:lstStyle/>
           <a:p>
-            <a:pPr marL="171450" indent="-171450">
-              <a:buFont typeface="Arial" panose="020B0604020202020204" pitchFamily="34" charset="0"/>
-              <a:buChar char="•"/>
-            </a:pPr>
             <a:r>
               <a:rPr lang="en-US" sz="1100" dirty="0"/>
-              <a:t>IOAM G-</a:t>
+              <a:t>Do we define IOAM G-</a:t>
             </a:r>
             <a:r>
               <a:rPr lang="en-US" sz="1100" dirty="0" err="1"/>
@@ -13746,7 +13734,7 @@
             </a:r>
             <a:r>
               <a:rPr lang="en-US" sz="1100" dirty="0"/>
-              <a:t> Type 2 - with another Metadata</a:t>
+              <a:t> Type2 when another Metadata follows?</a:t>
             </a:r>
           </a:p>
         </p:txBody>
@@ -13953,7 +13941,7 @@
         </p:nvSpPr>
         <p:spPr>
           <a:xfrm>
-            <a:off x="2020389" y="631777"/>
+            <a:off x="2362200" y="628292"/>
             <a:ext cx="5257800" cy="4247317"/>
           </a:xfrm>
           <a:prstGeom prst="rect">
@@ -14304,10 +14292,10 @@
       </p:sp>
       <p:sp>
         <p:nvSpPr>
-          <p:cNvPr id="7" name="TextBox 6">
+          <p:cNvPr id="8" name="TextBox 7">
             <a:extLst>
               <a:ext uri="{FF2B5EF4-FFF2-40B4-BE49-F238E27FC236}">
-                <a16:creationId xmlns:a16="http://schemas.microsoft.com/office/drawing/2014/main" id="{DA230AE3-98B3-5E4A-A0F2-679B0C4BE38C}"/>
+                <a16:creationId xmlns:a16="http://schemas.microsoft.com/office/drawing/2014/main" id="{BA600B46-2CC5-C346-BF21-8E04807A19A2}"/>
               </a:ext>
             </a:extLst>
           </p:cNvPr>
@@ -14316,8 +14304,8 @@
         </p:nvSpPr>
         <p:spPr>
           <a:xfrm>
-            <a:off x="28303" y="4663651"/>
-            <a:ext cx="1981200" cy="430887"/>
+            <a:off x="0" y="4717461"/>
+            <a:ext cx="2362200" cy="430887"/>
           </a:xfrm>
           <a:prstGeom prst="rect">
             <a:avLst/>
@@ -14335,13 +14323,9 @@
           </a:bodyPr>
           <a:lstStyle/>
           <a:p>
-            <a:pPr marL="171450" indent="-171450">
-              <a:buFont typeface="Arial" panose="020B0604020202020204" pitchFamily="34" charset="0"/>
-              <a:buChar char="•"/>
-            </a:pPr>
             <a:r>
               <a:rPr lang="en-US" sz="1100" dirty="0"/>
-              <a:t>IOAM G-</a:t>
+              <a:t>Do we define IOAM G-</a:t>
             </a:r>
             <a:r>
               <a:rPr lang="en-US" sz="1100" dirty="0" err="1"/>
@@ -14349,7 +14333,7 @@
             </a:r>
             <a:r>
               <a:rPr lang="en-US" sz="1100" dirty="0"/>
-              <a:t> Type 2 - with another Metadata</a:t>
+              <a:t> Type2 when another Metadata follows?</a:t>
             </a:r>
           </a:p>
         </p:txBody>

--- a/draft-gandhi-mpls-ioam-sr-06.pptx
+++ b/draft-gandhi-mpls-ioam-sr-06.pptx
@@ -17525,6 +17525,41 @@
               <a:ea typeface="Calibri" panose="020F0502020204030204" pitchFamily="34" charset="0"/>
               <a:cs typeface="Times New Roman" panose="02020603050405020304" pitchFamily="18" charset="0"/>
             </a:endParaRPr>
+          </a:p>
+        </p:txBody>
+      </p:sp>
+      <p:sp>
+        <p:nvSpPr>
+          <p:cNvPr id="3" name="Rectangle 2">
+            <a:extLst>
+              <a:ext uri="{FF2B5EF4-FFF2-40B4-BE49-F238E27FC236}">
+                <a16:creationId xmlns:a16="http://schemas.microsoft.com/office/drawing/2014/main" id="{187D77D4-EF05-8A49-A497-34193E353042}"/>
+              </a:ext>
+            </a:extLst>
+          </p:cNvPr>
+          <p:cNvSpPr/>
+          <p:nvPr/>
+        </p:nvSpPr>
+        <p:spPr>
+          <a:xfrm>
+            <a:off x="152400" y="4322926"/>
+            <a:ext cx="2362200" cy="769441"/>
+          </a:xfrm>
+          <a:prstGeom prst="rect">
+            <a:avLst/>
+          </a:prstGeom>
+        </p:spPr>
+        <p:txBody>
+          <a:bodyPr wrap="square">
+            <a:spAutoFit/>
+          </a:bodyPr>
+          <a:lstStyle/>
+          <a:p>
+            <a:r>
+              <a:rPr lang="en-CA" sz="1100" dirty="0"/>
+              <a:t>An ACH is currently defined not to carry service/user data - it is a control/OAM channel. This needs to be updated. GAL is not used.</a:t>
+            </a:r>
+            <a:endParaRPr lang="en-US" sz="1100" dirty="0"/>
           </a:p>
         </p:txBody>
       </p:sp>

--- a/draft-gandhi-mpls-ioam-sr-06.pptx
+++ b/draft-gandhi-mpls-ioam-sr-06.pptx
@@ -9914,7 +9914,23 @@
                   <a:srgbClr val="0070C0"/>
                 </a:solidFill>
               </a:rPr>
-              <a:t>The intermediate (intermediate) nodes may punt the timestamped copy of the data packet for further IOAM processing.</a:t>
+              <a:t>The intermediate (intermediate) nodes may punt the timestamped </a:t>
+            </a:r>
+            <a:r>
+              <a:rPr lang="en-CA" sz="1400" b="1" dirty="0">
+                <a:solidFill>
+                  <a:srgbClr val="0070C0"/>
+                </a:solidFill>
+              </a:rPr>
+              <a:t>copy of the data packet </a:t>
+            </a:r>
+            <a:r>
+              <a:rPr lang="en-CA" sz="1400" dirty="0">
+                <a:solidFill>
+                  <a:srgbClr val="0070C0"/>
+                </a:solidFill>
+              </a:rPr>
+              <a:t>for further IOAM processing.</a:t>
             </a:r>
           </a:p>
           <a:p>
@@ -11061,7 +11077,7 @@
         </p:nvSpPr>
         <p:spPr>
           <a:xfrm>
-            <a:off x="2019300" y="793590"/>
+            <a:off x="2019300" y="642150"/>
             <a:ext cx="5105400" cy="3693319"/>
           </a:xfrm>
           <a:prstGeom prst="rect">
@@ -11333,8 +11349,8 @@
         </p:nvSpPr>
         <p:spPr>
           <a:xfrm>
-            <a:off x="-6531" y="4715435"/>
-            <a:ext cx="2362200" cy="430887"/>
+            <a:off x="152400" y="4440943"/>
+            <a:ext cx="2971800" cy="600164"/>
           </a:xfrm>
           <a:prstGeom prst="rect">
             <a:avLst/>
@@ -11354,15 +11370,7 @@
           <a:p>
             <a:r>
               <a:rPr lang="en-US" sz="1100" dirty="0"/>
-              <a:t>Do we define IOAM G-</a:t>
-            </a:r>
-            <a:r>
-              <a:rPr lang="en-US" sz="1100" dirty="0" err="1"/>
-              <a:t>ACh</a:t>
-            </a:r>
-            <a:r>
-              <a:rPr lang="en-US" sz="1100" dirty="0"/>
-              <a:t> Type2 when another Metadata follows?</a:t>
+              <a:t>As 0001/GACH is only defined for control/OAM channel and IOAM GACH used for data traffic, this case does not exist? </a:t>
             </a:r>
           </a:p>
         </p:txBody>
@@ -11866,7 +11874,7 @@
         </p:nvSpPr>
         <p:spPr>
           <a:xfrm>
-            <a:off x="0" y="4718003"/>
+            <a:off x="76200" y="4627006"/>
             <a:ext cx="2362200" cy="430887"/>
           </a:xfrm>
           <a:prstGeom prst="rect">
@@ -11895,7 +11903,7 @@
             </a:r>
             <a:r>
               <a:rPr lang="en-US" sz="1100" dirty="0"/>
-              <a:t> Type2 when another Metadata follows?</a:t>
+              <a:t> Type2 when 0000b follows?</a:t>
             </a:r>
           </a:p>
         </p:txBody>
@@ -17528,41 +17536,6 @@
           </a:p>
         </p:txBody>
       </p:sp>
-      <p:sp>
-        <p:nvSpPr>
-          <p:cNvPr id="3" name="Rectangle 2">
-            <a:extLst>
-              <a:ext uri="{FF2B5EF4-FFF2-40B4-BE49-F238E27FC236}">
-                <a16:creationId xmlns:a16="http://schemas.microsoft.com/office/drawing/2014/main" id="{187D77D4-EF05-8A49-A497-34193E353042}"/>
-              </a:ext>
-            </a:extLst>
-          </p:cNvPr>
-          <p:cNvSpPr/>
-          <p:nvPr/>
-        </p:nvSpPr>
-        <p:spPr>
-          <a:xfrm>
-            <a:off x="152400" y="4322926"/>
-            <a:ext cx="2362200" cy="769441"/>
-          </a:xfrm>
-          <a:prstGeom prst="rect">
-            <a:avLst/>
-          </a:prstGeom>
-        </p:spPr>
-        <p:txBody>
-          <a:bodyPr wrap="square">
-            <a:spAutoFit/>
-          </a:bodyPr>
-          <a:lstStyle/>
-          <a:p>
-            <a:r>
-              <a:rPr lang="en-CA" sz="1100" dirty="0"/>
-              <a:t>An ACH is currently defined not to carry service/user data - it is a control/OAM channel. This needs to be updated. GAL is not used.</a:t>
-            </a:r>
-            <a:endParaRPr lang="en-US" sz="1100" dirty="0"/>
-          </a:p>
-        </p:txBody>
-      </p:sp>
     </p:spTree>
     <p:extLst>
       <p:ext uri="{BB962C8B-B14F-4D97-AF65-F5344CB8AC3E}">
@@ -17658,8 +17631,8 @@
         </p:nvSpPr>
         <p:spPr>
           <a:xfrm>
-            <a:off x="495300" y="971550"/>
-            <a:ext cx="8153400" cy="3238501"/>
+            <a:off x="495300" y="971551"/>
+            <a:ext cx="8153400" cy="2362200"/>
           </a:xfrm>
         </p:spPr>
         <p:txBody>
@@ -17871,6 +17844,52 @@
             <a:r>
               <a:rPr lang="en-US" sz="1400" dirty="0" err="1"/>
               <a:t>g-ach-parameters.xhtml#mpls-g-ach-types</a:t>
+            </a:r>
+            <a:endParaRPr lang="en-US" sz="1400" dirty="0"/>
+          </a:p>
+        </p:txBody>
+      </p:sp>
+      <p:sp>
+        <p:nvSpPr>
+          <p:cNvPr id="7" name="Rectangle 6">
+            <a:extLst>
+              <a:ext uri="{FF2B5EF4-FFF2-40B4-BE49-F238E27FC236}">
+                <a16:creationId xmlns:a16="http://schemas.microsoft.com/office/drawing/2014/main" id="{B8327C81-6DD6-C24F-9C75-0B8CF16F5438}"/>
+              </a:ext>
+            </a:extLst>
+          </p:cNvPr>
+          <p:cNvSpPr/>
+          <p:nvPr/>
+        </p:nvSpPr>
+        <p:spPr>
+          <a:xfrm>
+            <a:off x="685800" y="3360414"/>
+            <a:ext cx="7391399" cy="830997"/>
+          </a:xfrm>
+          <a:prstGeom prst="rect">
+            <a:avLst/>
+          </a:prstGeom>
+          <a:ln>
+            <a:solidFill>
+              <a:schemeClr val="accent1"/>
+            </a:solidFill>
+          </a:ln>
+        </p:spPr>
+        <p:txBody>
+          <a:bodyPr wrap="square">
+            <a:spAutoFit/>
+          </a:bodyPr>
+          <a:lstStyle/>
+          <a:p>
+            <a:r>
+              <a:rPr lang="en-CA" sz="1400" dirty="0"/>
+              <a:t>An ACH is currently defined not to carry service/user data - it is a control/OAM channel. This needs to be updated. </a:t>
+            </a:r>
+          </a:p>
+          <a:p>
+            <a:r>
+              <a:rPr lang="en-CA" sz="1400" dirty="0"/>
+              <a:t>GAL also defined for control/OAM channel is not used.</a:t>
             </a:r>
             <a:endParaRPr lang="en-US" sz="1400" dirty="0"/>
           </a:p>

--- a/draft-gandhi-mpls-ioam-sr-06.pptx
+++ b/draft-gandhi-mpls-ioam-sr-06.pptx
@@ -37,8 +37,8 @@
     <p:sldId id="1669" r:id="rId25"/>
     <p:sldId id="1697" r:id="rId26"/>
     <p:sldId id="1667" r:id="rId27"/>
-    <p:sldId id="1695" r:id="rId28"/>
-    <p:sldId id="1690" r:id="rId29"/>
+    <p:sldId id="1690" r:id="rId28"/>
+    <p:sldId id="1695" r:id="rId29"/>
     <p:sldId id="1699" r:id="rId30"/>
     <p:sldId id="1696" r:id="rId31"/>
     <p:sldId id="1700" r:id="rId32"/>
@@ -11077,7 +11077,7 @@
         </p:nvSpPr>
         <p:spPr>
           <a:xfrm>
-            <a:off x="2019300" y="642150"/>
+            <a:off x="2019300" y="767560"/>
             <a:ext cx="5105400" cy="3693319"/>
           </a:xfrm>
           <a:prstGeom prst="rect">
@@ -11332,46 +11332,6 @@
               <a:ea typeface="Calibri" panose="020F0502020204030204" pitchFamily="34" charset="0"/>
               <a:cs typeface="Times New Roman" panose="02020603050405020304" pitchFamily="18" charset="0"/>
             </a:endParaRPr>
-          </a:p>
-        </p:txBody>
-      </p:sp>
-      <p:sp>
-        <p:nvSpPr>
-          <p:cNvPr id="3" name="TextBox 2">
-            <a:extLst>
-              <a:ext uri="{FF2B5EF4-FFF2-40B4-BE49-F238E27FC236}">
-                <a16:creationId xmlns:a16="http://schemas.microsoft.com/office/drawing/2014/main" id="{301B9597-BC73-F646-968A-2D31781EF553}"/>
-              </a:ext>
-            </a:extLst>
-          </p:cNvPr>
-          <p:cNvSpPr txBox="1"/>
-          <p:nvPr/>
-        </p:nvSpPr>
-        <p:spPr>
-          <a:xfrm>
-            <a:off x="152400" y="4440943"/>
-            <a:ext cx="2971800" cy="600164"/>
-          </a:xfrm>
-          <a:prstGeom prst="rect">
-            <a:avLst/>
-          </a:prstGeom>
-          <a:noFill/>
-          <a:ln>
-            <a:solidFill>
-              <a:schemeClr val="accent1"/>
-            </a:solidFill>
-          </a:ln>
-        </p:spPr>
-        <p:txBody>
-          <a:bodyPr wrap="square" rtlCol="0">
-            <a:spAutoFit/>
-          </a:bodyPr>
-          <a:lstStyle/>
-          <a:p>
-            <a:r>
-              <a:rPr lang="en-US" sz="1100" dirty="0"/>
-              <a:t>As 0001/GACH is only defined for control/OAM channel and IOAM GACH used for data traffic, this case does not exist? </a:t>
-            </a:r>
           </a:p>
         </p:txBody>
       </p:sp>
@@ -11581,7 +11541,7 @@
         </p:nvSpPr>
         <p:spPr>
           <a:xfrm>
-            <a:off x="1885950" y="820745"/>
+            <a:off x="1885950" y="871025"/>
             <a:ext cx="5372100" cy="3693319"/>
           </a:xfrm>
           <a:prstGeom prst="rect">
@@ -11857,54 +11817,6 @@
               <a:ea typeface="Calibri" panose="020F0502020204030204" pitchFamily="34" charset="0"/>
               <a:cs typeface="Times New Roman" panose="02020603050405020304" pitchFamily="18" charset="0"/>
             </a:endParaRPr>
-          </a:p>
-        </p:txBody>
-      </p:sp>
-      <p:sp>
-        <p:nvSpPr>
-          <p:cNvPr id="8" name="TextBox 7">
-            <a:extLst>
-              <a:ext uri="{FF2B5EF4-FFF2-40B4-BE49-F238E27FC236}">
-                <a16:creationId xmlns:a16="http://schemas.microsoft.com/office/drawing/2014/main" id="{D4F9B4B7-7435-BD49-ABB9-1AC0A720E4E6}"/>
-              </a:ext>
-            </a:extLst>
-          </p:cNvPr>
-          <p:cNvSpPr txBox="1"/>
-          <p:nvPr/>
-        </p:nvSpPr>
-        <p:spPr>
-          <a:xfrm>
-            <a:off x="76200" y="4627006"/>
-            <a:ext cx="2362200" cy="430887"/>
-          </a:xfrm>
-          <a:prstGeom prst="rect">
-            <a:avLst/>
-          </a:prstGeom>
-          <a:noFill/>
-          <a:ln>
-            <a:solidFill>
-              <a:schemeClr val="accent1"/>
-            </a:solidFill>
-          </a:ln>
-        </p:spPr>
-        <p:txBody>
-          <a:bodyPr wrap="square" rtlCol="0">
-            <a:spAutoFit/>
-          </a:bodyPr>
-          <a:lstStyle/>
-          <a:p>
-            <a:r>
-              <a:rPr lang="en-US" sz="1100" dirty="0"/>
-              <a:t>Do we define IOAM G-</a:t>
-            </a:r>
-            <a:r>
-              <a:rPr lang="en-US" sz="1100" dirty="0" err="1"/>
-              <a:t>ACh</a:t>
-            </a:r>
-            <a:r>
-              <a:rPr lang="en-US" sz="1100" dirty="0"/>
-              <a:t> Type2 when 0000b follows?</a:t>
-            </a:r>
           </a:p>
         </p:txBody>
       </p:sp>
@@ -13190,8 +13102,8 @@
         </p:nvSpPr>
         <p:spPr>
           <a:xfrm>
-            <a:off x="0" y="17653"/>
-            <a:ext cx="9124208" cy="717589"/>
+            <a:off x="0" y="0"/>
+            <a:ext cx="8839200" cy="717589"/>
           </a:xfrm>
         </p:spPr>
         <p:txBody>
@@ -13206,7 +13118,7 @@
                 <a:latin typeface="Calibri Light" panose="020F0302020204030204" pitchFamily="34" charset="0"/>
                 <a:cs typeface="Calibri Light" panose="020F0302020204030204" pitchFamily="34" charset="0"/>
               </a:rPr>
-              <a:t>Example 2 - Generic Delivery Function </a:t>
+              <a:t>Example 2 - </a:t>
             </a:r>
             <a:r>
               <a:rPr lang="en-US" sz="2400" dirty="0" err="1">
@@ -13216,7 +13128,7 @@
                 <a:latin typeface="Calibri Light" panose="020F0302020204030204" pitchFamily="34" charset="0"/>
                 <a:cs typeface="Calibri Light" panose="020F0302020204030204" pitchFamily="34" charset="0"/>
               </a:rPr>
-              <a:t>Encap</a:t>
+              <a:t>DetNet</a:t>
             </a:r>
             <a:r>
               <a:rPr lang="en-US" sz="2400" dirty="0">
@@ -13226,7 +13138,27 @@
                 <a:latin typeface="Calibri Light" panose="020F0302020204030204" pitchFamily="34" charset="0"/>
                 <a:cs typeface="Calibri Light" panose="020F0302020204030204" pitchFamily="34" charset="0"/>
               </a:rPr>
-              <a:t> with IOAM Data Fields</a:t>
+              <a:t> Control Word [RFC8964] </a:t>
+            </a:r>
+            <a:r>
+              <a:rPr lang="en-CA" sz="2400" dirty="0">
+                <a:solidFill>
+                  <a:srgbClr val="0070C0"/>
+                </a:solidFill>
+                <a:latin typeface="Calibri Light" panose="020F0302020204030204" pitchFamily="34" charset="0"/>
+                <a:cs typeface="Calibri Light" panose="020F0302020204030204" pitchFamily="34" charset="0"/>
+              </a:rPr>
+              <a:t>with IOAM Data Fields</a:t>
+            </a:r>
+            <a:r>
+              <a:rPr lang="en-US" sz="2400" dirty="0">
+                <a:solidFill>
+                  <a:srgbClr val="0070C0"/>
+                </a:solidFill>
+                <a:latin typeface="Calibri Light" panose="020F0302020204030204" pitchFamily="34" charset="0"/>
+                <a:cs typeface="Calibri Light" panose="020F0302020204030204" pitchFamily="34" charset="0"/>
+              </a:rPr>
+              <a:t> </a:t>
             </a:r>
           </a:p>
         </p:txBody>
@@ -13324,8 +13256,8 @@
         </p:nvSpPr>
         <p:spPr>
           <a:xfrm>
-            <a:off x="2438400" y="713601"/>
-            <a:ext cx="5791200" cy="3970318"/>
+            <a:off x="2362200" y="628292"/>
+            <a:ext cx="5257800" cy="4247317"/>
           </a:xfrm>
           <a:prstGeom prst="rect">
             <a:avLst/>
@@ -13371,6 +13303,38 @@
               <a:rPr lang="en-CA" sz="900" dirty="0">
                 <a:latin typeface="Courier" pitchFamily="2" charset="0"/>
               </a:rPr>
+              <a:t>   | [F-Label(s)]                          | TC  |S|  TTL          |</a:t>
+            </a:r>
+          </a:p>
+          <a:p>
+            <a:r>
+              <a:rPr lang="en-CA" sz="900" dirty="0">
+                <a:latin typeface="Courier" pitchFamily="2" charset="0"/>
+              </a:rPr>
+              <a:t>   +-+-+-+-+-+-+-+-+-+-+-+-+-+-+-+-+-+-+-+-+-+-+-+-+-+-+-+-+-+-+-+-+</a:t>
+            </a:r>
+          </a:p>
+          <a:p>
+            <a:r>
+              <a:rPr lang="en-CA" sz="900" dirty="0">
+                <a:latin typeface="Courier" pitchFamily="2" charset="0"/>
+              </a:rPr>
+              <a:t>   | S-Label                               | TC  |S|  TTL          |</a:t>
+            </a:r>
+          </a:p>
+          <a:p>
+            <a:r>
+              <a:rPr lang="en-CA" sz="900" dirty="0">
+                <a:latin typeface="Courier" pitchFamily="2" charset="0"/>
+              </a:rPr>
+              <a:t>   +-+-+-+-+-+-+-+-+-+-+-+-+-+-+-+-+-+-+-+-+-+-+-+-+-+-+-+-+-+-+-+-+</a:t>
+            </a:r>
+          </a:p>
+          <a:p>
+            <a:r>
+              <a:rPr lang="en-CA" sz="900" dirty="0">
+                <a:latin typeface="Courier" pitchFamily="2" charset="0"/>
+              </a:rPr>
               <a:t>   | IOAM Indicator Label                  | TC  |1|  TTL          |</a:t>
             </a:r>
           </a:p>
@@ -13493,11 +13457,20 @@
             <a:r>
               <a:rPr lang="en-CA" sz="900" dirty="0">
                 <a:solidFill>
+                  <a:srgbClr val="C00000"/>
+                </a:solidFill>
+                <a:latin typeface="Courier" pitchFamily="2" charset="0"/>
+              </a:rPr>
+              <a:t>   </a:t>
+            </a:r>
+            <a:r>
+              <a:rPr lang="en-CA" sz="900" dirty="0">
+                <a:solidFill>
                   <a:srgbClr val="0070C0"/>
                 </a:solidFill>
                 <a:latin typeface="Courier" pitchFamily="2" charset="0"/>
               </a:rPr>
-              <a:t>   |0 0 0 0| </a:t>
+              <a:t>|0 0 0 0| Sequence Number (</a:t>
             </a:r>
             <a:r>
               <a:rPr lang="en-CA" sz="900" dirty="0" err="1">
@@ -13506,7 +13479,7 @@
                 </a:solidFill>
                 <a:latin typeface="Courier" pitchFamily="2" charset="0"/>
               </a:rPr>
-              <a:t>Rsved</a:t>
+              <a:t>DetNet</a:t>
             </a:r>
             <a:r>
               <a:rPr lang="en-CA" sz="900" dirty="0">
@@ -13515,7 +13488,7 @@
                 </a:solidFill>
                 <a:latin typeface="Courier" pitchFamily="2" charset="0"/>
               </a:rPr>
-              <a:t> | This Header   | Header Length | Next Header   |</a:t>
+              <a:t> Control Word)                 |</a:t>
             </a:r>
           </a:p>
           <a:p>
@@ -13532,20 +13505,66 @@
           <a:p>
             <a:r>
               <a:rPr lang="en-CA" sz="900" dirty="0">
-                <a:solidFill>
-                  <a:srgbClr val="0070C0"/>
-                </a:solidFill>
-                <a:latin typeface="Courier" pitchFamily="2" charset="0"/>
-              </a:rPr>
-              <a:t>   ~              Variable field per “This header”                 ~</a:t>
+                <a:latin typeface="Courier" pitchFamily="2" charset="0"/>
+              </a:rPr>
+              <a:t>   |                                                               |</a:t>
             </a:r>
           </a:p>
           <a:p>
             <a:r>
               <a:rPr lang="en-CA" sz="900" dirty="0">
-                <a:solidFill>
-                  <a:srgbClr val="0070C0"/>
-                </a:solidFill>
+                <a:latin typeface="Courier" pitchFamily="2" charset="0"/>
+              </a:rPr>
+              <a:t>   |                                                               |</a:t>
+            </a:r>
+          </a:p>
+          <a:p>
+            <a:r>
+              <a:rPr lang="en-CA" sz="900" dirty="0">
+                <a:latin typeface="Courier" pitchFamily="2" charset="0"/>
+              </a:rPr>
+              <a:t>   ~                 </a:t>
+            </a:r>
+            <a:r>
+              <a:rPr lang="en-CA" sz="900" dirty="0" err="1">
+                <a:latin typeface="Courier" pitchFamily="2" charset="0"/>
+              </a:rPr>
+              <a:t>DetNet</a:t>
+            </a:r>
+            <a:r>
+              <a:rPr lang="en-CA" sz="900" dirty="0">
+                <a:latin typeface="Courier" pitchFamily="2" charset="0"/>
+              </a:rPr>
+              <a:t> Flow                                   ~</a:t>
+            </a:r>
+          </a:p>
+          <a:p>
+            <a:r>
+              <a:rPr lang="en-CA" sz="900" dirty="0">
+                <a:latin typeface="Courier" pitchFamily="2" charset="0"/>
+              </a:rPr>
+              <a:t>   ~                 Payload Packet                                ~</a:t>
+            </a:r>
+          </a:p>
+          <a:p>
+            <a:r>
+              <a:rPr lang="en-CA" sz="900" dirty="0">
+                <a:latin typeface="Courier" pitchFamily="2" charset="0"/>
+              </a:rPr>
+              <a:t>   |                                                               |</a:t>
+            </a:r>
+          </a:p>
+          <a:p>
+            <a:r>
+              <a:rPr lang="en-CA" sz="900" dirty="0">
+                <a:latin typeface="Courier" pitchFamily="2" charset="0"/>
+              </a:rPr>
+              <a:t>   |                                                               |</a:t>
+            </a:r>
+          </a:p>
+          <a:p>
+            <a:r>
+              <a:rPr lang="en-CA" sz="900" dirty="0">
                 <a:latin typeface="Courier" pitchFamily="2" charset="0"/>
               </a:rPr>
               <a:t>   +-+-+-+-+-+-+-+-+-+-+-+-+-+-+-+-+-+-+-+-+-+-+-+-+-+-+-+-+-+-+-+-+</a:t>
@@ -13554,74 +13573,29 @@
           <a:p>
             <a:r>
               <a:rPr lang="en-CA" sz="900" dirty="0">
-                <a:solidFill>
-                  <a:srgbClr val="C00000"/>
-                </a:solidFill>
-                <a:latin typeface="Courier" pitchFamily="2" charset="0"/>
-              </a:rPr>
-              <a:t>  </a:t>
-            </a:r>
+                <a:latin typeface="Courier" pitchFamily="2" charset="0"/>
+              </a:rPr>
+              <a:t> </a:t>
+            </a:r>
+          </a:p>
+          <a:p>
             <a:r>
               <a:rPr lang="en-CA" sz="900" dirty="0">
                 <a:latin typeface="Courier" pitchFamily="2" charset="0"/>
               </a:rPr>
-              <a:t> |                                                               |</a:t>
-            </a:r>
-          </a:p>
-          <a:p>
+              <a:t>  Figure: Example MPLS Encapsulation with </a:t>
+            </a:r>
+            <a:r>
+              <a:rPr lang="en-CA" sz="900" dirty="0" err="1">
+                <a:latin typeface="Courier" pitchFamily="2" charset="0"/>
+              </a:rPr>
+              <a:t>DetNet</a:t>
+            </a:r>
             <a:r>
               <a:rPr lang="en-CA" sz="900" dirty="0">
                 <a:latin typeface="Courier" pitchFamily="2" charset="0"/>
               </a:rPr>
-              <a:t>   |                                                               |</a:t>
-            </a:r>
-          </a:p>
-          <a:p>
-            <a:r>
-              <a:rPr lang="en-CA" sz="900" dirty="0">
-                <a:latin typeface="Courier" pitchFamily="2" charset="0"/>
-              </a:rPr>
-              <a:t>   ~                 Payload Packet                                ~</a:t>
-            </a:r>
-          </a:p>
-          <a:p>
-            <a:r>
-              <a:rPr lang="en-CA" sz="900" dirty="0">
-                <a:latin typeface="Courier" pitchFamily="2" charset="0"/>
-              </a:rPr>
-              <a:t>   |                                                               |</a:t>
-            </a:r>
-          </a:p>
-          <a:p>
-            <a:r>
-              <a:rPr lang="en-CA" sz="900" dirty="0">
-                <a:latin typeface="Courier" pitchFamily="2" charset="0"/>
-              </a:rPr>
-              <a:t>   |                                                               |</a:t>
-            </a:r>
-          </a:p>
-          <a:p>
-            <a:r>
-              <a:rPr lang="en-CA" sz="900" dirty="0">
-                <a:latin typeface="Courier" pitchFamily="2" charset="0"/>
-              </a:rPr>
-              <a:t>   +-+-+-+-+-+-+-+-+-+-+-+-+-+-+-+-+-+-+-+-+-+-+-+-+-+-+-+-+-+-+-+-+</a:t>
-            </a:r>
-          </a:p>
-          <a:p>
-            <a:r>
-              <a:rPr lang="en-CA" sz="900" dirty="0">
-                <a:latin typeface="Courier" pitchFamily="2" charset="0"/>
-              </a:rPr>
-              <a:t> </a:t>
-            </a:r>
-          </a:p>
-          <a:p>
-            <a:r>
-              <a:rPr lang="en-CA" sz="900" dirty="0">
-                <a:latin typeface="Courier" pitchFamily="2" charset="0"/>
-              </a:rPr>
-              <a:t>Figure: MPLS Encapsulation with Generic Delivery Functions with IOAM Data Fields</a:t>
+              <a:t> with IOAM Data Fields</a:t>
             </a:r>
             <a:endParaRPr lang="en-CA" sz="900" dirty="0">
               <a:latin typeface="Courier" pitchFamily="2" charset="0"/>
@@ -13631,126 +13605,10 @@
           </a:p>
         </p:txBody>
       </p:sp>
-      <p:sp>
-        <p:nvSpPr>
-          <p:cNvPr id="7" name="Rectangle 6">
-            <a:extLst>
-              <a:ext uri="{FF2B5EF4-FFF2-40B4-BE49-F238E27FC236}">
-                <a16:creationId xmlns:a16="http://schemas.microsoft.com/office/drawing/2014/main" id="{AF26C24A-B63C-7045-B4DF-BFCC4C5A3608}"/>
-              </a:ext>
-            </a:extLst>
-          </p:cNvPr>
-          <p:cNvSpPr/>
-          <p:nvPr/>
-        </p:nvSpPr>
-        <p:spPr>
-          <a:xfrm>
-            <a:off x="-38100" y="3379754"/>
-            <a:ext cx="2476500" cy="1015663"/>
-          </a:xfrm>
-          <a:prstGeom prst="rect">
-            <a:avLst/>
-          </a:prstGeom>
-        </p:spPr>
-        <p:txBody>
-          <a:bodyPr wrap="square">
-            <a:spAutoFit/>
-          </a:bodyPr>
-          <a:lstStyle/>
-          <a:p>
-            <a:pPr marL="171450" indent="-171450">
-              <a:buFont typeface="Arial" panose="020B0604020202020204" pitchFamily="34" charset="0"/>
-              <a:buChar char="•"/>
-            </a:pPr>
-            <a:r>
-              <a:rPr lang="en-US" sz="1000" dirty="0">
-                <a:hlinkClick r:id="rId2"/>
-              </a:rPr>
-              <a:t>https://datatracker.ietf.org/doc/draft-zzhang-intarea-generic-delivery-functions/</a:t>
-            </a:r>
-            <a:endParaRPr lang="en-US" sz="1000" dirty="0"/>
-          </a:p>
-          <a:p>
-            <a:pPr marL="171450" indent="-171450">
-              <a:buFont typeface="Arial" panose="020B0604020202020204" pitchFamily="34" charset="0"/>
-              <a:buChar char="•"/>
-            </a:pPr>
-            <a:endParaRPr lang="en-US" sz="1000" dirty="0"/>
-          </a:p>
-          <a:p>
-            <a:pPr marL="171450" indent="-171450">
-              <a:buFont typeface="Arial" panose="020B0604020202020204" pitchFamily="34" charset="0"/>
-              <a:buChar char="•"/>
-            </a:pPr>
-            <a:r>
-              <a:rPr lang="en-US" sz="1000" dirty="0"/>
-              <a:t>GDF Ingress/Egress Nodes only.</a:t>
-            </a:r>
-          </a:p>
-          <a:p>
-            <a:pPr marL="171450" indent="-171450">
-              <a:buFont typeface="Arial" panose="020B0604020202020204" pitchFamily="34" charset="0"/>
-              <a:buChar char="•"/>
-            </a:pPr>
-            <a:r>
-              <a:rPr lang="en-US" sz="1000" dirty="0"/>
-              <a:t>GDF has no Hop-by-hop processing</a:t>
-            </a:r>
-          </a:p>
-        </p:txBody>
-      </p:sp>
-      <p:sp>
-        <p:nvSpPr>
-          <p:cNvPr id="9" name="TextBox 8">
-            <a:extLst>
-              <a:ext uri="{FF2B5EF4-FFF2-40B4-BE49-F238E27FC236}">
-                <a16:creationId xmlns:a16="http://schemas.microsoft.com/office/drawing/2014/main" id="{04EDB6FD-5617-114F-A3B8-F6A476C270E1}"/>
-              </a:ext>
-            </a:extLst>
-          </p:cNvPr>
-          <p:cNvSpPr txBox="1"/>
-          <p:nvPr/>
-        </p:nvSpPr>
-        <p:spPr>
-          <a:xfrm>
-            <a:off x="0" y="4726722"/>
-            <a:ext cx="2362200" cy="430887"/>
-          </a:xfrm>
-          <a:prstGeom prst="rect">
-            <a:avLst/>
-          </a:prstGeom>
-          <a:noFill/>
-          <a:ln>
-            <a:solidFill>
-              <a:schemeClr val="accent1"/>
-            </a:solidFill>
-          </a:ln>
-        </p:spPr>
-        <p:txBody>
-          <a:bodyPr wrap="square" rtlCol="0">
-            <a:spAutoFit/>
-          </a:bodyPr>
-          <a:lstStyle/>
-          <a:p>
-            <a:r>
-              <a:rPr lang="en-US" sz="1100" dirty="0"/>
-              <a:t>Do we define IOAM G-</a:t>
-            </a:r>
-            <a:r>
-              <a:rPr lang="en-US" sz="1100" dirty="0" err="1"/>
-              <a:t>ACh</a:t>
-            </a:r>
-            <a:r>
-              <a:rPr lang="en-US" sz="1100" dirty="0"/>
-              <a:t> Type2 when another Metadata follows?</a:t>
-            </a:r>
-          </a:p>
-        </p:txBody>
-      </p:sp>
     </p:spTree>
     <p:extLst>
       <p:ext uri="{BB962C8B-B14F-4D97-AF65-F5344CB8AC3E}">
-        <p14:creationId xmlns:p14="http://schemas.microsoft.com/office/powerpoint/2010/main" val="2472066818"/>
+        <p14:creationId xmlns:p14="http://schemas.microsoft.com/office/powerpoint/2010/main" val="2787306097"/>
       </p:ext>
     </p:extLst>
   </p:cSld>
@@ -13795,8 +13653,8 @@
         </p:nvSpPr>
         <p:spPr>
           <a:xfrm>
-            <a:off x="0" y="0"/>
-            <a:ext cx="8839200" cy="717589"/>
+            <a:off x="0" y="17653"/>
+            <a:ext cx="9124208" cy="717589"/>
           </a:xfrm>
         </p:spPr>
         <p:txBody>
@@ -13811,7 +13669,7 @@
                 <a:latin typeface="Calibri Light" panose="020F0302020204030204" pitchFamily="34" charset="0"/>
                 <a:cs typeface="Calibri Light" panose="020F0302020204030204" pitchFamily="34" charset="0"/>
               </a:rPr>
-              <a:t>Example 3 - </a:t>
+              <a:t>Example 3 - Generic Delivery Function </a:t>
             </a:r>
             <a:r>
               <a:rPr lang="en-US" sz="2400" dirty="0" err="1">
@@ -13821,7 +13679,7 @@
                 <a:latin typeface="Calibri Light" panose="020F0302020204030204" pitchFamily="34" charset="0"/>
                 <a:cs typeface="Calibri Light" panose="020F0302020204030204" pitchFamily="34" charset="0"/>
               </a:rPr>
-              <a:t>DetNet</a:t>
+              <a:t>Encap</a:t>
             </a:r>
             <a:r>
               <a:rPr lang="en-US" sz="2400" dirty="0">
@@ -13831,27 +13689,7 @@
                 <a:latin typeface="Calibri Light" panose="020F0302020204030204" pitchFamily="34" charset="0"/>
                 <a:cs typeface="Calibri Light" panose="020F0302020204030204" pitchFamily="34" charset="0"/>
               </a:rPr>
-              <a:t> Control Word [RFC8964] </a:t>
-            </a:r>
-            <a:r>
-              <a:rPr lang="en-CA" sz="2400" dirty="0">
-                <a:solidFill>
-                  <a:srgbClr val="0070C0"/>
-                </a:solidFill>
-                <a:latin typeface="Calibri Light" panose="020F0302020204030204" pitchFamily="34" charset="0"/>
-                <a:cs typeface="Calibri Light" panose="020F0302020204030204" pitchFamily="34" charset="0"/>
-              </a:rPr>
-              <a:t>with IOAM Data Fields</a:t>
-            </a:r>
-            <a:r>
-              <a:rPr lang="en-US" sz="2400" dirty="0">
-                <a:solidFill>
-                  <a:srgbClr val="0070C0"/>
-                </a:solidFill>
-                <a:latin typeface="Calibri Light" panose="020F0302020204030204" pitchFamily="34" charset="0"/>
-                <a:cs typeface="Calibri Light" panose="020F0302020204030204" pitchFamily="34" charset="0"/>
-              </a:rPr>
-              <a:t> </a:t>
+              <a:t> with IOAM Data Fields</a:t>
             </a:r>
           </a:p>
         </p:txBody>
@@ -13949,8 +13787,8 @@
         </p:nvSpPr>
         <p:spPr>
           <a:xfrm>
-            <a:off x="2362200" y="628292"/>
-            <a:ext cx="5257800" cy="4247317"/>
+            <a:off x="2438400" y="713601"/>
+            <a:ext cx="5791200" cy="3970318"/>
           </a:xfrm>
           <a:prstGeom prst="rect">
             <a:avLst/>
@@ -13996,38 +13834,6 @@
               <a:rPr lang="en-CA" sz="900" dirty="0">
                 <a:latin typeface="Courier" pitchFamily="2" charset="0"/>
               </a:rPr>
-              <a:t>   | [F-Label(s)]                          | TC  |S|  TTL          |</a:t>
-            </a:r>
-          </a:p>
-          <a:p>
-            <a:r>
-              <a:rPr lang="en-CA" sz="900" dirty="0">
-                <a:latin typeface="Courier" pitchFamily="2" charset="0"/>
-              </a:rPr>
-              <a:t>   +-+-+-+-+-+-+-+-+-+-+-+-+-+-+-+-+-+-+-+-+-+-+-+-+-+-+-+-+-+-+-+-+</a:t>
-            </a:r>
-          </a:p>
-          <a:p>
-            <a:r>
-              <a:rPr lang="en-CA" sz="900" dirty="0">
-                <a:latin typeface="Courier" pitchFamily="2" charset="0"/>
-              </a:rPr>
-              <a:t>   | S-Label                               | TC  |S|  TTL          |</a:t>
-            </a:r>
-          </a:p>
-          <a:p>
-            <a:r>
-              <a:rPr lang="en-CA" sz="900" dirty="0">
-                <a:latin typeface="Courier" pitchFamily="2" charset="0"/>
-              </a:rPr>
-              <a:t>   +-+-+-+-+-+-+-+-+-+-+-+-+-+-+-+-+-+-+-+-+-+-+-+-+-+-+-+-+-+-+-+-+</a:t>
-            </a:r>
-          </a:p>
-          <a:p>
-            <a:r>
-              <a:rPr lang="en-CA" sz="900" dirty="0">
-                <a:latin typeface="Courier" pitchFamily="2" charset="0"/>
-              </a:rPr>
               <a:t>   | IOAM Indicator Label                  | TC  |1|  TTL          |</a:t>
             </a:r>
           </a:p>
@@ -14150,11 +13956,20 @@
             <a:r>
               <a:rPr lang="en-CA" sz="900" dirty="0">
                 <a:solidFill>
-                  <a:srgbClr val="C00000"/>
+                  <a:srgbClr val="0070C0"/>
                 </a:solidFill>
                 <a:latin typeface="Courier" pitchFamily="2" charset="0"/>
               </a:rPr>
-              <a:t>   </a:t>
+              <a:t>   |0 0 0 0| </a:t>
+            </a:r>
+            <a:r>
+              <a:rPr lang="en-CA" sz="900" dirty="0" err="1">
+                <a:solidFill>
+                  <a:srgbClr val="0070C0"/>
+                </a:solidFill>
+                <a:latin typeface="Courier" pitchFamily="2" charset="0"/>
+              </a:rPr>
+              <a:t>Rsved</a:t>
             </a:r>
             <a:r>
               <a:rPr lang="en-CA" sz="900" dirty="0">
@@ -14163,17 +13978,10 @@
                 </a:solidFill>
                 <a:latin typeface="Courier" pitchFamily="2" charset="0"/>
               </a:rPr>
-              <a:t>|0 0 0 0| Sequence Number (</a:t>
-            </a:r>
-            <a:r>
-              <a:rPr lang="en-CA" sz="900" dirty="0" err="1">
-                <a:solidFill>
-                  <a:srgbClr val="0070C0"/>
-                </a:solidFill>
-                <a:latin typeface="Courier" pitchFamily="2" charset="0"/>
-              </a:rPr>
-              <a:t>DetNet</a:t>
-            </a:r>
+              <a:t> | This Header   | Header Length | Next Header   |</a:t>
+            </a:r>
+          </a:p>
+          <a:p>
             <a:r>
               <a:rPr lang="en-CA" sz="900" dirty="0">
                 <a:solidFill>
@@ -14181,7 +13989,7 @@
                 </a:solidFill>
                 <a:latin typeface="Courier" pitchFamily="2" charset="0"/>
               </a:rPr>
-              <a:t> Control Word)                 |</a:t>
+              <a:t>   +-+-+-+-+-+-+-+-+-+-+-+-+-+-+-+-+-+-+-+-+-+-+-+-+-+-+-+-+-+-+-+-+</a:t>
             </a:r>
           </a:p>
           <a:p>
@@ -14192,12 +14000,40 @@
                 </a:solidFill>
                 <a:latin typeface="Courier" pitchFamily="2" charset="0"/>
               </a:rPr>
+              <a:t>   ~              Variable field per “This header”                 ~</a:t>
+            </a:r>
+          </a:p>
+          <a:p>
+            <a:r>
+              <a:rPr lang="en-CA" sz="900" dirty="0">
+                <a:solidFill>
+                  <a:srgbClr val="0070C0"/>
+                </a:solidFill>
+                <a:latin typeface="Courier" pitchFamily="2" charset="0"/>
+              </a:rPr>
               <a:t>   +-+-+-+-+-+-+-+-+-+-+-+-+-+-+-+-+-+-+-+-+-+-+-+-+-+-+-+-+-+-+-+-+</a:t>
             </a:r>
           </a:p>
           <a:p>
             <a:r>
               <a:rPr lang="en-CA" sz="900" dirty="0">
+                <a:solidFill>
+                  <a:srgbClr val="C00000"/>
+                </a:solidFill>
+                <a:latin typeface="Courier" pitchFamily="2" charset="0"/>
+              </a:rPr>
+              <a:t>  </a:t>
+            </a:r>
+            <a:r>
+              <a:rPr lang="en-CA" sz="900" dirty="0">
+                <a:latin typeface="Courier" pitchFamily="2" charset="0"/>
+              </a:rPr>
+              <a:t> |                                                               |</a:t>
+            </a:r>
+          </a:p>
+          <a:p>
+            <a:r>
+              <a:rPr lang="en-CA" sz="900" dirty="0">
                 <a:latin typeface="Courier" pitchFamily="2" charset="0"/>
               </a:rPr>
               <a:t>   |                                                               |</a:t>
@@ -14208,6 +14044,14 @@
               <a:rPr lang="en-CA" sz="900" dirty="0">
                 <a:latin typeface="Courier" pitchFamily="2" charset="0"/>
               </a:rPr>
+              <a:t>   ~                 Payload Packet                                ~</a:t>
+            </a:r>
+          </a:p>
+          <a:p>
+            <a:r>
+              <a:rPr lang="en-CA" sz="900" dirty="0">
+                <a:latin typeface="Courier" pitchFamily="2" charset="0"/>
+              </a:rPr>
               <a:t>   |                                                               |</a:t>
             </a:r>
           </a:p>
@@ -14216,19 +14060,15 @@
               <a:rPr lang="en-CA" sz="900" dirty="0">
                 <a:latin typeface="Courier" pitchFamily="2" charset="0"/>
               </a:rPr>
-              <a:t>   ~                 </a:t>
-            </a:r>
-            <a:r>
-              <a:rPr lang="en-CA" sz="900" dirty="0" err="1">
-                <a:latin typeface="Courier" pitchFamily="2" charset="0"/>
-              </a:rPr>
-              <a:t>DetNet</a:t>
-            </a:r>
+              <a:t>   |                                                               |</a:t>
+            </a:r>
+          </a:p>
+          <a:p>
             <a:r>
               <a:rPr lang="en-CA" sz="900" dirty="0">
                 <a:latin typeface="Courier" pitchFamily="2" charset="0"/>
               </a:rPr>
-              <a:t> Flow                                   ~</a:t>
+              <a:t>   +-+-+-+-+-+-+-+-+-+-+-+-+-+-+-+-+-+-+-+-+-+-+-+-+-+-+-+-+-+-+-+-+</a:t>
             </a:r>
           </a:p>
           <a:p>
@@ -14236,7 +14076,7 @@
               <a:rPr lang="en-CA" sz="900" dirty="0">
                 <a:latin typeface="Courier" pitchFamily="2" charset="0"/>
               </a:rPr>
-              <a:t>   ~                 Payload Packet                                ~</a:t>
+              <a:t> </a:t>
             </a:r>
           </a:p>
           <a:p>
@@ -14244,51 +14084,7 @@
               <a:rPr lang="en-CA" sz="900" dirty="0">
                 <a:latin typeface="Courier" pitchFamily="2" charset="0"/>
               </a:rPr>
-              <a:t>   |                                                               |</a:t>
-            </a:r>
-          </a:p>
-          <a:p>
-            <a:r>
-              <a:rPr lang="en-CA" sz="900" dirty="0">
-                <a:latin typeface="Courier" pitchFamily="2" charset="0"/>
-              </a:rPr>
-              <a:t>   |                                                               |</a:t>
-            </a:r>
-          </a:p>
-          <a:p>
-            <a:r>
-              <a:rPr lang="en-CA" sz="900" dirty="0">
-                <a:latin typeface="Courier" pitchFamily="2" charset="0"/>
-              </a:rPr>
-              <a:t>   +-+-+-+-+-+-+-+-+-+-+-+-+-+-+-+-+-+-+-+-+-+-+-+-+-+-+-+-+-+-+-+-+</a:t>
-            </a:r>
-          </a:p>
-          <a:p>
-            <a:r>
-              <a:rPr lang="en-CA" sz="900" dirty="0">
-                <a:latin typeface="Courier" pitchFamily="2" charset="0"/>
-              </a:rPr>
-              <a:t> </a:t>
-            </a:r>
-          </a:p>
-          <a:p>
-            <a:r>
-              <a:rPr lang="en-CA" sz="900" dirty="0">
-                <a:latin typeface="Courier" pitchFamily="2" charset="0"/>
-              </a:rPr>
-              <a:t>  Figure: Example MPLS Encapsulation with </a:t>
-            </a:r>
-            <a:r>
-              <a:rPr lang="en-CA" sz="900" dirty="0" err="1">
-                <a:latin typeface="Courier" pitchFamily="2" charset="0"/>
-              </a:rPr>
-              <a:t>DetNet</a:t>
-            </a:r>
-            <a:r>
-              <a:rPr lang="en-CA" sz="900" dirty="0">
-                <a:latin typeface="Courier" pitchFamily="2" charset="0"/>
-              </a:rPr>
-              <a:t> with IOAM Data Fields</a:t>
+              <a:t>Figure: MPLS Encapsulation with Generic Delivery Functions with IOAM Data Fields</a:t>
             </a:r>
             <a:endParaRPr lang="en-CA" sz="900" dirty="0">
               <a:latin typeface="Courier" pitchFamily="2" charset="0"/>
@@ -14300,48 +14096,68 @@
       </p:sp>
       <p:sp>
         <p:nvSpPr>
-          <p:cNvPr id="8" name="TextBox 7">
+          <p:cNvPr id="7" name="Rectangle 6">
             <a:extLst>
               <a:ext uri="{FF2B5EF4-FFF2-40B4-BE49-F238E27FC236}">
-                <a16:creationId xmlns:a16="http://schemas.microsoft.com/office/drawing/2014/main" id="{BA600B46-2CC5-C346-BF21-8E04807A19A2}"/>
+                <a16:creationId xmlns:a16="http://schemas.microsoft.com/office/drawing/2014/main" id="{AF26C24A-B63C-7045-B4DF-BFCC4C5A3608}"/>
               </a:ext>
             </a:extLst>
           </p:cNvPr>
-          <p:cNvSpPr txBox="1"/>
+          <p:cNvSpPr/>
           <p:nvPr/>
         </p:nvSpPr>
         <p:spPr>
           <a:xfrm>
-            <a:off x="0" y="4717461"/>
-            <a:ext cx="2362200" cy="430887"/>
+            <a:off x="-38100" y="3379754"/>
+            <a:ext cx="2476500" cy="1015663"/>
           </a:xfrm>
           <a:prstGeom prst="rect">
             <a:avLst/>
           </a:prstGeom>
-          <a:noFill/>
-          <a:ln>
-            <a:solidFill>
-              <a:schemeClr val="accent1"/>
-            </a:solidFill>
-          </a:ln>
         </p:spPr>
         <p:txBody>
-          <a:bodyPr wrap="square" rtlCol="0">
+          <a:bodyPr wrap="square">
             <a:spAutoFit/>
           </a:bodyPr>
           <a:lstStyle/>
           <a:p>
-            <a:r>
-              <a:rPr lang="en-US" sz="1100" dirty="0"/>
-              <a:t>Do we define IOAM G-</a:t>
-            </a:r>
-            <a:r>
-              <a:rPr lang="en-US" sz="1100" dirty="0" err="1"/>
-              <a:t>ACh</a:t>
-            </a:r>
-            <a:r>
-              <a:rPr lang="en-US" sz="1100" dirty="0"/>
-              <a:t> Type2 when another Metadata follows?</a:t>
+            <a:pPr marL="171450" indent="-171450">
+              <a:buFont typeface="Arial" panose="020B0604020202020204" pitchFamily="34" charset="0"/>
+              <a:buChar char="•"/>
+            </a:pPr>
+            <a:r>
+              <a:rPr lang="en-US" sz="1000" dirty="0">
+                <a:hlinkClick r:id="rId2"/>
+              </a:rPr>
+              <a:t>https://datatracker.ietf.org/doc/draft-zzhang-intarea-generic-delivery-functions/</a:t>
+            </a:r>
+            <a:endParaRPr lang="en-US" sz="1000" dirty="0"/>
+          </a:p>
+          <a:p>
+            <a:pPr marL="171450" indent="-171450">
+              <a:buFont typeface="Arial" panose="020B0604020202020204" pitchFamily="34" charset="0"/>
+              <a:buChar char="•"/>
+            </a:pPr>
+            <a:endParaRPr lang="en-US" sz="1000" dirty="0"/>
+          </a:p>
+          <a:p>
+            <a:pPr marL="171450" indent="-171450">
+              <a:buFont typeface="Arial" panose="020B0604020202020204" pitchFamily="34" charset="0"/>
+              <a:buChar char="•"/>
+            </a:pPr>
+            <a:r>
+              <a:rPr lang="en-US" sz="1000" dirty="0"/>
+              <a:t>GDF Ingress/Egress Nodes only.</a:t>
+            </a:r>
+          </a:p>
+          <a:p>
+            <a:pPr marL="171450" indent="-171450">
+              <a:buFont typeface="Arial" panose="020B0604020202020204" pitchFamily="34" charset="0"/>
+              <a:buChar char="•"/>
+            </a:pPr>
+            <a:r>
+              <a:rPr lang="en-US" sz="1000" dirty="0"/>
+              <a:t>GDF has no Hop-by-hop processing</a:t>
             </a:r>
           </a:p>
         </p:txBody>
@@ -14349,7 +14165,7 @@
     </p:spTree>
     <p:extLst>
       <p:ext uri="{BB962C8B-B14F-4D97-AF65-F5344CB8AC3E}">
-        <p14:creationId xmlns:p14="http://schemas.microsoft.com/office/powerpoint/2010/main" val="2787306097"/>
+        <p14:creationId xmlns:p14="http://schemas.microsoft.com/office/powerpoint/2010/main" val="2472066818"/>
       </p:ext>
     </p:extLst>
   </p:cSld>
@@ -17844,52 +17660,6 @@
             <a:r>
               <a:rPr lang="en-US" sz="1400" dirty="0" err="1"/>
               <a:t>g-ach-parameters.xhtml#mpls-g-ach-types</a:t>
-            </a:r>
-            <a:endParaRPr lang="en-US" sz="1400" dirty="0"/>
-          </a:p>
-        </p:txBody>
-      </p:sp>
-      <p:sp>
-        <p:nvSpPr>
-          <p:cNvPr id="7" name="Rectangle 6">
-            <a:extLst>
-              <a:ext uri="{FF2B5EF4-FFF2-40B4-BE49-F238E27FC236}">
-                <a16:creationId xmlns:a16="http://schemas.microsoft.com/office/drawing/2014/main" id="{B8327C81-6DD6-C24F-9C75-0B8CF16F5438}"/>
-              </a:ext>
-            </a:extLst>
-          </p:cNvPr>
-          <p:cNvSpPr/>
-          <p:nvPr/>
-        </p:nvSpPr>
-        <p:spPr>
-          <a:xfrm>
-            <a:off x="685800" y="3360414"/>
-            <a:ext cx="7391399" cy="830997"/>
-          </a:xfrm>
-          <a:prstGeom prst="rect">
-            <a:avLst/>
-          </a:prstGeom>
-          <a:ln>
-            <a:solidFill>
-              <a:schemeClr val="accent1"/>
-            </a:solidFill>
-          </a:ln>
-        </p:spPr>
-        <p:txBody>
-          <a:bodyPr wrap="square">
-            <a:spAutoFit/>
-          </a:bodyPr>
-          <a:lstStyle/>
-          <a:p>
-            <a:r>
-              <a:rPr lang="en-CA" sz="1400" dirty="0"/>
-              <a:t>An ACH is currently defined not to carry service/user data - it is a control/OAM channel. This needs to be updated. </a:t>
-            </a:r>
-          </a:p>
-          <a:p>
-            <a:r>
-              <a:rPr lang="en-CA" sz="1400" dirty="0"/>
-              <a:t>GAL also defined for control/OAM channel is not used.</a:t>
             </a:r>
             <a:endParaRPr lang="en-US" sz="1400" dirty="0"/>
           </a:p>

--- a/draft-gandhi-mpls-ioam-sr-06.pptx
+++ b/draft-gandhi-mpls-ioam-sr-06.pptx
@@ -11077,8 +11077,8 @@
         </p:nvSpPr>
         <p:spPr>
           <a:xfrm>
-            <a:off x="2019300" y="767560"/>
-            <a:ext cx="5105400" cy="3693319"/>
+            <a:off x="1905000" y="795941"/>
+            <a:ext cx="5105400" cy="3831818"/>
           </a:xfrm>
           <a:prstGeom prst="rect">
             <a:avLst/>
@@ -11108,7 +11108,26 @@
               <a:rPr lang="en-CA" sz="900" dirty="0">
                 <a:latin typeface="Courier" pitchFamily="2" charset="0"/>
               </a:rPr>
-              <a:t>   0 1 2 3 4 5 6 7 8 9 0 1 2 3 4 5 6 7 8 9 0 1 2 3 4 5 6 7 8 9 0 1</a:t>
+              <a:t>   0 1 2 3 4 5 6 7 8 9 0 1 2 3 4 5 6 7 8 9 0 1 2 3 4 5 6 7 8 9 0 1 </a:t>
+            </a:r>
+          </a:p>
+          <a:p>
+            <a:r>
+              <a:rPr lang="en-CA" sz="900" dirty="0">
+                <a:latin typeface="Courier" pitchFamily="2" charset="0"/>
+              </a:rPr>
+              <a:t>   +-+-+-+-+-+-+-+-+-+-+-+-+-+-+-+-+-+-+-+-+-+-+-+-+-+-+-+-+-+-+-+-+</a:t>
+            </a:r>
+          </a:p>
+          <a:p>
+            <a:r>
+              <a:rPr lang="en-CA" sz="900" dirty="0">
+                <a:solidFill>
+                  <a:srgbClr val="0070C0"/>
+                </a:solidFill>
+                <a:latin typeface="Courier" pitchFamily="2" charset="0"/>
+              </a:rPr>
+              <a:t>   | PW Label                              | TC  |S|  TTL          |</a:t>
             </a:r>
           </a:p>
           <a:p>
@@ -11542,7 +11561,7 @@
         <p:spPr>
           <a:xfrm>
             <a:off x="1885950" y="871025"/>
-            <a:ext cx="5372100" cy="3693319"/>
+            <a:ext cx="5372100" cy="3831818"/>
           </a:xfrm>
           <a:prstGeom prst="rect">
             <a:avLst/>
@@ -11573,6 +11592,25 @@
                 <a:latin typeface="Courier" pitchFamily="2" charset="0"/>
               </a:rPr>
               <a:t>   0 1 2 3 4 5 6 7 8 9 0 1 2 3 4 5 6 7 8 9 0 1 2 3 4 5 6 7 8 9 0 1</a:t>
+            </a:r>
+          </a:p>
+          <a:p>
+            <a:r>
+              <a:rPr lang="en-CA" sz="900" dirty="0">
+                <a:latin typeface="Courier" pitchFamily="2" charset="0"/>
+              </a:rPr>
+              <a:t>   +-+-+-+-+-+-+-+-+-+-+-+-+-+-+-+-+-+-+-+-+-+-+-+-+-+-+-+-+-+-+-+-+</a:t>
+            </a:r>
+          </a:p>
+          <a:p>
+            <a:r>
+              <a:rPr lang="en-CA" sz="900" dirty="0">
+                <a:solidFill>
+                  <a:srgbClr val="0070C0"/>
+                </a:solidFill>
+                <a:latin typeface="Courier" pitchFamily="2" charset="0"/>
+              </a:rPr>
+              <a:t>   | PW Label                              | TC  |S|  TTL          |</a:t>
             </a:r>
           </a:p>
           <a:p>
@@ -13256,7 +13294,7 @@
         </p:nvSpPr>
         <p:spPr>
           <a:xfrm>
-            <a:off x="2362200" y="628292"/>
+            <a:off x="1981200" y="628292"/>
             <a:ext cx="5257800" cy="4247317"/>
           </a:xfrm>
           <a:prstGeom prst="rect">
@@ -13788,7 +13826,7 @@
         <p:spPr>
           <a:xfrm>
             <a:off x="2438400" y="713601"/>
-            <a:ext cx="5791200" cy="3970318"/>
+            <a:ext cx="5791200" cy="4108817"/>
           </a:xfrm>
           <a:prstGeom prst="rect">
             <a:avLst/>
@@ -13819,6 +13857,34 @@
                 <a:latin typeface="Courier" pitchFamily="2" charset="0"/>
               </a:rPr>
               <a:t>   0 1 2 3 4 5 6 7 8 9 0 1 2 3 4 5 6 7 8 9 0 1 2 3 4 5 6 7 8 9 0 1</a:t>
+            </a:r>
+          </a:p>
+          <a:p>
+            <a:r>
+              <a:rPr lang="en-CA" sz="900" dirty="0">
+                <a:latin typeface="Courier" pitchFamily="2" charset="0"/>
+              </a:rPr>
+              <a:t>   </a:t>
+            </a:r>
+            <a:r>
+              <a:rPr lang="en-CA" sz="900" dirty="0">
+                <a:solidFill>
+                  <a:srgbClr val="0070C0"/>
+                </a:solidFill>
+                <a:latin typeface="Courier" pitchFamily="2" charset="0"/>
+              </a:rPr>
+              <a:t>+-+-+-+-+-+-+-+-+-+-+-+-+-+-+-+-+-+-+-+-+-+-+-+-+-+-+-+-+-+-+-+-+</a:t>
+            </a:r>
+          </a:p>
+          <a:p>
+            <a:r>
+              <a:rPr lang="en-CA" sz="900" dirty="0">
+                <a:solidFill>
+                  <a:srgbClr val="0070C0"/>
+                </a:solidFill>
+                <a:latin typeface="Courier" pitchFamily="2" charset="0"/>
+              </a:rPr>
+              <a:t>   | GDH Label                             | TC  |S|  TTL          |</a:t>
             </a:r>
           </a:p>
           <a:p>
@@ -15579,7 +15645,7 @@
         <p:spPr>
           <a:xfrm>
             <a:off x="19792" y="666750"/>
-            <a:ext cx="4493623" cy="2800767"/>
+            <a:ext cx="4493623" cy="2677656"/>
           </a:xfrm>
           <a:prstGeom prst="rect">
             <a:avLst/>
@@ -15625,12 +15691,27 @@
               <a:rPr lang="en-CA" sz="800" dirty="0">
                 <a:latin typeface="Courier" pitchFamily="2" charset="0"/>
               </a:rPr>
-              <a:t>   | Indicator Label                       | TC  |1|  TTL          |</a:t>
-            </a:r>
-          </a:p>
-          <a:p>
+              <a:t>   | </a:t>
+            </a:r>
             <a:r>
               <a:rPr lang="en-CA" sz="800" dirty="0">
+                <a:solidFill>
+                  <a:srgbClr val="0070C0"/>
+                </a:solidFill>
+                <a:latin typeface="Courier" pitchFamily="2" charset="0"/>
+              </a:rPr>
+              <a:t>GDH Label                             </a:t>
+            </a:r>
+            <a:r>
+              <a:rPr lang="en-CA" sz="800" dirty="0">
+                <a:latin typeface="Courier" pitchFamily="2" charset="0"/>
+              </a:rPr>
+              <a:t>| TC  |1|  TTL          |</a:t>
+            </a:r>
+          </a:p>
+          <a:p>
+            <a:r>
+              <a:rPr lang="en-CA" sz="800" dirty="0">
                 <a:latin typeface="Courier" pitchFamily="2" charset="0"/>
               </a:rPr>
               <a:t>   +-+-+-+-+-+-+-+-+-+-+-+-+-+-+-+-+-+-+-+-+-+-+-+-+-+-+-+-+-+-+-+-+&lt;-+</a:t>
@@ -15690,28 +15771,10 @@
           </a:p>
           <a:p>
             <a:r>
-              <a:rPr lang="en-CA" sz="800">
-                <a:latin typeface="Courier" pitchFamily="2" charset="0"/>
-              </a:rPr>
-              <a:t>   | Reserved      </a:t>
-            </a:r>
-            <a:r>
               <a:rPr lang="en-CA" sz="800" dirty="0">
                 <a:latin typeface="Courier" pitchFamily="2" charset="0"/>
               </a:rPr>
-              <a:t>| Block Number  | </a:t>
-            </a:r>
-            <a:r>
-              <a:rPr lang="en-CA" sz="800">
-                <a:latin typeface="Courier" pitchFamily="2" charset="0"/>
-              </a:rPr>
-              <a:t>IOAM-OPT-Type |  Reserved     </a:t>
-            </a:r>
-            <a:r>
-              <a:rPr lang="en-CA" sz="800" dirty="0">
-                <a:latin typeface="Courier" pitchFamily="2" charset="0"/>
-              </a:rPr>
-              <a:t>|  |</a:t>
+              <a:t>   | Reserved      | Block Number  | IOAM-OPT-Type |  Reserved     |  |</a:t>
             </a:r>
           </a:p>
           <a:p>
@@ -17448,7 +17511,7 @@
         <p:spPr>
           <a:xfrm>
             <a:off x="495300" y="971551"/>
-            <a:ext cx="8153400" cy="2362200"/>
+            <a:ext cx="8153400" cy="2514600"/>
           </a:xfrm>
         </p:spPr>
         <p:txBody>
@@ -17464,19 +17527,19 @@
               </a:spcBef>
             </a:pPr>
             <a:r>
-              <a:rPr lang="en-CA" sz="1800" dirty="0"/>
+              <a:rPr lang="en-CA" sz="1600" dirty="0"/>
               <a:t>New Generic Associated Channel (G-</a:t>
             </a:r>
             <a:r>
-              <a:rPr lang="en-CA" sz="1800" dirty="0" err="1"/>
+              <a:rPr lang="en-CA" sz="1600" dirty="0" err="1"/>
               <a:t>ACh</a:t>
             </a:r>
             <a:r>
-              <a:rPr lang="en-CA" sz="1800" dirty="0"/>
+              <a:rPr lang="en-CA" sz="1600" dirty="0"/>
               <a:t>) Type (value </a:t>
             </a:r>
             <a:r>
-              <a:rPr lang="en-CA" sz="1800" dirty="0">
+              <a:rPr lang="en-CA" sz="1600" dirty="0">
                 <a:solidFill>
                   <a:srgbClr val="0070C0"/>
                 </a:solidFill>
@@ -17484,7 +17547,7 @@
               <a:t>TBA3</a:t>
             </a:r>
             <a:r>
-              <a:rPr lang="en-CA" sz="1800" dirty="0"/>
+              <a:rPr lang="en-CA" sz="1600" dirty="0"/>
               <a:t>) defined for IOAM</a:t>
             </a:r>
           </a:p>
@@ -17498,15 +17561,15 @@
               </a:spcBef>
             </a:pPr>
             <a:r>
-              <a:rPr lang="en-CA" sz="1800" dirty="0"/>
+              <a:rPr lang="en-CA" sz="1600" dirty="0"/>
               <a:t>Protocol value </a:t>
             </a:r>
             <a:r>
-              <a:rPr lang="en-CA" sz="1800" i="1" dirty="0"/>
+              <a:rPr lang="en-CA" sz="1600" i="1" dirty="0"/>
               <a:t>0001b</a:t>
             </a:r>
             <a:r>
-              <a:rPr lang="en-CA" sz="1800" dirty="0"/>
+              <a:rPr lang="en-CA" sz="1600" dirty="0"/>
               <a:t> allows to avoid incorrect IP header based hashing over ECMP paths</a:t>
             </a:r>
           </a:p>
@@ -17520,7 +17583,37 @@
               </a:spcBef>
             </a:pPr>
             <a:r>
-              <a:rPr lang="en-CA" sz="1800" dirty="0"/>
+              <a:rPr lang="en-CA" sz="1600" dirty="0"/>
+              <a:t>GAL with G-</a:t>
+            </a:r>
+            <a:r>
+              <a:rPr lang="en-CA" sz="1600" dirty="0" err="1"/>
+              <a:t>ACh</a:t>
+            </a:r>
+            <a:r>
+              <a:rPr lang="en-CA" sz="1600" dirty="0"/>
+              <a:t> is used for control/OAM packets whereas IOAM G-</a:t>
+            </a:r>
+            <a:r>
+              <a:rPr lang="en-CA" sz="1600" dirty="0" err="1"/>
+              <a:t>ACh</a:t>
+            </a:r>
+            <a:r>
+              <a:rPr lang="en-CA" sz="1600" dirty="0"/>
+              <a:t> I used for user data packets</a:t>
+            </a:r>
+          </a:p>
+          <a:p>
+            <a:pPr>
+              <a:lnSpc>
+                <a:spcPts val="2020"/>
+              </a:lnSpc>
+              <a:spcBef>
+                <a:spcPts val="600"/>
+              </a:spcBef>
+            </a:pPr>
+            <a:r>
+              <a:rPr lang="en-CA" sz="1600" dirty="0"/>
               <a:t>Block Number can be used to: </a:t>
             </a:r>
           </a:p>
@@ -17534,7 +17627,7 @@
               </a:spcBef>
             </a:pPr>
             <a:r>
-              <a:rPr lang="en-CA" sz="1800" dirty="0"/>
+              <a:rPr lang="en-CA" sz="1600" dirty="0"/>
               <a:t>Aggregate IOAM data collected in data plane, e.g. compute measurement metrics for each block of a flow</a:t>
             </a:r>
           </a:p>
@@ -17548,7 +17641,7 @@
               </a:spcBef>
             </a:pPr>
             <a:r>
-              <a:rPr lang="en-CA" sz="1800" dirty="0"/>
+              <a:rPr lang="en-CA" sz="1600" dirty="0"/>
               <a:t>Correlate IOAM data from different nodes</a:t>
             </a:r>
           </a:p>

--- a/draft-gandhi-mpls-ioam-sr-06.pptx
+++ b/draft-gandhi-mpls-ioam-sr-06.pptx
@@ -275,7 +275,7 @@
           <a:p>
             <a:fld id="{E8FA3DB5-7722-3F4F-947D-12B203669AD7}" type="datetimeFigureOut">
               <a:rPr lang="en-US" smtClean="0"/>
-              <a:t>2/22/21</a:t>
+              <a:t>2/23/21</a:t>
             </a:fld>
             <a:endParaRPr lang="en-US"/>
           </a:p>
@@ -6309,7 +6309,7 @@
         </p:nvSpPr>
         <p:spPr>
           <a:xfrm>
-            <a:off x="1695450" y="841584"/>
+            <a:off x="1695450" y="921187"/>
             <a:ext cx="5753100" cy="3631763"/>
           </a:xfrm>
           <a:prstGeom prst="rect">
@@ -6617,7 +6617,7 @@
         </p:nvSpPr>
         <p:spPr>
           <a:xfrm>
-            <a:off x="609600" y="1007445"/>
+            <a:off x="609600" y="945576"/>
             <a:ext cx="7924800" cy="3676474"/>
           </a:xfrm>
         </p:spPr>
@@ -6630,11 +6630,11 @@
               <a:buAutoNum type="arabicPeriod"/>
             </a:pPr>
             <a:r>
-              <a:rPr lang="en-CA" sz="1800" dirty="0"/>
+              <a:rPr lang="en-CA" sz="1600" dirty="0"/>
               <a:t>Extension Label (15) and Label assigned by IANA with value </a:t>
             </a:r>
             <a:r>
-              <a:rPr lang="en-CA" sz="1800" dirty="0">
+              <a:rPr lang="en-CA" sz="1600" dirty="0">
                 <a:solidFill>
                   <a:srgbClr val="0070C0"/>
                 </a:solidFill>
@@ -6648,15 +6648,15 @@
               <a:buChar char="§"/>
             </a:pPr>
             <a:r>
-              <a:rPr lang="en-CA" sz="1800" dirty="0"/>
+              <a:rPr lang="en-CA" sz="1600" dirty="0"/>
               <a:t>From Extended Special Purpose Labels (</a:t>
             </a:r>
             <a:r>
-              <a:rPr lang="en-CA" sz="1800" dirty="0" err="1"/>
+              <a:rPr lang="en-CA" sz="1600" dirty="0" err="1"/>
               <a:t>eSPL</a:t>
             </a:r>
             <a:r>
-              <a:rPr lang="en-CA" sz="1800" dirty="0"/>
+              <a:rPr lang="en-CA" sz="1600" dirty="0"/>
               <a:t>) range</a:t>
             </a:r>
           </a:p>
@@ -6666,15 +6666,15 @@
               <a:buChar char="§"/>
             </a:pPr>
             <a:r>
-              <a:rPr lang="en-CA" sz="1800" dirty="0"/>
+              <a:rPr lang="en-CA" sz="1600" dirty="0"/>
               <a:t>Both Labels are carried at the </a:t>
             </a:r>
             <a:r>
-              <a:rPr lang="en-CA" sz="1800" b="1" dirty="0"/>
+              <a:rPr lang="en-CA" sz="1600" b="1" dirty="0"/>
               <a:t>bottom</a:t>
             </a:r>
             <a:r>
-              <a:rPr lang="en-CA" sz="1800" dirty="0"/>
+              <a:rPr lang="en-CA" sz="1600" dirty="0"/>
               <a:t> of the label stack</a:t>
             </a:r>
           </a:p>
@@ -6684,7 +6684,7 @@
               <a:buAutoNum type="arabicPeriod"/>
             </a:pPr>
             <a:r>
-              <a:rPr lang="en-CA" sz="1800" dirty="0"/>
+              <a:rPr lang="en-CA" sz="1600" dirty="0"/>
               <a:t>Global Label allocated by a controller</a:t>
             </a:r>
           </a:p>
@@ -6694,7 +6694,7 @@
               <a:buChar char="§"/>
             </a:pPr>
             <a:r>
-              <a:rPr lang="en-CA" sz="1800" dirty="0"/>
+              <a:rPr lang="en-CA" sz="1600" dirty="0"/>
               <a:t>The controller provisions the label on encapsulating and decapsulating nodes</a:t>
             </a:r>
           </a:p>
@@ -6704,15 +6704,15 @@
               <a:buChar char="§"/>
             </a:pPr>
             <a:r>
-              <a:rPr lang="en-CA" sz="1800" dirty="0"/>
+              <a:rPr lang="en-CA" sz="1600" dirty="0"/>
               <a:t>The Label is carried at the </a:t>
             </a:r>
             <a:r>
-              <a:rPr lang="en-CA" sz="1800" b="1" dirty="0"/>
+              <a:rPr lang="en-CA" sz="1600" b="1" dirty="0"/>
               <a:t>bottom</a:t>
             </a:r>
             <a:r>
-              <a:rPr lang="en-CA" sz="1800" dirty="0"/>
+              <a:rPr lang="en-CA" sz="1600" dirty="0"/>
               <a:t> of the label stack</a:t>
             </a:r>
           </a:p>
@@ -6722,7 +6722,7 @@
               <a:buAutoNum type="arabicPeriod"/>
             </a:pPr>
             <a:r>
-              <a:rPr lang="en-CA" sz="1800" dirty="0"/>
+              <a:rPr lang="en-CA" sz="1600" dirty="0"/>
               <a:t>The IOAM Label allocated by the decapsulating node</a:t>
             </a:r>
           </a:p>
@@ -6732,7 +6732,7 @@
               <a:buChar char="§"/>
             </a:pPr>
             <a:r>
-              <a:rPr lang="en-CA" sz="1800" dirty="0"/>
+              <a:rPr lang="en-CA" sz="1600" dirty="0"/>
               <a:t>Signaling/advertisement extensions needed to convey the label to all encapsulating nodes (out of scope)</a:t>
             </a:r>
           </a:p>
@@ -6742,15 +6742,15 @@
               <a:buChar char="§"/>
             </a:pPr>
             <a:r>
-              <a:rPr lang="en-CA" sz="1800" dirty="0"/>
+              <a:rPr lang="en-CA" sz="1600" dirty="0"/>
               <a:t>The Label is carried at the </a:t>
             </a:r>
             <a:r>
-              <a:rPr lang="en-CA" sz="1800" b="1" dirty="0"/>
+              <a:rPr lang="en-CA" sz="1600" b="1" dirty="0"/>
               <a:t>bottom</a:t>
             </a:r>
             <a:r>
-              <a:rPr lang="en-CA" sz="1800" dirty="0"/>
+              <a:rPr lang="en-CA" sz="1600" dirty="0"/>
               <a:t> of the label stack</a:t>
             </a:r>
           </a:p>
@@ -6905,7 +6905,7 @@
             <p:ph idx="1"/>
             <p:extLst>
               <p:ext uri="{D42A27DB-BD31-4B8C-83A1-F6EECF244321}">
-                <p14:modId xmlns:p14="http://schemas.microsoft.com/office/powerpoint/2010/main" val="2167950755"/>
+                <p14:modId xmlns:p14="http://schemas.microsoft.com/office/powerpoint/2010/main" val="1463140199"/>
               </p:ext>
             </p:extLst>
           </p:nvPr>
@@ -6954,7 +6954,7 @@
                           <a:latin typeface="Calibri" panose="020F0502020204030204" pitchFamily="34" charset="0"/>
                           <a:cs typeface="Calibri" panose="020F0502020204030204" pitchFamily="34" charset="0"/>
                         </a:rPr>
-                        <a:t>Method</a:t>
+                        <a:t>Methods</a:t>
                       </a:r>
                     </a:p>
                   </a:txBody>
@@ -8929,7 +8929,7 @@
             <p:ph idx="1"/>
             <p:extLst>
               <p:ext uri="{D42A27DB-BD31-4B8C-83A1-F6EECF244321}">
-                <p14:modId xmlns:p14="http://schemas.microsoft.com/office/powerpoint/2010/main" val="547895154"/>
+                <p14:modId xmlns:p14="http://schemas.microsoft.com/office/powerpoint/2010/main" val="3819525011"/>
               </p:ext>
             </p:extLst>
           </p:nvPr>
@@ -8945,35 +8945,35 @@
                 <a:tableStyleId>{912C8C85-51F0-491E-9774-3900AFEF0FD7}</a:tableStyleId>
               </a:tblPr>
               <a:tblGrid>
-                <a:gridCol w="1524000">
+                <a:gridCol w="1905000">
                   <a:extLst>
                     <a:ext uri="{9D8B030D-6E8A-4147-A177-3AD203B41FA5}">
                       <a16:colId xmlns:a16="http://schemas.microsoft.com/office/drawing/2014/main" val="1209939836"/>
                     </a:ext>
                   </a:extLst>
                 </a:gridCol>
-                <a:gridCol w="1524000">
+                <a:gridCol w="1752600">
                   <a:extLst>
                     <a:ext uri="{9D8B030D-6E8A-4147-A177-3AD203B41FA5}">
                       <a16:colId xmlns:a16="http://schemas.microsoft.com/office/drawing/2014/main" val="4011394575"/>
                     </a:ext>
                   </a:extLst>
                 </a:gridCol>
-                <a:gridCol w="1981200">
+                <a:gridCol w="1143000">
                   <a:extLst>
                     <a:ext uri="{9D8B030D-6E8A-4147-A177-3AD203B41FA5}">
                       <a16:colId xmlns:a16="http://schemas.microsoft.com/office/drawing/2014/main" val="1670730324"/>
                     </a:ext>
                   </a:extLst>
                 </a:gridCol>
-                <a:gridCol w="1541585">
+                <a:gridCol w="1447800">
                   <a:extLst>
                     <a:ext uri="{9D8B030D-6E8A-4147-A177-3AD203B41FA5}">
                       <a16:colId xmlns:a16="http://schemas.microsoft.com/office/drawing/2014/main" val="975737954"/>
                     </a:ext>
                   </a:extLst>
                 </a:gridCol>
-                <a:gridCol w="1735015">
+                <a:gridCol w="2057400">
                   <a:extLst>
                     <a:ext uri="{9D8B030D-6E8A-4147-A177-3AD203B41FA5}">
                       <a16:colId xmlns:a16="http://schemas.microsoft.com/office/drawing/2014/main" val="907496208"/>
@@ -8992,7 +8992,7 @@
                           <a:latin typeface="Calibri" panose="020F0502020204030204" pitchFamily="34" charset="0"/>
                           <a:cs typeface="Calibri" panose="020F0502020204030204" pitchFamily="34" charset="0"/>
                         </a:rPr>
-                        <a:t>Method</a:t>
+                        <a:t>Methods</a:t>
                       </a:r>
                     </a:p>
                   </a:txBody>
@@ -9670,7 +9670,7 @@
             </a:pPr>
             <a:r>
               <a:rPr lang="en-CA" sz="1400" kern="0" dirty="0"/>
-              <a:t>A intermediate node may have a limit on how many labels it can scan. </a:t>
+              <a:t>Intermediate node may have a limit on how many labels it can scan. </a:t>
             </a:r>
             <a:r>
               <a:rPr lang="en-CA" sz="1400" dirty="0">
@@ -9878,7 +9878,7 @@
                   <a:srgbClr val="0070C0"/>
                 </a:solidFill>
               </a:rPr>
-              <a:t>The intermediate (intermediate) nodes process </a:t>
+              <a:t>The intermediate nodes process </a:t>
             </a:r>
             <a:r>
               <a:rPr lang="en-CA" sz="1400" dirty="0" err="1">
@@ -9914,7 +9914,7 @@
                   <a:srgbClr val="0070C0"/>
                 </a:solidFill>
               </a:rPr>
-              <a:t>The intermediate (intermediate) nodes may punt the timestamped </a:t>
+              <a:t>The intermediate nodes may punt the timestamped </a:t>
             </a:r>
             <a:r>
               <a:rPr lang="en-CA" sz="1400" b="1" dirty="0">
@@ -10639,8 +10639,8 @@
         </p:nvSpPr>
         <p:spPr>
           <a:xfrm>
-            <a:off x="533400" y="971550"/>
-            <a:ext cx="8153400" cy="3581399"/>
+            <a:off x="609600" y="979885"/>
+            <a:ext cx="7924800" cy="3581399"/>
           </a:xfrm>
         </p:spPr>
         <p:txBody>
@@ -10656,32 +10656,32 @@
               </a:spcBef>
             </a:pPr>
             <a:r>
-              <a:rPr lang="en-CA" sz="1800" dirty="0">
+              <a:rPr lang="en-CA" sz="1600" dirty="0">
                 <a:latin typeface="Calibri" panose="020F0502020204030204" pitchFamily="34" charset="0"/>
                 <a:cs typeface="Calibri" panose="020F0502020204030204" pitchFamily="34" charset="0"/>
               </a:rPr>
               <a:t>IOAM Data Fields, including IOAM G-</a:t>
             </a:r>
             <a:r>
-              <a:rPr lang="en-CA" sz="1800" dirty="0" err="1">
+              <a:rPr lang="en-CA" sz="1600" dirty="0" err="1">
                 <a:latin typeface="Calibri" panose="020F0502020204030204" pitchFamily="34" charset="0"/>
                 <a:cs typeface="Calibri" panose="020F0502020204030204" pitchFamily="34" charset="0"/>
               </a:rPr>
               <a:t>ACh</a:t>
             </a:r>
             <a:r>
-              <a:rPr lang="en-CA" sz="1800" dirty="0">
+              <a:rPr lang="en-CA" sz="1600" dirty="0">
                 <a:latin typeface="Calibri" panose="020F0502020204030204" pitchFamily="34" charset="0"/>
                 <a:cs typeface="Calibri" panose="020F0502020204030204" pitchFamily="34" charset="0"/>
               </a:rPr>
               <a:t> header are added in the MPLS </a:t>
             </a:r>
             <a:r>
-              <a:rPr lang="en-CA" sz="1800" dirty="0"/>
+              <a:rPr lang="en-CA" sz="1600" dirty="0"/>
               <a:t>encapsulation after the MPLS header</a:t>
             </a:r>
             <a:r>
-              <a:rPr lang="en-CA" sz="1800" dirty="0">
+              <a:rPr lang="en-CA" sz="1600" dirty="0">
                 <a:latin typeface="Calibri" panose="020F0502020204030204" pitchFamily="34" charset="0"/>
                 <a:cs typeface="Calibri" panose="020F0502020204030204" pitchFamily="34" charset="0"/>
               </a:rPr>
@@ -10698,21 +10698,21 @@
               </a:spcBef>
             </a:pPr>
             <a:r>
-              <a:rPr lang="en-CA" sz="1800" dirty="0">
+              <a:rPr lang="en-CA" sz="1600" dirty="0">
                 <a:latin typeface="Calibri" panose="020F0502020204030204" pitchFamily="34" charset="0"/>
                 <a:cs typeface="Calibri" panose="020F0502020204030204" pitchFamily="34" charset="0"/>
               </a:rPr>
               <a:t>The Control Word or another G-</a:t>
             </a:r>
             <a:r>
-              <a:rPr lang="en-CA" sz="1800" dirty="0" err="1">
+              <a:rPr lang="en-CA" sz="1600" dirty="0" err="1">
                 <a:latin typeface="Calibri" panose="020F0502020204030204" pitchFamily="34" charset="0"/>
                 <a:cs typeface="Calibri" panose="020F0502020204030204" pitchFamily="34" charset="0"/>
               </a:rPr>
               <a:t>ACh</a:t>
             </a:r>
             <a:r>
-              <a:rPr lang="en-CA" sz="1800" dirty="0">
+              <a:rPr lang="en-CA" sz="1600" dirty="0">
                 <a:latin typeface="Calibri" panose="020F0502020204030204" pitchFamily="34" charset="0"/>
                 <a:cs typeface="Calibri" panose="020F0502020204030204" pitchFamily="34" charset="0"/>
               </a:rPr>
@@ -10729,21 +10729,21 @@
               </a:spcBef>
             </a:pPr>
             <a:r>
-              <a:rPr lang="en-CA" sz="1800" b="1" dirty="0">
+              <a:rPr lang="en-CA" sz="1600" b="1" dirty="0">
                 <a:latin typeface="Calibri" panose="020F0502020204030204" pitchFamily="34" charset="0"/>
                 <a:cs typeface="Calibri" panose="020F0502020204030204" pitchFamily="34" charset="0"/>
               </a:rPr>
               <a:t>This allows the intermediate nodes to easily access the </a:t>
             </a:r>
             <a:r>
-              <a:rPr lang="en-CA" sz="1800" b="1" dirty="0" err="1">
+              <a:rPr lang="en-CA" sz="1600" b="1" dirty="0" err="1">
                 <a:latin typeface="Calibri" panose="020F0502020204030204" pitchFamily="34" charset="0"/>
                 <a:cs typeface="Calibri" panose="020F0502020204030204" pitchFamily="34" charset="0"/>
               </a:rPr>
               <a:t>HbH</a:t>
             </a:r>
             <a:r>
-              <a:rPr lang="en-CA" sz="1800" b="1" dirty="0">
+              <a:rPr lang="en-CA" sz="1600" b="1" dirty="0">
                 <a:latin typeface="Calibri" panose="020F0502020204030204" pitchFamily="34" charset="0"/>
                 <a:cs typeface="Calibri" panose="020F0502020204030204" pitchFamily="34" charset="0"/>
               </a:rPr>
@@ -10760,32 +10760,32 @@
               </a:spcBef>
             </a:pPr>
             <a:r>
-              <a:rPr lang="en-CA" sz="1800" dirty="0">
+              <a:rPr lang="en-CA" sz="1600" dirty="0">
                 <a:latin typeface="Calibri" panose="020F0502020204030204" pitchFamily="34" charset="0"/>
                 <a:cs typeface="Calibri" panose="020F0502020204030204" pitchFamily="34" charset="0"/>
               </a:rPr>
               <a:t>The decapsulating node can remove the MPLS </a:t>
             </a:r>
             <a:r>
-              <a:rPr lang="en-CA" sz="1800" dirty="0"/>
+              <a:rPr lang="en-CA" sz="1600" dirty="0"/>
               <a:t>encapsulation</a:t>
             </a:r>
             <a:r>
-              <a:rPr lang="en-CA" sz="1800" dirty="0">
+              <a:rPr lang="en-CA" sz="1600" dirty="0">
                 <a:latin typeface="Calibri" panose="020F0502020204030204" pitchFamily="34" charset="0"/>
                 <a:cs typeface="Calibri" panose="020F0502020204030204" pitchFamily="34" charset="0"/>
               </a:rPr>
               <a:t> including the IOAM Data Fields and then process the Control Word or G-</a:t>
             </a:r>
             <a:r>
-              <a:rPr lang="en-CA" sz="1800" dirty="0" err="1">
+              <a:rPr lang="en-CA" sz="1600" dirty="0" err="1">
                 <a:latin typeface="Calibri" panose="020F0502020204030204" pitchFamily="34" charset="0"/>
                 <a:cs typeface="Calibri" panose="020F0502020204030204" pitchFamily="34" charset="0"/>
               </a:rPr>
               <a:t>ACh</a:t>
             </a:r>
             <a:r>
-              <a:rPr lang="en-CA" sz="1800" dirty="0">
+              <a:rPr lang="en-CA" sz="1600" dirty="0">
                 <a:latin typeface="Calibri" panose="020F0502020204030204" pitchFamily="34" charset="0"/>
                 <a:cs typeface="Calibri" panose="020F0502020204030204" pitchFamily="34" charset="0"/>
               </a:rPr>
@@ -10802,28 +10802,28 @@
               </a:spcBef>
             </a:pPr>
             <a:r>
-              <a:rPr lang="en-CA" sz="1800" i="1" dirty="0">
+              <a:rPr lang="en-CA" sz="1600" i="1" dirty="0">
                 <a:latin typeface="Calibri" panose="020F0502020204030204" pitchFamily="34" charset="0"/>
                 <a:cs typeface="Calibri" panose="020F0502020204030204" pitchFamily="34" charset="0"/>
               </a:rPr>
               <a:t>IOAM HDR Length </a:t>
             </a:r>
             <a:r>
-              <a:rPr lang="en-CA" sz="1800" dirty="0">
+              <a:rPr lang="en-CA" sz="1600" dirty="0">
                 <a:latin typeface="Calibri" panose="020F0502020204030204" pitchFamily="34" charset="0"/>
                 <a:cs typeface="Calibri" panose="020F0502020204030204" pitchFamily="34" charset="0"/>
               </a:rPr>
               <a:t>allows to locate the Control Word and G-</a:t>
             </a:r>
             <a:r>
-              <a:rPr lang="en-CA" sz="1800" dirty="0" err="1">
+              <a:rPr lang="en-CA" sz="1600" dirty="0" err="1">
                 <a:latin typeface="Calibri" panose="020F0502020204030204" pitchFamily="34" charset="0"/>
                 <a:cs typeface="Calibri" panose="020F0502020204030204" pitchFamily="34" charset="0"/>
               </a:rPr>
               <a:t>ACh</a:t>
             </a:r>
             <a:r>
-              <a:rPr lang="en-CA" sz="1800" dirty="0">
+              <a:rPr lang="en-CA" sz="1600" dirty="0">
                 <a:latin typeface="Calibri" panose="020F0502020204030204" pitchFamily="34" charset="0"/>
                 <a:cs typeface="Calibri" panose="020F0502020204030204" pitchFamily="34" charset="0"/>
               </a:rPr>
@@ -17592,7 +17592,7 @@
             </a:r>
             <a:r>
               <a:rPr lang="en-CA" sz="1600" dirty="0"/>
-              <a:t> is used for control/OAM packets whereas IOAM G-</a:t>
+              <a:t> is used for control-channel/OAM packets whereas IOAM Label with G-</a:t>
             </a:r>
             <a:r>
               <a:rPr lang="en-CA" sz="1600" dirty="0" err="1"/>
@@ -17600,7 +17600,7 @@
             </a:r>
             <a:r>
               <a:rPr lang="en-CA" sz="1600" dirty="0"/>
-              <a:t> I used for user data packets</a:t>
+              <a:t> is used for user data packets</a:t>
             </a:r>
           </a:p>
           <a:p>

--- a/draft-gandhi-mpls-ioam-sr-06.pptx
+++ b/draft-gandhi-mpls-ioam-sr-06.pptx
@@ -6905,7 +6905,7 @@
             <p:ph idx="1"/>
             <p:extLst>
               <p:ext uri="{D42A27DB-BD31-4B8C-83A1-F6EECF244321}">
-                <p14:modId xmlns:p14="http://schemas.microsoft.com/office/powerpoint/2010/main" val="1463140199"/>
+                <p14:modId xmlns:p14="http://schemas.microsoft.com/office/powerpoint/2010/main" val="1594671263"/>
               </p:ext>
             </p:extLst>
           </p:nvPr>
@@ -7005,6 +7005,13 @@
                     <a:lstStyle/>
                     <a:p>
                       <a:r>
+                        <a:rPr lang="en-US" sz="1400" b="0" i="0" dirty="0">
+                          <a:latin typeface="Calibri" panose="020F0502020204030204" pitchFamily="34" charset="0"/>
+                          <a:cs typeface="Calibri" panose="020F0502020204030204" pitchFamily="34" charset="0"/>
+                        </a:rPr>
+                        <a:t>1. </a:t>
+                      </a:r>
+                      <a:r>
                         <a:rPr lang="en-US" sz="1400" b="0" i="0" dirty="0" err="1">
                           <a:latin typeface="Calibri" panose="020F0502020204030204" pitchFamily="34" charset="0"/>
                           <a:cs typeface="Calibri" panose="020F0502020204030204" pitchFamily="34" charset="0"/>
@@ -7071,7 +7078,7 @@
                           <a:latin typeface="Calibri" panose="020F0502020204030204" pitchFamily="34" charset="0"/>
                           <a:cs typeface="Calibri" panose="020F0502020204030204" pitchFamily="34" charset="0"/>
                         </a:rPr>
-                        <a:t>Global Label,</a:t>
+                        <a:t>2. Global Label,</a:t>
                       </a:r>
                     </a:p>
                     <a:p>
@@ -7080,7 +7087,7 @@
                           <a:latin typeface="Calibri" panose="020F0502020204030204" pitchFamily="34" charset="0"/>
                           <a:cs typeface="Calibri" panose="020F0502020204030204" pitchFamily="34" charset="0"/>
                         </a:rPr>
-                        <a:t>Signal/Advertise Label</a:t>
+                        <a:t>3. Signal/Advertise Label</a:t>
                       </a:r>
                     </a:p>
                   </a:txBody>
@@ -7432,7 +7439,7 @@
                 <a:latin typeface="Calibri" panose="020F0502020204030204" pitchFamily="34" charset="0"/>
                 <a:cs typeface="Calibri" panose="020F0502020204030204" pitchFamily="34" charset="0"/>
               </a:rPr>
-              <a:t>SFC: https://</a:t>
+              <a:t>For example SFC: https://</a:t>
             </a:r>
             <a:r>
               <a:rPr lang="en-CA" sz="1400" dirty="0" err="1">
@@ -7447,64 +7454,6 @@
                 <a:cs typeface="Calibri" panose="020F0502020204030204" pitchFamily="34" charset="0"/>
               </a:rPr>
               <a:t>/html/rfc8595 </a:t>
-            </a:r>
-          </a:p>
-          <a:p>
-            <a:pPr lvl="1">
-              <a:spcBef>
-                <a:spcPts val="600"/>
-              </a:spcBef>
-              <a:buFont typeface="Arial" panose="020B0604020202020204" pitchFamily="34" charset="0"/>
-              <a:buChar char="•"/>
-            </a:pPr>
-            <a:r>
-              <a:rPr lang="en-CA" sz="1400" dirty="0">
-                <a:latin typeface="Calibri" panose="020F0502020204030204" pitchFamily="34" charset="0"/>
-                <a:cs typeface="Calibri" panose="020F0502020204030204" pitchFamily="34" charset="0"/>
-              </a:rPr>
-              <a:t>E2E: draft-</a:t>
-            </a:r>
-            <a:r>
-              <a:rPr lang="en-CA" sz="1400" dirty="0" err="1">
-                <a:latin typeface="Calibri" panose="020F0502020204030204" pitchFamily="34" charset="0"/>
-                <a:cs typeface="Calibri" panose="020F0502020204030204" pitchFamily="34" charset="0"/>
-              </a:rPr>
-              <a:t>ietf</a:t>
-            </a:r>
-            <a:r>
-              <a:rPr lang="en-CA" sz="1400" dirty="0">
-                <a:latin typeface="Calibri" panose="020F0502020204030204" pitchFamily="34" charset="0"/>
-                <a:cs typeface="Calibri" panose="020F0502020204030204" pitchFamily="34" charset="0"/>
-              </a:rPr>
-              <a:t>-</a:t>
-            </a:r>
-            <a:r>
-              <a:rPr lang="en-CA" sz="1400" dirty="0" err="1">
-                <a:latin typeface="Calibri" panose="020F0502020204030204" pitchFamily="34" charset="0"/>
-                <a:cs typeface="Calibri" panose="020F0502020204030204" pitchFamily="34" charset="0"/>
-              </a:rPr>
-              <a:t>mpls</a:t>
-            </a:r>
-            <a:r>
-              <a:rPr lang="en-CA" sz="1400" dirty="0">
-                <a:latin typeface="Calibri" panose="020F0502020204030204" pitchFamily="34" charset="0"/>
-                <a:cs typeface="Calibri" panose="020F0502020204030204" pitchFamily="34" charset="0"/>
-              </a:rPr>
-              <a:t>-</a:t>
-            </a:r>
-            <a:r>
-              <a:rPr lang="en-CA" sz="1400" dirty="0" err="1">
-                <a:latin typeface="Calibri" panose="020F0502020204030204" pitchFamily="34" charset="0"/>
-                <a:cs typeface="Calibri" panose="020F0502020204030204" pitchFamily="34" charset="0"/>
-              </a:rPr>
-              <a:t>inband</a:t>
-            </a:r>
-            <a:r>
-              <a:rPr lang="en-CA" sz="1400" dirty="0">
-                <a:latin typeface="Calibri" panose="020F0502020204030204" pitchFamily="34" charset="0"/>
-                <a:cs typeface="Calibri" panose="020F0502020204030204" pitchFamily="34" charset="0"/>
-              </a:rPr>
-              <a:t>-pm-encapsulation</a:t>
             </a:r>
           </a:p>
           <a:p>
@@ -8929,7 +8878,7 @@
             <p:ph idx="1"/>
             <p:extLst>
               <p:ext uri="{D42A27DB-BD31-4B8C-83A1-F6EECF244321}">
-                <p14:modId xmlns:p14="http://schemas.microsoft.com/office/powerpoint/2010/main" val="3819525011"/>
+                <p14:modId xmlns:p14="http://schemas.microsoft.com/office/powerpoint/2010/main" val="673951845"/>
               </p:ext>
             </p:extLst>
           </p:nvPr>
@@ -8945,14 +8894,14 @@
                 <a:tableStyleId>{912C8C85-51F0-491E-9774-3900AFEF0FD7}</a:tableStyleId>
               </a:tblPr>
               <a:tblGrid>
-                <a:gridCol w="1905000">
+                <a:gridCol w="1981200">
                   <a:extLst>
                     <a:ext uri="{9D8B030D-6E8A-4147-A177-3AD203B41FA5}">
                       <a16:colId xmlns:a16="http://schemas.microsoft.com/office/drawing/2014/main" val="1209939836"/>
                     </a:ext>
                   </a:extLst>
                 </a:gridCol>
-                <a:gridCol w="1752600">
+                <a:gridCol w="1676400">
                   <a:extLst>
                     <a:ext uri="{9D8B030D-6E8A-4147-A177-3AD203B41FA5}">
                       <a16:colId xmlns:a16="http://schemas.microsoft.com/office/drawing/2014/main" val="4011394575"/>
@@ -9084,6 +9033,16 @@
                     <a:lstStyle/>
                     <a:p>
                       <a:r>
+                        <a:rPr lang="en-US" sz="1400" b="0" i="0" dirty="0">
+                          <a:solidFill>
+                            <a:schemeClr val="tx1"/>
+                          </a:solidFill>
+                          <a:latin typeface="Calibri" panose="020F0502020204030204" pitchFamily="34" charset="0"/>
+                          <a:cs typeface="Calibri" panose="020F0502020204030204" pitchFamily="34" charset="0"/>
+                        </a:rPr>
+                        <a:t>1. </a:t>
+                      </a:r>
+                      <a:r>
                         <a:rPr lang="en-US" sz="1400" b="0" i="0" dirty="0" err="1">
                           <a:solidFill>
                             <a:schemeClr val="tx1"/>
@@ -9203,7 +9162,7 @@
                           <a:latin typeface="Calibri" panose="020F0502020204030204" pitchFamily="34" charset="0"/>
                           <a:cs typeface="Calibri" panose="020F0502020204030204" pitchFamily="34" charset="0"/>
                         </a:rPr>
-                        <a:t>Global Label</a:t>
+                        <a:t>2. Global Label</a:t>
                       </a:r>
                     </a:p>
                   </a:txBody>
@@ -9305,7 +9264,7 @@
                           <a:latin typeface="Calibri" panose="020F0502020204030204" pitchFamily="34" charset="0"/>
                           <a:cs typeface="Calibri" panose="020F0502020204030204" pitchFamily="34" charset="0"/>
                         </a:rPr>
-                        <a:t>Signal/Advertise Label</a:t>
+                        <a:t>3. Signal/Advertise Label</a:t>
                       </a:r>
                     </a:p>
                   </a:txBody>

--- a/draft-gandhi-mpls-ioam-sr-06.pptx
+++ b/draft-gandhi-mpls-ioam-sr-06.pptx
@@ -5,10 +5,10 @@
     <p:sldMasterId id="2147483648" r:id="rId1"/>
   </p:sldMasterIdLst>
   <p:notesMasterIdLst>
-    <p:notesMasterId r:id="rId34"/>
+    <p:notesMasterId r:id="rId30"/>
   </p:notesMasterIdLst>
   <p:handoutMasterIdLst>
-    <p:handoutMasterId r:id="rId35"/>
+    <p:handoutMasterId r:id="rId31"/>
   </p:handoutMasterIdLst>
   <p:sldIdLst>
     <p:sldId id="256" r:id="rId2"/>
@@ -24,8 +24,8 @@
     <p:sldId id="1662" r:id="rId12"/>
     <p:sldId id="1681" r:id="rId13"/>
     <p:sldId id="1664" r:id="rId14"/>
-    <p:sldId id="1683" r:id="rId15"/>
-    <p:sldId id="1673" r:id="rId16"/>
+    <p:sldId id="1667" r:id="rId15"/>
+    <p:sldId id="1683" r:id="rId16"/>
     <p:sldId id="320" r:id="rId17"/>
     <p:sldId id="1680" r:id="rId18"/>
     <p:sldId id="1663" r:id="rId19"/>
@@ -36,13 +36,9 @@
     <p:sldId id="1702" r:id="rId24"/>
     <p:sldId id="1669" r:id="rId25"/>
     <p:sldId id="1697" r:id="rId26"/>
-    <p:sldId id="1667" r:id="rId27"/>
-    <p:sldId id="1690" r:id="rId28"/>
-    <p:sldId id="1695" r:id="rId29"/>
-    <p:sldId id="1699" r:id="rId30"/>
-    <p:sldId id="1696" r:id="rId31"/>
-    <p:sldId id="1700" r:id="rId32"/>
-    <p:sldId id="1701" r:id="rId33"/>
+    <p:sldId id="1690" r:id="rId27"/>
+    <p:sldId id="1695" r:id="rId28"/>
+    <p:sldId id="1699" r:id="rId29"/>
   </p:sldIdLst>
   <p:sldSz cx="9144000" cy="5143500" type="screen16x9"/>
   <p:notesSz cx="6858000" cy="9144000"/>
@@ -275,7 +271,7 @@
           <a:p>
             <a:fld id="{E8FA3DB5-7722-3F4F-947D-12B203669AD7}" type="datetimeFigureOut">
               <a:rPr lang="en-US" smtClean="0"/>
-              <a:t>2/23/21</a:t>
+              <a:t>2/24/21</a:t>
             </a:fld>
             <a:endParaRPr lang="en-US"/>
           </a:p>
@@ -1053,7 +1049,7 @@
               <a:pPr>
                 <a:defRPr/>
               </a:pPr>
-              <a:t>14</a:t>
+              <a:t>15</a:t>
             </a:fld>
             <a:endParaRPr lang="en-US" altLang="zh-CN"/>
           </a:p>
@@ -1683,7 +1679,7 @@
               <a:pPr>
                 <a:defRPr/>
               </a:pPr>
-              <a:t>29</a:t>
+              <a:t>28</a:t>
             </a:fld>
             <a:endParaRPr lang="en-US" altLang="zh-CN"/>
           </a:p>
@@ -1693,96 +1689,6 @@
     <p:extLst>
       <p:ext uri="{BB962C8B-B14F-4D97-AF65-F5344CB8AC3E}">
         <p14:creationId xmlns:p14="http://schemas.microsoft.com/office/powerpoint/2010/main" val="214626184"/>
-      </p:ext>
-    </p:extLst>
-  </p:cSld>
-  <p:clrMapOvr>
-    <a:masterClrMapping/>
-  </p:clrMapOvr>
-</p:notes>
-</file>
-
-<file path=ppt/notesSlides/notesSlide19.xml><?xml version="1.0" encoding="utf-8"?>
-<p:notes xmlns:a="http://schemas.openxmlformats.org/drawingml/2006/main" xmlns:r="http://schemas.openxmlformats.org/officeDocument/2006/relationships" xmlns:p="http://schemas.openxmlformats.org/presentationml/2006/main">
-  <p:cSld>
-    <p:spTree>
-      <p:nvGrpSpPr>
-        <p:cNvPr id="1" name=""/>
-        <p:cNvGrpSpPr/>
-        <p:nvPr/>
-      </p:nvGrpSpPr>
-      <p:grpSpPr>
-        <a:xfrm>
-          <a:off x="0" y="0"/>
-          <a:ext cx="0" cy="0"/>
-          <a:chOff x="0" y="0"/>
-          <a:chExt cx="0" cy="0"/>
-        </a:xfrm>
-      </p:grpSpPr>
-      <p:sp>
-        <p:nvSpPr>
-          <p:cNvPr id="2" name="Slide Image Placeholder 1"/>
-          <p:cNvSpPr>
-            <a:spLocks noGrp="1" noRot="1" noChangeAspect="1"/>
-          </p:cNvSpPr>
-          <p:nvPr>
-            <p:ph type="sldImg"/>
-          </p:nvPr>
-        </p:nvSpPr>
-        <p:spPr/>
-      </p:sp>
-      <p:sp>
-        <p:nvSpPr>
-          <p:cNvPr id="3" name="Notes Placeholder 2"/>
-          <p:cNvSpPr>
-            <a:spLocks noGrp="1"/>
-          </p:cNvSpPr>
-          <p:nvPr>
-            <p:ph type="body" idx="1"/>
-          </p:nvPr>
-        </p:nvSpPr>
-        <p:spPr/>
-        <p:txBody>
-          <a:bodyPr/>
-          <a:lstStyle/>
-          <a:p>
-            <a:endParaRPr lang="en-US" dirty="0"/>
-          </a:p>
-        </p:txBody>
-      </p:sp>
-      <p:sp>
-        <p:nvSpPr>
-          <p:cNvPr id="4" name="Slide Number Placeholder 3"/>
-          <p:cNvSpPr>
-            <a:spLocks noGrp="1"/>
-          </p:cNvSpPr>
-          <p:nvPr>
-            <p:ph type="sldNum" sz="quarter" idx="10"/>
-          </p:nvPr>
-        </p:nvSpPr>
-        <p:spPr/>
-        <p:txBody>
-          <a:bodyPr/>
-          <a:lstStyle/>
-          <a:p>
-            <a:pPr>
-              <a:defRPr/>
-            </a:pPr>
-            <a:fld id="{100938BD-FD70-4535-B0C2-13FC38CDF1BE}" type="slidenum">
-              <a:rPr lang="en-US" altLang="zh-CN" smtClean="0"/>
-              <a:pPr>
-                <a:defRPr/>
-              </a:pPr>
-              <a:t>32</a:t>
-            </a:fld>
-            <a:endParaRPr lang="en-US" altLang="zh-CN"/>
-          </a:p>
-        </p:txBody>
-      </p:sp>
-    </p:spTree>
-    <p:extLst>
-      <p:ext uri="{BB962C8B-B14F-4D97-AF65-F5344CB8AC3E}">
-        <p14:creationId xmlns:p14="http://schemas.microsoft.com/office/powerpoint/2010/main" val="2031914186"/>
       </p:ext>
     </p:extLst>
   </p:cSld>
@@ -7794,6 +7700,493 @@
       </p:grpSpPr>
       <p:sp>
         <p:nvSpPr>
+          <p:cNvPr id="2" name="Title 1">
+            <a:extLst>
+              <a:ext uri="{FF2B5EF4-FFF2-40B4-BE49-F238E27FC236}">
+                <a16:creationId xmlns:a16="http://schemas.microsoft.com/office/drawing/2014/main" id="{590D0125-5A9E-9D48-9391-85FBD0E608A2}"/>
+              </a:ext>
+            </a:extLst>
+          </p:cNvPr>
+          <p:cNvSpPr>
+            <a:spLocks noGrp="1"/>
+          </p:cNvSpPr>
+          <p:nvPr>
+            <p:ph type="title"/>
+          </p:nvPr>
+        </p:nvSpPr>
+        <p:spPr>
+          <a:xfrm>
+            <a:off x="0" y="9427"/>
+            <a:ext cx="9144000" cy="599270"/>
+          </a:xfrm>
+        </p:spPr>
+        <p:txBody>
+          <a:bodyPr/>
+          <a:lstStyle/>
+          <a:p>
+            <a:r>
+              <a:rPr lang="en-CA" sz="2800" dirty="0">
+                <a:solidFill>
+                  <a:srgbClr val="0070C0"/>
+                </a:solidFill>
+                <a:latin typeface="Calibri Light" panose="020F0302020204030204" pitchFamily="34" charset="0"/>
+                <a:cs typeface="Calibri Light" panose="020F0302020204030204" pitchFamily="34" charset="0"/>
+              </a:rPr>
+              <a:t>Example 1 - SR-MPLS Encapsulation with IOAM Data Fields</a:t>
+            </a:r>
+            <a:endParaRPr lang="en-US" sz="2800" dirty="0">
+              <a:solidFill>
+                <a:srgbClr val="0070C0"/>
+              </a:solidFill>
+              <a:latin typeface="Calibri Light" panose="020F0302020204030204" pitchFamily="34" charset="0"/>
+              <a:cs typeface="Calibri Light" panose="020F0302020204030204" pitchFamily="34" charset="0"/>
+            </a:endParaRPr>
+          </a:p>
+        </p:txBody>
+      </p:sp>
+      <p:sp>
+        <p:nvSpPr>
+          <p:cNvPr id="4" name="Footer Placeholder 3">
+            <a:extLst>
+              <a:ext uri="{FF2B5EF4-FFF2-40B4-BE49-F238E27FC236}">
+                <a16:creationId xmlns:a16="http://schemas.microsoft.com/office/drawing/2014/main" id="{87713FCD-3B47-804D-B373-DAB61FB5FF59}"/>
+              </a:ext>
+            </a:extLst>
+          </p:cNvPr>
+          <p:cNvSpPr>
+            <a:spLocks noGrp="1"/>
+          </p:cNvSpPr>
+          <p:nvPr>
+            <p:ph type="ftr" sz="quarter" idx="11"/>
+          </p:nvPr>
+        </p:nvSpPr>
+        <p:spPr>
+          <a:xfrm>
+            <a:off x="3124200" y="4786312"/>
+            <a:ext cx="2895600" cy="357188"/>
+          </a:xfrm>
+        </p:spPr>
+        <p:txBody>
+          <a:bodyPr/>
+          <a:lstStyle/>
+          <a:p>
+            <a:r>
+              <a:rPr lang="en-CA" dirty="0"/>
+              <a:t>110</a:t>
+            </a:r>
+            <a:r>
+              <a:rPr lang="en-CA" baseline="30000" dirty="0"/>
+              <a:t>th</a:t>
+            </a:r>
+            <a:r>
+              <a:rPr lang="en-CA" dirty="0"/>
+              <a:t> IETF Online</a:t>
+            </a:r>
+          </a:p>
+        </p:txBody>
+      </p:sp>
+      <p:sp>
+        <p:nvSpPr>
+          <p:cNvPr id="5" name="Slide Number Placeholder 4">
+            <a:extLst>
+              <a:ext uri="{FF2B5EF4-FFF2-40B4-BE49-F238E27FC236}">
+                <a16:creationId xmlns:a16="http://schemas.microsoft.com/office/drawing/2014/main" id="{1371408B-9195-EC4D-8131-A3F5CC0592D0}"/>
+              </a:ext>
+            </a:extLst>
+          </p:cNvPr>
+          <p:cNvSpPr>
+            <a:spLocks noGrp="1"/>
+          </p:cNvSpPr>
+          <p:nvPr>
+            <p:ph type="sldNum" sz="quarter" idx="12"/>
+          </p:nvPr>
+        </p:nvSpPr>
+        <p:spPr/>
+        <p:txBody>
+          <a:bodyPr/>
+          <a:lstStyle/>
+          <a:p>
+            <a:pPr>
+              <a:defRPr/>
+            </a:pPr>
+            <a:fld id="{BD6E0F59-1DD8-40FC-9C92-B6295CBA6CCA}" type="slidenum">
+              <a:rPr lang="en-US" altLang="zh-CN" smtClean="0"/>
+              <a:pPr>
+                <a:defRPr/>
+              </a:pPr>
+              <a:t>14</a:t>
+            </a:fld>
+            <a:endParaRPr lang="en-US" altLang="zh-CN" dirty="0"/>
+          </a:p>
+        </p:txBody>
+      </p:sp>
+      <p:sp>
+        <p:nvSpPr>
+          <p:cNvPr id="6" name="Rectangle 5">
+            <a:extLst>
+              <a:ext uri="{FF2B5EF4-FFF2-40B4-BE49-F238E27FC236}">
+                <a16:creationId xmlns:a16="http://schemas.microsoft.com/office/drawing/2014/main" id="{1EED4007-3A19-0E4E-8496-6CECEEA363EB}"/>
+              </a:ext>
+            </a:extLst>
+          </p:cNvPr>
+          <p:cNvSpPr/>
+          <p:nvPr/>
+        </p:nvSpPr>
+        <p:spPr>
+          <a:xfrm>
+            <a:off x="2305050" y="641003"/>
+            <a:ext cx="4533900" cy="4278094"/>
+          </a:xfrm>
+          <a:prstGeom prst="rect">
+            <a:avLst/>
+          </a:prstGeom>
+          <a:solidFill>
+            <a:schemeClr val="accent6">
+              <a:lumMod val="20000"/>
+              <a:lumOff val="80000"/>
+            </a:schemeClr>
+          </a:solidFill>
+        </p:spPr>
+        <p:txBody>
+          <a:bodyPr wrap="square">
+            <a:spAutoFit/>
+          </a:bodyPr>
+          <a:lstStyle/>
+          <a:p>
+            <a:r>
+              <a:rPr lang="en-CA" sz="800" dirty="0">
+                <a:latin typeface="Courier" pitchFamily="2" charset="0"/>
+              </a:rPr>
+              <a:t>    0 1 2 3 4 5 6 7 8 9 0 1 2 3 4 5 6 7 8 9 0 1 2 3 4 5 6 7 8 9 0 1</a:t>
+            </a:r>
+          </a:p>
+          <a:p>
+            <a:r>
+              <a:rPr lang="en-CA" sz="800" dirty="0">
+                <a:latin typeface="Courier" pitchFamily="2" charset="0"/>
+              </a:rPr>
+              <a:t>   +-+-+-+-+-+-+-+-+-+-+-+-+-+-+-+-+-+-+-+-+-+-+-+-+-+-+-+-+-+-+-+-+</a:t>
+            </a:r>
+          </a:p>
+          <a:p>
+            <a:r>
+              <a:rPr lang="en-CA" sz="800" dirty="0">
+                <a:latin typeface="Courier" pitchFamily="2" charset="0"/>
+              </a:rPr>
+              <a:t>   |                Label(1)               | TC  |S|      TTL      |</a:t>
+            </a:r>
+          </a:p>
+          <a:p>
+            <a:r>
+              <a:rPr lang="en-CA" sz="800" dirty="0">
+                <a:latin typeface="Courier" pitchFamily="2" charset="0"/>
+              </a:rPr>
+              <a:t>   +-+-+-+-+-+-+-+-+-+-+-+-+-+-+-+-+-+-+-+-+-+-+-+-+-+-+-+-+-+-+-+-+</a:t>
+            </a:r>
+          </a:p>
+          <a:p>
+            <a:r>
+              <a:rPr lang="en-CA" sz="800" dirty="0">
+                <a:latin typeface="Courier" pitchFamily="2" charset="0"/>
+              </a:rPr>
+              <a:t>   .                                                               .</a:t>
+            </a:r>
+          </a:p>
+          <a:p>
+            <a:r>
+              <a:rPr lang="en-CA" sz="800" dirty="0">
+                <a:latin typeface="Courier" pitchFamily="2" charset="0"/>
+              </a:rPr>
+              <a:t>   .                                                               .</a:t>
+            </a:r>
+          </a:p>
+          <a:p>
+            <a:r>
+              <a:rPr lang="en-CA" sz="800" dirty="0">
+                <a:latin typeface="Courier" pitchFamily="2" charset="0"/>
+              </a:rPr>
+              <a:t>   .                                                               .</a:t>
+            </a:r>
+          </a:p>
+          <a:p>
+            <a:r>
+              <a:rPr lang="en-CA" sz="800" dirty="0">
+                <a:latin typeface="Courier" pitchFamily="2" charset="0"/>
+              </a:rPr>
+              <a:t>   +-+-+-+-+-+-+-+-+-+-+-+-+-+-+-+-+-+-+-+-+-+-+-+-+-+-+-+-+-+-+-+-+</a:t>
+            </a:r>
+          </a:p>
+          <a:p>
+            <a:r>
+              <a:rPr lang="en-CA" sz="800" dirty="0">
+                <a:latin typeface="Courier" pitchFamily="2" charset="0"/>
+              </a:rPr>
+              <a:t>   |                Label(n)               | TC  |S|      TTL      |</a:t>
+            </a:r>
+          </a:p>
+          <a:p>
+            <a:r>
+              <a:rPr lang="en-CA" sz="800" dirty="0">
+                <a:latin typeface="Courier" pitchFamily="2" charset="0"/>
+              </a:rPr>
+              <a:t>   +-+-+-+-+-+-+-+-+-+-+-+-+-+-+-+-+-+-+-+-+-+-+-+-+-+-+-+-+-+-+-+-+</a:t>
+            </a:r>
+          </a:p>
+          <a:p>
+            <a:r>
+              <a:rPr lang="en-CA" sz="800" b="1" dirty="0">
+                <a:latin typeface="Courier" pitchFamily="2" charset="0"/>
+              </a:rPr>
+              <a:t>   |                PSID                   | TC  |S|      TTL      | </a:t>
+            </a:r>
+          </a:p>
+          <a:p>
+            <a:r>
+              <a:rPr lang="en-CA" sz="800" dirty="0">
+                <a:latin typeface="Courier" pitchFamily="2" charset="0"/>
+              </a:rPr>
+              <a:t>   +-+-+-+-+-+-+-+-+-+-+-+-+-+-+-+-+-+-+-+-+-+-+-+-+-+-+-+-+-+-+-+-+</a:t>
+            </a:r>
+          </a:p>
+          <a:p>
+            <a:r>
+              <a:rPr lang="en-CA" sz="800" b="1" dirty="0">
+                <a:latin typeface="Courier" pitchFamily="2" charset="0"/>
+              </a:rPr>
+              <a:t>   | Extension Label (15)                  | TC  |S|      TTL      | </a:t>
+            </a:r>
+          </a:p>
+          <a:p>
+            <a:r>
+              <a:rPr lang="en-CA" sz="800" dirty="0">
+                <a:latin typeface="Courier" pitchFamily="2" charset="0"/>
+              </a:rPr>
+              <a:t>   +-+-+-+-+-+-+-+-+-+-+-+-+-+-+-+-+-+-+-+-+-+-+-+-+-+-+-+-+-+-+-+-+</a:t>
+            </a:r>
+          </a:p>
+          <a:p>
+            <a:r>
+              <a:rPr lang="en-CA" sz="800" dirty="0">
+                <a:latin typeface="Courier" pitchFamily="2" charset="0"/>
+              </a:rPr>
+              <a:t>   | </a:t>
+            </a:r>
+            <a:r>
+              <a:rPr lang="en-CA" sz="800" b="1" dirty="0">
+                <a:latin typeface="Courier" pitchFamily="2" charset="0"/>
+              </a:rPr>
+              <a:t>E2E IOAM Indicator Label TBA1         </a:t>
+            </a:r>
+            <a:r>
+              <a:rPr lang="en-CA" sz="800" dirty="0">
+                <a:latin typeface="Courier" pitchFamily="2" charset="0"/>
+              </a:rPr>
+              <a:t>| TC  |1|      TTL      |</a:t>
+            </a:r>
+          </a:p>
+          <a:p>
+            <a:r>
+              <a:rPr lang="en-CA" sz="800" dirty="0">
+                <a:latin typeface="Courier" pitchFamily="2" charset="0"/>
+              </a:rPr>
+              <a:t>   +-+-+-+-+-+-+-+-+-+-+-+-+-+-+-+-+-+-+-+-+-+-+-+-+-+-+-+-+-+-+-+-+&lt;-+ </a:t>
+            </a:r>
+          </a:p>
+          <a:p>
+            <a:r>
+              <a:rPr lang="en-CA" sz="800" dirty="0">
+                <a:latin typeface="Courier" pitchFamily="2" charset="0"/>
+              </a:rPr>
+              <a:t>   |0 0 0 1|Version| Reserved      | IOAM G-</a:t>
+            </a:r>
+            <a:r>
+              <a:rPr lang="en-CA" sz="800" dirty="0" err="1">
+                <a:latin typeface="Courier" pitchFamily="2" charset="0"/>
+              </a:rPr>
+              <a:t>ACh</a:t>
+            </a:r>
+            <a:r>
+              <a:rPr lang="en-CA" sz="800" dirty="0">
+                <a:latin typeface="Courier" pitchFamily="2" charset="0"/>
+              </a:rPr>
+              <a:t> (Type TBA3)        |  | </a:t>
+            </a:r>
+          </a:p>
+          <a:p>
+            <a:r>
+              <a:rPr lang="en-CA" sz="800" dirty="0">
+                <a:latin typeface="Courier" pitchFamily="2" charset="0"/>
+              </a:rPr>
+              <a:t>   +-+-+-+-+-+-+-+-+-+-+-+-+-+-+-+-+-+-+-+-+-+-+-+-+-+-+-+-+-+-+-+-+  | </a:t>
+            </a:r>
+          </a:p>
+          <a:p>
+            <a:r>
+              <a:rPr lang="en-CA" sz="800" dirty="0">
+                <a:latin typeface="Courier" pitchFamily="2" charset="0"/>
+              </a:rPr>
+              <a:t>   | Reserved      | Block Number  | IOAM-OPT-Type |IOAM HDR Length|  |</a:t>
+            </a:r>
+          </a:p>
+          <a:p>
+            <a:r>
+              <a:rPr lang="en-CA" sz="800" dirty="0">
+                <a:latin typeface="Courier" pitchFamily="2" charset="0"/>
+              </a:rPr>
+              <a:t>   +-+-+-+-+-+-+-+-+-+-+-+-+-+-+-+-+-+-+-+-+-+-+-+-+-+-+-+-+-+-+-+-+  I</a:t>
+            </a:r>
+          </a:p>
+          <a:p>
+            <a:r>
+              <a:rPr lang="en-CA" sz="800" dirty="0">
+                <a:latin typeface="Courier" pitchFamily="2" charset="0"/>
+              </a:rPr>
+              <a:t>   |                                                               |  O</a:t>
+            </a:r>
+          </a:p>
+          <a:p>
+            <a:r>
+              <a:rPr lang="en-CA" sz="800" dirty="0">
+                <a:latin typeface="Courier" pitchFamily="2" charset="0"/>
+              </a:rPr>
+              <a:t>   |                                                               |  A</a:t>
+            </a:r>
+          </a:p>
+          <a:p>
+            <a:r>
+              <a:rPr lang="en-CA" sz="800" dirty="0">
+                <a:latin typeface="Courier" pitchFamily="2" charset="0"/>
+              </a:rPr>
+              <a:t>   ~                 IOAM Option and Data Space                    ~  M</a:t>
+            </a:r>
+          </a:p>
+          <a:p>
+            <a:r>
+              <a:rPr lang="en-CA" sz="800" dirty="0">
+                <a:latin typeface="Courier" pitchFamily="2" charset="0"/>
+              </a:rPr>
+              <a:t>   |                                                               |  |</a:t>
+            </a:r>
+          </a:p>
+          <a:p>
+            <a:r>
+              <a:rPr lang="en-CA" sz="800" dirty="0">
+                <a:latin typeface="Courier" pitchFamily="2" charset="0"/>
+              </a:rPr>
+              <a:t>   |                                                               |  |</a:t>
+            </a:r>
+          </a:p>
+          <a:p>
+            <a:r>
+              <a:rPr lang="en-CA" sz="800" dirty="0">
+                <a:latin typeface="Courier" pitchFamily="2" charset="0"/>
+              </a:rPr>
+              <a:t>   +-+-+-+-+-+-+-+-+-+-+-+-+-+-+-+-+-+-+-+-+-+-+-+-+-+-+-+-+-+-+-+-+&lt;-+</a:t>
+            </a:r>
+          </a:p>
+          <a:p>
+            <a:r>
+              <a:rPr lang="en-CA" sz="800" dirty="0">
+                <a:latin typeface="Courier" pitchFamily="2" charset="0"/>
+              </a:rPr>
+              <a:t>   |                                                               |</a:t>
+            </a:r>
+          </a:p>
+          <a:p>
+            <a:r>
+              <a:rPr lang="en-CA" sz="800" dirty="0">
+                <a:latin typeface="Courier" pitchFamily="2" charset="0"/>
+              </a:rPr>
+              <a:t>   |                                                               |</a:t>
+            </a:r>
+          </a:p>
+          <a:p>
+            <a:r>
+              <a:rPr lang="en-CA" sz="800" dirty="0">
+                <a:latin typeface="Courier" pitchFamily="2" charset="0"/>
+              </a:rPr>
+              <a:t>   ~                 Payload + Padding                             ~</a:t>
+            </a:r>
+          </a:p>
+          <a:p>
+            <a:r>
+              <a:rPr lang="en-CA" sz="800" dirty="0">
+                <a:latin typeface="Courier" pitchFamily="2" charset="0"/>
+              </a:rPr>
+              <a:t>   |                                                               |</a:t>
+            </a:r>
+          </a:p>
+          <a:p>
+            <a:r>
+              <a:rPr lang="en-CA" sz="800" dirty="0">
+                <a:latin typeface="Courier" pitchFamily="2" charset="0"/>
+              </a:rPr>
+              <a:t>   |                                                               |</a:t>
+            </a:r>
+          </a:p>
+          <a:p>
+            <a:r>
+              <a:rPr lang="en-CA" sz="800" dirty="0">
+                <a:latin typeface="Courier" pitchFamily="2" charset="0"/>
+              </a:rPr>
+              <a:t>   +-+-+-+-+-+-+-+-+-+-+-+-+-+-+-+-+-+-+-+-+-+-+-+-+-+-+-+-+-+-+-+-+ </a:t>
+            </a:r>
+          </a:p>
+          <a:p>
+            <a:r>
+              <a:rPr lang="en-CA" sz="800" dirty="0">
+                <a:latin typeface="Courier" pitchFamily="2" charset="0"/>
+              </a:rPr>
+              <a:t>             </a:t>
+            </a:r>
+          </a:p>
+          <a:p>
+            <a:r>
+              <a:rPr lang="en-CA" sz="800" dirty="0">
+                <a:latin typeface="Courier" pitchFamily="2" charset="0"/>
+              </a:rPr>
+              <a:t>      Figure: Example SR-MPLS Encapsulation with IOAM Data Fields</a:t>
+            </a:r>
+            <a:endParaRPr lang="en-CA" sz="800" dirty="0">
+              <a:latin typeface="Courier" pitchFamily="2" charset="0"/>
+              <a:ea typeface="Calibri" panose="020F0502020204030204" pitchFamily="34" charset="0"/>
+              <a:cs typeface="Times New Roman" panose="02020603050405020304" pitchFamily="18" charset="0"/>
+            </a:endParaRPr>
+          </a:p>
+        </p:txBody>
+      </p:sp>
+    </p:spTree>
+    <p:extLst>
+      <p:ext uri="{BB962C8B-B14F-4D97-AF65-F5344CB8AC3E}">
+        <p14:creationId xmlns:p14="http://schemas.microsoft.com/office/powerpoint/2010/main" val="3892607332"/>
+      </p:ext>
+    </p:extLst>
+  </p:cSld>
+  <p:clrMapOvr>
+    <a:masterClrMapping/>
+  </p:clrMapOvr>
+</p:sld>
+</file>
+
+<file path=ppt/slides/slide15.xml><?xml version="1.0" encoding="utf-8"?>
+<p:sld xmlns:a="http://schemas.openxmlformats.org/drawingml/2006/main" xmlns:r="http://schemas.openxmlformats.org/officeDocument/2006/relationships" xmlns:p="http://schemas.openxmlformats.org/presentationml/2006/main">
+  <p:cSld>
+    <p:spTree>
+      <p:nvGrpSpPr>
+        <p:cNvPr id="1" name=""/>
+        <p:cNvGrpSpPr/>
+        <p:nvPr/>
+      </p:nvGrpSpPr>
+      <p:grpSpPr>
+        <a:xfrm>
+          <a:off x="0" y="0"/>
+          <a:ext cx="0" cy="0"/>
+          <a:chOff x="0" y="0"/>
+          <a:chExt cx="0" cy="0"/>
+        </a:xfrm>
+      </p:grpSpPr>
+      <p:sp>
+        <p:nvSpPr>
           <p:cNvPr id="4" name="Footer Placeholder 3"/>
           <p:cNvSpPr>
             <a:spLocks noGrp="1"/>
@@ -8052,7 +8445,7 @@
               <a:pPr>
                 <a:defRPr/>
               </a:pPr>
-              <a:t>14</a:t>
+              <a:t>15</a:t>
             </a:fld>
             <a:endParaRPr lang="en-US" altLang="zh-CN"/>
           </a:p>
@@ -8062,443 +8455,6 @@
     <p:extLst>
       <p:ext uri="{BB962C8B-B14F-4D97-AF65-F5344CB8AC3E}">
         <p14:creationId xmlns:p14="http://schemas.microsoft.com/office/powerpoint/2010/main" val="3569701818"/>
-      </p:ext>
-    </p:extLst>
-  </p:cSld>
-  <p:clrMapOvr>
-    <a:masterClrMapping/>
-  </p:clrMapOvr>
-</p:sld>
-</file>
-
-<file path=ppt/slides/slide15.xml><?xml version="1.0" encoding="utf-8"?>
-<p:sld xmlns:a="http://schemas.openxmlformats.org/drawingml/2006/main" xmlns:r="http://schemas.openxmlformats.org/officeDocument/2006/relationships" xmlns:p="http://schemas.openxmlformats.org/presentationml/2006/main">
-  <p:cSld>
-    <p:spTree>
-      <p:nvGrpSpPr>
-        <p:cNvPr id="1" name=""/>
-        <p:cNvGrpSpPr/>
-        <p:nvPr/>
-      </p:nvGrpSpPr>
-      <p:grpSpPr>
-        <a:xfrm>
-          <a:off x="0" y="0"/>
-          <a:ext cx="0" cy="0"/>
-          <a:chOff x="0" y="0"/>
-          <a:chExt cx="0" cy="0"/>
-        </a:xfrm>
-      </p:grpSpPr>
-      <p:sp>
-        <p:nvSpPr>
-          <p:cNvPr id="2" name="Title 1">
-            <a:extLst>
-              <a:ext uri="{FF2B5EF4-FFF2-40B4-BE49-F238E27FC236}">
-                <a16:creationId xmlns:a16="http://schemas.microsoft.com/office/drawing/2014/main" id="{590D0125-5A9E-9D48-9391-85FBD0E608A2}"/>
-              </a:ext>
-            </a:extLst>
-          </p:cNvPr>
-          <p:cNvSpPr>
-            <a:spLocks noGrp="1"/>
-          </p:cNvSpPr>
-          <p:nvPr>
-            <p:ph type="title"/>
-          </p:nvPr>
-        </p:nvSpPr>
-        <p:spPr>
-          <a:xfrm>
-            <a:off x="152400" y="102393"/>
-            <a:ext cx="8839200" cy="599270"/>
-          </a:xfrm>
-        </p:spPr>
-        <p:txBody>
-          <a:bodyPr/>
-          <a:lstStyle/>
-          <a:p>
-            <a:r>
-              <a:rPr lang="en-CA" sz="3200" dirty="0">
-                <a:solidFill>
-                  <a:srgbClr val="0070C0"/>
-                </a:solidFill>
-                <a:latin typeface="Calibri Light" panose="020F0302020204030204" pitchFamily="34" charset="0"/>
-                <a:cs typeface="Calibri Light" panose="020F0302020204030204" pitchFamily="34" charset="0"/>
-              </a:rPr>
-              <a:t>MPLS Encapsulation with </a:t>
-            </a:r>
-            <a:r>
-              <a:rPr lang="en-CA" sz="3200" dirty="0" err="1">
-                <a:solidFill>
-                  <a:srgbClr val="0070C0"/>
-                </a:solidFill>
-                <a:latin typeface="Calibri Light" panose="020F0302020204030204" pitchFamily="34" charset="0"/>
-                <a:cs typeface="Calibri Light" panose="020F0302020204030204" pitchFamily="34" charset="0"/>
-              </a:rPr>
-              <a:t>HbH</a:t>
-            </a:r>
-            <a:r>
-              <a:rPr lang="en-CA" sz="3200" dirty="0">
-                <a:solidFill>
-                  <a:srgbClr val="0070C0"/>
-                </a:solidFill>
-                <a:latin typeface="Calibri Light" panose="020F0302020204030204" pitchFamily="34" charset="0"/>
-                <a:cs typeface="Calibri Light" panose="020F0302020204030204" pitchFamily="34" charset="0"/>
-              </a:rPr>
-              <a:t> IOAM Data Fields</a:t>
-            </a:r>
-            <a:endParaRPr lang="en-US" sz="3200" dirty="0">
-              <a:solidFill>
-                <a:srgbClr val="0070C0"/>
-              </a:solidFill>
-              <a:latin typeface="Calibri Light" panose="020F0302020204030204" pitchFamily="34" charset="0"/>
-              <a:cs typeface="Calibri Light" panose="020F0302020204030204" pitchFamily="34" charset="0"/>
-            </a:endParaRPr>
-          </a:p>
-        </p:txBody>
-      </p:sp>
-      <p:sp>
-        <p:nvSpPr>
-          <p:cNvPr id="4" name="Footer Placeholder 3">
-            <a:extLst>
-              <a:ext uri="{FF2B5EF4-FFF2-40B4-BE49-F238E27FC236}">
-                <a16:creationId xmlns:a16="http://schemas.microsoft.com/office/drawing/2014/main" id="{87713FCD-3B47-804D-B373-DAB61FB5FF59}"/>
-              </a:ext>
-            </a:extLst>
-          </p:cNvPr>
-          <p:cNvSpPr>
-            <a:spLocks noGrp="1"/>
-          </p:cNvSpPr>
-          <p:nvPr>
-            <p:ph type="ftr" sz="quarter" idx="11"/>
-          </p:nvPr>
-        </p:nvSpPr>
-        <p:spPr>
-          <a:xfrm>
-            <a:off x="3124200" y="4781550"/>
-            <a:ext cx="2895600" cy="357188"/>
-          </a:xfrm>
-        </p:spPr>
-        <p:txBody>
-          <a:bodyPr/>
-          <a:lstStyle/>
-          <a:p>
-            <a:r>
-              <a:rPr lang="en-CA" dirty="0"/>
-              <a:t>110</a:t>
-            </a:r>
-            <a:r>
-              <a:rPr lang="en-CA" baseline="30000" dirty="0"/>
-              <a:t>th</a:t>
-            </a:r>
-            <a:r>
-              <a:rPr lang="en-CA" dirty="0"/>
-              <a:t> IETF Online</a:t>
-            </a:r>
-          </a:p>
-        </p:txBody>
-      </p:sp>
-      <p:sp>
-        <p:nvSpPr>
-          <p:cNvPr id="5" name="Slide Number Placeholder 4">
-            <a:extLst>
-              <a:ext uri="{FF2B5EF4-FFF2-40B4-BE49-F238E27FC236}">
-                <a16:creationId xmlns:a16="http://schemas.microsoft.com/office/drawing/2014/main" id="{1371408B-9195-EC4D-8131-A3F5CC0592D0}"/>
-              </a:ext>
-            </a:extLst>
-          </p:cNvPr>
-          <p:cNvSpPr>
-            <a:spLocks noGrp="1"/>
-          </p:cNvSpPr>
-          <p:nvPr>
-            <p:ph type="sldNum" sz="quarter" idx="12"/>
-          </p:nvPr>
-        </p:nvSpPr>
-        <p:spPr/>
-        <p:txBody>
-          <a:bodyPr/>
-          <a:lstStyle/>
-          <a:p>
-            <a:pPr>
-              <a:defRPr/>
-            </a:pPr>
-            <a:fld id="{BD6E0F59-1DD8-40FC-9C92-B6295CBA6CCA}" type="slidenum">
-              <a:rPr lang="en-US" altLang="zh-CN" smtClean="0"/>
-              <a:pPr>
-                <a:defRPr/>
-              </a:pPr>
-              <a:t>15</a:t>
-            </a:fld>
-            <a:endParaRPr lang="en-US" altLang="zh-CN"/>
-          </a:p>
-        </p:txBody>
-      </p:sp>
-      <p:sp>
-        <p:nvSpPr>
-          <p:cNvPr id="6" name="Rectangle 5">
-            <a:extLst>
-              <a:ext uri="{FF2B5EF4-FFF2-40B4-BE49-F238E27FC236}">
-                <a16:creationId xmlns:a16="http://schemas.microsoft.com/office/drawing/2014/main" id="{1EED4007-3A19-0E4E-8496-6CECEEA363EB}"/>
-              </a:ext>
-            </a:extLst>
-          </p:cNvPr>
-          <p:cNvSpPr/>
-          <p:nvPr/>
-        </p:nvSpPr>
-        <p:spPr>
-          <a:xfrm>
-            <a:off x="1600200" y="865388"/>
-            <a:ext cx="5755640" cy="3631763"/>
-          </a:xfrm>
-          <a:prstGeom prst="rect">
-            <a:avLst/>
-          </a:prstGeom>
-          <a:solidFill>
-            <a:schemeClr val="accent6">
-              <a:lumMod val="20000"/>
-              <a:lumOff val="80000"/>
-            </a:schemeClr>
-          </a:solidFill>
-        </p:spPr>
-        <p:txBody>
-          <a:bodyPr wrap="square">
-            <a:spAutoFit/>
-          </a:bodyPr>
-          <a:lstStyle/>
-          <a:p>
-            <a:r>
-              <a:rPr lang="en-CA" sz="1000" dirty="0">
-                <a:latin typeface="Courier" pitchFamily="2" charset="0"/>
-              </a:rPr>
-              <a:t>   0                   1                   2                   3</a:t>
-            </a:r>
-          </a:p>
-          <a:p>
-            <a:r>
-              <a:rPr lang="en-CA" sz="1000" dirty="0">
-                <a:latin typeface="Courier" pitchFamily="2" charset="0"/>
-              </a:rPr>
-              <a:t>   0 1 2 3 4 5 6 7 8 9 0 1 2 3 4 5 6 7 8 9 0 1 2 3 4 5 6 7 8 9 0 1</a:t>
-            </a:r>
-          </a:p>
-          <a:p>
-            <a:r>
-              <a:rPr lang="en-CA" sz="1000" dirty="0">
-                <a:latin typeface="Courier" pitchFamily="2" charset="0"/>
-              </a:rPr>
-              <a:t>   +-+-+-+-+-+-+-+-+-+-+-+-+-+-+-+-+-+-+-+-+-+-+-+-+-+-+-+-+-+-+-+-+</a:t>
-            </a:r>
-          </a:p>
-          <a:p>
-            <a:r>
-              <a:rPr lang="en-CA" sz="1000" dirty="0">
-                <a:latin typeface="Courier" pitchFamily="2" charset="0"/>
-              </a:rPr>
-              <a:t>   |  </a:t>
-            </a:r>
-            <a:r>
-              <a:rPr lang="en-CA" sz="1000" b="1" dirty="0" err="1">
-                <a:latin typeface="Courier" pitchFamily="2" charset="0"/>
-              </a:rPr>
-              <a:t>HbH</a:t>
-            </a:r>
-            <a:r>
-              <a:rPr lang="en-CA" sz="1000" b="1" dirty="0">
-                <a:latin typeface="Courier" pitchFamily="2" charset="0"/>
-              </a:rPr>
-              <a:t> IOAM Indicator Label             </a:t>
-            </a:r>
-            <a:r>
-              <a:rPr lang="en-CA" sz="1000" dirty="0">
-                <a:latin typeface="Courier" pitchFamily="2" charset="0"/>
-              </a:rPr>
-              <a:t>| TC  |1|  TTL          |</a:t>
-            </a:r>
-          </a:p>
-          <a:p>
-            <a:r>
-              <a:rPr lang="en-CA" sz="1000" dirty="0">
-                <a:latin typeface="Courier" pitchFamily="2" charset="0"/>
-              </a:rPr>
-              <a:t>   +-+-+-+-+-+-+-+-+-+-+-+-+-+-+-+-+-+-+-+-+-+-+-+-+-+-+-+-+-+-+-+-+&lt;-+ </a:t>
-            </a:r>
-          </a:p>
-          <a:p>
-            <a:r>
-              <a:rPr lang="en-CA" sz="1000" dirty="0">
-                <a:latin typeface="Courier" pitchFamily="2" charset="0"/>
-              </a:rPr>
-              <a:t>   |0 0 0 1|Version| Reserved      | IOAM G-</a:t>
-            </a:r>
-            <a:r>
-              <a:rPr lang="en-CA" sz="1000" dirty="0" err="1">
-                <a:latin typeface="Courier" pitchFamily="2" charset="0"/>
-              </a:rPr>
-              <a:t>ACh</a:t>
-            </a:r>
-            <a:r>
-              <a:rPr lang="en-CA" sz="1000" dirty="0">
-                <a:latin typeface="Courier" pitchFamily="2" charset="0"/>
-              </a:rPr>
-              <a:t> (Type TBA3)        |  | </a:t>
-            </a:r>
-          </a:p>
-          <a:p>
-            <a:r>
-              <a:rPr lang="en-CA" sz="1000" dirty="0">
-                <a:latin typeface="Courier" pitchFamily="2" charset="0"/>
-              </a:rPr>
-              <a:t>   +-+-+-+-+-+-+-+-+-+-+-+-+-+-+-+-+-+-+-+-+-+-+-+-+-+-+-+-+-+-+-+-+  | </a:t>
-            </a:r>
-          </a:p>
-          <a:p>
-            <a:r>
-              <a:rPr lang="en-CA" sz="1000" dirty="0">
-                <a:latin typeface="Courier" pitchFamily="2" charset="0"/>
-              </a:rPr>
-              <a:t>   | Reserved      | Block Number  | IOAM-OPT-Type |IOAM HDR Length|  |</a:t>
-            </a:r>
-          </a:p>
-          <a:p>
-            <a:r>
-              <a:rPr lang="en-CA" sz="1000" dirty="0">
-                <a:latin typeface="Courier" pitchFamily="2" charset="0"/>
-              </a:rPr>
-              <a:t>   +-+-+-+-+-+-+-+-+-+-+-+-+-+-+-+-+-+-+-+-+-+-+-+-+-+-+-+-+-+-+-+-+  I</a:t>
-            </a:r>
-          </a:p>
-          <a:p>
-            <a:r>
-              <a:rPr lang="en-CA" sz="1000" dirty="0">
-                <a:latin typeface="Courier" pitchFamily="2" charset="0"/>
-              </a:rPr>
-              <a:t>   |                                                               |  O</a:t>
-            </a:r>
-          </a:p>
-          <a:p>
-            <a:r>
-              <a:rPr lang="en-CA" sz="1000" dirty="0">
-                <a:latin typeface="Courier" pitchFamily="2" charset="0"/>
-              </a:rPr>
-              <a:t>   |                                                               |  A</a:t>
-            </a:r>
-          </a:p>
-          <a:p>
-            <a:r>
-              <a:rPr lang="en-CA" sz="1000" dirty="0">
-                <a:latin typeface="Courier" pitchFamily="2" charset="0"/>
-              </a:rPr>
-              <a:t>   ~                 IOAM Option and Data Space                    ~  M</a:t>
-            </a:r>
-          </a:p>
-          <a:p>
-            <a:r>
-              <a:rPr lang="en-CA" sz="1000" dirty="0">
-                <a:latin typeface="Courier" pitchFamily="2" charset="0"/>
-              </a:rPr>
-              <a:t>   |                                                               |  |</a:t>
-            </a:r>
-          </a:p>
-          <a:p>
-            <a:r>
-              <a:rPr lang="en-CA" sz="1000" dirty="0">
-                <a:latin typeface="Courier" pitchFamily="2" charset="0"/>
-              </a:rPr>
-              <a:t>   |                                                               |  |</a:t>
-            </a:r>
-          </a:p>
-          <a:p>
-            <a:r>
-              <a:rPr lang="en-CA" sz="1000" dirty="0">
-                <a:latin typeface="Courier" pitchFamily="2" charset="0"/>
-              </a:rPr>
-              <a:t>   +-+-+-+-+-+-+-+-+-+-+-+-+-+-+-+-+-+-+-+-+-+-+-+-+-+-+-+-+-+-+-+-+&lt;-+</a:t>
-            </a:r>
-          </a:p>
-          <a:p>
-            <a:r>
-              <a:rPr lang="en-CA" sz="1000" dirty="0">
-                <a:latin typeface="Courier" pitchFamily="2" charset="0"/>
-              </a:rPr>
-              <a:t>   |                                                               |</a:t>
-            </a:r>
-          </a:p>
-          <a:p>
-            <a:r>
-              <a:rPr lang="en-CA" sz="1000" dirty="0">
-                <a:latin typeface="Courier" pitchFamily="2" charset="0"/>
-              </a:rPr>
-              <a:t>   |                                                               |</a:t>
-            </a:r>
-          </a:p>
-          <a:p>
-            <a:r>
-              <a:rPr lang="en-CA" sz="1000" dirty="0">
-                <a:latin typeface="Courier" pitchFamily="2" charset="0"/>
-              </a:rPr>
-              <a:t>   ~                 Payload + Padding                             ~</a:t>
-            </a:r>
-          </a:p>
-          <a:p>
-            <a:r>
-              <a:rPr lang="en-CA" sz="1000" dirty="0">
-                <a:latin typeface="Courier" pitchFamily="2" charset="0"/>
-              </a:rPr>
-              <a:t>   |                                                               |</a:t>
-            </a:r>
-          </a:p>
-          <a:p>
-            <a:r>
-              <a:rPr lang="en-CA" sz="1000" dirty="0">
-                <a:latin typeface="Courier" pitchFamily="2" charset="0"/>
-              </a:rPr>
-              <a:t>   |                                                               |</a:t>
-            </a:r>
-          </a:p>
-          <a:p>
-            <a:r>
-              <a:rPr lang="en-CA" sz="1000" dirty="0">
-                <a:latin typeface="Courier" pitchFamily="2" charset="0"/>
-              </a:rPr>
-              <a:t>   +-+-+-+-+-+-+-+-+-+-+-+-+-+-+-+-+-+-+-+-+-+-+-+-+-+-+-+-+-+-+-+-+</a:t>
-            </a:r>
-          </a:p>
-          <a:p>
-            <a:r>
-              <a:rPr lang="en-CA" sz="1000" dirty="0">
-                <a:latin typeface="Courier" pitchFamily="2" charset="0"/>
-              </a:rPr>
-              <a:t> </a:t>
-            </a:r>
-          </a:p>
-          <a:p>
-            <a:r>
-              <a:rPr lang="en-CA" sz="1000" dirty="0">
-                <a:latin typeface="Courier" pitchFamily="2" charset="0"/>
-              </a:rPr>
-              <a:t>          Figure: MPLS Encapsulation with </a:t>
-            </a:r>
-            <a:r>
-              <a:rPr lang="en-CA" sz="1000" dirty="0" err="1">
-                <a:latin typeface="Courier" pitchFamily="2" charset="0"/>
-              </a:rPr>
-              <a:t>HbH</a:t>
-            </a:r>
-            <a:r>
-              <a:rPr lang="en-CA" sz="1000" dirty="0">
-                <a:latin typeface="Courier" pitchFamily="2" charset="0"/>
-              </a:rPr>
-              <a:t> IOAM Data Fields</a:t>
-            </a:r>
-            <a:endParaRPr lang="en-CA" sz="1000" dirty="0">
-              <a:latin typeface="Courier" pitchFamily="2" charset="0"/>
-              <a:ea typeface="Calibri" panose="020F0502020204030204" pitchFamily="34" charset="0"/>
-              <a:cs typeface="Times New Roman" panose="02020603050405020304" pitchFamily="18" charset="0"/>
-            </a:endParaRPr>
-          </a:p>
-        </p:txBody>
-      </p:sp>
-    </p:spTree>
-    <p:extLst>
-      <p:ext uri="{BB962C8B-B14F-4D97-AF65-F5344CB8AC3E}">
-        <p14:creationId xmlns:p14="http://schemas.microsoft.com/office/powerpoint/2010/main" val="3685390437"/>
       </p:ext>
     </p:extLst>
   </p:cSld>
@@ -8638,7 +8594,7 @@
             </a:r>
             <a:r>
               <a:rPr lang="en-CA" sz="1600" dirty="0"/>
-              <a:t> of the label stack</a:t>
+              <a:t> of the label stack (as top label can break heterogenous network)</a:t>
             </a:r>
           </a:p>
           <a:p>
@@ -8676,7 +8632,7 @@
             </a:r>
             <a:r>
               <a:rPr lang="en-CA" sz="1600" dirty="0"/>
-              <a:t> of the label stack</a:t>
+              <a:t> of the label stack (as top label can break heterogenous network)</a:t>
             </a:r>
           </a:p>
           <a:p>
@@ -9756,8 +9712,8 @@
         </p:nvSpPr>
         <p:spPr>
           <a:xfrm>
-            <a:off x="457200" y="770431"/>
-            <a:ext cx="8229600" cy="3875140"/>
+            <a:off x="457200" y="895349"/>
+            <a:ext cx="8229600" cy="3750221"/>
           </a:xfrm>
         </p:spPr>
         <p:txBody>
@@ -9780,21 +9736,16 @@
             </a:r>
             <a:r>
               <a:rPr lang="en-CA" sz="1400" dirty="0"/>
-              <a:t> IOAM includes IOAM processing on encapsulating, intermediate and decapsulating nodes. </a:t>
-            </a:r>
-            <a:r>
-              <a:rPr lang="en-CA" sz="1400" b="1" dirty="0"/>
-              <a:t>Both </a:t>
-            </a:r>
-            <a:r>
-              <a:rPr lang="en-CA" sz="1400" b="1" dirty="0" err="1"/>
+              <a:t> IOAM includes IOAM processing on encapsulating, intermediate and decapsulating nodes. Both </a:t>
+            </a:r>
+            <a:r>
+              <a:rPr lang="en-CA" sz="1400" dirty="0" err="1"/>
               <a:t>HbH</a:t>
             </a:r>
             <a:r>
-              <a:rPr lang="en-CA" sz="1400" b="1" dirty="0"/>
-              <a:t> and E2E Option-Types can be carried in the IOAM data field(s).</a:t>
-            </a:r>
-            <a:endParaRPr lang="en-CA" sz="1400" dirty="0"/>
+              <a:rPr lang="en-CA" sz="1400" dirty="0"/>
+              <a:t> (Pre-allocated, Incremental, Proof of Transit) and E2E Option-Types can be carried in the IOAM data field(s).</a:t>
+            </a:r>
           </a:p>
           <a:p>
             <a:pPr marL="457200" lvl="0" indent="-457200">
@@ -9854,42 +9805,6 @@
                 </a:solidFill>
               </a:rPr>
               <a:t> IOAM data field(s) and forward the data packet including updated IOAM data field(s). </a:t>
-            </a:r>
-          </a:p>
-          <a:p>
-            <a:pPr marL="857250" lvl="1" indent="-457200">
-              <a:lnSpc>
-                <a:spcPts val="1820"/>
-              </a:lnSpc>
-              <a:spcBef>
-                <a:spcPts val="600"/>
-              </a:spcBef>
-              <a:buFont typeface="+mj-lt"/>
-              <a:buAutoNum type="alphaLcPeriod"/>
-            </a:pPr>
-            <a:r>
-              <a:rPr lang="en-CA" sz="1400" dirty="0">
-                <a:solidFill>
-                  <a:srgbClr val="0070C0"/>
-                </a:solidFill>
-              </a:rPr>
-              <a:t>The intermediate nodes may punt the timestamped </a:t>
-            </a:r>
-            <a:r>
-              <a:rPr lang="en-CA" sz="1400" b="1" dirty="0">
-                <a:solidFill>
-                  <a:srgbClr val="0070C0"/>
-                </a:solidFill>
-              </a:rPr>
-              <a:t>copy of the data packet </a:t>
-            </a:r>
-            <a:r>
-              <a:rPr lang="en-CA" sz="1400" dirty="0">
-                <a:solidFill>
-                  <a:srgbClr val="0070C0"/>
-                </a:solidFill>
-              </a:rPr>
-              <a:t>for further IOAM processing.</a:t>
             </a:r>
           </a:p>
           <a:p>
@@ -10425,6 +10340,12 @@
           <a:p>
             <a:r>
               <a:rPr lang="en-US" sz="2400" dirty="0"/>
+              <a:t>Discussions</a:t>
+            </a:r>
+          </a:p>
+          <a:p>
+            <a:r>
+              <a:rPr lang="en-US" sz="2400" dirty="0"/>
               <a:t>Next Steps</a:t>
             </a:r>
           </a:p>
@@ -11519,7 +11440,7 @@
         </p:nvSpPr>
         <p:spPr>
           <a:xfrm>
-            <a:off x="1885950" y="871025"/>
+            <a:off x="1885950" y="803763"/>
             <a:ext cx="5372100" cy="3831818"/>
           </a:xfrm>
           <a:prstGeom prst="rect">
@@ -12599,7 +12520,7 @@
           <p:cNvPr id="2" name="Title 1">
             <a:extLst>
               <a:ext uri="{FF2B5EF4-FFF2-40B4-BE49-F238E27FC236}">
-                <a16:creationId xmlns:a16="http://schemas.microsoft.com/office/drawing/2014/main" id="{590D0125-5A9E-9D48-9391-85FBD0E608A2}"/>
+                <a16:creationId xmlns:a16="http://schemas.microsoft.com/office/drawing/2014/main" id="{16C5255E-BE42-5348-AC0F-6257873BBB61}"/>
               </a:ext>
             </a:extLst>
           </p:cNvPr>
@@ -12612,8 +12533,8 @@
         </p:nvSpPr>
         <p:spPr>
           <a:xfrm>
-            <a:off x="0" y="9427"/>
-            <a:ext cx="9144000" cy="599270"/>
+            <a:off x="0" y="0"/>
+            <a:ext cx="8839200" cy="717589"/>
           </a:xfrm>
         </p:spPr>
         <p:txBody>
@@ -12621,22 +12542,55 @@
           <a:lstStyle/>
           <a:p>
             <a:r>
-              <a:rPr lang="en-CA" sz="2800" dirty="0">
+              <a:rPr lang="en-US" sz="2400" dirty="0">
                 <a:solidFill>
                   <a:srgbClr val="0070C0"/>
                 </a:solidFill>
                 <a:latin typeface="Calibri Light" panose="020F0302020204030204" pitchFamily="34" charset="0"/>
                 <a:cs typeface="Calibri Light" panose="020F0302020204030204" pitchFamily="34" charset="0"/>
               </a:rPr>
-              <a:t>Example 1 - SR-MPLS Encapsulation with IOAM Data Fields</a:t>
-            </a:r>
-            <a:endParaRPr lang="en-US" sz="2800" dirty="0">
-              <a:solidFill>
-                <a:srgbClr val="0070C0"/>
-              </a:solidFill>
-              <a:latin typeface="Calibri Light" panose="020F0302020204030204" pitchFamily="34" charset="0"/>
-              <a:cs typeface="Calibri Light" panose="020F0302020204030204" pitchFamily="34" charset="0"/>
-            </a:endParaRPr>
+              <a:t>Example 2 - </a:t>
+            </a:r>
+            <a:r>
+              <a:rPr lang="en-US" sz="2400" dirty="0" err="1">
+                <a:solidFill>
+                  <a:srgbClr val="0070C0"/>
+                </a:solidFill>
+                <a:latin typeface="Calibri Light" panose="020F0302020204030204" pitchFamily="34" charset="0"/>
+                <a:cs typeface="Calibri Light" panose="020F0302020204030204" pitchFamily="34" charset="0"/>
+              </a:rPr>
+              <a:t>DetNet</a:t>
+            </a:r>
+            <a:r>
+              <a:rPr lang="en-US" sz="2400" dirty="0">
+                <a:solidFill>
+                  <a:srgbClr val="0070C0"/>
+                </a:solidFill>
+                <a:latin typeface="Calibri Light" panose="020F0302020204030204" pitchFamily="34" charset="0"/>
+                <a:cs typeface="Calibri Light" panose="020F0302020204030204" pitchFamily="34" charset="0"/>
+              </a:rPr>
+              <a:t> Control Word [RFC8964] </a:t>
+            </a:r>
+            <a:r>
+              <a:rPr lang="en-CA" sz="2400" dirty="0">
+                <a:solidFill>
+                  <a:srgbClr val="0070C0"/>
+                </a:solidFill>
+                <a:latin typeface="Calibri Light" panose="020F0302020204030204" pitchFamily="34" charset="0"/>
+                <a:cs typeface="Calibri Light" panose="020F0302020204030204" pitchFamily="34" charset="0"/>
+              </a:rPr>
+              <a:t>with IOAM Data Fields</a:t>
+            </a:r>
+            <a:r>
+              <a:rPr lang="en-US" sz="2400" dirty="0">
+                <a:solidFill>
+                  <a:srgbClr val="0070C0"/>
+                </a:solidFill>
+                <a:latin typeface="Calibri Light" panose="020F0302020204030204" pitchFamily="34" charset="0"/>
+                <a:cs typeface="Calibri Light" panose="020F0302020204030204" pitchFamily="34" charset="0"/>
+              </a:rPr>
+              <a:t> </a:t>
+            </a:r>
           </a:p>
         </p:txBody>
       </p:sp>
@@ -12645,7 +12599,7 @@
           <p:cNvPr id="4" name="Footer Placeholder 3">
             <a:extLst>
               <a:ext uri="{FF2B5EF4-FFF2-40B4-BE49-F238E27FC236}">
-                <a16:creationId xmlns:a16="http://schemas.microsoft.com/office/drawing/2014/main" id="{87713FCD-3B47-804D-B373-DAB61FB5FF59}"/>
+                <a16:creationId xmlns:a16="http://schemas.microsoft.com/office/drawing/2014/main" id="{CF70CC82-C055-3645-9254-87CEC1C49032}"/>
               </a:ext>
             </a:extLst>
           </p:cNvPr>
@@ -12666,16 +12620,19 @@
           <a:bodyPr/>
           <a:lstStyle/>
           <a:p>
-            <a:r>
-              <a:rPr lang="en-CA" dirty="0"/>
+            <a:pPr>
+              <a:defRPr/>
+            </a:pPr>
+            <a:r>
+              <a:rPr lang="en-US" altLang="zh-CN" dirty="0"/>
               <a:t>110</a:t>
             </a:r>
             <a:r>
-              <a:rPr lang="en-CA" baseline="30000" dirty="0"/>
+              <a:rPr lang="en-US" altLang="zh-CN" baseline="30000" dirty="0"/>
               <a:t>th</a:t>
             </a:r>
             <a:r>
-              <a:rPr lang="en-CA" dirty="0"/>
+              <a:rPr lang="en-US" altLang="zh-CN" dirty="0"/>
               <a:t> IETF Online</a:t>
             </a:r>
           </a:p>
@@ -12686,7 +12643,7 @@
           <p:cNvPr id="5" name="Slide Number Placeholder 4">
             <a:extLst>
               <a:ext uri="{FF2B5EF4-FFF2-40B4-BE49-F238E27FC236}">
-                <a16:creationId xmlns:a16="http://schemas.microsoft.com/office/drawing/2014/main" id="{1371408B-9195-EC4D-8131-A3F5CC0592D0}"/>
+                <a16:creationId xmlns:a16="http://schemas.microsoft.com/office/drawing/2014/main" id="{62DF7D69-BCF6-2D4A-A3F1-2D32C59355D3}"/>
               </a:ext>
             </a:extLst>
           </p:cNvPr>
@@ -12721,7 +12678,7 @@
           <p:cNvPr id="6" name="Rectangle 5">
             <a:extLst>
               <a:ext uri="{FF2B5EF4-FFF2-40B4-BE49-F238E27FC236}">
-                <a16:creationId xmlns:a16="http://schemas.microsoft.com/office/drawing/2014/main" id="{1EED4007-3A19-0E4E-8496-6CECEEA363EB}"/>
+                <a16:creationId xmlns:a16="http://schemas.microsoft.com/office/drawing/2014/main" id="{E614F343-6DC2-A943-8496-BE1E2B6072CE}"/>
               </a:ext>
             </a:extLst>
           </p:cNvPr>
@@ -12730,8 +12687,8 @@
         </p:nvSpPr>
         <p:spPr>
           <a:xfrm>
-            <a:off x="2305050" y="641003"/>
-            <a:ext cx="4533900" cy="4278094"/>
+            <a:off x="1981200" y="628292"/>
+            <a:ext cx="5105400" cy="4247317"/>
           </a:xfrm>
           <a:prstGeom prst="rect">
             <a:avLst/>
@@ -12750,15 +12707,23 @@
           <a:lstStyle/>
           <a:p>
             <a:r>
-              <a:rPr lang="en-CA" sz="800" dirty="0">
-                <a:latin typeface="Courier" pitchFamily="2" charset="0"/>
-              </a:rPr>
-              <a:t>    0 1 2 3 4 5 6 7 8 9 0 1 2 3 4 5 6 7 8 9 0 1 2 3 4 5 6 7 8 9 0 1</a:t>
-            </a:r>
-          </a:p>
-          <a:p>
-            <a:r>
-              <a:rPr lang="en-CA" sz="800" dirty="0">
+              <a:rPr lang="en-CA" sz="900" dirty="0">
+                <a:latin typeface="Courier" pitchFamily="2" charset="0"/>
+              </a:rPr>
+              <a:t>   0                   1                   2                   3</a:t>
+            </a:r>
+          </a:p>
+          <a:p>
+            <a:r>
+              <a:rPr lang="en-CA" sz="900" dirty="0">
+                <a:latin typeface="Courier" pitchFamily="2" charset="0"/>
+              </a:rPr>
+              <a:t>   0 1 2 3 4 5 6 7 8 9 0 1 2 3 4 5 6 7 8 9 0 1 2 3 4 5 6 7 8 9 0 1</a:t>
+            </a:r>
+          </a:p>
+          <a:p>
+            <a:r>
+              <a:rPr lang="en-CA" sz="900" dirty="0">
                 <a:latin typeface="Courier" pitchFamily="2" charset="0"/>
               </a:rPr>
               <a:t>   +-+-+-+-+-+-+-+-+-+-+-+-+-+-+-+-+-+-+-+-+-+-+-+-+-+-+-+-+-+-+-+-+</a:t>
@@ -12766,15 +12731,15 @@
           </a:p>
           <a:p>
             <a:r>
-              <a:rPr lang="en-CA" sz="800" dirty="0">
-                <a:latin typeface="Courier" pitchFamily="2" charset="0"/>
-              </a:rPr>
-              <a:t>   |                Label(1)               | TC  |S|      TTL      |</a:t>
-            </a:r>
-          </a:p>
-          <a:p>
-            <a:r>
-              <a:rPr lang="en-CA" sz="800" dirty="0">
+              <a:rPr lang="en-CA" sz="900" dirty="0">
+                <a:latin typeface="Courier" pitchFamily="2" charset="0"/>
+              </a:rPr>
+              <a:t>   | [F-Label(s)]                          | TC  |S|  TTL          |</a:t>
+            </a:r>
+          </a:p>
+          <a:p>
+            <a:r>
+              <a:rPr lang="en-CA" sz="900" dirty="0">
                 <a:latin typeface="Courier" pitchFamily="2" charset="0"/>
               </a:rPr>
               <a:t>   +-+-+-+-+-+-+-+-+-+-+-+-+-+-+-+-+-+-+-+-+-+-+-+-+-+-+-+-+-+-+-+-+</a:t>
@@ -12782,31 +12747,27 @@
           </a:p>
           <a:p>
             <a:r>
-              <a:rPr lang="en-CA" sz="800" dirty="0">
-                <a:latin typeface="Courier" pitchFamily="2" charset="0"/>
-              </a:rPr>
-              <a:t>   .                                                               .</a:t>
-            </a:r>
-          </a:p>
-          <a:p>
-            <a:r>
-              <a:rPr lang="en-CA" sz="800" dirty="0">
-                <a:latin typeface="Courier" pitchFamily="2" charset="0"/>
-              </a:rPr>
-              <a:t>   .                                                               .</a:t>
-            </a:r>
-          </a:p>
-          <a:p>
-            <a:r>
-              <a:rPr lang="en-CA" sz="800" dirty="0">
-                <a:latin typeface="Courier" pitchFamily="2" charset="0"/>
-              </a:rPr>
-              <a:t>   .                                                               .</a:t>
-            </a:r>
-          </a:p>
-          <a:p>
-            <a:r>
-              <a:rPr lang="en-CA" sz="800" dirty="0">
+              <a:rPr lang="en-CA" sz="900" dirty="0">
+                <a:latin typeface="Courier" pitchFamily="2" charset="0"/>
+              </a:rPr>
+              <a:t>   </a:t>
+            </a:r>
+            <a:r>
+              <a:rPr lang="en-CA" sz="900" dirty="0">
+                <a:solidFill>
+                  <a:srgbClr val="0070C0"/>
+                </a:solidFill>
+                <a:latin typeface="Courier" pitchFamily="2" charset="0"/>
+              </a:rPr>
+              <a:t>| S-Label                               | TC  |S|  TTL          |</a:t>
+            </a:r>
+          </a:p>
+          <a:p>
+            <a:r>
+              <a:rPr lang="en-CA" sz="900" dirty="0">
+                <a:solidFill>
+                  <a:srgbClr val="0070C0"/>
+                </a:solidFill>
                 <a:latin typeface="Courier" pitchFamily="2" charset="0"/>
               </a:rPr>
               <a:t>   +-+-+-+-+-+-+-+-+-+-+-+-+-+-+-+-+-+-+-+-+-+-+-+-+-+-+-+-+-+-+-+-+</a:t>
@@ -12814,15 +12775,171 @@
           </a:p>
           <a:p>
             <a:r>
-              <a:rPr lang="en-CA" sz="800" dirty="0">
-                <a:latin typeface="Courier" pitchFamily="2" charset="0"/>
-              </a:rPr>
-              <a:t>   |                Label(n)               | TC  |S|      TTL      |</a:t>
-            </a:r>
-          </a:p>
-          <a:p>
-            <a:r>
-              <a:rPr lang="en-CA" sz="800" dirty="0">
+              <a:rPr lang="en-CA" sz="900" dirty="0">
+                <a:solidFill>
+                  <a:srgbClr val="0070C0"/>
+                </a:solidFill>
+                <a:latin typeface="Courier" pitchFamily="2" charset="0"/>
+              </a:rPr>
+              <a:t>   | IOAM Indicator Label                  | TC  |1|  TTL          |</a:t>
+            </a:r>
+          </a:p>
+          <a:p>
+            <a:r>
+              <a:rPr lang="en-CA" sz="900" dirty="0">
+                <a:latin typeface="Courier" pitchFamily="2" charset="0"/>
+              </a:rPr>
+              <a:t>   +-+-+-+-+-+-+-+-+-+-+-+-+-+-+-+-+-+-+-+-+-+-+-+-+-+-+-+-+-+-+-+-+&lt;-+</a:t>
+            </a:r>
+          </a:p>
+          <a:p>
+            <a:r>
+              <a:rPr lang="en-CA" sz="900" dirty="0">
+                <a:latin typeface="Courier" pitchFamily="2" charset="0"/>
+              </a:rPr>
+              <a:t>   |0 0 0 1|Version| Reserved      | IOAM G-</a:t>
+            </a:r>
+            <a:r>
+              <a:rPr lang="en-CA" sz="900" dirty="0" err="1">
+                <a:latin typeface="Courier" pitchFamily="2" charset="0"/>
+              </a:rPr>
+              <a:t>ACh</a:t>
+            </a:r>
+            <a:r>
+              <a:rPr lang="en-CA" sz="900" dirty="0">
+                <a:latin typeface="Courier" pitchFamily="2" charset="0"/>
+              </a:rPr>
+              <a:t>                    |  |</a:t>
+            </a:r>
+          </a:p>
+          <a:p>
+            <a:r>
+              <a:rPr lang="en-CA" sz="900" dirty="0">
+                <a:latin typeface="Courier" pitchFamily="2" charset="0"/>
+              </a:rPr>
+              <a:t>   +-+-+-+-+-+-+-+-+-+-+-+-+-+-+-+-+-+-+-+-+-+-+-+-+-+-+-+-+-+-+-+-+  |</a:t>
+            </a:r>
+          </a:p>
+          <a:p>
+            <a:r>
+              <a:rPr lang="en-CA" sz="900" dirty="0">
+                <a:latin typeface="Courier" pitchFamily="2" charset="0"/>
+              </a:rPr>
+              <a:t>   | Reserved      | Block Number  | IOAM-OPT-Type |</a:t>
+            </a:r>
+            <a:r>
+              <a:rPr lang="en-CA" sz="900" dirty="0">
+                <a:solidFill>
+                  <a:srgbClr val="0070C0"/>
+                </a:solidFill>
+                <a:latin typeface="Courier" pitchFamily="2" charset="0"/>
+              </a:rPr>
+              <a:t>IOAM HDR Length</a:t>
+            </a:r>
+            <a:r>
+              <a:rPr lang="en-CA" sz="900" dirty="0">
+                <a:latin typeface="Courier" pitchFamily="2" charset="0"/>
+              </a:rPr>
+              <a:t>|  |</a:t>
+            </a:r>
+          </a:p>
+          <a:p>
+            <a:r>
+              <a:rPr lang="en-CA" sz="900" dirty="0">
+                <a:latin typeface="Courier" pitchFamily="2" charset="0"/>
+              </a:rPr>
+              <a:t>   +-+-+-+-+-+-+-+-+-+-+-+-+-+-+-+-+-+-+-+-+-+-+-+-+-+-+-+-+-+-+-+-+  I</a:t>
+            </a:r>
+          </a:p>
+          <a:p>
+            <a:r>
+              <a:rPr lang="en-CA" sz="900" dirty="0">
+                <a:latin typeface="Courier" pitchFamily="2" charset="0"/>
+              </a:rPr>
+              <a:t>   |                                                               |  O</a:t>
+            </a:r>
+          </a:p>
+          <a:p>
+            <a:r>
+              <a:rPr lang="en-CA" sz="900" dirty="0">
+                <a:latin typeface="Courier" pitchFamily="2" charset="0"/>
+              </a:rPr>
+              <a:t>   |                                                               |  A</a:t>
+            </a:r>
+          </a:p>
+          <a:p>
+            <a:r>
+              <a:rPr lang="en-CA" sz="900" dirty="0">
+                <a:latin typeface="Courier" pitchFamily="2" charset="0"/>
+              </a:rPr>
+              <a:t>   ~                 IOAM Option and Data Space                    ~  M</a:t>
+            </a:r>
+          </a:p>
+          <a:p>
+            <a:r>
+              <a:rPr lang="en-CA" sz="900" dirty="0">
+                <a:latin typeface="Courier" pitchFamily="2" charset="0"/>
+              </a:rPr>
+              <a:t>   |                                                               |  |</a:t>
+            </a:r>
+          </a:p>
+          <a:p>
+            <a:r>
+              <a:rPr lang="en-CA" sz="900" dirty="0">
+                <a:latin typeface="Courier" pitchFamily="2" charset="0"/>
+              </a:rPr>
+              <a:t>   |                                                               |  |</a:t>
+            </a:r>
+          </a:p>
+          <a:p>
+            <a:r>
+              <a:rPr lang="en-CA" sz="900" dirty="0">
+                <a:latin typeface="Courier" pitchFamily="2" charset="0"/>
+              </a:rPr>
+              <a:t>   +-+-+-+-+-+-+-+-+-+-+-+-+-+-+-+-+-+-+-+-+-+-+-+-+-+-+-+-+-+-+-+-+&lt;-+</a:t>
+            </a:r>
+          </a:p>
+          <a:p>
+            <a:r>
+              <a:rPr lang="en-CA" sz="900" dirty="0">
+                <a:solidFill>
+                  <a:srgbClr val="C00000"/>
+                </a:solidFill>
+                <a:latin typeface="Courier" pitchFamily="2" charset="0"/>
+              </a:rPr>
+              <a:t>   </a:t>
+            </a:r>
+            <a:r>
+              <a:rPr lang="en-CA" sz="900" dirty="0">
+                <a:solidFill>
+                  <a:srgbClr val="0070C0"/>
+                </a:solidFill>
+                <a:latin typeface="Courier" pitchFamily="2" charset="0"/>
+              </a:rPr>
+              <a:t>|0 0 0 0| Sequence Number (</a:t>
+            </a:r>
+            <a:r>
+              <a:rPr lang="en-CA" sz="900" dirty="0" err="1">
+                <a:solidFill>
+                  <a:srgbClr val="0070C0"/>
+                </a:solidFill>
+                <a:latin typeface="Courier" pitchFamily="2" charset="0"/>
+              </a:rPr>
+              <a:t>DetNet</a:t>
+            </a:r>
+            <a:r>
+              <a:rPr lang="en-CA" sz="900" dirty="0">
+                <a:solidFill>
+                  <a:srgbClr val="0070C0"/>
+                </a:solidFill>
+                <a:latin typeface="Courier" pitchFamily="2" charset="0"/>
+              </a:rPr>
+              <a:t> Control Word)                 |</a:t>
+            </a:r>
+          </a:p>
+          <a:p>
+            <a:r>
+              <a:rPr lang="en-CA" sz="900" dirty="0">
                 <a:latin typeface="Courier" pitchFamily="2" charset="0"/>
               </a:rPr>
               <a:t>   +-+-+-+-+-+-+-+-+-+-+-+-+-+-+-+-+-+-+-+-+-+-+-+-+-+-+-+-+-+-+-+-+</a:t>
@@ -12830,15 +12947,67 @@
           </a:p>
           <a:p>
             <a:r>
-              <a:rPr lang="en-CA" sz="800" b="1" dirty="0">
-                <a:latin typeface="Courier" pitchFamily="2" charset="0"/>
-              </a:rPr>
-              <a:t>   |                PSID                   | TC  |S|      TTL      | </a:t>
-            </a:r>
-          </a:p>
-          <a:p>
-            <a:r>
-              <a:rPr lang="en-CA" sz="800" dirty="0">
+              <a:rPr lang="en-CA" sz="900" dirty="0">
+                <a:latin typeface="Courier" pitchFamily="2" charset="0"/>
+              </a:rPr>
+              <a:t>   |                                                               |</a:t>
+            </a:r>
+          </a:p>
+          <a:p>
+            <a:r>
+              <a:rPr lang="en-CA" sz="900" dirty="0">
+                <a:latin typeface="Courier" pitchFamily="2" charset="0"/>
+              </a:rPr>
+              <a:t>   |                                                               |</a:t>
+            </a:r>
+          </a:p>
+          <a:p>
+            <a:r>
+              <a:rPr lang="en-CA" sz="900" dirty="0">
+                <a:latin typeface="Courier" pitchFamily="2" charset="0"/>
+              </a:rPr>
+              <a:t>   ~                 </a:t>
+            </a:r>
+            <a:r>
+              <a:rPr lang="en-CA" sz="900" dirty="0" err="1">
+                <a:latin typeface="Courier" pitchFamily="2" charset="0"/>
+              </a:rPr>
+              <a:t>DetNet</a:t>
+            </a:r>
+            <a:r>
+              <a:rPr lang="en-CA" sz="900" dirty="0">
+                <a:latin typeface="Courier" pitchFamily="2" charset="0"/>
+              </a:rPr>
+              <a:t> Flow                                   ~</a:t>
+            </a:r>
+          </a:p>
+          <a:p>
+            <a:r>
+              <a:rPr lang="en-CA" sz="900" dirty="0">
+                <a:latin typeface="Courier" pitchFamily="2" charset="0"/>
+              </a:rPr>
+              <a:t>   ~                 Payload Packet                                ~</a:t>
+            </a:r>
+          </a:p>
+          <a:p>
+            <a:r>
+              <a:rPr lang="en-CA" sz="900" dirty="0">
+                <a:latin typeface="Courier" pitchFamily="2" charset="0"/>
+              </a:rPr>
+              <a:t>   |                                                               |</a:t>
+            </a:r>
+          </a:p>
+          <a:p>
+            <a:r>
+              <a:rPr lang="en-CA" sz="900" dirty="0">
+                <a:latin typeface="Courier" pitchFamily="2" charset="0"/>
+              </a:rPr>
+              <a:t>   |                                                               |</a:t>
+            </a:r>
+          </a:p>
+          <a:p>
+            <a:r>
+              <a:rPr lang="en-CA" sz="900" dirty="0">
                 <a:latin typeface="Courier" pitchFamily="2" charset="0"/>
               </a:rPr>
               <a:t>   +-+-+-+-+-+-+-+-+-+-+-+-+-+-+-+-+-+-+-+-+-+-+-+-+-+-+-+-+-+-+-+-+</a:t>
@@ -12846,204 +13015,32 @@
           </a:p>
           <a:p>
             <a:r>
-              <a:rPr lang="en-CA" sz="800" b="1" dirty="0">
-                <a:latin typeface="Courier" pitchFamily="2" charset="0"/>
-              </a:rPr>
-              <a:t>   | Extension Label (15)                  | TC  |S|      TTL      | </a:t>
-            </a:r>
-          </a:p>
-          <a:p>
-            <a:r>
-              <a:rPr lang="en-CA" sz="800" dirty="0">
-                <a:latin typeface="Courier" pitchFamily="2" charset="0"/>
-              </a:rPr>
-              <a:t>   +-+-+-+-+-+-+-+-+-+-+-+-+-+-+-+-+-+-+-+-+-+-+-+-+-+-+-+-+-+-+-+-+</a:t>
-            </a:r>
-          </a:p>
-          <a:p>
-            <a:r>
-              <a:rPr lang="en-CA" sz="800" dirty="0">
-                <a:latin typeface="Courier" pitchFamily="2" charset="0"/>
-              </a:rPr>
-              <a:t>   | </a:t>
-            </a:r>
-            <a:r>
-              <a:rPr lang="en-CA" sz="800" b="1" dirty="0">
-                <a:latin typeface="Courier" pitchFamily="2" charset="0"/>
-              </a:rPr>
-              <a:t>E2E IOAM Indicator Label TBA1         </a:t>
-            </a:r>
-            <a:r>
-              <a:rPr lang="en-CA" sz="800" dirty="0">
-                <a:latin typeface="Courier" pitchFamily="2" charset="0"/>
-              </a:rPr>
-              <a:t>| TC  |1|      TTL      |</a:t>
-            </a:r>
-          </a:p>
-          <a:p>
-            <a:r>
-              <a:rPr lang="en-CA" sz="800" dirty="0">
-                <a:latin typeface="Courier" pitchFamily="2" charset="0"/>
-              </a:rPr>
-              <a:t>   +-+-+-+-+-+-+-+-+-+-+-+-+-+-+-+-+-+-+-+-+-+-+-+-+-+-+-+-+-+-+-+-+&lt;-+ </a:t>
-            </a:r>
-          </a:p>
-          <a:p>
-            <a:r>
-              <a:rPr lang="en-CA" sz="800" dirty="0">
-                <a:latin typeface="Courier" pitchFamily="2" charset="0"/>
-              </a:rPr>
-              <a:t>   |0 0 0 1|Version| Reserved      | IOAM G-</a:t>
-            </a:r>
-            <a:r>
-              <a:rPr lang="en-CA" sz="800" dirty="0" err="1">
-                <a:latin typeface="Courier" pitchFamily="2" charset="0"/>
-              </a:rPr>
-              <a:t>ACh</a:t>
-            </a:r>
-            <a:r>
-              <a:rPr lang="en-CA" sz="800" dirty="0">
-                <a:latin typeface="Courier" pitchFamily="2" charset="0"/>
-              </a:rPr>
-              <a:t> (Type TBA3)        |  | </a:t>
-            </a:r>
-          </a:p>
-          <a:p>
-            <a:r>
-              <a:rPr lang="en-CA" sz="800" dirty="0">
-                <a:latin typeface="Courier" pitchFamily="2" charset="0"/>
-              </a:rPr>
-              <a:t>   +-+-+-+-+-+-+-+-+-+-+-+-+-+-+-+-+-+-+-+-+-+-+-+-+-+-+-+-+-+-+-+-+  | </a:t>
-            </a:r>
-          </a:p>
-          <a:p>
-            <a:r>
-              <a:rPr lang="en-CA" sz="800" dirty="0">
-                <a:latin typeface="Courier" pitchFamily="2" charset="0"/>
-              </a:rPr>
-              <a:t>   | Reserved      | Block Number  | IOAM-OPT-Type |IOAM HDR Length|  |</a:t>
-            </a:r>
-          </a:p>
-          <a:p>
-            <a:r>
-              <a:rPr lang="en-CA" sz="800" dirty="0">
-                <a:latin typeface="Courier" pitchFamily="2" charset="0"/>
-              </a:rPr>
-              <a:t>   +-+-+-+-+-+-+-+-+-+-+-+-+-+-+-+-+-+-+-+-+-+-+-+-+-+-+-+-+-+-+-+-+  I</a:t>
-            </a:r>
-          </a:p>
-          <a:p>
-            <a:r>
-              <a:rPr lang="en-CA" sz="800" dirty="0">
-                <a:latin typeface="Courier" pitchFamily="2" charset="0"/>
-              </a:rPr>
-              <a:t>   |                                                               |  O</a:t>
-            </a:r>
-          </a:p>
-          <a:p>
-            <a:r>
-              <a:rPr lang="en-CA" sz="800" dirty="0">
-                <a:latin typeface="Courier" pitchFamily="2" charset="0"/>
-              </a:rPr>
-              <a:t>   |                                                               |  A</a:t>
-            </a:r>
-          </a:p>
-          <a:p>
-            <a:r>
-              <a:rPr lang="en-CA" sz="800" dirty="0">
-                <a:latin typeface="Courier" pitchFamily="2" charset="0"/>
-              </a:rPr>
-              <a:t>   ~                 IOAM Option and Data Space                    ~  M</a:t>
-            </a:r>
-          </a:p>
-          <a:p>
-            <a:r>
-              <a:rPr lang="en-CA" sz="800" dirty="0">
-                <a:latin typeface="Courier" pitchFamily="2" charset="0"/>
-              </a:rPr>
-              <a:t>   |                                                               |  |</a:t>
-            </a:r>
-          </a:p>
-          <a:p>
-            <a:r>
-              <a:rPr lang="en-CA" sz="800" dirty="0">
-                <a:latin typeface="Courier" pitchFamily="2" charset="0"/>
-              </a:rPr>
-              <a:t>   |                                                               |  |</a:t>
-            </a:r>
-          </a:p>
-          <a:p>
-            <a:r>
-              <a:rPr lang="en-CA" sz="800" dirty="0">
-                <a:latin typeface="Courier" pitchFamily="2" charset="0"/>
-              </a:rPr>
-              <a:t>   +-+-+-+-+-+-+-+-+-+-+-+-+-+-+-+-+-+-+-+-+-+-+-+-+-+-+-+-+-+-+-+-+&lt;-+</a:t>
-            </a:r>
-          </a:p>
-          <a:p>
-            <a:r>
-              <a:rPr lang="en-CA" sz="800" dirty="0">
-                <a:latin typeface="Courier" pitchFamily="2" charset="0"/>
-              </a:rPr>
-              <a:t>   |                                                               |</a:t>
-            </a:r>
-          </a:p>
-          <a:p>
-            <a:r>
-              <a:rPr lang="en-CA" sz="800" dirty="0">
-                <a:latin typeface="Courier" pitchFamily="2" charset="0"/>
-              </a:rPr>
-              <a:t>   |                                                               |</a:t>
-            </a:r>
-          </a:p>
-          <a:p>
-            <a:r>
-              <a:rPr lang="en-CA" sz="800" dirty="0">
-                <a:latin typeface="Courier" pitchFamily="2" charset="0"/>
-              </a:rPr>
-              <a:t>   ~                 Payload + Padding                             ~</a:t>
-            </a:r>
-          </a:p>
-          <a:p>
-            <a:r>
-              <a:rPr lang="en-CA" sz="800" dirty="0">
-                <a:latin typeface="Courier" pitchFamily="2" charset="0"/>
-              </a:rPr>
-              <a:t>   |                                                               |</a:t>
-            </a:r>
-          </a:p>
-          <a:p>
-            <a:r>
-              <a:rPr lang="en-CA" sz="800" dirty="0">
-                <a:latin typeface="Courier" pitchFamily="2" charset="0"/>
-              </a:rPr>
-              <a:t>   |                                                               |</a:t>
-            </a:r>
-          </a:p>
-          <a:p>
-            <a:r>
-              <a:rPr lang="en-CA" sz="800" dirty="0">
-                <a:latin typeface="Courier" pitchFamily="2" charset="0"/>
-              </a:rPr>
-              <a:t>   +-+-+-+-+-+-+-+-+-+-+-+-+-+-+-+-+-+-+-+-+-+-+-+-+-+-+-+-+-+-+-+-+ </a:t>
-            </a:r>
-          </a:p>
-          <a:p>
-            <a:r>
-              <a:rPr lang="en-CA" sz="800" dirty="0">
-                <a:latin typeface="Courier" pitchFamily="2" charset="0"/>
-              </a:rPr>
-              <a:t>             </a:t>
-            </a:r>
-          </a:p>
-          <a:p>
-            <a:r>
-              <a:rPr lang="en-CA" sz="800" dirty="0">
-                <a:latin typeface="Courier" pitchFamily="2" charset="0"/>
-              </a:rPr>
-              <a:t>      Figure: Example SR-MPLS Encapsulation with IOAM Data Fields</a:t>
-            </a:r>
-            <a:endParaRPr lang="en-CA" sz="800" dirty="0">
+              <a:rPr lang="en-CA" sz="900" dirty="0">
+                <a:latin typeface="Courier" pitchFamily="2" charset="0"/>
+              </a:rPr>
+              <a:t> </a:t>
+            </a:r>
+          </a:p>
+          <a:p>
+            <a:r>
+              <a:rPr lang="en-CA" sz="900" dirty="0">
+                <a:latin typeface="Courier" pitchFamily="2" charset="0"/>
+              </a:rPr>
+              <a:t>  Figure: Example MPLS Encapsulation with </a:t>
+            </a:r>
+            <a:r>
+              <a:rPr lang="en-CA" sz="900" dirty="0" err="1">
+                <a:latin typeface="Courier" pitchFamily="2" charset="0"/>
+              </a:rPr>
+              <a:t>DetNet</a:t>
+            </a:r>
+            <a:r>
+              <a:rPr lang="en-CA" sz="900" dirty="0">
+                <a:latin typeface="Courier" pitchFamily="2" charset="0"/>
+              </a:rPr>
+              <a:t> with IOAM Data Fields</a:t>
+            </a:r>
+            <a:endParaRPr lang="en-CA" sz="900" dirty="0">
               <a:latin typeface="Courier" pitchFamily="2" charset="0"/>
               <a:ea typeface="Calibri" panose="020F0502020204030204" pitchFamily="34" charset="0"/>
               <a:cs typeface="Times New Roman" panose="02020603050405020304" pitchFamily="18" charset="0"/>
@@ -13054,7 +13051,7 @@
     </p:spTree>
     <p:extLst>
       <p:ext uri="{BB962C8B-B14F-4D97-AF65-F5344CB8AC3E}">
-        <p14:creationId xmlns:p14="http://schemas.microsoft.com/office/powerpoint/2010/main" val="2339215023"/>
+        <p14:creationId xmlns:p14="http://schemas.microsoft.com/office/powerpoint/2010/main" val="2787306097"/>
       </p:ext>
     </p:extLst>
   </p:cSld>
@@ -13099,8 +13096,8 @@
         </p:nvSpPr>
         <p:spPr>
           <a:xfrm>
-            <a:off x="0" y="0"/>
-            <a:ext cx="8839200" cy="717589"/>
+            <a:off x="0" y="17653"/>
+            <a:ext cx="9124208" cy="717589"/>
           </a:xfrm>
         </p:spPr>
         <p:txBody>
@@ -13115,7 +13112,7 @@
                 <a:latin typeface="Calibri Light" panose="020F0302020204030204" pitchFamily="34" charset="0"/>
                 <a:cs typeface="Calibri Light" panose="020F0302020204030204" pitchFamily="34" charset="0"/>
               </a:rPr>
-              <a:t>Example 2 - </a:t>
+              <a:t>Example 3 - Generic Delivery Function </a:t>
             </a:r>
             <a:r>
               <a:rPr lang="en-US" sz="2400" dirty="0" err="1">
@@ -13125,7 +13122,7 @@
                 <a:latin typeface="Calibri Light" panose="020F0302020204030204" pitchFamily="34" charset="0"/>
                 <a:cs typeface="Calibri Light" panose="020F0302020204030204" pitchFamily="34" charset="0"/>
               </a:rPr>
-              <a:t>DetNet</a:t>
+              <a:t>Encap</a:t>
             </a:r>
             <a:r>
               <a:rPr lang="en-US" sz="2400" dirty="0">
@@ -13135,27 +13132,7 @@
                 <a:latin typeface="Calibri Light" panose="020F0302020204030204" pitchFamily="34" charset="0"/>
                 <a:cs typeface="Calibri Light" panose="020F0302020204030204" pitchFamily="34" charset="0"/>
               </a:rPr>
-              <a:t> Control Word [RFC8964] </a:t>
-            </a:r>
-            <a:r>
-              <a:rPr lang="en-CA" sz="2400" dirty="0">
-                <a:solidFill>
-                  <a:srgbClr val="0070C0"/>
-                </a:solidFill>
-                <a:latin typeface="Calibri Light" panose="020F0302020204030204" pitchFamily="34" charset="0"/>
-                <a:cs typeface="Calibri Light" panose="020F0302020204030204" pitchFamily="34" charset="0"/>
-              </a:rPr>
-              <a:t>with IOAM Data Fields</a:t>
-            </a:r>
-            <a:r>
-              <a:rPr lang="en-US" sz="2400" dirty="0">
-                <a:solidFill>
-                  <a:srgbClr val="0070C0"/>
-                </a:solidFill>
-                <a:latin typeface="Calibri Light" panose="020F0302020204030204" pitchFamily="34" charset="0"/>
-                <a:cs typeface="Calibri Light" panose="020F0302020204030204" pitchFamily="34" charset="0"/>
-              </a:rPr>
-              <a:t> </a:t>
+              <a:t> with IOAM Data Fields</a:t>
             </a:r>
           </a:p>
         </p:txBody>
@@ -13253,8 +13230,8 @@
         </p:nvSpPr>
         <p:spPr>
           <a:xfrm>
-            <a:off x="1981200" y="628292"/>
-            <a:ext cx="5257800" cy="4247317"/>
+            <a:off x="2438400" y="713601"/>
+            <a:ext cx="5715000" cy="4108817"/>
           </a:xfrm>
           <a:prstGeom prst="rect">
             <a:avLst/>
@@ -13298,25 +13275,12 @@
           <a:p>
             <a:r>
               <a:rPr lang="en-CA" sz="900" dirty="0">
-                <a:latin typeface="Courier" pitchFamily="2" charset="0"/>
-              </a:rPr>
-              <a:t>   | [F-Label(s)]                          | TC  |S|  TTL          |</a:t>
-            </a:r>
-          </a:p>
-          <a:p>
-            <a:r>
-              <a:rPr lang="en-CA" sz="900" dirty="0">
-                <a:latin typeface="Courier" pitchFamily="2" charset="0"/>
-              </a:rPr>
-              <a:t>   +-+-+-+-+-+-+-+-+-+-+-+-+-+-+-+-+-+-+-+-+-+-+-+-+-+-+-+-+-+-+-+-+</a:t>
-            </a:r>
-          </a:p>
-          <a:p>
-            <a:r>
-              <a:rPr lang="en-CA" sz="900" dirty="0">
-                <a:latin typeface="Courier" pitchFamily="2" charset="0"/>
-              </a:rPr>
-              <a:t>   | S-Label                               | TC  |S|  TTL          |</a:t>
+                <a:solidFill>
+                  <a:srgbClr val="0070C0"/>
+                </a:solidFill>
+                <a:latin typeface="Courier" pitchFamily="2" charset="0"/>
+              </a:rPr>
+              <a:t>   | GDH Label                             | TC  |S|  TTL          |</a:t>
             </a:r>
           </a:p>
           <a:p>
@@ -13454,11 +13418,20 @@
             <a:r>
               <a:rPr lang="en-CA" sz="900" dirty="0">
                 <a:solidFill>
-                  <a:srgbClr val="C00000"/>
+                  <a:srgbClr val="0070C0"/>
                 </a:solidFill>
                 <a:latin typeface="Courier" pitchFamily="2" charset="0"/>
               </a:rPr>
-              <a:t>   </a:t>
+              <a:t>   |0 0 0 0| </a:t>
+            </a:r>
+            <a:r>
+              <a:rPr lang="en-CA" sz="900" dirty="0" err="1">
+                <a:solidFill>
+                  <a:srgbClr val="0070C0"/>
+                </a:solidFill>
+                <a:latin typeface="Courier" pitchFamily="2" charset="0"/>
+              </a:rPr>
+              <a:t>Rsved</a:t>
             </a:r>
             <a:r>
               <a:rPr lang="en-CA" sz="900" dirty="0">
@@ -13467,17 +13440,10 @@
                 </a:solidFill>
                 <a:latin typeface="Courier" pitchFamily="2" charset="0"/>
               </a:rPr>
-              <a:t>|0 0 0 0| Sequence Number (</a:t>
-            </a:r>
-            <a:r>
-              <a:rPr lang="en-CA" sz="900" dirty="0" err="1">
-                <a:solidFill>
-                  <a:srgbClr val="0070C0"/>
-                </a:solidFill>
-                <a:latin typeface="Courier" pitchFamily="2" charset="0"/>
-              </a:rPr>
-              <a:t>DetNet</a:t>
-            </a:r>
+              <a:t> | This Header   | Header Length | Next Header   |</a:t>
+            </a:r>
+          </a:p>
+          <a:p>
             <a:r>
               <a:rPr lang="en-CA" sz="900" dirty="0">
                 <a:solidFill>
@@ -13485,7 +13451,7 @@
                 </a:solidFill>
                 <a:latin typeface="Courier" pitchFamily="2" charset="0"/>
               </a:rPr>
-              <a:t> Control Word)                 |</a:t>
+              <a:t>   +-+-+-+-+-+-+-+-+-+-+-+-+-+-+-+-+-+-+-+-+-+-+-+-+-+-+-+-+-+-+-+-+</a:t>
             </a:r>
           </a:p>
           <a:p>
@@ -13496,544 +13462,12 @@
                 </a:solidFill>
                 <a:latin typeface="Courier" pitchFamily="2" charset="0"/>
               </a:rPr>
-              <a:t>   +-+-+-+-+-+-+-+-+-+-+-+-+-+-+-+-+-+-+-+-+-+-+-+-+-+-+-+-+-+-+-+-+</a:t>
+              <a:t>   ~              Variable field per “This header”                 ~</a:t>
             </a:r>
           </a:p>
           <a:p>
             <a:r>
               <a:rPr lang="en-CA" sz="900" dirty="0">
-                <a:latin typeface="Courier" pitchFamily="2" charset="0"/>
-              </a:rPr>
-              <a:t>   |                                                               |</a:t>
-            </a:r>
-          </a:p>
-          <a:p>
-            <a:r>
-              <a:rPr lang="en-CA" sz="900" dirty="0">
-                <a:latin typeface="Courier" pitchFamily="2" charset="0"/>
-              </a:rPr>
-              <a:t>   |                                                               |</a:t>
-            </a:r>
-          </a:p>
-          <a:p>
-            <a:r>
-              <a:rPr lang="en-CA" sz="900" dirty="0">
-                <a:latin typeface="Courier" pitchFamily="2" charset="0"/>
-              </a:rPr>
-              <a:t>   ~                 </a:t>
-            </a:r>
-            <a:r>
-              <a:rPr lang="en-CA" sz="900" dirty="0" err="1">
-                <a:latin typeface="Courier" pitchFamily="2" charset="0"/>
-              </a:rPr>
-              <a:t>DetNet</a:t>
-            </a:r>
-            <a:r>
-              <a:rPr lang="en-CA" sz="900" dirty="0">
-                <a:latin typeface="Courier" pitchFamily="2" charset="0"/>
-              </a:rPr>
-              <a:t> Flow                                   ~</a:t>
-            </a:r>
-          </a:p>
-          <a:p>
-            <a:r>
-              <a:rPr lang="en-CA" sz="900" dirty="0">
-                <a:latin typeface="Courier" pitchFamily="2" charset="0"/>
-              </a:rPr>
-              <a:t>   ~                 Payload Packet                                ~</a:t>
-            </a:r>
-          </a:p>
-          <a:p>
-            <a:r>
-              <a:rPr lang="en-CA" sz="900" dirty="0">
-                <a:latin typeface="Courier" pitchFamily="2" charset="0"/>
-              </a:rPr>
-              <a:t>   |                                                               |</a:t>
-            </a:r>
-          </a:p>
-          <a:p>
-            <a:r>
-              <a:rPr lang="en-CA" sz="900" dirty="0">
-                <a:latin typeface="Courier" pitchFamily="2" charset="0"/>
-              </a:rPr>
-              <a:t>   |                                                               |</a:t>
-            </a:r>
-          </a:p>
-          <a:p>
-            <a:r>
-              <a:rPr lang="en-CA" sz="900" dirty="0">
-                <a:latin typeface="Courier" pitchFamily="2" charset="0"/>
-              </a:rPr>
-              <a:t>   +-+-+-+-+-+-+-+-+-+-+-+-+-+-+-+-+-+-+-+-+-+-+-+-+-+-+-+-+-+-+-+-+</a:t>
-            </a:r>
-          </a:p>
-          <a:p>
-            <a:r>
-              <a:rPr lang="en-CA" sz="900" dirty="0">
-                <a:latin typeface="Courier" pitchFamily="2" charset="0"/>
-              </a:rPr>
-              <a:t> </a:t>
-            </a:r>
-          </a:p>
-          <a:p>
-            <a:r>
-              <a:rPr lang="en-CA" sz="900" dirty="0">
-                <a:latin typeface="Courier" pitchFamily="2" charset="0"/>
-              </a:rPr>
-              <a:t>  Figure: Example MPLS Encapsulation with </a:t>
-            </a:r>
-            <a:r>
-              <a:rPr lang="en-CA" sz="900" dirty="0" err="1">
-                <a:latin typeface="Courier" pitchFamily="2" charset="0"/>
-              </a:rPr>
-              <a:t>DetNet</a:t>
-            </a:r>
-            <a:r>
-              <a:rPr lang="en-CA" sz="900" dirty="0">
-                <a:latin typeface="Courier" pitchFamily="2" charset="0"/>
-              </a:rPr>
-              <a:t> with IOAM Data Fields</a:t>
-            </a:r>
-            <a:endParaRPr lang="en-CA" sz="900" dirty="0">
-              <a:latin typeface="Courier" pitchFamily="2" charset="0"/>
-              <a:ea typeface="Calibri" panose="020F0502020204030204" pitchFamily="34" charset="0"/>
-              <a:cs typeface="Times New Roman" panose="02020603050405020304" pitchFamily="18" charset="0"/>
-            </a:endParaRPr>
-          </a:p>
-        </p:txBody>
-      </p:sp>
-    </p:spTree>
-    <p:extLst>
-      <p:ext uri="{BB962C8B-B14F-4D97-AF65-F5344CB8AC3E}">
-        <p14:creationId xmlns:p14="http://schemas.microsoft.com/office/powerpoint/2010/main" val="2787306097"/>
-      </p:ext>
-    </p:extLst>
-  </p:cSld>
-  <p:clrMapOvr>
-    <a:masterClrMapping/>
-  </p:clrMapOvr>
-</p:sld>
-</file>
-
-<file path=ppt/slides/slide28.xml><?xml version="1.0" encoding="utf-8"?>
-<p:sld xmlns:a="http://schemas.openxmlformats.org/drawingml/2006/main" xmlns:r="http://schemas.openxmlformats.org/officeDocument/2006/relationships" xmlns:p="http://schemas.openxmlformats.org/presentationml/2006/main">
-  <p:cSld>
-    <p:spTree>
-      <p:nvGrpSpPr>
-        <p:cNvPr id="1" name=""/>
-        <p:cNvGrpSpPr/>
-        <p:nvPr/>
-      </p:nvGrpSpPr>
-      <p:grpSpPr>
-        <a:xfrm>
-          <a:off x="0" y="0"/>
-          <a:ext cx="0" cy="0"/>
-          <a:chOff x="0" y="0"/>
-          <a:chExt cx="0" cy="0"/>
-        </a:xfrm>
-      </p:grpSpPr>
-      <p:sp>
-        <p:nvSpPr>
-          <p:cNvPr id="2" name="Title 1">
-            <a:extLst>
-              <a:ext uri="{FF2B5EF4-FFF2-40B4-BE49-F238E27FC236}">
-                <a16:creationId xmlns:a16="http://schemas.microsoft.com/office/drawing/2014/main" id="{16C5255E-BE42-5348-AC0F-6257873BBB61}"/>
-              </a:ext>
-            </a:extLst>
-          </p:cNvPr>
-          <p:cNvSpPr>
-            <a:spLocks noGrp="1"/>
-          </p:cNvSpPr>
-          <p:nvPr>
-            <p:ph type="title"/>
-          </p:nvPr>
-        </p:nvSpPr>
-        <p:spPr>
-          <a:xfrm>
-            <a:off x="0" y="17653"/>
-            <a:ext cx="9124208" cy="717589"/>
-          </a:xfrm>
-        </p:spPr>
-        <p:txBody>
-          <a:bodyPr/>
-          <a:lstStyle/>
-          <a:p>
-            <a:r>
-              <a:rPr lang="en-US" sz="2400" dirty="0">
-                <a:solidFill>
-                  <a:srgbClr val="0070C0"/>
-                </a:solidFill>
-                <a:latin typeface="Calibri Light" panose="020F0302020204030204" pitchFamily="34" charset="0"/>
-                <a:cs typeface="Calibri Light" panose="020F0302020204030204" pitchFamily="34" charset="0"/>
-              </a:rPr>
-              <a:t>Example 3 - Generic Delivery Function </a:t>
-            </a:r>
-            <a:r>
-              <a:rPr lang="en-US" sz="2400" dirty="0" err="1">
-                <a:solidFill>
-                  <a:srgbClr val="0070C0"/>
-                </a:solidFill>
-                <a:latin typeface="Calibri Light" panose="020F0302020204030204" pitchFamily="34" charset="0"/>
-                <a:cs typeface="Calibri Light" panose="020F0302020204030204" pitchFamily="34" charset="0"/>
-              </a:rPr>
-              <a:t>Encap</a:t>
-            </a:r>
-            <a:r>
-              <a:rPr lang="en-US" sz="2400" dirty="0">
-                <a:solidFill>
-                  <a:srgbClr val="0070C0"/>
-                </a:solidFill>
-                <a:latin typeface="Calibri Light" panose="020F0302020204030204" pitchFamily="34" charset="0"/>
-                <a:cs typeface="Calibri Light" panose="020F0302020204030204" pitchFamily="34" charset="0"/>
-              </a:rPr>
-              <a:t> with IOAM Data Fields</a:t>
-            </a:r>
-          </a:p>
-        </p:txBody>
-      </p:sp>
-      <p:sp>
-        <p:nvSpPr>
-          <p:cNvPr id="4" name="Footer Placeholder 3">
-            <a:extLst>
-              <a:ext uri="{FF2B5EF4-FFF2-40B4-BE49-F238E27FC236}">
-                <a16:creationId xmlns:a16="http://schemas.microsoft.com/office/drawing/2014/main" id="{CF70CC82-C055-3645-9254-87CEC1C49032}"/>
-              </a:ext>
-            </a:extLst>
-          </p:cNvPr>
-          <p:cNvSpPr>
-            <a:spLocks noGrp="1"/>
-          </p:cNvSpPr>
-          <p:nvPr>
-            <p:ph type="ftr" sz="quarter" idx="11"/>
-          </p:nvPr>
-        </p:nvSpPr>
-        <p:spPr>
-          <a:xfrm>
-            <a:off x="3124200" y="4786312"/>
-            <a:ext cx="2895600" cy="357188"/>
-          </a:xfrm>
-        </p:spPr>
-        <p:txBody>
-          <a:bodyPr/>
-          <a:lstStyle/>
-          <a:p>
-            <a:pPr>
-              <a:defRPr/>
-            </a:pPr>
-            <a:r>
-              <a:rPr lang="en-US" altLang="zh-CN" dirty="0"/>
-              <a:t>110</a:t>
-            </a:r>
-            <a:r>
-              <a:rPr lang="en-US" altLang="zh-CN" baseline="30000" dirty="0"/>
-              <a:t>th</a:t>
-            </a:r>
-            <a:r>
-              <a:rPr lang="en-US" altLang="zh-CN" dirty="0"/>
-              <a:t> IETF Online</a:t>
-            </a:r>
-          </a:p>
-        </p:txBody>
-      </p:sp>
-      <p:sp>
-        <p:nvSpPr>
-          <p:cNvPr id="5" name="Slide Number Placeholder 4">
-            <a:extLst>
-              <a:ext uri="{FF2B5EF4-FFF2-40B4-BE49-F238E27FC236}">
-                <a16:creationId xmlns:a16="http://schemas.microsoft.com/office/drawing/2014/main" id="{62DF7D69-BCF6-2D4A-A3F1-2D32C59355D3}"/>
-              </a:ext>
-            </a:extLst>
-          </p:cNvPr>
-          <p:cNvSpPr>
-            <a:spLocks noGrp="1"/>
-          </p:cNvSpPr>
-          <p:nvPr>
-            <p:ph type="sldNum" sz="quarter" idx="12"/>
-          </p:nvPr>
-        </p:nvSpPr>
-        <p:spPr/>
-        <p:txBody>
-          <a:bodyPr/>
-          <a:lstStyle/>
-          <a:p>
-            <a:pPr>
-              <a:defRPr/>
-            </a:pPr>
-            <a:fld id="{BD6E0F59-1DD8-40FC-9C92-B6295CBA6CCA}" type="slidenum">
-              <a:rPr lang="en-US" altLang="zh-CN" smtClean="0"/>
-              <a:pPr>
-                <a:defRPr/>
-              </a:pPr>
-              <a:t>28</a:t>
-            </a:fld>
-            <a:endParaRPr lang="en-US" altLang="zh-CN" dirty="0"/>
-          </a:p>
-        </p:txBody>
-      </p:sp>
-      <p:sp>
-        <p:nvSpPr>
-          <p:cNvPr id="6" name="Rectangle 5">
-            <a:extLst>
-              <a:ext uri="{FF2B5EF4-FFF2-40B4-BE49-F238E27FC236}">
-                <a16:creationId xmlns:a16="http://schemas.microsoft.com/office/drawing/2014/main" id="{E614F343-6DC2-A943-8496-BE1E2B6072CE}"/>
-              </a:ext>
-            </a:extLst>
-          </p:cNvPr>
-          <p:cNvSpPr/>
-          <p:nvPr/>
-        </p:nvSpPr>
-        <p:spPr>
-          <a:xfrm>
-            <a:off x="2438400" y="713601"/>
-            <a:ext cx="5791200" cy="4108817"/>
-          </a:xfrm>
-          <a:prstGeom prst="rect">
-            <a:avLst/>
-          </a:prstGeom>
-          <a:solidFill>
-            <a:schemeClr val="accent6">
-              <a:lumMod val="20000"/>
-              <a:lumOff val="80000"/>
-            </a:schemeClr>
-          </a:solidFill>
-        </p:spPr>
-        <p:txBody>
-          <a:bodyPr wrap="square">
-            <a:spAutoFit/>
-          </a:bodyPr>
-          <a:lstStyle/>
-          <a:p>
-            <a:r>
-              <a:rPr lang="en-CA" sz="900" dirty="0">
-                <a:latin typeface="Courier" pitchFamily="2" charset="0"/>
-              </a:rPr>
-              <a:t>   0                   1                   2                   3</a:t>
-            </a:r>
-          </a:p>
-          <a:p>
-            <a:r>
-              <a:rPr lang="en-CA" sz="900" dirty="0">
-                <a:latin typeface="Courier" pitchFamily="2" charset="0"/>
-              </a:rPr>
-              <a:t>   0 1 2 3 4 5 6 7 8 9 0 1 2 3 4 5 6 7 8 9 0 1 2 3 4 5 6 7 8 9 0 1</a:t>
-            </a:r>
-          </a:p>
-          <a:p>
-            <a:r>
-              <a:rPr lang="en-CA" sz="900" dirty="0">
-                <a:latin typeface="Courier" pitchFamily="2" charset="0"/>
-              </a:rPr>
-              <a:t>   </a:t>
-            </a:r>
-            <a:r>
-              <a:rPr lang="en-CA" sz="900" dirty="0">
-                <a:solidFill>
-                  <a:srgbClr val="0070C0"/>
-                </a:solidFill>
-                <a:latin typeface="Courier" pitchFamily="2" charset="0"/>
-              </a:rPr>
-              <a:t>+-+-+-+-+-+-+-+-+-+-+-+-+-+-+-+-+-+-+-+-+-+-+-+-+-+-+-+-+-+-+-+-+</a:t>
-            </a:r>
-          </a:p>
-          <a:p>
-            <a:r>
-              <a:rPr lang="en-CA" sz="900" dirty="0">
-                <a:solidFill>
-                  <a:srgbClr val="0070C0"/>
-                </a:solidFill>
-                <a:latin typeface="Courier" pitchFamily="2" charset="0"/>
-              </a:rPr>
-              <a:t>   | GDH Label                             | TC  |S|  TTL          |</a:t>
-            </a:r>
-          </a:p>
-          <a:p>
-            <a:r>
-              <a:rPr lang="en-CA" sz="900" dirty="0">
-                <a:latin typeface="Courier" pitchFamily="2" charset="0"/>
-              </a:rPr>
-              <a:t>   +-+-+-+-+-+-+-+-+-+-+-+-+-+-+-+-+-+-+-+-+-+-+-+-+-+-+-+-+-+-+-+-+</a:t>
-            </a:r>
-          </a:p>
-          <a:p>
-            <a:r>
-              <a:rPr lang="en-CA" sz="900" dirty="0">
-                <a:latin typeface="Courier" pitchFamily="2" charset="0"/>
-              </a:rPr>
-              <a:t>   | IOAM Indicator Label                  | TC  |1|  TTL          |</a:t>
-            </a:r>
-          </a:p>
-          <a:p>
-            <a:r>
-              <a:rPr lang="en-CA" sz="900" dirty="0">
-                <a:latin typeface="Courier" pitchFamily="2" charset="0"/>
-              </a:rPr>
-              <a:t>   +-+-+-+-+-+-+-+-+-+-+-+-+-+-+-+-+-+-+-+-+-+-+-+-+-+-+-+-+-+-+-+-+&lt;-+</a:t>
-            </a:r>
-          </a:p>
-          <a:p>
-            <a:r>
-              <a:rPr lang="en-CA" sz="900" dirty="0">
-                <a:latin typeface="Courier" pitchFamily="2" charset="0"/>
-              </a:rPr>
-              <a:t>   |0 0 0 1|Version| Reserved      | IOAM G-</a:t>
-            </a:r>
-            <a:r>
-              <a:rPr lang="en-CA" sz="900" dirty="0" err="1">
-                <a:latin typeface="Courier" pitchFamily="2" charset="0"/>
-              </a:rPr>
-              <a:t>ACh</a:t>
-            </a:r>
-            <a:r>
-              <a:rPr lang="en-CA" sz="900" dirty="0">
-                <a:latin typeface="Courier" pitchFamily="2" charset="0"/>
-              </a:rPr>
-              <a:t>                    |  |</a:t>
-            </a:r>
-          </a:p>
-          <a:p>
-            <a:r>
-              <a:rPr lang="en-CA" sz="900" dirty="0">
-                <a:latin typeface="Courier" pitchFamily="2" charset="0"/>
-              </a:rPr>
-              <a:t>   +-+-+-+-+-+-+-+-+-+-+-+-+-+-+-+-+-+-+-+-+-+-+-+-+-+-+-+-+-+-+-+-+  |</a:t>
-            </a:r>
-          </a:p>
-          <a:p>
-            <a:r>
-              <a:rPr lang="en-CA" sz="900" dirty="0">
-                <a:latin typeface="Courier" pitchFamily="2" charset="0"/>
-              </a:rPr>
-              <a:t>   | Reserved      | Block Number  | IOAM-OPT-Type |</a:t>
-            </a:r>
-            <a:r>
-              <a:rPr lang="en-CA" sz="900" dirty="0">
-                <a:solidFill>
-                  <a:srgbClr val="0070C0"/>
-                </a:solidFill>
-                <a:latin typeface="Courier" pitchFamily="2" charset="0"/>
-              </a:rPr>
-              <a:t>IOAM HDR Length</a:t>
-            </a:r>
-            <a:r>
-              <a:rPr lang="en-CA" sz="900" dirty="0">
-                <a:latin typeface="Courier" pitchFamily="2" charset="0"/>
-              </a:rPr>
-              <a:t>|  |</a:t>
-            </a:r>
-          </a:p>
-          <a:p>
-            <a:r>
-              <a:rPr lang="en-CA" sz="900" dirty="0">
-                <a:latin typeface="Courier" pitchFamily="2" charset="0"/>
-              </a:rPr>
-              <a:t>   +-+-+-+-+-+-+-+-+-+-+-+-+-+-+-+-+-+-+-+-+-+-+-+-+-+-+-+-+-+-+-+-+  I</a:t>
-            </a:r>
-          </a:p>
-          <a:p>
-            <a:r>
-              <a:rPr lang="en-CA" sz="900" dirty="0">
-                <a:latin typeface="Courier" pitchFamily="2" charset="0"/>
-              </a:rPr>
-              <a:t>   |                                                               |  O</a:t>
-            </a:r>
-          </a:p>
-          <a:p>
-            <a:r>
-              <a:rPr lang="en-CA" sz="900" dirty="0">
-                <a:latin typeface="Courier" pitchFamily="2" charset="0"/>
-              </a:rPr>
-              <a:t>   |                                                               |  A</a:t>
-            </a:r>
-          </a:p>
-          <a:p>
-            <a:r>
-              <a:rPr lang="en-CA" sz="900" dirty="0">
-                <a:latin typeface="Courier" pitchFamily="2" charset="0"/>
-              </a:rPr>
-              <a:t>   ~                 IOAM Option and Data Space                    ~  M</a:t>
-            </a:r>
-          </a:p>
-          <a:p>
-            <a:r>
-              <a:rPr lang="en-CA" sz="900" dirty="0">
-                <a:latin typeface="Courier" pitchFamily="2" charset="0"/>
-              </a:rPr>
-              <a:t>   |                                                               |  |</a:t>
-            </a:r>
-          </a:p>
-          <a:p>
-            <a:r>
-              <a:rPr lang="en-CA" sz="900" dirty="0">
-                <a:latin typeface="Courier" pitchFamily="2" charset="0"/>
-              </a:rPr>
-              <a:t>   |                                                               |  |</a:t>
-            </a:r>
-          </a:p>
-          <a:p>
-            <a:r>
-              <a:rPr lang="en-CA" sz="900" dirty="0">
-                <a:latin typeface="Courier" pitchFamily="2" charset="0"/>
-              </a:rPr>
-              <a:t>   +-+-+-+-+-+-+-+-+-+-+-+-+-+-+-+-+-+-+-+-+-+-+-+-+-+-+-+-+-+-+-+-+&lt;-+</a:t>
-            </a:r>
-          </a:p>
-          <a:p>
-            <a:r>
-              <a:rPr lang="en-CA" sz="900" dirty="0">
-                <a:solidFill>
-                  <a:srgbClr val="0070C0"/>
-                </a:solidFill>
-                <a:latin typeface="Courier" pitchFamily="2" charset="0"/>
-              </a:rPr>
-              <a:t>   |0 0 0 0| </a:t>
-            </a:r>
-            <a:r>
-              <a:rPr lang="en-CA" sz="900" dirty="0" err="1">
-                <a:solidFill>
-                  <a:srgbClr val="0070C0"/>
-                </a:solidFill>
-                <a:latin typeface="Courier" pitchFamily="2" charset="0"/>
-              </a:rPr>
-              <a:t>Rsved</a:t>
-            </a:r>
-            <a:r>
-              <a:rPr lang="en-CA" sz="900" dirty="0">
-                <a:solidFill>
-                  <a:srgbClr val="0070C0"/>
-                </a:solidFill>
-                <a:latin typeface="Courier" pitchFamily="2" charset="0"/>
-              </a:rPr>
-              <a:t> | This Header   | Header Length | Next Header   |</a:t>
-            </a:r>
-          </a:p>
-          <a:p>
-            <a:r>
-              <a:rPr lang="en-CA" sz="900" dirty="0">
-                <a:solidFill>
-                  <a:srgbClr val="0070C0"/>
-                </a:solidFill>
-                <a:latin typeface="Courier" pitchFamily="2" charset="0"/>
-              </a:rPr>
-              <a:t>   +-+-+-+-+-+-+-+-+-+-+-+-+-+-+-+-+-+-+-+-+-+-+-+-+-+-+-+-+-+-+-+-+</a:t>
-            </a:r>
-          </a:p>
-          <a:p>
-            <a:r>
-              <a:rPr lang="en-CA" sz="900" dirty="0">
-                <a:solidFill>
-                  <a:srgbClr val="0070C0"/>
-                </a:solidFill>
-                <a:latin typeface="Courier" pitchFamily="2" charset="0"/>
-              </a:rPr>
-              <a:t>   ~              Variable field per “This header”                 ~</a:t>
-            </a:r>
-          </a:p>
-          <a:p>
-            <a:r>
-              <a:rPr lang="en-CA" sz="900" dirty="0">
-                <a:solidFill>
-                  <a:srgbClr val="0070C0"/>
-                </a:solidFill>
                 <a:latin typeface="Courier" pitchFamily="2" charset="0"/>
               </a:rPr>
               <a:t>   +-+-+-+-+-+-+-+-+-+-+-+-+-+-+-+-+-+-+-+-+-+-+-+-+-+-+-+-+-+-+-+-+</a:t>
@@ -14200,7 +13634,7 @@
 </p:sld>
 </file>
 
-<file path=ppt/slides/slide29.xml><?xml version="1.0" encoding="utf-8"?>
+<file path=ppt/slides/slide28.xml><?xml version="1.0" encoding="utf-8"?>
 <p:sld xmlns:a="http://schemas.openxmlformats.org/drawingml/2006/main" xmlns:r="http://schemas.openxmlformats.org/officeDocument/2006/relationships" xmlns:p="http://schemas.openxmlformats.org/presentationml/2006/main">
   <p:cSld>
     <p:spTree>
@@ -14464,7 +13898,7 @@
               <a:pPr>
                 <a:defRPr/>
               </a:pPr>
-              <a:t>29</a:t>
+              <a:t>28</a:t>
             </a:fld>
             <a:endParaRPr lang="en-US" altLang="zh-CN"/>
           </a:p>
@@ -14799,1550 +14233,6 @@
     <p:extLst>
       <p:ext uri="{BB962C8B-B14F-4D97-AF65-F5344CB8AC3E}">
         <p14:creationId xmlns:p14="http://schemas.microsoft.com/office/powerpoint/2010/main" val="2099784755"/>
-      </p:ext>
-    </p:extLst>
-  </p:cSld>
-  <p:clrMapOvr>
-    <a:masterClrMapping/>
-  </p:clrMapOvr>
-</p:sld>
-</file>
-
-<file path=ppt/slides/slide30.xml><?xml version="1.0" encoding="utf-8"?>
-<p:sld xmlns:a="http://schemas.openxmlformats.org/drawingml/2006/main" xmlns:r="http://schemas.openxmlformats.org/officeDocument/2006/relationships" xmlns:p="http://schemas.openxmlformats.org/presentationml/2006/main">
-  <p:cSld>
-    <p:spTree>
-      <p:nvGrpSpPr>
-        <p:cNvPr id="1" name=""/>
-        <p:cNvGrpSpPr/>
-        <p:nvPr/>
-      </p:nvGrpSpPr>
-      <p:grpSpPr>
-        <a:xfrm>
-          <a:off x="0" y="0"/>
-          <a:ext cx="0" cy="0"/>
-          <a:chOff x="0" y="0"/>
-          <a:chExt cx="0" cy="0"/>
-        </a:xfrm>
-      </p:grpSpPr>
-      <p:sp>
-        <p:nvSpPr>
-          <p:cNvPr id="2" name="Title 1">
-            <a:extLst>
-              <a:ext uri="{FF2B5EF4-FFF2-40B4-BE49-F238E27FC236}">
-                <a16:creationId xmlns:a16="http://schemas.microsoft.com/office/drawing/2014/main" id="{16C5255E-BE42-5348-AC0F-6257873BBB61}"/>
-              </a:ext>
-            </a:extLst>
-          </p:cNvPr>
-          <p:cNvSpPr>
-            <a:spLocks noGrp="1"/>
-          </p:cNvSpPr>
-          <p:nvPr>
-            <p:ph type="title"/>
-          </p:nvPr>
-        </p:nvSpPr>
-        <p:spPr>
-          <a:xfrm>
-            <a:off x="0" y="0"/>
-            <a:ext cx="9144000" cy="619185"/>
-          </a:xfrm>
-        </p:spPr>
-        <p:txBody>
-          <a:bodyPr/>
-          <a:lstStyle/>
-          <a:p>
-            <a:r>
-              <a:rPr lang="en-US" sz="2400" dirty="0">
-                <a:solidFill>
-                  <a:srgbClr val="0070C0"/>
-                </a:solidFill>
-                <a:latin typeface="Calibri Light" panose="020F0302020204030204" pitchFamily="34" charset="0"/>
-                <a:cs typeface="Calibri Light" panose="020F0302020204030204" pitchFamily="34" charset="0"/>
-              </a:rPr>
-              <a:t>Example 4 - </a:t>
-            </a:r>
-            <a:r>
-              <a:rPr lang="en-US" sz="2400" dirty="0" err="1">
-                <a:solidFill>
-                  <a:srgbClr val="0070C0"/>
-                </a:solidFill>
-                <a:latin typeface="Calibri Light" panose="020F0302020204030204" pitchFamily="34" charset="0"/>
-                <a:cs typeface="Calibri Light" panose="020F0302020204030204" pitchFamily="34" charset="0"/>
-              </a:rPr>
-              <a:t>DetNet</a:t>
-            </a:r>
-            <a:r>
-              <a:rPr lang="en-US" sz="2400" dirty="0">
-                <a:solidFill>
-                  <a:srgbClr val="0070C0"/>
-                </a:solidFill>
-                <a:latin typeface="Calibri Light" panose="020F0302020204030204" pitchFamily="34" charset="0"/>
-                <a:cs typeface="Calibri Light" panose="020F0302020204030204" pitchFamily="34" charset="0"/>
-              </a:rPr>
-              <a:t> Control Word [RFC8964] </a:t>
-            </a:r>
-            <a:r>
-              <a:rPr lang="en-CA" sz="2400" dirty="0">
-                <a:solidFill>
-                  <a:srgbClr val="0070C0"/>
-                </a:solidFill>
-                <a:latin typeface="Calibri Light" panose="020F0302020204030204" pitchFamily="34" charset="0"/>
-                <a:cs typeface="Calibri Light" panose="020F0302020204030204" pitchFamily="34" charset="0"/>
-              </a:rPr>
-              <a:t>with IOAM Data Fields</a:t>
-            </a:r>
-            <a:endParaRPr lang="en-US" sz="2400" dirty="0">
-              <a:solidFill>
-                <a:srgbClr val="0070C0"/>
-              </a:solidFill>
-              <a:latin typeface="Calibri Light" panose="020F0302020204030204" pitchFamily="34" charset="0"/>
-              <a:cs typeface="Calibri Light" panose="020F0302020204030204" pitchFamily="34" charset="0"/>
-            </a:endParaRPr>
-          </a:p>
-        </p:txBody>
-      </p:sp>
-      <p:sp>
-        <p:nvSpPr>
-          <p:cNvPr id="4" name="Footer Placeholder 3">
-            <a:extLst>
-              <a:ext uri="{FF2B5EF4-FFF2-40B4-BE49-F238E27FC236}">
-                <a16:creationId xmlns:a16="http://schemas.microsoft.com/office/drawing/2014/main" id="{CF70CC82-C055-3645-9254-87CEC1C49032}"/>
-              </a:ext>
-            </a:extLst>
-          </p:cNvPr>
-          <p:cNvSpPr>
-            <a:spLocks noGrp="1"/>
-          </p:cNvSpPr>
-          <p:nvPr>
-            <p:ph type="ftr" sz="quarter" idx="11"/>
-          </p:nvPr>
-        </p:nvSpPr>
-        <p:spPr>
-          <a:xfrm>
-            <a:off x="3124200" y="4786312"/>
-            <a:ext cx="2895600" cy="357188"/>
-          </a:xfrm>
-        </p:spPr>
-        <p:txBody>
-          <a:bodyPr/>
-          <a:lstStyle/>
-          <a:p>
-            <a:pPr>
-              <a:defRPr/>
-            </a:pPr>
-            <a:r>
-              <a:rPr lang="en-US" altLang="zh-CN" dirty="0"/>
-              <a:t>110</a:t>
-            </a:r>
-            <a:r>
-              <a:rPr lang="en-US" altLang="zh-CN" baseline="30000" dirty="0"/>
-              <a:t>th</a:t>
-            </a:r>
-            <a:r>
-              <a:rPr lang="en-US" altLang="zh-CN" dirty="0"/>
-              <a:t> IETF Online</a:t>
-            </a:r>
-          </a:p>
-        </p:txBody>
-      </p:sp>
-      <p:sp>
-        <p:nvSpPr>
-          <p:cNvPr id="5" name="Slide Number Placeholder 4">
-            <a:extLst>
-              <a:ext uri="{FF2B5EF4-FFF2-40B4-BE49-F238E27FC236}">
-                <a16:creationId xmlns:a16="http://schemas.microsoft.com/office/drawing/2014/main" id="{62DF7D69-BCF6-2D4A-A3F1-2D32C59355D3}"/>
-              </a:ext>
-            </a:extLst>
-          </p:cNvPr>
-          <p:cNvSpPr>
-            <a:spLocks noGrp="1"/>
-          </p:cNvSpPr>
-          <p:nvPr>
-            <p:ph type="sldNum" sz="quarter" idx="12"/>
-          </p:nvPr>
-        </p:nvSpPr>
-        <p:spPr/>
-        <p:txBody>
-          <a:bodyPr/>
-          <a:lstStyle/>
-          <a:p>
-            <a:pPr>
-              <a:defRPr/>
-            </a:pPr>
-            <a:fld id="{BD6E0F59-1DD8-40FC-9C92-B6295CBA6CCA}" type="slidenum">
-              <a:rPr lang="en-US" altLang="zh-CN" smtClean="0"/>
-              <a:pPr>
-                <a:defRPr/>
-              </a:pPr>
-              <a:t>30</a:t>
-            </a:fld>
-            <a:endParaRPr lang="en-US" altLang="zh-CN" dirty="0"/>
-          </a:p>
-        </p:txBody>
-      </p:sp>
-      <p:sp>
-        <p:nvSpPr>
-          <p:cNvPr id="6" name="Rectangle 5">
-            <a:extLst>
-              <a:ext uri="{FF2B5EF4-FFF2-40B4-BE49-F238E27FC236}">
-                <a16:creationId xmlns:a16="http://schemas.microsoft.com/office/drawing/2014/main" id="{E614F343-6DC2-A943-8496-BE1E2B6072CE}"/>
-              </a:ext>
-            </a:extLst>
-          </p:cNvPr>
-          <p:cNvSpPr/>
-          <p:nvPr/>
-        </p:nvSpPr>
-        <p:spPr>
-          <a:xfrm>
-            <a:off x="2057400" y="619185"/>
-            <a:ext cx="4648200" cy="4678204"/>
-          </a:xfrm>
-          <a:prstGeom prst="rect">
-            <a:avLst/>
-          </a:prstGeom>
-          <a:solidFill>
-            <a:schemeClr val="accent6">
-              <a:lumMod val="20000"/>
-              <a:lumOff val="80000"/>
-            </a:schemeClr>
-          </a:solidFill>
-        </p:spPr>
-        <p:txBody>
-          <a:bodyPr wrap="square">
-            <a:spAutoFit/>
-          </a:bodyPr>
-          <a:lstStyle/>
-          <a:p>
-            <a:r>
-              <a:rPr lang="en-CA" sz="800" dirty="0">
-                <a:latin typeface="Courier" pitchFamily="2" charset="0"/>
-              </a:rPr>
-              <a:t>   0                   1                   2                   3</a:t>
-            </a:r>
-          </a:p>
-          <a:p>
-            <a:r>
-              <a:rPr lang="en-CA" sz="800" dirty="0">
-                <a:latin typeface="Courier" pitchFamily="2" charset="0"/>
-              </a:rPr>
-              <a:t>   0 1 2 3 4 5 6 7 8 9 0 1 2 3 4 5 6 7 8 9 0 1 2 3 4 5 6 7 8 9 0 1</a:t>
-            </a:r>
-          </a:p>
-          <a:p>
-            <a:r>
-              <a:rPr lang="en-CA" sz="800" dirty="0">
-                <a:latin typeface="Courier" pitchFamily="2" charset="0"/>
-              </a:rPr>
-              <a:t>   +-+-+-+-+-+-+-+-+-+-+-+-+-+-+-+-+-+-+-+-+-+-+-+-+-+-+-+-+-+-+-+-+</a:t>
-            </a:r>
-          </a:p>
-          <a:p>
-            <a:r>
-              <a:rPr lang="en-CA" sz="800" dirty="0">
-                <a:latin typeface="Courier" pitchFamily="2" charset="0"/>
-              </a:rPr>
-              <a:t>   | [F-Label(s)]                          | TC  |S|  TTL          |</a:t>
-            </a:r>
-          </a:p>
-          <a:p>
-            <a:r>
-              <a:rPr lang="en-CA" sz="800" dirty="0">
-                <a:latin typeface="Courier" pitchFamily="2" charset="0"/>
-              </a:rPr>
-              <a:t>   +-+-+-+-+-+-+-+-+-+-+-+-+-+-+-+-+-+-+-+-+-+-+-+-+-+-+-+-+-+-+-+-+</a:t>
-            </a:r>
-          </a:p>
-          <a:p>
-            <a:r>
-              <a:rPr lang="en-CA" sz="800" dirty="0">
-                <a:latin typeface="Courier" pitchFamily="2" charset="0"/>
-              </a:rPr>
-              <a:t>   | A-Label                               | TC  |S|  TTL          |</a:t>
-            </a:r>
-          </a:p>
-          <a:p>
-            <a:r>
-              <a:rPr lang="en-CA" sz="800" dirty="0">
-                <a:latin typeface="Courier" pitchFamily="2" charset="0"/>
-              </a:rPr>
-              <a:t>   +-+-+-+-+-+-+-+-+-+-+-+-+-+-+-+-+-+-+-+-+-+-+-+-+-+-+-+-+-+-+-+-+</a:t>
-            </a:r>
-          </a:p>
-          <a:p>
-            <a:r>
-              <a:rPr lang="en-CA" sz="800" dirty="0">
-                <a:solidFill>
-                  <a:srgbClr val="C00000"/>
-                </a:solidFill>
-                <a:latin typeface="Courier" pitchFamily="2" charset="0"/>
-              </a:rPr>
-              <a:t>   </a:t>
-            </a:r>
-            <a:r>
-              <a:rPr lang="en-CA" sz="800" dirty="0">
-                <a:solidFill>
-                  <a:srgbClr val="0070C0"/>
-                </a:solidFill>
-                <a:latin typeface="Courier" pitchFamily="2" charset="0"/>
-              </a:rPr>
-              <a:t>|0 0 0 0| Sequence Number (</a:t>
-            </a:r>
-            <a:r>
-              <a:rPr lang="en-CA" sz="800" dirty="0" err="1">
-                <a:solidFill>
-                  <a:srgbClr val="0070C0"/>
-                </a:solidFill>
-                <a:latin typeface="Courier" pitchFamily="2" charset="0"/>
-              </a:rPr>
-              <a:t>DetNet</a:t>
-            </a:r>
-            <a:r>
-              <a:rPr lang="en-CA" sz="800" dirty="0">
-                <a:solidFill>
-                  <a:srgbClr val="0070C0"/>
-                </a:solidFill>
-                <a:latin typeface="Courier" pitchFamily="2" charset="0"/>
-              </a:rPr>
-              <a:t> Control Word)                 |</a:t>
-            </a:r>
-          </a:p>
-          <a:p>
-            <a:r>
-              <a:rPr lang="en-CA" sz="800" dirty="0">
-                <a:latin typeface="Courier" pitchFamily="2" charset="0"/>
-              </a:rPr>
-              <a:t>   +-+-+-+-+-+-+-+-+-+-+-+-+-+-+-+-+-+-+-+-+-+-+-+-+-+-+-+-+-+-+-+-+</a:t>
-            </a:r>
-          </a:p>
-          <a:p>
-            <a:r>
-              <a:rPr lang="en-CA" sz="800" dirty="0">
-                <a:latin typeface="Courier" pitchFamily="2" charset="0"/>
-              </a:rPr>
-              <a:t>   | [F-Label(s)]                          | TC  |S|  TTL          |</a:t>
-            </a:r>
-          </a:p>
-          <a:p>
-            <a:r>
-              <a:rPr lang="en-CA" sz="800" dirty="0">
-                <a:latin typeface="Courier" pitchFamily="2" charset="0"/>
-              </a:rPr>
-              <a:t>   +-+-+-+-+-+-+-+-+-+-+-+-+-+-+-+-+-+-+-+-+-+-+-+-+-+-+-+-+-+-+-+-+</a:t>
-            </a:r>
-          </a:p>
-          <a:p>
-            <a:r>
-              <a:rPr lang="en-CA" sz="800" dirty="0">
-                <a:latin typeface="Courier" pitchFamily="2" charset="0"/>
-              </a:rPr>
-              <a:t>   | S-Label                               | TC  |S|  TTL          |</a:t>
-            </a:r>
-          </a:p>
-          <a:p>
-            <a:r>
-              <a:rPr lang="en-CA" sz="800" dirty="0">
-                <a:latin typeface="Courier" pitchFamily="2" charset="0"/>
-              </a:rPr>
-              <a:t>   +-+-+-+-+-+-+-+-+-+-+-+-+-+-+-+-+-+-+-+-+-+-+-+-+-+-+-+-+-+-+-+-+</a:t>
-            </a:r>
-          </a:p>
-          <a:p>
-            <a:r>
-              <a:rPr lang="en-CA" sz="800" dirty="0">
-                <a:latin typeface="Courier" pitchFamily="2" charset="0"/>
-              </a:rPr>
-              <a:t>   | IOAM Indicator Label                  | TC  |1|  TTL          |</a:t>
-            </a:r>
-          </a:p>
-          <a:p>
-            <a:r>
-              <a:rPr lang="en-CA" sz="800" dirty="0">
-                <a:latin typeface="Courier" pitchFamily="2" charset="0"/>
-              </a:rPr>
-              <a:t>   +-+-+-+-+-+-+-+-+-+-+-+-+-+-+-+-+-+-+-+-+-+-+-+-+-+-+-+-+-+-+-+-+&lt;-+</a:t>
-            </a:r>
-          </a:p>
-          <a:p>
-            <a:r>
-              <a:rPr lang="en-CA" sz="800" dirty="0">
-                <a:latin typeface="Courier" pitchFamily="2" charset="0"/>
-              </a:rPr>
-              <a:t>   |0 0 0 1|Version| Reserved      | IOAM G-</a:t>
-            </a:r>
-            <a:r>
-              <a:rPr lang="en-CA" sz="800" dirty="0" err="1">
-                <a:latin typeface="Courier" pitchFamily="2" charset="0"/>
-              </a:rPr>
-              <a:t>ACh</a:t>
-            </a:r>
-            <a:r>
-              <a:rPr lang="en-CA" sz="800" dirty="0">
-                <a:latin typeface="Courier" pitchFamily="2" charset="0"/>
-              </a:rPr>
-              <a:t>                    |  |</a:t>
-            </a:r>
-          </a:p>
-          <a:p>
-            <a:r>
-              <a:rPr lang="en-CA" sz="800" dirty="0">
-                <a:latin typeface="Courier" pitchFamily="2" charset="0"/>
-              </a:rPr>
-              <a:t>   +-+-+-+-+-+-+-+-+-+-+-+-+-+-+-+-+-+-+-+-+-+-+-+-+-+-+-+-+-+-+-+-+  |</a:t>
-            </a:r>
-          </a:p>
-          <a:p>
-            <a:r>
-              <a:rPr lang="en-CA" sz="800" dirty="0">
-                <a:latin typeface="Courier" pitchFamily="2" charset="0"/>
-              </a:rPr>
-              <a:t>   | Reserved      | Block Number  | IOAM-OPT-Type |</a:t>
-            </a:r>
-            <a:r>
-              <a:rPr lang="en-CA" sz="800" dirty="0">
-                <a:solidFill>
-                  <a:srgbClr val="0070C0"/>
-                </a:solidFill>
-                <a:latin typeface="Courier" pitchFamily="2" charset="0"/>
-              </a:rPr>
-              <a:t>IOAM HDR Length</a:t>
-            </a:r>
-            <a:r>
-              <a:rPr lang="en-CA" sz="800" dirty="0">
-                <a:latin typeface="Courier" pitchFamily="2" charset="0"/>
-              </a:rPr>
-              <a:t>|  |</a:t>
-            </a:r>
-          </a:p>
-          <a:p>
-            <a:r>
-              <a:rPr lang="en-CA" sz="800" dirty="0">
-                <a:latin typeface="Courier" pitchFamily="2" charset="0"/>
-              </a:rPr>
-              <a:t>   +-+-+-+-+-+-+-+-+-+-+-+-+-+-+-+-+-+-+-+-+-+-+-+-+-+-+-+-+-+-+-+-+  I</a:t>
-            </a:r>
-          </a:p>
-          <a:p>
-            <a:r>
-              <a:rPr lang="en-CA" sz="800" dirty="0">
-                <a:latin typeface="Courier" pitchFamily="2" charset="0"/>
-              </a:rPr>
-              <a:t>   |                                                               |  O</a:t>
-            </a:r>
-          </a:p>
-          <a:p>
-            <a:r>
-              <a:rPr lang="en-CA" sz="800" dirty="0">
-                <a:latin typeface="Courier" pitchFamily="2" charset="0"/>
-              </a:rPr>
-              <a:t>   |                                                               |  A</a:t>
-            </a:r>
-          </a:p>
-          <a:p>
-            <a:r>
-              <a:rPr lang="en-CA" sz="800" dirty="0">
-                <a:latin typeface="Courier" pitchFamily="2" charset="0"/>
-              </a:rPr>
-              <a:t>   ~                 IOAM Option and Data Space                    ~  M</a:t>
-            </a:r>
-          </a:p>
-          <a:p>
-            <a:r>
-              <a:rPr lang="en-CA" sz="800" dirty="0">
-                <a:latin typeface="Courier" pitchFamily="2" charset="0"/>
-              </a:rPr>
-              <a:t>   |                                                               |  |</a:t>
-            </a:r>
-          </a:p>
-          <a:p>
-            <a:r>
-              <a:rPr lang="en-CA" sz="800" dirty="0">
-                <a:latin typeface="Courier" pitchFamily="2" charset="0"/>
-              </a:rPr>
-              <a:t>   |                                                               |  |</a:t>
-            </a:r>
-          </a:p>
-          <a:p>
-            <a:r>
-              <a:rPr lang="en-CA" sz="800" dirty="0">
-                <a:latin typeface="Courier" pitchFamily="2" charset="0"/>
-              </a:rPr>
-              <a:t>   +-+-+-+-+-+-+-+-+-+-+-+-+-+-+-+-+-+-+-+-+-+-+-+-+-+-+-+-+-+-+-+-+&lt;-+</a:t>
-            </a:r>
-          </a:p>
-          <a:p>
-            <a:r>
-              <a:rPr lang="en-CA" sz="800" dirty="0">
-                <a:solidFill>
-                  <a:srgbClr val="C00000"/>
-                </a:solidFill>
-                <a:latin typeface="Courier" pitchFamily="2" charset="0"/>
-              </a:rPr>
-              <a:t>   </a:t>
-            </a:r>
-            <a:r>
-              <a:rPr lang="en-CA" sz="800" dirty="0">
-                <a:solidFill>
-                  <a:srgbClr val="0070C0"/>
-                </a:solidFill>
-                <a:latin typeface="Courier" pitchFamily="2" charset="0"/>
-              </a:rPr>
-              <a:t>|0 0 0 0| Sequence Number (</a:t>
-            </a:r>
-            <a:r>
-              <a:rPr lang="en-CA" sz="800" dirty="0" err="1">
-                <a:solidFill>
-                  <a:srgbClr val="0070C0"/>
-                </a:solidFill>
-                <a:latin typeface="Courier" pitchFamily="2" charset="0"/>
-              </a:rPr>
-              <a:t>DetNet</a:t>
-            </a:r>
-            <a:r>
-              <a:rPr lang="en-CA" sz="800" dirty="0">
-                <a:solidFill>
-                  <a:srgbClr val="0070C0"/>
-                </a:solidFill>
-                <a:latin typeface="Courier" pitchFamily="2" charset="0"/>
-              </a:rPr>
-              <a:t> Control Word)                 |</a:t>
-            </a:r>
-          </a:p>
-          <a:p>
-            <a:r>
-              <a:rPr lang="en-CA" sz="800" dirty="0">
-                <a:solidFill>
-                  <a:srgbClr val="0070C0"/>
-                </a:solidFill>
-                <a:latin typeface="Courier" pitchFamily="2" charset="0"/>
-              </a:rPr>
-              <a:t>   +-+-+-+-+-+-+-+-+-+-+-+-+-+-+-+-+-+-+-+-+-+-+-+-+-+-+-+-+-+-+-+-+</a:t>
-            </a:r>
-          </a:p>
-          <a:p>
-            <a:r>
-              <a:rPr lang="en-CA" sz="800" dirty="0">
-                <a:latin typeface="Courier" pitchFamily="2" charset="0"/>
-              </a:rPr>
-              <a:t>   |                                                               |</a:t>
-            </a:r>
-          </a:p>
-          <a:p>
-            <a:r>
-              <a:rPr lang="en-CA" sz="800" dirty="0">
-                <a:latin typeface="Courier" pitchFamily="2" charset="0"/>
-              </a:rPr>
-              <a:t>   |                                                               |</a:t>
-            </a:r>
-          </a:p>
-          <a:p>
-            <a:r>
-              <a:rPr lang="en-CA" sz="800" dirty="0">
-                <a:latin typeface="Courier" pitchFamily="2" charset="0"/>
-              </a:rPr>
-              <a:t>   ~                 </a:t>
-            </a:r>
-            <a:r>
-              <a:rPr lang="en-CA" sz="800" dirty="0" err="1">
-                <a:latin typeface="Courier" pitchFamily="2" charset="0"/>
-              </a:rPr>
-              <a:t>DetNet</a:t>
-            </a:r>
-            <a:r>
-              <a:rPr lang="en-CA" sz="800" dirty="0">
-                <a:latin typeface="Courier" pitchFamily="2" charset="0"/>
-              </a:rPr>
-              <a:t> Flow                                   ~</a:t>
-            </a:r>
-          </a:p>
-          <a:p>
-            <a:r>
-              <a:rPr lang="en-CA" sz="800" dirty="0">
-                <a:latin typeface="Courier" pitchFamily="2" charset="0"/>
-              </a:rPr>
-              <a:t>   ~                 Payload Packet                                ~</a:t>
-            </a:r>
-          </a:p>
-          <a:p>
-            <a:r>
-              <a:rPr lang="en-CA" sz="800" dirty="0">
-                <a:latin typeface="Courier" pitchFamily="2" charset="0"/>
-              </a:rPr>
-              <a:t>   |                                                               |</a:t>
-            </a:r>
-          </a:p>
-          <a:p>
-            <a:r>
-              <a:rPr lang="en-CA" sz="800" dirty="0">
-                <a:latin typeface="Courier" pitchFamily="2" charset="0"/>
-              </a:rPr>
-              <a:t>   |                                                               |</a:t>
-            </a:r>
-          </a:p>
-          <a:p>
-            <a:r>
-              <a:rPr lang="en-CA" sz="800" dirty="0">
-                <a:latin typeface="Courier" pitchFamily="2" charset="0"/>
-              </a:rPr>
-              <a:t>   +-+-+-+-+-+-+-+-+-+-+-+-+-+-+-+-+-+-+-+-+-+-+-+-+-+-+-+-+-+-+-+-+</a:t>
-            </a:r>
-          </a:p>
-          <a:p>
-            <a:r>
-              <a:rPr lang="en-CA" sz="800" dirty="0">
-                <a:latin typeface="Courier" pitchFamily="2" charset="0"/>
-              </a:rPr>
-              <a:t> </a:t>
-            </a:r>
-          </a:p>
-          <a:p>
-            <a:r>
-              <a:rPr lang="en-CA" sz="800" dirty="0">
-                <a:latin typeface="Courier" pitchFamily="2" charset="0"/>
-              </a:rPr>
-              <a:t>  Figure: Example MPLS Encapsulation with </a:t>
-            </a:r>
-            <a:r>
-              <a:rPr lang="en-CA" sz="800" dirty="0" err="1">
-                <a:latin typeface="Courier" pitchFamily="2" charset="0"/>
-              </a:rPr>
-              <a:t>DetNet</a:t>
-            </a:r>
-            <a:r>
-              <a:rPr lang="en-CA" sz="800" dirty="0">
-                <a:latin typeface="Courier" pitchFamily="2" charset="0"/>
-              </a:rPr>
-              <a:t> with IOAM Data Fields</a:t>
-            </a:r>
-            <a:endParaRPr lang="en-CA" sz="800" dirty="0">
-              <a:latin typeface="Courier" pitchFamily="2" charset="0"/>
-              <a:ea typeface="Calibri" panose="020F0502020204030204" pitchFamily="34" charset="0"/>
-              <a:cs typeface="Times New Roman" panose="02020603050405020304" pitchFamily="18" charset="0"/>
-            </a:endParaRPr>
-          </a:p>
-        </p:txBody>
-      </p:sp>
-    </p:spTree>
-    <p:extLst>
-      <p:ext uri="{BB962C8B-B14F-4D97-AF65-F5344CB8AC3E}">
-        <p14:creationId xmlns:p14="http://schemas.microsoft.com/office/powerpoint/2010/main" val="1058011721"/>
-      </p:ext>
-    </p:extLst>
-  </p:cSld>
-  <p:clrMapOvr>
-    <a:masterClrMapping/>
-  </p:clrMapOvr>
-</p:sld>
-</file>
-
-<file path=ppt/slides/slide31.xml><?xml version="1.0" encoding="utf-8"?>
-<p:sld xmlns:a="http://schemas.openxmlformats.org/drawingml/2006/main" xmlns:r="http://schemas.openxmlformats.org/officeDocument/2006/relationships" xmlns:p="http://schemas.openxmlformats.org/presentationml/2006/main">
-  <p:cSld>
-    <p:spTree>
-      <p:nvGrpSpPr>
-        <p:cNvPr id="1" name=""/>
-        <p:cNvGrpSpPr/>
-        <p:nvPr/>
-      </p:nvGrpSpPr>
-      <p:grpSpPr>
-        <a:xfrm>
-          <a:off x="0" y="0"/>
-          <a:ext cx="0" cy="0"/>
-          <a:chOff x="0" y="0"/>
-          <a:chExt cx="0" cy="0"/>
-        </a:xfrm>
-      </p:grpSpPr>
-      <p:sp>
-        <p:nvSpPr>
-          <p:cNvPr id="2" name="Title 1">
-            <a:extLst>
-              <a:ext uri="{FF2B5EF4-FFF2-40B4-BE49-F238E27FC236}">
-                <a16:creationId xmlns:a16="http://schemas.microsoft.com/office/drawing/2014/main" id="{16C5255E-BE42-5348-AC0F-6257873BBB61}"/>
-              </a:ext>
-            </a:extLst>
-          </p:cNvPr>
-          <p:cNvSpPr>
-            <a:spLocks noGrp="1"/>
-          </p:cNvSpPr>
-          <p:nvPr>
-            <p:ph type="title"/>
-          </p:nvPr>
-        </p:nvSpPr>
-        <p:spPr>
-          <a:xfrm>
-            <a:off x="0" y="17653"/>
-            <a:ext cx="9124208" cy="717589"/>
-          </a:xfrm>
-        </p:spPr>
-        <p:txBody>
-          <a:bodyPr/>
-          <a:lstStyle/>
-          <a:p>
-            <a:r>
-              <a:rPr lang="en-US" sz="2400" dirty="0">
-                <a:solidFill>
-                  <a:srgbClr val="0070C0"/>
-                </a:solidFill>
-                <a:latin typeface="Calibri Light" panose="020F0302020204030204" pitchFamily="34" charset="0"/>
-                <a:cs typeface="Calibri Light" panose="020F0302020204030204" pitchFamily="34" charset="0"/>
-              </a:rPr>
-              <a:t>Generic Delivery Function </a:t>
-            </a:r>
-            <a:r>
-              <a:rPr lang="en-US" sz="2400" dirty="0" err="1">
-                <a:solidFill>
-                  <a:srgbClr val="0070C0"/>
-                </a:solidFill>
-                <a:latin typeface="Calibri Light" panose="020F0302020204030204" pitchFamily="34" charset="0"/>
-                <a:cs typeface="Calibri Light" panose="020F0302020204030204" pitchFamily="34" charset="0"/>
-              </a:rPr>
-              <a:t>Encap</a:t>
-            </a:r>
-            <a:r>
-              <a:rPr lang="en-US" sz="2400" dirty="0">
-                <a:solidFill>
-                  <a:srgbClr val="0070C0"/>
-                </a:solidFill>
-                <a:latin typeface="Calibri Light" panose="020F0302020204030204" pitchFamily="34" charset="0"/>
-                <a:cs typeface="Calibri Light" panose="020F0302020204030204" pitchFamily="34" charset="0"/>
-              </a:rPr>
-              <a:t> with IOAM Data Fields</a:t>
-            </a:r>
-          </a:p>
-        </p:txBody>
-      </p:sp>
-      <p:sp>
-        <p:nvSpPr>
-          <p:cNvPr id="4" name="Footer Placeholder 3">
-            <a:extLst>
-              <a:ext uri="{FF2B5EF4-FFF2-40B4-BE49-F238E27FC236}">
-                <a16:creationId xmlns:a16="http://schemas.microsoft.com/office/drawing/2014/main" id="{CF70CC82-C055-3645-9254-87CEC1C49032}"/>
-              </a:ext>
-            </a:extLst>
-          </p:cNvPr>
-          <p:cNvSpPr>
-            <a:spLocks noGrp="1"/>
-          </p:cNvSpPr>
-          <p:nvPr>
-            <p:ph type="ftr" sz="quarter" idx="11"/>
-          </p:nvPr>
-        </p:nvSpPr>
-        <p:spPr>
-          <a:xfrm>
-            <a:off x="3124200" y="4786312"/>
-            <a:ext cx="2895600" cy="357188"/>
-          </a:xfrm>
-        </p:spPr>
-        <p:txBody>
-          <a:bodyPr/>
-          <a:lstStyle/>
-          <a:p>
-            <a:pPr>
-              <a:defRPr/>
-            </a:pPr>
-            <a:r>
-              <a:rPr lang="en-US" altLang="zh-CN" dirty="0"/>
-              <a:t>110</a:t>
-            </a:r>
-            <a:r>
-              <a:rPr lang="en-US" altLang="zh-CN" baseline="30000" dirty="0"/>
-              <a:t>th</a:t>
-            </a:r>
-            <a:r>
-              <a:rPr lang="en-US" altLang="zh-CN" dirty="0"/>
-              <a:t> IETF Online</a:t>
-            </a:r>
-          </a:p>
-        </p:txBody>
-      </p:sp>
-      <p:sp>
-        <p:nvSpPr>
-          <p:cNvPr id="5" name="Slide Number Placeholder 4">
-            <a:extLst>
-              <a:ext uri="{FF2B5EF4-FFF2-40B4-BE49-F238E27FC236}">
-                <a16:creationId xmlns:a16="http://schemas.microsoft.com/office/drawing/2014/main" id="{62DF7D69-BCF6-2D4A-A3F1-2D32C59355D3}"/>
-              </a:ext>
-            </a:extLst>
-          </p:cNvPr>
-          <p:cNvSpPr>
-            <a:spLocks noGrp="1"/>
-          </p:cNvSpPr>
-          <p:nvPr>
-            <p:ph type="sldNum" sz="quarter" idx="12"/>
-          </p:nvPr>
-        </p:nvSpPr>
-        <p:spPr/>
-        <p:txBody>
-          <a:bodyPr/>
-          <a:lstStyle/>
-          <a:p>
-            <a:pPr>
-              <a:defRPr/>
-            </a:pPr>
-            <a:fld id="{BD6E0F59-1DD8-40FC-9C92-B6295CBA6CCA}" type="slidenum">
-              <a:rPr lang="en-US" altLang="zh-CN" smtClean="0"/>
-              <a:pPr>
-                <a:defRPr/>
-              </a:pPr>
-              <a:t>31</a:t>
-            </a:fld>
-            <a:endParaRPr lang="en-US" altLang="zh-CN" dirty="0"/>
-          </a:p>
-        </p:txBody>
-      </p:sp>
-      <p:sp>
-        <p:nvSpPr>
-          <p:cNvPr id="6" name="Rectangle 5">
-            <a:extLst>
-              <a:ext uri="{FF2B5EF4-FFF2-40B4-BE49-F238E27FC236}">
-                <a16:creationId xmlns:a16="http://schemas.microsoft.com/office/drawing/2014/main" id="{E614F343-6DC2-A943-8496-BE1E2B6072CE}"/>
-              </a:ext>
-            </a:extLst>
-          </p:cNvPr>
-          <p:cNvSpPr/>
-          <p:nvPr/>
-        </p:nvSpPr>
-        <p:spPr>
-          <a:xfrm>
-            <a:off x="19792" y="666750"/>
-            <a:ext cx="4493623" cy="2677656"/>
-          </a:xfrm>
-          <a:prstGeom prst="rect">
-            <a:avLst/>
-          </a:prstGeom>
-          <a:solidFill>
-            <a:schemeClr val="accent6">
-              <a:lumMod val="20000"/>
-              <a:lumOff val="80000"/>
-            </a:schemeClr>
-          </a:solidFill>
-        </p:spPr>
-        <p:txBody>
-          <a:bodyPr wrap="square">
-            <a:spAutoFit/>
-          </a:bodyPr>
-          <a:lstStyle/>
-          <a:p>
-            <a:r>
-              <a:rPr lang="en-CA" sz="800" dirty="0">
-                <a:latin typeface="Courier" pitchFamily="2" charset="0"/>
-              </a:rPr>
-              <a:t>   0                   1                   2                   3</a:t>
-            </a:r>
-          </a:p>
-          <a:p>
-            <a:r>
-              <a:rPr lang="en-CA" sz="800" dirty="0">
-                <a:latin typeface="Courier" pitchFamily="2" charset="0"/>
-              </a:rPr>
-              <a:t>   0 1 2 3 4 5 6 7 8 9 0 1 2 3 4 5 6 7 8 9 0 1 2 3 4 5 6 7 8 9 0 1</a:t>
-            </a:r>
-          </a:p>
-          <a:p>
-            <a:r>
-              <a:rPr lang="en-CA" sz="800" dirty="0">
-                <a:latin typeface="Courier" pitchFamily="2" charset="0"/>
-              </a:rPr>
-              <a:t>   +-+-+-+-+-+-+-+-+-+-+-+-+-+-+-+-+-+-+-+-+-+-+-+-+-+-+-+-+-+-+-+-+</a:t>
-            </a:r>
-          </a:p>
-          <a:p>
-            <a:r>
-              <a:rPr lang="en-CA" sz="800" dirty="0">
-                <a:latin typeface="Courier" pitchFamily="2" charset="0"/>
-              </a:rPr>
-              <a:t>   | </a:t>
-            </a:r>
-            <a:r>
-              <a:rPr lang="en-CA" sz="800" dirty="0">
-                <a:solidFill>
-                  <a:srgbClr val="0070C0"/>
-                </a:solidFill>
-                <a:latin typeface="Courier" pitchFamily="2" charset="0"/>
-              </a:rPr>
-              <a:t>GDH Label                             </a:t>
-            </a:r>
-            <a:r>
-              <a:rPr lang="en-CA" sz="800" dirty="0">
-                <a:latin typeface="Courier" pitchFamily="2" charset="0"/>
-              </a:rPr>
-              <a:t>| TC  |1|  TTL          |</a:t>
-            </a:r>
-          </a:p>
-          <a:p>
-            <a:r>
-              <a:rPr lang="en-CA" sz="800" dirty="0">
-                <a:latin typeface="Courier" pitchFamily="2" charset="0"/>
-              </a:rPr>
-              <a:t>   +-+-+-+-+-+-+-+-+-+-+-+-+-+-+-+-+-+-+-+-+-+-+-+-+-+-+-+-+-+-+-+-+&lt;-+</a:t>
-            </a:r>
-          </a:p>
-          <a:p>
-            <a:r>
-              <a:rPr lang="en-CA" sz="800" dirty="0">
-                <a:latin typeface="Courier" pitchFamily="2" charset="0"/>
-              </a:rPr>
-              <a:t>   |0 0 0 0| </a:t>
-            </a:r>
-            <a:r>
-              <a:rPr lang="en-CA" sz="800" dirty="0" err="1">
-                <a:latin typeface="Courier" pitchFamily="2" charset="0"/>
-              </a:rPr>
-              <a:t>Rsved</a:t>
-            </a:r>
-            <a:r>
-              <a:rPr lang="en-CA" sz="800" dirty="0">
-                <a:latin typeface="Courier" pitchFamily="2" charset="0"/>
-              </a:rPr>
-              <a:t> | </a:t>
-            </a:r>
-            <a:r>
-              <a:rPr lang="en-CA" sz="800" b="1" dirty="0">
-                <a:latin typeface="Courier" pitchFamily="2" charset="0"/>
-              </a:rPr>
-              <a:t>This HDR=IOAM </a:t>
-            </a:r>
-            <a:r>
-              <a:rPr lang="en-CA" sz="800" dirty="0">
-                <a:latin typeface="Courier" pitchFamily="2" charset="0"/>
-              </a:rPr>
-              <a:t>| Header Length |  </a:t>
-            </a:r>
-            <a:r>
-              <a:rPr lang="en-CA" sz="800" b="1" dirty="0">
-                <a:latin typeface="Courier" pitchFamily="2" charset="0"/>
-              </a:rPr>
-              <a:t>Next Header  </a:t>
-            </a:r>
-            <a:r>
-              <a:rPr lang="en-CA" sz="800" dirty="0">
-                <a:latin typeface="Courier" pitchFamily="2" charset="0"/>
-              </a:rPr>
-              <a:t>|  |</a:t>
-            </a:r>
-          </a:p>
-          <a:p>
-            <a:r>
-              <a:rPr lang="en-CA" sz="800" dirty="0">
-                <a:latin typeface="Courier" pitchFamily="2" charset="0"/>
-              </a:rPr>
-              <a:t>   +-+-+-+-+-+-+-+-+-+-+-+-+-+-+-+-+-+-+-+-+-+-+-+-+-+-+-+-+-+-+-+-+  |</a:t>
-            </a:r>
-          </a:p>
-          <a:p>
-            <a:r>
-              <a:rPr lang="en-CA" sz="800" dirty="0">
-                <a:latin typeface="Courier" pitchFamily="2" charset="0"/>
-              </a:rPr>
-              <a:t>   | Reserved      | Block Number  | IOAM-OPT-Type |  Reserved     |  |</a:t>
-            </a:r>
-          </a:p>
-          <a:p>
-            <a:r>
-              <a:rPr lang="en-CA" sz="800" dirty="0">
-                <a:latin typeface="Courier" pitchFamily="2" charset="0"/>
-              </a:rPr>
-              <a:t>   +-+-+-+-+-+-+-+-+-+-+-+-+-+-+-+-+-+-+-+-+-+-+-+-+-+-+-+-+-+-+-+-+  I</a:t>
-            </a:r>
-          </a:p>
-          <a:p>
-            <a:r>
-              <a:rPr lang="en-CA" sz="800" dirty="0">
-                <a:latin typeface="Courier" pitchFamily="2" charset="0"/>
-              </a:rPr>
-              <a:t>   |                                                               |  O</a:t>
-            </a:r>
-          </a:p>
-          <a:p>
-            <a:r>
-              <a:rPr lang="en-CA" sz="800" dirty="0">
-                <a:latin typeface="Courier" pitchFamily="2" charset="0"/>
-              </a:rPr>
-              <a:t>   |                                                               |  A</a:t>
-            </a:r>
-          </a:p>
-          <a:p>
-            <a:r>
-              <a:rPr lang="en-CA" sz="800" dirty="0">
-                <a:latin typeface="Courier" pitchFamily="2" charset="0"/>
-              </a:rPr>
-              <a:t>   ~                 IOAM Option and Data Space                    ~  M</a:t>
-            </a:r>
-          </a:p>
-          <a:p>
-            <a:r>
-              <a:rPr lang="en-CA" sz="800" dirty="0">
-                <a:latin typeface="Courier" pitchFamily="2" charset="0"/>
-              </a:rPr>
-              <a:t>   |                                                               |  |</a:t>
-            </a:r>
-          </a:p>
-          <a:p>
-            <a:r>
-              <a:rPr lang="en-CA" sz="800" dirty="0">
-                <a:latin typeface="Courier" pitchFamily="2" charset="0"/>
-              </a:rPr>
-              <a:t>   |                                                               |  |</a:t>
-            </a:r>
-          </a:p>
-          <a:p>
-            <a:r>
-              <a:rPr lang="en-CA" sz="800" dirty="0">
-                <a:latin typeface="Courier" pitchFamily="2" charset="0"/>
-              </a:rPr>
-              <a:t>   +-+-+-+-+-+-+-+-+-+-+-+-+-+-+-+-+-+-+-+-+-+-+-+-+-+-+-+-+-+-+-+-+&lt;-+</a:t>
-            </a:r>
-          </a:p>
-          <a:p>
-            <a:r>
-              <a:rPr lang="en-CA" sz="800" dirty="0">
-                <a:latin typeface="Courier" pitchFamily="2" charset="0"/>
-              </a:rPr>
-              <a:t>   |                                                               |</a:t>
-            </a:r>
-          </a:p>
-          <a:p>
-            <a:r>
-              <a:rPr lang="en-CA" sz="800" dirty="0">
-                <a:latin typeface="Courier" pitchFamily="2" charset="0"/>
-              </a:rPr>
-              <a:t>   |                                                               |</a:t>
-            </a:r>
-          </a:p>
-          <a:p>
-            <a:r>
-              <a:rPr lang="en-CA" sz="800" dirty="0">
-                <a:latin typeface="Courier" pitchFamily="2" charset="0"/>
-              </a:rPr>
-              <a:t>   ~                 Payload + Padding                             ~</a:t>
-            </a:r>
-          </a:p>
-          <a:p>
-            <a:r>
-              <a:rPr lang="en-CA" sz="800" dirty="0">
-                <a:latin typeface="Courier" pitchFamily="2" charset="0"/>
-              </a:rPr>
-              <a:t>   |                                                               |</a:t>
-            </a:r>
-          </a:p>
-          <a:p>
-            <a:r>
-              <a:rPr lang="en-CA" sz="800" dirty="0">
-                <a:latin typeface="Courier" pitchFamily="2" charset="0"/>
-              </a:rPr>
-              <a:t>   |                                                               |</a:t>
-            </a:r>
-          </a:p>
-          <a:p>
-            <a:r>
-              <a:rPr lang="en-CA" sz="800" dirty="0">
-                <a:latin typeface="Courier" pitchFamily="2" charset="0"/>
-              </a:rPr>
-              <a:t>   +-+-+-+-+-+-+-+-+-+-+-+-+-+-+-+-+-+-+-+-+-+-+-+-+-+-+-+-+-+-+-+-+</a:t>
-            </a:r>
-          </a:p>
-        </p:txBody>
-      </p:sp>
-      <p:sp>
-        <p:nvSpPr>
-          <p:cNvPr id="8" name="Rectangle 7">
-            <a:extLst>
-              <a:ext uri="{FF2B5EF4-FFF2-40B4-BE49-F238E27FC236}">
-                <a16:creationId xmlns:a16="http://schemas.microsoft.com/office/drawing/2014/main" id="{761FCCDE-D57E-354B-B5ED-CBA378AA7CFB}"/>
-              </a:ext>
-            </a:extLst>
-          </p:cNvPr>
-          <p:cNvSpPr/>
-          <p:nvPr/>
-        </p:nvSpPr>
-        <p:spPr>
-          <a:xfrm>
-            <a:off x="4533206" y="666749"/>
-            <a:ext cx="4591001" cy="2677656"/>
-          </a:xfrm>
-          <a:prstGeom prst="rect">
-            <a:avLst/>
-          </a:prstGeom>
-          <a:solidFill>
-            <a:schemeClr val="accent6">
-              <a:lumMod val="20000"/>
-              <a:lumOff val="80000"/>
-            </a:schemeClr>
-          </a:solidFill>
-        </p:spPr>
-        <p:txBody>
-          <a:bodyPr wrap="square">
-            <a:spAutoFit/>
-          </a:bodyPr>
-          <a:lstStyle/>
-          <a:p>
-            <a:r>
-              <a:rPr lang="en-CA" sz="800" dirty="0">
-                <a:latin typeface="Courier" pitchFamily="2" charset="0"/>
-              </a:rPr>
-              <a:t>   0                   1                   2                   3</a:t>
-            </a:r>
-          </a:p>
-          <a:p>
-            <a:r>
-              <a:rPr lang="en-CA" sz="800" dirty="0">
-                <a:latin typeface="Courier" pitchFamily="2" charset="0"/>
-              </a:rPr>
-              <a:t>   0 1 2 3 4 5 6 7 8 9 0 1 2 3 4 5 6 7 8 9 0 1 2 3 4 5 6 7 8 9 0 1</a:t>
-            </a:r>
-          </a:p>
-          <a:p>
-            <a:r>
-              <a:rPr lang="en-CA" sz="800" dirty="0">
-                <a:latin typeface="Courier" pitchFamily="2" charset="0"/>
-              </a:rPr>
-              <a:t>   +-+-+-+-+-+-+-+-+-+-+-+-+-+-+-+-+-+-+-+-+-+-+-+-+-+-+-+-+-+-+-+-+</a:t>
-            </a:r>
-          </a:p>
-          <a:p>
-            <a:r>
-              <a:rPr lang="en-CA" sz="800" dirty="0">
-                <a:latin typeface="Courier" pitchFamily="2" charset="0"/>
-              </a:rPr>
-              <a:t>   | Indicator Label                       | TC  |1|  TTL          |</a:t>
-            </a:r>
-          </a:p>
-          <a:p>
-            <a:r>
-              <a:rPr lang="en-CA" sz="800" dirty="0">
-                <a:latin typeface="Courier" pitchFamily="2" charset="0"/>
-              </a:rPr>
-              <a:t>   +-+-+-+-+-+-+-+-+-+-+-+-+-+-+-+-+-+-+-+-+-+-+-+-+-+-+-+-+-+-+-+-+&lt;-+ </a:t>
-            </a:r>
-          </a:p>
-          <a:p>
-            <a:r>
-              <a:rPr lang="en-CA" sz="800" dirty="0">
-                <a:latin typeface="Courier" pitchFamily="2" charset="0"/>
-              </a:rPr>
-              <a:t>   |0 0 0 1|Version| Reserved      | IOAM G-</a:t>
-            </a:r>
-            <a:r>
-              <a:rPr lang="en-CA" sz="800" dirty="0" err="1">
-                <a:latin typeface="Courier" pitchFamily="2" charset="0"/>
-              </a:rPr>
-              <a:t>ACh</a:t>
-            </a:r>
-            <a:r>
-              <a:rPr lang="en-CA" sz="800" dirty="0">
-                <a:latin typeface="Courier" pitchFamily="2" charset="0"/>
-              </a:rPr>
-              <a:t> (Type TBA3)        |  | </a:t>
-            </a:r>
-          </a:p>
-          <a:p>
-            <a:r>
-              <a:rPr lang="en-CA" sz="800" dirty="0">
-                <a:latin typeface="Courier" pitchFamily="2" charset="0"/>
-              </a:rPr>
-              <a:t>   +-+-+-+-+-+-+-+-+-+-+-+-+-+-+-+-+-+-+-+-+-+-+-+-+-+-+-+-+-+-+-+-+  | </a:t>
-            </a:r>
-          </a:p>
-          <a:p>
-            <a:r>
-              <a:rPr lang="en-CA" sz="800" dirty="0">
-                <a:latin typeface="Courier" pitchFamily="2" charset="0"/>
-              </a:rPr>
-              <a:t>   | Reserved      | Block Number  | IOAM-OPT-Type |IOAM HDR Length|  |</a:t>
-            </a:r>
-          </a:p>
-          <a:p>
-            <a:r>
-              <a:rPr lang="en-CA" sz="800" dirty="0">
-                <a:latin typeface="Courier" pitchFamily="2" charset="0"/>
-              </a:rPr>
-              <a:t>   +-+-+-+-+-+-+-+-+-+-+-+-+-+-+-+-+-+-+-+-+-+-+-+-+-+-+-+-+-+-+-+-+  I</a:t>
-            </a:r>
-          </a:p>
-          <a:p>
-            <a:r>
-              <a:rPr lang="en-CA" sz="800" dirty="0">
-                <a:latin typeface="Courier" pitchFamily="2" charset="0"/>
-              </a:rPr>
-              <a:t>   |                                                               |  O</a:t>
-            </a:r>
-          </a:p>
-          <a:p>
-            <a:r>
-              <a:rPr lang="en-CA" sz="800" dirty="0">
-                <a:latin typeface="Courier" pitchFamily="2" charset="0"/>
-              </a:rPr>
-              <a:t>   |                                                               |  A</a:t>
-            </a:r>
-          </a:p>
-          <a:p>
-            <a:r>
-              <a:rPr lang="en-CA" sz="800" dirty="0">
-                <a:latin typeface="Courier" pitchFamily="2" charset="0"/>
-              </a:rPr>
-              <a:t>   ~                 IOAM Option and Data Space                    ~  M</a:t>
-            </a:r>
-          </a:p>
-          <a:p>
-            <a:r>
-              <a:rPr lang="en-CA" sz="800" dirty="0">
-                <a:latin typeface="Courier" pitchFamily="2" charset="0"/>
-              </a:rPr>
-              <a:t>   |                                                               |  |</a:t>
-            </a:r>
-          </a:p>
-          <a:p>
-            <a:r>
-              <a:rPr lang="en-CA" sz="800" dirty="0">
-                <a:latin typeface="Courier" pitchFamily="2" charset="0"/>
-              </a:rPr>
-              <a:t>   |                                                               |  |</a:t>
-            </a:r>
-          </a:p>
-          <a:p>
-            <a:r>
-              <a:rPr lang="en-CA" sz="800" dirty="0">
-                <a:latin typeface="Courier" pitchFamily="2" charset="0"/>
-              </a:rPr>
-              <a:t>   +-+-+-+-+-+-+-+-+-+-+-+-+-+-+-+-+-+-+-+-+-+-+-+-+-+-+-+-+-+-+-+-+&lt;-+</a:t>
-            </a:r>
-          </a:p>
-          <a:p>
-            <a:r>
-              <a:rPr lang="en-CA" sz="800" dirty="0">
-                <a:latin typeface="Courier" pitchFamily="2" charset="0"/>
-              </a:rPr>
-              <a:t>   |                                                               |</a:t>
-            </a:r>
-          </a:p>
-          <a:p>
-            <a:r>
-              <a:rPr lang="en-CA" sz="800" dirty="0">
-                <a:latin typeface="Courier" pitchFamily="2" charset="0"/>
-              </a:rPr>
-              <a:t>   |                                                               |</a:t>
-            </a:r>
-          </a:p>
-          <a:p>
-            <a:r>
-              <a:rPr lang="en-CA" sz="800" dirty="0">
-                <a:latin typeface="Courier" pitchFamily="2" charset="0"/>
-              </a:rPr>
-              <a:t>   ~                 Payload + Padding                             ~</a:t>
-            </a:r>
-          </a:p>
-          <a:p>
-            <a:r>
-              <a:rPr lang="en-CA" sz="800" dirty="0">
-                <a:latin typeface="Courier" pitchFamily="2" charset="0"/>
-              </a:rPr>
-              <a:t>   |                                                               |</a:t>
-            </a:r>
-          </a:p>
-          <a:p>
-            <a:r>
-              <a:rPr lang="en-CA" sz="800" dirty="0">
-                <a:latin typeface="Courier" pitchFamily="2" charset="0"/>
-              </a:rPr>
-              <a:t>   |                                                               |</a:t>
-            </a:r>
-          </a:p>
-          <a:p>
-            <a:r>
-              <a:rPr lang="en-CA" sz="800" dirty="0">
-                <a:latin typeface="Courier" pitchFamily="2" charset="0"/>
-              </a:rPr>
-              <a:t>   +-+-+-+-+-+-+-+-+-+-+-+-+-+-+-+-+-+-+-+-+-+-+-+-+-+-+-+-+-+-+-+-+</a:t>
-            </a:r>
-          </a:p>
-        </p:txBody>
-      </p:sp>
-    </p:spTree>
-    <p:extLst>
-      <p:ext uri="{BB962C8B-B14F-4D97-AF65-F5344CB8AC3E}">
-        <p14:creationId xmlns:p14="http://schemas.microsoft.com/office/powerpoint/2010/main" val="4008361696"/>
-      </p:ext>
-    </p:extLst>
-  </p:cSld>
-  <p:clrMapOvr>
-    <a:masterClrMapping/>
-  </p:clrMapOvr>
-</p:sld>
-</file>
-
-<file path=ppt/slides/slide32.xml><?xml version="1.0" encoding="utf-8"?>
-<p:sld xmlns:a="http://schemas.openxmlformats.org/drawingml/2006/main" xmlns:r="http://schemas.openxmlformats.org/officeDocument/2006/relationships" xmlns:p="http://schemas.openxmlformats.org/presentationml/2006/main">
-  <p:cSld>
-    <p:spTree>
-      <p:nvGrpSpPr>
-        <p:cNvPr id="1" name=""/>
-        <p:cNvGrpSpPr/>
-        <p:nvPr/>
-      </p:nvGrpSpPr>
-      <p:grpSpPr>
-        <a:xfrm>
-          <a:off x="0" y="0"/>
-          <a:ext cx="0" cy="0"/>
-          <a:chOff x="0" y="0"/>
-          <a:chExt cx="0" cy="0"/>
-        </a:xfrm>
-      </p:grpSpPr>
-      <p:sp>
-        <p:nvSpPr>
-          <p:cNvPr id="4" name="Footer Placeholder 3"/>
-          <p:cNvSpPr>
-            <a:spLocks noGrp="1"/>
-          </p:cNvSpPr>
-          <p:nvPr>
-            <p:ph type="ftr" sz="quarter" idx="11"/>
-          </p:nvPr>
-        </p:nvSpPr>
-        <p:spPr>
-          <a:xfrm>
-            <a:off x="3124200" y="4787315"/>
-            <a:ext cx="2895600" cy="357188"/>
-          </a:xfrm>
-        </p:spPr>
-        <p:txBody>
-          <a:bodyPr/>
-          <a:lstStyle/>
-          <a:p>
-            <a:r>
-              <a:rPr lang="en-CA" dirty="0"/>
-              <a:t>110</a:t>
-            </a:r>
-            <a:r>
-              <a:rPr lang="en-CA" baseline="30000" dirty="0"/>
-              <a:t>th</a:t>
-            </a:r>
-            <a:r>
-              <a:rPr lang="en-CA" dirty="0"/>
-              <a:t> IETF Online</a:t>
-            </a:r>
-          </a:p>
-        </p:txBody>
-      </p:sp>
-      <p:sp>
-        <p:nvSpPr>
-          <p:cNvPr id="5" name="Rectangle 2"/>
-          <p:cNvSpPr txBox="1">
-            <a:spLocks noChangeArrowheads="1"/>
-          </p:cNvSpPr>
-          <p:nvPr/>
-        </p:nvSpPr>
-        <p:spPr bwMode="auto">
-          <a:xfrm>
-            <a:off x="685800" y="1657350"/>
-            <a:ext cx="7772400" cy="1102519"/>
-          </a:xfrm>
-          <a:prstGeom prst="rect">
-            <a:avLst/>
-          </a:prstGeom>
-          <a:noFill/>
-          <a:ln w="9525">
-            <a:noFill/>
-            <a:miter lim="800000"/>
-            <a:headEnd/>
-            <a:tailEnd/>
-          </a:ln>
-          <a:effectLst/>
-        </p:spPr>
-        <p:txBody>
-          <a:bodyPr vert="horz" wrap="square" lIns="91440" tIns="45720" rIns="91440" bIns="45720" numCol="1" anchor="ctr" anchorCtr="0" compatLnSpc="1">
-            <a:prstTxWarp prst="textNoShape">
-              <a:avLst/>
-            </a:prstTxWarp>
-          </a:bodyPr>
-          <a:lstStyle>
-            <a:lvl1pPr algn="ctr" rtl="0" eaLnBrk="0" fontAlgn="base" hangingPunct="0">
-              <a:spcBef>
-                <a:spcPct val="0"/>
-              </a:spcBef>
-              <a:spcAft>
-                <a:spcPct val="0"/>
-              </a:spcAft>
-              <a:defRPr sz="4400">
-                <a:solidFill>
-                  <a:schemeClr val="tx2"/>
-                </a:solidFill>
-                <a:latin typeface="+mj-lt"/>
-                <a:ea typeface="+mj-ea"/>
-                <a:cs typeface="+mj-cs"/>
-              </a:defRPr>
-            </a:lvl1pPr>
-            <a:lvl2pPr algn="ctr" rtl="0" eaLnBrk="0" fontAlgn="base" hangingPunct="0">
-              <a:spcBef>
-                <a:spcPct val="0"/>
-              </a:spcBef>
-              <a:spcAft>
-                <a:spcPct val="0"/>
-              </a:spcAft>
-              <a:defRPr sz="4400">
-                <a:solidFill>
-                  <a:schemeClr val="tx2"/>
-                </a:solidFill>
-                <a:latin typeface="Arial" charset="0"/>
-                <a:ea typeface="宋体" pitchFamily="2" charset="-122"/>
-              </a:defRPr>
-            </a:lvl2pPr>
-            <a:lvl3pPr algn="ctr" rtl="0" eaLnBrk="0" fontAlgn="base" hangingPunct="0">
-              <a:spcBef>
-                <a:spcPct val="0"/>
-              </a:spcBef>
-              <a:spcAft>
-                <a:spcPct val="0"/>
-              </a:spcAft>
-              <a:defRPr sz="4400">
-                <a:solidFill>
-                  <a:schemeClr val="tx2"/>
-                </a:solidFill>
-                <a:latin typeface="Arial" charset="0"/>
-                <a:ea typeface="宋体" pitchFamily="2" charset="-122"/>
-              </a:defRPr>
-            </a:lvl3pPr>
-            <a:lvl4pPr algn="ctr" rtl="0" eaLnBrk="0" fontAlgn="base" hangingPunct="0">
-              <a:spcBef>
-                <a:spcPct val="0"/>
-              </a:spcBef>
-              <a:spcAft>
-                <a:spcPct val="0"/>
-              </a:spcAft>
-              <a:defRPr sz="4400">
-                <a:solidFill>
-                  <a:schemeClr val="tx2"/>
-                </a:solidFill>
-                <a:latin typeface="Arial" charset="0"/>
-                <a:ea typeface="宋体" pitchFamily="2" charset="-122"/>
-              </a:defRPr>
-            </a:lvl4pPr>
-            <a:lvl5pPr algn="ctr" rtl="0" eaLnBrk="0" fontAlgn="base" hangingPunct="0">
-              <a:spcBef>
-                <a:spcPct val="0"/>
-              </a:spcBef>
-              <a:spcAft>
-                <a:spcPct val="0"/>
-              </a:spcAft>
-              <a:defRPr sz="4400">
-                <a:solidFill>
-                  <a:schemeClr val="tx2"/>
-                </a:solidFill>
-                <a:latin typeface="Arial" charset="0"/>
-                <a:ea typeface="宋体" pitchFamily="2" charset="-122"/>
-              </a:defRPr>
-            </a:lvl5pPr>
-            <a:lvl6pPr marL="457200" algn="ctr" rtl="0" fontAlgn="base">
-              <a:spcBef>
-                <a:spcPct val="0"/>
-              </a:spcBef>
-              <a:spcAft>
-                <a:spcPct val="0"/>
-              </a:spcAft>
-              <a:defRPr sz="4400">
-                <a:solidFill>
-                  <a:schemeClr val="tx2"/>
-                </a:solidFill>
-                <a:latin typeface="Arial" charset="0"/>
-                <a:ea typeface="宋体" pitchFamily="2" charset="-122"/>
-              </a:defRPr>
-            </a:lvl6pPr>
-            <a:lvl7pPr marL="914400" algn="ctr" rtl="0" fontAlgn="base">
-              <a:spcBef>
-                <a:spcPct val="0"/>
-              </a:spcBef>
-              <a:spcAft>
-                <a:spcPct val="0"/>
-              </a:spcAft>
-              <a:defRPr sz="4400">
-                <a:solidFill>
-                  <a:schemeClr val="tx2"/>
-                </a:solidFill>
-                <a:latin typeface="Arial" charset="0"/>
-                <a:ea typeface="宋体" pitchFamily="2" charset="-122"/>
-              </a:defRPr>
-            </a:lvl7pPr>
-            <a:lvl8pPr marL="1371600" algn="ctr" rtl="0" fontAlgn="base">
-              <a:spcBef>
-                <a:spcPct val="0"/>
-              </a:spcBef>
-              <a:spcAft>
-                <a:spcPct val="0"/>
-              </a:spcAft>
-              <a:defRPr sz="4400">
-                <a:solidFill>
-                  <a:schemeClr val="tx2"/>
-                </a:solidFill>
-                <a:latin typeface="Arial" charset="0"/>
-                <a:ea typeface="宋体" pitchFamily="2" charset="-122"/>
-              </a:defRPr>
-            </a:lvl8pPr>
-            <a:lvl9pPr marL="1828800" algn="ctr" rtl="0" fontAlgn="base">
-              <a:spcBef>
-                <a:spcPct val="0"/>
-              </a:spcBef>
-              <a:spcAft>
-                <a:spcPct val="0"/>
-              </a:spcAft>
-              <a:defRPr sz="4400">
-                <a:solidFill>
-                  <a:schemeClr val="tx2"/>
-                </a:solidFill>
-                <a:latin typeface="Arial" charset="0"/>
-                <a:ea typeface="宋体" pitchFamily="2" charset="-122"/>
-              </a:defRPr>
-            </a:lvl9pPr>
-          </a:lstStyle>
-          <a:p>
-            <a:pPr eaLnBrk="1" hangingPunct="1">
-              <a:defRPr/>
-            </a:pPr>
-            <a:r>
-              <a:rPr lang="en-US" altLang="zh-CN" sz="4000" kern="0" dirty="0">
-                <a:effectLst>
-                  <a:outerShdw blurRad="38100" dist="38100" dir="2700000" algn="tl">
-                    <a:srgbClr val="C0C0C0"/>
-                  </a:outerShdw>
-                </a:effectLst>
-                <a:latin typeface="Calibri" charset="0"/>
-                <a:ea typeface="Calibri" charset="0"/>
-                <a:cs typeface="Calibri" charset="0"/>
-              </a:rPr>
-              <a:t>Thank you</a:t>
-            </a:r>
-          </a:p>
-        </p:txBody>
-      </p:sp>
-      <p:sp>
-        <p:nvSpPr>
-          <p:cNvPr id="2" name="Slide Number Placeholder 1"/>
-          <p:cNvSpPr>
-            <a:spLocks noGrp="1"/>
-          </p:cNvSpPr>
-          <p:nvPr>
-            <p:ph type="sldNum" sz="quarter" idx="12"/>
-          </p:nvPr>
-        </p:nvSpPr>
-        <p:spPr/>
-        <p:txBody>
-          <a:bodyPr/>
-          <a:lstStyle/>
-          <a:p>
-            <a:pPr>
-              <a:defRPr/>
-            </a:pPr>
-            <a:fld id="{BD6E0F59-1DD8-40FC-9C92-B6295CBA6CCA}" type="slidenum">
-              <a:rPr lang="en-US" altLang="zh-CN" smtClean="0"/>
-              <a:pPr>
-                <a:defRPr/>
-              </a:pPr>
-              <a:t>32</a:t>
-            </a:fld>
-            <a:endParaRPr lang="en-US" altLang="zh-CN"/>
-          </a:p>
-        </p:txBody>
-      </p:sp>
-    </p:spTree>
-    <p:extLst>
-      <p:ext uri="{BB962C8B-B14F-4D97-AF65-F5344CB8AC3E}">
-        <p14:creationId xmlns:p14="http://schemas.microsoft.com/office/powerpoint/2010/main" val="654570542"/>
       </p:ext>
     </p:extLst>
   </p:cSld>

--- a/draft-gandhi-mpls-ioam-sr-06.pptx
+++ b/draft-gandhi-mpls-ioam-sr-06.pptx
@@ -7497,14 +7497,27 @@
               <a:buAutoNum type="arabicPeriod"/>
             </a:pPr>
             <a:r>
-              <a:rPr lang="en-CA" sz="1600" dirty="0"/>
+              <a:rPr lang="en-CA" sz="1400" dirty="0"/>
               <a:t>E2E IOAM includes IOAM processing on encapsulating and decapsulating nodes.</a:t>
             </a:r>
             <a:r>
-              <a:rPr lang="en-CA" sz="1600" b="1" dirty="0"/>
-              <a:t> The only E2E Option-Type is carried in the IOAM data field.</a:t>
-            </a:r>
-            <a:endParaRPr lang="en-CA" sz="1600" dirty="0"/>
+              <a:rPr lang="en-CA" sz="1400" b="1" dirty="0"/>
+              <a:t> </a:t>
+            </a:r>
+          </a:p>
+          <a:p>
+            <a:pPr marL="857250" lvl="1" indent="-457200">
+              <a:lnSpc>
+                <a:spcPts val="2140"/>
+              </a:lnSpc>
+              <a:spcBef>
+                <a:spcPts val="600"/>
+              </a:spcBef>
+            </a:pPr>
+            <a:r>
+              <a:rPr lang="en-CA" sz="1400" dirty="0"/>
+              <a:t>Only E2E Option-Type is carried in the IOAM data field.</a:t>
+            </a:r>
           </a:p>
           <a:p>
             <a:pPr marL="457200" lvl="0" indent="-457200">
@@ -7518,7 +7531,7 @@
               <a:buAutoNum type="arabicPeriod"/>
             </a:pPr>
             <a:r>
-              <a:rPr lang="en-CA" sz="1600" dirty="0"/>
+              <a:rPr lang="en-CA" sz="1400" dirty="0"/>
               <a:t>The encapsulating node inserts an E2E Indicator Label and one or more IOAM data field(s) in the MPLS header.</a:t>
             </a:r>
           </a:p>
@@ -7534,7 +7547,7 @@
               <a:buAutoNum type="arabicPeriod"/>
             </a:pPr>
             <a:r>
-              <a:rPr lang="en-CA" sz="1600" dirty="0"/>
+              <a:rPr lang="en-CA" sz="1400" dirty="0"/>
               <a:t>The intermediate (intermediate) nodes do not process IOAM data.</a:t>
             </a:r>
           </a:p>
@@ -7550,23 +7563,21 @@
               <a:buAutoNum type="arabicPeriod"/>
             </a:pPr>
             <a:r>
-              <a:rPr lang="en-CA" sz="1600" dirty="0"/>
+              <a:rPr lang="en-CA" sz="1400" dirty="0"/>
               <a:t>The decapsulating node “punts the timestamped copy” of the data packet including IOAM data field(s). </a:t>
             </a:r>
           </a:p>
           <a:p>
-            <a:pPr marL="857250" lvl="1" indent="-457200">
+            <a:pPr marL="685800" lvl="1">
               <a:lnSpc>
                 <a:spcPts val="2140"/>
               </a:lnSpc>
               <a:spcBef>
                 <a:spcPts val="600"/>
               </a:spcBef>
-              <a:buFont typeface="+mj-lt"/>
-              <a:buAutoNum type="alphaLcPeriod"/>
             </a:pPr>
             <a:r>
-              <a:rPr lang="en-CA" sz="1600" dirty="0"/>
+              <a:rPr lang="en-CA" sz="1400" dirty="0"/>
               <a:t>The decapsulating node processes IOAM data field(s) from the punted packet.</a:t>
             </a:r>
           </a:p>
@@ -7582,23 +7593,21 @@
               <a:buAutoNum type="arabicPeriod"/>
             </a:pPr>
             <a:r>
-              <a:rPr lang="en-CA" sz="1600" dirty="0"/>
+              <a:rPr lang="en-CA" sz="1400" dirty="0"/>
               <a:t>The decapsulating node also pops the IOAM Indicator Label and the IOAM data field(s) from the MPLS encapsulation.</a:t>
             </a:r>
           </a:p>
           <a:p>
-            <a:pPr marL="857250" lvl="1" indent="-457200">
+            <a:pPr marL="685800" lvl="1">
               <a:lnSpc>
                 <a:spcPts val="2140"/>
               </a:lnSpc>
               <a:spcBef>
                 <a:spcPts val="600"/>
               </a:spcBef>
-              <a:buFont typeface="+mj-lt"/>
-              <a:buAutoNum type="alphaLcPeriod"/>
             </a:pPr>
             <a:r>
-              <a:rPr lang="en-CA" sz="1600" dirty="0"/>
+              <a:rPr lang="en-CA" sz="1400" dirty="0"/>
               <a:t>The decapsulating node forwards the data packet downstream.</a:t>
             </a:r>
           </a:p>
@@ -8536,8 +8545,8 @@
         </p:nvSpPr>
         <p:spPr>
           <a:xfrm>
-            <a:off x="609600" y="994547"/>
-            <a:ext cx="7924800" cy="3352800"/>
+            <a:off x="533400" y="922088"/>
+            <a:ext cx="8001000" cy="3689372"/>
           </a:xfrm>
         </p:spPr>
         <p:txBody>
@@ -8549,11 +8558,11 @@
               <a:buAutoNum type="arabicPeriod"/>
             </a:pPr>
             <a:r>
-              <a:rPr lang="en-CA" sz="1600" dirty="0"/>
+              <a:rPr lang="en-CA" sz="1400" dirty="0"/>
               <a:t>Extension Label (15) and Label assigned by IANA with value </a:t>
             </a:r>
             <a:r>
-              <a:rPr lang="en-CA" sz="1600" dirty="0">
+              <a:rPr lang="en-CA" sz="1400" dirty="0">
                 <a:solidFill>
                   <a:srgbClr val="0070C0"/>
                 </a:solidFill>
@@ -8562,38 +8571,32 @@
             </a:r>
           </a:p>
           <a:p>
-            <a:pPr lvl="1" indent="-342900">
-              <a:buFont typeface="Wingdings" pitchFamily="2" charset="2"/>
-              <a:buChar char="§"/>
-            </a:pPr>
-            <a:r>
-              <a:rPr lang="en-CA" sz="1600" dirty="0"/>
+            <a:pPr marL="685800" lvl="1"/>
+            <a:r>
+              <a:rPr lang="en-CA" sz="1400" dirty="0"/>
               <a:t>From Extended Special Purpose Labels (</a:t>
             </a:r>
             <a:r>
-              <a:rPr lang="en-CA" sz="1600" dirty="0" err="1"/>
+              <a:rPr lang="en-CA" sz="1400" dirty="0" err="1"/>
               <a:t>eSPL</a:t>
             </a:r>
             <a:r>
-              <a:rPr lang="en-CA" sz="1600" dirty="0"/>
+              <a:rPr lang="en-CA" sz="1400" dirty="0"/>
               <a:t>) range</a:t>
             </a:r>
           </a:p>
           <a:p>
-            <a:pPr lvl="1" indent="-342900">
-              <a:buFont typeface="Wingdings" pitchFamily="2" charset="2"/>
-              <a:buChar char="§"/>
-            </a:pPr>
-            <a:r>
-              <a:rPr lang="en-CA" sz="1600" dirty="0"/>
+            <a:pPr marL="685800" lvl="1"/>
+            <a:r>
+              <a:rPr lang="en-CA" sz="1400" dirty="0"/>
               <a:t>Both Labels are carried at the </a:t>
             </a:r>
             <a:r>
-              <a:rPr lang="en-CA" sz="1600" b="1" dirty="0"/>
+              <a:rPr lang="en-CA" sz="1400" b="1" dirty="0"/>
               <a:t>bottom</a:t>
             </a:r>
             <a:r>
-              <a:rPr lang="en-CA" sz="1600" dirty="0"/>
+              <a:rPr lang="en-CA" sz="1400" dirty="0"/>
               <a:t> of the label stack (as top label can break heterogenous network)</a:t>
             </a:r>
           </a:p>
@@ -8603,35 +8606,29 @@
               <a:buAutoNum type="arabicPeriod"/>
             </a:pPr>
             <a:r>
-              <a:rPr lang="en-CA" sz="1600" dirty="0"/>
+              <a:rPr lang="en-CA" sz="1400" dirty="0"/>
               <a:t>Global Label allocated by a controller</a:t>
             </a:r>
           </a:p>
           <a:p>
-            <a:pPr lvl="1" indent="-342900">
-              <a:buFont typeface="Wingdings" pitchFamily="2" charset="2"/>
-              <a:buChar char="§"/>
-            </a:pPr>
-            <a:r>
-              <a:rPr lang="en-CA" sz="1600" dirty="0"/>
+            <a:pPr marL="685800" lvl="1"/>
+            <a:r>
+              <a:rPr lang="en-CA" sz="1400" dirty="0"/>
               <a:t>The controller provisions the label on encapsulating, intermediate and decapsulating nodes</a:t>
             </a:r>
           </a:p>
           <a:p>
-            <a:pPr lvl="1" indent="-342900">
-              <a:buFont typeface="Wingdings" pitchFamily="2" charset="2"/>
-              <a:buChar char="§"/>
-            </a:pPr>
-            <a:r>
-              <a:rPr lang="en-CA" sz="1600" dirty="0"/>
+            <a:pPr marL="685800" lvl="1"/>
+            <a:r>
+              <a:rPr lang="en-CA" sz="1400" dirty="0"/>
               <a:t>The Label is carried at the </a:t>
             </a:r>
             <a:r>
-              <a:rPr lang="en-CA" sz="1600" b="1" dirty="0"/>
+              <a:rPr lang="en-CA" sz="1400" b="1" dirty="0"/>
               <a:t>bottom</a:t>
             </a:r>
             <a:r>
-              <a:rPr lang="en-CA" sz="1600" dirty="0"/>
+              <a:rPr lang="en-CA" sz="1400" dirty="0"/>
               <a:t> of the label stack (as top label can break heterogenous network)</a:t>
             </a:r>
           </a:p>
@@ -8641,35 +8638,29 @@
               <a:buAutoNum type="arabicPeriod"/>
             </a:pPr>
             <a:r>
-              <a:rPr lang="en-CA" sz="1600" dirty="0"/>
+              <a:rPr lang="en-CA" sz="1400" dirty="0"/>
               <a:t>The IOAM Label allocated by the intermediate and decapsulating nodes</a:t>
             </a:r>
           </a:p>
           <a:p>
-            <a:pPr lvl="1" indent="-342900">
-              <a:buFont typeface="Wingdings" pitchFamily="2" charset="2"/>
-              <a:buChar char="§"/>
-            </a:pPr>
-            <a:r>
-              <a:rPr lang="en-CA" sz="1600" dirty="0"/>
+            <a:pPr marL="685800" lvl="1"/>
+            <a:r>
+              <a:rPr lang="en-CA" sz="1400" dirty="0"/>
               <a:t>Signaling/advertisement extensions needed to convey the label to all encapsulating nodes (out of scope)</a:t>
             </a:r>
           </a:p>
           <a:p>
-            <a:pPr lvl="1" indent="-342900">
-              <a:buFont typeface="Wingdings" pitchFamily="2" charset="2"/>
-              <a:buChar char="§"/>
-            </a:pPr>
-            <a:r>
-              <a:rPr lang="en-CA" sz="1600" dirty="0"/>
+            <a:pPr marL="685800" lvl="1"/>
+            <a:r>
+              <a:rPr lang="en-CA" sz="1400" dirty="0"/>
               <a:t>The Label is carried at the </a:t>
             </a:r>
             <a:r>
-              <a:rPr lang="en-CA" sz="1600" b="1" dirty="0"/>
+              <a:rPr lang="en-CA" sz="1400" b="1" dirty="0"/>
               <a:t>top</a:t>
             </a:r>
             <a:r>
-              <a:rPr lang="en-CA" sz="1600" dirty="0"/>
+              <a:rPr lang="en-CA" sz="1400" dirty="0"/>
               <a:t> of the label stack</a:t>
             </a:r>
           </a:p>
@@ -9736,15 +9727,21 @@
             </a:r>
             <a:r>
               <a:rPr lang="en-CA" sz="1400" dirty="0"/>
-              <a:t> IOAM includes IOAM processing on encapsulating, intermediate and decapsulating nodes. Both </a:t>
-            </a:r>
-            <a:r>
-              <a:rPr lang="en-CA" sz="1400" dirty="0" err="1"/>
-              <a:t>HbH</a:t>
-            </a:r>
+              <a:t> IOAM includes IOAM processing on encapsulating, intermediate and decapsulating nodes. </a:t>
+            </a:r>
+          </a:p>
+          <a:p>
+            <a:pPr marL="685800" lvl="1">
+              <a:lnSpc>
+                <a:spcPts val="1820"/>
+              </a:lnSpc>
+              <a:spcBef>
+                <a:spcPts val="600"/>
+              </a:spcBef>
+            </a:pPr>
             <a:r>
               <a:rPr lang="en-CA" sz="1400" dirty="0"/>
-              <a:t> (Pre-allocated, Incremental, Proof of Transit) and E2E Option-Types can be carried in the IOAM data field(s).</a:t>
+              <a:t>Pre-allocated, Incremental, Proof of Transit and E2E Option-Types are carried in the IOAM data field(s).</a:t>
             </a:r>
           </a:p>
           <a:p>
@@ -9824,15 +9821,13 @@
             </a:r>
           </a:p>
           <a:p>
-            <a:pPr marL="857250" lvl="1" indent="-457200">
+            <a:pPr marL="685800" lvl="1">
               <a:lnSpc>
                 <a:spcPts val="1820"/>
               </a:lnSpc>
               <a:spcBef>
                 <a:spcPts val="600"/>
               </a:spcBef>
-              <a:buFont typeface="+mj-lt"/>
-              <a:buAutoNum type="alphaLcPeriod"/>
             </a:pPr>
             <a:r>
               <a:rPr lang="en-CA" sz="1400" dirty="0"/>
@@ -9856,15 +9851,13 @@
             </a:r>
           </a:p>
           <a:p>
-            <a:pPr marL="857250" lvl="1" indent="-457200">
+            <a:pPr marL="685800" lvl="1">
               <a:lnSpc>
                 <a:spcPts val="1820"/>
               </a:lnSpc>
               <a:spcBef>
                 <a:spcPts val="600"/>
               </a:spcBef>
-              <a:buFont typeface="+mj-lt"/>
-              <a:buAutoNum type="alphaLcPeriod"/>
             </a:pPr>
             <a:r>
               <a:rPr lang="en-CA" sz="1400" dirty="0"/>
@@ -10479,7 +10472,7 @@
                 <a:latin typeface="Calibri Light" panose="020F0302020204030204" pitchFamily="34" charset="0"/>
                 <a:cs typeface="Calibri Light" panose="020F0302020204030204" pitchFamily="34" charset="0"/>
               </a:rPr>
-              <a:t>IOAM Data Fields with Control Word and Another G-</a:t>
+              <a:t>IOAM Data Fields with Control Word and Additional G-</a:t>
             </a:r>
             <a:r>
               <a:rPr lang="en-US" sz="2800" dirty="0" err="1">
@@ -10582,7 +10575,7 @@
                 <a:latin typeface="Calibri" panose="020F0502020204030204" pitchFamily="34" charset="0"/>
                 <a:cs typeface="Calibri" panose="020F0502020204030204" pitchFamily="34" charset="0"/>
               </a:rPr>
-              <a:t>The Control Word or another G-</a:t>
+              <a:t>The Control Word or additional G-</a:t>
             </a:r>
             <a:r>
               <a:rPr lang="en-CA" sz="1600" dirty="0" err="1">
@@ -11291,7 +11284,7 @@
           <a:lstStyle/>
           <a:p>
             <a:r>
-              <a:rPr lang="en-CA" sz="2600" dirty="0">
+              <a:rPr lang="en-CA" sz="2400" dirty="0">
                 <a:solidFill>
                   <a:srgbClr val="0070C0"/>
                 </a:solidFill>
@@ -11301,7 +11294,7 @@
               <a:t>MPLS </a:t>
             </a:r>
             <a:r>
-              <a:rPr lang="en-CA" sz="2600" dirty="0" err="1">
+              <a:rPr lang="en-CA" sz="2400" dirty="0" err="1">
                 <a:solidFill>
                   <a:srgbClr val="0070C0"/>
                 </a:solidFill>
@@ -11311,17 +11304,17 @@
               <a:t>Encap</a:t>
             </a:r>
             <a:r>
-              <a:rPr lang="en-CA" sz="2600" dirty="0">
+              <a:rPr lang="en-CA" sz="2400" dirty="0">
                 <a:solidFill>
                   <a:srgbClr val="0070C0"/>
                 </a:solidFill>
                 <a:latin typeface="Calibri Light" panose="020F0302020204030204" pitchFamily="34" charset="0"/>
                 <a:cs typeface="Calibri Light" panose="020F0302020204030204" pitchFamily="34" charset="0"/>
               </a:rPr>
-              <a:t> with Another G-</a:t>
-            </a:r>
-            <a:r>
-              <a:rPr lang="en-CA" sz="2600" dirty="0" err="1">
+              <a:t> with Additional G-</a:t>
+            </a:r>
+            <a:r>
+              <a:rPr lang="en-CA" sz="2400" dirty="0" err="1">
                 <a:solidFill>
                   <a:srgbClr val="0070C0"/>
                 </a:solidFill>
@@ -11331,7 +11324,7 @@
               <a:t>ACh</a:t>
             </a:r>
             <a:r>
-              <a:rPr lang="en-CA" sz="2600" dirty="0">
+              <a:rPr lang="en-CA" sz="2400" dirty="0">
                 <a:solidFill>
                   <a:srgbClr val="0070C0"/>
                 </a:solidFill>
@@ -11340,7 +11333,7 @@
               </a:rPr>
               <a:t> [RFC5586] with IOAM Data Fields</a:t>
             </a:r>
-            <a:endParaRPr lang="en-US" sz="2600" dirty="0">
+            <a:endParaRPr lang="en-US" sz="2400" dirty="0">
               <a:solidFill>
                 <a:srgbClr val="0070C0"/>
               </a:solidFill>
@@ -11440,8 +11433,8 @@
         </p:nvSpPr>
         <p:spPr>
           <a:xfrm>
-            <a:off x="1885950" y="803763"/>
-            <a:ext cx="5372100" cy="3831818"/>
+            <a:off x="1709737" y="812304"/>
+            <a:ext cx="5724525" cy="3831818"/>
           </a:xfrm>
           <a:prstGeom prst="rect">
             <a:avLst/>
@@ -11716,7 +11709,7 @@
               <a:rPr lang="en-CA" sz="900" dirty="0">
                 <a:latin typeface="Courier" pitchFamily="2" charset="0"/>
               </a:rPr>
-              <a:t>Figure: Example MPLS Encapsulation with Another G-</a:t>
+              <a:t>Figure: Example MPLS Encapsulation with Additional G-</a:t>
             </a:r>
             <a:r>
               <a:rPr lang="en-CA" sz="900" dirty="0" err="1">

--- a/draft-gandhi-mpls-ioam-sr-06.pptx
+++ b/draft-gandhi-mpls-ioam-sr-06.pptx
@@ -12542,7 +12542,7 @@
                 <a:latin typeface="Calibri Light" panose="020F0302020204030204" pitchFamily="34" charset="0"/>
                 <a:cs typeface="Calibri Light" panose="020F0302020204030204" pitchFamily="34" charset="0"/>
               </a:rPr>
-              <a:t>Example 2 - </a:t>
+              <a:t>Example - </a:t>
             </a:r>
             <a:r>
               <a:rPr lang="en-US" sz="2400" dirty="0" err="1">
@@ -13098,6 +13098,16 @@
           <a:lstStyle/>
           <a:p>
             <a:r>
+              <a:rPr lang="en-US" sz="2400">
+                <a:solidFill>
+                  <a:srgbClr val="0070C0"/>
+                </a:solidFill>
+                <a:latin typeface="Calibri Light" panose="020F0302020204030204" pitchFamily="34" charset="0"/>
+                <a:cs typeface="Calibri Light" panose="020F0302020204030204" pitchFamily="34" charset="0"/>
+              </a:rPr>
+              <a:t>Example - </a:t>
+            </a:r>
+            <a:r>
               <a:rPr lang="en-US" sz="2400" dirty="0">
                 <a:solidFill>
                   <a:srgbClr val="0070C0"/>
@@ -13105,7 +13115,7 @@
                 <a:latin typeface="Calibri Light" panose="020F0302020204030204" pitchFamily="34" charset="0"/>
                 <a:cs typeface="Calibri Light" panose="020F0302020204030204" pitchFamily="34" charset="0"/>
               </a:rPr>
-              <a:t>Example 3 - Generic Delivery Function </a:t>
+              <a:t>Generic Delivery Function </a:t>
             </a:r>
             <a:r>
               <a:rPr lang="en-US" sz="2400" dirty="0" err="1">
@@ -15753,10 +15763,6 @@
               <a:rPr lang="en-CA" sz="1400" dirty="0"/>
               <a:t>In case of E2E IOAM, the IOAM Option-Type(s) in the data packets are processed on edge nodes only. The intermediate nodes ignore the IOAM Option-Type(s) carried by the data packets. </a:t>
             </a:r>
-            <a:r>
-              <a:rPr lang="en-CA" sz="1400" b="1" dirty="0"/>
-              <a:t>Hence, only E2E Option-Type is carried in the IOAM data field.</a:t>
-            </a:r>
           </a:p>
           <a:p>
             <a:pPr>
@@ -15777,20 +15783,9 @@
             </a:r>
             <a:r>
               <a:rPr lang="en-CA" sz="1400" dirty="0"/>
-              <a:t> IOAM, the IOAM Option-Type(s) in the data packets are processed on intermediate and edge nodes. </a:t>
-            </a:r>
-            <a:r>
-              <a:rPr lang="en-CA" sz="1400" b="1" dirty="0"/>
-              <a:t>Hence, both </a:t>
-            </a:r>
-            <a:r>
-              <a:rPr lang="en-CA" sz="1400" b="1" dirty="0" err="1"/>
-              <a:t>HbH</a:t>
-            </a:r>
-            <a:r>
-              <a:rPr lang="en-CA" sz="1400" b="1" dirty="0"/>
-              <a:t> and E2E Option-Types can be carried in the IOAM data field(s).</a:t>
-            </a:r>
+              <a:t> IOAM, the IOAM Option-Type(s) in the data packets are processed on intermediate and edge nodes.</a:t>
+            </a:r>
+            <a:endParaRPr lang="en-CA" sz="1400" b="1" dirty="0"/>
           </a:p>
         </p:txBody>
       </p:sp>

--- a/draft-gandhi-mpls-ioam-sr-06.pptx
+++ b/draft-gandhi-mpls-ioam-sr-06.pptx
@@ -6532,6 +6532,9 @@
           <a:lstStyle/>
           <a:p>
             <a:pPr marL="457200" lvl="0" indent="-457200">
+              <a:spcBef>
+                <a:spcPts val="600"/>
+              </a:spcBef>
               <a:buFont typeface="+mj-lt"/>
               <a:buAutoNum type="arabicPeriod"/>
             </a:pPr>
@@ -6550,6 +6553,9 @@
           </a:p>
           <a:p>
             <a:pPr lvl="1" indent="-342900">
+              <a:spcBef>
+                <a:spcPts val="600"/>
+              </a:spcBef>
               <a:buFont typeface="Wingdings" pitchFamily="2" charset="2"/>
               <a:buChar char="§"/>
             </a:pPr>
@@ -6568,6 +6574,9 @@
           </a:p>
           <a:p>
             <a:pPr lvl="1" indent="-342900">
+              <a:spcBef>
+                <a:spcPts val="600"/>
+              </a:spcBef>
               <a:buFont typeface="Wingdings" pitchFamily="2" charset="2"/>
               <a:buChar char="§"/>
             </a:pPr>
@@ -6586,6 +6595,9 @@
           </a:p>
           <a:p>
             <a:pPr marL="457200" lvl="0" indent="-457200">
+              <a:spcBef>
+                <a:spcPts val="600"/>
+              </a:spcBef>
               <a:buFont typeface="+mj-lt"/>
               <a:buAutoNum type="arabicPeriod"/>
             </a:pPr>
@@ -6596,6 +6608,9 @@
           </a:p>
           <a:p>
             <a:pPr lvl="1" indent="-342900">
+              <a:spcBef>
+                <a:spcPts val="600"/>
+              </a:spcBef>
               <a:buFont typeface="Wingdings" pitchFamily="2" charset="2"/>
               <a:buChar char="§"/>
             </a:pPr>
@@ -6606,6 +6621,9 @@
           </a:p>
           <a:p>
             <a:pPr lvl="1" indent="-342900">
+              <a:spcBef>
+                <a:spcPts val="600"/>
+              </a:spcBef>
               <a:buFont typeface="Wingdings" pitchFamily="2" charset="2"/>
               <a:buChar char="§"/>
             </a:pPr>
@@ -6624,6 +6642,9 @@
           </a:p>
           <a:p>
             <a:pPr marL="457200" lvl="0" indent="-457200">
+              <a:spcBef>
+                <a:spcPts val="600"/>
+              </a:spcBef>
               <a:buFont typeface="+mj-lt"/>
               <a:buAutoNum type="arabicPeriod"/>
             </a:pPr>
@@ -6634,6 +6655,9 @@
           </a:p>
           <a:p>
             <a:pPr lvl="1" indent="-342900">
+              <a:spcBef>
+                <a:spcPts val="600"/>
+              </a:spcBef>
               <a:buFont typeface="Wingdings" pitchFamily="2" charset="2"/>
               <a:buChar char="§"/>
             </a:pPr>
@@ -6644,6 +6668,9 @@
           </a:p>
           <a:p>
             <a:pPr lvl="1" indent="-342900">
+              <a:spcBef>
+                <a:spcPts val="600"/>
+              </a:spcBef>
               <a:buFont typeface="Wingdings" pitchFamily="2" charset="2"/>
               <a:buChar char="§"/>
             </a:pPr>
@@ -7488,7 +7515,7 @@
           <a:p>
             <a:pPr marL="457200" lvl="0" indent="-457200">
               <a:lnSpc>
-                <a:spcPts val="2140"/>
+                <a:spcPts val="2040"/>
               </a:lnSpc>
               <a:spcBef>
                 <a:spcPts val="600"/>
@@ -7508,7 +7535,7 @@
           <a:p>
             <a:pPr marL="857250" lvl="1" indent="-457200">
               <a:lnSpc>
-                <a:spcPts val="2140"/>
+                <a:spcPts val="2040"/>
               </a:lnSpc>
               <a:spcBef>
                 <a:spcPts val="600"/>
@@ -7522,7 +7549,7 @@
           <a:p>
             <a:pPr marL="457200" lvl="0" indent="-457200">
               <a:lnSpc>
-                <a:spcPts val="2140"/>
+                <a:spcPts val="2040"/>
               </a:lnSpc>
               <a:spcBef>
                 <a:spcPts val="600"/>
@@ -7538,7 +7565,7 @@
           <a:p>
             <a:pPr marL="457200" lvl="0" indent="-457200">
               <a:lnSpc>
-                <a:spcPts val="2140"/>
+                <a:spcPts val="2040"/>
               </a:lnSpc>
               <a:spcBef>
                 <a:spcPts val="600"/>
@@ -7554,7 +7581,7 @@
           <a:p>
             <a:pPr marL="457200" lvl="0" indent="-457200">
               <a:lnSpc>
-                <a:spcPts val="2140"/>
+                <a:spcPts val="2040"/>
               </a:lnSpc>
               <a:spcBef>
                 <a:spcPts val="600"/>
@@ -7570,7 +7597,7 @@
           <a:p>
             <a:pPr marL="685800" lvl="1">
               <a:lnSpc>
-                <a:spcPts val="2140"/>
+                <a:spcPts val="2040"/>
               </a:lnSpc>
               <a:spcBef>
                 <a:spcPts val="600"/>
@@ -7584,7 +7611,7 @@
           <a:p>
             <a:pPr marL="457200" indent="-457200">
               <a:lnSpc>
-                <a:spcPts val="2140"/>
+                <a:spcPts val="2040"/>
               </a:lnSpc>
               <a:spcBef>
                 <a:spcPts val="600"/>
@@ -7600,7 +7627,7 @@
           <a:p>
             <a:pPr marL="685800" lvl="1">
               <a:lnSpc>
-                <a:spcPts val="2140"/>
+                <a:spcPts val="2040"/>
               </a:lnSpc>
               <a:spcBef>
                 <a:spcPts val="600"/>
@@ -7741,7 +7768,7 @@
                 <a:latin typeface="Calibri Light" panose="020F0302020204030204" pitchFamily="34" charset="0"/>
                 <a:cs typeface="Calibri Light" panose="020F0302020204030204" pitchFamily="34" charset="0"/>
               </a:rPr>
-              <a:t>Example 1 - SR-MPLS Encapsulation with IOAM Data Fields</a:t>
+              <a:t>Example - SR-MPLS Encapsulation with IOAM Data Fields</a:t>
             </a:r>
             <a:endParaRPr lang="en-US" sz="2800" dirty="0">
               <a:solidFill>
@@ -8554,6 +8581,9 @@
           <a:lstStyle/>
           <a:p>
             <a:pPr marL="457200" lvl="0" indent="-457200">
+              <a:spcBef>
+                <a:spcPts val="600"/>
+              </a:spcBef>
               <a:buFont typeface="+mj-lt"/>
               <a:buAutoNum type="arabicPeriod"/>
             </a:pPr>
@@ -8571,7 +8601,11 @@
             </a:r>
           </a:p>
           <a:p>
-            <a:pPr marL="685800" lvl="1"/>
+            <a:pPr marL="685800" lvl="1">
+              <a:spcBef>
+                <a:spcPts val="600"/>
+              </a:spcBef>
+            </a:pPr>
             <a:r>
               <a:rPr lang="en-CA" sz="1400" dirty="0"/>
               <a:t>From Extended Special Purpose Labels (</a:t>
@@ -8586,7 +8620,11 @@
             </a:r>
           </a:p>
           <a:p>
-            <a:pPr marL="685800" lvl="1"/>
+            <a:pPr marL="685800" lvl="1">
+              <a:spcBef>
+                <a:spcPts val="600"/>
+              </a:spcBef>
+            </a:pPr>
             <a:r>
               <a:rPr lang="en-CA" sz="1400" dirty="0"/>
               <a:t>Both Labels are carried at the </a:t>
@@ -8602,6 +8640,9 @@
           </a:p>
           <a:p>
             <a:pPr marL="457200" lvl="0" indent="-457200">
+              <a:spcBef>
+                <a:spcPts val="600"/>
+              </a:spcBef>
               <a:buFont typeface="+mj-lt"/>
               <a:buAutoNum type="arabicPeriod"/>
             </a:pPr>
@@ -8611,14 +8652,22 @@
             </a:r>
           </a:p>
           <a:p>
-            <a:pPr marL="685800" lvl="1"/>
+            <a:pPr marL="685800" lvl="1">
+              <a:spcBef>
+                <a:spcPts val="600"/>
+              </a:spcBef>
+            </a:pPr>
             <a:r>
               <a:rPr lang="en-CA" sz="1400" dirty="0"/>
               <a:t>The controller provisions the label on encapsulating, intermediate and decapsulating nodes</a:t>
             </a:r>
           </a:p>
           <a:p>
-            <a:pPr marL="685800" lvl="1"/>
+            <a:pPr marL="685800" lvl="1">
+              <a:spcBef>
+                <a:spcPts val="600"/>
+              </a:spcBef>
+            </a:pPr>
             <a:r>
               <a:rPr lang="en-CA" sz="1400" dirty="0"/>
               <a:t>The Label is carried at the </a:t>
@@ -8634,6 +8683,9 @@
           </a:p>
           <a:p>
             <a:pPr marL="457200" lvl="0" indent="-457200">
+              <a:spcBef>
+                <a:spcPts val="600"/>
+              </a:spcBef>
               <a:buFont typeface="+mj-lt"/>
               <a:buAutoNum type="arabicPeriod"/>
             </a:pPr>
@@ -8643,14 +8695,22 @@
             </a:r>
           </a:p>
           <a:p>
-            <a:pPr marL="685800" lvl="1"/>
+            <a:pPr marL="685800" lvl="1">
+              <a:spcBef>
+                <a:spcPts val="600"/>
+              </a:spcBef>
+            </a:pPr>
             <a:r>
               <a:rPr lang="en-CA" sz="1400" dirty="0"/>
               <a:t>Signaling/advertisement extensions needed to convey the label to all encapsulating nodes (out of scope)</a:t>
             </a:r>
           </a:p>
           <a:p>
-            <a:pPr marL="685800" lvl="1"/>
+            <a:pPr marL="685800" lvl="1">
+              <a:spcBef>
+                <a:spcPts val="600"/>
+              </a:spcBef>
+            </a:pPr>
             <a:r>
               <a:rPr lang="en-CA" sz="1400" dirty="0"/>
               <a:t>The Label is carried at the </a:t>
@@ -10522,7 +10582,7 @@
           <a:p>
             <a:pPr>
               <a:lnSpc>
-                <a:spcPts val="2220"/>
+                <a:spcPts val="2120"/>
               </a:lnSpc>
               <a:spcBef>
                 <a:spcPts val="600"/>
@@ -10564,7 +10624,7 @@
           <a:p>
             <a:pPr>
               <a:lnSpc>
-                <a:spcPts val="2220"/>
+                <a:spcPts val="2120"/>
               </a:lnSpc>
               <a:spcBef>
                 <a:spcPts val="600"/>
@@ -10595,7 +10655,7 @@
           <a:p>
             <a:pPr>
               <a:lnSpc>
-                <a:spcPts val="2220"/>
+                <a:spcPts val="2120"/>
               </a:lnSpc>
               <a:spcBef>
                 <a:spcPts val="600"/>
@@ -10626,7 +10686,7 @@
           <a:p>
             <a:pPr>
               <a:lnSpc>
-                <a:spcPts val="2220"/>
+                <a:spcPts val="2120"/>
               </a:lnSpc>
               <a:spcBef>
                 <a:spcPts val="600"/>
@@ -10668,7 +10728,7 @@
           <a:p>
             <a:pPr>
               <a:lnSpc>
-                <a:spcPts val="2220"/>
+                <a:spcPts val="2120"/>
               </a:lnSpc>
               <a:spcBef>
                 <a:spcPts val="600"/>
@@ -13570,7 +13630,7 @@
         </p:nvSpPr>
         <p:spPr>
           <a:xfrm>
-            <a:off x="-38100" y="3379754"/>
+            <a:off x="-19050" y="4073717"/>
             <a:ext cx="2476500" cy="1015663"/>
           </a:xfrm>
           <a:prstGeom prst="rect">
@@ -15436,7 +15496,7 @@
             </a:pPr>
             <a:r>
               <a:rPr lang="en-CA" sz="1600" dirty="0"/>
-              <a:t>GAL with G-</a:t>
+              <a:t>Note: GAL with G-</a:t>
             </a:r>
             <a:r>
               <a:rPr lang="en-CA" sz="1600" dirty="0" err="1"/>
@@ -15466,7 +15526,7 @@
             </a:pPr>
             <a:r>
               <a:rPr lang="en-CA" sz="1600" dirty="0"/>
-              <a:t>Block Number can be used to: </a:t>
+              <a:t>Block Number is used to: </a:t>
             </a:r>
           </a:p>
           <a:p>
@@ -15695,7 +15755,7 @@
           <a:p>
             <a:pPr>
               <a:lnSpc>
-                <a:spcPts val="2320"/>
+                <a:spcPts val="2220"/>
               </a:lnSpc>
               <a:spcBef>
                 <a:spcPts val="600"/>
@@ -15709,7 +15769,7 @@
           <a:p>
             <a:pPr>
               <a:lnSpc>
-                <a:spcPts val="2320"/>
+                <a:spcPts val="2220"/>
               </a:lnSpc>
               <a:spcBef>
                 <a:spcPts val="600"/>
@@ -15739,7 +15799,7 @@
           <a:p>
             <a:pPr lvl="1">
               <a:lnSpc>
-                <a:spcPts val="2320"/>
+                <a:spcPts val="2220"/>
               </a:lnSpc>
               <a:spcBef>
                 <a:spcPts val="600"/>
@@ -15753,7 +15813,7 @@
           <a:p>
             <a:pPr>
               <a:lnSpc>
-                <a:spcPts val="2320"/>
+                <a:spcPts val="2220"/>
               </a:lnSpc>
               <a:spcBef>
                 <a:spcPts val="600"/>
@@ -15767,7 +15827,7 @@
           <a:p>
             <a:pPr>
               <a:lnSpc>
-                <a:spcPts val="2320"/>
+                <a:spcPts val="2220"/>
               </a:lnSpc>
               <a:spcBef>
                 <a:spcPts val="600"/>

--- a/draft-gandhi-mpls-ioam-sr-06.pptx
+++ b/draft-gandhi-mpls-ioam-sr-06.pptx
@@ -8885,13 +8885,13 @@
             <p:ph idx="1"/>
             <p:extLst>
               <p:ext uri="{D42A27DB-BD31-4B8C-83A1-F6EECF244321}">
-                <p14:modId xmlns:p14="http://schemas.microsoft.com/office/powerpoint/2010/main" val="673951845"/>
+                <p14:modId xmlns:p14="http://schemas.microsoft.com/office/powerpoint/2010/main" val="4267344852"/>
               </p:ext>
             </p:extLst>
           </p:nvPr>
         </p:nvGraphicFramePr>
         <p:xfrm>
-          <a:off x="381000" y="759462"/>
+          <a:off x="457200" y="759462"/>
           <a:ext cx="8305800" cy="2555587"/>
         </p:xfrm>
         <a:graphic>
@@ -9021,7 +9021,7 @@
                           <a:latin typeface="Calibri" panose="020F0502020204030204" pitchFamily="34" charset="0"/>
                           <a:cs typeface="Calibri" panose="020F0502020204030204" pitchFamily="34" charset="0"/>
                         </a:rPr>
-                        <a:t>Different FIB Entry for Local Label than data packets</a:t>
+                        <a:t>Different FIB Entry for Local Label  with and without IOAM Enabled</a:t>
                       </a:r>
                     </a:p>
                   </a:txBody>
@@ -11076,7 +11076,7 @@
               <a:rPr lang="en-CA" sz="900" dirty="0">
                 <a:latin typeface="Courier" pitchFamily="2" charset="0"/>
               </a:rPr>
-              <a:t>   | IOAM Indicator Label                  | TC  |1|  TTL          |</a:t>
+              <a:t>   | E2E IOAM Indicator Label              | TC  |1|  TTL          |</a:t>
             </a:r>
           </a:p>
           <a:p>
@@ -11494,7 +11494,7 @@
         <p:spPr>
           <a:xfrm>
             <a:off x="1709737" y="812304"/>
-            <a:ext cx="5724525" cy="3831818"/>
+            <a:ext cx="5605463" cy="3831818"/>
           </a:xfrm>
           <a:prstGeom prst="rect">
             <a:avLst/>
@@ -11559,7 +11559,7 @@
               <a:rPr lang="en-CA" sz="900" dirty="0">
                 <a:latin typeface="Courier" pitchFamily="2" charset="0"/>
               </a:rPr>
-              <a:t>   | IOAM Indicator Label                  | TC  |1|  TTL          |</a:t>
+              <a:t>   | E2E IOAM Indicator Label              | TC  |1|  TTL          |</a:t>
             </a:r>
           </a:p>
           <a:p>
@@ -15745,8 +15745,8 @@
         </p:nvSpPr>
         <p:spPr>
           <a:xfrm>
-            <a:off x="475648" y="887129"/>
-            <a:ext cx="8229600" cy="3437222"/>
+            <a:off x="475648" y="887128"/>
+            <a:ext cx="8229600" cy="3665821"/>
           </a:xfrm>
         </p:spPr>
         <p:txBody>
@@ -15762,7 +15762,7 @@
               </a:spcBef>
             </a:pPr>
             <a:r>
-              <a:rPr lang="en-CA" sz="1400" dirty="0"/>
+              <a:rPr lang="en-CA" sz="1600" dirty="0"/>
               <a:t>“IOAM Indicator Label” is used to indicate the presence of the IOAM data fields after EOS in the MPLS Encapsulation. </a:t>
             </a:r>
           </a:p>
@@ -15776,23 +15776,23 @@
               </a:spcBef>
             </a:pPr>
             <a:r>
-              <a:rPr lang="en-CA" sz="1400" dirty="0"/>
+              <a:rPr lang="en-CA" sz="1600" dirty="0"/>
               <a:t>Separate Indicator Labels are defined for E2E IOAM (for edge nodes) and </a:t>
             </a:r>
             <a:r>
-              <a:rPr lang="en-CA" sz="1400" dirty="0" err="1"/>
+              <a:rPr lang="en-CA" sz="1600" dirty="0" err="1"/>
               <a:t>HbH</a:t>
             </a:r>
             <a:r>
-              <a:rPr lang="en-CA" sz="1400" dirty="0"/>
+              <a:rPr lang="en-CA" sz="1600" dirty="0"/>
               <a:t> IOAM (</a:t>
             </a:r>
             <a:r>
-              <a:rPr lang="en-CA" sz="1400" i="1" dirty="0"/>
+              <a:rPr lang="en-CA" sz="1600" i="1" dirty="0"/>
               <a:t>for edge and intermediate nodes</a:t>
             </a:r>
             <a:r>
-              <a:rPr lang="en-CA" sz="1400" dirty="0"/>
+              <a:rPr lang="en-CA" sz="1600" dirty="0"/>
               <a:t>). </a:t>
             </a:r>
           </a:p>
@@ -15806,7 +15806,7 @@
               </a:spcBef>
             </a:pPr>
             <a:r>
-              <a:rPr lang="en-CA" sz="1400" dirty="0"/>
+              <a:rPr lang="en-CA" sz="1600" dirty="0"/>
               <a:t>The E2E IOAM Label allows to bypass IOAM processing on intermediate nodes in case of E2E IOAM.</a:t>
             </a:r>
           </a:p>
@@ -15820,7 +15820,7 @@
               </a:spcBef>
             </a:pPr>
             <a:r>
-              <a:rPr lang="en-CA" sz="1400" dirty="0"/>
+              <a:rPr lang="en-CA" sz="1600" dirty="0"/>
               <a:t>In case of E2E IOAM, the IOAM Option-Type(s) in the data packets are processed on edge nodes only. The intermediate nodes ignore the IOAM Option-Type(s) carried by the data packets. </a:t>
             </a:r>
           </a:p>
@@ -15834,18 +15834,18 @@
               </a:spcBef>
             </a:pPr>
             <a:r>
-              <a:rPr lang="en-CA" sz="1400" dirty="0"/>
+              <a:rPr lang="en-CA" sz="1600" dirty="0"/>
               <a:t>In case of </a:t>
             </a:r>
             <a:r>
-              <a:rPr lang="en-CA" sz="1400" dirty="0" err="1"/>
+              <a:rPr lang="en-CA" sz="1600" dirty="0" err="1"/>
               <a:t>HbH</a:t>
             </a:r>
             <a:r>
-              <a:rPr lang="en-CA" sz="1400" dirty="0"/>
+              <a:rPr lang="en-CA" sz="1600" dirty="0"/>
               <a:t> IOAM, the IOAM Option-Type(s) in the data packets are processed on intermediate and edge nodes.</a:t>
             </a:r>
-            <a:endParaRPr lang="en-CA" sz="1400" b="1" dirty="0"/>
+            <a:endParaRPr lang="en-CA" sz="1600" b="1" dirty="0"/>
           </a:p>
         </p:txBody>
       </p:sp>

--- a/draft-gandhi-mpls-ioam-sr-06.pptx
+++ b/draft-gandhi-mpls-ioam-sr-06.pptx
@@ -8885,7 +8885,7 @@
             <p:ph idx="1"/>
             <p:extLst>
               <p:ext uri="{D42A27DB-BD31-4B8C-83A1-F6EECF244321}">
-                <p14:modId xmlns:p14="http://schemas.microsoft.com/office/powerpoint/2010/main" val="4267344852"/>
+                <p14:modId xmlns:p14="http://schemas.microsoft.com/office/powerpoint/2010/main" val="1321541956"/>
               </p:ext>
             </p:extLst>
           </p:nvPr>
@@ -9021,7 +9021,7 @@
                           <a:latin typeface="Calibri" panose="020F0502020204030204" pitchFamily="34" charset="0"/>
                           <a:cs typeface="Calibri" panose="020F0502020204030204" pitchFamily="34" charset="0"/>
                         </a:rPr>
-                        <a:t>Different FIB Entry for Local Label  with and without IOAM Enabled</a:t>
+                        <a:t>Different FIB Entry for Local Labels  with and without IOAM Enabled</a:t>
                       </a:r>
                     </a:p>
                   </a:txBody>

--- a/draft-gandhi-mpls-ioam-sr-06.pptx
+++ b/draft-gandhi-mpls-ioam-sr-06.pptx
@@ -6540,7 +6540,7 @@
             </a:pPr>
             <a:r>
               <a:rPr lang="en-CA" sz="1600" dirty="0"/>
-              <a:t>Extension Label (15) and Label assigned by IANA with value </a:t>
+              <a:t>Extension Label (15) and Indicator Label assigned by IANA with value </a:t>
             </a:r>
             <a:r>
               <a:rPr lang="en-CA" sz="1600" dirty="0">
@@ -6603,7 +6603,7 @@
             </a:pPr>
             <a:r>
               <a:rPr lang="en-CA" sz="1600" dirty="0"/>
-              <a:t>Global Label allocated by a controller</a:t>
+              <a:t>Global Indicator Label allocated by a controller</a:t>
             </a:r>
           </a:p>
           <a:p>
@@ -6650,7 +6650,7 @@
             </a:pPr>
             <a:r>
               <a:rPr lang="en-CA" sz="1600" dirty="0"/>
-              <a:t>The IOAM Label allocated by the decapsulating node</a:t>
+              <a:t>Indicator Label allocated by the decapsulating node</a:t>
             </a:r>
           </a:p>
           <a:p>
@@ -6838,7 +6838,7 @@
             <p:ph idx="1"/>
             <p:extLst>
               <p:ext uri="{D42A27DB-BD31-4B8C-83A1-F6EECF244321}">
-                <p14:modId xmlns:p14="http://schemas.microsoft.com/office/powerpoint/2010/main" val="1594671263"/>
+                <p14:modId xmlns:p14="http://schemas.microsoft.com/office/powerpoint/2010/main" val="1759289964"/>
               </p:ext>
             </p:extLst>
           </p:nvPr>
@@ -6956,7 +6956,7 @@
                           <a:latin typeface="Calibri" panose="020F0502020204030204" pitchFamily="34" charset="0"/>
                           <a:cs typeface="Calibri" panose="020F0502020204030204" pitchFamily="34" charset="0"/>
                         </a:rPr>
-                        <a:t> Label</a:t>
+                        <a:t> Indicator Label</a:t>
                       </a:r>
                     </a:p>
                   </a:txBody>
@@ -7011,7 +7011,7 @@
                           <a:latin typeface="Calibri" panose="020F0502020204030204" pitchFamily="34" charset="0"/>
                           <a:cs typeface="Calibri" panose="020F0502020204030204" pitchFamily="34" charset="0"/>
                         </a:rPr>
-                        <a:t>2. Global Label,</a:t>
+                        <a:t>2. Global Indicator Label,</a:t>
                       </a:r>
                     </a:p>
                     <a:p>
@@ -7020,7 +7020,7 @@
                           <a:latin typeface="Calibri" panose="020F0502020204030204" pitchFamily="34" charset="0"/>
                           <a:cs typeface="Calibri" panose="020F0502020204030204" pitchFamily="34" charset="0"/>
                         </a:rPr>
-                        <a:t>3. Signal/Advertise Label</a:t>
+                        <a:t>3. Signal/Advertise Indicator Label</a:t>
                       </a:r>
                     </a:p>
                   </a:txBody>
@@ -8589,7 +8589,7 @@
             </a:pPr>
             <a:r>
               <a:rPr lang="en-CA" sz="1400" dirty="0"/>
-              <a:t>Extension Label (15) and Label assigned by IANA with value </a:t>
+              <a:t>Extension Label (15) and Indicator Label assigned by IANA with value </a:t>
             </a:r>
             <a:r>
               <a:rPr lang="en-CA" sz="1400" dirty="0">
@@ -8648,7 +8648,7 @@
             </a:pPr>
             <a:r>
               <a:rPr lang="en-CA" sz="1400" dirty="0"/>
-              <a:t>Global Label allocated by a controller</a:t>
+              <a:t>Global Indicator Label allocated by a controller</a:t>
             </a:r>
           </a:p>
           <a:p>
@@ -8691,7 +8691,7 @@
             </a:pPr>
             <a:r>
               <a:rPr lang="en-CA" sz="1400" dirty="0"/>
-              <a:t>The IOAM Label allocated by the intermediate and decapsulating nodes</a:t>
+              <a:t>IOAM FEC Label allocated by the intermediate and decapsulating nodes</a:t>
             </a:r>
           </a:p>
           <a:p>
@@ -8885,7 +8885,7 @@
             <p:ph idx="1"/>
             <p:extLst>
               <p:ext uri="{D42A27DB-BD31-4B8C-83A1-F6EECF244321}">
-                <p14:modId xmlns:p14="http://schemas.microsoft.com/office/powerpoint/2010/main" val="1321541956"/>
+                <p14:modId xmlns:p14="http://schemas.microsoft.com/office/powerpoint/2010/main" val="2621794264"/>
               </p:ext>
             </p:extLst>
           </p:nvPr>
@@ -8901,35 +8901,35 @@
                 <a:tableStyleId>{912C8C85-51F0-491E-9774-3900AFEF0FD7}</a:tableStyleId>
               </a:tblPr>
               <a:tblGrid>
-                <a:gridCol w="1981200">
+                <a:gridCol w="2667000">
                   <a:extLst>
                     <a:ext uri="{9D8B030D-6E8A-4147-A177-3AD203B41FA5}">
                       <a16:colId xmlns:a16="http://schemas.microsoft.com/office/drawing/2014/main" val="1209939836"/>
                     </a:ext>
                   </a:extLst>
                 </a:gridCol>
-                <a:gridCol w="1676400">
+                <a:gridCol w="1447800">
                   <a:extLst>
                     <a:ext uri="{9D8B030D-6E8A-4147-A177-3AD203B41FA5}">
                       <a16:colId xmlns:a16="http://schemas.microsoft.com/office/drawing/2014/main" val="4011394575"/>
                     </a:ext>
                   </a:extLst>
                 </a:gridCol>
-                <a:gridCol w="1143000">
+                <a:gridCol w="838200">
                   <a:extLst>
                     <a:ext uri="{9D8B030D-6E8A-4147-A177-3AD203B41FA5}">
                       <a16:colId xmlns:a16="http://schemas.microsoft.com/office/drawing/2014/main" val="1670730324"/>
                     </a:ext>
                   </a:extLst>
                 </a:gridCol>
-                <a:gridCol w="1447800">
+                <a:gridCol w="1371600">
                   <a:extLst>
                     <a:ext uri="{9D8B030D-6E8A-4147-A177-3AD203B41FA5}">
                       <a16:colId xmlns:a16="http://schemas.microsoft.com/office/drawing/2014/main" val="975737954"/>
                     </a:ext>
                   </a:extLst>
                 </a:gridCol>
-                <a:gridCol w="2057400">
+                <a:gridCol w="1981200">
                   <a:extLst>
                     <a:ext uri="{9D8B030D-6E8A-4147-A177-3AD203B41FA5}">
                       <a16:colId xmlns:a16="http://schemas.microsoft.com/office/drawing/2014/main" val="907496208"/>
@@ -9067,7 +9067,7 @@
                           <a:latin typeface="Calibri" panose="020F0502020204030204" pitchFamily="34" charset="0"/>
                           <a:cs typeface="Calibri" panose="020F0502020204030204" pitchFamily="34" charset="0"/>
                         </a:rPr>
-                        <a:t> Label</a:t>
+                        <a:t> Indicator Label</a:t>
                       </a:r>
                     </a:p>
                   </a:txBody>
@@ -9169,7 +9169,7 @@
                           <a:latin typeface="Calibri" panose="020F0502020204030204" pitchFamily="34" charset="0"/>
                           <a:cs typeface="Calibri" panose="020F0502020204030204" pitchFamily="34" charset="0"/>
                         </a:rPr>
-                        <a:t>2. Global Label</a:t>
+                        <a:t>2. Global Indicator Label</a:t>
                       </a:r>
                     </a:p>
                   </a:txBody>
@@ -9271,7 +9271,7 @@
                           <a:latin typeface="Calibri" panose="020F0502020204030204" pitchFamily="34" charset="0"/>
                           <a:cs typeface="Calibri" panose="020F0502020204030204" pitchFamily="34" charset="0"/>
                         </a:rPr>
-                        <a:t>3. Signal/Advertise Label</a:t>
+                        <a:t>3. Signal/Advertise IOM FEC Label</a:t>
                       </a:r>
                     </a:p>
                   </a:txBody>

--- a/draft-gandhi-mpls-ioam-sr-06.pptx
+++ b/draft-gandhi-mpls-ioam-sr-06.pptx
@@ -8885,14 +8885,14 @@
             <p:ph idx="1"/>
             <p:extLst>
               <p:ext uri="{D42A27DB-BD31-4B8C-83A1-F6EECF244321}">
-                <p14:modId xmlns:p14="http://schemas.microsoft.com/office/powerpoint/2010/main" val="2621794264"/>
+                <p14:modId xmlns:p14="http://schemas.microsoft.com/office/powerpoint/2010/main" val="2427802836"/>
               </p:ext>
             </p:extLst>
           </p:nvPr>
         </p:nvGraphicFramePr>
         <p:xfrm>
           <a:off x="457200" y="759462"/>
-          <a:ext cx="8305800" cy="2555587"/>
+          <a:ext cx="8305800" cy="2493355"/>
         </p:xfrm>
         <a:graphic>
           <a:graphicData uri="http://schemas.openxmlformats.org/drawingml/2006/table">
@@ -9021,7 +9021,7 @@
                           <a:latin typeface="Calibri" panose="020F0502020204030204" pitchFamily="34" charset="0"/>
                           <a:cs typeface="Calibri" panose="020F0502020204030204" pitchFamily="34" charset="0"/>
                         </a:rPr>
-                        <a:t>Different FIB Entry for Local Labels  with and without IOAM Enabled</a:t>
+                        <a:t>Different FIB Entry for IOM FEC Local Label</a:t>
                       </a:r>
                     </a:p>
                   </a:txBody>

--- a/draft-gandhi-mpls-ioam-sr-06.pptx
+++ b/draft-gandhi-mpls-ioam-sr-06.pptx
@@ -6585,7 +6585,11 @@
               <a:t>Both Labels are carried at the </a:t>
             </a:r>
             <a:r>
-              <a:rPr lang="en-CA" sz="1600" b="1" dirty="0"/>
+              <a:rPr lang="en-CA" sz="1600" dirty="0">
+                <a:solidFill>
+                  <a:srgbClr val="0070C0"/>
+                </a:solidFill>
+              </a:rPr>
               <a:t>bottom</a:t>
             </a:r>
             <a:r>
@@ -6632,7 +6636,11 @@
               <a:t>The Label is carried at the </a:t>
             </a:r>
             <a:r>
-              <a:rPr lang="en-CA" sz="1600" b="1" dirty="0"/>
+              <a:rPr lang="en-CA" sz="1600" dirty="0">
+                <a:solidFill>
+                  <a:srgbClr val="0070C0"/>
+                </a:solidFill>
+              </a:rPr>
               <a:t>bottom</a:t>
             </a:r>
             <a:r>
@@ -6679,7 +6687,11 @@
               <a:t>The Label is carried at the </a:t>
             </a:r>
             <a:r>
-              <a:rPr lang="en-CA" sz="1600" b="1" dirty="0"/>
+              <a:rPr lang="en-CA" sz="1600" dirty="0">
+                <a:solidFill>
+                  <a:srgbClr val="0070C0"/>
+                </a:solidFill>
+              </a:rPr>
               <a:t>bottom</a:t>
             </a:r>
             <a:r>
@@ -8430,19 +8442,6 @@
               <a:defRPr/>
             </a:pPr>
             <a:r>
-              <a:rPr lang="en-US" altLang="zh-CN" sz="4000" kern="0" dirty="0" err="1">
-                <a:effectLst>
-                  <a:outerShdw blurRad="38100" dist="38100" dir="2700000" algn="tl">
-                    <a:srgbClr val="C0C0C0"/>
-                  </a:outerShdw>
-                </a:effectLst>
-                <a:latin typeface="Calibri" charset="0"/>
-                <a:ea typeface="Calibri" charset="0"/>
-                <a:cs typeface="Calibri" charset="0"/>
-              </a:rPr>
-              <a:t>HbH</a:t>
-            </a:r>
-            <a:r>
               <a:rPr lang="en-US" altLang="zh-CN" sz="4000" kern="0" dirty="0">
                 <a:effectLst>
                   <a:outerShdw blurRad="38100" dist="38100" dir="2700000" algn="tl">
@@ -8453,7 +8452,7 @@
                 <a:ea typeface="Calibri" charset="0"/>
                 <a:cs typeface="Calibri" charset="0"/>
               </a:rPr>
-              <a:t> IOAM</a:t>
+              <a:t>Hop-by-Hop IOAM</a:t>
             </a:r>
           </a:p>
         </p:txBody>
@@ -8630,7 +8629,11 @@
               <a:t>Both Labels are carried at the </a:t>
             </a:r>
             <a:r>
-              <a:rPr lang="en-CA" sz="1400" b="1" dirty="0"/>
+              <a:rPr lang="en-CA" sz="1400" dirty="0">
+                <a:solidFill>
+                  <a:srgbClr val="0070C0"/>
+                </a:solidFill>
+              </a:rPr>
               <a:t>bottom</a:t>
             </a:r>
             <a:r>
@@ -8673,7 +8676,11 @@
               <a:t>The Label is carried at the </a:t>
             </a:r>
             <a:r>
-              <a:rPr lang="en-CA" sz="1400" b="1" dirty="0"/>
+              <a:rPr lang="en-CA" sz="1400" dirty="0">
+                <a:solidFill>
+                  <a:srgbClr val="0070C0"/>
+                </a:solidFill>
+              </a:rPr>
               <a:t>bottom</a:t>
             </a:r>
             <a:r>
@@ -8716,7 +8723,11 @@
               <a:t>The Label is carried at the </a:t>
             </a:r>
             <a:r>
-              <a:rPr lang="en-CA" sz="1400" b="1" dirty="0"/>
+              <a:rPr lang="en-CA" sz="1400" dirty="0">
+                <a:solidFill>
+                  <a:srgbClr val="0070C0"/>
+                </a:solidFill>
+              </a:rPr>
               <a:t>top</a:t>
             </a:r>
             <a:r>
@@ -10662,21 +10673,30 @@
               </a:spcBef>
             </a:pPr>
             <a:r>
-              <a:rPr lang="en-CA" sz="1600" b="1" dirty="0">
+              <a:rPr lang="en-CA" sz="1600" dirty="0">
+                <a:solidFill>
+                  <a:srgbClr val="0070C0"/>
+                </a:solidFill>
                 <a:latin typeface="Calibri" panose="020F0502020204030204" pitchFamily="34" charset="0"/>
                 <a:cs typeface="Calibri" panose="020F0502020204030204" pitchFamily="34" charset="0"/>
               </a:rPr>
               <a:t>This allows the intermediate nodes to easily access the </a:t>
             </a:r>
             <a:r>
-              <a:rPr lang="en-CA" sz="1600" b="1" dirty="0" err="1">
+              <a:rPr lang="en-CA" sz="1600" dirty="0" err="1">
+                <a:solidFill>
+                  <a:srgbClr val="0070C0"/>
+                </a:solidFill>
                 <a:latin typeface="Calibri" panose="020F0502020204030204" pitchFamily="34" charset="0"/>
                 <a:cs typeface="Calibri" panose="020F0502020204030204" pitchFamily="34" charset="0"/>
               </a:rPr>
               <a:t>HbH</a:t>
             </a:r>
             <a:r>
-              <a:rPr lang="en-CA" sz="1600" b="1" dirty="0">
+              <a:rPr lang="en-CA" sz="1600" dirty="0">
+                <a:solidFill>
+                  <a:srgbClr val="0070C0"/>
+                </a:solidFill>
                 <a:latin typeface="Calibri" panose="020F0502020204030204" pitchFamily="34" charset="0"/>
                 <a:cs typeface="Calibri" panose="020F0502020204030204" pitchFamily="34" charset="0"/>
               </a:rPr>
@@ -11876,7 +11896,7 @@
           <a:p>
             <a:pPr lvl="0"/>
             <a:r>
-              <a:rPr lang="en-US" sz="2400" dirty="0">
+              <a:rPr lang="en-US" sz="2000" dirty="0">
                 <a:latin typeface="Calibri" charset="0"/>
                 <a:ea typeface="Calibri" charset="0"/>
                 <a:cs typeface="Calibri" charset="0"/>
@@ -11887,10 +11907,25 @@
           <a:p>
             <a:pPr lvl="0"/>
             <a:r>
-              <a:rPr lang="en-US" sz="2400" dirty="0"/>
+              <a:rPr lang="en-US" sz="2000" dirty="0"/>
               <a:t>Requesting WG adoption</a:t>
             </a:r>
-            <a:endParaRPr lang="en-US" sz="2400" dirty="0">
+          </a:p>
+          <a:p>
+            <a:pPr lvl="1"/>
+            <a:r>
+              <a:rPr lang="en-US" sz="2000" dirty="0">
+                <a:latin typeface="Calibri" charset="0"/>
+                <a:ea typeface="Calibri" charset="0"/>
+                <a:cs typeface="Calibri" charset="0"/>
+              </a:rPr>
+              <a:t>Address any open items as part of W</a:t>
+            </a:r>
+            <a:r>
+              <a:rPr lang="en-US" sz="2000" dirty="0"/>
+              <a:t>G process</a:t>
+            </a:r>
+            <a:endParaRPr lang="en-US" sz="2000" dirty="0">
               <a:latin typeface="Calibri" charset="0"/>
               <a:ea typeface="Calibri" charset="0"/>
               <a:cs typeface="Calibri" charset="0"/>
@@ -11900,7 +11935,7 @@
             <a:pPr marL="0" indent="0">
               <a:buNone/>
             </a:pPr>
-            <a:endParaRPr lang="en-US" sz="2400" dirty="0">
+            <a:endParaRPr lang="en-US" sz="2000" dirty="0">
               <a:latin typeface="Calibri" charset="0"/>
               <a:ea typeface="Calibri" charset="0"/>
               <a:cs typeface="Calibri" charset="0"/>

--- a/draft-gandhi-mpls-ioam-sr-06.pptx
+++ b/draft-gandhi-mpls-ioam-sr-06.pptx
@@ -5,10 +5,10 @@
     <p:sldMasterId id="2147483648" r:id="rId1"/>
   </p:sldMasterIdLst>
   <p:notesMasterIdLst>
-    <p:notesMasterId r:id="rId30"/>
+    <p:notesMasterId r:id="rId31"/>
   </p:notesMasterIdLst>
   <p:handoutMasterIdLst>
-    <p:handoutMasterId r:id="rId31"/>
+    <p:handoutMasterId r:id="rId32"/>
   </p:handoutMasterIdLst>
   <p:sldIdLst>
     <p:sldId id="256" r:id="rId2"/>
@@ -36,9 +36,10 @@
     <p:sldId id="1702" r:id="rId24"/>
     <p:sldId id="1669" r:id="rId25"/>
     <p:sldId id="1697" r:id="rId26"/>
-    <p:sldId id="1690" r:id="rId27"/>
-    <p:sldId id="1695" r:id="rId28"/>
-    <p:sldId id="1699" r:id="rId29"/>
+    <p:sldId id="1695" r:id="rId27"/>
+    <p:sldId id="1703" r:id="rId28"/>
+    <p:sldId id="1690" r:id="rId29"/>
+    <p:sldId id="1699" r:id="rId30"/>
   </p:sldIdLst>
   <p:sldSz cx="9144000" cy="5143500" type="screen16x9"/>
   <p:notesSz cx="6858000" cy="9144000"/>
@@ -1679,7 +1680,7 @@
               <a:pPr>
                 <a:defRPr/>
               </a:pPr>
-              <a:t>28</a:t>
+              <a:t>29</a:t>
             </a:fld>
             <a:endParaRPr lang="en-US" altLang="zh-CN"/>
           </a:p>
@@ -11307,6 +11308,222 @@
           </a:p>
         </p:txBody>
       </p:sp>
+      <p:sp>
+        <p:nvSpPr>
+          <p:cNvPr id="7" name="Down Arrow 6">
+            <a:extLst>
+              <a:ext uri="{FF2B5EF4-FFF2-40B4-BE49-F238E27FC236}">
+                <a16:creationId xmlns:a16="http://schemas.microsoft.com/office/drawing/2014/main" id="{39194B00-5AD6-B34B-A2E3-075C5F710B26}"/>
+              </a:ext>
+            </a:extLst>
+          </p:cNvPr>
+          <p:cNvSpPr/>
+          <p:nvPr/>
+        </p:nvSpPr>
+        <p:spPr>
+          <a:xfrm>
+            <a:off x="1752598" y="1809751"/>
+            <a:ext cx="79999" cy="1150708"/>
+          </a:xfrm>
+          <a:prstGeom prst="downArrow">
+            <a:avLst/>
+          </a:prstGeom>
+          <a:solidFill>
+            <a:srgbClr val="0070C0"/>
+          </a:solidFill>
+          <a:ln>
+            <a:solidFill>
+              <a:srgbClr val="0070C0"/>
+            </a:solidFill>
+          </a:ln>
+        </p:spPr>
+        <p:style>
+          <a:lnRef idx="2">
+            <a:schemeClr val="accent1">
+              <a:shade val="50000"/>
+            </a:schemeClr>
+          </a:lnRef>
+          <a:fillRef idx="1">
+            <a:schemeClr val="accent1"/>
+          </a:fillRef>
+          <a:effectRef idx="0">
+            <a:schemeClr val="accent1"/>
+          </a:effectRef>
+          <a:fontRef idx="minor">
+            <a:schemeClr val="lt1"/>
+          </a:fontRef>
+        </p:style>
+        <p:txBody>
+          <a:bodyPr rtlCol="0" anchor="ctr"/>
+          <a:lstStyle/>
+          <a:p>
+            <a:pPr algn="ctr"/>
+            <a:endParaRPr lang="en-US"/>
+          </a:p>
+        </p:txBody>
+      </p:sp>
+      <p:sp>
+        <p:nvSpPr>
+          <p:cNvPr id="8" name="Down Arrow 7">
+            <a:extLst>
+              <a:ext uri="{FF2B5EF4-FFF2-40B4-BE49-F238E27FC236}">
+                <a16:creationId xmlns:a16="http://schemas.microsoft.com/office/drawing/2014/main" id="{5ED561A0-4D92-5C49-88EE-9B449D537B85}"/>
+              </a:ext>
+            </a:extLst>
+          </p:cNvPr>
+          <p:cNvSpPr/>
+          <p:nvPr/>
+        </p:nvSpPr>
+        <p:spPr>
+          <a:xfrm rot="10800000">
+            <a:off x="1752599" y="859382"/>
+            <a:ext cx="79997" cy="797968"/>
+          </a:xfrm>
+          <a:prstGeom prst="downArrow">
+            <a:avLst/>
+          </a:prstGeom>
+          <a:solidFill>
+            <a:srgbClr val="0070C0"/>
+          </a:solidFill>
+          <a:ln>
+            <a:solidFill>
+              <a:srgbClr val="0070C0"/>
+            </a:solidFill>
+          </a:ln>
+        </p:spPr>
+        <p:style>
+          <a:lnRef idx="2">
+            <a:schemeClr val="accent1">
+              <a:shade val="50000"/>
+            </a:schemeClr>
+          </a:lnRef>
+          <a:fillRef idx="1">
+            <a:schemeClr val="accent1"/>
+          </a:fillRef>
+          <a:effectRef idx="0">
+            <a:schemeClr val="accent1"/>
+          </a:effectRef>
+          <a:fontRef idx="minor">
+            <a:schemeClr val="lt1"/>
+          </a:fontRef>
+        </p:style>
+        <p:txBody>
+          <a:bodyPr rtlCol="0" anchor="ctr"/>
+          <a:lstStyle/>
+          <a:p>
+            <a:pPr algn="ctr"/>
+            <a:endParaRPr lang="en-US" dirty="0"/>
+          </a:p>
+        </p:txBody>
+      </p:sp>
+      <p:sp>
+        <p:nvSpPr>
+          <p:cNvPr id="9" name="TextBox 8">
+            <a:extLst>
+              <a:ext uri="{FF2B5EF4-FFF2-40B4-BE49-F238E27FC236}">
+                <a16:creationId xmlns:a16="http://schemas.microsoft.com/office/drawing/2014/main" id="{01B17C1B-5F36-C540-9B2D-69848A4E79C5}"/>
+              </a:ext>
+            </a:extLst>
+          </p:cNvPr>
+          <p:cNvSpPr txBox="1"/>
+          <p:nvPr/>
+        </p:nvSpPr>
+        <p:spPr>
+          <a:xfrm>
+            <a:off x="776687" y="1146987"/>
+            <a:ext cx="864339" cy="369332"/>
+          </a:xfrm>
+          <a:prstGeom prst="rect">
+            <a:avLst/>
+          </a:prstGeom>
+          <a:noFill/>
+        </p:spPr>
+        <p:txBody>
+          <a:bodyPr wrap="none" rtlCol="0">
+            <a:spAutoFit/>
+          </a:bodyPr>
+          <a:lstStyle/>
+          <a:p>
+            <a:r>
+              <a:rPr lang="en-US" sz="1400" dirty="0"/>
+              <a:t>Labels</a:t>
+            </a:r>
+          </a:p>
+        </p:txBody>
+      </p:sp>
+      <p:sp>
+        <p:nvSpPr>
+          <p:cNvPr id="10" name="TextBox 9">
+            <a:extLst>
+              <a:ext uri="{FF2B5EF4-FFF2-40B4-BE49-F238E27FC236}">
+                <a16:creationId xmlns:a16="http://schemas.microsoft.com/office/drawing/2014/main" id="{8AE0C5DA-120D-844C-AD2B-2114F8A26438}"/>
+              </a:ext>
+            </a:extLst>
+          </p:cNvPr>
+          <p:cNvSpPr txBox="1"/>
+          <p:nvPr/>
+        </p:nvSpPr>
+        <p:spPr>
+          <a:xfrm>
+            <a:off x="778877" y="2053614"/>
+            <a:ext cx="697627" cy="369332"/>
+          </a:xfrm>
+          <a:prstGeom prst="rect">
+            <a:avLst/>
+          </a:prstGeom>
+          <a:noFill/>
+        </p:spPr>
+        <p:txBody>
+          <a:bodyPr wrap="none" rtlCol="0">
+            <a:spAutoFit/>
+          </a:bodyPr>
+          <a:lstStyle/>
+          <a:p>
+            <a:r>
+              <a:rPr lang="en-US" sz="1400" dirty="0"/>
+              <a:t>Data</a:t>
+            </a:r>
+          </a:p>
+        </p:txBody>
+      </p:sp>
+      <p:cxnSp>
+        <p:nvCxnSpPr>
+          <p:cNvPr id="11" name="Straight Connector 10">
+            <a:extLst>
+              <a:ext uri="{FF2B5EF4-FFF2-40B4-BE49-F238E27FC236}">
+                <a16:creationId xmlns:a16="http://schemas.microsoft.com/office/drawing/2014/main" id="{27AEB769-163F-A743-BC08-507757986AB3}"/>
+              </a:ext>
+            </a:extLst>
+          </p:cNvPr>
+          <p:cNvCxnSpPr>
+            <a:cxnSpLocks/>
+          </p:cNvCxnSpPr>
+          <p:nvPr/>
+        </p:nvCxnSpPr>
+        <p:spPr>
+          <a:xfrm>
+            <a:off x="852887" y="1733551"/>
+            <a:ext cx="1295400" cy="0"/>
+          </a:xfrm>
+          <a:prstGeom prst="line">
+            <a:avLst/>
+          </a:prstGeom>
+        </p:spPr>
+        <p:style>
+          <a:lnRef idx="1">
+            <a:schemeClr val="accent1"/>
+          </a:lnRef>
+          <a:fillRef idx="0">
+            <a:schemeClr val="accent1"/>
+          </a:fillRef>
+          <a:effectRef idx="0">
+            <a:schemeClr val="accent1"/>
+          </a:effectRef>
+          <a:fontRef idx="minor">
+            <a:schemeClr val="tx1"/>
+          </a:fontRef>
+        </p:style>
+      </p:cxnSp>
     </p:spTree>
     <p:extLst>
       <p:ext uri="{BB962C8B-B14F-4D97-AF65-F5344CB8AC3E}">
@@ -11811,6 +12028,222 @@
           </a:p>
         </p:txBody>
       </p:sp>
+      <p:sp>
+        <p:nvSpPr>
+          <p:cNvPr id="7" name="Down Arrow 6">
+            <a:extLst>
+              <a:ext uri="{FF2B5EF4-FFF2-40B4-BE49-F238E27FC236}">
+                <a16:creationId xmlns:a16="http://schemas.microsoft.com/office/drawing/2014/main" id="{5BE85087-2F44-7F44-9ADA-FF40D970CB18}"/>
+              </a:ext>
+            </a:extLst>
+          </p:cNvPr>
+          <p:cNvSpPr/>
+          <p:nvPr/>
+        </p:nvSpPr>
+        <p:spPr>
+          <a:xfrm>
+            <a:off x="1523998" y="1809751"/>
+            <a:ext cx="79999" cy="1150708"/>
+          </a:xfrm>
+          <a:prstGeom prst="downArrow">
+            <a:avLst/>
+          </a:prstGeom>
+          <a:solidFill>
+            <a:srgbClr val="0070C0"/>
+          </a:solidFill>
+          <a:ln>
+            <a:solidFill>
+              <a:srgbClr val="0070C0"/>
+            </a:solidFill>
+          </a:ln>
+        </p:spPr>
+        <p:style>
+          <a:lnRef idx="2">
+            <a:schemeClr val="accent1">
+              <a:shade val="50000"/>
+            </a:schemeClr>
+          </a:lnRef>
+          <a:fillRef idx="1">
+            <a:schemeClr val="accent1"/>
+          </a:fillRef>
+          <a:effectRef idx="0">
+            <a:schemeClr val="accent1"/>
+          </a:effectRef>
+          <a:fontRef idx="minor">
+            <a:schemeClr val="lt1"/>
+          </a:fontRef>
+        </p:style>
+        <p:txBody>
+          <a:bodyPr rtlCol="0" anchor="ctr"/>
+          <a:lstStyle/>
+          <a:p>
+            <a:pPr algn="ctr"/>
+            <a:endParaRPr lang="en-US"/>
+          </a:p>
+        </p:txBody>
+      </p:sp>
+      <p:sp>
+        <p:nvSpPr>
+          <p:cNvPr id="8" name="Down Arrow 7">
+            <a:extLst>
+              <a:ext uri="{FF2B5EF4-FFF2-40B4-BE49-F238E27FC236}">
+                <a16:creationId xmlns:a16="http://schemas.microsoft.com/office/drawing/2014/main" id="{A1ED8C8E-0A9B-B143-BA11-D9B7D6330F49}"/>
+              </a:ext>
+            </a:extLst>
+          </p:cNvPr>
+          <p:cNvSpPr/>
+          <p:nvPr/>
+        </p:nvSpPr>
+        <p:spPr>
+          <a:xfrm rot="10800000">
+            <a:off x="1523999" y="812304"/>
+            <a:ext cx="79997" cy="845046"/>
+          </a:xfrm>
+          <a:prstGeom prst="downArrow">
+            <a:avLst/>
+          </a:prstGeom>
+          <a:solidFill>
+            <a:srgbClr val="0070C0"/>
+          </a:solidFill>
+          <a:ln>
+            <a:solidFill>
+              <a:srgbClr val="0070C0"/>
+            </a:solidFill>
+          </a:ln>
+        </p:spPr>
+        <p:style>
+          <a:lnRef idx="2">
+            <a:schemeClr val="accent1">
+              <a:shade val="50000"/>
+            </a:schemeClr>
+          </a:lnRef>
+          <a:fillRef idx="1">
+            <a:schemeClr val="accent1"/>
+          </a:fillRef>
+          <a:effectRef idx="0">
+            <a:schemeClr val="accent1"/>
+          </a:effectRef>
+          <a:fontRef idx="minor">
+            <a:schemeClr val="lt1"/>
+          </a:fontRef>
+        </p:style>
+        <p:txBody>
+          <a:bodyPr rtlCol="0" anchor="ctr"/>
+          <a:lstStyle/>
+          <a:p>
+            <a:pPr algn="ctr"/>
+            <a:endParaRPr lang="en-US" dirty="0"/>
+          </a:p>
+        </p:txBody>
+      </p:sp>
+      <p:sp>
+        <p:nvSpPr>
+          <p:cNvPr id="9" name="TextBox 8">
+            <a:extLst>
+              <a:ext uri="{FF2B5EF4-FFF2-40B4-BE49-F238E27FC236}">
+                <a16:creationId xmlns:a16="http://schemas.microsoft.com/office/drawing/2014/main" id="{34526A0E-E63C-7347-A903-DCAD94B7AB9E}"/>
+              </a:ext>
+            </a:extLst>
+          </p:cNvPr>
+          <p:cNvSpPr txBox="1"/>
+          <p:nvPr/>
+        </p:nvSpPr>
+        <p:spPr>
+          <a:xfrm>
+            <a:off x="548087" y="1146987"/>
+            <a:ext cx="864339" cy="369332"/>
+          </a:xfrm>
+          <a:prstGeom prst="rect">
+            <a:avLst/>
+          </a:prstGeom>
+          <a:noFill/>
+        </p:spPr>
+        <p:txBody>
+          <a:bodyPr wrap="none" rtlCol="0">
+            <a:spAutoFit/>
+          </a:bodyPr>
+          <a:lstStyle/>
+          <a:p>
+            <a:r>
+              <a:rPr lang="en-US" sz="1400" dirty="0"/>
+              <a:t>Labels</a:t>
+            </a:r>
+          </a:p>
+        </p:txBody>
+      </p:sp>
+      <p:sp>
+        <p:nvSpPr>
+          <p:cNvPr id="10" name="TextBox 9">
+            <a:extLst>
+              <a:ext uri="{FF2B5EF4-FFF2-40B4-BE49-F238E27FC236}">
+                <a16:creationId xmlns:a16="http://schemas.microsoft.com/office/drawing/2014/main" id="{D0D49916-B74A-1044-B97B-A89C24B911DF}"/>
+              </a:ext>
+            </a:extLst>
+          </p:cNvPr>
+          <p:cNvSpPr txBox="1"/>
+          <p:nvPr/>
+        </p:nvSpPr>
+        <p:spPr>
+          <a:xfrm>
+            <a:off x="550277" y="2053614"/>
+            <a:ext cx="697627" cy="369332"/>
+          </a:xfrm>
+          <a:prstGeom prst="rect">
+            <a:avLst/>
+          </a:prstGeom>
+          <a:noFill/>
+        </p:spPr>
+        <p:txBody>
+          <a:bodyPr wrap="none" rtlCol="0">
+            <a:spAutoFit/>
+          </a:bodyPr>
+          <a:lstStyle/>
+          <a:p>
+            <a:r>
+              <a:rPr lang="en-US" sz="1400" dirty="0"/>
+              <a:t>Data</a:t>
+            </a:r>
+          </a:p>
+        </p:txBody>
+      </p:sp>
+      <p:cxnSp>
+        <p:nvCxnSpPr>
+          <p:cNvPr id="11" name="Straight Connector 10">
+            <a:extLst>
+              <a:ext uri="{FF2B5EF4-FFF2-40B4-BE49-F238E27FC236}">
+                <a16:creationId xmlns:a16="http://schemas.microsoft.com/office/drawing/2014/main" id="{8FEBA29F-A61D-4141-83E8-03E714F07069}"/>
+              </a:ext>
+            </a:extLst>
+          </p:cNvPr>
+          <p:cNvCxnSpPr>
+            <a:cxnSpLocks/>
+          </p:cNvCxnSpPr>
+          <p:nvPr/>
+        </p:nvCxnSpPr>
+        <p:spPr>
+          <a:xfrm>
+            <a:off x="624287" y="1733551"/>
+            <a:ext cx="1295400" cy="0"/>
+          </a:xfrm>
+          <a:prstGeom prst="line">
+            <a:avLst/>
+          </a:prstGeom>
+        </p:spPr>
+        <p:style>
+          <a:lnRef idx="1">
+            <a:schemeClr val="accent1"/>
+          </a:lnRef>
+          <a:fillRef idx="0">
+            <a:schemeClr val="accent1"/>
+          </a:fillRef>
+          <a:effectRef idx="0">
+            <a:schemeClr val="accent1"/>
+          </a:effectRef>
+          <a:fontRef idx="minor">
+            <a:schemeClr val="tx1"/>
+          </a:fontRef>
+        </p:style>
+      </p:cxnSp>
     </p:spTree>
     <p:extLst>
       <p:ext uri="{BB962C8B-B14F-4D97-AF65-F5344CB8AC3E}">
@@ -12621,8 +13054,8 @@
         </p:nvSpPr>
         <p:spPr>
           <a:xfrm>
-            <a:off x="0" y="0"/>
-            <a:ext cx="8839200" cy="717589"/>
+            <a:off x="0" y="17653"/>
+            <a:ext cx="9124208" cy="717589"/>
           </a:xfrm>
         </p:spPr>
         <p:txBody>
@@ -12637,47 +13070,7 @@
                 <a:latin typeface="Calibri Light" panose="020F0302020204030204" pitchFamily="34" charset="0"/>
                 <a:cs typeface="Calibri Light" panose="020F0302020204030204" pitchFamily="34" charset="0"/>
               </a:rPr>
-              <a:t>Example - </a:t>
-            </a:r>
-            <a:r>
-              <a:rPr lang="en-US" sz="2400" dirty="0" err="1">
-                <a:solidFill>
-                  <a:srgbClr val="0070C0"/>
-                </a:solidFill>
-                <a:latin typeface="Calibri Light" panose="020F0302020204030204" pitchFamily="34" charset="0"/>
-                <a:cs typeface="Calibri Light" panose="020F0302020204030204" pitchFamily="34" charset="0"/>
-              </a:rPr>
-              <a:t>DetNet</a:t>
-            </a:r>
-            <a:r>
-              <a:rPr lang="en-US" sz="2400" dirty="0">
-                <a:solidFill>
-                  <a:srgbClr val="0070C0"/>
-                </a:solidFill>
-                <a:latin typeface="Calibri Light" panose="020F0302020204030204" pitchFamily="34" charset="0"/>
-                <a:cs typeface="Calibri Light" panose="020F0302020204030204" pitchFamily="34" charset="0"/>
-              </a:rPr>
-              <a:t> Control Word [RFC8964] </a:t>
-            </a:r>
-            <a:r>
-              <a:rPr lang="en-CA" sz="2400" dirty="0">
-                <a:solidFill>
-                  <a:srgbClr val="0070C0"/>
-                </a:solidFill>
-                <a:latin typeface="Calibri Light" panose="020F0302020204030204" pitchFamily="34" charset="0"/>
-                <a:cs typeface="Calibri Light" panose="020F0302020204030204" pitchFamily="34" charset="0"/>
-              </a:rPr>
-              <a:t>with IOAM Data Fields</a:t>
-            </a:r>
-            <a:r>
-              <a:rPr lang="en-US" sz="2400" dirty="0">
-                <a:solidFill>
-                  <a:srgbClr val="0070C0"/>
-                </a:solidFill>
-                <a:latin typeface="Calibri Light" panose="020F0302020204030204" pitchFamily="34" charset="0"/>
-                <a:cs typeface="Calibri Light" panose="020F0302020204030204" pitchFamily="34" charset="0"/>
-              </a:rPr>
-              <a:t> </a:t>
+              <a:t>Example - Generic Delivery Function with IOAM Data Fields</a:t>
             </a:r>
           </a:p>
         </p:txBody>
@@ -12775,8 +13168,8 @@
         </p:nvSpPr>
         <p:spPr>
           <a:xfrm>
-            <a:off x="1981200" y="628292"/>
-            <a:ext cx="5105400" cy="4247317"/>
+            <a:off x="2438400" y="713601"/>
+            <a:ext cx="5715000" cy="4108817"/>
           </a:xfrm>
           <a:prstGeom prst="rect">
             <a:avLst/>
@@ -12820,9 +13213,12 @@
           <a:p>
             <a:r>
               <a:rPr lang="en-CA" sz="900" dirty="0">
-                <a:latin typeface="Courier" pitchFamily="2" charset="0"/>
-              </a:rPr>
-              <a:t>   | [F-Label(s)]                          | TC  |S|  TTL          |</a:t>
+                <a:solidFill>
+                  <a:srgbClr val="0070C0"/>
+                </a:solidFill>
+                <a:latin typeface="Courier" pitchFamily="2" charset="0"/>
+              </a:rPr>
+              <a:t>   | GDH Label                             | TC  |S|  TTL          |</a:t>
             </a:r>
           </a:p>
           <a:p>
@@ -12838,7 +13234,51 @@
               <a:rPr lang="en-CA" sz="900" dirty="0">
                 <a:latin typeface="Courier" pitchFamily="2" charset="0"/>
               </a:rPr>
-              <a:t>   </a:t>
+              <a:t>   | IOAM Indicator Label                  | TC  |1|  TTL          |</a:t>
+            </a:r>
+          </a:p>
+          <a:p>
+            <a:r>
+              <a:rPr lang="en-CA" sz="900" dirty="0">
+                <a:latin typeface="Courier" pitchFamily="2" charset="0"/>
+              </a:rPr>
+              <a:t>   +-+-+-+-+-+-+-+-+-+-+-+-+-+-+-+-+-+-+-+-+-+-+-+-+-+-+-+-+-+-+-+-+&lt;-+</a:t>
+            </a:r>
+          </a:p>
+          <a:p>
+            <a:r>
+              <a:rPr lang="en-CA" sz="900" dirty="0">
+                <a:latin typeface="Courier" pitchFamily="2" charset="0"/>
+              </a:rPr>
+              <a:t>   |0 0 0 1|Version| Reserved      | IOAM G-</a:t>
+            </a:r>
+            <a:r>
+              <a:rPr lang="en-CA" sz="900" dirty="0" err="1">
+                <a:latin typeface="Courier" pitchFamily="2" charset="0"/>
+              </a:rPr>
+              <a:t>ACh</a:t>
+            </a:r>
+            <a:r>
+              <a:rPr lang="en-CA" sz="900" dirty="0">
+                <a:latin typeface="Courier" pitchFamily="2" charset="0"/>
+              </a:rPr>
+              <a:t>                    |  |</a:t>
+            </a:r>
+          </a:p>
+          <a:p>
+            <a:r>
+              <a:rPr lang="en-CA" sz="900" dirty="0">
+                <a:latin typeface="Courier" pitchFamily="2" charset="0"/>
+              </a:rPr>
+              <a:t>   +-+-+-+-+-+-+-+-+-+-+-+-+-+-+-+-+-+-+-+-+-+-+-+-+-+-+-+-+-+-+-+-+  |</a:t>
+            </a:r>
+          </a:p>
+          <a:p>
+            <a:r>
+              <a:rPr lang="en-CA" sz="900" dirty="0">
+                <a:latin typeface="Courier" pitchFamily="2" charset="0"/>
+              </a:rPr>
+              <a:t>   | Reserved      | Block Number  | IOAM-OPT-Type |</a:t>
             </a:r>
             <a:r>
               <a:rPr lang="en-CA" sz="900" dirty="0">
@@ -12847,7 +13287,69 @@
                 </a:solidFill>
                 <a:latin typeface="Courier" pitchFamily="2" charset="0"/>
               </a:rPr>
-              <a:t>| S-Label                               | TC  |S|  TTL          |</a:t>
+              <a:t>IOAM HDR Length</a:t>
+            </a:r>
+            <a:r>
+              <a:rPr lang="en-CA" sz="900" dirty="0">
+                <a:latin typeface="Courier" pitchFamily="2" charset="0"/>
+              </a:rPr>
+              <a:t>|  |</a:t>
+            </a:r>
+          </a:p>
+          <a:p>
+            <a:r>
+              <a:rPr lang="en-CA" sz="900" dirty="0">
+                <a:latin typeface="Courier" pitchFamily="2" charset="0"/>
+              </a:rPr>
+              <a:t>   +-+-+-+-+-+-+-+-+-+-+-+-+-+-+-+-+-+-+-+-+-+-+-+-+-+-+-+-+-+-+-+-+  I</a:t>
+            </a:r>
+          </a:p>
+          <a:p>
+            <a:r>
+              <a:rPr lang="en-CA" sz="900" dirty="0">
+                <a:latin typeface="Courier" pitchFamily="2" charset="0"/>
+              </a:rPr>
+              <a:t>   |                                                               |  O</a:t>
+            </a:r>
+          </a:p>
+          <a:p>
+            <a:r>
+              <a:rPr lang="en-CA" sz="900" dirty="0">
+                <a:latin typeface="Courier" pitchFamily="2" charset="0"/>
+              </a:rPr>
+              <a:t>   |                                                               |  A</a:t>
+            </a:r>
+          </a:p>
+          <a:p>
+            <a:r>
+              <a:rPr lang="en-CA" sz="900" dirty="0">
+                <a:latin typeface="Courier" pitchFamily="2" charset="0"/>
+              </a:rPr>
+              <a:t>   ~                 IOAM Option and Data Space                    ~  M</a:t>
+            </a:r>
+          </a:p>
+          <a:p>
+            <a:r>
+              <a:rPr lang="en-CA" sz="900" dirty="0">
+                <a:latin typeface="Courier" pitchFamily="2" charset="0"/>
+              </a:rPr>
+              <a:t>   |                                                               |  |</a:t>
+            </a:r>
+          </a:p>
+          <a:p>
+            <a:r>
+              <a:rPr lang="en-CA" sz="900" dirty="0">
+                <a:latin typeface="Courier" pitchFamily="2" charset="0"/>
+              </a:rPr>
+              <a:t>   |                                                               |  |</a:t>
+            </a:r>
+          </a:p>
+          <a:p>
+            <a:r>
+              <a:rPr lang="en-CA" sz="900" dirty="0">
+                <a:latin typeface="Courier" pitchFamily="2" charset="0"/>
+              </a:rPr>
+              <a:t>   +-+-+-+-+-+-+-+-+-+-+-+-+-+-+-+-+-+-+-+-+-+-+-+-+-+-+-+-+-+-+-+-+&lt;-+</a:t>
             </a:r>
           </a:p>
           <a:p>
@@ -12858,10 +13360,17 @@
                 </a:solidFill>
                 <a:latin typeface="Courier" pitchFamily="2" charset="0"/>
               </a:rPr>
-              <a:t>   +-+-+-+-+-+-+-+-+-+-+-+-+-+-+-+-+-+-+-+-+-+-+-+-+-+-+-+-+-+-+-+-+</a:t>
-            </a:r>
-          </a:p>
-          <a:p>
+              <a:t>   |0 0 0 0| </a:t>
+            </a:r>
+            <a:r>
+              <a:rPr lang="en-CA" sz="900" dirty="0" err="1">
+                <a:solidFill>
+                  <a:srgbClr val="0070C0"/>
+                </a:solidFill>
+                <a:latin typeface="Courier" pitchFamily="2" charset="0"/>
+              </a:rPr>
+              <a:t>Rsved</a:t>
+            </a:r>
             <a:r>
               <a:rPr lang="en-CA" sz="900" dirty="0">
                 <a:solidFill>
@@ -12869,52 +13378,10 @@
                 </a:solidFill>
                 <a:latin typeface="Courier" pitchFamily="2" charset="0"/>
               </a:rPr>
-              <a:t>   | IOAM Indicator Label                  | TC  |1|  TTL          |</a:t>
-            </a:r>
-          </a:p>
-          <a:p>
-            <a:r>
-              <a:rPr lang="en-CA" sz="900" dirty="0">
-                <a:latin typeface="Courier" pitchFamily="2" charset="0"/>
-              </a:rPr>
-              <a:t>   +-+-+-+-+-+-+-+-+-+-+-+-+-+-+-+-+-+-+-+-+-+-+-+-+-+-+-+-+-+-+-+-+&lt;-+</a:t>
-            </a:r>
-          </a:p>
-          <a:p>
-            <a:r>
-              <a:rPr lang="en-CA" sz="900" dirty="0">
-                <a:latin typeface="Courier" pitchFamily="2" charset="0"/>
-              </a:rPr>
-              <a:t>   |0 0 0 1|Version| Reserved      | IOAM G-</a:t>
-            </a:r>
-            <a:r>
-              <a:rPr lang="en-CA" sz="900" dirty="0" err="1">
-                <a:latin typeface="Courier" pitchFamily="2" charset="0"/>
-              </a:rPr>
-              <a:t>ACh</a:t>
-            </a:r>
-            <a:r>
-              <a:rPr lang="en-CA" sz="900" dirty="0">
-                <a:latin typeface="Courier" pitchFamily="2" charset="0"/>
-              </a:rPr>
-              <a:t>                    |  |</a:t>
-            </a:r>
-          </a:p>
-          <a:p>
-            <a:r>
-              <a:rPr lang="en-CA" sz="900" dirty="0">
-                <a:latin typeface="Courier" pitchFamily="2" charset="0"/>
-              </a:rPr>
-              <a:t>   +-+-+-+-+-+-+-+-+-+-+-+-+-+-+-+-+-+-+-+-+-+-+-+-+-+-+-+-+-+-+-+-+  |</a:t>
-            </a:r>
-          </a:p>
-          <a:p>
-            <a:r>
-              <a:rPr lang="en-CA" sz="900" dirty="0">
-                <a:latin typeface="Courier" pitchFamily="2" charset="0"/>
-              </a:rPr>
-              <a:t>   | Reserved      | Block Number  | IOAM-OPT-Type |</a:t>
-            </a:r>
+              <a:t> | This Header   | Header Length | Next Header   |</a:t>
+            </a:r>
+          </a:p>
+          <a:p>
             <a:r>
               <a:rPr lang="en-CA" sz="900" dirty="0">
                 <a:solidFill>
@@ -12922,13 +13389,18 @@
                 </a:solidFill>
                 <a:latin typeface="Courier" pitchFamily="2" charset="0"/>
               </a:rPr>
-              <a:t>IOAM HDR Length</a:t>
-            </a:r>
+              <a:t>   +-+-+-+-+-+-+-+-+-+-+-+-+-+-+-+-+-+-+-+-+-+-+-+-+-+-+-+-+-+-+-+-+</a:t>
+            </a:r>
+          </a:p>
+          <a:p>
             <a:r>
               <a:rPr lang="en-CA" sz="900" dirty="0">
-                <a:latin typeface="Courier" pitchFamily="2" charset="0"/>
-              </a:rPr>
-              <a:t>|  |</a:t>
+                <a:solidFill>
+                  <a:srgbClr val="0070C0"/>
+                </a:solidFill>
+                <a:latin typeface="Courier" pitchFamily="2" charset="0"/>
+              </a:rPr>
+              <a:t>   ~              Variable field per “This header”                 ~</a:t>
             </a:r>
           </a:p>
           <a:p>
@@ -12936,55 +13408,7 @@
               <a:rPr lang="en-CA" sz="900" dirty="0">
                 <a:latin typeface="Courier" pitchFamily="2" charset="0"/>
               </a:rPr>
-              <a:t>   +-+-+-+-+-+-+-+-+-+-+-+-+-+-+-+-+-+-+-+-+-+-+-+-+-+-+-+-+-+-+-+-+  I</a:t>
-            </a:r>
-          </a:p>
-          <a:p>
-            <a:r>
-              <a:rPr lang="en-CA" sz="900" dirty="0">
-                <a:latin typeface="Courier" pitchFamily="2" charset="0"/>
-              </a:rPr>
-              <a:t>   |                                                               |  O</a:t>
-            </a:r>
-          </a:p>
-          <a:p>
-            <a:r>
-              <a:rPr lang="en-CA" sz="900" dirty="0">
-                <a:latin typeface="Courier" pitchFamily="2" charset="0"/>
-              </a:rPr>
-              <a:t>   |                                                               |  A</a:t>
-            </a:r>
-          </a:p>
-          <a:p>
-            <a:r>
-              <a:rPr lang="en-CA" sz="900" dirty="0">
-                <a:latin typeface="Courier" pitchFamily="2" charset="0"/>
-              </a:rPr>
-              <a:t>   ~                 IOAM Option and Data Space                    ~  M</a:t>
-            </a:r>
-          </a:p>
-          <a:p>
-            <a:r>
-              <a:rPr lang="en-CA" sz="900" dirty="0">
-                <a:latin typeface="Courier" pitchFamily="2" charset="0"/>
-              </a:rPr>
-              <a:t>   |                                                               |  |</a:t>
-            </a:r>
-          </a:p>
-          <a:p>
-            <a:r>
-              <a:rPr lang="en-CA" sz="900" dirty="0">
-                <a:latin typeface="Courier" pitchFamily="2" charset="0"/>
-              </a:rPr>
-              <a:t>   |                                                               |  |</a:t>
-            </a:r>
-          </a:p>
-          <a:p>
-            <a:r>
-              <a:rPr lang="en-CA" sz="900" dirty="0">
-                <a:latin typeface="Courier" pitchFamily="2" charset="0"/>
-              </a:rPr>
-              <a:t>   +-+-+-+-+-+-+-+-+-+-+-+-+-+-+-+-+-+-+-+-+-+-+-+-+-+-+-+-+-+-+-+-+&lt;-+</a:t>
+              <a:t>   +-+-+-+-+-+-+-+-+-+-+-+-+-+-+-+-+-+-+-+-+-+-+-+-+-+-+-+-+-+-+-+-+</a:t>
             </a:r>
           </a:p>
           <a:p>
@@ -12995,34 +13419,21 @@
                 </a:solidFill>
                 <a:latin typeface="Courier" pitchFamily="2" charset="0"/>
               </a:rPr>
-              <a:t>   </a:t>
+              <a:t>  </a:t>
             </a:r>
             <a:r>
               <a:rPr lang="en-CA" sz="900" dirty="0">
-                <a:solidFill>
-                  <a:srgbClr val="0070C0"/>
-                </a:solidFill>
-                <a:latin typeface="Courier" pitchFamily="2" charset="0"/>
-              </a:rPr>
-              <a:t>|0 0 0 0| Sequence Number (</a:t>
-            </a:r>
-            <a:r>
-              <a:rPr lang="en-CA" sz="900" dirty="0" err="1">
-                <a:solidFill>
-                  <a:srgbClr val="0070C0"/>
-                </a:solidFill>
-                <a:latin typeface="Courier" pitchFamily="2" charset="0"/>
-              </a:rPr>
-              <a:t>DetNet</a:t>
-            </a:r>
+                <a:latin typeface="Courier" pitchFamily="2" charset="0"/>
+              </a:rPr>
+              <a:t> |                                                               |</a:t>
+            </a:r>
+          </a:p>
+          <a:p>
             <a:r>
               <a:rPr lang="en-CA" sz="900" dirty="0">
-                <a:solidFill>
-                  <a:srgbClr val="0070C0"/>
-                </a:solidFill>
-                <a:latin typeface="Courier" pitchFamily="2" charset="0"/>
-              </a:rPr>
-              <a:t> Control Word)                 |</a:t>
+                <a:latin typeface="Courier" pitchFamily="2" charset="0"/>
+              </a:rPr>
+              <a:t>   |                                                               |</a:t>
             </a:r>
           </a:p>
           <a:p>
@@ -13030,6 +13441,30 @@
               <a:rPr lang="en-CA" sz="900" dirty="0">
                 <a:latin typeface="Courier" pitchFamily="2" charset="0"/>
               </a:rPr>
+              <a:t>   ~                 Payload Packet                                ~</a:t>
+            </a:r>
+          </a:p>
+          <a:p>
+            <a:r>
+              <a:rPr lang="en-CA" sz="900" dirty="0">
+                <a:latin typeface="Courier" pitchFamily="2" charset="0"/>
+              </a:rPr>
+              <a:t>   |                                                               |</a:t>
+            </a:r>
+          </a:p>
+          <a:p>
+            <a:r>
+              <a:rPr lang="en-CA" sz="900" dirty="0">
+                <a:latin typeface="Courier" pitchFamily="2" charset="0"/>
+              </a:rPr>
+              <a:t>   |                                                               |</a:t>
+            </a:r>
+          </a:p>
+          <a:p>
+            <a:r>
+              <a:rPr lang="en-CA" sz="900" dirty="0">
+                <a:latin typeface="Courier" pitchFamily="2" charset="0"/>
+              </a:rPr>
               <a:t>   +-+-+-+-+-+-+-+-+-+-+-+-+-+-+-+-+-+-+-+-+-+-+-+-+-+-+-+-+-+-+-+-+</a:t>
             </a:r>
           </a:p>
@@ -13038,7 +13473,7 @@
               <a:rPr lang="en-CA" sz="900" dirty="0">
                 <a:latin typeface="Courier" pitchFamily="2" charset="0"/>
               </a:rPr>
-              <a:t>   |                                                               |</a:t>
+              <a:t> </a:t>
             </a:r>
           </a:p>
           <a:p>
@@ -13046,87 +13481,7 @@
               <a:rPr lang="en-CA" sz="900" dirty="0">
                 <a:latin typeface="Courier" pitchFamily="2" charset="0"/>
               </a:rPr>
-              <a:t>   |                                                               |</a:t>
-            </a:r>
-          </a:p>
-          <a:p>
-            <a:r>
-              <a:rPr lang="en-CA" sz="900" dirty="0">
-                <a:latin typeface="Courier" pitchFamily="2" charset="0"/>
-              </a:rPr>
-              <a:t>   ~                 </a:t>
-            </a:r>
-            <a:r>
-              <a:rPr lang="en-CA" sz="900" dirty="0" err="1">
-                <a:latin typeface="Courier" pitchFamily="2" charset="0"/>
-              </a:rPr>
-              <a:t>DetNet</a:t>
-            </a:r>
-            <a:r>
-              <a:rPr lang="en-CA" sz="900" dirty="0">
-                <a:latin typeface="Courier" pitchFamily="2" charset="0"/>
-              </a:rPr>
-              <a:t> Flow                                   ~</a:t>
-            </a:r>
-          </a:p>
-          <a:p>
-            <a:r>
-              <a:rPr lang="en-CA" sz="900" dirty="0">
-                <a:latin typeface="Courier" pitchFamily="2" charset="0"/>
-              </a:rPr>
-              <a:t>   ~                 Payload Packet                                ~</a:t>
-            </a:r>
-          </a:p>
-          <a:p>
-            <a:r>
-              <a:rPr lang="en-CA" sz="900" dirty="0">
-                <a:latin typeface="Courier" pitchFamily="2" charset="0"/>
-              </a:rPr>
-              <a:t>   |                                                               |</a:t>
-            </a:r>
-          </a:p>
-          <a:p>
-            <a:r>
-              <a:rPr lang="en-CA" sz="900" dirty="0">
-                <a:latin typeface="Courier" pitchFamily="2" charset="0"/>
-              </a:rPr>
-              <a:t>   |                                                               |</a:t>
-            </a:r>
-          </a:p>
-          <a:p>
-            <a:r>
-              <a:rPr lang="en-CA" sz="900" dirty="0">
-                <a:latin typeface="Courier" pitchFamily="2" charset="0"/>
-              </a:rPr>
-              <a:t>   +-+-+-+-+-+-+-+-+-+-+-+-+-+-+-+-+-+-+-+-+-+-+-+-+-+-+-+-+-+-+-+-+</a:t>
-            </a:r>
-          </a:p>
-          <a:p>
-            <a:r>
-              <a:rPr lang="en-CA" sz="900" dirty="0">
-                <a:latin typeface="Courier" pitchFamily="2" charset="0"/>
-              </a:rPr>
-              <a:t> </a:t>
-            </a:r>
-          </a:p>
-          <a:p>
-            <a:r>
-              <a:rPr lang="en-CA" sz="900" dirty="0">
-                <a:latin typeface="Courier" pitchFamily="2" charset="0"/>
-              </a:rPr>
-              <a:t>  Figure: Example MPLS Encapsulation with </a:t>
-            </a:r>
-            <a:r>
-              <a:rPr lang="en-CA" sz="900" dirty="0" err="1">
-                <a:latin typeface="Courier" pitchFamily="2" charset="0"/>
-              </a:rPr>
-              <a:t>DetNet</a:t>
-            </a:r>
-            <a:r>
-              <a:rPr lang="en-CA" sz="900" dirty="0">
-                <a:latin typeface="Courier" pitchFamily="2" charset="0"/>
-              </a:rPr>
-              <a:t> with IOAM Data Fields</a:t>
+              <a:t>Figure: MPLS Encapsulation with Generic Delivery Functions with IOAM Data Fields</a:t>
             </a:r>
             <a:endParaRPr lang="en-CA" sz="900" dirty="0">
               <a:latin typeface="Courier" pitchFamily="2" charset="0"/>
@@ -13136,10 +13491,294 @@
           </a:p>
         </p:txBody>
       </p:sp>
+      <p:sp>
+        <p:nvSpPr>
+          <p:cNvPr id="7" name="Rectangle 6">
+            <a:extLst>
+              <a:ext uri="{FF2B5EF4-FFF2-40B4-BE49-F238E27FC236}">
+                <a16:creationId xmlns:a16="http://schemas.microsoft.com/office/drawing/2014/main" id="{AF26C24A-B63C-7045-B4DF-BFCC4C5A3608}"/>
+              </a:ext>
+            </a:extLst>
+          </p:cNvPr>
+          <p:cNvSpPr/>
+          <p:nvPr/>
+        </p:nvSpPr>
+        <p:spPr>
+          <a:xfrm>
+            <a:off x="-19050" y="4073717"/>
+            <a:ext cx="2476500" cy="1015663"/>
+          </a:xfrm>
+          <a:prstGeom prst="rect">
+            <a:avLst/>
+          </a:prstGeom>
+        </p:spPr>
+        <p:txBody>
+          <a:bodyPr wrap="square">
+            <a:spAutoFit/>
+          </a:bodyPr>
+          <a:lstStyle/>
+          <a:p>
+            <a:pPr marL="171450" indent="-171450">
+              <a:buFont typeface="Arial" panose="020B0604020202020204" pitchFamily="34" charset="0"/>
+              <a:buChar char="•"/>
+            </a:pPr>
+            <a:r>
+              <a:rPr lang="en-US" sz="1000" dirty="0">
+                <a:hlinkClick r:id="rId2"/>
+              </a:rPr>
+              <a:t>https://datatracker.ietf.org/doc/draft-zzhang-intarea-generic-delivery-functions/</a:t>
+            </a:r>
+            <a:endParaRPr lang="en-US" sz="1000" dirty="0"/>
+          </a:p>
+          <a:p>
+            <a:pPr marL="171450" indent="-171450">
+              <a:buFont typeface="Arial" panose="020B0604020202020204" pitchFamily="34" charset="0"/>
+              <a:buChar char="•"/>
+            </a:pPr>
+            <a:endParaRPr lang="en-US" sz="1000" dirty="0"/>
+          </a:p>
+          <a:p>
+            <a:pPr marL="171450" indent="-171450">
+              <a:buFont typeface="Arial" panose="020B0604020202020204" pitchFamily="34" charset="0"/>
+              <a:buChar char="•"/>
+            </a:pPr>
+            <a:r>
+              <a:rPr lang="en-US" sz="1000" dirty="0"/>
+              <a:t>GDF Ingress/Egress Nodes only.</a:t>
+            </a:r>
+          </a:p>
+          <a:p>
+            <a:pPr marL="171450" indent="-171450">
+              <a:buFont typeface="Arial" panose="020B0604020202020204" pitchFamily="34" charset="0"/>
+              <a:buChar char="•"/>
+            </a:pPr>
+            <a:r>
+              <a:rPr lang="en-US" sz="1000" dirty="0"/>
+              <a:t>GDF has no Hop-by-hop processing</a:t>
+            </a:r>
+          </a:p>
+        </p:txBody>
+      </p:sp>
+      <p:sp>
+        <p:nvSpPr>
+          <p:cNvPr id="8" name="Down Arrow 7">
+            <a:extLst>
+              <a:ext uri="{FF2B5EF4-FFF2-40B4-BE49-F238E27FC236}">
+                <a16:creationId xmlns:a16="http://schemas.microsoft.com/office/drawing/2014/main" id="{951FF7B3-70B0-F84B-8BAB-F52E1301983B}"/>
+              </a:ext>
+            </a:extLst>
+          </p:cNvPr>
+          <p:cNvSpPr/>
+          <p:nvPr/>
+        </p:nvSpPr>
+        <p:spPr>
+          <a:xfrm>
+            <a:off x="2209798" y="1746276"/>
+            <a:ext cx="79999" cy="1150708"/>
+          </a:xfrm>
+          <a:prstGeom prst="downArrow">
+            <a:avLst/>
+          </a:prstGeom>
+          <a:solidFill>
+            <a:srgbClr val="0070C0"/>
+          </a:solidFill>
+          <a:ln>
+            <a:solidFill>
+              <a:srgbClr val="0070C0"/>
+            </a:solidFill>
+          </a:ln>
+        </p:spPr>
+        <p:style>
+          <a:lnRef idx="2">
+            <a:schemeClr val="accent1">
+              <a:shade val="50000"/>
+            </a:schemeClr>
+          </a:lnRef>
+          <a:fillRef idx="1">
+            <a:schemeClr val="accent1"/>
+          </a:fillRef>
+          <a:effectRef idx="0">
+            <a:schemeClr val="accent1"/>
+          </a:effectRef>
+          <a:fontRef idx="minor">
+            <a:schemeClr val="lt1"/>
+          </a:fontRef>
+        </p:style>
+        <p:txBody>
+          <a:bodyPr rtlCol="0" anchor="ctr"/>
+          <a:lstStyle/>
+          <a:p>
+            <a:pPr algn="ctr"/>
+            <a:endParaRPr lang="en-US"/>
+          </a:p>
+        </p:txBody>
+      </p:sp>
+      <p:sp>
+        <p:nvSpPr>
+          <p:cNvPr id="9" name="Down Arrow 8">
+            <a:extLst>
+              <a:ext uri="{FF2B5EF4-FFF2-40B4-BE49-F238E27FC236}">
+                <a16:creationId xmlns:a16="http://schemas.microsoft.com/office/drawing/2014/main" id="{1A58CB07-798E-3D43-8FF1-66DE788A8E05}"/>
+              </a:ext>
+            </a:extLst>
+          </p:cNvPr>
+          <p:cNvSpPr/>
+          <p:nvPr/>
+        </p:nvSpPr>
+        <p:spPr>
+          <a:xfrm rot="10800000">
+            <a:off x="2209799" y="876285"/>
+            <a:ext cx="79997" cy="717589"/>
+          </a:xfrm>
+          <a:prstGeom prst="downArrow">
+            <a:avLst/>
+          </a:prstGeom>
+          <a:solidFill>
+            <a:srgbClr val="0070C0"/>
+          </a:solidFill>
+          <a:ln>
+            <a:solidFill>
+              <a:srgbClr val="0070C0"/>
+            </a:solidFill>
+          </a:ln>
+        </p:spPr>
+        <p:style>
+          <a:lnRef idx="2">
+            <a:schemeClr val="accent1">
+              <a:shade val="50000"/>
+            </a:schemeClr>
+          </a:lnRef>
+          <a:fillRef idx="1">
+            <a:schemeClr val="accent1"/>
+          </a:fillRef>
+          <a:effectRef idx="0">
+            <a:schemeClr val="accent1"/>
+          </a:effectRef>
+          <a:fontRef idx="minor">
+            <a:schemeClr val="lt1"/>
+          </a:fontRef>
+        </p:style>
+        <p:txBody>
+          <a:bodyPr rtlCol="0" anchor="ctr"/>
+          <a:lstStyle/>
+          <a:p>
+            <a:pPr algn="ctr"/>
+            <a:endParaRPr lang="en-US" dirty="0"/>
+          </a:p>
+        </p:txBody>
+      </p:sp>
+      <p:sp>
+        <p:nvSpPr>
+          <p:cNvPr id="10" name="TextBox 9">
+            <a:extLst>
+              <a:ext uri="{FF2B5EF4-FFF2-40B4-BE49-F238E27FC236}">
+                <a16:creationId xmlns:a16="http://schemas.microsoft.com/office/drawing/2014/main" id="{96B20227-7AE9-654A-9C55-599016790A67}"/>
+              </a:ext>
+            </a:extLst>
+          </p:cNvPr>
+          <p:cNvSpPr txBox="1"/>
+          <p:nvPr/>
+        </p:nvSpPr>
+        <p:spPr>
+          <a:xfrm>
+            <a:off x="1233887" y="1083512"/>
+            <a:ext cx="864339" cy="369332"/>
+          </a:xfrm>
+          <a:prstGeom prst="rect">
+            <a:avLst/>
+          </a:prstGeom>
+          <a:noFill/>
+        </p:spPr>
+        <p:txBody>
+          <a:bodyPr wrap="none" rtlCol="0">
+            <a:spAutoFit/>
+          </a:bodyPr>
+          <a:lstStyle/>
+          <a:p>
+            <a:r>
+              <a:rPr lang="en-US" sz="1400" dirty="0"/>
+              <a:t>Labels</a:t>
+            </a:r>
+          </a:p>
+        </p:txBody>
+      </p:sp>
+      <p:sp>
+        <p:nvSpPr>
+          <p:cNvPr id="11" name="TextBox 10">
+            <a:extLst>
+              <a:ext uri="{FF2B5EF4-FFF2-40B4-BE49-F238E27FC236}">
+                <a16:creationId xmlns:a16="http://schemas.microsoft.com/office/drawing/2014/main" id="{6878EB96-6C93-D141-86E0-5C9F57CF700D}"/>
+              </a:ext>
+            </a:extLst>
+          </p:cNvPr>
+          <p:cNvSpPr txBox="1"/>
+          <p:nvPr/>
+        </p:nvSpPr>
+        <p:spPr>
+          <a:xfrm>
+            <a:off x="1236077" y="1990139"/>
+            <a:ext cx="697627" cy="369332"/>
+          </a:xfrm>
+          <a:prstGeom prst="rect">
+            <a:avLst/>
+          </a:prstGeom>
+          <a:noFill/>
+        </p:spPr>
+        <p:txBody>
+          <a:bodyPr wrap="none" rtlCol="0">
+            <a:spAutoFit/>
+          </a:bodyPr>
+          <a:lstStyle/>
+          <a:p>
+            <a:r>
+              <a:rPr lang="en-US" sz="1400" dirty="0"/>
+              <a:t>Data</a:t>
+            </a:r>
+          </a:p>
+        </p:txBody>
+      </p:sp>
+      <p:cxnSp>
+        <p:nvCxnSpPr>
+          <p:cNvPr id="12" name="Straight Connector 11">
+            <a:extLst>
+              <a:ext uri="{FF2B5EF4-FFF2-40B4-BE49-F238E27FC236}">
+                <a16:creationId xmlns:a16="http://schemas.microsoft.com/office/drawing/2014/main" id="{531C16FD-1417-714A-B6FB-EB0588799B4C}"/>
+              </a:ext>
+            </a:extLst>
+          </p:cNvPr>
+          <p:cNvCxnSpPr>
+            <a:cxnSpLocks/>
+          </p:cNvCxnSpPr>
+          <p:nvPr/>
+        </p:nvCxnSpPr>
+        <p:spPr>
+          <a:xfrm>
+            <a:off x="1310087" y="1670076"/>
+            <a:ext cx="1295400" cy="0"/>
+          </a:xfrm>
+          <a:prstGeom prst="line">
+            <a:avLst/>
+          </a:prstGeom>
+        </p:spPr>
+        <p:style>
+          <a:lnRef idx="1">
+            <a:schemeClr val="accent1"/>
+          </a:lnRef>
+          <a:fillRef idx="0">
+            <a:schemeClr val="accent1"/>
+          </a:fillRef>
+          <a:effectRef idx="0">
+            <a:schemeClr val="accent1"/>
+          </a:effectRef>
+          <a:fontRef idx="minor">
+            <a:schemeClr val="tx1"/>
+          </a:fontRef>
+        </p:style>
+      </p:cxnSp>
     </p:spTree>
     <p:extLst>
       <p:ext uri="{BB962C8B-B14F-4D97-AF65-F5344CB8AC3E}">
-        <p14:creationId xmlns:p14="http://schemas.microsoft.com/office/powerpoint/2010/main" val="2787306097"/>
+        <p14:creationId xmlns:p14="http://schemas.microsoft.com/office/powerpoint/2010/main" val="2472066818"/>
       </p:ext>
     </p:extLst>
   </p:cSld>
@@ -13185,23 +13824,13 @@
         <p:spPr>
           <a:xfrm>
             <a:off x="0" y="17653"/>
-            <a:ext cx="9124208" cy="717589"/>
+            <a:ext cx="9124208" cy="572897"/>
           </a:xfrm>
         </p:spPr>
         <p:txBody>
           <a:bodyPr/>
           <a:lstStyle/>
           <a:p>
-            <a:r>
-              <a:rPr lang="en-US" sz="2400">
-                <a:solidFill>
-                  <a:srgbClr val="0070C0"/>
-                </a:solidFill>
-                <a:latin typeface="Calibri Light" panose="020F0302020204030204" pitchFamily="34" charset="0"/>
-                <a:cs typeface="Calibri Light" panose="020F0302020204030204" pitchFamily="34" charset="0"/>
-              </a:rPr>
-              <a:t>Example - </a:t>
-            </a:r>
             <a:r>
               <a:rPr lang="en-US" sz="2400" dirty="0">
                 <a:solidFill>
@@ -13210,27 +13839,7 @@
                 <a:latin typeface="Calibri Light" panose="020F0302020204030204" pitchFamily="34" charset="0"/>
                 <a:cs typeface="Calibri Light" panose="020F0302020204030204" pitchFamily="34" charset="0"/>
               </a:rPr>
-              <a:t>Generic Delivery Function </a:t>
-            </a:r>
-            <a:r>
-              <a:rPr lang="en-US" sz="2400" dirty="0" err="1">
-                <a:solidFill>
-                  <a:srgbClr val="0070C0"/>
-                </a:solidFill>
-                <a:latin typeface="Calibri Light" panose="020F0302020204030204" pitchFamily="34" charset="0"/>
-                <a:cs typeface="Calibri Light" panose="020F0302020204030204" pitchFamily="34" charset="0"/>
-              </a:rPr>
-              <a:t>Encap</a:t>
-            </a:r>
-            <a:r>
-              <a:rPr lang="en-US" sz="2400" dirty="0">
-                <a:solidFill>
-                  <a:srgbClr val="0070C0"/>
-                </a:solidFill>
-                <a:latin typeface="Calibri Light" panose="020F0302020204030204" pitchFamily="34" charset="0"/>
-                <a:cs typeface="Calibri Light" panose="020F0302020204030204" pitchFamily="34" charset="0"/>
-              </a:rPr>
-              <a:t> with IOAM Data Fields</a:t>
+              <a:t>Example - Generic Delivery Function with IOAM Data Fields and PW</a:t>
             </a:r>
           </a:p>
         </p:txBody>
@@ -13253,7 +13862,7 @@
         </p:nvSpPr>
         <p:spPr>
           <a:xfrm>
-            <a:off x="3124200" y="4786312"/>
+            <a:off x="3505200" y="4660670"/>
             <a:ext cx="2895600" cy="357188"/>
           </a:xfrm>
         </p:spPr>
@@ -13328,8 +13937,8 @@
         </p:nvSpPr>
         <p:spPr>
           <a:xfrm>
-            <a:off x="2438400" y="713601"/>
-            <a:ext cx="5715000" cy="4108817"/>
+            <a:off x="1905000" y="590550"/>
+            <a:ext cx="5715000" cy="4662815"/>
           </a:xfrm>
           <a:prstGeom prst="rect">
             <a:avLst/>
@@ -13374,11 +13983,11 @@
             <a:r>
               <a:rPr lang="en-CA" sz="900" dirty="0">
                 <a:solidFill>
-                  <a:srgbClr val="0070C0"/>
+                  <a:srgbClr val="7030A0"/>
                 </a:solidFill>
                 <a:latin typeface="Courier" pitchFamily="2" charset="0"/>
               </a:rPr>
-              <a:t>   | GDH Label                             | TC  |S|  TTL          |</a:t>
+              <a:t>   | PW Label                              | TC  |S|  TTL          |</a:t>
             </a:r>
           </a:p>
           <a:p>
@@ -13390,56 +13999,6 @@
             </a:r>
           </a:p>
           <a:p>
-            <a:r>
-              <a:rPr lang="en-CA" sz="900" dirty="0">
-                <a:latin typeface="Courier" pitchFamily="2" charset="0"/>
-              </a:rPr>
-              <a:t>   | IOAM Indicator Label                  | TC  |1|  TTL          |</a:t>
-            </a:r>
-          </a:p>
-          <a:p>
-            <a:r>
-              <a:rPr lang="en-CA" sz="900" dirty="0">
-                <a:latin typeface="Courier" pitchFamily="2" charset="0"/>
-              </a:rPr>
-              <a:t>   +-+-+-+-+-+-+-+-+-+-+-+-+-+-+-+-+-+-+-+-+-+-+-+-+-+-+-+-+-+-+-+-+&lt;-+</a:t>
-            </a:r>
-          </a:p>
-          <a:p>
-            <a:r>
-              <a:rPr lang="en-CA" sz="900" dirty="0">
-                <a:latin typeface="Courier" pitchFamily="2" charset="0"/>
-              </a:rPr>
-              <a:t>   |0 0 0 1|Version| Reserved      | IOAM G-</a:t>
-            </a:r>
-            <a:r>
-              <a:rPr lang="en-CA" sz="900" dirty="0" err="1">
-                <a:latin typeface="Courier" pitchFamily="2" charset="0"/>
-              </a:rPr>
-              <a:t>ACh</a:t>
-            </a:r>
-            <a:r>
-              <a:rPr lang="en-CA" sz="900" dirty="0">
-                <a:latin typeface="Courier" pitchFamily="2" charset="0"/>
-              </a:rPr>
-              <a:t>                    |  |</a:t>
-            </a:r>
-          </a:p>
-          <a:p>
-            <a:r>
-              <a:rPr lang="en-CA" sz="900" dirty="0">
-                <a:latin typeface="Courier" pitchFamily="2" charset="0"/>
-              </a:rPr>
-              <a:t>   +-+-+-+-+-+-+-+-+-+-+-+-+-+-+-+-+-+-+-+-+-+-+-+-+-+-+-+-+-+-+-+-+  |</a:t>
-            </a:r>
-          </a:p>
-          <a:p>
-            <a:r>
-              <a:rPr lang="en-CA" sz="900" dirty="0">
-                <a:latin typeface="Courier" pitchFamily="2" charset="0"/>
-              </a:rPr>
-              <a:t>   | Reserved      | Block Number  | IOAM-OPT-Type |</a:t>
-            </a:r>
             <a:r>
               <a:rPr lang="en-CA" sz="900" dirty="0">
                 <a:solidFill>
@@ -13447,13 +14006,15 @@
                 </a:solidFill>
                 <a:latin typeface="Courier" pitchFamily="2" charset="0"/>
               </a:rPr>
-              <a:t>IOAM HDR Length</a:t>
-            </a:r>
+              <a:t>   | GDH Label                             | TC  |S|  TTL          |</a:t>
+            </a:r>
+          </a:p>
+          <a:p>
             <a:r>
               <a:rPr lang="en-CA" sz="900" dirty="0">
                 <a:latin typeface="Courier" pitchFamily="2" charset="0"/>
               </a:rPr>
-              <a:t>|  |</a:t>
+              <a:t>   +-+-+-+-+-+-+-+-+-+-+-+-+-+-+-+-+-+-+-+-+-+-+-+-+-+-+-+-+-+-+-+-+</a:t>
             </a:r>
           </a:p>
           <a:p>
@@ -13461,7 +14022,7 @@
               <a:rPr lang="en-CA" sz="900" dirty="0">
                 <a:latin typeface="Courier" pitchFamily="2" charset="0"/>
               </a:rPr>
-              <a:t>   +-+-+-+-+-+-+-+-+-+-+-+-+-+-+-+-+-+-+-+-+-+-+-+-+-+-+-+-+-+-+-+-+  I</a:t>
+              <a:t>   | IOAM Indicator Label                  | TC  |1|  TTL          |</a:t>
             </a:r>
           </a:p>
           <a:p>
@@ -13469,7 +14030,7 @@
               <a:rPr lang="en-CA" sz="900" dirty="0">
                 <a:latin typeface="Courier" pitchFamily="2" charset="0"/>
               </a:rPr>
-              <a:t>   |                                                               |  O</a:t>
+              <a:t>   +-+-+-+-+-+-+-+-+-+-+-+-+-+-+-+-+-+-+-+-+-+-+-+-+-+-+-+-+-+-+-+-+&lt;-+</a:t>
             </a:r>
           </a:p>
           <a:p>
@@ -13477,15 +14038,19 @@
               <a:rPr lang="en-CA" sz="900" dirty="0">
                 <a:latin typeface="Courier" pitchFamily="2" charset="0"/>
               </a:rPr>
-              <a:t>   |                                                               |  A</a:t>
-            </a:r>
-          </a:p>
-          <a:p>
+              <a:t>   |0 0 0 1|Version| Reserved      | IOAM G-</a:t>
+            </a:r>
+            <a:r>
+              <a:rPr lang="en-CA" sz="900" dirty="0" err="1">
+                <a:latin typeface="Courier" pitchFamily="2" charset="0"/>
+              </a:rPr>
+              <a:t>ACh</a:t>
+            </a:r>
             <a:r>
               <a:rPr lang="en-CA" sz="900" dirty="0">
                 <a:latin typeface="Courier" pitchFamily="2" charset="0"/>
               </a:rPr>
-              <a:t>   ~                 IOAM Option and Data Space                    ~  M</a:t>
+              <a:t>                    |  |</a:t>
             </a:r>
           </a:p>
           <a:p>
@@ -13493,7 +14058,7 @@
               <a:rPr lang="en-CA" sz="900" dirty="0">
                 <a:latin typeface="Courier" pitchFamily="2" charset="0"/>
               </a:rPr>
-              <a:t>   |                                                               |  |</a:t>
+              <a:t>   +-+-+-+-+-+-+-+-+-+-+-+-+-+-+-+-+-+-+-+-+-+-+-+-+-+-+-+-+-+-+-+-+  |</a:t>
             </a:r>
           </a:p>
           <a:p>
@@ -13501,18 +14066,8 @@
               <a:rPr lang="en-CA" sz="900" dirty="0">
                 <a:latin typeface="Courier" pitchFamily="2" charset="0"/>
               </a:rPr>
-              <a:t>   |                                                               |  |</a:t>
-            </a:r>
-          </a:p>
-          <a:p>
-            <a:r>
-              <a:rPr lang="en-CA" sz="900" dirty="0">
-                <a:latin typeface="Courier" pitchFamily="2" charset="0"/>
-              </a:rPr>
-              <a:t>   +-+-+-+-+-+-+-+-+-+-+-+-+-+-+-+-+-+-+-+-+-+-+-+-+-+-+-+-+-+-+-+-+&lt;-+</a:t>
-            </a:r>
-          </a:p>
-          <a:p>
+              <a:t>   | Reserved      | Block Number  | IOAM-OPT-Type |</a:t>
+            </a:r>
             <a:r>
               <a:rPr lang="en-CA" sz="900" dirty="0">
                 <a:solidFill>
@@ -13520,6 +14075,79 @@
                 </a:solidFill>
                 <a:latin typeface="Courier" pitchFamily="2" charset="0"/>
               </a:rPr>
+              <a:t>IOAM HDR Length</a:t>
+            </a:r>
+            <a:r>
+              <a:rPr lang="en-CA" sz="900" dirty="0">
+                <a:latin typeface="Courier" pitchFamily="2" charset="0"/>
+              </a:rPr>
+              <a:t>|  |</a:t>
+            </a:r>
+          </a:p>
+          <a:p>
+            <a:r>
+              <a:rPr lang="en-CA" sz="900" dirty="0">
+                <a:latin typeface="Courier" pitchFamily="2" charset="0"/>
+              </a:rPr>
+              <a:t>   +-+-+-+-+-+-+-+-+-+-+-+-+-+-+-+-+-+-+-+-+-+-+-+-+-+-+-+-+-+-+-+-+  I</a:t>
+            </a:r>
+          </a:p>
+          <a:p>
+            <a:r>
+              <a:rPr lang="en-CA" sz="900" dirty="0">
+                <a:latin typeface="Courier" pitchFamily="2" charset="0"/>
+              </a:rPr>
+              <a:t>   |                                                               |  O</a:t>
+            </a:r>
+          </a:p>
+          <a:p>
+            <a:r>
+              <a:rPr lang="en-CA" sz="900" dirty="0">
+                <a:latin typeface="Courier" pitchFamily="2" charset="0"/>
+              </a:rPr>
+              <a:t>   |                                                               |  A</a:t>
+            </a:r>
+          </a:p>
+          <a:p>
+            <a:r>
+              <a:rPr lang="en-CA" sz="900" dirty="0">
+                <a:latin typeface="Courier" pitchFamily="2" charset="0"/>
+              </a:rPr>
+              <a:t>   ~                 IOAM Option and Data Space                    ~  M</a:t>
+            </a:r>
+          </a:p>
+          <a:p>
+            <a:r>
+              <a:rPr lang="en-CA" sz="900" dirty="0">
+                <a:latin typeface="Courier" pitchFamily="2" charset="0"/>
+              </a:rPr>
+              <a:t>   |                                                               |  |</a:t>
+            </a:r>
+          </a:p>
+          <a:p>
+            <a:r>
+              <a:rPr lang="en-CA" sz="900" dirty="0">
+                <a:latin typeface="Courier" pitchFamily="2" charset="0"/>
+              </a:rPr>
+              <a:t>   |                                                               |  |</a:t>
+            </a:r>
+          </a:p>
+          <a:p>
+            <a:r>
+              <a:rPr lang="en-CA" sz="900" dirty="0">
+                <a:latin typeface="Courier" pitchFamily="2" charset="0"/>
+              </a:rPr>
+              <a:t>   +-+-+-+-+-+-+-+-+-+-+-+-+-+-+-+-+-+-+-+-+-+-+-+-+-+-+-+-+-+-+-+-+&lt;-+</a:t>
+            </a:r>
+          </a:p>
+          <a:p>
+            <a:r>
+              <a:rPr lang="en-CA" sz="900" dirty="0">
+                <a:solidFill>
+                  <a:srgbClr val="0070C0"/>
+                </a:solidFill>
+                <a:latin typeface="Courier" pitchFamily="2" charset="0"/>
+              </a:rPr>
               <a:t>   |0 0 0 0| </a:t>
             </a:r>
             <a:r>
@@ -13566,6 +14194,28 @@
           <a:p>
             <a:r>
               <a:rPr lang="en-CA" sz="900" dirty="0">
+                <a:latin typeface="Courier" pitchFamily="2" charset="0"/>
+              </a:rPr>
+              <a:t>   +-+-+-+-+-+-+-+-+-+-+-+-+-+-+-+-+-+-+-+-+-+-+-+-+-+-+-+-+-+-+-+-+</a:t>
+            </a:r>
+          </a:p>
+          <a:p>
+            <a:r>
+              <a:rPr lang="en-CA" sz="900" dirty="0">
+                <a:solidFill>
+                  <a:srgbClr val="7030A0"/>
+                </a:solidFill>
+                <a:latin typeface="Courier" pitchFamily="2" charset="0"/>
+              </a:rPr>
+              <a:t>   |0 0 0 0| Specified by PW Encapsulation [RFC4385]               |   </a:t>
+            </a:r>
+          </a:p>
+          <a:p>
+            <a:r>
+              <a:rPr lang="en-CA" sz="900" dirty="0">
+                <a:solidFill>
+                  <a:srgbClr val="7030A0"/>
+                </a:solidFill>
                 <a:latin typeface="Courier" pitchFamily="2" charset="0"/>
               </a:rPr>
               <a:t>   +-+-+-+-+-+-+-+-+-+-+-+-+-+-+-+-+-+-+-+-+-+-+-+-+-+-+-+-+-+-+-+-+</a:t>
@@ -13653,10 +14303,10 @@
       </p:sp>
       <p:sp>
         <p:nvSpPr>
-          <p:cNvPr id="7" name="Rectangle 6">
+          <p:cNvPr id="3" name="Down Arrow 2">
             <a:extLst>
               <a:ext uri="{FF2B5EF4-FFF2-40B4-BE49-F238E27FC236}">
-                <a16:creationId xmlns:a16="http://schemas.microsoft.com/office/drawing/2014/main" id="{AF26C24A-B63C-7045-B4DF-BFCC4C5A3608}"/>
+                <a16:creationId xmlns:a16="http://schemas.microsoft.com/office/drawing/2014/main" id="{8CE55552-B33C-BC48-B5C2-83DCE0996BEB}"/>
               </a:ext>
             </a:extLst>
           </p:cNvPr>
@@ -13665,8 +14315,186 @@
         </p:nvSpPr>
         <p:spPr>
           <a:xfrm>
-            <a:off x="-19050" y="4073717"/>
-            <a:ext cx="2476500" cy="1015663"/>
+            <a:off x="1661711" y="1885950"/>
+            <a:ext cx="79999" cy="1150708"/>
+          </a:xfrm>
+          <a:prstGeom prst="downArrow">
+            <a:avLst/>
+          </a:prstGeom>
+          <a:solidFill>
+            <a:srgbClr val="0070C0"/>
+          </a:solidFill>
+          <a:ln>
+            <a:solidFill>
+              <a:srgbClr val="0070C0"/>
+            </a:solidFill>
+          </a:ln>
+        </p:spPr>
+        <p:style>
+          <a:lnRef idx="2">
+            <a:schemeClr val="accent1">
+              <a:shade val="50000"/>
+            </a:schemeClr>
+          </a:lnRef>
+          <a:fillRef idx="1">
+            <a:schemeClr val="accent1"/>
+          </a:fillRef>
+          <a:effectRef idx="0">
+            <a:schemeClr val="accent1"/>
+          </a:effectRef>
+          <a:fontRef idx="minor">
+            <a:schemeClr val="lt1"/>
+          </a:fontRef>
+        </p:style>
+        <p:txBody>
+          <a:bodyPr rtlCol="0" anchor="ctr"/>
+          <a:lstStyle/>
+          <a:p>
+            <a:pPr algn="ctr"/>
+            <a:endParaRPr lang="en-US"/>
+          </a:p>
+        </p:txBody>
+      </p:sp>
+      <p:sp>
+        <p:nvSpPr>
+          <p:cNvPr id="8" name="Down Arrow 7">
+            <a:extLst>
+              <a:ext uri="{FF2B5EF4-FFF2-40B4-BE49-F238E27FC236}">
+                <a16:creationId xmlns:a16="http://schemas.microsoft.com/office/drawing/2014/main" id="{A795EC22-8C96-3440-BAF4-F36B002BB4AD}"/>
+              </a:ext>
+            </a:extLst>
+          </p:cNvPr>
+          <p:cNvSpPr/>
+          <p:nvPr/>
+        </p:nvSpPr>
+        <p:spPr>
+          <a:xfrm rot="10800000">
+            <a:off x="1661712" y="971551"/>
+            <a:ext cx="79997" cy="761998"/>
+          </a:xfrm>
+          <a:prstGeom prst="downArrow">
+            <a:avLst/>
+          </a:prstGeom>
+          <a:solidFill>
+            <a:srgbClr val="0070C0"/>
+          </a:solidFill>
+          <a:ln>
+            <a:solidFill>
+              <a:srgbClr val="0070C0"/>
+            </a:solidFill>
+          </a:ln>
+        </p:spPr>
+        <p:style>
+          <a:lnRef idx="2">
+            <a:schemeClr val="accent1">
+              <a:shade val="50000"/>
+            </a:schemeClr>
+          </a:lnRef>
+          <a:fillRef idx="1">
+            <a:schemeClr val="accent1"/>
+          </a:fillRef>
+          <a:effectRef idx="0">
+            <a:schemeClr val="accent1"/>
+          </a:effectRef>
+          <a:fontRef idx="minor">
+            <a:schemeClr val="lt1"/>
+          </a:fontRef>
+        </p:style>
+        <p:txBody>
+          <a:bodyPr rtlCol="0" anchor="ctr"/>
+          <a:lstStyle/>
+          <a:p>
+            <a:pPr algn="ctr"/>
+            <a:endParaRPr lang="en-US" dirty="0"/>
+          </a:p>
+        </p:txBody>
+      </p:sp>
+      <p:sp>
+        <p:nvSpPr>
+          <p:cNvPr id="9" name="TextBox 8">
+            <a:extLst>
+              <a:ext uri="{FF2B5EF4-FFF2-40B4-BE49-F238E27FC236}">
+                <a16:creationId xmlns:a16="http://schemas.microsoft.com/office/drawing/2014/main" id="{31F7A301-428F-5248-A100-C3C67F6497B5}"/>
+              </a:ext>
+            </a:extLst>
+          </p:cNvPr>
+          <p:cNvSpPr txBox="1"/>
+          <p:nvPr/>
+        </p:nvSpPr>
+        <p:spPr>
+          <a:xfrm>
+            <a:off x="685800" y="1223186"/>
+            <a:ext cx="864339" cy="369332"/>
+          </a:xfrm>
+          <a:prstGeom prst="rect">
+            <a:avLst/>
+          </a:prstGeom>
+          <a:noFill/>
+        </p:spPr>
+        <p:txBody>
+          <a:bodyPr wrap="none" rtlCol="0">
+            <a:spAutoFit/>
+          </a:bodyPr>
+          <a:lstStyle/>
+          <a:p>
+            <a:r>
+              <a:rPr lang="en-US" sz="1400" dirty="0"/>
+              <a:t>Labels</a:t>
+            </a:r>
+          </a:p>
+        </p:txBody>
+      </p:sp>
+      <p:sp>
+        <p:nvSpPr>
+          <p:cNvPr id="10" name="TextBox 9">
+            <a:extLst>
+              <a:ext uri="{FF2B5EF4-FFF2-40B4-BE49-F238E27FC236}">
+                <a16:creationId xmlns:a16="http://schemas.microsoft.com/office/drawing/2014/main" id="{57F1FD8B-5FF4-2549-AC7D-2C51DE8C4C2C}"/>
+              </a:ext>
+            </a:extLst>
+          </p:cNvPr>
+          <p:cNvSpPr txBox="1"/>
+          <p:nvPr/>
+        </p:nvSpPr>
+        <p:spPr>
+          <a:xfrm>
+            <a:off x="687990" y="2129813"/>
+            <a:ext cx="697627" cy="369332"/>
+          </a:xfrm>
+          <a:prstGeom prst="rect">
+            <a:avLst/>
+          </a:prstGeom>
+          <a:noFill/>
+        </p:spPr>
+        <p:txBody>
+          <a:bodyPr wrap="none" rtlCol="0">
+            <a:spAutoFit/>
+          </a:bodyPr>
+          <a:lstStyle/>
+          <a:p>
+            <a:r>
+              <a:rPr lang="en-US" sz="1400" dirty="0"/>
+              <a:t>Data</a:t>
+            </a:r>
+          </a:p>
+        </p:txBody>
+      </p:sp>
+      <p:sp>
+        <p:nvSpPr>
+          <p:cNvPr id="11" name="Rectangle 10">
+            <a:extLst>
+              <a:ext uri="{FF2B5EF4-FFF2-40B4-BE49-F238E27FC236}">
+                <a16:creationId xmlns:a16="http://schemas.microsoft.com/office/drawing/2014/main" id="{E4763AF1-D738-694D-86BE-BA5C35C34ED5}"/>
+              </a:ext>
+            </a:extLst>
+          </p:cNvPr>
+          <p:cNvSpPr/>
+          <p:nvPr/>
+        </p:nvSpPr>
+        <p:spPr>
+          <a:xfrm>
+            <a:off x="0" y="3648519"/>
+            <a:ext cx="1793426" cy="1477328"/>
           </a:xfrm>
           <a:prstGeom prst="rect">
             <a:avLst/>
@@ -13719,10 +14547,48 @@
           </a:p>
         </p:txBody>
       </p:sp>
+      <p:cxnSp>
+        <p:nvCxnSpPr>
+          <p:cNvPr id="13" name="Straight Connector 12">
+            <a:extLst>
+              <a:ext uri="{FF2B5EF4-FFF2-40B4-BE49-F238E27FC236}">
+                <a16:creationId xmlns:a16="http://schemas.microsoft.com/office/drawing/2014/main" id="{2E573AF5-E221-8342-9D69-A1ACD53F93D6}"/>
+              </a:ext>
+            </a:extLst>
+          </p:cNvPr>
+          <p:cNvCxnSpPr>
+            <a:cxnSpLocks/>
+          </p:cNvCxnSpPr>
+          <p:nvPr/>
+        </p:nvCxnSpPr>
+        <p:spPr>
+          <a:xfrm>
+            <a:off x="762000" y="1809750"/>
+            <a:ext cx="1295400" cy="0"/>
+          </a:xfrm>
+          <a:prstGeom prst="line">
+            <a:avLst/>
+          </a:prstGeom>
+        </p:spPr>
+        <p:style>
+          <a:lnRef idx="1">
+            <a:schemeClr val="accent1"/>
+          </a:lnRef>
+          <a:fillRef idx="0">
+            <a:schemeClr val="accent1"/>
+          </a:fillRef>
+          <a:effectRef idx="0">
+            <a:schemeClr val="accent1"/>
+          </a:effectRef>
+          <a:fontRef idx="minor">
+            <a:schemeClr val="tx1"/>
+          </a:fontRef>
+        </p:style>
+      </p:cxnSp>
     </p:spTree>
     <p:extLst>
       <p:ext uri="{BB962C8B-B14F-4D97-AF65-F5344CB8AC3E}">
-        <p14:creationId xmlns:p14="http://schemas.microsoft.com/office/powerpoint/2010/main" val="2472066818"/>
+        <p14:creationId xmlns:p14="http://schemas.microsoft.com/office/powerpoint/2010/main" val="3372053479"/>
       </p:ext>
     </p:extLst>
   </p:cSld>
@@ -13733,6 +14599,569 @@
 </file>
 
 <file path=ppt/slides/slide28.xml><?xml version="1.0" encoding="utf-8"?>
+<p:sld xmlns:a="http://schemas.openxmlformats.org/drawingml/2006/main" xmlns:r="http://schemas.openxmlformats.org/officeDocument/2006/relationships" xmlns:p="http://schemas.openxmlformats.org/presentationml/2006/main">
+  <p:cSld>
+    <p:spTree>
+      <p:nvGrpSpPr>
+        <p:cNvPr id="1" name=""/>
+        <p:cNvGrpSpPr/>
+        <p:nvPr/>
+      </p:nvGrpSpPr>
+      <p:grpSpPr>
+        <a:xfrm>
+          <a:off x="0" y="0"/>
+          <a:ext cx="0" cy="0"/>
+          <a:chOff x="0" y="0"/>
+          <a:chExt cx="0" cy="0"/>
+        </a:xfrm>
+      </p:grpSpPr>
+      <p:sp>
+        <p:nvSpPr>
+          <p:cNvPr id="2" name="Title 1">
+            <a:extLst>
+              <a:ext uri="{FF2B5EF4-FFF2-40B4-BE49-F238E27FC236}">
+                <a16:creationId xmlns:a16="http://schemas.microsoft.com/office/drawing/2014/main" id="{16C5255E-BE42-5348-AC0F-6257873BBB61}"/>
+              </a:ext>
+            </a:extLst>
+          </p:cNvPr>
+          <p:cNvSpPr>
+            <a:spLocks noGrp="1"/>
+          </p:cNvSpPr>
+          <p:nvPr>
+            <p:ph type="title"/>
+          </p:nvPr>
+        </p:nvSpPr>
+        <p:spPr>
+          <a:xfrm>
+            <a:off x="0" y="0"/>
+            <a:ext cx="8839200" cy="717589"/>
+          </a:xfrm>
+        </p:spPr>
+        <p:txBody>
+          <a:bodyPr/>
+          <a:lstStyle/>
+          <a:p>
+            <a:r>
+              <a:rPr lang="en-US" sz="2400" dirty="0">
+                <a:solidFill>
+                  <a:srgbClr val="0070C0"/>
+                </a:solidFill>
+                <a:latin typeface="Calibri Light" panose="020F0302020204030204" pitchFamily="34" charset="0"/>
+                <a:cs typeface="Calibri Light" panose="020F0302020204030204" pitchFamily="34" charset="0"/>
+              </a:rPr>
+              <a:t>Example - </a:t>
+            </a:r>
+            <a:r>
+              <a:rPr lang="en-US" sz="2400" dirty="0" err="1">
+                <a:solidFill>
+                  <a:srgbClr val="0070C0"/>
+                </a:solidFill>
+                <a:latin typeface="Calibri Light" panose="020F0302020204030204" pitchFamily="34" charset="0"/>
+                <a:cs typeface="Calibri Light" panose="020F0302020204030204" pitchFamily="34" charset="0"/>
+              </a:rPr>
+              <a:t>DetNet</a:t>
+            </a:r>
+            <a:r>
+              <a:rPr lang="en-US" sz="2400" dirty="0">
+                <a:solidFill>
+                  <a:srgbClr val="0070C0"/>
+                </a:solidFill>
+                <a:latin typeface="Calibri Light" panose="020F0302020204030204" pitchFamily="34" charset="0"/>
+                <a:cs typeface="Calibri Light" panose="020F0302020204030204" pitchFamily="34" charset="0"/>
+              </a:rPr>
+              <a:t> Control Word [RFC8964] </a:t>
+            </a:r>
+            <a:r>
+              <a:rPr lang="en-CA" sz="2400" dirty="0">
+                <a:solidFill>
+                  <a:srgbClr val="0070C0"/>
+                </a:solidFill>
+                <a:latin typeface="Calibri Light" panose="020F0302020204030204" pitchFamily="34" charset="0"/>
+                <a:cs typeface="Calibri Light" panose="020F0302020204030204" pitchFamily="34" charset="0"/>
+              </a:rPr>
+              <a:t>with IOAM Data Fields</a:t>
+            </a:r>
+            <a:r>
+              <a:rPr lang="en-US" sz="2400" dirty="0">
+                <a:solidFill>
+                  <a:srgbClr val="0070C0"/>
+                </a:solidFill>
+                <a:latin typeface="Calibri Light" panose="020F0302020204030204" pitchFamily="34" charset="0"/>
+                <a:cs typeface="Calibri Light" panose="020F0302020204030204" pitchFamily="34" charset="0"/>
+              </a:rPr>
+              <a:t> </a:t>
+            </a:r>
+          </a:p>
+        </p:txBody>
+      </p:sp>
+      <p:sp>
+        <p:nvSpPr>
+          <p:cNvPr id="4" name="Footer Placeholder 3">
+            <a:extLst>
+              <a:ext uri="{FF2B5EF4-FFF2-40B4-BE49-F238E27FC236}">
+                <a16:creationId xmlns:a16="http://schemas.microsoft.com/office/drawing/2014/main" id="{CF70CC82-C055-3645-9254-87CEC1C49032}"/>
+              </a:ext>
+            </a:extLst>
+          </p:cNvPr>
+          <p:cNvSpPr>
+            <a:spLocks noGrp="1"/>
+          </p:cNvSpPr>
+          <p:nvPr>
+            <p:ph type="ftr" sz="quarter" idx="11"/>
+          </p:nvPr>
+        </p:nvSpPr>
+        <p:spPr>
+          <a:xfrm>
+            <a:off x="3124200" y="4786312"/>
+            <a:ext cx="2895600" cy="357188"/>
+          </a:xfrm>
+        </p:spPr>
+        <p:txBody>
+          <a:bodyPr/>
+          <a:lstStyle/>
+          <a:p>
+            <a:pPr>
+              <a:defRPr/>
+            </a:pPr>
+            <a:r>
+              <a:rPr lang="en-US" altLang="zh-CN" dirty="0"/>
+              <a:t>110</a:t>
+            </a:r>
+            <a:r>
+              <a:rPr lang="en-US" altLang="zh-CN" baseline="30000" dirty="0"/>
+              <a:t>th</a:t>
+            </a:r>
+            <a:r>
+              <a:rPr lang="en-US" altLang="zh-CN" dirty="0"/>
+              <a:t> IETF Online</a:t>
+            </a:r>
+          </a:p>
+        </p:txBody>
+      </p:sp>
+      <p:sp>
+        <p:nvSpPr>
+          <p:cNvPr id="5" name="Slide Number Placeholder 4">
+            <a:extLst>
+              <a:ext uri="{FF2B5EF4-FFF2-40B4-BE49-F238E27FC236}">
+                <a16:creationId xmlns:a16="http://schemas.microsoft.com/office/drawing/2014/main" id="{62DF7D69-BCF6-2D4A-A3F1-2D32C59355D3}"/>
+              </a:ext>
+            </a:extLst>
+          </p:cNvPr>
+          <p:cNvSpPr>
+            <a:spLocks noGrp="1"/>
+          </p:cNvSpPr>
+          <p:nvPr>
+            <p:ph type="sldNum" sz="quarter" idx="12"/>
+          </p:nvPr>
+        </p:nvSpPr>
+        <p:spPr/>
+        <p:txBody>
+          <a:bodyPr/>
+          <a:lstStyle/>
+          <a:p>
+            <a:pPr>
+              <a:defRPr/>
+            </a:pPr>
+            <a:fld id="{BD6E0F59-1DD8-40FC-9C92-B6295CBA6CCA}" type="slidenum">
+              <a:rPr lang="en-US" altLang="zh-CN" smtClean="0"/>
+              <a:pPr>
+                <a:defRPr/>
+              </a:pPr>
+              <a:t>28</a:t>
+            </a:fld>
+            <a:endParaRPr lang="en-US" altLang="zh-CN" dirty="0"/>
+          </a:p>
+        </p:txBody>
+      </p:sp>
+      <p:sp>
+        <p:nvSpPr>
+          <p:cNvPr id="6" name="Rectangle 5">
+            <a:extLst>
+              <a:ext uri="{FF2B5EF4-FFF2-40B4-BE49-F238E27FC236}">
+                <a16:creationId xmlns:a16="http://schemas.microsoft.com/office/drawing/2014/main" id="{E614F343-6DC2-A943-8496-BE1E2B6072CE}"/>
+              </a:ext>
+            </a:extLst>
+          </p:cNvPr>
+          <p:cNvSpPr/>
+          <p:nvPr/>
+        </p:nvSpPr>
+        <p:spPr>
+          <a:xfrm>
+            <a:off x="1981200" y="628292"/>
+            <a:ext cx="5105400" cy="4247317"/>
+          </a:xfrm>
+          <a:prstGeom prst="rect">
+            <a:avLst/>
+          </a:prstGeom>
+          <a:solidFill>
+            <a:schemeClr val="accent6">
+              <a:lumMod val="20000"/>
+              <a:lumOff val="80000"/>
+            </a:schemeClr>
+          </a:solidFill>
+        </p:spPr>
+        <p:txBody>
+          <a:bodyPr wrap="square">
+            <a:spAutoFit/>
+          </a:bodyPr>
+          <a:lstStyle/>
+          <a:p>
+            <a:r>
+              <a:rPr lang="en-CA" sz="900" dirty="0">
+                <a:latin typeface="Courier" pitchFamily="2" charset="0"/>
+              </a:rPr>
+              <a:t>   0                   1                   2                   3</a:t>
+            </a:r>
+          </a:p>
+          <a:p>
+            <a:r>
+              <a:rPr lang="en-CA" sz="900" dirty="0">
+                <a:latin typeface="Courier" pitchFamily="2" charset="0"/>
+              </a:rPr>
+              <a:t>   0 1 2 3 4 5 6 7 8 9 0 1 2 3 4 5 6 7 8 9 0 1 2 3 4 5 6 7 8 9 0 1</a:t>
+            </a:r>
+          </a:p>
+          <a:p>
+            <a:r>
+              <a:rPr lang="en-CA" sz="900" dirty="0">
+                <a:latin typeface="Courier" pitchFamily="2" charset="0"/>
+              </a:rPr>
+              <a:t>   +-+-+-+-+-+-+-+-+-+-+-+-+-+-+-+-+-+-+-+-+-+-+-+-+-+-+-+-+-+-+-+-+</a:t>
+            </a:r>
+          </a:p>
+          <a:p>
+            <a:r>
+              <a:rPr lang="en-CA" sz="900" dirty="0">
+                <a:latin typeface="Courier" pitchFamily="2" charset="0"/>
+              </a:rPr>
+              <a:t>   | [F-Label(s)]                          | TC  |S|  TTL          |</a:t>
+            </a:r>
+          </a:p>
+          <a:p>
+            <a:r>
+              <a:rPr lang="en-CA" sz="900" dirty="0">
+                <a:latin typeface="Courier" pitchFamily="2" charset="0"/>
+              </a:rPr>
+              <a:t>   +-+-+-+-+-+-+-+-+-+-+-+-+-+-+-+-+-+-+-+-+-+-+-+-+-+-+-+-+-+-+-+-+</a:t>
+            </a:r>
+          </a:p>
+          <a:p>
+            <a:r>
+              <a:rPr lang="en-CA" sz="900" dirty="0">
+                <a:latin typeface="Courier" pitchFamily="2" charset="0"/>
+              </a:rPr>
+              <a:t>   </a:t>
+            </a:r>
+            <a:r>
+              <a:rPr lang="en-CA" sz="900" dirty="0">
+                <a:solidFill>
+                  <a:srgbClr val="0070C0"/>
+                </a:solidFill>
+                <a:latin typeface="Courier" pitchFamily="2" charset="0"/>
+              </a:rPr>
+              <a:t>| S-Label                               | TC  |S|  TTL          |</a:t>
+            </a:r>
+          </a:p>
+          <a:p>
+            <a:r>
+              <a:rPr lang="en-CA" sz="900" dirty="0">
+                <a:solidFill>
+                  <a:srgbClr val="0070C0"/>
+                </a:solidFill>
+                <a:latin typeface="Courier" pitchFamily="2" charset="0"/>
+              </a:rPr>
+              <a:t>   +-+-+-+-+-+-+-+-+-+-+-+-+-+-+-+-+-+-+-+-+-+-+-+-+-+-+-+-+-+-+-+-+</a:t>
+            </a:r>
+          </a:p>
+          <a:p>
+            <a:r>
+              <a:rPr lang="en-CA" sz="900" dirty="0">
+                <a:solidFill>
+                  <a:srgbClr val="0070C0"/>
+                </a:solidFill>
+                <a:latin typeface="Courier" pitchFamily="2" charset="0"/>
+              </a:rPr>
+              <a:t>   | IOAM Indicator Label                  | TC  |1|  TTL          |</a:t>
+            </a:r>
+          </a:p>
+          <a:p>
+            <a:r>
+              <a:rPr lang="en-CA" sz="900" dirty="0">
+                <a:latin typeface="Courier" pitchFamily="2" charset="0"/>
+              </a:rPr>
+              <a:t>   +-+-+-+-+-+-+-+-+-+-+-+-+-+-+-+-+-+-+-+-+-+-+-+-+-+-+-+-+-+-+-+-+&lt;-+</a:t>
+            </a:r>
+          </a:p>
+          <a:p>
+            <a:r>
+              <a:rPr lang="en-CA" sz="900" dirty="0">
+                <a:latin typeface="Courier" pitchFamily="2" charset="0"/>
+              </a:rPr>
+              <a:t>   |0 0 0 1|Version| Reserved      | IOAM G-</a:t>
+            </a:r>
+            <a:r>
+              <a:rPr lang="en-CA" sz="900" dirty="0" err="1">
+                <a:latin typeface="Courier" pitchFamily="2" charset="0"/>
+              </a:rPr>
+              <a:t>ACh</a:t>
+            </a:r>
+            <a:r>
+              <a:rPr lang="en-CA" sz="900" dirty="0">
+                <a:latin typeface="Courier" pitchFamily="2" charset="0"/>
+              </a:rPr>
+              <a:t>                    |  |</a:t>
+            </a:r>
+          </a:p>
+          <a:p>
+            <a:r>
+              <a:rPr lang="en-CA" sz="900" dirty="0">
+                <a:latin typeface="Courier" pitchFamily="2" charset="0"/>
+              </a:rPr>
+              <a:t>   +-+-+-+-+-+-+-+-+-+-+-+-+-+-+-+-+-+-+-+-+-+-+-+-+-+-+-+-+-+-+-+-+  |</a:t>
+            </a:r>
+          </a:p>
+          <a:p>
+            <a:r>
+              <a:rPr lang="en-CA" sz="900" dirty="0">
+                <a:latin typeface="Courier" pitchFamily="2" charset="0"/>
+              </a:rPr>
+              <a:t>   | Reserved      | Block Number  | IOAM-OPT-Type |</a:t>
+            </a:r>
+            <a:r>
+              <a:rPr lang="en-CA" sz="900" dirty="0">
+                <a:solidFill>
+                  <a:srgbClr val="0070C0"/>
+                </a:solidFill>
+                <a:latin typeface="Courier" pitchFamily="2" charset="0"/>
+              </a:rPr>
+              <a:t>IOAM HDR Length</a:t>
+            </a:r>
+            <a:r>
+              <a:rPr lang="en-CA" sz="900" dirty="0">
+                <a:latin typeface="Courier" pitchFamily="2" charset="0"/>
+              </a:rPr>
+              <a:t>|  |</a:t>
+            </a:r>
+          </a:p>
+          <a:p>
+            <a:r>
+              <a:rPr lang="en-CA" sz="900" dirty="0">
+                <a:latin typeface="Courier" pitchFamily="2" charset="0"/>
+              </a:rPr>
+              <a:t>   +-+-+-+-+-+-+-+-+-+-+-+-+-+-+-+-+-+-+-+-+-+-+-+-+-+-+-+-+-+-+-+-+  I</a:t>
+            </a:r>
+          </a:p>
+          <a:p>
+            <a:r>
+              <a:rPr lang="en-CA" sz="900" dirty="0">
+                <a:latin typeface="Courier" pitchFamily="2" charset="0"/>
+              </a:rPr>
+              <a:t>   |                                                               |  O</a:t>
+            </a:r>
+          </a:p>
+          <a:p>
+            <a:r>
+              <a:rPr lang="en-CA" sz="900" dirty="0">
+                <a:latin typeface="Courier" pitchFamily="2" charset="0"/>
+              </a:rPr>
+              <a:t>   |                                                               |  A</a:t>
+            </a:r>
+          </a:p>
+          <a:p>
+            <a:r>
+              <a:rPr lang="en-CA" sz="900" dirty="0">
+                <a:latin typeface="Courier" pitchFamily="2" charset="0"/>
+              </a:rPr>
+              <a:t>   ~                 IOAM Option and Data Space                    ~  M</a:t>
+            </a:r>
+          </a:p>
+          <a:p>
+            <a:r>
+              <a:rPr lang="en-CA" sz="900" dirty="0">
+                <a:latin typeface="Courier" pitchFamily="2" charset="0"/>
+              </a:rPr>
+              <a:t>   |                                                               |  |</a:t>
+            </a:r>
+          </a:p>
+          <a:p>
+            <a:r>
+              <a:rPr lang="en-CA" sz="900" dirty="0">
+                <a:latin typeface="Courier" pitchFamily="2" charset="0"/>
+              </a:rPr>
+              <a:t>   |                                                               |  |</a:t>
+            </a:r>
+          </a:p>
+          <a:p>
+            <a:r>
+              <a:rPr lang="en-CA" sz="900" dirty="0">
+                <a:latin typeface="Courier" pitchFamily="2" charset="0"/>
+              </a:rPr>
+              <a:t>   +-+-+-+-+-+-+-+-+-+-+-+-+-+-+-+-+-+-+-+-+-+-+-+-+-+-+-+-+-+-+-+-+&lt;-+</a:t>
+            </a:r>
+          </a:p>
+          <a:p>
+            <a:r>
+              <a:rPr lang="en-CA" sz="900" dirty="0">
+                <a:solidFill>
+                  <a:srgbClr val="C00000"/>
+                </a:solidFill>
+                <a:latin typeface="Courier" pitchFamily="2" charset="0"/>
+              </a:rPr>
+              <a:t>   </a:t>
+            </a:r>
+            <a:r>
+              <a:rPr lang="en-CA" sz="900" dirty="0">
+                <a:solidFill>
+                  <a:srgbClr val="0070C0"/>
+                </a:solidFill>
+                <a:latin typeface="Courier" pitchFamily="2" charset="0"/>
+              </a:rPr>
+              <a:t>|0 0 0 0| Sequence Number (</a:t>
+            </a:r>
+            <a:r>
+              <a:rPr lang="en-CA" sz="900" dirty="0" err="1">
+                <a:solidFill>
+                  <a:srgbClr val="0070C0"/>
+                </a:solidFill>
+                <a:latin typeface="Courier" pitchFamily="2" charset="0"/>
+              </a:rPr>
+              <a:t>DetNet</a:t>
+            </a:r>
+            <a:r>
+              <a:rPr lang="en-CA" sz="900" dirty="0">
+                <a:solidFill>
+                  <a:srgbClr val="0070C0"/>
+                </a:solidFill>
+                <a:latin typeface="Courier" pitchFamily="2" charset="0"/>
+              </a:rPr>
+              <a:t> Control Word)                 |</a:t>
+            </a:r>
+          </a:p>
+          <a:p>
+            <a:r>
+              <a:rPr lang="en-CA" sz="900" dirty="0">
+                <a:latin typeface="Courier" pitchFamily="2" charset="0"/>
+              </a:rPr>
+              <a:t>   +-+-+-+-+-+-+-+-+-+-+-+-+-+-+-+-+-+-+-+-+-+-+-+-+-+-+-+-+-+-+-+-+</a:t>
+            </a:r>
+          </a:p>
+          <a:p>
+            <a:r>
+              <a:rPr lang="en-CA" sz="900" dirty="0">
+                <a:latin typeface="Courier" pitchFamily="2" charset="0"/>
+              </a:rPr>
+              <a:t>   |                                                               |</a:t>
+            </a:r>
+          </a:p>
+          <a:p>
+            <a:r>
+              <a:rPr lang="en-CA" sz="900" dirty="0">
+                <a:latin typeface="Courier" pitchFamily="2" charset="0"/>
+              </a:rPr>
+              <a:t>   |                                                               |</a:t>
+            </a:r>
+          </a:p>
+          <a:p>
+            <a:r>
+              <a:rPr lang="en-CA" sz="900" dirty="0">
+                <a:latin typeface="Courier" pitchFamily="2" charset="0"/>
+              </a:rPr>
+              <a:t>   ~                 </a:t>
+            </a:r>
+            <a:r>
+              <a:rPr lang="en-CA" sz="900" dirty="0" err="1">
+                <a:latin typeface="Courier" pitchFamily="2" charset="0"/>
+              </a:rPr>
+              <a:t>DetNet</a:t>
+            </a:r>
+            <a:r>
+              <a:rPr lang="en-CA" sz="900" dirty="0">
+                <a:latin typeface="Courier" pitchFamily="2" charset="0"/>
+              </a:rPr>
+              <a:t> Flow                                   ~</a:t>
+            </a:r>
+          </a:p>
+          <a:p>
+            <a:r>
+              <a:rPr lang="en-CA" sz="900" dirty="0">
+                <a:latin typeface="Courier" pitchFamily="2" charset="0"/>
+              </a:rPr>
+              <a:t>   ~                 Payload Packet                                ~</a:t>
+            </a:r>
+          </a:p>
+          <a:p>
+            <a:r>
+              <a:rPr lang="en-CA" sz="900" dirty="0">
+                <a:latin typeface="Courier" pitchFamily="2" charset="0"/>
+              </a:rPr>
+              <a:t>   |                                                               |</a:t>
+            </a:r>
+          </a:p>
+          <a:p>
+            <a:r>
+              <a:rPr lang="en-CA" sz="900" dirty="0">
+                <a:latin typeface="Courier" pitchFamily="2" charset="0"/>
+              </a:rPr>
+              <a:t>   |                                                               |</a:t>
+            </a:r>
+          </a:p>
+          <a:p>
+            <a:r>
+              <a:rPr lang="en-CA" sz="900" dirty="0">
+                <a:latin typeface="Courier" pitchFamily="2" charset="0"/>
+              </a:rPr>
+              <a:t>   +-+-+-+-+-+-+-+-+-+-+-+-+-+-+-+-+-+-+-+-+-+-+-+-+-+-+-+-+-+-+-+-+</a:t>
+            </a:r>
+          </a:p>
+          <a:p>
+            <a:r>
+              <a:rPr lang="en-CA" sz="900" dirty="0">
+                <a:latin typeface="Courier" pitchFamily="2" charset="0"/>
+              </a:rPr>
+              <a:t> </a:t>
+            </a:r>
+          </a:p>
+          <a:p>
+            <a:r>
+              <a:rPr lang="en-CA" sz="900" dirty="0">
+                <a:latin typeface="Courier" pitchFamily="2" charset="0"/>
+              </a:rPr>
+              <a:t>  Figure: Example MPLS Encapsulation with </a:t>
+            </a:r>
+            <a:r>
+              <a:rPr lang="en-CA" sz="900" dirty="0" err="1">
+                <a:latin typeface="Courier" pitchFamily="2" charset="0"/>
+              </a:rPr>
+              <a:t>DetNet</a:t>
+            </a:r>
+            <a:r>
+              <a:rPr lang="en-CA" sz="900" dirty="0">
+                <a:latin typeface="Courier" pitchFamily="2" charset="0"/>
+              </a:rPr>
+              <a:t> with IOAM Data Fields</a:t>
+            </a:r>
+            <a:endParaRPr lang="en-CA" sz="900" dirty="0">
+              <a:latin typeface="Courier" pitchFamily="2" charset="0"/>
+              <a:ea typeface="Calibri" panose="020F0502020204030204" pitchFamily="34" charset="0"/>
+              <a:cs typeface="Times New Roman" panose="02020603050405020304" pitchFamily="18" charset="0"/>
+            </a:endParaRPr>
+          </a:p>
+        </p:txBody>
+      </p:sp>
+    </p:spTree>
+    <p:extLst>
+      <p:ext uri="{BB962C8B-B14F-4D97-AF65-F5344CB8AC3E}">
+        <p14:creationId xmlns:p14="http://schemas.microsoft.com/office/powerpoint/2010/main" val="3821633328"/>
+      </p:ext>
+    </p:extLst>
+  </p:cSld>
+  <p:clrMapOvr>
+    <a:masterClrMapping/>
+  </p:clrMapOvr>
+</p:sld>
+</file>
+
+<file path=ppt/slides/slide29.xml><?xml version="1.0" encoding="utf-8"?>
 <p:sld xmlns:a="http://schemas.openxmlformats.org/drawingml/2006/main" xmlns:r="http://schemas.openxmlformats.org/officeDocument/2006/relationships" xmlns:p="http://schemas.openxmlformats.org/presentationml/2006/main">
   <p:cSld>
     <p:spTree>
@@ -13996,7 +15425,7 @@
               <a:pPr>
                 <a:defRPr/>
               </a:pPr>
-              <a:t>28</a:t>
+              <a:t>29</a:t>
             </a:fld>
             <a:endParaRPr lang="en-US" altLang="zh-CN"/>
           </a:p>
@@ -16197,7 +17626,7 @@
                 <a:ea typeface="Calibri" charset="0"/>
                 <a:cs typeface="Calibri" charset="0"/>
               </a:rPr>
-              <a:t>E2E IOAM</a:t>
+              <a:t>Edge-2-Edge IOAM</a:t>
             </a:r>
           </a:p>
         </p:txBody>

--- a/draft-gandhi-mpls-ioam-sr-06.pptx
+++ b/draft-gandhi-mpls-ioam-sr-06.pptx
@@ -11466,7 +11466,7 @@
         <p:spPr>
           <a:xfrm>
             <a:off x="778877" y="2053614"/>
-            <a:ext cx="697627" cy="369332"/>
+            <a:ext cx="712054" cy="307777"/>
           </a:xfrm>
           <a:prstGeom prst="rect">
             <a:avLst/>
@@ -11481,7 +11481,7 @@
           <a:p>
             <a:r>
               <a:rPr lang="en-US" sz="1400" dirty="0"/>
-              <a:t>Data</a:t>
+              <a:t>Header</a:t>
             </a:r>
           </a:p>
         </p:txBody>
@@ -12186,7 +12186,7 @@
         <p:spPr>
           <a:xfrm>
             <a:off x="550277" y="2053614"/>
-            <a:ext cx="697627" cy="369332"/>
+            <a:ext cx="712054" cy="307777"/>
           </a:xfrm>
           <a:prstGeom prst="rect">
             <a:avLst/>
@@ -12201,7 +12201,7 @@
           <a:p>
             <a:r>
               <a:rPr lang="en-US" sz="1400" dirty="0"/>
-              <a:t>Data</a:t>
+              <a:t>Header</a:t>
             </a:r>
           </a:p>
         </p:txBody>
@@ -13717,7 +13717,7 @@
         <p:spPr>
           <a:xfrm>
             <a:off x="1236077" y="1990139"/>
-            <a:ext cx="697627" cy="369332"/>
+            <a:ext cx="861133" cy="307777"/>
           </a:xfrm>
           <a:prstGeom prst="rect">
             <a:avLst/>
@@ -13732,7 +13732,7 @@
           <a:p>
             <a:r>
               <a:rPr lang="en-US" sz="1400" dirty="0"/>
-              <a:t>Data</a:t>
+              <a:t>Headers</a:t>
             </a:r>
           </a:p>
         </p:txBody>
@@ -14459,7 +14459,7 @@
         <p:spPr>
           <a:xfrm>
             <a:off x="687990" y="2129813"/>
-            <a:ext cx="697627" cy="369332"/>
+            <a:ext cx="861133" cy="307777"/>
           </a:xfrm>
           <a:prstGeom prst="rect">
             <a:avLst/>
@@ -14474,7 +14474,7 @@
           <a:p>
             <a:r>
               <a:rPr lang="en-US" sz="1400" dirty="0"/>
-              <a:t>Data</a:t>
+              <a:t>Headers</a:t>
             </a:r>
           </a:p>
         </p:txBody>

--- a/draft-gandhi-mpls-ioam-sr-06.pptx
+++ b/draft-gandhi-mpls-ioam-sr-06.pptx
@@ -11466,7 +11466,7 @@
         <p:spPr>
           <a:xfrm>
             <a:off x="778877" y="2053614"/>
-            <a:ext cx="712054" cy="307777"/>
+            <a:ext cx="861133" cy="307777"/>
           </a:xfrm>
           <a:prstGeom prst="rect">
             <a:avLst/>
@@ -11481,7 +11481,7 @@
           <a:p>
             <a:r>
               <a:rPr lang="en-US" sz="1400" dirty="0"/>
-              <a:t>Header</a:t>
+              <a:t>Headers</a:t>
             </a:r>
           </a:p>
         </p:txBody>
@@ -12042,7 +12042,7 @@
         </p:nvSpPr>
         <p:spPr>
           <a:xfrm>
-            <a:off x="1523998" y="1809751"/>
+            <a:off x="1523999" y="1816597"/>
             <a:ext cx="79999" cy="1150708"/>
           </a:xfrm>
           <a:prstGeom prst="downArrow">
@@ -12096,7 +12096,7 @@
         </p:nvSpPr>
         <p:spPr>
           <a:xfrm rot="10800000">
-            <a:off x="1523999" y="812304"/>
+            <a:off x="1524000" y="819150"/>
             <a:ext cx="79997" cy="845046"/>
           </a:xfrm>
           <a:prstGeom prst="downArrow">
@@ -12150,7 +12150,7 @@
         </p:nvSpPr>
         <p:spPr>
           <a:xfrm>
-            <a:off x="548087" y="1146987"/>
+            <a:off x="548088" y="1153833"/>
             <a:ext cx="864339" cy="369332"/>
           </a:xfrm>
           <a:prstGeom prst="rect">
@@ -12185,8 +12185,8 @@
         </p:nvSpPr>
         <p:spPr>
           <a:xfrm>
-            <a:off x="550277" y="2053614"/>
-            <a:ext cx="712054" cy="307777"/>
+            <a:off x="550278" y="2060460"/>
+            <a:ext cx="861133" cy="307777"/>
           </a:xfrm>
           <a:prstGeom prst="rect">
             <a:avLst/>
@@ -12201,7 +12201,7 @@
           <a:p>
             <a:r>
               <a:rPr lang="en-US" sz="1400" dirty="0"/>
-              <a:t>Header</a:t>
+              <a:t>Headers</a:t>
             </a:r>
           </a:p>
         </p:txBody>
@@ -12222,7 +12222,7 @@
         </p:nvCxnSpPr>
         <p:spPr>
           <a:xfrm>
-            <a:off x="624287" y="1733551"/>
+            <a:off x="624288" y="1740397"/>
             <a:ext cx="1295400" cy="0"/>
           </a:xfrm>
           <a:prstGeom prst="line">
@@ -13573,7 +13573,7 @@
         </p:nvSpPr>
         <p:spPr>
           <a:xfrm>
-            <a:off x="2209798" y="1746276"/>
+            <a:off x="2209799" y="1725842"/>
             <a:ext cx="79999" cy="1150708"/>
           </a:xfrm>
           <a:prstGeom prst="downArrow">
@@ -13627,7 +13627,7 @@
         </p:nvSpPr>
         <p:spPr>
           <a:xfrm rot="10800000">
-            <a:off x="2209799" y="876285"/>
+            <a:off x="2209800" y="855851"/>
             <a:ext cx="79997" cy="717589"/>
           </a:xfrm>
           <a:prstGeom prst="downArrow">
@@ -13681,7 +13681,7 @@
         </p:nvSpPr>
         <p:spPr>
           <a:xfrm>
-            <a:off x="1233887" y="1083512"/>
+            <a:off x="1233888" y="1063078"/>
             <a:ext cx="864339" cy="369332"/>
           </a:xfrm>
           <a:prstGeom prst="rect">
@@ -13716,7 +13716,7 @@
         </p:nvSpPr>
         <p:spPr>
           <a:xfrm>
-            <a:off x="1236077" y="1990139"/>
+            <a:off x="1236078" y="1969705"/>
             <a:ext cx="861133" cy="307777"/>
           </a:xfrm>
           <a:prstGeom prst="rect">
@@ -13753,7 +13753,7 @@
         </p:nvCxnSpPr>
         <p:spPr>
           <a:xfrm>
-            <a:off x="1310087" y="1670076"/>
+            <a:off x="1310088" y="1649642"/>
             <a:ext cx="1295400" cy="0"/>
           </a:xfrm>
           <a:prstGeom prst="line">
@@ -15148,6 +15148,222 @@
           </a:p>
         </p:txBody>
       </p:sp>
+      <p:sp>
+        <p:nvSpPr>
+          <p:cNvPr id="7" name="Down Arrow 6">
+            <a:extLst>
+              <a:ext uri="{FF2B5EF4-FFF2-40B4-BE49-F238E27FC236}">
+                <a16:creationId xmlns:a16="http://schemas.microsoft.com/office/drawing/2014/main" id="{3CD11A44-F7DA-1645-92C6-00ECD805FB51}"/>
+              </a:ext>
+            </a:extLst>
+          </p:cNvPr>
+          <p:cNvSpPr/>
+          <p:nvPr/>
+        </p:nvSpPr>
+        <p:spPr>
+          <a:xfrm>
+            <a:off x="1752599" y="1916446"/>
+            <a:ext cx="79999" cy="1150708"/>
+          </a:xfrm>
+          <a:prstGeom prst="downArrow">
+            <a:avLst/>
+          </a:prstGeom>
+          <a:solidFill>
+            <a:srgbClr val="0070C0"/>
+          </a:solidFill>
+          <a:ln>
+            <a:solidFill>
+              <a:srgbClr val="0070C0"/>
+            </a:solidFill>
+          </a:ln>
+        </p:spPr>
+        <p:style>
+          <a:lnRef idx="2">
+            <a:schemeClr val="accent1">
+              <a:shade val="50000"/>
+            </a:schemeClr>
+          </a:lnRef>
+          <a:fillRef idx="1">
+            <a:schemeClr val="accent1"/>
+          </a:fillRef>
+          <a:effectRef idx="0">
+            <a:schemeClr val="accent1"/>
+          </a:effectRef>
+          <a:fontRef idx="minor">
+            <a:schemeClr val="lt1"/>
+          </a:fontRef>
+        </p:style>
+        <p:txBody>
+          <a:bodyPr rtlCol="0" anchor="ctr"/>
+          <a:lstStyle/>
+          <a:p>
+            <a:pPr algn="ctr"/>
+            <a:endParaRPr lang="en-US"/>
+          </a:p>
+        </p:txBody>
+      </p:sp>
+      <p:sp>
+        <p:nvSpPr>
+          <p:cNvPr id="8" name="Down Arrow 7">
+            <a:extLst>
+              <a:ext uri="{FF2B5EF4-FFF2-40B4-BE49-F238E27FC236}">
+                <a16:creationId xmlns:a16="http://schemas.microsoft.com/office/drawing/2014/main" id="{41D08911-67A8-2F40-95D0-2934B763A950}"/>
+              </a:ext>
+            </a:extLst>
+          </p:cNvPr>
+          <p:cNvSpPr/>
+          <p:nvPr/>
+        </p:nvSpPr>
+        <p:spPr>
+          <a:xfrm rot="10800000">
+            <a:off x="1752600" y="1002047"/>
+            <a:ext cx="79997" cy="761998"/>
+          </a:xfrm>
+          <a:prstGeom prst="downArrow">
+            <a:avLst/>
+          </a:prstGeom>
+          <a:solidFill>
+            <a:srgbClr val="0070C0"/>
+          </a:solidFill>
+          <a:ln>
+            <a:solidFill>
+              <a:srgbClr val="0070C0"/>
+            </a:solidFill>
+          </a:ln>
+        </p:spPr>
+        <p:style>
+          <a:lnRef idx="2">
+            <a:schemeClr val="accent1">
+              <a:shade val="50000"/>
+            </a:schemeClr>
+          </a:lnRef>
+          <a:fillRef idx="1">
+            <a:schemeClr val="accent1"/>
+          </a:fillRef>
+          <a:effectRef idx="0">
+            <a:schemeClr val="accent1"/>
+          </a:effectRef>
+          <a:fontRef idx="minor">
+            <a:schemeClr val="lt1"/>
+          </a:fontRef>
+        </p:style>
+        <p:txBody>
+          <a:bodyPr rtlCol="0" anchor="ctr"/>
+          <a:lstStyle/>
+          <a:p>
+            <a:pPr algn="ctr"/>
+            <a:endParaRPr lang="en-US" dirty="0"/>
+          </a:p>
+        </p:txBody>
+      </p:sp>
+      <p:sp>
+        <p:nvSpPr>
+          <p:cNvPr id="9" name="TextBox 8">
+            <a:extLst>
+              <a:ext uri="{FF2B5EF4-FFF2-40B4-BE49-F238E27FC236}">
+                <a16:creationId xmlns:a16="http://schemas.microsoft.com/office/drawing/2014/main" id="{8CC9DF3C-2F04-3B4B-AEDD-606FB134A315}"/>
+              </a:ext>
+            </a:extLst>
+          </p:cNvPr>
+          <p:cNvSpPr txBox="1"/>
+          <p:nvPr/>
+        </p:nvSpPr>
+        <p:spPr>
+          <a:xfrm>
+            <a:off x="776688" y="1253682"/>
+            <a:ext cx="864339" cy="369332"/>
+          </a:xfrm>
+          <a:prstGeom prst="rect">
+            <a:avLst/>
+          </a:prstGeom>
+          <a:noFill/>
+        </p:spPr>
+        <p:txBody>
+          <a:bodyPr wrap="none" rtlCol="0">
+            <a:spAutoFit/>
+          </a:bodyPr>
+          <a:lstStyle/>
+          <a:p>
+            <a:r>
+              <a:rPr lang="en-US" sz="1400" dirty="0"/>
+              <a:t>Labels</a:t>
+            </a:r>
+          </a:p>
+        </p:txBody>
+      </p:sp>
+      <p:sp>
+        <p:nvSpPr>
+          <p:cNvPr id="10" name="TextBox 9">
+            <a:extLst>
+              <a:ext uri="{FF2B5EF4-FFF2-40B4-BE49-F238E27FC236}">
+                <a16:creationId xmlns:a16="http://schemas.microsoft.com/office/drawing/2014/main" id="{C8680CF9-977F-264B-901F-E401541B7254}"/>
+              </a:ext>
+            </a:extLst>
+          </p:cNvPr>
+          <p:cNvSpPr txBox="1"/>
+          <p:nvPr/>
+        </p:nvSpPr>
+        <p:spPr>
+          <a:xfrm>
+            <a:off x="778878" y="2160309"/>
+            <a:ext cx="861133" cy="307777"/>
+          </a:xfrm>
+          <a:prstGeom prst="rect">
+            <a:avLst/>
+          </a:prstGeom>
+          <a:noFill/>
+        </p:spPr>
+        <p:txBody>
+          <a:bodyPr wrap="none" rtlCol="0">
+            <a:spAutoFit/>
+          </a:bodyPr>
+          <a:lstStyle/>
+          <a:p>
+            <a:r>
+              <a:rPr lang="en-US" sz="1400" dirty="0"/>
+              <a:t>Headers</a:t>
+            </a:r>
+          </a:p>
+        </p:txBody>
+      </p:sp>
+      <p:cxnSp>
+        <p:nvCxnSpPr>
+          <p:cNvPr id="11" name="Straight Connector 10">
+            <a:extLst>
+              <a:ext uri="{FF2B5EF4-FFF2-40B4-BE49-F238E27FC236}">
+                <a16:creationId xmlns:a16="http://schemas.microsoft.com/office/drawing/2014/main" id="{DEEF25E1-CF87-E34F-A313-01FD2FC1B5A3}"/>
+              </a:ext>
+            </a:extLst>
+          </p:cNvPr>
+          <p:cNvCxnSpPr>
+            <a:cxnSpLocks/>
+          </p:cNvCxnSpPr>
+          <p:nvPr/>
+        </p:nvCxnSpPr>
+        <p:spPr>
+          <a:xfrm>
+            <a:off x="852888" y="1840246"/>
+            <a:ext cx="1295400" cy="0"/>
+          </a:xfrm>
+          <a:prstGeom prst="line">
+            <a:avLst/>
+          </a:prstGeom>
+        </p:spPr>
+        <p:style>
+          <a:lnRef idx="1">
+            <a:schemeClr val="accent1"/>
+          </a:lnRef>
+          <a:fillRef idx="0">
+            <a:schemeClr val="accent1"/>
+          </a:fillRef>
+          <a:effectRef idx="0">
+            <a:schemeClr val="accent1"/>
+          </a:effectRef>
+          <a:fontRef idx="minor">
+            <a:schemeClr val="tx1"/>
+          </a:fontRef>
+        </p:style>
+      </p:cxnSp>
     </p:spTree>
     <p:extLst>
       <p:ext uri="{BB962C8B-B14F-4D97-AF65-F5344CB8AC3E}">

--- a/draft-gandhi-mpls-ioam-sr-06.pptx
+++ b/draft-gandhi-mpls-ioam-sr-06.pptx
@@ -272,7 +272,7 @@
           <a:p>
             <a:fld id="{E8FA3DB5-7722-3F4F-947D-12B203669AD7}" type="datetimeFigureOut">
               <a:rPr lang="en-US" smtClean="0"/>
-              <a:t>2/24/21</a:t>
+              <a:t>2/25/21</a:t>
             </a:fld>
             <a:endParaRPr lang="en-US"/>
           </a:p>
@@ -10584,8 +10584,8 @@
         </p:nvSpPr>
         <p:spPr>
           <a:xfrm>
-            <a:off x="609600" y="979885"/>
-            <a:ext cx="7924800" cy="3581399"/>
+            <a:off x="457200" y="928689"/>
+            <a:ext cx="8001000" cy="3581399"/>
           </a:xfrm>
         </p:spPr>
         <p:txBody>
@@ -10605,32 +10605,7 @@
                 <a:latin typeface="Calibri" panose="020F0502020204030204" pitchFamily="34" charset="0"/>
                 <a:cs typeface="Calibri" panose="020F0502020204030204" pitchFamily="34" charset="0"/>
               </a:rPr>
-              <a:t>IOAM Data Fields, including IOAM G-</a:t>
-            </a:r>
-            <a:r>
-              <a:rPr lang="en-CA" sz="1600" dirty="0" err="1">
-                <a:latin typeface="Calibri" panose="020F0502020204030204" pitchFamily="34" charset="0"/>
-                <a:cs typeface="Calibri" panose="020F0502020204030204" pitchFamily="34" charset="0"/>
-              </a:rPr>
-              <a:t>ACh</a:t>
-            </a:r>
-            <a:r>
-              <a:rPr lang="en-CA" sz="1600" dirty="0">
-                <a:latin typeface="Calibri" panose="020F0502020204030204" pitchFamily="34" charset="0"/>
-                <a:cs typeface="Calibri" panose="020F0502020204030204" pitchFamily="34" charset="0"/>
-              </a:rPr>
-              <a:t> header are added in the MPLS </a:t>
-            </a:r>
-            <a:r>
-              <a:rPr lang="en-CA" sz="1600" dirty="0"/>
-              <a:t>encapsulation after the MPLS header</a:t>
-            </a:r>
-            <a:r>
-              <a:rPr lang="en-CA" sz="1600" dirty="0">
-                <a:latin typeface="Calibri" panose="020F0502020204030204" pitchFamily="34" charset="0"/>
-                <a:cs typeface="Calibri" panose="020F0502020204030204" pitchFamily="34" charset="0"/>
-              </a:rPr>
-              <a:t>.</a:t>
+              <a:t>IOAM Indicator Label is added after the PW Label with EOS Flag set.</a:t>
             </a:r>
           </a:p>
           <a:p>
@@ -10647,7 +10622,7 @@
                 <a:latin typeface="Calibri" panose="020F0502020204030204" pitchFamily="34" charset="0"/>
                 <a:cs typeface="Calibri" panose="020F0502020204030204" pitchFamily="34" charset="0"/>
               </a:rPr>
-              <a:t>The Control Word or additional G-</a:t>
+              <a:t>IOAM Data Fields, including IOAM G-</a:t>
             </a:r>
             <a:r>
               <a:rPr lang="en-CA" sz="1600" dirty="0" err="1">
@@ -10661,7 +10636,49 @@
                 <a:latin typeface="Calibri" panose="020F0502020204030204" pitchFamily="34" charset="0"/>
                 <a:cs typeface="Calibri" panose="020F0502020204030204" pitchFamily="34" charset="0"/>
               </a:rPr>
-              <a:t> MUST be added after the IOAM Data Fields in the packet.</a:t>
+              <a:t> header are added in the MPLS </a:t>
+            </a:r>
+            <a:r>
+              <a:rPr lang="en-CA" sz="1600" dirty="0"/>
+              <a:t>encapsulation after the MPLS header</a:t>
+            </a:r>
+            <a:r>
+              <a:rPr lang="en-CA" sz="1600" dirty="0">
+                <a:latin typeface="Calibri" panose="020F0502020204030204" pitchFamily="34" charset="0"/>
+                <a:cs typeface="Calibri" panose="020F0502020204030204" pitchFamily="34" charset="0"/>
+              </a:rPr>
+              <a:t>.</a:t>
+            </a:r>
+          </a:p>
+          <a:p>
+            <a:pPr lvl="1">
+              <a:lnSpc>
+                <a:spcPts val="2120"/>
+              </a:lnSpc>
+              <a:spcBef>
+                <a:spcPts val="600"/>
+              </a:spcBef>
+            </a:pPr>
+            <a:r>
+              <a:rPr lang="en-CA" sz="1200" dirty="0">
+                <a:latin typeface="Calibri" panose="020F0502020204030204" pitchFamily="34" charset="0"/>
+                <a:cs typeface="Calibri" panose="020F0502020204030204" pitchFamily="34" charset="0"/>
+              </a:rPr>
+              <a:t>The Control Word or additional G-</a:t>
+            </a:r>
+            <a:r>
+              <a:rPr lang="en-CA" sz="1200" dirty="0" err="1">
+                <a:latin typeface="Calibri" panose="020F0502020204030204" pitchFamily="34" charset="0"/>
+                <a:cs typeface="Calibri" panose="020F0502020204030204" pitchFamily="34" charset="0"/>
+              </a:rPr>
+              <a:t>ACh</a:t>
+            </a:r>
+            <a:r>
+              <a:rPr lang="en-CA" sz="1200" dirty="0">
+                <a:latin typeface="Calibri" panose="020F0502020204030204" pitchFamily="34" charset="0"/>
+                <a:cs typeface="Calibri" panose="020F0502020204030204" pitchFamily="34" charset="0"/>
+              </a:rPr>
+              <a:t> are added after the IOAM Data Fields in the packet.</a:t>
             </a:r>
           </a:p>
           <a:p>
@@ -10718,7 +10735,7 @@
                 <a:latin typeface="Calibri" panose="020F0502020204030204" pitchFamily="34" charset="0"/>
                 <a:cs typeface="Calibri" panose="020F0502020204030204" pitchFamily="34" charset="0"/>
               </a:rPr>
-              <a:t>The decapsulating node can remove the MPLS </a:t>
+              <a:t>The decapsulating node removes the MPLS </a:t>
             </a:r>
             <a:r>
               <a:rPr lang="en-CA" sz="1600" dirty="0"/>
@@ -10729,7 +10746,7 @@
                 <a:latin typeface="Calibri" panose="020F0502020204030204" pitchFamily="34" charset="0"/>
                 <a:cs typeface="Calibri" panose="020F0502020204030204" pitchFamily="34" charset="0"/>
               </a:rPr>
-              <a:t> including the IOAM Data Fields and then process the Control Word or G-</a:t>
+              <a:t> including the IOAM Data Fields and then processes the Control Word or G-</a:t>
             </a:r>
             <a:r>
               <a:rPr lang="en-CA" sz="1600" dirty="0" err="1">
@@ -10744,6 +10761,23 @@
                 <a:cs typeface="Calibri" panose="020F0502020204030204" pitchFamily="34" charset="0"/>
               </a:rPr>
               <a:t> following it.</a:t>
+            </a:r>
+          </a:p>
+          <a:p>
+            <a:pPr lvl="1">
+              <a:lnSpc>
+                <a:spcPts val="2120"/>
+              </a:lnSpc>
+              <a:spcBef>
+                <a:spcPts val="600"/>
+              </a:spcBef>
+            </a:pPr>
+            <a:r>
+              <a:rPr lang="en-CA" sz="1600" dirty="0">
+                <a:latin typeface="Calibri" panose="020F0502020204030204" pitchFamily="34" charset="0"/>
+                <a:cs typeface="Calibri" panose="020F0502020204030204" pitchFamily="34" charset="0"/>
+              </a:rPr>
+              <a:t>The presence of this is known due to the PW Label on the Label Stack</a:t>
             </a:r>
           </a:p>
           <a:p>
@@ -11524,6 +11558,114 @@
           </a:fontRef>
         </p:style>
       </p:cxnSp>
+      <p:sp>
+        <p:nvSpPr>
+          <p:cNvPr id="3" name="TextBox 2">
+            <a:extLst>
+              <a:ext uri="{FF2B5EF4-FFF2-40B4-BE49-F238E27FC236}">
+                <a16:creationId xmlns:a16="http://schemas.microsoft.com/office/drawing/2014/main" id="{AE20B712-7679-814B-A8B1-897539F226D1}"/>
+              </a:ext>
+            </a:extLst>
+          </p:cNvPr>
+          <p:cNvSpPr txBox="1"/>
+          <p:nvPr/>
+        </p:nvSpPr>
+        <p:spPr>
+          <a:xfrm>
+            <a:off x="7082803" y="1004536"/>
+            <a:ext cx="1603997" cy="553998"/>
+          </a:xfrm>
+          <a:prstGeom prst="rect">
+            <a:avLst/>
+          </a:prstGeom>
+          <a:noFill/>
+        </p:spPr>
+        <p:txBody>
+          <a:bodyPr wrap="square" rtlCol="0">
+            <a:spAutoFit/>
+          </a:bodyPr>
+          <a:lstStyle/>
+          <a:p>
+            <a:r>
+              <a:rPr lang="en-US" sz="1000" dirty="0"/>
+              <a:t>Contiguous Label Stack with one Label with EOS Flag set to 1</a:t>
+            </a:r>
+          </a:p>
+        </p:txBody>
+      </p:sp>
+      <p:cxnSp>
+        <p:nvCxnSpPr>
+          <p:cNvPr id="12" name="Straight Connector 11">
+            <a:extLst>
+              <a:ext uri="{FF2B5EF4-FFF2-40B4-BE49-F238E27FC236}">
+                <a16:creationId xmlns:a16="http://schemas.microsoft.com/office/drawing/2014/main" id="{E73DC323-4CFD-054B-A98C-E6A8459392EB}"/>
+              </a:ext>
+            </a:extLst>
+          </p:cNvPr>
+          <p:cNvCxnSpPr>
+            <a:cxnSpLocks/>
+          </p:cNvCxnSpPr>
+          <p:nvPr/>
+        </p:nvCxnSpPr>
+        <p:spPr>
+          <a:xfrm>
+            <a:off x="6858000" y="1712325"/>
+            <a:ext cx="1295400" cy="0"/>
+          </a:xfrm>
+          <a:prstGeom prst="line">
+            <a:avLst/>
+          </a:prstGeom>
+        </p:spPr>
+        <p:style>
+          <a:lnRef idx="1">
+            <a:schemeClr val="accent1"/>
+          </a:lnRef>
+          <a:fillRef idx="0">
+            <a:schemeClr val="accent1"/>
+          </a:fillRef>
+          <a:effectRef idx="0">
+            <a:schemeClr val="accent1"/>
+          </a:effectRef>
+          <a:fontRef idx="minor">
+            <a:schemeClr val="tx1"/>
+          </a:fontRef>
+        </p:style>
+      </p:cxnSp>
+      <p:sp>
+        <p:nvSpPr>
+          <p:cNvPr id="13" name="TextBox 12">
+            <a:extLst>
+              <a:ext uri="{FF2B5EF4-FFF2-40B4-BE49-F238E27FC236}">
+                <a16:creationId xmlns:a16="http://schemas.microsoft.com/office/drawing/2014/main" id="{97E5FB79-70B4-234B-93CF-D3DCCFF4CFD1}"/>
+              </a:ext>
+            </a:extLst>
+          </p:cNvPr>
+          <p:cNvSpPr txBox="1"/>
+          <p:nvPr/>
+        </p:nvSpPr>
+        <p:spPr>
+          <a:xfrm>
+            <a:off x="7098043" y="2006499"/>
+            <a:ext cx="1436357" cy="553998"/>
+          </a:xfrm>
+          <a:prstGeom prst="rect">
+            <a:avLst/>
+          </a:prstGeom>
+          <a:noFill/>
+        </p:spPr>
+        <p:txBody>
+          <a:bodyPr wrap="square" rtlCol="0">
+            <a:spAutoFit/>
+          </a:bodyPr>
+          <a:lstStyle/>
+          <a:p>
+            <a:r>
+              <a:rPr lang="en-US" sz="1000" dirty="0"/>
+              <a:t>CW/G-ACH in TLV format matching the order of its Labels</a:t>
+            </a:r>
+          </a:p>
+        </p:txBody>
+      </p:sp>
     </p:spTree>
     <p:extLst>
       <p:ext uri="{BB962C8B-B14F-4D97-AF65-F5344CB8AC3E}">
@@ -12244,6 +12386,114 @@
           </a:fontRef>
         </p:style>
       </p:cxnSp>
+      <p:sp>
+        <p:nvSpPr>
+          <p:cNvPr id="12" name="TextBox 11">
+            <a:extLst>
+              <a:ext uri="{FF2B5EF4-FFF2-40B4-BE49-F238E27FC236}">
+                <a16:creationId xmlns:a16="http://schemas.microsoft.com/office/drawing/2014/main" id="{2CF4A26A-410E-AE43-84A5-17AADD537C7B}"/>
+              </a:ext>
+            </a:extLst>
+          </p:cNvPr>
+          <p:cNvSpPr txBox="1"/>
+          <p:nvPr/>
+        </p:nvSpPr>
+        <p:spPr>
+          <a:xfrm>
+            <a:off x="7006603" y="1047750"/>
+            <a:ext cx="1603997" cy="553998"/>
+          </a:xfrm>
+          <a:prstGeom prst="rect">
+            <a:avLst/>
+          </a:prstGeom>
+          <a:noFill/>
+        </p:spPr>
+        <p:txBody>
+          <a:bodyPr wrap="square" rtlCol="0">
+            <a:spAutoFit/>
+          </a:bodyPr>
+          <a:lstStyle/>
+          <a:p>
+            <a:r>
+              <a:rPr lang="en-US" sz="1000" dirty="0"/>
+              <a:t>Contiguous Label Stack with one Label with EOS Flag set to 1</a:t>
+            </a:r>
+          </a:p>
+        </p:txBody>
+      </p:sp>
+      <p:cxnSp>
+        <p:nvCxnSpPr>
+          <p:cNvPr id="13" name="Straight Connector 12">
+            <a:extLst>
+              <a:ext uri="{FF2B5EF4-FFF2-40B4-BE49-F238E27FC236}">
+                <a16:creationId xmlns:a16="http://schemas.microsoft.com/office/drawing/2014/main" id="{800C72A9-E56F-BB4D-A721-B42207491DC4}"/>
+              </a:ext>
+            </a:extLst>
+          </p:cNvPr>
+          <p:cNvCxnSpPr>
+            <a:cxnSpLocks/>
+          </p:cNvCxnSpPr>
+          <p:nvPr/>
+        </p:nvCxnSpPr>
+        <p:spPr>
+          <a:xfrm>
+            <a:off x="6781800" y="1755539"/>
+            <a:ext cx="1295400" cy="0"/>
+          </a:xfrm>
+          <a:prstGeom prst="line">
+            <a:avLst/>
+          </a:prstGeom>
+        </p:spPr>
+        <p:style>
+          <a:lnRef idx="1">
+            <a:schemeClr val="accent1"/>
+          </a:lnRef>
+          <a:fillRef idx="0">
+            <a:schemeClr val="accent1"/>
+          </a:fillRef>
+          <a:effectRef idx="0">
+            <a:schemeClr val="accent1"/>
+          </a:effectRef>
+          <a:fontRef idx="minor">
+            <a:schemeClr val="tx1"/>
+          </a:fontRef>
+        </p:style>
+      </p:cxnSp>
+      <p:sp>
+        <p:nvSpPr>
+          <p:cNvPr id="14" name="TextBox 13">
+            <a:extLst>
+              <a:ext uri="{FF2B5EF4-FFF2-40B4-BE49-F238E27FC236}">
+                <a16:creationId xmlns:a16="http://schemas.microsoft.com/office/drawing/2014/main" id="{B181A1A7-B41C-C449-A1CB-6C6B8A164309}"/>
+              </a:ext>
+            </a:extLst>
+          </p:cNvPr>
+          <p:cNvSpPr txBox="1"/>
+          <p:nvPr/>
+        </p:nvSpPr>
+        <p:spPr>
+          <a:xfrm>
+            <a:off x="7021843" y="2049713"/>
+            <a:ext cx="1436357" cy="553998"/>
+          </a:xfrm>
+          <a:prstGeom prst="rect">
+            <a:avLst/>
+          </a:prstGeom>
+          <a:noFill/>
+        </p:spPr>
+        <p:txBody>
+          <a:bodyPr wrap="square" rtlCol="0">
+            <a:spAutoFit/>
+          </a:bodyPr>
+          <a:lstStyle/>
+          <a:p>
+            <a:r>
+              <a:rPr lang="en-US" sz="1000" dirty="0"/>
+              <a:t>CW/G-ACH in TLV format matching the order of its Labels</a:t>
+            </a:r>
+          </a:p>
+        </p:txBody>
+      </p:sp>
     </p:spTree>
     <p:extLst>
       <p:ext uri="{BB962C8B-B14F-4D97-AF65-F5344CB8AC3E}">
@@ -13093,7 +13343,7 @@
         </p:nvSpPr>
         <p:spPr>
           <a:xfrm>
-            <a:off x="3124200" y="4786312"/>
+            <a:off x="3124200" y="4800073"/>
             <a:ext cx="2895600" cy="357188"/>
           </a:xfrm>
         </p:spPr>
@@ -13135,7 +13385,12 @@
             <p:ph type="sldNum" sz="quarter" idx="12"/>
           </p:nvPr>
         </p:nvSpPr>
-        <p:spPr/>
+        <p:spPr>
+          <a:xfrm>
+            <a:off x="6391894" y="4675060"/>
+            <a:ext cx="2133600" cy="357188"/>
+          </a:xfrm>
+        </p:spPr>
         <p:txBody>
           <a:bodyPr/>
           <a:lstStyle/>
@@ -13168,7 +13423,7 @@
         </p:nvSpPr>
         <p:spPr>
           <a:xfrm>
-            <a:off x="2438400" y="713601"/>
+            <a:off x="2277094" y="704742"/>
             <a:ext cx="5715000" cy="4108817"/>
           </a:xfrm>
           <a:prstGeom prst="rect">
@@ -13505,8 +13760,8 @@
         </p:nvSpPr>
         <p:spPr>
           <a:xfrm>
-            <a:off x="-19050" y="4073717"/>
-            <a:ext cx="2476500" cy="1015663"/>
+            <a:off x="-38100" y="4080422"/>
+            <a:ext cx="2400300" cy="1015663"/>
           </a:xfrm>
           <a:prstGeom prst="rect">
             <a:avLst/>
@@ -13573,7 +13828,7 @@
         </p:nvSpPr>
         <p:spPr>
           <a:xfrm>
-            <a:off x="2209799" y="1725842"/>
+            <a:off x="2048493" y="1716983"/>
             <a:ext cx="79999" cy="1150708"/>
           </a:xfrm>
           <a:prstGeom prst="downArrow">
@@ -13627,7 +13882,7 @@
         </p:nvSpPr>
         <p:spPr>
           <a:xfrm rot="10800000">
-            <a:off x="2209800" y="855851"/>
+            <a:off x="2048494" y="846992"/>
             <a:ext cx="79997" cy="717589"/>
           </a:xfrm>
           <a:prstGeom prst="downArrow">
@@ -13681,7 +13936,7 @@
         </p:nvSpPr>
         <p:spPr>
           <a:xfrm>
-            <a:off x="1233888" y="1063078"/>
+            <a:off x="1072582" y="1054219"/>
             <a:ext cx="864339" cy="369332"/>
           </a:xfrm>
           <a:prstGeom prst="rect">
@@ -13716,7 +13971,7 @@
         </p:nvSpPr>
         <p:spPr>
           <a:xfrm>
-            <a:off x="1236078" y="1969705"/>
+            <a:off x="1074772" y="1960846"/>
             <a:ext cx="861133" cy="307777"/>
           </a:xfrm>
           <a:prstGeom prst="rect">
@@ -13753,7 +14008,7 @@
         </p:nvCxnSpPr>
         <p:spPr>
           <a:xfrm>
-            <a:off x="1310088" y="1649642"/>
+            <a:off x="1148782" y="1640783"/>
             <a:ext cx="1295400" cy="0"/>
           </a:xfrm>
           <a:prstGeom prst="line">
@@ -13775,6 +14030,114 @@
           </a:fontRef>
         </p:style>
       </p:cxnSp>
+      <p:sp>
+        <p:nvSpPr>
+          <p:cNvPr id="13" name="TextBox 12">
+            <a:extLst>
+              <a:ext uri="{FF2B5EF4-FFF2-40B4-BE49-F238E27FC236}">
+                <a16:creationId xmlns:a16="http://schemas.microsoft.com/office/drawing/2014/main" id="{6B052413-E27B-2F4D-8918-D076B84BCBCE}"/>
+              </a:ext>
+            </a:extLst>
+          </p:cNvPr>
+          <p:cNvSpPr txBox="1"/>
+          <p:nvPr/>
+        </p:nvSpPr>
+        <p:spPr>
+          <a:xfrm>
+            <a:off x="7531097" y="930730"/>
+            <a:ext cx="1603997" cy="553998"/>
+          </a:xfrm>
+          <a:prstGeom prst="rect">
+            <a:avLst/>
+          </a:prstGeom>
+          <a:noFill/>
+        </p:spPr>
+        <p:txBody>
+          <a:bodyPr wrap="square" rtlCol="0">
+            <a:spAutoFit/>
+          </a:bodyPr>
+          <a:lstStyle/>
+          <a:p>
+            <a:r>
+              <a:rPr lang="en-US" sz="1000" dirty="0"/>
+              <a:t>Contiguous Label Stack with one Label with EOS Flag set to 1</a:t>
+            </a:r>
+          </a:p>
+        </p:txBody>
+      </p:sp>
+      <p:cxnSp>
+        <p:nvCxnSpPr>
+          <p:cNvPr id="14" name="Straight Connector 13">
+            <a:extLst>
+              <a:ext uri="{FF2B5EF4-FFF2-40B4-BE49-F238E27FC236}">
+                <a16:creationId xmlns:a16="http://schemas.microsoft.com/office/drawing/2014/main" id="{DE14ECCF-2AFB-A24E-97AA-5EEA041E04BB}"/>
+              </a:ext>
+            </a:extLst>
+          </p:cNvPr>
+          <p:cNvCxnSpPr>
+            <a:cxnSpLocks/>
+          </p:cNvCxnSpPr>
+          <p:nvPr/>
+        </p:nvCxnSpPr>
+        <p:spPr>
+          <a:xfrm>
+            <a:off x="7306294" y="1638519"/>
+            <a:ext cx="1295400" cy="0"/>
+          </a:xfrm>
+          <a:prstGeom prst="line">
+            <a:avLst/>
+          </a:prstGeom>
+        </p:spPr>
+        <p:style>
+          <a:lnRef idx="1">
+            <a:schemeClr val="accent1"/>
+          </a:lnRef>
+          <a:fillRef idx="0">
+            <a:schemeClr val="accent1"/>
+          </a:fillRef>
+          <a:effectRef idx="0">
+            <a:schemeClr val="accent1"/>
+          </a:effectRef>
+          <a:fontRef idx="minor">
+            <a:schemeClr val="tx1"/>
+          </a:fontRef>
+        </p:style>
+      </p:cxnSp>
+      <p:sp>
+        <p:nvSpPr>
+          <p:cNvPr id="15" name="TextBox 14">
+            <a:extLst>
+              <a:ext uri="{FF2B5EF4-FFF2-40B4-BE49-F238E27FC236}">
+                <a16:creationId xmlns:a16="http://schemas.microsoft.com/office/drawing/2014/main" id="{3B05EB47-671B-224F-9DE6-A6932FE89189}"/>
+              </a:ext>
+            </a:extLst>
+          </p:cNvPr>
+          <p:cNvSpPr txBox="1"/>
+          <p:nvPr/>
+        </p:nvSpPr>
+        <p:spPr>
+          <a:xfrm>
+            <a:off x="7546337" y="1932693"/>
+            <a:ext cx="1436357" cy="553998"/>
+          </a:xfrm>
+          <a:prstGeom prst="rect">
+            <a:avLst/>
+          </a:prstGeom>
+          <a:noFill/>
+        </p:spPr>
+        <p:txBody>
+          <a:bodyPr wrap="square" rtlCol="0">
+            <a:spAutoFit/>
+          </a:bodyPr>
+          <a:lstStyle/>
+          <a:p>
+            <a:r>
+              <a:rPr lang="en-US" sz="1000" dirty="0"/>
+              <a:t>CW/G-ACH in TLV format matching the order of its Labels</a:t>
+            </a:r>
+          </a:p>
+        </p:txBody>
+      </p:sp>
     </p:spTree>
     <p:extLst>
       <p:ext uri="{BB962C8B-B14F-4D97-AF65-F5344CB8AC3E}">
@@ -14585,6 +14948,114 @@
           </a:fontRef>
         </p:style>
       </p:cxnSp>
+      <p:sp>
+        <p:nvSpPr>
+          <p:cNvPr id="12" name="TextBox 11">
+            <a:extLst>
+              <a:ext uri="{FF2B5EF4-FFF2-40B4-BE49-F238E27FC236}">
+                <a16:creationId xmlns:a16="http://schemas.microsoft.com/office/drawing/2014/main" id="{F5D99356-8060-AD4B-8984-6F492E7CBDA7}"/>
+              </a:ext>
+            </a:extLst>
+          </p:cNvPr>
+          <p:cNvSpPr txBox="1"/>
+          <p:nvPr/>
+        </p:nvSpPr>
+        <p:spPr>
+          <a:xfrm>
+            <a:off x="7159003" y="1091989"/>
+            <a:ext cx="1603997" cy="553998"/>
+          </a:xfrm>
+          <a:prstGeom prst="rect">
+            <a:avLst/>
+          </a:prstGeom>
+          <a:noFill/>
+        </p:spPr>
+        <p:txBody>
+          <a:bodyPr wrap="square" rtlCol="0">
+            <a:spAutoFit/>
+          </a:bodyPr>
+          <a:lstStyle/>
+          <a:p>
+            <a:r>
+              <a:rPr lang="en-US" sz="1000" dirty="0"/>
+              <a:t>Contiguous Label Stack with one Label with EOS Flag set to 1</a:t>
+            </a:r>
+          </a:p>
+        </p:txBody>
+      </p:sp>
+      <p:cxnSp>
+        <p:nvCxnSpPr>
+          <p:cNvPr id="14" name="Straight Connector 13">
+            <a:extLst>
+              <a:ext uri="{FF2B5EF4-FFF2-40B4-BE49-F238E27FC236}">
+                <a16:creationId xmlns:a16="http://schemas.microsoft.com/office/drawing/2014/main" id="{E55D27DC-F3E0-4940-9EA9-E691A4FDD8CD}"/>
+              </a:ext>
+            </a:extLst>
+          </p:cNvPr>
+          <p:cNvCxnSpPr>
+            <a:cxnSpLocks/>
+          </p:cNvCxnSpPr>
+          <p:nvPr/>
+        </p:nvCxnSpPr>
+        <p:spPr>
+          <a:xfrm>
+            <a:off x="6934200" y="1799778"/>
+            <a:ext cx="1295400" cy="0"/>
+          </a:xfrm>
+          <a:prstGeom prst="line">
+            <a:avLst/>
+          </a:prstGeom>
+        </p:spPr>
+        <p:style>
+          <a:lnRef idx="1">
+            <a:schemeClr val="accent1"/>
+          </a:lnRef>
+          <a:fillRef idx="0">
+            <a:schemeClr val="accent1"/>
+          </a:fillRef>
+          <a:effectRef idx="0">
+            <a:schemeClr val="accent1"/>
+          </a:effectRef>
+          <a:fontRef idx="minor">
+            <a:schemeClr val="tx1"/>
+          </a:fontRef>
+        </p:style>
+      </p:cxnSp>
+      <p:sp>
+        <p:nvSpPr>
+          <p:cNvPr id="15" name="TextBox 14">
+            <a:extLst>
+              <a:ext uri="{FF2B5EF4-FFF2-40B4-BE49-F238E27FC236}">
+                <a16:creationId xmlns:a16="http://schemas.microsoft.com/office/drawing/2014/main" id="{D54CFB5C-A471-3E48-856D-5703BCF81660}"/>
+              </a:ext>
+            </a:extLst>
+          </p:cNvPr>
+          <p:cNvSpPr txBox="1"/>
+          <p:nvPr/>
+        </p:nvSpPr>
+        <p:spPr>
+          <a:xfrm>
+            <a:off x="7174243" y="2093952"/>
+            <a:ext cx="1436357" cy="553998"/>
+          </a:xfrm>
+          <a:prstGeom prst="rect">
+            <a:avLst/>
+          </a:prstGeom>
+          <a:noFill/>
+        </p:spPr>
+        <p:txBody>
+          <a:bodyPr wrap="square" rtlCol="0">
+            <a:spAutoFit/>
+          </a:bodyPr>
+          <a:lstStyle/>
+          <a:p>
+            <a:r>
+              <a:rPr lang="en-US" sz="1000" dirty="0"/>
+              <a:t>CW/G-ACH in TLV format matching the order of its Labels</a:t>
+            </a:r>
+          </a:p>
+        </p:txBody>
+      </p:sp>
     </p:spTree>
     <p:extLst>
       <p:ext uri="{BB962C8B-B14F-4D97-AF65-F5344CB8AC3E}">
@@ -15364,6 +15835,114 @@
           </a:fontRef>
         </p:style>
       </p:cxnSp>
+      <p:sp>
+        <p:nvSpPr>
+          <p:cNvPr id="12" name="TextBox 11">
+            <a:extLst>
+              <a:ext uri="{FF2B5EF4-FFF2-40B4-BE49-F238E27FC236}">
+                <a16:creationId xmlns:a16="http://schemas.microsoft.com/office/drawing/2014/main" id="{4F324B11-0E3E-B446-A424-E9DDC2F9D46D}"/>
+              </a:ext>
+            </a:extLst>
+          </p:cNvPr>
+          <p:cNvSpPr txBox="1"/>
+          <p:nvPr/>
+        </p:nvSpPr>
+        <p:spPr>
+          <a:xfrm>
+            <a:off x="7235202" y="1123950"/>
+            <a:ext cx="1603997" cy="553998"/>
+          </a:xfrm>
+          <a:prstGeom prst="rect">
+            <a:avLst/>
+          </a:prstGeom>
+          <a:noFill/>
+        </p:spPr>
+        <p:txBody>
+          <a:bodyPr wrap="square" rtlCol="0">
+            <a:spAutoFit/>
+          </a:bodyPr>
+          <a:lstStyle/>
+          <a:p>
+            <a:r>
+              <a:rPr lang="en-US" sz="1000" dirty="0"/>
+              <a:t>Contiguous Label Stack with one Label with EOS Flag set to 1</a:t>
+            </a:r>
+          </a:p>
+        </p:txBody>
+      </p:sp>
+      <p:cxnSp>
+        <p:nvCxnSpPr>
+          <p:cNvPr id="13" name="Straight Connector 12">
+            <a:extLst>
+              <a:ext uri="{FF2B5EF4-FFF2-40B4-BE49-F238E27FC236}">
+                <a16:creationId xmlns:a16="http://schemas.microsoft.com/office/drawing/2014/main" id="{9A7A88B9-B329-D14E-93CB-219AB7A7F04E}"/>
+              </a:ext>
+            </a:extLst>
+          </p:cNvPr>
+          <p:cNvCxnSpPr>
+            <a:cxnSpLocks/>
+          </p:cNvCxnSpPr>
+          <p:nvPr/>
+        </p:nvCxnSpPr>
+        <p:spPr>
+          <a:xfrm>
+            <a:off x="7010399" y="1831739"/>
+            <a:ext cx="1295400" cy="0"/>
+          </a:xfrm>
+          <a:prstGeom prst="line">
+            <a:avLst/>
+          </a:prstGeom>
+        </p:spPr>
+        <p:style>
+          <a:lnRef idx="1">
+            <a:schemeClr val="accent1"/>
+          </a:lnRef>
+          <a:fillRef idx="0">
+            <a:schemeClr val="accent1"/>
+          </a:fillRef>
+          <a:effectRef idx="0">
+            <a:schemeClr val="accent1"/>
+          </a:effectRef>
+          <a:fontRef idx="minor">
+            <a:schemeClr val="tx1"/>
+          </a:fontRef>
+        </p:style>
+      </p:cxnSp>
+      <p:sp>
+        <p:nvSpPr>
+          <p:cNvPr id="14" name="TextBox 13">
+            <a:extLst>
+              <a:ext uri="{FF2B5EF4-FFF2-40B4-BE49-F238E27FC236}">
+                <a16:creationId xmlns:a16="http://schemas.microsoft.com/office/drawing/2014/main" id="{7A1CA0EF-AB7E-B346-862E-75E57479CBFF}"/>
+              </a:ext>
+            </a:extLst>
+          </p:cNvPr>
+          <p:cNvSpPr txBox="1"/>
+          <p:nvPr/>
+        </p:nvSpPr>
+        <p:spPr>
+          <a:xfrm>
+            <a:off x="7250442" y="2125913"/>
+            <a:ext cx="1436357" cy="553998"/>
+          </a:xfrm>
+          <a:prstGeom prst="rect">
+            <a:avLst/>
+          </a:prstGeom>
+          <a:noFill/>
+        </p:spPr>
+        <p:txBody>
+          <a:bodyPr wrap="square" rtlCol="0">
+            <a:spAutoFit/>
+          </a:bodyPr>
+          <a:lstStyle/>
+          <a:p>
+            <a:r>
+              <a:rPr lang="en-US" sz="1000" dirty="0"/>
+              <a:t>CW/G-ACH in TLV format matching the order of its Labels</a:t>
+            </a:r>
+          </a:p>
+        </p:txBody>
+      </p:sp>
     </p:spTree>
     <p:extLst>
       <p:ext uri="{BB962C8B-B14F-4D97-AF65-F5344CB8AC3E}">

--- a/draft-gandhi-mpls-ioam-sr-06.pptx
+++ b/draft-gandhi-mpls-ioam-sr-06.pptx
@@ -10601,7 +10601,7 @@
               </a:spcBef>
             </a:pPr>
             <a:r>
-              <a:rPr lang="en-CA" sz="1600" dirty="0">
+              <a:rPr lang="en-CA" sz="1400" dirty="0">
                 <a:latin typeface="Calibri" panose="020F0502020204030204" pitchFamily="34" charset="0"/>
                 <a:cs typeface="Calibri" panose="020F0502020204030204" pitchFamily="34" charset="0"/>
               </a:rPr>
@@ -10618,36 +10618,149 @@
               </a:spcBef>
             </a:pPr>
             <a:r>
-              <a:rPr lang="en-CA" sz="1600" dirty="0">
+              <a:rPr lang="en-CA" sz="1400" dirty="0">
                 <a:latin typeface="Calibri" panose="020F0502020204030204" pitchFamily="34" charset="0"/>
                 <a:cs typeface="Calibri" panose="020F0502020204030204" pitchFamily="34" charset="0"/>
               </a:rPr>
               <a:t>IOAM Data Fields, including IOAM G-</a:t>
             </a:r>
             <a:r>
-              <a:rPr lang="en-CA" sz="1600" dirty="0" err="1">
+              <a:rPr lang="en-CA" sz="1400" dirty="0" err="1">
                 <a:latin typeface="Calibri" panose="020F0502020204030204" pitchFamily="34" charset="0"/>
                 <a:cs typeface="Calibri" panose="020F0502020204030204" pitchFamily="34" charset="0"/>
               </a:rPr>
               <a:t>ACh</a:t>
             </a:r>
             <a:r>
-              <a:rPr lang="en-CA" sz="1600" dirty="0">
+              <a:rPr lang="en-CA" sz="1400" dirty="0">
                 <a:latin typeface="Calibri" panose="020F0502020204030204" pitchFamily="34" charset="0"/>
                 <a:cs typeface="Calibri" panose="020F0502020204030204" pitchFamily="34" charset="0"/>
               </a:rPr>
               <a:t> header are added in the MPLS </a:t>
             </a:r>
             <a:r>
-              <a:rPr lang="en-CA" sz="1600" dirty="0"/>
+              <a:rPr lang="en-CA" sz="1400" dirty="0"/>
               <a:t>encapsulation after the MPLS header</a:t>
             </a:r>
             <a:r>
-              <a:rPr lang="en-CA" sz="1600" dirty="0">
+              <a:rPr lang="en-CA" sz="1400" dirty="0">
                 <a:latin typeface="Calibri" panose="020F0502020204030204" pitchFamily="34" charset="0"/>
                 <a:cs typeface="Calibri" panose="020F0502020204030204" pitchFamily="34" charset="0"/>
               </a:rPr>
               <a:t>.</a:t>
+            </a:r>
+          </a:p>
+          <a:p>
+            <a:pPr>
+              <a:lnSpc>
+                <a:spcPts val="2120"/>
+              </a:lnSpc>
+              <a:spcBef>
+                <a:spcPts val="600"/>
+              </a:spcBef>
+            </a:pPr>
+            <a:r>
+              <a:rPr lang="en-CA" sz="1400" dirty="0">
+                <a:solidFill>
+                  <a:srgbClr val="0070C0"/>
+                </a:solidFill>
+                <a:latin typeface="Calibri" panose="020F0502020204030204" pitchFamily="34" charset="0"/>
+                <a:cs typeface="Calibri" panose="020F0502020204030204" pitchFamily="34" charset="0"/>
+              </a:rPr>
+              <a:t>This allows the intermediate nodes to easily access the </a:t>
+            </a:r>
+            <a:r>
+              <a:rPr lang="en-CA" sz="1400" dirty="0" err="1">
+                <a:solidFill>
+                  <a:srgbClr val="0070C0"/>
+                </a:solidFill>
+                <a:latin typeface="Calibri" panose="020F0502020204030204" pitchFamily="34" charset="0"/>
+                <a:cs typeface="Calibri" panose="020F0502020204030204" pitchFamily="34" charset="0"/>
+              </a:rPr>
+              <a:t>HbH</a:t>
+            </a:r>
+            <a:r>
+              <a:rPr lang="en-CA" sz="1400" dirty="0">
+                <a:solidFill>
+                  <a:srgbClr val="0070C0"/>
+                </a:solidFill>
+                <a:latin typeface="Calibri" panose="020F0502020204030204" pitchFamily="34" charset="0"/>
+                <a:cs typeface="Calibri" panose="020F0502020204030204" pitchFamily="34" charset="0"/>
+              </a:rPr>
+              <a:t> IOAM data field(s) after the MPLS header.</a:t>
+            </a:r>
+          </a:p>
+          <a:p>
+            <a:pPr>
+              <a:lnSpc>
+                <a:spcPts val="2120"/>
+              </a:lnSpc>
+              <a:spcBef>
+                <a:spcPts val="600"/>
+              </a:spcBef>
+            </a:pPr>
+            <a:r>
+              <a:rPr lang="en-CA" sz="1400" dirty="0">
+                <a:latin typeface="Calibri" panose="020F0502020204030204" pitchFamily="34" charset="0"/>
+                <a:cs typeface="Calibri" panose="020F0502020204030204" pitchFamily="34" charset="0"/>
+              </a:rPr>
+              <a:t>The Control Word or additional G-</a:t>
+            </a:r>
+            <a:r>
+              <a:rPr lang="en-CA" sz="1400" dirty="0" err="1">
+                <a:latin typeface="Calibri" panose="020F0502020204030204" pitchFamily="34" charset="0"/>
+                <a:cs typeface="Calibri" panose="020F0502020204030204" pitchFamily="34" charset="0"/>
+              </a:rPr>
+              <a:t>ACh</a:t>
+            </a:r>
+            <a:r>
+              <a:rPr lang="en-CA" sz="1400" dirty="0">
+                <a:latin typeface="Calibri" panose="020F0502020204030204" pitchFamily="34" charset="0"/>
+                <a:cs typeface="Calibri" panose="020F0502020204030204" pitchFamily="34" charset="0"/>
+              </a:rPr>
+              <a:t> is added after the IOAM Data Fields in the packet.</a:t>
+            </a:r>
+          </a:p>
+          <a:p>
+            <a:pPr>
+              <a:lnSpc>
+                <a:spcPts val="2120"/>
+              </a:lnSpc>
+              <a:spcBef>
+                <a:spcPts val="600"/>
+              </a:spcBef>
+            </a:pPr>
+            <a:r>
+              <a:rPr lang="en-CA" sz="1400" dirty="0">
+                <a:latin typeface="Calibri" panose="020F0502020204030204" pitchFamily="34" charset="0"/>
+                <a:cs typeface="Calibri" panose="020F0502020204030204" pitchFamily="34" charset="0"/>
+              </a:rPr>
+              <a:t>The decapsulating node removes the MPLS </a:t>
+            </a:r>
+            <a:r>
+              <a:rPr lang="en-CA" sz="1400" dirty="0"/>
+              <a:t>encapsulation</a:t>
+            </a:r>
+            <a:r>
+              <a:rPr lang="en-CA" sz="1400" dirty="0">
+                <a:latin typeface="Calibri" panose="020F0502020204030204" pitchFamily="34" charset="0"/>
+                <a:cs typeface="Calibri" panose="020F0502020204030204" pitchFamily="34" charset="0"/>
+              </a:rPr>
+              <a:t> including the IOAM Data Fields and then processes the Control Word or G-</a:t>
+            </a:r>
+            <a:r>
+              <a:rPr lang="en-CA" sz="1400" dirty="0" err="1">
+                <a:latin typeface="Calibri" panose="020F0502020204030204" pitchFamily="34" charset="0"/>
+                <a:cs typeface="Calibri" panose="020F0502020204030204" pitchFamily="34" charset="0"/>
+              </a:rPr>
+              <a:t>ACh</a:t>
+            </a:r>
+            <a:r>
+              <a:rPr lang="en-CA" sz="1400" dirty="0">
+                <a:latin typeface="Calibri" panose="020F0502020204030204" pitchFamily="34" charset="0"/>
+                <a:cs typeface="Calibri" panose="020F0502020204030204" pitchFamily="34" charset="0"/>
+              </a:rPr>
+              <a:t> following it.</a:t>
             </a:r>
           </a:p>
           <a:p>
@@ -10660,25 +10773,11 @@
               </a:spcBef>
             </a:pPr>
             <a:r>
-              <a:rPr lang="en-CA" sz="1200" dirty="0">
+              <a:rPr lang="en-CA" sz="1400" dirty="0">
                 <a:latin typeface="Calibri" panose="020F0502020204030204" pitchFamily="34" charset="0"/>
                 <a:cs typeface="Calibri" panose="020F0502020204030204" pitchFamily="34" charset="0"/>
               </a:rPr>
-              <a:t>The Control Word or additional G-</a:t>
-            </a:r>
-            <a:r>
-              <a:rPr lang="en-CA" sz="1200" dirty="0" err="1">
-                <a:latin typeface="Calibri" panose="020F0502020204030204" pitchFamily="34" charset="0"/>
-                <a:cs typeface="Calibri" panose="020F0502020204030204" pitchFamily="34" charset="0"/>
-              </a:rPr>
-              <a:t>ACh</a:t>
-            </a:r>
-            <a:r>
-              <a:rPr lang="en-CA" sz="1200" dirty="0">
-                <a:latin typeface="Calibri" panose="020F0502020204030204" pitchFamily="34" charset="0"/>
-                <a:cs typeface="Calibri" panose="020F0502020204030204" pitchFamily="34" charset="0"/>
-              </a:rPr>
-              <a:t> are added after the IOAM Data Fields in the packet.</a:t>
+              <a:t>The presence of this is known due to the PW Label on the Label Stack</a:t>
             </a:r>
           </a:p>
           <a:p>
@@ -10691,127 +10790,28 @@
               </a:spcBef>
             </a:pPr>
             <a:r>
-              <a:rPr lang="en-CA" sz="1600" dirty="0">
-                <a:solidFill>
-                  <a:srgbClr val="0070C0"/>
-                </a:solidFill>
+              <a:rPr lang="en-CA" sz="1400" i="1" dirty="0">
                 <a:latin typeface="Calibri" panose="020F0502020204030204" pitchFamily="34" charset="0"/>
                 <a:cs typeface="Calibri" panose="020F0502020204030204" pitchFamily="34" charset="0"/>
               </a:rPr>
-              <a:t>This allows the intermediate nodes to easily access the </a:t>
-            </a:r>
-            <a:r>
-              <a:rPr lang="en-CA" sz="1600" dirty="0" err="1">
-                <a:solidFill>
-                  <a:srgbClr val="0070C0"/>
-                </a:solidFill>
+              <a:t>IOAM HDR Length </a:t>
+            </a:r>
+            <a:r>
+              <a:rPr lang="en-CA" sz="1400" dirty="0">
                 <a:latin typeface="Calibri" panose="020F0502020204030204" pitchFamily="34" charset="0"/>
                 <a:cs typeface="Calibri" panose="020F0502020204030204" pitchFamily="34" charset="0"/>
               </a:rPr>
-              <a:t>HbH</a:t>
-            </a:r>
-            <a:r>
-              <a:rPr lang="en-CA" sz="1600" dirty="0">
-                <a:solidFill>
-                  <a:srgbClr val="0070C0"/>
-                </a:solidFill>
+              <a:t>allows to locate the Control Word and G-</a:t>
+            </a:r>
+            <a:r>
+              <a:rPr lang="en-CA" sz="1400" dirty="0" err="1">
                 <a:latin typeface="Calibri" panose="020F0502020204030204" pitchFamily="34" charset="0"/>
                 <a:cs typeface="Calibri" panose="020F0502020204030204" pitchFamily="34" charset="0"/>
               </a:rPr>
-              <a:t> IOAM data field(s) after the MPLS header.</a:t>
-            </a:r>
-          </a:p>
-          <a:p>
-            <a:pPr>
-              <a:lnSpc>
-                <a:spcPts val="2120"/>
-              </a:lnSpc>
-              <a:spcBef>
-                <a:spcPts val="600"/>
-              </a:spcBef>
-            </a:pPr>
-            <a:r>
-              <a:rPr lang="en-CA" sz="1600" dirty="0">
-                <a:latin typeface="Calibri" panose="020F0502020204030204" pitchFamily="34" charset="0"/>
-                <a:cs typeface="Calibri" panose="020F0502020204030204" pitchFamily="34" charset="0"/>
-              </a:rPr>
-              <a:t>The decapsulating node removes the MPLS </a:t>
-            </a:r>
-            <a:r>
-              <a:rPr lang="en-CA" sz="1600" dirty="0"/>
-              <a:t>encapsulation</a:t>
-            </a:r>
-            <a:r>
-              <a:rPr lang="en-CA" sz="1600" dirty="0">
-                <a:latin typeface="Calibri" panose="020F0502020204030204" pitchFamily="34" charset="0"/>
-                <a:cs typeface="Calibri" panose="020F0502020204030204" pitchFamily="34" charset="0"/>
-              </a:rPr>
-              <a:t> including the IOAM Data Fields and then processes the Control Word or G-</a:t>
-            </a:r>
-            <a:r>
-              <a:rPr lang="en-CA" sz="1600" dirty="0" err="1">
-                <a:latin typeface="Calibri" panose="020F0502020204030204" pitchFamily="34" charset="0"/>
-                <a:cs typeface="Calibri" panose="020F0502020204030204" pitchFamily="34" charset="0"/>
-              </a:rPr>
               <a:t>ACh</a:t>
             </a:r>
             <a:r>
-              <a:rPr lang="en-CA" sz="1600" dirty="0">
-                <a:latin typeface="Calibri" panose="020F0502020204030204" pitchFamily="34" charset="0"/>
-                <a:cs typeface="Calibri" panose="020F0502020204030204" pitchFamily="34" charset="0"/>
-              </a:rPr>
-              <a:t> following it.</a:t>
-            </a:r>
-          </a:p>
-          <a:p>
-            <a:pPr lvl="1">
-              <a:lnSpc>
-                <a:spcPts val="2120"/>
-              </a:lnSpc>
-              <a:spcBef>
-                <a:spcPts val="600"/>
-              </a:spcBef>
-            </a:pPr>
-            <a:r>
-              <a:rPr lang="en-CA" sz="1600" dirty="0">
-                <a:latin typeface="Calibri" panose="020F0502020204030204" pitchFamily="34" charset="0"/>
-                <a:cs typeface="Calibri" panose="020F0502020204030204" pitchFamily="34" charset="0"/>
-              </a:rPr>
-              <a:t>The presence of this is known due to the PW Label on the Label Stack</a:t>
-            </a:r>
-          </a:p>
-          <a:p>
-            <a:pPr>
-              <a:lnSpc>
-                <a:spcPts val="2120"/>
-              </a:lnSpc>
-              <a:spcBef>
-                <a:spcPts val="600"/>
-              </a:spcBef>
-            </a:pPr>
-            <a:r>
-              <a:rPr lang="en-CA" sz="1600" i="1" dirty="0">
-                <a:latin typeface="Calibri" panose="020F0502020204030204" pitchFamily="34" charset="0"/>
-                <a:cs typeface="Calibri" panose="020F0502020204030204" pitchFamily="34" charset="0"/>
-              </a:rPr>
-              <a:t>IOAM HDR Length </a:t>
-            </a:r>
-            <a:r>
-              <a:rPr lang="en-CA" sz="1600" dirty="0">
-                <a:latin typeface="Calibri" panose="020F0502020204030204" pitchFamily="34" charset="0"/>
-                <a:cs typeface="Calibri" panose="020F0502020204030204" pitchFamily="34" charset="0"/>
-              </a:rPr>
-              <a:t>allows to locate the Control Word and G-</a:t>
-            </a:r>
-            <a:r>
-              <a:rPr lang="en-CA" sz="1600" dirty="0" err="1">
-                <a:latin typeface="Calibri" panose="020F0502020204030204" pitchFamily="34" charset="0"/>
-                <a:cs typeface="Calibri" panose="020F0502020204030204" pitchFamily="34" charset="0"/>
-              </a:rPr>
-              <a:t>ACh</a:t>
-            </a:r>
-            <a:r>
-              <a:rPr lang="en-CA" sz="1600" dirty="0">
+              <a:rPr lang="en-CA" sz="1400" dirty="0">
                 <a:latin typeface="Calibri" panose="020F0502020204030204" pitchFamily="34" charset="0"/>
                 <a:cs typeface="Calibri" panose="020F0502020204030204" pitchFamily="34" charset="0"/>
               </a:rPr>

--- a/draft-gandhi-mpls-ioam-sr-06.pptx
+++ b/draft-gandhi-mpls-ioam-sr-06.pptx
@@ -10584,8 +10584,8 @@
         </p:nvSpPr>
         <p:spPr>
           <a:xfrm>
-            <a:off x="457200" y="928689"/>
-            <a:ext cx="8001000" cy="3581399"/>
+            <a:off x="381000" y="928689"/>
+            <a:ext cx="8382000" cy="3581399"/>
           </a:xfrm>
         </p:spPr>
         <p:txBody>
@@ -10601,11 +10601,25 @@
               </a:spcBef>
             </a:pPr>
             <a:r>
-              <a:rPr lang="en-CA" sz="1400" dirty="0">
+              <a:rPr lang="en-CA" sz="1600" dirty="0">
                 <a:latin typeface="Calibri" panose="020F0502020204030204" pitchFamily="34" charset="0"/>
                 <a:cs typeface="Calibri" panose="020F0502020204030204" pitchFamily="34" charset="0"/>
               </a:rPr>
-              <a:t>IOAM Indicator Label is added after the PW Label with EOS Flag set.</a:t>
+              <a:t>E2E or </a:t>
+            </a:r>
+            <a:r>
+              <a:rPr lang="en-CA" sz="1600" dirty="0" err="1">
+                <a:latin typeface="Calibri" panose="020F0502020204030204" pitchFamily="34" charset="0"/>
+                <a:cs typeface="Calibri" panose="020F0502020204030204" pitchFamily="34" charset="0"/>
+              </a:rPr>
+              <a:t>HbH</a:t>
+            </a:r>
+            <a:r>
+              <a:rPr lang="en-CA" sz="1600" dirty="0">
+                <a:latin typeface="Calibri" panose="020F0502020204030204" pitchFamily="34" charset="0"/>
+                <a:cs typeface="Calibri" panose="020F0502020204030204" pitchFamily="34" charset="0"/>
+              </a:rPr>
+              <a:t> IOAM Indicator Label is added after the PW Label with EOS Flag set.</a:t>
             </a:r>
           </a:p>
           <a:p>
@@ -10618,32 +10632,32 @@
               </a:spcBef>
             </a:pPr>
             <a:r>
-              <a:rPr lang="en-CA" sz="1400" dirty="0">
+              <a:rPr lang="en-CA" sz="1600" dirty="0">
                 <a:latin typeface="Calibri" panose="020F0502020204030204" pitchFamily="34" charset="0"/>
                 <a:cs typeface="Calibri" panose="020F0502020204030204" pitchFamily="34" charset="0"/>
               </a:rPr>
               <a:t>IOAM Data Fields, including IOAM G-</a:t>
             </a:r>
             <a:r>
-              <a:rPr lang="en-CA" sz="1400" dirty="0" err="1">
+              <a:rPr lang="en-CA" sz="1600" dirty="0" err="1">
                 <a:latin typeface="Calibri" panose="020F0502020204030204" pitchFamily="34" charset="0"/>
                 <a:cs typeface="Calibri" panose="020F0502020204030204" pitchFamily="34" charset="0"/>
               </a:rPr>
               <a:t>ACh</a:t>
             </a:r>
             <a:r>
-              <a:rPr lang="en-CA" sz="1400" dirty="0">
+              <a:rPr lang="en-CA" sz="1600" dirty="0">
                 <a:latin typeface="Calibri" panose="020F0502020204030204" pitchFamily="34" charset="0"/>
                 <a:cs typeface="Calibri" panose="020F0502020204030204" pitchFamily="34" charset="0"/>
               </a:rPr>
               <a:t> header are added in the MPLS </a:t>
             </a:r>
             <a:r>
-              <a:rPr lang="en-CA" sz="1400" dirty="0"/>
-              <a:t>encapsulation after the MPLS header</a:t>
-            </a:r>
-            <a:r>
-              <a:rPr lang="en-CA" sz="1400" dirty="0">
+              <a:rPr lang="en-CA" sz="1600" dirty="0"/>
+              <a:t>encapsulation after the EOS</a:t>
+            </a:r>
+            <a:r>
+              <a:rPr lang="en-CA" sz="1600" dirty="0">
                 <a:latin typeface="Calibri" panose="020F0502020204030204" pitchFamily="34" charset="0"/>
                 <a:cs typeface="Calibri" panose="020F0502020204030204" pitchFamily="34" charset="0"/>
               </a:rPr>
@@ -10660,7 +10674,7 @@
               </a:spcBef>
             </a:pPr>
             <a:r>
-              <a:rPr lang="en-CA" sz="1400" dirty="0">
+              <a:rPr lang="en-CA" sz="1600" dirty="0">
                 <a:solidFill>
                   <a:srgbClr val="0070C0"/>
                 </a:solidFill>
@@ -10670,7 +10684,7 @@
               <a:t>This allows the intermediate nodes to easily access the </a:t>
             </a:r>
             <a:r>
-              <a:rPr lang="en-CA" sz="1400" dirty="0" err="1">
+              <a:rPr lang="en-CA" sz="1600" dirty="0" err="1">
                 <a:solidFill>
                   <a:srgbClr val="0070C0"/>
                 </a:solidFill>
@@ -10680,7 +10694,7 @@
               <a:t>HbH</a:t>
             </a:r>
             <a:r>
-              <a:rPr lang="en-CA" sz="1400" dirty="0">
+              <a:rPr lang="en-CA" sz="1600" dirty="0">
                 <a:solidFill>
                   <a:srgbClr val="0070C0"/>
                 </a:solidFill>
@@ -10700,21 +10714,21 @@
               </a:spcBef>
             </a:pPr>
             <a:r>
-              <a:rPr lang="en-CA" sz="1400" dirty="0">
+              <a:rPr lang="en-CA" sz="1600" dirty="0">
                 <a:latin typeface="Calibri" panose="020F0502020204030204" pitchFamily="34" charset="0"/>
                 <a:cs typeface="Calibri" panose="020F0502020204030204" pitchFamily="34" charset="0"/>
               </a:rPr>
-              <a:t>The Control Word or additional G-</a:t>
-            </a:r>
-            <a:r>
-              <a:rPr lang="en-CA" sz="1400" dirty="0" err="1">
+              <a:t>Control Word or additional G-</a:t>
+            </a:r>
+            <a:r>
+              <a:rPr lang="en-CA" sz="1600" dirty="0" err="1">
                 <a:latin typeface="Calibri" panose="020F0502020204030204" pitchFamily="34" charset="0"/>
                 <a:cs typeface="Calibri" panose="020F0502020204030204" pitchFamily="34" charset="0"/>
               </a:rPr>
               <a:t>ACh</a:t>
             </a:r>
             <a:r>
-              <a:rPr lang="en-CA" sz="1400" dirty="0">
+              <a:rPr lang="en-CA" sz="1600" dirty="0">
                 <a:latin typeface="Calibri" panose="020F0502020204030204" pitchFamily="34" charset="0"/>
                 <a:cs typeface="Calibri" panose="020F0502020204030204" pitchFamily="34" charset="0"/>
               </a:rPr>
@@ -10731,32 +10745,32 @@
               </a:spcBef>
             </a:pPr>
             <a:r>
-              <a:rPr lang="en-CA" sz="1400" dirty="0">
+              <a:rPr lang="en-CA" sz="1600" dirty="0">
                 <a:latin typeface="Calibri" panose="020F0502020204030204" pitchFamily="34" charset="0"/>
                 <a:cs typeface="Calibri" panose="020F0502020204030204" pitchFamily="34" charset="0"/>
               </a:rPr>
               <a:t>The decapsulating node removes the MPLS </a:t>
             </a:r>
             <a:r>
-              <a:rPr lang="en-CA" sz="1400" dirty="0"/>
+              <a:rPr lang="en-CA" sz="1600" dirty="0"/>
               <a:t>encapsulation</a:t>
             </a:r>
             <a:r>
-              <a:rPr lang="en-CA" sz="1400" dirty="0">
+              <a:rPr lang="en-CA" sz="1600" dirty="0">
                 <a:latin typeface="Calibri" panose="020F0502020204030204" pitchFamily="34" charset="0"/>
                 <a:cs typeface="Calibri" panose="020F0502020204030204" pitchFamily="34" charset="0"/>
               </a:rPr>
               <a:t> including the IOAM Data Fields and then processes the Control Word or G-</a:t>
             </a:r>
             <a:r>
-              <a:rPr lang="en-CA" sz="1400" dirty="0" err="1">
+              <a:rPr lang="en-CA" sz="1600" dirty="0" err="1">
                 <a:latin typeface="Calibri" panose="020F0502020204030204" pitchFamily="34" charset="0"/>
                 <a:cs typeface="Calibri" panose="020F0502020204030204" pitchFamily="34" charset="0"/>
               </a:rPr>
               <a:t>ACh</a:t>
             </a:r>
             <a:r>
-              <a:rPr lang="en-CA" sz="1400" dirty="0">
+              <a:rPr lang="en-CA" sz="1600" dirty="0">
                 <a:latin typeface="Calibri" panose="020F0502020204030204" pitchFamily="34" charset="0"/>
                 <a:cs typeface="Calibri" panose="020F0502020204030204" pitchFamily="34" charset="0"/>
               </a:rPr>
@@ -10773,15 +10787,26 @@
               </a:spcBef>
             </a:pPr>
             <a:r>
-              <a:rPr lang="en-CA" sz="1400" dirty="0">
+              <a:rPr lang="en-CA" sz="1600" dirty="0">
                 <a:latin typeface="Calibri" panose="020F0502020204030204" pitchFamily="34" charset="0"/>
                 <a:cs typeface="Calibri" panose="020F0502020204030204" pitchFamily="34" charset="0"/>
               </a:rPr>
-              <a:t>The presence of this is known due to the PW Label on the Label Stack</a:t>
-            </a:r>
-          </a:p>
-          <a:p>
-            <a:pPr>
+              <a:t>The presence of this is known due to the PW Label on the </a:t>
+            </a:r>
+            <a:r>
+              <a:rPr lang="en-CA" sz="1600">
+                <a:latin typeface="Calibri" panose="020F0502020204030204" pitchFamily="34" charset="0"/>
+                <a:cs typeface="Calibri" panose="020F0502020204030204" pitchFamily="34" charset="0"/>
+              </a:rPr>
+              <a:t>Label Stack.</a:t>
+            </a:r>
+            <a:endParaRPr lang="en-CA" sz="1600" dirty="0">
+              <a:latin typeface="Calibri" panose="020F0502020204030204" pitchFamily="34" charset="0"/>
+              <a:cs typeface="Calibri" panose="020F0502020204030204" pitchFamily="34" charset="0"/>
+            </a:endParaRPr>
+          </a:p>
+          <a:p>
+            <a:pPr lvl="1">
               <a:lnSpc>
                 <a:spcPts val="2120"/>
               </a:lnSpc>
@@ -10790,28 +10815,28 @@
               </a:spcBef>
             </a:pPr>
             <a:r>
-              <a:rPr lang="en-CA" sz="1400" i="1" dirty="0">
+              <a:rPr lang="en-CA" sz="1600" i="1" dirty="0">
                 <a:latin typeface="Calibri" panose="020F0502020204030204" pitchFamily="34" charset="0"/>
                 <a:cs typeface="Calibri" panose="020F0502020204030204" pitchFamily="34" charset="0"/>
               </a:rPr>
               <a:t>IOAM HDR Length </a:t>
             </a:r>
             <a:r>
-              <a:rPr lang="en-CA" sz="1400" dirty="0">
+              <a:rPr lang="en-CA" sz="1600" dirty="0">
                 <a:latin typeface="Calibri" panose="020F0502020204030204" pitchFamily="34" charset="0"/>
                 <a:cs typeface="Calibri" panose="020F0502020204030204" pitchFamily="34" charset="0"/>
               </a:rPr>
               <a:t>allows to locate the Control Word and G-</a:t>
             </a:r>
             <a:r>
-              <a:rPr lang="en-CA" sz="1400" dirty="0" err="1">
+              <a:rPr lang="en-CA" sz="1600" dirty="0" err="1">
                 <a:latin typeface="Calibri" panose="020F0502020204030204" pitchFamily="34" charset="0"/>
                 <a:cs typeface="Calibri" panose="020F0502020204030204" pitchFamily="34" charset="0"/>
               </a:rPr>
               <a:t>ACh</a:t>
             </a:r>
             <a:r>
-              <a:rPr lang="en-CA" sz="1400" dirty="0">
+              <a:rPr lang="en-CA" sz="1600" dirty="0">
                 <a:latin typeface="Calibri" panose="020F0502020204030204" pitchFamily="34" charset="0"/>
                 <a:cs typeface="Calibri" panose="020F0502020204030204" pitchFamily="34" charset="0"/>
               </a:rPr>

--- a/draft-gandhi-mpls-ioam-sr-06.pptx
+++ b/draft-gandhi-mpls-ioam-sr-06.pptx
@@ -11525,7 +11525,7 @@
         <p:spPr>
           <a:xfrm>
             <a:off x="778877" y="2053614"/>
-            <a:ext cx="861133" cy="307777"/>
+            <a:ext cx="861133" cy="523220"/>
           </a:xfrm>
           <a:prstGeom prst="rect">
             <a:avLst/>
@@ -11541,6 +11541,12 @@
             <a:r>
               <a:rPr lang="en-US" sz="1400" dirty="0"/>
               <a:t>Headers</a:t>
+            </a:r>
+          </a:p>
+          <a:p>
+            <a:r>
+              <a:rPr lang="en-US" sz="1400" dirty="0"/>
+              <a:t>(TLVs)</a:t>
             </a:r>
           </a:p>
         </p:txBody>
@@ -12353,7 +12359,7 @@
         <p:spPr>
           <a:xfrm>
             <a:off x="550278" y="2060460"/>
-            <a:ext cx="861133" cy="307777"/>
+            <a:ext cx="861133" cy="523220"/>
           </a:xfrm>
           <a:prstGeom prst="rect">
             <a:avLst/>
@@ -12369,6 +12375,12 @@
             <a:r>
               <a:rPr lang="en-US" sz="1400" dirty="0"/>
               <a:t>Headers</a:t>
+            </a:r>
+          </a:p>
+          <a:p>
+            <a:r>
+              <a:rPr lang="en-US" sz="1400" dirty="0"/>
+              <a:t>TLVs</a:t>
             </a:r>
           </a:p>
         </p:txBody>
@@ -12425,7 +12437,7 @@
         </p:nvSpPr>
         <p:spPr>
           <a:xfrm>
-            <a:off x="7006603" y="1047750"/>
+            <a:off x="7275201" y="1064113"/>
             <a:ext cx="1603997" cy="553998"/>
           </a:xfrm>
           <a:prstGeom prst="rect">
@@ -12498,7 +12510,7 @@
         </p:nvSpPr>
         <p:spPr>
           <a:xfrm>
-            <a:off x="7021843" y="2049713"/>
+            <a:off x="7283910" y="2030002"/>
             <a:ext cx="1436357" cy="553998"/>
           </a:xfrm>
           <a:prstGeom prst="rect">
@@ -13997,7 +14009,7 @@
         <p:spPr>
           <a:xfrm>
             <a:off x="1074772" y="1960846"/>
-            <a:ext cx="861133" cy="307777"/>
+            <a:ext cx="861133" cy="523220"/>
           </a:xfrm>
           <a:prstGeom prst="rect">
             <a:avLst/>
@@ -14013,6 +14025,12 @@
             <a:r>
               <a:rPr lang="en-US" sz="1400" dirty="0"/>
               <a:t>Headers</a:t>
+            </a:r>
+          </a:p>
+          <a:p>
+            <a:r>
+              <a:rPr lang="en-US" sz="1400" dirty="0"/>
+              <a:t>TLVs</a:t>
             </a:r>
           </a:p>
         </p:txBody>
@@ -14069,7 +14087,7 @@
         </p:nvSpPr>
         <p:spPr>
           <a:xfrm>
-            <a:off x="7531097" y="930730"/>
+            <a:off x="7456796" y="935223"/>
             <a:ext cx="1603997" cy="553998"/>
           </a:xfrm>
           <a:prstGeom prst="rect">
@@ -14142,7 +14160,7 @@
         </p:nvSpPr>
         <p:spPr>
           <a:xfrm>
-            <a:off x="7546337" y="1932693"/>
+            <a:off x="7458497" y="1765882"/>
             <a:ext cx="1436357" cy="553998"/>
           </a:xfrm>
           <a:prstGeom prst="rect">
@@ -14847,7 +14865,7 @@
         <p:spPr>
           <a:xfrm>
             <a:off x="687990" y="2129813"/>
-            <a:ext cx="861133" cy="307777"/>
+            <a:ext cx="861133" cy="523220"/>
           </a:xfrm>
           <a:prstGeom prst="rect">
             <a:avLst/>
@@ -14863,6 +14881,12 @@
             <a:r>
               <a:rPr lang="en-US" sz="1400" dirty="0"/>
               <a:t>Headers</a:t>
+            </a:r>
+          </a:p>
+          <a:p>
+            <a:r>
+              <a:rPr lang="en-US" sz="1400" dirty="0"/>
+              <a:t>TLVs</a:t>
             </a:r>
           </a:p>
         </p:txBody>
@@ -14987,8 +15011,8 @@
         </p:nvSpPr>
         <p:spPr>
           <a:xfrm>
-            <a:off x="7159003" y="1091989"/>
-            <a:ext cx="1603997" cy="553998"/>
+            <a:off x="7581900" y="1113558"/>
+            <a:ext cx="1524000" cy="553998"/>
           </a:xfrm>
           <a:prstGeom prst="rect">
             <a:avLst/>
@@ -15060,7 +15084,7 @@
         </p:nvSpPr>
         <p:spPr>
           <a:xfrm>
-            <a:off x="7174243" y="2093952"/>
+            <a:off x="7581900" y="1975909"/>
             <a:ext cx="1436357" cy="553998"/>
           </a:xfrm>
           <a:prstGeom prst="rect">
@@ -15802,7 +15826,7 @@
         <p:spPr>
           <a:xfrm>
             <a:off x="778878" y="2160309"/>
-            <a:ext cx="861133" cy="307777"/>
+            <a:ext cx="861133" cy="523220"/>
           </a:xfrm>
           <a:prstGeom prst="rect">
             <a:avLst/>
@@ -15818,6 +15842,12 @@
             <a:r>
               <a:rPr lang="en-US" sz="1400" dirty="0"/>
               <a:t>Headers</a:t>
+            </a:r>
+          </a:p>
+          <a:p>
+            <a:r>
+              <a:rPr lang="en-US" sz="1400" dirty="0"/>
+              <a:t>TLVs</a:t>
             </a:r>
           </a:p>
         </p:txBody>
@@ -15874,7 +15904,7 @@
         </p:nvSpPr>
         <p:spPr>
           <a:xfrm>
-            <a:off x="7235202" y="1123950"/>
+            <a:off x="7084702" y="1161950"/>
             <a:ext cx="1603997" cy="553998"/>
           </a:xfrm>
           <a:prstGeom prst="rect">
@@ -15947,7 +15977,7 @@
         </p:nvSpPr>
         <p:spPr>
           <a:xfrm>
-            <a:off x="7250442" y="2125913"/>
+            <a:off x="7084702" y="2018335"/>
             <a:ext cx="1436357" cy="553998"/>
           </a:xfrm>
           <a:prstGeom prst="rect">

--- a/draft-gandhi-mpls-ioam-sr-06.pptx
+++ b/draft-gandhi-mpls-ioam-sr-06.pptx
@@ -10251,7 +10251,7 @@
                 <a:ea typeface="Calibri" charset="0"/>
                 <a:cs typeface="Calibri" charset="0"/>
               </a:rPr>
-              <a:t>MPLS Encapsulation for IOAM Data Fields with Control Word and Another G-</a:t>
+              <a:t>MPLS Encapsulation for IOAM Data Fields with Control Word and Additional G-</a:t>
             </a:r>
             <a:r>
               <a:rPr lang="en-US" altLang="zh-CN" sz="3600" kern="0" dirty="0" err="1">

--- a/draft-gandhi-mpls-ioam-sr-06.pptx
+++ b/draft-gandhi-mpls-ioam-sr-06.pptx
@@ -5,10 +5,10 @@
     <p:sldMasterId id="2147483648" r:id="rId1"/>
   </p:sldMasterIdLst>
   <p:notesMasterIdLst>
-    <p:notesMasterId r:id="rId31"/>
+    <p:notesMasterId r:id="rId32"/>
   </p:notesMasterIdLst>
   <p:handoutMasterIdLst>
-    <p:handoutMasterId r:id="rId32"/>
+    <p:handoutMasterId r:id="rId33"/>
   </p:handoutMasterIdLst>
   <p:sldIdLst>
     <p:sldId id="256" r:id="rId2"/>
@@ -26,20 +26,21 @@
     <p:sldId id="1664" r:id="rId14"/>
     <p:sldId id="1667" r:id="rId15"/>
     <p:sldId id="1683" r:id="rId16"/>
-    <p:sldId id="320" r:id="rId17"/>
-    <p:sldId id="1680" r:id="rId18"/>
-    <p:sldId id="1663" r:id="rId19"/>
-    <p:sldId id="1670" r:id="rId20"/>
-    <p:sldId id="1688" r:id="rId21"/>
-    <p:sldId id="1687" r:id="rId22"/>
-    <p:sldId id="1686" r:id="rId23"/>
-    <p:sldId id="1702" r:id="rId24"/>
-    <p:sldId id="1669" r:id="rId25"/>
-    <p:sldId id="1697" r:id="rId26"/>
-    <p:sldId id="1695" r:id="rId27"/>
-    <p:sldId id="1703" r:id="rId28"/>
-    <p:sldId id="1690" r:id="rId29"/>
-    <p:sldId id="1699" r:id="rId30"/>
+    <p:sldId id="1704" r:id="rId17"/>
+    <p:sldId id="320" r:id="rId18"/>
+    <p:sldId id="1680" r:id="rId19"/>
+    <p:sldId id="1663" r:id="rId20"/>
+    <p:sldId id="1670" r:id="rId21"/>
+    <p:sldId id="1688" r:id="rId22"/>
+    <p:sldId id="1687" r:id="rId23"/>
+    <p:sldId id="1686" r:id="rId24"/>
+    <p:sldId id="1702" r:id="rId25"/>
+    <p:sldId id="1669" r:id="rId26"/>
+    <p:sldId id="1697" r:id="rId27"/>
+    <p:sldId id="1695" r:id="rId28"/>
+    <p:sldId id="1703" r:id="rId29"/>
+    <p:sldId id="1690" r:id="rId30"/>
+    <p:sldId id="1699" r:id="rId31"/>
   </p:sldIdLst>
   <p:sldSz cx="9144000" cy="5143500" type="screen16x9"/>
   <p:notesSz cx="6858000" cy="9144000"/>
@@ -1140,7 +1141,7 @@
               <a:pPr>
                 <a:defRPr/>
               </a:pPr>
-              <a:t>16</a:t>
+              <a:t>17</a:t>
             </a:fld>
             <a:endParaRPr lang="en-US" altLang="zh-CN"/>
           </a:p>
@@ -1230,7 +1231,7 @@
               <a:pPr>
                 <a:defRPr/>
               </a:pPr>
-              <a:t>18</a:t>
+              <a:t>19</a:t>
             </a:fld>
             <a:endParaRPr lang="en-US" altLang="zh-CN"/>
           </a:p>
@@ -1320,7 +1321,7 @@
               <a:pPr>
                 <a:defRPr/>
               </a:pPr>
-              <a:t>19</a:t>
+              <a:t>20</a:t>
             </a:fld>
             <a:endParaRPr lang="en-US" altLang="zh-CN"/>
           </a:p>
@@ -1410,7 +1411,7 @@
               <a:pPr>
                 <a:defRPr/>
               </a:pPr>
-              <a:t>23</a:t>
+              <a:t>24</a:t>
             </a:fld>
             <a:endParaRPr lang="en-US" altLang="zh-CN"/>
           </a:p>
@@ -1500,7 +1501,7 @@
               <a:pPr>
                 <a:defRPr/>
               </a:pPr>
-              <a:t>24</a:t>
+              <a:t>25</a:t>
             </a:fld>
             <a:endParaRPr lang="en-US" altLang="zh-CN"/>
           </a:p>
@@ -1590,7 +1591,7 @@
               <a:pPr>
                 <a:defRPr/>
               </a:pPr>
-              <a:t>25</a:t>
+              <a:t>26</a:t>
             </a:fld>
             <a:endParaRPr lang="en-US" altLang="zh-CN"/>
           </a:p>
@@ -1680,7 +1681,7 @@
               <a:pPr>
                 <a:defRPr/>
               </a:pPr>
-              <a:t>29</a:t>
+              <a:t>30</a:t>
             </a:fld>
             <a:endParaRPr lang="en-US" altLang="zh-CN"/>
           </a:p>
@@ -8519,7 +8520,13 @@
       </p:grpSpPr>
       <p:sp>
         <p:nvSpPr>
-          <p:cNvPr id="2" name="Title 1"/>
+          <p:cNvPr id="2" name="Title 1">
+            <a:extLst>
+              <a:ext uri="{FF2B5EF4-FFF2-40B4-BE49-F238E27FC236}">
+                <a16:creationId xmlns:a16="http://schemas.microsoft.com/office/drawing/2014/main" id="{590D0125-5A9E-9D48-9391-85FBD0E608A2}"/>
+              </a:ext>
+            </a:extLst>
+          </p:cNvPr>
           <p:cNvSpPr>
             <a:spLocks noGrp="1"/>
           </p:cNvSpPr>
@@ -8529,8 +8536,8 @@
         </p:nvSpPr>
         <p:spPr>
           <a:xfrm>
-            <a:off x="457200" y="0"/>
-            <a:ext cx="8229600" cy="857250"/>
+            <a:off x="76200" y="129372"/>
+            <a:ext cx="8915400" cy="599270"/>
           </a:xfrm>
         </p:spPr>
         <p:txBody>
@@ -8538,209 +8545,54 @@
           <a:lstStyle/>
           <a:p>
             <a:r>
-              <a:rPr lang="en-US" sz="3200" dirty="0" err="1">
+              <a:rPr lang="en-CA" sz="3200" dirty="0">
                 <a:solidFill>
                   <a:srgbClr val="0070C0"/>
                 </a:solidFill>
                 <a:latin typeface="Calibri Light" panose="020F0302020204030204" pitchFamily="34" charset="0"/>
                 <a:cs typeface="Calibri Light" panose="020F0302020204030204" pitchFamily="34" charset="0"/>
               </a:rPr>
-              <a:t>HbH</a:t>
-            </a:r>
-            <a:r>
-              <a:rPr lang="en-US" sz="3200" dirty="0">
+              <a:t>MPLS Encapsulation with </a:t>
+            </a:r>
+            <a:r>
+              <a:rPr lang="en-CA" sz="3200" dirty="0" err="1">
                 <a:solidFill>
                   <a:srgbClr val="0070C0"/>
                 </a:solidFill>
                 <a:latin typeface="Calibri Light" panose="020F0302020204030204" pitchFamily="34" charset="0"/>
                 <a:cs typeface="Calibri Light" panose="020F0302020204030204" pitchFamily="34" charset="0"/>
               </a:rPr>
-              <a:t> IOAM Indicator Label Allocation Methods</a:t>
-            </a:r>
-          </a:p>
-        </p:txBody>
-      </p:sp>
-      <p:sp>
-        <p:nvSpPr>
-          <p:cNvPr id="3" name="Content Placeholder 2"/>
-          <p:cNvSpPr>
-            <a:spLocks noGrp="1"/>
-          </p:cNvSpPr>
-          <p:nvPr>
-            <p:ph idx="1"/>
-          </p:nvPr>
-        </p:nvSpPr>
-        <p:spPr>
-          <a:xfrm>
-            <a:off x="533400" y="922088"/>
-            <a:ext cx="8001000" cy="3689372"/>
-          </a:xfrm>
-        </p:spPr>
-        <p:txBody>
-          <a:bodyPr/>
-          <a:lstStyle/>
-          <a:p>
-            <a:pPr marL="457200" lvl="0" indent="-457200">
-              <a:spcBef>
-                <a:spcPts val="600"/>
-              </a:spcBef>
-              <a:buFont typeface="+mj-lt"/>
-              <a:buAutoNum type="arabicPeriod"/>
-            </a:pPr>
-            <a:r>
-              <a:rPr lang="en-CA" sz="1400" dirty="0"/>
-              <a:t>Extension Label (15) and Indicator Label assigned by IANA with value </a:t>
-            </a:r>
-            <a:r>
-              <a:rPr lang="en-CA" sz="1400" dirty="0">
+              <a:t>HbH</a:t>
+            </a:r>
+            <a:r>
+              <a:rPr lang="en-CA" sz="3200" dirty="0">
                 <a:solidFill>
                   <a:srgbClr val="0070C0"/>
                 </a:solidFill>
-              </a:rPr>
-              <a:t>TBA2</a:t>
-            </a:r>
-          </a:p>
-          <a:p>
-            <a:pPr marL="685800" lvl="1">
-              <a:spcBef>
-                <a:spcPts val="600"/>
-              </a:spcBef>
-            </a:pPr>
-            <a:r>
-              <a:rPr lang="en-CA" sz="1400" dirty="0"/>
-              <a:t>From Extended Special Purpose Labels (</a:t>
-            </a:r>
-            <a:r>
-              <a:rPr lang="en-CA" sz="1400" dirty="0" err="1"/>
-              <a:t>eSPL</a:t>
-            </a:r>
-            <a:r>
-              <a:rPr lang="en-CA" sz="1400" dirty="0"/>
-              <a:t>) range</a:t>
-            </a:r>
-          </a:p>
-          <a:p>
-            <a:pPr marL="685800" lvl="1">
-              <a:spcBef>
-                <a:spcPts val="600"/>
-              </a:spcBef>
-            </a:pPr>
-            <a:r>
-              <a:rPr lang="en-CA" sz="1400" dirty="0"/>
-              <a:t>Both Labels are carried at the </a:t>
-            </a:r>
-            <a:r>
-              <a:rPr lang="en-CA" sz="1400" dirty="0">
-                <a:solidFill>
-                  <a:srgbClr val="0070C0"/>
-                </a:solidFill>
-              </a:rPr>
-              <a:t>bottom</a:t>
-            </a:r>
-            <a:r>
-              <a:rPr lang="en-CA" sz="1400" dirty="0"/>
-              <a:t> of the label stack (as top label can break heterogenous network)</a:t>
-            </a:r>
-          </a:p>
-          <a:p>
-            <a:pPr marL="457200" lvl="0" indent="-457200">
-              <a:spcBef>
-                <a:spcPts val="600"/>
-              </a:spcBef>
-              <a:buFont typeface="+mj-lt"/>
-              <a:buAutoNum type="arabicPeriod"/>
-            </a:pPr>
-            <a:r>
-              <a:rPr lang="en-CA" sz="1400" dirty="0"/>
-              <a:t>Global Indicator Label allocated by a controller</a:t>
-            </a:r>
-          </a:p>
-          <a:p>
-            <a:pPr marL="685800" lvl="1">
-              <a:spcBef>
-                <a:spcPts val="600"/>
-              </a:spcBef>
-            </a:pPr>
-            <a:r>
-              <a:rPr lang="en-CA" sz="1400" dirty="0"/>
-              <a:t>The controller provisions the label on encapsulating, intermediate and decapsulating nodes</a:t>
-            </a:r>
-          </a:p>
-          <a:p>
-            <a:pPr marL="685800" lvl="1">
-              <a:spcBef>
-                <a:spcPts val="600"/>
-              </a:spcBef>
-            </a:pPr>
-            <a:r>
-              <a:rPr lang="en-CA" sz="1400" dirty="0"/>
-              <a:t>The Label is carried at the </a:t>
-            </a:r>
-            <a:r>
-              <a:rPr lang="en-CA" sz="1400" dirty="0">
-                <a:solidFill>
-                  <a:srgbClr val="0070C0"/>
-                </a:solidFill>
-              </a:rPr>
-              <a:t>bottom</a:t>
-            </a:r>
-            <a:r>
-              <a:rPr lang="en-CA" sz="1400" dirty="0"/>
-              <a:t> of the label stack (as top label can break heterogenous network)</a:t>
-            </a:r>
-          </a:p>
-          <a:p>
-            <a:pPr marL="457200" lvl="0" indent="-457200">
-              <a:spcBef>
-                <a:spcPts val="600"/>
-              </a:spcBef>
-              <a:buFont typeface="+mj-lt"/>
-              <a:buAutoNum type="arabicPeriod"/>
-            </a:pPr>
-            <a:r>
-              <a:rPr lang="en-CA" sz="1400" dirty="0"/>
-              <a:t>IOAM FEC Label allocated by the intermediate and decapsulating nodes</a:t>
-            </a:r>
-          </a:p>
-          <a:p>
-            <a:pPr marL="685800" lvl="1">
-              <a:spcBef>
-                <a:spcPts val="600"/>
-              </a:spcBef>
-            </a:pPr>
-            <a:r>
-              <a:rPr lang="en-CA" sz="1400" dirty="0"/>
-              <a:t>Signaling/advertisement extensions needed to convey the label to all encapsulating nodes (out of scope)</a:t>
-            </a:r>
-          </a:p>
-          <a:p>
-            <a:pPr marL="685800" lvl="1">
-              <a:spcBef>
-                <a:spcPts val="600"/>
-              </a:spcBef>
-            </a:pPr>
-            <a:r>
-              <a:rPr lang="en-CA" sz="1400" dirty="0"/>
-              <a:t>The Label is carried at the </a:t>
-            </a:r>
-            <a:r>
-              <a:rPr lang="en-CA" sz="1400" dirty="0">
-                <a:solidFill>
-                  <a:srgbClr val="0070C0"/>
-                </a:solidFill>
-              </a:rPr>
-              <a:t>top</a:t>
-            </a:r>
-            <a:r>
-              <a:rPr lang="en-CA" sz="1400" dirty="0"/>
-              <a:t> of the label stack</a:t>
-            </a:r>
-          </a:p>
-        </p:txBody>
-      </p:sp>
-      <p:sp>
-        <p:nvSpPr>
-          <p:cNvPr id="4" name="Footer Placeholder 3"/>
+                <a:latin typeface="Calibri Light" panose="020F0302020204030204" pitchFamily="34" charset="0"/>
+                <a:cs typeface="Calibri Light" panose="020F0302020204030204" pitchFamily="34" charset="0"/>
+              </a:rPr>
+              <a:t> IOAM Data Fields</a:t>
+            </a:r>
+            <a:endParaRPr lang="en-US" sz="3200" dirty="0">
+              <a:solidFill>
+                <a:srgbClr val="0070C0"/>
+              </a:solidFill>
+              <a:latin typeface="Calibri Light" panose="020F0302020204030204" pitchFamily="34" charset="0"/>
+              <a:cs typeface="Calibri Light" panose="020F0302020204030204" pitchFamily="34" charset="0"/>
+            </a:endParaRPr>
+          </a:p>
+        </p:txBody>
+      </p:sp>
+      <p:sp>
+        <p:nvSpPr>
+          <p:cNvPr id="4" name="Footer Placeholder 3">
+            <a:extLst>
+              <a:ext uri="{FF2B5EF4-FFF2-40B4-BE49-F238E27FC236}">
+                <a16:creationId xmlns:a16="http://schemas.microsoft.com/office/drawing/2014/main" id="{87713FCD-3B47-804D-B373-DAB61FB5FF59}"/>
+              </a:ext>
+            </a:extLst>
+          </p:cNvPr>
           <p:cNvSpPr>
             <a:spLocks noGrp="1"/>
           </p:cNvSpPr>
@@ -8750,7 +8602,7 @@
         </p:nvSpPr>
         <p:spPr>
           <a:xfrm>
-            <a:off x="3124200" y="4786312"/>
+            <a:off x="3124200" y="4781550"/>
             <a:ext cx="2895600" cy="357188"/>
           </a:xfrm>
         </p:spPr>
@@ -8775,7 +8627,13 @@
       </p:sp>
       <p:sp>
         <p:nvSpPr>
-          <p:cNvPr id="5" name="Slide Number Placeholder 4"/>
+          <p:cNvPr id="5" name="Slide Number Placeholder 4">
+            <a:extLst>
+              <a:ext uri="{FF2B5EF4-FFF2-40B4-BE49-F238E27FC236}">
+                <a16:creationId xmlns:a16="http://schemas.microsoft.com/office/drawing/2014/main" id="{1371408B-9195-EC4D-8131-A3F5CC0592D0}"/>
+              </a:ext>
+            </a:extLst>
+          </p:cNvPr>
           <p:cNvSpPr>
             <a:spLocks noGrp="1"/>
           </p:cNvSpPr>
@@ -8797,6 +8655,607 @@
                 <a:defRPr/>
               </a:pPr>
               <a:t>16</a:t>
+            </a:fld>
+            <a:endParaRPr lang="en-US" altLang="zh-CN"/>
+          </a:p>
+        </p:txBody>
+      </p:sp>
+      <p:sp>
+        <p:nvSpPr>
+          <p:cNvPr id="6" name="Rectangle 5">
+            <a:extLst>
+              <a:ext uri="{FF2B5EF4-FFF2-40B4-BE49-F238E27FC236}">
+                <a16:creationId xmlns:a16="http://schemas.microsoft.com/office/drawing/2014/main" id="{1EED4007-3A19-0E4E-8496-6CECEEA363EB}"/>
+              </a:ext>
+            </a:extLst>
+          </p:cNvPr>
+          <p:cNvSpPr/>
+          <p:nvPr/>
+        </p:nvSpPr>
+        <p:spPr>
+          <a:xfrm>
+            <a:off x="1695450" y="775872"/>
+            <a:ext cx="5753100" cy="4093428"/>
+          </a:xfrm>
+          <a:prstGeom prst="rect">
+            <a:avLst/>
+          </a:prstGeom>
+          <a:solidFill>
+            <a:schemeClr val="accent6">
+              <a:lumMod val="20000"/>
+              <a:lumOff val="80000"/>
+            </a:schemeClr>
+          </a:solidFill>
+        </p:spPr>
+        <p:txBody>
+          <a:bodyPr wrap="square">
+            <a:spAutoFit/>
+          </a:bodyPr>
+          <a:lstStyle/>
+          <a:p>
+            <a:r>
+              <a:rPr lang="en-CA" sz="1000" dirty="0">
+                <a:latin typeface="Courier" pitchFamily="2" charset="0"/>
+              </a:rPr>
+              <a:t>   0                   1                   2                   3</a:t>
+            </a:r>
+          </a:p>
+          <a:p>
+            <a:r>
+              <a:rPr lang="en-CA" sz="1000" dirty="0">
+                <a:latin typeface="Courier" pitchFamily="2" charset="0"/>
+              </a:rPr>
+              <a:t>   0 1 2 3 4 5 6 7 8 9 0 1 2 3 4 5 6 7 8 9 0 1 2 3 4 5 6 7 8 9 0 1</a:t>
+            </a:r>
+          </a:p>
+          <a:p>
+            <a:r>
+              <a:rPr lang="en-CA" sz="1000" dirty="0">
+                <a:latin typeface="Courier" pitchFamily="2" charset="0"/>
+              </a:rPr>
+              <a:t>   +-+-+-+-+-+-+-+-+-+-+-+-+-+-+-+-+-+-+-+-+-+-+-+-+-+-+-+-+-+-+-+-+</a:t>
+            </a:r>
+          </a:p>
+          <a:p>
+            <a:r>
+              <a:rPr lang="en-CA" sz="1000" dirty="0">
+                <a:latin typeface="Courier" pitchFamily="2" charset="0"/>
+              </a:rPr>
+              <a:t>   |  </a:t>
+            </a:r>
+            <a:r>
+              <a:rPr lang="en-CA" sz="1000" b="1" dirty="0" err="1">
+                <a:latin typeface="Courier" pitchFamily="2" charset="0"/>
+              </a:rPr>
+              <a:t>HbH</a:t>
+            </a:r>
+            <a:r>
+              <a:rPr lang="en-CA" sz="1000" b="1" dirty="0">
+                <a:latin typeface="Courier" pitchFamily="2" charset="0"/>
+              </a:rPr>
+              <a:t> IOAM FEC Label                   </a:t>
+            </a:r>
+            <a:r>
+              <a:rPr lang="en-CA" sz="1000" dirty="0">
+                <a:latin typeface="Courier" pitchFamily="2" charset="0"/>
+              </a:rPr>
+              <a:t>| TC  |S|  TTL          |</a:t>
+            </a:r>
+          </a:p>
+          <a:p>
+            <a:r>
+              <a:rPr lang="en-CA" sz="1000" dirty="0">
+                <a:latin typeface="Courier" pitchFamily="2" charset="0"/>
+              </a:rPr>
+              <a:t>   +-+-+-+-+-+-+-+-+-+-+-+-+-+-+-+-+-+-+-+-+-+-+-+-+-+-+-+-+-+-+-+-+</a:t>
+            </a:r>
+          </a:p>
+          <a:p>
+            <a:r>
+              <a:rPr lang="en-CA" sz="1000" dirty="0">
+                <a:latin typeface="Courier" pitchFamily="2" charset="0"/>
+              </a:rPr>
+              <a:t>   .                                                               </a:t>
+            </a:r>
+            <a:r>
+              <a:rPr lang="en-CA" sz="1000" b="1" dirty="0">
+                <a:latin typeface="Courier" pitchFamily="2" charset="0"/>
+              </a:rPr>
+              <a:t>.</a:t>
+            </a:r>
+          </a:p>
+          <a:p>
+            <a:r>
+              <a:rPr lang="en-CA" sz="1000" b="1" dirty="0">
+                <a:latin typeface="Courier" pitchFamily="2" charset="0"/>
+              </a:rPr>
+              <a:t>   .                                                               .</a:t>
+            </a:r>
+            <a:endParaRPr lang="en-CA" sz="1000" dirty="0">
+              <a:latin typeface="Courier" pitchFamily="2" charset="0"/>
+            </a:endParaRPr>
+          </a:p>
+          <a:p>
+            <a:r>
+              <a:rPr lang="en-CA" sz="1000" dirty="0">
+                <a:latin typeface="Courier" pitchFamily="2" charset="0"/>
+              </a:rPr>
+              <a:t>   +-+-+-+-+-+-+-+-+-+-+-+-+-+-+-+-+-+-+-+-+-+-+-+-+-+-+-+-+-+-+-+-+&lt;-+ </a:t>
+            </a:r>
+          </a:p>
+          <a:p>
+            <a:r>
+              <a:rPr lang="en-CA" sz="1000" dirty="0">
+                <a:latin typeface="Courier" pitchFamily="2" charset="0"/>
+              </a:rPr>
+              <a:t>   |0 0 0 1|Version| Reserved      | IOAM G-</a:t>
+            </a:r>
+            <a:r>
+              <a:rPr lang="en-CA" sz="1000" dirty="0" err="1">
+                <a:latin typeface="Courier" pitchFamily="2" charset="0"/>
+              </a:rPr>
+              <a:t>ACh</a:t>
+            </a:r>
+            <a:r>
+              <a:rPr lang="en-CA" sz="1000" dirty="0">
+                <a:latin typeface="Courier" pitchFamily="2" charset="0"/>
+              </a:rPr>
+              <a:t> (Type TBA3)        |  | </a:t>
+            </a:r>
+          </a:p>
+          <a:p>
+            <a:r>
+              <a:rPr lang="en-CA" sz="1000" dirty="0">
+                <a:latin typeface="Courier" pitchFamily="2" charset="0"/>
+              </a:rPr>
+              <a:t>   +-+-+-+-+-+-+-+-+-+-+-+-+-+-+-+-+-+-+-+-+-+-+-+-+-+-+-+-+-+-+-+-+  | </a:t>
+            </a:r>
+          </a:p>
+          <a:p>
+            <a:r>
+              <a:rPr lang="en-CA" sz="1000" dirty="0">
+                <a:latin typeface="Courier" pitchFamily="2" charset="0"/>
+              </a:rPr>
+              <a:t>   | Reserved      | Block Number  | IOAM-OPT-Type |IOAM HDR Length|  |</a:t>
+            </a:r>
+          </a:p>
+          <a:p>
+            <a:r>
+              <a:rPr lang="en-CA" sz="1000" dirty="0">
+                <a:latin typeface="Courier" pitchFamily="2" charset="0"/>
+              </a:rPr>
+              <a:t>   +-+-+-+-+-+-+-+-+-+-+-+-+-+-+-+-+-+-+-+-+-+-+-+-+-+-+-+-+-+-+-+-+  I</a:t>
+            </a:r>
+          </a:p>
+          <a:p>
+            <a:r>
+              <a:rPr lang="en-CA" sz="1000" dirty="0">
+                <a:latin typeface="Courier" pitchFamily="2" charset="0"/>
+              </a:rPr>
+              <a:t>   |                                                               |  O</a:t>
+            </a:r>
+          </a:p>
+          <a:p>
+            <a:r>
+              <a:rPr lang="en-CA" sz="1000" dirty="0">
+                <a:latin typeface="Courier" pitchFamily="2" charset="0"/>
+              </a:rPr>
+              <a:t>   |                                                               |  A</a:t>
+            </a:r>
+          </a:p>
+          <a:p>
+            <a:r>
+              <a:rPr lang="en-CA" sz="1000" dirty="0">
+                <a:latin typeface="Courier" pitchFamily="2" charset="0"/>
+              </a:rPr>
+              <a:t>   ~                 IOAM Option and Data Space                    ~  M</a:t>
+            </a:r>
+          </a:p>
+          <a:p>
+            <a:r>
+              <a:rPr lang="en-CA" sz="1000" dirty="0">
+                <a:latin typeface="Courier" pitchFamily="2" charset="0"/>
+              </a:rPr>
+              <a:t>   |                                                               |  |</a:t>
+            </a:r>
+          </a:p>
+          <a:p>
+            <a:r>
+              <a:rPr lang="en-CA" sz="1000" dirty="0">
+                <a:latin typeface="Courier" pitchFamily="2" charset="0"/>
+              </a:rPr>
+              <a:t>   |                                                               |  |</a:t>
+            </a:r>
+          </a:p>
+          <a:p>
+            <a:r>
+              <a:rPr lang="en-CA" sz="1000" dirty="0">
+                <a:latin typeface="Courier" pitchFamily="2" charset="0"/>
+              </a:rPr>
+              <a:t>   +-+-+-+-+-+-+-+-+-+-+-+-+-+-+-+-+-+-+-+-+-+-+-+-+-+-+-+-+-+-+-+-+&lt;-+</a:t>
+            </a:r>
+          </a:p>
+          <a:p>
+            <a:r>
+              <a:rPr lang="en-CA" sz="1000" dirty="0">
+                <a:latin typeface="Courier" pitchFamily="2" charset="0"/>
+              </a:rPr>
+              <a:t>   |                                                               |</a:t>
+            </a:r>
+          </a:p>
+          <a:p>
+            <a:r>
+              <a:rPr lang="en-CA" sz="1000" dirty="0">
+                <a:latin typeface="Courier" pitchFamily="2" charset="0"/>
+              </a:rPr>
+              <a:t>   |                                                               |</a:t>
+            </a:r>
+          </a:p>
+          <a:p>
+            <a:r>
+              <a:rPr lang="en-CA" sz="1000" dirty="0">
+                <a:latin typeface="Courier" pitchFamily="2" charset="0"/>
+              </a:rPr>
+              <a:t>   ~                 Payload + Padding                             ~</a:t>
+            </a:r>
+          </a:p>
+          <a:p>
+            <a:r>
+              <a:rPr lang="en-CA" sz="1000" dirty="0">
+                <a:latin typeface="Courier" pitchFamily="2" charset="0"/>
+              </a:rPr>
+              <a:t>   |                                                               |</a:t>
+            </a:r>
+          </a:p>
+          <a:p>
+            <a:r>
+              <a:rPr lang="en-CA" sz="1000" dirty="0">
+                <a:latin typeface="Courier" pitchFamily="2" charset="0"/>
+              </a:rPr>
+              <a:t>   |                                                               |</a:t>
+            </a:r>
+          </a:p>
+          <a:p>
+            <a:r>
+              <a:rPr lang="en-CA" sz="1000" dirty="0">
+                <a:latin typeface="Courier" pitchFamily="2" charset="0"/>
+              </a:rPr>
+              <a:t>   +-+-+-+-+-+-+-+-+-+-+-+-+-+-+-+-+-+-+-+-+-+-+-+-+-+-+-+-+-+-+-+-+</a:t>
+            </a:r>
+          </a:p>
+          <a:p>
+            <a:r>
+              <a:rPr lang="en-CA" sz="1000" dirty="0">
+                <a:latin typeface="Courier" pitchFamily="2" charset="0"/>
+              </a:rPr>
+              <a:t> </a:t>
+            </a:r>
+          </a:p>
+          <a:p>
+            <a:r>
+              <a:rPr lang="en-CA" sz="1000" dirty="0">
+                <a:latin typeface="Courier" pitchFamily="2" charset="0"/>
+              </a:rPr>
+              <a:t>           Figure: MPLS Encapsulation with E2E IOAM Data Fields</a:t>
+            </a:r>
+            <a:endParaRPr lang="en-CA" sz="1000" dirty="0">
+              <a:latin typeface="Courier" pitchFamily="2" charset="0"/>
+              <a:ea typeface="Calibri" panose="020F0502020204030204" pitchFamily="34" charset="0"/>
+              <a:cs typeface="Times New Roman" panose="02020603050405020304" pitchFamily="18" charset="0"/>
+            </a:endParaRPr>
+          </a:p>
+        </p:txBody>
+      </p:sp>
+    </p:spTree>
+    <p:extLst>
+      <p:ext uri="{BB962C8B-B14F-4D97-AF65-F5344CB8AC3E}">
+        <p14:creationId xmlns:p14="http://schemas.microsoft.com/office/powerpoint/2010/main" val="3843661407"/>
+      </p:ext>
+    </p:extLst>
+  </p:cSld>
+  <p:clrMapOvr>
+    <a:masterClrMapping/>
+  </p:clrMapOvr>
+</p:sld>
+</file>
+
+<file path=ppt/slides/slide17.xml><?xml version="1.0" encoding="utf-8"?>
+<p:sld xmlns:a="http://schemas.openxmlformats.org/drawingml/2006/main" xmlns:r="http://schemas.openxmlformats.org/officeDocument/2006/relationships" xmlns:p="http://schemas.openxmlformats.org/presentationml/2006/main">
+  <p:cSld>
+    <p:spTree>
+      <p:nvGrpSpPr>
+        <p:cNvPr id="1" name=""/>
+        <p:cNvGrpSpPr/>
+        <p:nvPr/>
+      </p:nvGrpSpPr>
+      <p:grpSpPr>
+        <a:xfrm>
+          <a:off x="0" y="0"/>
+          <a:ext cx="0" cy="0"/>
+          <a:chOff x="0" y="0"/>
+          <a:chExt cx="0" cy="0"/>
+        </a:xfrm>
+      </p:grpSpPr>
+      <p:sp>
+        <p:nvSpPr>
+          <p:cNvPr id="2" name="Title 1"/>
+          <p:cNvSpPr>
+            <a:spLocks noGrp="1"/>
+          </p:cNvSpPr>
+          <p:nvPr>
+            <p:ph type="title"/>
+          </p:nvPr>
+        </p:nvSpPr>
+        <p:spPr>
+          <a:xfrm>
+            <a:off x="457200" y="0"/>
+            <a:ext cx="8229600" cy="857250"/>
+          </a:xfrm>
+        </p:spPr>
+        <p:txBody>
+          <a:bodyPr/>
+          <a:lstStyle/>
+          <a:p>
+            <a:r>
+              <a:rPr lang="en-US" sz="3200" dirty="0" err="1">
+                <a:solidFill>
+                  <a:srgbClr val="0070C0"/>
+                </a:solidFill>
+                <a:latin typeface="Calibri Light" panose="020F0302020204030204" pitchFamily="34" charset="0"/>
+                <a:cs typeface="Calibri Light" panose="020F0302020204030204" pitchFamily="34" charset="0"/>
+              </a:rPr>
+              <a:t>HbH</a:t>
+            </a:r>
+            <a:r>
+              <a:rPr lang="en-US" sz="3200" dirty="0">
+                <a:solidFill>
+                  <a:srgbClr val="0070C0"/>
+                </a:solidFill>
+                <a:latin typeface="Calibri Light" panose="020F0302020204030204" pitchFamily="34" charset="0"/>
+                <a:cs typeface="Calibri Light" panose="020F0302020204030204" pitchFamily="34" charset="0"/>
+              </a:rPr>
+              <a:t> IOAM Indicator Label Allocation Methods</a:t>
+            </a:r>
+          </a:p>
+        </p:txBody>
+      </p:sp>
+      <p:sp>
+        <p:nvSpPr>
+          <p:cNvPr id="3" name="Content Placeholder 2"/>
+          <p:cNvSpPr>
+            <a:spLocks noGrp="1"/>
+          </p:cNvSpPr>
+          <p:nvPr>
+            <p:ph idx="1"/>
+          </p:nvPr>
+        </p:nvSpPr>
+        <p:spPr>
+          <a:xfrm>
+            <a:off x="533400" y="922088"/>
+            <a:ext cx="8001000" cy="3689372"/>
+          </a:xfrm>
+        </p:spPr>
+        <p:txBody>
+          <a:bodyPr/>
+          <a:lstStyle/>
+          <a:p>
+            <a:pPr marL="457200" lvl="0" indent="-457200">
+              <a:spcBef>
+                <a:spcPts val="600"/>
+              </a:spcBef>
+              <a:buFont typeface="+mj-lt"/>
+              <a:buAutoNum type="arabicPeriod"/>
+            </a:pPr>
+            <a:r>
+              <a:rPr lang="en-CA" sz="1400" dirty="0"/>
+              <a:t>Extension Label (15) and Indicator Label assigned by IANA with value </a:t>
+            </a:r>
+            <a:r>
+              <a:rPr lang="en-CA" sz="1400" dirty="0">
+                <a:solidFill>
+                  <a:srgbClr val="0070C0"/>
+                </a:solidFill>
+              </a:rPr>
+              <a:t>TBA2</a:t>
+            </a:r>
+          </a:p>
+          <a:p>
+            <a:pPr marL="685800" lvl="1">
+              <a:spcBef>
+                <a:spcPts val="600"/>
+              </a:spcBef>
+            </a:pPr>
+            <a:r>
+              <a:rPr lang="en-CA" sz="1400" dirty="0"/>
+              <a:t>From Extended Special Purpose Labels (</a:t>
+            </a:r>
+            <a:r>
+              <a:rPr lang="en-CA" sz="1400" dirty="0" err="1"/>
+              <a:t>eSPL</a:t>
+            </a:r>
+            <a:r>
+              <a:rPr lang="en-CA" sz="1400" dirty="0"/>
+              <a:t>) range</a:t>
+            </a:r>
+          </a:p>
+          <a:p>
+            <a:pPr marL="685800" lvl="1">
+              <a:spcBef>
+                <a:spcPts val="600"/>
+              </a:spcBef>
+            </a:pPr>
+            <a:r>
+              <a:rPr lang="en-CA" sz="1400" dirty="0"/>
+              <a:t>Both Labels are carried at the </a:t>
+            </a:r>
+            <a:r>
+              <a:rPr lang="en-CA" sz="1400" dirty="0">
+                <a:solidFill>
+                  <a:srgbClr val="0070C0"/>
+                </a:solidFill>
+              </a:rPr>
+              <a:t>bottom</a:t>
+            </a:r>
+            <a:r>
+              <a:rPr lang="en-CA" sz="1400" dirty="0"/>
+              <a:t> of the label stack (as top label can break heterogenous network)</a:t>
+            </a:r>
+          </a:p>
+          <a:p>
+            <a:pPr marL="457200" lvl="0" indent="-457200">
+              <a:spcBef>
+                <a:spcPts val="600"/>
+              </a:spcBef>
+              <a:buFont typeface="+mj-lt"/>
+              <a:buAutoNum type="arabicPeriod"/>
+            </a:pPr>
+            <a:r>
+              <a:rPr lang="en-CA" sz="1400" dirty="0"/>
+              <a:t>Global Indicator Label allocated by a controller</a:t>
+            </a:r>
+          </a:p>
+          <a:p>
+            <a:pPr marL="685800" lvl="1">
+              <a:spcBef>
+                <a:spcPts val="600"/>
+              </a:spcBef>
+            </a:pPr>
+            <a:r>
+              <a:rPr lang="en-CA" sz="1400" dirty="0"/>
+              <a:t>The controller provisions the label on encapsulating, intermediate and decapsulating nodes</a:t>
+            </a:r>
+          </a:p>
+          <a:p>
+            <a:pPr marL="685800" lvl="1">
+              <a:spcBef>
+                <a:spcPts val="600"/>
+              </a:spcBef>
+            </a:pPr>
+            <a:r>
+              <a:rPr lang="en-CA" sz="1400" dirty="0"/>
+              <a:t>The Label is carried at the </a:t>
+            </a:r>
+            <a:r>
+              <a:rPr lang="en-CA" sz="1400" dirty="0">
+                <a:solidFill>
+                  <a:srgbClr val="0070C0"/>
+                </a:solidFill>
+              </a:rPr>
+              <a:t>bottom</a:t>
+            </a:r>
+            <a:r>
+              <a:rPr lang="en-CA" sz="1400" dirty="0"/>
+              <a:t> of the label stack (as top label can break heterogenous network)</a:t>
+            </a:r>
+          </a:p>
+          <a:p>
+            <a:pPr marL="457200" lvl="0" indent="-457200">
+              <a:spcBef>
+                <a:spcPts val="600"/>
+              </a:spcBef>
+              <a:buFont typeface="+mj-lt"/>
+              <a:buAutoNum type="arabicPeriod"/>
+            </a:pPr>
+            <a:r>
+              <a:rPr lang="en-CA" sz="1400" dirty="0"/>
+              <a:t>IOAM FEC Label allocated by the intermediate and decapsulating nodes</a:t>
+            </a:r>
+          </a:p>
+          <a:p>
+            <a:pPr marL="685800" lvl="1">
+              <a:spcBef>
+                <a:spcPts val="600"/>
+              </a:spcBef>
+            </a:pPr>
+            <a:r>
+              <a:rPr lang="en-CA" sz="1400" dirty="0"/>
+              <a:t>Signaling/advertisement extensions needed to convey the label to all encapsulating nodes (out of scope)</a:t>
+            </a:r>
+          </a:p>
+          <a:p>
+            <a:pPr marL="685800" lvl="1">
+              <a:spcBef>
+                <a:spcPts val="600"/>
+              </a:spcBef>
+            </a:pPr>
+            <a:r>
+              <a:rPr lang="en-CA" sz="1400" dirty="0"/>
+              <a:t>The Label is carried at the </a:t>
+            </a:r>
+            <a:r>
+              <a:rPr lang="en-CA" sz="1400" dirty="0">
+                <a:solidFill>
+                  <a:srgbClr val="0070C0"/>
+                </a:solidFill>
+              </a:rPr>
+              <a:t>top</a:t>
+            </a:r>
+            <a:r>
+              <a:rPr lang="en-CA" sz="1400" dirty="0"/>
+              <a:t> of the label stack</a:t>
+            </a:r>
+          </a:p>
+        </p:txBody>
+      </p:sp>
+      <p:sp>
+        <p:nvSpPr>
+          <p:cNvPr id="4" name="Footer Placeholder 3"/>
+          <p:cNvSpPr>
+            <a:spLocks noGrp="1"/>
+          </p:cNvSpPr>
+          <p:nvPr>
+            <p:ph type="ftr" sz="quarter" idx="11"/>
+          </p:nvPr>
+        </p:nvSpPr>
+        <p:spPr>
+          <a:xfrm>
+            <a:off x="3124200" y="4786312"/>
+            <a:ext cx="2895600" cy="357188"/>
+          </a:xfrm>
+        </p:spPr>
+        <p:txBody>
+          <a:bodyPr/>
+          <a:lstStyle/>
+          <a:p>
+            <a:r>
+              <a:rPr lang="en-CA" dirty="0"/>
+              <a:t>110</a:t>
+            </a:r>
+            <a:r>
+              <a:rPr lang="en-CA" baseline="30000" dirty="0"/>
+              <a:t>th</a:t>
+            </a:r>
+            <a:r>
+              <a:rPr lang="en-CA" dirty="0"/>
+              <a:t> IETF Online</a:t>
+            </a:r>
+          </a:p>
+        </p:txBody>
+      </p:sp>
+      <p:sp>
+        <p:nvSpPr>
+          <p:cNvPr id="5" name="Slide Number Placeholder 4"/>
+          <p:cNvSpPr>
+            <a:spLocks noGrp="1"/>
+          </p:cNvSpPr>
+          <p:nvPr>
+            <p:ph type="sldNum" sz="quarter" idx="12"/>
+          </p:nvPr>
+        </p:nvSpPr>
+        <p:spPr/>
+        <p:txBody>
+          <a:bodyPr/>
+          <a:lstStyle/>
+          <a:p>
+            <a:pPr>
+              <a:defRPr/>
+            </a:pPr>
+            <a:fld id="{BD6E0F59-1DD8-40FC-9C92-B6295CBA6CCA}" type="slidenum">
+              <a:rPr lang="en-US" altLang="zh-CN" smtClean="0"/>
+              <a:pPr>
+                <a:defRPr/>
+              </a:pPr>
+              <a:t>17</a:t>
             </a:fld>
             <a:endParaRPr lang="en-US" altLang="zh-CN"/>
           </a:p>
@@ -8815,7 +9274,7 @@
 </p:sld>
 </file>
 
-<file path=ppt/slides/slide17.xml><?xml version="1.0" encoding="utf-8"?>
+<file path=ppt/slides/slide18.xml><?xml version="1.0" encoding="utf-8"?>
 <p:sld xmlns:a="http://schemas.openxmlformats.org/drawingml/2006/main" xmlns:r="http://schemas.openxmlformats.org/officeDocument/2006/relationships" xmlns:p="http://schemas.openxmlformats.org/presentationml/2006/main">
   <p:cSld>
     <p:spTree>
@@ -9448,7 +9907,7 @@
               <a:pPr>
                 <a:defRPr/>
               </a:pPr>
-              <a:t>17</a:t>
+              <a:t>18</a:t>
             </a:fld>
             <a:endParaRPr lang="en-US" altLang="zh-CN"/>
           </a:p>
@@ -9703,7 +10162,7 @@
 </p:sld>
 </file>
 
-<file path=ppt/slides/slide18.xml><?xml version="1.0" encoding="utf-8"?>
+<file path=ppt/slides/slide19.xml><?xml version="1.0" encoding="utf-8"?>
 <p:sld xmlns:a="http://schemas.openxmlformats.org/drawingml/2006/main" xmlns:r="http://schemas.openxmlformats.org/officeDocument/2006/relationships" xmlns:p="http://schemas.openxmlformats.org/presentationml/2006/main">
   <p:cSld>
     <p:spTree>
@@ -9996,7 +10455,7 @@
               <a:pPr>
                 <a:defRPr/>
               </a:pPr>
-              <a:t>18</a:t>
+              <a:t>19</a:t>
             </a:fld>
             <a:endParaRPr lang="en-US" altLang="zh-CN"/>
           </a:p>
@@ -10015,7 +10474,179 @@
 </p:sld>
 </file>
 
-<file path=ppt/slides/slide19.xml><?xml version="1.0" encoding="utf-8"?>
+<file path=ppt/slides/slide2.xml><?xml version="1.0" encoding="utf-8"?>
+<p:sld xmlns:a="http://schemas.openxmlformats.org/drawingml/2006/main" xmlns:r="http://schemas.openxmlformats.org/officeDocument/2006/relationships" xmlns:p="http://schemas.openxmlformats.org/presentationml/2006/main">
+  <p:cSld>
+    <p:spTree>
+      <p:nvGrpSpPr>
+        <p:cNvPr id="1" name=""/>
+        <p:cNvGrpSpPr/>
+        <p:nvPr/>
+      </p:nvGrpSpPr>
+      <p:grpSpPr>
+        <a:xfrm>
+          <a:off x="0" y="0"/>
+          <a:ext cx="0" cy="0"/>
+          <a:chOff x="0" y="0"/>
+          <a:chExt cx="0" cy="0"/>
+        </a:xfrm>
+      </p:grpSpPr>
+      <p:sp>
+        <p:nvSpPr>
+          <p:cNvPr id="2" name="Title 1"/>
+          <p:cNvSpPr>
+            <a:spLocks noGrp="1"/>
+          </p:cNvSpPr>
+          <p:nvPr>
+            <p:ph type="title"/>
+          </p:nvPr>
+        </p:nvSpPr>
+        <p:spPr>
+          <a:xfrm>
+            <a:off x="457200" y="0"/>
+            <a:ext cx="8229600" cy="857250"/>
+          </a:xfrm>
+        </p:spPr>
+        <p:txBody>
+          <a:bodyPr/>
+          <a:lstStyle/>
+          <a:p>
+            <a:r>
+              <a:rPr lang="en-US" sz="3600" dirty="0">
+                <a:solidFill>
+                  <a:srgbClr val="0070C0"/>
+                </a:solidFill>
+                <a:latin typeface="Calibri Light" panose="020F0302020204030204" pitchFamily="34" charset="0"/>
+                <a:cs typeface="Calibri Light" panose="020F0302020204030204" pitchFamily="34" charset="0"/>
+              </a:rPr>
+              <a:t>Agenda</a:t>
+            </a:r>
+          </a:p>
+        </p:txBody>
+      </p:sp>
+      <p:sp>
+        <p:nvSpPr>
+          <p:cNvPr id="3" name="Content Placeholder 2"/>
+          <p:cNvSpPr>
+            <a:spLocks noGrp="1"/>
+          </p:cNvSpPr>
+          <p:nvPr>
+            <p:ph idx="1"/>
+          </p:nvPr>
+        </p:nvSpPr>
+        <p:spPr>
+          <a:xfrm>
+            <a:off x="685799" y="1009650"/>
+            <a:ext cx="7772401" cy="3124200"/>
+          </a:xfrm>
+        </p:spPr>
+        <p:txBody>
+          <a:bodyPr/>
+          <a:lstStyle/>
+          <a:p>
+            <a:r>
+              <a:rPr lang="en-US" sz="2400" dirty="0"/>
+              <a:t>Requirements and Scope</a:t>
+            </a:r>
+          </a:p>
+          <a:p>
+            <a:r>
+              <a:rPr lang="en-US" sz="2400" dirty="0"/>
+              <a:t>Summary</a:t>
+            </a:r>
+          </a:p>
+          <a:p>
+            <a:r>
+              <a:rPr lang="en-US" sz="2400" dirty="0"/>
+              <a:t>Discussions</a:t>
+            </a:r>
+          </a:p>
+          <a:p>
+            <a:r>
+              <a:rPr lang="en-US" sz="2400" dirty="0"/>
+              <a:t>Next Steps</a:t>
+            </a:r>
+          </a:p>
+        </p:txBody>
+      </p:sp>
+      <p:sp>
+        <p:nvSpPr>
+          <p:cNvPr id="4" name="Footer Placeholder 3"/>
+          <p:cNvSpPr>
+            <a:spLocks noGrp="1"/>
+          </p:cNvSpPr>
+          <p:nvPr>
+            <p:ph type="ftr" sz="quarter" idx="11"/>
+          </p:nvPr>
+        </p:nvSpPr>
+        <p:spPr>
+          <a:xfrm>
+            <a:off x="3124200" y="4786312"/>
+            <a:ext cx="2895600" cy="357188"/>
+          </a:xfrm>
+        </p:spPr>
+        <p:txBody>
+          <a:bodyPr/>
+          <a:lstStyle/>
+          <a:p>
+            <a:r>
+              <a:rPr lang="en-CA" dirty="0"/>
+              <a:t>110</a:t>
+            </a:r>
+            <a:r>
+              <a:rPr lang="en-CA" baseline="30000" dirty="0"/>
+              <a:t>th</a:t>
+            </a:r>
+            <a:r>
+              <a:rPr lang="en-CA" dirty="0"/>
+              <a:t> IETF Online</a:t>
+            </a:r>
+          </a:p>
+        </p:txBody>
+      </p:sp>
+      <p:sp>
+        <p:nvSpPr>
+          <p:cNvPr id="5" name="Slide Number Placeholder 4"/>
+          <p:cNvSpPr>
+            <a:spLocks noGrp="1"/>
+          </p:cNvSpPr>
+          <p:nvPr>
+            <p:ph type="sldNum" sz="quarter" idx="12"/>
+          </p:nvPr>
+        </p:nvSpPr>
+        <p:spPr/>
+        <p:txBody>
+          <a:bodyPr/>
+          <a:lstStyle/>
+          <a:p>
+            <a:pPr>
+              <a:defRPr/>
+            </a:pPr>
+            <a:fld id="{BD6E0F59-1DD8-40FC-9C92-B6295CBA6CCA}" type="slidenum">
+              <a:rPr lang="en-US" altLang="zh-CN" smtClean="0"/>
+              <a:pPr>
+                <a:defRPr/>
+              </a:pPr>
+              <a:t>2</a:t>
+            </a:fld>
+            <a:endParaRPr lang="en-US" altLang="zh-CN"/>
+          </a:p>
+        </p:txBody>
+      </p:sp>
+    </p:spTree>
+    <p:extLst>
+      <p:ext uri="{BB962C8B-B14F-4D97-AF65-F5344CB8AC3E}">
+        <p14:creationId xmlns:p14="http://schemas.microsoft.com/office/powerpoint/2010/main" val="1157046242"/>
+      </p:ext>
+    </p:extLst>
+  </p:cSld>
+  <p:clrMapOvr>
+    <a:masterClrMapping/>
+  </p:clrMapOvr>
+</p:sld>
+</file>
+
+<file path=ppt/slides/slide20.xml><?xml version="1.0" encoding="utf-8"?>
 <p:sld xmlns:a="http://schemas.openxmlformats.org/drawingml/2006/main" xmlns:r="http://schemas.openxmlformats.org/officeDocument/2006/relationships" xmlns:p="http://schemas.openxmlformats.org/presentationml/2006/main">
   <p:cSld>
     <p:spTree>
@@ -10302,7 +10933,7 @@
               <a:pPr>
                 <a:defRPr/>
               </a:pPr>
-              <a:t>19</a:t>
+              <a:t>20</a:t>
             </a:fld>
             <a:endParaRPr lang="en-US" altLang="zh-CN"/>
           </a:p>
@@ -10312,622 +10943,6 @@
     <p:extLst>
       <p:ext uri="{BB962C8B-B14F-4D97-AF65-F5344CB8AC3E}">
         <p14:creationId xmlns:p14="http://schemas.microsoft.com/office/powerpoint/2010/main" val="1208650897"/>
-      </p:ext>
-    </p:extLst>
-  </p:cSld>
-  <p:clrMapOvr>
-    <a:masterClrMapping/>
-  </p:clrMapOvr>
-</p:sld>
-</file>
-
-<file path=ppt/slides/slide2.xml><?xml version="1.0" encoding="utf-8"?>
-<p:sld xmlns:a="http://schemas.openxmlformats.org/drawingml/2006/main" xmlns:r="http://schemas.openxmlformats.org/officeDocument/2006/relationships" xmlns:p="http://schemas.openxmlformats.org/presentationml/2006/main">
-  <p:cSld>
-    <p:spTree>
-      <p:nvGrpSpPr>
-        <p:cNvPr id="1" name=""/>
-        <p:cNvGrpSpPr/>
-        <p:nvPr/>
-      </p:nvGrpSpPr>
-      <p:grpSpPr>
-        <a:xfrm>
-          <a:off x="0" y="0"/>
-          <a:ext cx="0" cy="0"/>
-          <a:chOff x="0" y="0"/>
-          <a:chExt cx="0" cy="0"/>
-        </a:xfrm>
-      </p:grpSpPr>
-      <p:sp>
-        <p:nvSpPr>
-          <p:cNvPr id="2" name="Title 1"/>
-          <p:cNvSpPr>
-            <a:spLocks noGrp="1"/>
-          </p:cNvSpPr>
-          <p:nvPr>
-            <p:ph type="title"/>
-          </p:nvPr>
-        </p:nvSpPr>
-        <p:spPr>
-          <a:xfrm>
-            <a:off x="457200" y="0"/>
-            <a:ext cx="8229600" cy="857250"/>
-          </a:xfrm>
-        </p:spPr>
-        <p:txBody>
-          <a:bodyPr/>
-          <a:lstStyle/>
-          <a:p>
-            <a:r>
-              <a:rPr lang="en-US" sz="3600" dirty="0">
-                <a:solidFill>
-                  <a:srgbClr val="0070C0"/>
-                </a:solidFill>
-                <a:latin typeface="Calibri Light" panose="020F0302020204030204" pitchFamily="34" charset="0"/>
-                <a:cs typeface="Calibri Light" panose="020F0302020204030204" pitchFamily="34" charset="0"/>
-              </a:rPr>
-              <a:t>Agenda</a:t>
-            </a:r>
-          </a:p>
-        </p:txBody>
-      </p:sp>
-      <p:sp>
-        <p:nvSpPr>
-          <p:cNvPr id="3" name="Content Placeholder 2"/>
-          <p:cNvSpPr>
-            <a:spLocks noGrp="1"/>
-          </p:cNvSpPr>
-          <p:nvPr>
-            <p:ph idx="1"/>
-          </p:nvPr>
-        </p:nvSpPr>
-        <p:spPr>
-          <a:xfrm>
-            <a:off x="685799" y="1009650"/>
-            <a:ext cx="7772401" cy="3124200"/>
-          </a:xfrm>
-        </p:spPr>
-        <p:txBody>
-          <a:bodyPr/>
-          <a:lstStyle/>
-          <a:p>
-            <a:r>
-              <a:rPr lang="en-US" sz="2400" dirty="0"/>
-              <a:t>Requirements and Scope</a:t>
-            </a:r>
-          </a:p>
-          <a:p>
-            <a:r>
-              <a:rPr lang="en-US" sz="2400" dirty="0"/>
-              <a:t>Summary</a:t>
-            </a:r>
-          </a:p>
-          <a:p>
-            <a:r>
-              <a:rPr lang="en-US" sz="2400" dirty="0"/>
-              <a:t>Discussions</a:t>
-            </a:r>
-          </a:p>
-          <a:p>
-            <a:r>
-              <a:rPr lang="en-US" sz="2400" dirty="0"/>
-              <a:t>Next Steps</a:t>
-            </a:r>
-          </a:p>
-        </p:txBody>
-      </p:sp>
-      <p:sp>
-        <p:nvSpPr>
-          <p:cNvPr id="4" name="Footer Placeholder 3"/>
-          <p:cNvSpPr>
-            <a:spLocks noGrp="1"/>
-          </p:cNvSpPr>
-          <p:nvPr>
-            <p:ph type="ftr" sz="quarter" idx="11"/>
-          </p:nvPr>
-        </p:nvSpPr>
-        <p:spPr>
-          <a:xfrm>
-            <a:off x="3124200" y="4786312"/>
-            <a:ext cx="2895600" cy="357188"/>
-          </a:xfrm>
-        </p:spPr>
-        <p:txBody>
-          <a:bodyPr/>
-          <a:lstStyle/>
-          <a:p>
-            <a:r>
-              <a:rPr lang="en-CA" dirty="0"/>
-              <a:t>110</a:t>
-            </a:r>
-            <a:r>
-              <a:rPr lang="en-CA" baseline="30000" dirty="0"/>
-              <a:t>th</a:t>
-            </a:r>
-            <a:r>
-              <a:rPr lang="en-CA" dirty="0"/>
-              <a:t> IETF Online</a:t>
-            </a:r>
-          </a:p>
-        </p:txBody>
-      </p:sp>
-      <p:sp>
-        <p:nvSpPr>
-          <p:cNvPr id="5" name="Slide Number Placeholder 4"/>
-          <p:cNvSpPr>
-            <a:spLocks noGrp="1"/>
-          </p:cNvSpPr>
-          <p:nvPr>
-            <p:ph type="sldNum" sz="quarter" idx="12"/>
-          </p:nvPr>
-        </p:nvSpPr>
-        <p:spPr/>
-        <p:txBody>
-          <a:bodyPr/>
-          <a:lstStyle/>
-          <a:p>
-            <a:pPr>
-              <a:defRPr/>
-            </a:pPr>
-            <a:fld id="{BD6E0F59-1DD8-40FC-9C92-B6295CBA6CCA}" type="slidenum">
-              <a:rPr lang="en-US" altLang="zh-CN" smtClean="0"/>
-              <a:pPr>
-                <a:defRPr/>
-              </a:pPr>
-              <a:t>2</a:t>
-            </a:fld>
-            <a:endParaRPr lang="en-US" altLang="zh-CN"/>
-          </a:p>
-        </p:txBody>
-      </p:sp>
-    </p:spTree>
-    <p:extLst>
-      <p:ext uri="{BB962C8B-B14F-4D97-AF65-F5344CB8AC3E}">
-        <p14:creationId xmlns:p14="http://schemas.microsoft.com/office/powerpoint/2010/main" val="1157046242"/>
-      </p:ext>
-    </p:extLst>
-  </p:cSld>
-  <p:clrMapOvr>
-    <a:masterClrMapping/>
-  </p:clrMapOvr>
-</p:sld>
-</file>
-
-<file path=ppt/slides/slide20.xml><?xml version="1.0" encoding="utf-8"?>
-<p:sld xmlns:a="http://schemas.openxmlformats.org/drawingml/2006/main" xmlns:r="http://schemas.openxmlformats.org/officeDocument/2006/relationships" xmlns:p="http://schemas.openxmlformats.org/presentationml/2006/main">
-  <p:cSld>
-    <p:spTree>
-      <p:nvGrpSpPr>
-        <p:cNvPr id="1" name=""/>
-        <p:cNvGrpSpPr/>
-        <p:nvPr/>
-      </p:nvGrpSpPr>
-      <p:grpSpPr>
-        <a:xfrm>
-          <a:off x="0" y="0"/>
-          <a:ext cx="0" cy="0"/>
-          <a:chOff x="0" y="0"/>
-          <a:chExt cx="0" cy="0"/>
-        </a:xfrm>
-      </p:grpSpPr>
-      <p:sp>
-        <p:nvSpPr>
-          <p:cNvPr id="2" name="Title 1">
-            <a:extLst>
-              <a:ext uri="{FF2B5EF4-FFF2-40B4-BE49-F238E27FC236}">
-                <a16:creationId xmlns:a16="http://schemas.microsoft.com/office/drawing/2014/main" id="{16C5255E-BE42-5348-AC0F-6257873BBB61}"/>
-              </a:ext>
-            </a:extLst>
-          </p:cNvPr>
-          <p:cNvSpPr>
-            <a:spLocks noGrp="1"/>
-          </p:cNvSpPr>
-          <p:nvPr>
-            <p:ph type="title"/>
-          </p:nvPr>
-        </p:nvSpPr>
-        <p:spPr>
-          <a:xfrm>
-            <a:off x="0" y="0"/>
-            <a:ext cx="9144000" cy="857250"/>
-          </a:xfrm>
-        </p:spPr>
-        <p:txBody>
-          <a:bodyPr/>
-          <a:lstStyle/>
-          <a:p>
-            <a:r>
-              <a:rPr lang="en-US" sz="2800" dirty="0">
-                <a:solidFill>
-                  <a:srgbClr val="0070C0"/>
-                </a:solidFill>
-                <a:latin typeface="Calibri Light" panose="020F0302020204030204" pitchFamily="34" charset="0"/>
-                <a:cs typeface="Calibri Light" panose="020F0302020204030204" pitchFamily="34" charset="0"/>
-              </a:rPr>
-              <a:t>IOAM Data Fields with Control Word and Additional G-</a:t>
-            </a:r>
-            <a:r>
-              <a:rPr lang="en-US" sz="2800" dirty="0" err="1">
-                <a:solidFill>
-                  <a:srgbClr val="0070C0"/>
-                </a:solidFill>
-                <a:latin typeface="Calibri Light" panose="020F0302020204030204" pitchFamily="34" charset="0"/>
-                <a:cs typeface="Calibri Light" panose="020F0302020204030204" pitchFamily="34" charset="0"/>
-              </a:rPr>
-              <a:t>ACh</a:t>
-            </a:r>
-            <a:endParaRPr lang="en-US" sz="2800" dirty="0">
-              <a:solidFill>
-                <a:srgbClr val="0070C0"/>
-              </a:solidFill>
-              <a:latin typeface="Calibri Light" panose="020F0302020204030204" pitchFamily="34" charset="0"/>
-              <a:cs typeface="Calibri Light" panose="020F0302020204030204" pitchFamily="34" charset="0"/>
-            </a:endParaRPr>
-          </a:p>
-        </p:txBody>
-      </p:sp>
-      <p:sp>
-        <p:nvSpPr>
-          <p:cNvPr id="3" name="Content Placeholder 2">
-            <a:extLst>
-              <a:ext uri="{FF2B5EF4-FFF2-40B4-BE49-F238E27FC236}">
-                <a16:creationId xmlns:a16="http://schemas.microsoft.com/office/drawing/2014/main" id="{3943595A-2AF7-A141-B580-268FFA30C69C}"/>
-              </a:ext>
-            </a:extLst>
-          </p:cNvPr>
-          <p:cNvSpPr>
-            <a:spLocks noGrp="1"/>
-          </p:cNvSpPr>
-          <p:nvPr>
-            <p:ph idx="1"/>
-          </p:nvPr>
-        </p:nvSpPr>
-        <p:spPr>
-          <a:xfrm>
-            <a:off x="381000" y="928689"/>
-            <a:ext cx="8382000" cy="3581399"/>
-          </a:xfrm>
-        </p:spPr>
-        <p:txBody>
-          <a:bodyPr/>
-          <a:lstStyle/>
-          <a:p>
-            <a:pPr>
-              <a:lnSpc>
-                <a:spcPts val="2120"/>
-              </a:lnSpc>
-              <a:spcBef>
-                <a:spcPts val="600"/>
-              </a:spcBef>
-            </a:pPr>
-            <a:r>
-              <a:rPr lang="en-CA" sz="1600" dirty="0">
-                <a:latin typeface="Calibri" panose="020F0502020204030204" pitchFamily="34" charset="0"/>
-                <a:cs typeface="Calibri" panose="020F0502020204030204" pitchFamily="34" charset="0"/>
-              </a:rPr>
-              <a:t>E2E or </a:t>
-            </a:r>
-            <a:r>
-              <a:rPr lang="en-CA" sz="1600" dirty="0" err="1">
-                <a:latin typeface="Calibri" panose="020F0502020204030204" pitchFamily="34" charset="0"/>
-                <a:cs typeface="Calibri" panose="020F0502020204030204" pitchFamily="34" charset="0"/>
-              </a:rPr>
-              <a:t>HbH</a:t>
-            </a:r>
-            <a:r>
-              <a:rPr lang="en-CA" sz="1600" dirty="0">
-                <a:latin typeface="Calibri" panose="020F0502020204030204" pitchFamily="34" charset="0"/>
-                <a:cs typeface="Calibri" panose="020F0502020204030204" pitchFamily="34" charset="0"/>
-              </a:rPr>
-              <a:t> IOAM Indicator Label is added after the PW Label with EOS Flag set.</a:t>
-            </a:r>
-          </a:p>
-          <a:p>
-            <a:pPr>
-              <a:lnSpc>
-                <a:spcPts val="2120"/>
-              </a:lnSpc>
-              <a:spcBef>
-                <a:spcPts val="600"/>
-              </a:spcBef>
-            </a:pPr>
-            <a:r>
-              <a:rPr lang="en-CA" sz="1600" dirty="0">
-                <a:latin typeface="Calibri" panose="020F0502020204030204" pitchFamily="34" charset="0"/>
-                <a:cs typeface="Calibri" panose="020F0502020204030204" pitchFamily="34" charset="0"/>
-              </a:rPr>
-              <a:t>IOAM Data Fields, including IOAM G-</a:t>
-            </a:r>
-            <a:r>
-              <a:rPr lang="en-CA" sz="1600" dirty="0" err="1">
-                <a:latin typeface="Calibri" panose="020F0502020204030204" pitchFamily="34" charset="0"/>
-                <a:cs typeface="Calibri" panose="020F0502020204030204" pitchFamily="34" charset="0"/>
-              </a:rPr>
-              <a:t>ACh</a:t>
-            </a:r>
-            <a:r>
-              <a:rPr lang="en-CA" sz="1600" dirty="0">
-                <a:latin typeface="Calibri" panose="020F0502020204030204" pitchFamily="34" charset="0"/>
-                <a:cs typeface="Calibri" panose="020F0502020204030204" pitchFamily="34" charset="0"/>
-              </a:rPr>
-              <a:t> header are added in the MPLS </a:t>
-            </a:r>
-            <a:r>
-              <a:rPr lang="en-CA" sz="1600" dirty="0"/>
-              <a:t>encapsulation after the EOS</a:t>
-            </a:r>
-            <a:r>
-              <a:rPr lang="en-CA" sz="1600" dirty="0">
-                <a:latin typeface="Calibri" panose="020F0502020204030204" pitchFamily="34" charset="0"/>
-                <a:cs typeface="Calibri" panose="020F0502020204030204" pitchFamily="34" charset="0"/>
-              </a:rPr>
-              <a:t>.</a:t>
-            </a:r>
-          </a:p>
-          <a:p>
-            <a:pPr>
-              <a:lnSpc>
-                <a:spcPts val="2120"/>
-              </a:lnSpc>
-              <a:spcBef>
-                <a:spcPts val="600"/>
-              </a:spcBef>
-            </a:pPr>
-            <a:r>
-              <a:rPr lang="en-CA" sz="1600" dirty="0">
-                <a:solidFill>
-                  <a:srgbClr val="0070C0"/>
-                </a:solidFill>
-                <a:latin typeface="Calibri" panose="020F0502020204030204" pitchFamily="34" charset="0"/>
-                <a:cs typeface="Calibri" panose="020F0502020204030204" pitchFamily="34" charset="0"/>
-              </a:rPr>
-              <a:t>This allows the intermediate nodes to easily access the </a:t>
-            </a:r>
-            <a:r>
-              <a:rPr lang="en-CA" sz="1600" dirty="0" err="1">
-                <a:solidFill>
-                  <a:srgbClr val="0070C0"/>
-                </a:solidFill>
-                <a:latin typeface="Calibri" panose="020F0502020204030204" pitchFamily="34" charset="0"/>
-                <a:cs typeface="Calibri" panose="020F0502020204030204" pitchFamily="34" charset="0"/>
-              </a:rPr>
-              <a:t>HbH</a:t>
-            </a:r>
-            <a:r>
-              <a:rPr lang="en-CA" sz="1600" dirty="0">
-                <a:solidFill>
-                  <a:srgbClr val="0070C0"/>
-                </a:solidFill>
-                <a:latin typeface="Calibri" panose="020F0502020204030204" pitchFamily="34" charset="0"/>
-                <a:cs typeface="Calibri" panose="020F0502020204030204" pitchFamily="34" charset="0"/>
-              </a:rPr>
-              <a:t> IOAM data field(s) after the MPLS header.</a:t>
-            </a:r>
-          </a:p>
-          <a:p>
-            <a:pPr>
-              <a:lnSpc>
-                <a:spcPts val="2120"/>
-              </a:lnSpc>
-              <a:spcBef>
-                <a:spcPts val="600"/>
-              </a:spcBef>
-            </a:pPr>
-            <a:r>
-              <a:rPr lang="en-CA" sz="1600" dirty="0">
-                <a:latin typeface="Calibri" panose="020F0502020204030204" pitchFamily="34" charset="0"/>
-                <a:cs typeface="Calibri" panose="020F0502020204030204" pitchFamily="34" charset="0"/>
-              </a:rPr>
-              <a:t>Control Word or additional G-</a:t>
-            </a:r>
-            <a:r>
-              <a:rPr lang="en-CA" sz="1600" dirty="0" err="1">
-                <a:latin typeface="Calibri" panose="020F0502020204030204" pitchFamily="34" charset="0"/>
-                <a:cs typeface="Calibri" panose="020F0502020204030204" pitchFamily="34" charset="0"/>
-              </a:rPr>
-              <a:t>ACh</a:t>
-            </a:r>
-            <a:r>
-              <a:rPr lang="en-CA" sz="1600" dirty="0">
-                <a:latin typeface="Calibri" panose="020F0502020204030204" pitchFamily="34" charset="0"/>
-                <a:cs typeface="Calibri" panose="020F0502020204030204" pitchFamily="34" charset="0"/>
-              </a:rPr>
-              <a:t> is added after the IOAM Data Fields in the packet.</a:t>
-            </a:r>
-          </a:p>
-          <a:p>
-            <a:pPr>
-              <a:lnSpc>
-                <a:spcPts val="2120"/>
-              </a:lnSpc>
-              <a:spcBef>
-                <a:spcPts val="600"/>
-              </a:spcBef>
-            </a:pPr>
-            <a:r>
-              <a:rPr lang="en-CA" sz="1600" dirty="0">
-                <a:latin typeface="Calibri" panose="020F0502020204030204" pitchFamily="34" charset="0"/>
-                <a:cs typeface="Calibri" panose="020F0502020204030204" pitchFamily="34" charset="0"/>
-              </a:rPr>
-              <a:t>The decapsulating node removes the MPLS </a:t>
-            </a:r>
-            <a:r>
-              <a:rPr lang="en-CA" sz="1600" dirty="0"/>
-              <a:t>encapsulation</a:t>
-            </a:r>
-            <a:r>
-              <a:rPr lang="en-CA" sz="1600" dirty="0">
-                <a:latin typeface="Calibri" panose="020F0502020204030204" pitchFamily="34" charset="0"/>
-                <a:cs typeface="Calibri" panose="020F0502020204030204" pitchFamily="34" charset="0"/>
-              </a:rPr>
-              <a:t> including the IOAM Data Fields and then processes the Control Word or G-</a:t>
-            </a:r>
-            <a:r>
-              <a:rPr lang="en-CA" sz="1600" dirty="0" err="1">
-                <a:latin typeface="Calibri" panose="020F0502020204030204" pitchFamily="34" charset="0"/>
-                <a:cs typeface="Calibri" panose="020F0502020204030204" pitchFamily="34" charset="0"/>
-              </a:rPr>
-              <a:t>ACh</a:t>
-            </a:r>
-            <a:r>
-              <a:rPr lang="en-CA" sz="1600" dirty="0">
-                <a:latin typeface="Calibri" panose="020F0502020204030204" pitchFamily="34" charset="0"/>
-                <a:cs typeface="Calibri" panose="020F0502020204030204" pitchFamily="34" charset="0"/>
-              </a:rPr>
-              <a:t> following it.</a:t>
-            </a:r>
-          </a:p>
-          <a:p>
-            <a:pPr lvl="1">
-              <a:lnSpc>
-                <a:spcPts val="2120"/>
-              </a:lnSpc>
-              <a:spcBef>
-                <a:spcPts val="600"/>
-              </a:spcBef>
-            </a:pPr>
-            <a:r>
-              <a:rPr lang="en-CA" sz="1600" dirty="0">
-                <a:latin typeface="Calibri" panose="020F0502020204030204" pitchFamily="34" charset="0"/>
-                <a:cs typeface="Calibri" panose="020F0502020204030204" pitchFamily="34" charset="0"/>
-              </a:rPr>
-              <a:t>The presence of this is known due to the PW Label on the </a:t>
-            </a:r>
-            <a:r>
-              <a:rPr lang="en-CA" sz="1600">
-                <a:latin typeface="Calibri" panose="020F0502020204030204" pitchFamily="34" charset="0"/>
-                <a:cs typeface="Calibri" panose="020F0502020204030204" pitchFamily="34" charset="0"/>
-              </a:rPr>
-              <a:t>Label Stack.</a:t>
-            </a:r>
-            <a:endParaRPr lang="en-CA" sz="1600" dirty="0">
-              <a:latin typeface="Calibri" panose="020F0502020204030204" pitchFamily="34" charset="0"/>
-              <a:cs typeface="Calibri" panose="020F0502020204030204" pitchFamily="34" charset="0"/>
-            </a:endParaRPr>
-          </a:p>
-          <a:p>
-            <a:pPr lvl="1">
-              <a:lnSpc>
-                <a:spcPts val="2120"/>
-              </a:lnSpc>
-              <a:spcBef>
-                <a:spcPts val="600"/>
-              </a:spcBef>
-            </a:pPr>
-            <a:r>
-              <a:rPr lang="en-CA" sz="1600" i="1" dirty="0">
-                <a:latin typeface="Calibri" panose="020F0502020204030204" pitchFamily="34" charset="0"/>
-                <a:cs typeface="Calibri" panose="020F0502020204030204" pitchFamily="34" charset="0"/>
-              </a:rPr>
-              <a:t>IOAM HDR Length </a:t>
-            </a:r>
-            <a:r>
-              <a:rPr lang="en-CA" sz="1600" dirty="0">
-                <a:latin typeface="Calibri" panose="020F0502020204030204" pitchFamily="34" charset="0"/>
-                <a:cs typeface="Calibri" panose="020F0502020204030204" pitchFamily="34" charset="0"/>
-              </a:rPr>
-              <a:t>allows to locate the Control Word and G-</a:t>
-            </a:r>
-            <a:r>
-              <a:rPr lang="en-CA" sz="1600" dirty="0" err="1">
-                <a:latin typeface="Calibri" panose="020F0502020204030204" pitchFamily="34" charset="0"/>
-                <a:cs typeface="Calibri" panose="020F0502020204030204" pitchFamily="34" charset="0"/>
-              </a:rPr>
-              <a:t>ACh</a:t>
-            </a:r>
-            <a:r>
-              <a:rPr lang="en-CA" sz="1600" dirty="0">
-                <a:latin typeface="Calibri" panose="020F0502020204030204" pitchFamily="34" charset="0"/>
-                <a:cs typeface="Calibri" panose="020F0502020204030204" pitchFamily="34" charset="0"/>
-              </a:rPr>
-              <a:t> after the IOAM Data Fields.</a:t>
-            </a:r>
-          </a:p>
-        </p:txBody>
-      </p:sp>
-      <p:sp>
-        <p:nvSpPr>
-          <p:cNvPr id="4" name="Footer Placeholder 3">
-            <a:extLst>
-              <a:ext uri="{FF2B5EF4-FFF2-40B4-BE49-F238E27FC236}">
-                <a16:creationId xmlns:a16="http://schemas.microsoft.com/office/drawing/2014/main" id="{CF70CC82-C055-3645-9254-87CEC1C49032}"/>
-              </a:ext>
-            </a:extLst>
-          </p:cNvPr>
-          <p:cNvSpPr>
-            <a:spLocks noGrp="1"/>
-          </p:cNvSpPr>
-          <p:nvPr>
-            <p:ph type="ftr" sz="quarter" idx="11"/>
-          </p:nvPr>
-        </p:nvSpPr>
-        <p:spPr>
-          <a:xfrm>
-            <a:off x="3124200" y="4786312"/>
-            <a:ext cx="2895600" cy="357188"/>
-          </a:xfrm>
-        </p:spPr>
-        <p:txBody>
-          <a:bodyPr/>
-          <a:lstStyle/>
-          <a:p>
-            <a:pPr>
-              <a:defRPr/>
-            </a:pPr>
-            <a:r>
-              <a:rPr lang="en-US" altLang="zh-CN" dirty="0"/>
-              <a:t>110</a:t>
-            </a:r>
-            <a:r>
-              <a:rPr lang="en-US" altLang="zh-CN" baseline="30000" dirty="0"/>
-              <a:t>th</a:t>
-            </a:r>
-            <a:r>
-              <a:rPr lang="en-US" altLang="zh-CN" dirty="0"/>
-              <a:t> IETF Online</a:t>
-            </a:r>
-          </a:p>
-        </p:txBody>
-      </p:sp>
-      <p:sp>
-        <p:nvSpPr>
-          <p:cNvPr id="5" name="Slide Number Placeholder 4">
-            <a:extLst>
-              <a:ext uri="{FF2B5EF4-FFF2-40B4-BE49-F238E27FC236}">
-                <a16:creationId xmlns:a16="http://schemas.microsoft.com/office/drawing/2014/main" id="{62DF7D69-BCF6-2D4A-A3F1-2D32C59355D3}"/>
-              </a:ext>
-            </a:extLst>
-          </p:cNvPr>
-          <p:cNvSpPr>
-            <a:spLocks noGrp="1"/>
-          </p:cNvSpPr>
-          <p:nvPr>
-            <p:ph type="sldNum" sz="quarter" idx="12"/>
-          </p:nvPr>
-        </p:nvSpPr>
-        <p:spPr/>
-        <p:txBody>
-          <a:bodyPr/>
-          <a:lstStyle/>
-          <a:p>
-            <a:pPr>
-              <a:defRPr/>
-            </a:pPr>
-            <a:fld id="{BD6E0F59-1DD8-40FC-9C92-B6295CBA6CCA}" type="slidenum">
-              <a:rPr lang="en-US" altLang="zh-CN" smtClean="0"/>
-              <a:pPr>
-                <a:defRPr/>
-              </a:pPr>
-              <a:t>20</a:t>
-            </a:fld>
-            <a:endParaRPr lang="en-US" altLang="zh-CN" dirty="0"/>
-          </a:p>
-        </p:txBody>
-      </p:sp>
-    </p:spTree>
-    <p:extLst>
-      <p:ext uri="{BB962C8B-B14F-4D97-AF65-F5344CB8AC3E}">
-        <p14:creationId xmlns:p14="http://schemas.microsoft.com/office/powerpoint/2010/main" val="3990542425"/>
       </p:ext>
     </p:extLst>
   </p:cSld>
@@ -10959,7 +10974,7 @@
           <p:cNvPr id="2" name="Title 1">
             <a:extLst>
               <a:ext uri="{FF2B5EF4-FFF2-40B4-BE49-F238E27FC236}">
-                <a16:creationId xmlns:a16="http://schemas.microsoft.com/office/drawing/2014/main" id="{590D0125-5A9E-9D48-9391-85FBD0E608A2}"/>
+                <a16:creationId xmlns:a16="http://schemas.microsoft.com/office/drawing/2014/main" id="{16C5255E-BE42-5348-AC0F-6257873BBB61}"/>
               </a:ext>
             </a:extLst>
           </p:cNvPr>
@@ -10972,8 +10987,8 @@
         </p:nvSpPr>
         <p:spPr>
           <a:xfrm>
-            <a:off x="0" y="42880"/>
-            <a:ext cx="9144000" cy="599270"/>
+            <a:off x="0" y="0"/>
+            <a:ext cx="9144000" cy="857250"/>
           </a:xfrm>
         </p:spPr>
         <p:txBody>
@@ -10981,14 +10996,24 @@
           <a:lstStyle/>
           <a:p>
             <a:r>
-              <a:rPr lang="en-CA" sz="2800" dirty="0">
+              <a:rPr lang="en-US" sz="2800" dirty="0">
                 <a:solidFill>
                   <a:srgbClr val="0070C0"/>
                 </a:solidFill>
                 <a:latin typeface="Calibri Light" panose="020F0302020204030204" pitchFamily="34" charset="0"/>
                 <a:cs typeface="Calibri Light" panose="020F0302020204030204" pitchFamily="34" charset="0"/>
               </a:rPr>
-              <a:t>Generic PW Control Word [RFC4385] with IOAM Data Fields</a:t>
+              <a:t>IOAM Data Fields with Control Word and Additional G-</a:t>
+            </a:r>
+            <a:r>
+              <a:rPr lang="en-US" sz="2800" dirty="0" err="1">
+                <a:solidFill>
+                  <a:srgbClr val="0070C0"/>
+                </a:solidFill>
+                <a:latin typeface="Calibri Light" panose="020F0302020204030204" pitchFamily="34" charset="0"/>
+                <a:cs typeface="Calibri Light" panose="020F0302020204030204" pitchFamily="34" charset="0"/>
+              </a:rPr>
+              <a:t>ACh</a:t>
             </a:r>
             <a:endParaRPr lang="en-US" sz="2800" dirty="0">
               <a:solidFill>
@@ -11002,10 +11027,278 @@
       </p:sp>
       <p:sp>
         <p:nvSpPr>
+          <p:cNvPr id="3" name="Content Placeholder 2">
+            <a:extLst>
+              <a:ext uri="{FF2B5EF4-FFF2-40B4-BE49-F238E27FC236}">
+                <a16:creationId xmlns:a16="http://schemas.microsoft.com/office/drawing/2014/main" id="{3943595A-2AF7-A141-B580-268FFA30C69C}"/>
+              </a:ext>
+            </a:extLst>
+          </p:cNvPr>
+          <p:cNvSpPr>
+            <a:spLocks noGrp="1"/>
+          </p:cNvSpPr>
+          <p:nvPr>
+            <p:ph idx="1"/>
+          </p:nvPr>
+        </p:nvSpPr>
+        <p:spPr>
+          <a:xfrm>
+            <a:off x="381000" y="928689"/>
+            <a:ext cx="8382000" cy="3581399"/>
+          </a:xfrm>
+        </p:spPr>
+        <p:txBody>
+          <a:bodyPr/>
+          <a:lstStyle/>
+          <a:p>
+            <a:pPr>
+              <a:lnSpc>
+                <a:spcPts val="2120"/>
+              </a:lnSpc>
+              <a:spcBef>
+                <a:spcPts val="600"/>
+              </a:spcBef>
+            </a:pPr>
+            <a:r>
+              <a:rPr lang="en-CA" sz="1600" dirty="0">
+                <a:latin typeface="Calibri" panose="020F0502020204030204" pitchFamily="34" charset="0"/>
+                <a:cs typeface="Calibri" panose="020F0502020204030204" pitchFamily="34" charset="0"/>
+              </a:rPr>
+              <a:t>E2E Indicator or </a:t>
+            </a:r>
+            <a:r>
+              <a:rPr lang="en-CA" sz="1600" dirty="0" err="1">
+                <a:latin typeface="Calibri" panose="020F0502020204030204" pitchFamily="34" charset="0"/>
+                <a:cs typeface="Calibri" panose="020F0502020204030204" pitchFamily="34" charset="0"/>
+              </a:rPr>
+              <a:t>HbH</a:t>
+            </a:r>
+            <a:r>
+              <a:rPr lang="en-CA" sz="1600" dirty="0">
+                <a:latin typeface="Calibri" panose="020F0502020204030204" pitchFamily="34" charset="0"/>
+                <a:cs typeface="Calibri" panose="020F0502020204030204" pitchFamily="34" charset="0"/>
+              </a:rPr>
+              <a:t> Indicator/FEC IOM Label with EOS Flag set is added after the PW Label.</a:t>
+            </a:r>
+          </a:p>
+          <a:p>
+            <a:pPr>
+              <a:lnSpc>
+                <a:spcPts val="2120"/>
+              </a:lnSpc>
+              <a:spcBef>
+                <a:spcPts val="600"/>
+              </a:spcBef>
+            </a:pPr>
+            <a:r>
+              <a:rPr lang="en-CA" sz="1600" dirty="0">
+                <a:latin typeface="Calibri" panose="020F0502020204030204" pitchFamily="34" charset="0"/>
+                <a:cs typeface="Calibri" panose="020F0502020204030204" pitchFamily="34" charset="0"/>
+              </a:rPr>
+              <a:t>IOAM Data Fields, including IOAM G-</a:t>
+            </a:r>
+            <a:r>
+              <a:rPr lang="en-CA" sz="1600" dirty="0" err="1">
+                <a:latin typeface="Calibri" panose="020F0502020204030204" pitchFamily="34" charset="0"/>
+                <a:cs typeface="Calibri" panose="020F0502020204030204" pitchFamily="34" charset="0"/>
+              </a:rPr>
+              <a:t>ACh</a:t>
+            </a:r>
+            <a:r>
+              <a:rPr lang="en-CA" sz="1600" dirty="0">
+                <a:latin typeface="Calibri" panose="020F0502020204030204" pitchFamily="34" charset="0"/>
+                <a:cs typeface="Calibri" panose="020F0502020204030204" pitchFamily="34" charset="0"/>
+              </a:rPr>
+              <a:t> header are added in the MPLS </a:t>
+            </a:r>
+            <a:r>
+              <a:rPr lang="en-CA" sz="1600" dirty="0"/>
+              <a:t>encapsulation after the EOS</a:t>
+            </a:r>
+            <a:r>
+              <a:rPr lang="en-CA" sz="1600" dirty="0">
+                <a:latin typeface="Calibri" panose="020F0502020204030204" pitchFamily="34" charset="0"/>
+                <a:cs typeface="Calibri" panose="020F0502020204030204" pitchFamily="34" charset="0"/>
+              </a:rPr>
+              <a:t>.</a:t>
+            </a:r>
+          </a:p>
+          <a:p>
+            <a:pPr>
+              <a:lnSpc>
+                <a:spcPts val="2120"/>
+              </a:lnSpc>
+              <a:spcBef>
+                <a:spcPts val="600"/>
+              </a:spcBef>
+            </a:pPr>
+            <a:r>
+              <a:rPr lang="en-CA" sz="1600" dirty="0">
+                <a:solidFill>
+                  <a:srgbClr val="0070C0"/>
+                </a:solidFill>
+                <a:latin typeface="Calibri" panose="020F0502020204030204" pitchFamily="34" charset="0"/>
+                <a:cs typeface="Calibri" panose="020F0502020204030204" pitchFamily="34" charset="0"/>
+              </a:rPr>
+              <a:t>This allows the intermediate nodes to easily locate and update the </a:t>
+            </a:r>
+            <a:r>
+              <a:rPr lang="en-CA" sz="1600" dirty="0" err="1">
+                <a:solidFill>
+                  <a:srgbClr val="0070C0"/>
+                </a:solidFill>
+                <a:latin typeface="Calibri" panose="020F0502020204030204" pitchFamily="34" charset="0"/>
+                <a:cs typeface="Calibri" panose="020F0502020204030204" pitchFamily="34" charset="0"/>
+              </a:rPr>
+              <a:t>HbH</a:t>
+            </a:r>
+            <a:r>
+              <a:rPr lang="en-CA" sz="1600" dirty="0">
+                <a:solidFill>
+                  <a:srgbClr val="0070C0"/>
+                </a:solidFill>
+                <a:latin typeface="Calibri" panose="020F0502020204030204" pitchFamily="34" charset="0"/>
+                <a:cs typeface="Calibri" panose="020F0502020204030204" pitchFamily="34" charset="0"/>
+              </a:rPr>
+              <a:t> IOAM data field(s) after the EOS.</a:t>
+            </a:r>
+          </a:p>
+          <a:p>
+            <a:pPr>
+              <a:lnSpc>
+                <a:spcPts val="2120"/>
+              </a:lnSpc>
+              <a:spcBef>
+                <a:spcPts val="600"/>
+              </a:spcBef>
+            </a:pPr>
+            <a:r>
+              <a:rPr lang="en-CA" sz="1600" dirty="0">
+                <a:latin typeface="Calibri" panose="020F0502020204030204" pitchFamily="34" charset="0"/>
+                <a:cs typeface="Calibri" panose="020F0502020204030204" pitchFamily="34" charset="0"/>
+              </a:rPr>
+              <a:t>Control Word or additional G-</a:t>
+            </a:r>
+            <a:r>
+              <a:rPr lang="en-CA" sz="1600" dirty="0" err="1">
+                <a:latin typeface="Calibri" panose="020F0502020204030204" pitchFamily="34" charset="0"/>
+                <a:cs typeface="Calibri" panose="020F0502020204030204" pitchFamily="34" charset="0"/>
+              </a:rPr>
+              <a:t>ACh</a:t>
+            </a:r>
+            <a:r>
+              <a:rPr lang="en-CA" sz="1600" dirty="0">
+                <a:latin typeface="Calibri" panose="020F0502020204030204" pitchFamily="34" charset="0"/>
+                <a:cs typeface="Calibri" panose="020F0502020204030204" pitchFamily="34" charset="0"/>
+              </a:rPr>
+              <a:t> is added after the IOAM Data Fields in the packet.</a:t>
+            </a:r>
+          </a:p>
+          <a:p>
+            <a:pPr>
+              <a:lnSpc>
+                <a:spcPts val="2120"/>
+              </a:lnSpc>
+              <a:spcBef>
+                <a:spcPts val="600"/>
+              </a:spcBef>
+            </a:pPr>
+            <a:r>
+              <a:rPr lang="en-CA" sz="1600" dirty="0">
+                <a:latin typeface="Calibri" panose="020F0502020204030204" pitchFamily="34" charset="0"/>
+                <a:cs typeface="Calibri" panose="020F0502020204030204" pitchFamily="34" charset="0"/>
+              </a:rPr>
+              <a:t>The decapsulating node removes the MPLS </a:t>
+            </a:r>
+            <a:r>
+              <a:rPr lang="en-CA" sz="1600" dirty="0"/>
+              <a:t>encapsulation</a:t>
+            </a:r>
+            <a:r>
+              <a:rPr lang="en-CA" sz="1600" dirty="0">
+                <a:latin typeface="Calibri" panose="020F0502020204030204" pitchFamily="34" charset="0"/>
+                <a:cs typeface="Calibri" panose="020F0502020204030204" pitchFamily="34" charset="0"/>
+              </a:rPr>
+              <a:t> including the IOAM Data Fields and then processes the Control Word or G-</a:t>
+            </a:r>
+            <a:r>
+              <a:rPr lang="en-CA" sz="1600" dirty="0" err="1">
+                <a:latin typeface="Calibri" panose="020F0502020204030204" pitchFamily="34" charset="0"/>
+                <a:cs typeface="Calibri" panose="020F0502020204030204" pitchFamily="34" charset="0"/>
+              </a:rPr>
+              <a:t>ACh</a:t>
+            </a:r>
+            <a:r>
+              <a:rPr lang="en-CA" sz="1600" dirty="0">
+                <a:latin typeface="Calibri" panose="020F0502020204030204" pitchFamily="34" charset="0"/>
+                <a:cs typeface="Calibri" panose="020F0502020204030204" pitchFamily="34" charset="0"/>
+              </a:rPr>
+              <a:t> following it.</a:t>
+            </a:r>
+          </a:p>
+          <a:p>
+            <a:pPr lvl="1">
+              <a:lnSpc>
+                <a:spcPts val="2120"/>
+              </a:lnSpc>
+              <a:spcBef>
+                <a:spcPts val="600"/>
+              </a:spcBef>
+            </a:pPr>
+            <a:r>
+              <a:rPr lang="en-CA" sz="1600" dirty="0">
+                <a:latin typeface="Calibri" panose="020F0502020204030204" pitchFamily="34" charset="0"/>
+                <a:cs typeface="Calibri" panose="020F0502020204030204" pitchFamily="34" charset="0"/>
+              </a:rPr>
+              <a:t>The presence of this is known due to the PW Label on the Label Stack.</a:t>
+            </a:r>
+          </a:p>
+          <a:p>
+            <a:pPr lvl="1">
+              <a:lnSpc>
+                <a:spcPts val="2120"/>
+              </a:lnSpc>
+              <a:spcBef>
+                <a:spcPts val="600"/>
+              </a:spcBef>
+            </a:pPr>
+            <a:r>
+              <a:rPr lang="en-CA" sz="1600" i="1" dirty="0">
+                <a:latin typeface="Calibri" panose="020F0502020204030204" pitchFamily="34" charset="0"/>
+                <a:cs typeface="Calibri" panose="020F0502020204030204" pitchFamily="34" charset="0"/>
+              </a:rPr>
+              <a:t>IOAM HDR Length </a:t>
+            </a:r>
+            <a:r>
+              <a:rPr lang="en-CA" sz="1600" dirty="0">
+                <a:latin typeface="Calibri" panose="020F0502020204030204" pitchFamily="34" charset="0"/>
+                <a:cs typeface="Calibri" panose="020F0502020204030204" pitchFamily="34" charset="0"/>
+              </a:rPr>
+              <a:t>allows to locate the Control Word and G-</a:t>
+            </a:r>
+            <a:r>
+              <a:rPr lang="en-CA" sz="1600" dirty="0" err="1">
+                <a:latin typeface="Calibri" panose="020F0502020204030204" pitchFamily="34" charset="0"/>
+                <a:cs typeface="Calibri" panose="020F0502020204030204" pitchFamily="34" charset="0"/>
+              </a:rPr>
+              <a:t>ACh</a:t>
+            </a:r>
+            <a:r>
+              <a:rPr lang="en-CA" sz="1600" dirty="0">
+                <a:latin typeface="Calibri" panose="020F0502020204030204" pitchFamily="34" charset="0"/>
+                <a:cs typeface="Calibri" panose="020F0502020204030204" pitchFamily="34" charset="0"/>
+              </a:rPr>
+              <a:t> after the IOAM Data Fields.</a:t>
+            </a:r>
+          </a:p>
+        </p:txBody>
+      </p:sp>
+      <p:sp>
+        <p:nvSpPr>
           <p:cNvPr id="4" name="Footer Placeholder 3">
             <a:extLst>
               <a:ext uri="{FF2B5EF4-FFF2-40B4-BE49-F238E27FC236}">
-                <a16:creationId xmlns:a16="http://schemas.microsoft.com/office/drawing/2014/main" id="{87713FCD-3B47-804D-B373-DAB61FB5FF59}"/>
+                <a16:creationId xmlns:a16="http://schemas.microsoft.com/office/drawing/2014/main" id="{CF70CC82-C055-3645-9254-87CEC1C49032}"/>
               </a:ext>
             </a:extLst>
           </p:cNvPr>
@@ -11018,7 +11311,7 @@
         </p:nvSpPr>
         <p:spPr>
           <a:xfrm>
-            <a:off x="3124200" y="4781550"/>
+            <a:off x="3124200" y="4786312"/>
             <a:ext cx="2895600" cy="357188"/>
           </a:xfrm>
         </p:spPr>
@@ -11026,16 +11319,19 @@
           <a:bodyPr/>
           <a:lstStyle/>
           <a:p>
-            <a:r>
-              <a:rPr lang="en-CA" dirty="0"/>
+            <a:pPr>
+              <a:defRPr/>
+            </a:pPr>
+            <a:r>
+              <a:rPr lang="en-US" altLang="zh-CN" dirty="0"/>
               <a:t>110</a:t>
             </a:r>
             <a:r>
-              <a:rPr lang="en-CA" baseline="30000" dirty="0"/>
+              <a:rPr lang="en-US" altLang="zh-CN" baseline="30000" dirty="0"/>
               <a:t>th</a:t>
             </a:r>
             <a:r>
-              <a:rPr lang="en-CA" dirty="0"/>
+              <a:rPr lang="en-US" altLang="zh-CN" dirty="0"/>
               <a:t> IETF Online</a:t>
             </a:r>
           </a:p>
@@ -11046,7 +11342,7 @@
           <p:cNvPr id="5" name="Slide Number Placeholder 4">
             <a:extLst>
               <a:ext uri="{FF2B5EF4-FFF2-40B4-BE49-F238E27FC236}">
-                <a16:creationId xmlns:a16="http://schemas.microsoft.com/office/drawing/2014/main" id="{1371408B-9195-EC4D-8131-A3F5CC0592D0}"/>
+                <a16:creationId xmlns:a16="http://schemas.microsoft.com/office/drawing/2014/main" id="{62DF7D69-BCF6-2D4A-A3F1-2D32C59355D3}"/>
               </a:ext>
             </a:extLst>
           </p:cNvPr>
@@ -11071,6 +11367,158 @@
                 <a:defRPr/>
               </a:pPr>
               <a:t>21</a:t>
+            </a:fld>
+            <a:endParaRPr lang="en-US" altLang="zh-CN" dirty="0"/>
+          </a:p>
+        </p:txBody>
+      </p:sp>
+    </p:spTree>
+    <p:extLst>
+      <p:ext uri="{BB962C8B-B14F-4D97-AF65-F5344CB8AC3E}">
+        <p14:creationId xmlns:p14="http://schemas.microsoft.com/office/powerpoint/2010/main" val="3990542425"/>
+      </p:ext>
+    </p:extLst>
+  </p:cSld>
+  <p:clrMapOvr>
+    <a:masterClrMapping/>
+  </p:clrMapOvr>
+</p:sld>
+</file>
+
+<file path=ppt/slides/slide22.xml><?xml version="1.0" encoding="utf-8"?>
+<p:sld xmlns:a="http://schemas.openxmlformats.org/drawingml/2006/main" xmlns:r="http://schemas.openxmlformats.org/officeDocument/2006/relationships" xmlns:p="http://schemas.openxmlformats.org/presentationml/2006/main">
+  <p:cSld>
+    <p:spTree>
+      <p:nvGrpSpPr>
+        <p:cNvPr id="1" name=""/>
+        <p:cNvGrpSpPr/>
+        <p:nvPr/>
+      </p:nvGrpSpPr>
+      <p:grpSpPr>
+        <a:xfrm>
+          <a:off x="0" y="0"/>
+          <a:ext cx="0" cy="0"/>
+          <a:chOff x="0" y="0"/>
+          <a:chExt cx="0" cy="0"/>
+        </a:xfrm>
+      </p:grpSpPr>
+      <p:sp>
+        <p:nvSpPr>
+          <p:cNvPr id="2" name="Title 1">
+            <a:extLst>
+              <a:ext uri="{FF2B5EF4-FFF2-40B4-BE49-F238E27FC236}">
+                <a16:creationId xmlns:a16="http://schemas.microsoft.com/office/drawing/2014/main" id="{590D0125-5A9E-9D48-9391-85FBD0E608A2}"/>
+              </a:ext>
+            </a:extLst>
+          </p:cNvPr>
+          <p:cNvSpPr>
+            <a:spLocks noGrp="1"/>
+          </p:cNvSpPr>
+          <p:nvPr>
+            <p:ph type="title"/>
+          </p:nvPr>
+        </p:nvSpPr>
+        <p:spPr>
+          <a:xfrm>
+            <a:off x="0" y="42880"/>
+            <a:ext cx="9144000" cy="599270"/>
+          </a:xfrm>
+        </p:spPr>
+        <p:txBody>
+          <a:bodyPr/>
+          <a:lstStyle/>
+          <a:p>
+            <a:r>
+              <a:rPr lang="en-CA" sz="2800" dirty="0">
+                <a:solidFill>
+                  <a:srgbClr val="0070C0"/>
+                </a:solidFill>
+                <a:latin typeface="Calibri Light" panose="020F0302020204030204" pitchFamily="34" charset="0"/>
+                <a:cs typeface="Calibri Light" panose="020F0302020204030204" pitchFamily="34" charset="0"/>
+              </a:rPr>
+              <a:t>Generic PW Control Word [RFC4385] with IOAM Data Fields</a:t>
+            </a:r>
+            <a:endParaRPr lang="en-US" sz="2800" dirty="0">
+              <a:solidFill>
+                <a:srgbClr val="0070C0"/>
+              </a:solidFill>
+              <a:latin typeface="Calibri Light" panose="020F0302020204030204" pitchFamily="34" charset="0"/>
+              <a:cs typeface="Calibri Light" panose="020F0302020204030204" pitchFamily="34" charset="0"/>
+            </a:endParaRPr>
+          </a:p>
+        </p:txBody>
+      </p:sp>
+      <p:sp>
+        <p:nvSpPr>
+          <p:cNvPr id="4" name="Footer Placeholder 3">
+            <a:extLst>
+              <a:ext uri="{FF2B5EF4-FFF2-40B4-BE49-F238E27FC236}">
+                <a16:creationId xmlns:a16="http://schemas.microsoft.com/office/drawing/2014/main" id="{87713FCD-3B47-804D-B373-DAB61FB5FF59}"/>
+              </a:ext>
+            </a:extLst>
+          </p:cNvPr>
+          <p:cNvSpPr>
+            <a:spLocks noGrp="1"/>
+          </p:cNvSpPr>
+          <p:nvPr>
+            <p:ph type="ftr" sz="quarter" idx="11"/>
+          </p:nvPr>
+        </p:nvSpPr>
+        <p:spPr>
+          <a:xfrm>
+            <a:off x="3124200" y="4781550"/>
+            <a:ext cx="2895600" cy="357188"/>
+          </a:xfrm>
+        </p:spPr>
+        <p:txBody>
+          <a:bodyPr/>
+          <a:lstStyle/>
+          <a:p>
+            <a:r>
+              <a:rPr lang="en-CA" dirty="0"/>
+              <a:t>110</a:t>
+            </a:r>
+            <a:r>
+              <a:rPr lang="en-CA" baseline="30000" dirty="0"/>
+              <a:t>th</a:t>
+            </a:r>
+            <a:r>
+              <a:rPr lang="en-CA" dirty="0"/>
+              <a:t> IETF Online</a:t>
+            </a:r>
+          </a:p>
+        </p:txBody>
+      </p:sp>
+      <p:sp>
+        <p:nvSpPr>
+          <p:cNvPr id="5" name="Slide Number Placeholder 4">
+            <a:extLst>
+              <a:ext uri="{FF2B5EF4-FFF2-40B4-BE49-F238E27FC236}">
+                <a16:creationId xmlns:a16="http://schemas.microsoft.com/office/drawing/2014/main" id="{1371408B-9195-EC4D-8131-A3F5CC0592D0}"/>
+              </a:ext>
+            </a:extLst>
+          </p:cNvPr>
+          <p:cNvSpPr>
+            <a:spLocks noGrp="1"/>
+          </p:cNvSpPr>
+          <p:nvPr>
+            <p:ph type="sldNum" sz="quarter" idx="12"/>
+          </p:nvPr>
+        </p:nvSpPr>
+        <p:spPr/>
+        <p:txBody>
+          <a:bodyPr/>
+          <a:lstStyle/>
+          <a:p>
+            <a:pPr>
+              <a:defRPr/>
+            </a:pPr>
+            <a:fld id="{BD6E0F59-1DD8-40FC-9C92-B6295CBA6CCA}" type="slidenum">
+              <a:rPr lang="en-US" altLang="zh-CN" smtClean="0"/>
+              <a:pPr>
+                <a:defRPr/>
+              </a:pPr>
+              <a:t>22</a:t>
             </a:fld>
             <a:endParaRPr lang="en-US" altLang="zh-CN" dirty="0"/>
           </a:p>
@@ -11604,7 +12052,7 @@
         <p:spPr>
           <a:xfrm>
             <a:off x="7082803" y="1004536"/>
-            <a:ext cx="1603997" cy="553998"/>
+            <a:ext cx="1756397" cy="646331"/>
           </a:xfrm>
           <a:prstGeom prst="rect">
             <a:avLst/>
@@ -11618,7 +12066,7 @@
           <a:lstStyle/>
           <a:p>
             <a:r>
-              <a:rPr lang="en-US" sz="1000" dirty="0"/>
+              <a:rPr lang="en-US" sz="1200" dirty="0"/>
               <a:t>Contiguous Label Stack with one Label with EOS Flag set to 1</a:t>
             </a:r>
           </a:p>
@@ -11641,7 +12089,7 @@
         <p:spPr>
           <a:xfrm>
             <a:off x="6858000" y="1712325"/>
-            <a:ext cx="1295400" cy="0"/>
+            <a:ext cx="1418479" cy="0"/>
           </a:xfrm>
           <a:prstGeom prst="line">
             <a:avLst/>
@@ -11676,8 +12124,8 @@
         </p:nvSpPr>
         <p:spPr>
           <a:xfrm>
-            <a:off x="7098043" y="2006499"/>
-            <a:ext cx="1436357" cy="553998"/>
+            <a:off x="7113971" y="1835510"/>
+            <a:ext cx="1572829" cy="646331"/>
           </a:xfrm>
           <a:prstGeom prst="rect">
             <a:avLst/>
@@ -11691,7 +12139,7 @@
           <a:lstStyle/>
           <a:p>
             <a:r>
-              <a:rPr lang="en-US" sz="1000" dirty="0"/>
+              <a:rPr lang="en-US" sz="1200" dirty="0"/>
               <a:t>CW/G-ACH in TLV format matching the order of its Labels</a:t>
             </a:r>
           </a:p>
@@ -11710,7 +12158,7 @@
 </p:sld>
 </file>
 
-<file path=ppt/slides/slide22.xml><?xml version="1.0" encoding="utf-8"?>
+<file path=ppt/slides/slide23.xml><?xml version="1.0" encoding="utf-8"?>
 <p:sld xmlns:a="http://schemas.openxmlformats.org/drawingml/2006/main" xmlns:r="http://schemas.openxmlformats.org/officeDocument/2006/relationships" xmlns:p="http://schemas.openxmlformats.org/presentationml/2006/main">
   <p:cSld>
     <p:spTree>
@@ -11883,7 +12331,7 @@
               <a:pPr>
                 <a:defRPr/>
               </a:pPr>
-              <a:t>22</a:t>
+              <a:t>23</a:t>
             </a:fld>
             <a:endParaRPr lang="en-US" altLang="zh-CN"/>
           </a:p>
@@ -12438,7 +12886,7 @@
         <p:spPr>
           <a:xfrm>
             <a:off x="7275201" y="1064113"/>
-            <a:ext cx="1603997" cy="553998"/>
+            <a:ext cx="1716399" cy="646331"/>
           </a:xfrm>
           <a:prstGeom prst="rect">
             <a:avLst/>
@@ -12452,7 +12900,7 @@
           <a:lstStyle/>
           <a:p>
             <a:r>
-              <a:rPr lang="en-US" sz="1000" dirty="0"/>
+              <a:rPr lang="en-US" sz="1200" dirty="0"/>
               <a:t>Contiguous Label Stack with one Label with EOS Flag set to 1</a:t>
             </a:r>
           </a:p>
@@ -12510,8 +12958,8 @@
         </p:nvSpPr>
         <p:spPr>
           <a:xfrm>
-            <a:off x="7283910" y="2030002"/>
-            <a:ext cx="1436357" cy="553998"/>
+            <a:off x="7275201" y="1853109"/>
+            <a:ext cx="1555290" cy="646331"/>
           </a:xfrm>
           <a:prstGeom prst="rect">
             <a:avLst/>
@@ -12525,7 +12973,7 @@
           <a:lstStyle/>
           <a:p>
             <a:r>
-              <a:rPr lang="en-US" sz="1000" dirty="0"/>
+              <a:rPr lang="en-US" sz="1200" dirty="0"/>
               <a:t>CW/G-ACH in TLV format matching the order of its Labels</a:t>
             </a:r>
           </a:p>
@@ -12544,7 +12992,7 @@
 </p:sld>
 </file>
 
-<file path=ppt/slides/slide23.xml><?xml version="1.0" encoding="utf-8"?>
+<file path=ppt/slides/slide24.xml><?xml version="1.0" encoding="utf-8"?>
 <p:sld xmlns:a="http://schemas.openxmlformats.org/drawingml/2006/main" xmlns:r="http://schemas.openxmlformats.org/officeDocument/2006/relationships" xmlns:p="http://schemas.openxmlformats.org/presentationml/2006/main">
   <p:cSld>
     <p:spTree>
@@ -12721,7 +13169,7 @@
               <a:pPr>
                 <a:defRPr/>
               </a:pPr>
-              <a:t>23</a:t>
+              <a:t>24</a:t>
             </a:fld>
             <a:endParaRPr lang="en-US" altLang="zh-CN"/>
           </a:p>
@@ -12740,7 +13188,7 @@
 </p:sld>
 </file>
 
-<file path=ppt/slides/slide24.xml><?xml version="1.0" encoding="utf-8"?>
+<file path=ppt/slides/slide25.xml><?xml version="1.0" encoding="utf-8"?>
 <p:sld xmlns:a="http://schemas.openxmlformats.org/drawingml/2006/main" xmlns:r="http://schemas.openxmlformats.org/officeDocument/2006/relationships" xmlns:p="http://schemas.openxmlformats.org/presentationml/2006/main">
   <p:cSld>
     <p:spTree>
@@ -13004,7 +13452,7 @@
               <a:pPr>
                 <a:defRPr/>
               </a:pPr>
-              <a:t>24</a:t>
+              <a:t>25</a:t>
             </a:fld>
             <a:endParaRPr lang="en-US" altLang="zh-CN"/>
           </a:p>
@@ -13023,7 +13471,7 @@
 </p:sld>
 </file>
 
-<file path=ppt/slides/slide25.xml><?xml version="1.0" encoding="utf-8"?>
+<file path=ppt/slides/slide26.xml><?xml version="1.0" encoding="utf-8"?>
 <p:sld xmlns:a="http://schemas.openxmlformats.org/drawingml/2006/main" xmlns:r="http://schemas.openxmlformats.org/officeDocument/2006/relationships" xmlns:p="http://schemas.openxmlformats.org/presentationml/2006/main">
   <p:cSld>
     <p:spTree>
@@ -13287,7 +13735,7 @@
               <a:pPr>
                 <a:defRPr/>
               </a:pPr>
-              <a:t>25</a:t>
+              <a:t>26</a:t>
             </a:fld>
             <a:endParaRPr lang="en-US" altLang="zh-CN"/>
           </a:p>
@@ -13306,7 +13754,7 @@
 </p:sld>
 </file>
 
-<file path=ppt/slides/slide26.xml><?xml version="1.0" encoding="utf-8"?>
+<file path=ppt/slides/slide27.xml><?xml version="1.0" encoding="utf-8"?>
 <p:sld xmlns:a="http://schemas.openxmlformats.org/drawingml/2006/main" xmlns:r="http://schemas.openxmlformats.org/officeDocument/2006/relationships" xmlns:p="http://schemas.openxmlformats.org/presentationml/2006/main">
   <p:cSld>
     <p:spTree>
@@ -13440,7 +13888,7 @@
               <a:pPr>
                 <a:defRPr/>
               </a:pPr>
-              <a:t>26</a:t>
+              <a:t>27</a:t>
             </a:fld>
             <a:endParaRPr lang="en-US" altLang="zh-CN" dirty="0"/>
           </a:p>
@@ -14087,8 +14535,8 @@
         </p:nvSpPr>
         <p:spPr>
           <a:xfrm>
-            <a:off x="7456796" y="935223"/>
-            <a:ext cx="1603997" cy="553998"/>
+            <a:off x="7315200" y="935223"/>
+            <a:ext cx="1745593" cy="646331"/>
           </a:xfrm>
           <a:prstGeom prst="rect">
             <a:avLst/>
@@ -14102,7 +14550,7 @@
           <a:lstStyle/>
           <a:p>
             <a:r>
-              <a:rPr lang="en-US" sz="1000" dirty="0"/>
+              <a:rPr lang="en-US" sz="1200" dirty="0"/>
               <a:t>Contiguous Label Stack with one Label with EOS Flag set to 1</a:t>
             </a:r>
           </a:p>
@@ -14124,8 +14572,8 @@
         </p:nvCxnSpPr>
         <p:spPr>
           <a:xfrm>
-            <a:off x="7306294" y="1638519"/>
-            <a:ext cx="1295400" cy="0"/>
+            <a:off x="7191940" y="1638519"/>
+            <a:ext cx="1409754" cy="0"/>
           </a:xfrm>
           <a:prstGeom prst="line">
             <a:avLst/>
@@ -14160,8 +14608,8 @@
         </p:nvSpPr>
         <p:spPr>
           <a:xfrm>
-            <a:off x="7458497" y="1765882"/>
-            <a:ext cx="1436357" cy="553998"/>
+            <a:off x="7315200" y="1716983"/>
+            <a:ext cx="1563154" cy="646331"/>
           </a:xfrm>
           <a:prstGeom prst="rect">
             <a:avLst/>
@@ -14175,7 +14623,7 @@
           <a:lstStyle/>
           <a:p>
             <a:r>
-              <a:rPr lang="en-US" sz="1000" dirty="0"/>
+              <a:rPr lang="en-US" sz="1200" dirty="0"/>
               <a:t>CW/G-ACH in TLV format matching the order of its Labels</a:t>
             </a:r>
           </a:p>
@@ -14194,7 +14642,7 @@
 </p:sld>
 </file>
 
-<file path=ppt/slides/slide27.xml><?xml version="1.0" encoding="utf-8"?>
+<file path=ppt/slides/slide28.xml><?xml version="1.0" encoding="utf-8"?>
 <p:sld xmlns:a="http://schemas.openxmlformats.org/drawingml/2006/main" xmlns:r="http://schemas.openxmlformats.org/officeDocument/2006/relationships" xmlns:p="http://schemas.openxmlformats.org/presentationml/2006/main">
   <p:cSld>
     <p:spTree>
@@ -14323,7 +14771,7 @@
               <a:pPr>
                 <a:defRPr/>
               </a:pPr>
-              <a:t>27</a:t>
+              <a:t>28</a:t>
             </a:fld>
             <a:endParaRPr lang="en-US" altLang="zh-CN" dirty="0"/>
           </a:p>
@@ -15011,8 +15459,8 @@
         </p:nvSpPr>
         <p:spPr>
           <a:xfrm>
-            <a:off x="7581900" y="1113558"/>
-            <a:ext cx="1524000" cy="553998"/>
+            <a:off x="7381405" y="1037016"/>
+            <a:ext cx="1714500" cy="646331"/>
           </a:xfrm>
           <a:prstGeom prst="rect">
             <a:avLst/>
@@ -15026,7 +15474,7 @@
           <a:lstStyle/>
           <a:p>
             <a:r>
-              <a:rPr lang="en-US" sz="1000" dirty="0"/>
+              <a:rPr lang="en-US" sz="1200" dirty="0"/>
               <a:t>Contiguous Label Stack with one Label with EOS Flag set to 1</a:t>
             </a:r>
           </a:p>
@@ -15084,8 +15532,8 @@
         </p:nvSpPr>
         <p:spPr>
           <a:xfrm>
-            <a:off x="7581900" y="1975909"/>
-            <a:ext cx="1436357" cy="553998"/>
+            <a:off x="7381405" y="1893306"/>
+            <a:ext cx="1615902" cy="646331"/>
           </a:xfrm>
           <a:prstGeom prst="rect">
             <a:avLst/>
@@ -15099,7 +15547,7 @@
           <a:lstStyle/>
           <a:p>
             <a:r>
-              <a:rPr lang="en-US" sz="1000" dirty="0"/>
+              <a:rPr lang="en-US" sz="1200" dirty="0"/>
               <a:t>CW/G-ACH in TLV format matching the order of its Labels</a:t>
             </a:r>
           </a:p>
@@ -15118,7 +15566,7 @@
 </p:sld>
 </file>
 
-<file path=ppt/slides/slide28.xml><?xml version="1.0" encoding="utf-8"?>
+<file path=ppt/slides/slide29.xml><?xml version="1.0" encoding="utf-8"?>
 <p:sld xmlns:a="http://schemas.openxmlformats.org/drawingml/2006/main" xmlns:r="http://schemas.openxmlformats.org/officeDocument/2006/relationships" xmlns:p="http://schemas.openxmlformats.org/presentationml/2006/main">
   <p:cSld>
     <p:spTree>
@@ -15287,7 +15735,7 @@
               <a:pPr>
                 <a:defRPr/>
               </a:pPr>
-              <a:t>28</a:t>
+              <a:t>29</a:t>
             </a:fld>
             <a:endParaRPr lang="en-US" altLang="zh-CN" dirty="0"/>
           </a:p>
@@ -15904,8 +16352,8 @@
         </p:nvSpPr>
         <p:spPr>
           <a:xfrm>
-            <a:off x="7084702" y="1161950"/>
-            <a:ext cx="1603997" cy="553998"/>
+            <a:off x="7084702" y="1110784"/>
+            <a:ext cx="1754498" cy="646331"/>
           </a:xfrm>
           <a:prstGeom prst="rect">
             <a:avLst/>
@@ -15919,7 +16367,7 @@
           <a:lstStyle/>
           <a:p>
             <a:r>
-              <a:rPr lang="en-US" sz="1000" dirty="0"/>
+              <a:rPr lang="en-US" sz="1200" dirty="0"/>
               <a:t>Contiguous Label Stack with one Label with EOS Flag set to 1</a:t>
             </a:r>
           </a:p>
@@ -15942,7 +16390,7 @@
         <p:spPr>
           <a:xfrm>
             <a:off x="7010399" y="1831739"/>
-            <a:ext cx="1295400" cy="0"/>
+            <a:ext cx="1416946" cy="0"/>
           </a:xfrm>
           <a:prstGeom prst="line">
             <a:avLst/>
@@ -15977,8 +16425,8 @@
         </p:nvSpPr>
         <p:spPr>
           <a:xfrm>
-            <a:off x="7084702" y="2018335"/>
-            <a:ext cx="1436357" cy="553998"/>
+            <a:off x="7096140" y="1933034"/>
+            <a:ext cx="1571129" cy="646331"/>
           </a:xfrm>
           <a:prstGeom prst="rect">
             <a:avLst/>
@@ -15992,7 +16440,7 @@
           <a:lstStyle/>
           <a:p>
             <a:r>
-              <a:rPr lang="en-US" sz="1000" dirty="0"/>
+              <a:rPr lang="en-US" sz="1200" dirty="0"/>
               <a:t>CW/G-ACH in TLV format matching the order of its Labels</a:t>
             </a:r>
           </a:p>
@@ -16011,7 +16459,332 @@
 </p:sld>
 </file>
 
-<file path=ppt/slides/slide29.xml><?xml version="1.0" encoding="utf-8"?>
+<file path=ppt/slides/slide3.xml><?xml version="1.0" encoding="utf-8"?>
+<p:sld xmlns:a="http://schemas.openxmlformats.org/drawingml/2006/main" xmlns:r="http://schemas.openxmlformats.org/officeDocument/2006/relationships" xmlns:p="http://schemas.openxmlformats.org/presentationml/2006/main">
+  <p:cSld>
+    <p:spTree>
+      <p:nvGrpSpPr>
+        <p:cNvPr id="1" name=""/>
+        <p:cNvGrpSpPr/>
+        <p:nvPr/>
+      </p:nvGrpSpPr>
+      <p:grpSpPr>
+        <a:xfrm>
+          <a:off x="0" y="0"/>
+          <a:ext cx="0" cy="0"/>
+          <a:chOff x="0" y="0"/>
+          <a:chExt cx="0" cy="0"/>
+        </a:xfrm>
+      </p:grpSpPr>
+      <p:sp>
+        <p:nvSpPr>
+          <p:cNvPr id="2" name="Title 1"/>
+          <p:cNvSpPr>
+            <a:spLocks noGrp="1"/>
+          </p:cNvSpPr>
+          <p:nvPr>
+            <p:ph type="title"/>
+          </p:nvPr>
+        </p:nvSpPr>
+        <p:spPr>
+          <a:xfrm>
+            <a:off x="457200" y="0"/>
+            <a:ext cx="8229600" cy="857250"/>
+          </a:xfrm>
+        </p:spPr>
+        <p:txBody>
+          <a:bodyPr/>
+          <a:lstStyle/>
+          <a:p>
+            <a:r>
+              <a:rPr lang="en-US" sz="3600" dirty="0">
+                <a:solidFill>
+                  <a:srgbClr val="0070C0"/>
+                </a:solidFill>
+                <a:latin typeface="Calibri Light" panose="020F0302020204030204" pitchFamily="34" charset="0"/>
+                <a:cs typeface="Calibri Light" panose="020F0302020204030204" pitchFamily="34" charset="0"/>
+              </a:rPr>
+              <a:t>Requirements and Scope</a:t>
+            </a:r>
+          </a:p>
+        </p:txBody>
+      </p:sp>
+      <p:sp>
+        <p:nvSpPr>
+          <p:cNvPr id="3" name="Content Placeholder 2"/>
+          <p:cNvSpPr>
+            <a:spLocks noGrp="1"/>
+          </p:cNvSpPr>
+          <p:nvPr>
+            <p:ph idx="1"/>
+          </p:nvPr>
+        </p:nvSpPr>
+        <p:spPr>
+          <a:xfrm>
+            <a:off x="609600" y="983356"/>
+            <a:ext cx="8077200" cy="3543300"/>
+          </a:xfrm>
+        </p:spPr>
+        <p:txBody>
+          <a:bodyPr/>
+          <a:lstStyle/>
+          <a:p>
+            <a:pPr marL="0" indent="0">
+              <a:buNone/>
+            </a:pPr>
+            <a:r>
+              <a:rPr lang="en-US" sz="1800" dirty="0"/>
+              <a:t>Requirements:</a:t>
+            </a:r>
+          </a:p>
+          <a:p>
+            <a:pPr lvl="1">
+              <a:buFont typeface="Wingdings" charset="2"/>
+              <a:buChar char="§"/>
+            </a:pPr>
+            <a:r>
+              <a:rPr lang="en-US" sz="1800" dirty="0"/>
+              <a:t>Transport In-situ OAM (IOAM) data fields with MPLS Encapsulation</a:t>
+            </a:r>
+          </a:p>
+          <a:p>
+            <a:pPr marL="0" lvl="1" indent="0">
+              <a:buNone/>
+            </a:pPr>
+            <a:r>
+              <a:rPr lang="en-US" sz="1800" dirty="0"/>
+              <a:t>Scope:</a:t>
+            </a:r>
+          </a:p>
+          <a:p>
+            <a:pPr lvl="1">
+              <a:buFont typeface="Wingdings" charset="2"/>
+              <a:buChar char="§"/>
+            </a:pPr>
+            <a:r>
+              <a:rPr lang="en-US" sz="1800" dirty="0"/>
+              <a:t>Using IOAM data fields defined in:</a:t>
+            </a:r>
+          </a:p>
+          <a:p>
+            <a:pPr lvl="2">
+              <a:buFont typeface="Wingdings" charset="2"/>
+              <a:buChar char="§"/>
+            </a:pPr>
+            <a:r>
+              <a:rPr lang="en-CA" sz="1800" i="1" dirty="0"/>
+              <a:t>draft-</a:t>
+            </a:r>
+            <a:r>
+              <a:rPr lang="en-CA" sz="1800" i="1" dirty="0" err="1"/>
+              <a:t>ietf</a:t>
+            </a:r>
+            <a:r>
+              <a:rPr lang="en-CA" sz="1800" i="1" dirty="0"/>
+              <a:t>-</a:t>
+            </a:r>
+            <a:r>
+              <a:rPr lang="en-CA" sz="1800" i="1" dirty="0" err="1"/>
+              <a:t>ippm</a:t>
+            </a:r>
+            <a:r>
+              <a:rPr lang="en-CA" sz="1800" i="1" dirty="0"/>
+              <a:t>-</a:t>
+            </a:r>
+            <a:r>
+              <a:rPr lang="en-CA" sz="1800" i="1" dirty="0" err="1"/>
+              <a:t>ioam</a:t>
+            </a:r>
+            <a:r>
+              <a:rPr lang="en-CA" sz="1800" i="1" dirty="0"/>
+              <a:t>-data</a:t>
+            </a:r>
+            <a:endParaRPr lang="en-CA" sz="1800" dirty="0"/>
+          </a:p>
+          <a:p>
+            <a:pPr lvl="2">
+              <a:buFont typeface="Wingdings" charset="2"/>
+              <a:buChar char="§"/>
+            </a:pPr>
+            <a:r>
+              <a:rPr lang="en-CA" sz="1800" i="1" dirty="0"/>
+              <a:t>draft-</a:t>
+            </a:r>
+            <a:r>
+              <a:rPr lang="en-CA" sz="1800" i="1" dirty="0" err="1"/>
+              <a:t>ietf</a:t>
+            </a:r>
+            <a:r>
+              <a:rPr lang="en-CA" sz="1800" i="1" dirty="0"/>
+              <a:t>-</a:t>
+            </a:r>
+            <a:r>
+              <a:rPr lang="en-CA" sz="1800" i="1" dirty="0" err="1"/>
+              <a:t>ippm</a:t>
+            </a:r>
+            <a:r>
+              <a:rPr lang="en-CA" sz="1800" i="1" dirty="0"/>
+              <a:t>-</a:t>
+            </a:r>
+            <a:r>
+              <a:rPr lang="en-CA" sz="1800" i="1" dirty="0" err="1"/>
+              <a:t>ioam</a:t>
+            </a:r>
+            <a:r>
+              <a:rPr lang="en-CA" sz="1800" i="1" dirty="0"/>
+              <a:t>-direct-export</a:t>
+            </a:r>
+            <a:endParaRPr lang="en-CA" sz="1800" dirty="0"/>
+          </a:p>
+          <a:p>
+            <a:pPr lvl="2">
+              <a:buFont typeface="Wingdings" charset="2"/>
+              <a:buChar char="§"/>
+            </a:pPr>
+            <a:r>
+              <a:rPr lang="en-CA" sz="1800" i="1" dirty="0"/>
+              <a:t>draft-</a:t>
+            </a:r>
+            <a:r>
+              <a:rPr lang="en-CA" sz="1800" i="1" dirty="0" err="1"/>
+              <a:t>ietf</a:t>
+            </a:r>
+            <a:r>
+              <a:rPr lang="en-CA" sz="1800" i="1" dirty="0"/>
+              <a:t>-</a:t>
+            </a:r>
+            <a:r>
+              <a:rPr lang="en-CA" sz="1800" i="1" dirty="0" err="1"/>
+              <a:t>ippm</a:t>
+            </a:r>
+            <a:r>
+              <a:rPr lang="en-CA" sz="1800" i="1" dirty="0"/>
+              <a:t>-</a:t>
+            </a:r>
+            <a:r>
+              <a:rPr lang="en-CA" sz="1800" i="1" dirty="0" err="1"/>
+              <a:t>ioam</a:t>
+            </a:r>
+            <a:r>
+              <a:rPr lang="en-CA" sz="1800" i="1" dirty="0"/>
+              <a:t>-flags</a:t>
+            </a:r>
+          </a:p>
+          <a:p>
+            <a:pPr lvl="1">
+              <a:buFont typeface="Wingdings" charset="2"/>
+              <a:buChar char="§"/>
+            </a:pPr>
+            <a:r>
+              <a:rPr lang="en-CA" sz="1800" dirty="0"/>
+              <a:t>Edge-to-edge (E2E) IOAM</a:t>
+            </a:r>
+          </a:p>
+          <a:p>
+            <a:pPr lvl="1">
+              <a:buFont typeface="Wingdings" charset="2"/>
+              <a:buChar char="§"/>
+            </a:pPr>
+            <a:r>
+              <a:rPr lang="en-CA" sz="1800" dirty="0"/>
+              <a:t>Hop-by-hop (</a:t>
+            </a:r>
+            <a:r>
+              <a:rPr lang="en-CA" sz="1800" dirty="0" err="1"/>
+              <a:t>HbH</a:t>
+            </a:r>
+            <a:r>
+              <a:rPr lang="en-CA" sz="1800" dirty="0"/>
+              <a:t>) IOAM (that includes E2E)</a:t>
+            </a:r>
+          </a:p>
+          <a:p>
+            <a:pPr lvl="1">
+              <a:buFont typeface="Wingdings" charset="2"/>
+              <a:buChar char="§"/>
+            </a:pPr>
+            <a:endParaRPr lang="en-US" sz="1800" dirty="0"/>
+          </a:p>
+        </p:txBody>
+      </p:sp>
+      <p:sp>
+        <p:nvSpPr>
+          <p:cNvPr id="4" name="Footer Placeholder 3"/>
+          <p:cNvSpPr>
+            <a:spLocks noGrp="1"/>
+          </p:cNvSpPr>
+          <p:nvPr>
+            <p:ph type="ftr" sz="quarter" idx="11"/>
+          </p:nvPr>
+        </p:nvSpPr>
+        <p:spPr>
+          <a:xfrm>
+            <a:off x="3124200" y="4786312"/>
+            <a:ext cx="2895600" cy="357188"/>
+          </a:xfrm>
+        </p:spPr>
+        <p:txBody>
+          <a:bodyPr/>
+          <a:lstStyle/>
+          <a:p>
+            <a:r>
+              <a:rPr lang="en-CA" dirty="0"/>
+              <a:t>110</a:t>
+            </a:r>
+            <a:r>
+              <a:rPr lang="en-CA" baseline="30000" dirty="0"/>
+              <a:t>th</a:t>
+            </a:r>
+            <a:r>
+              <a:rPr lang="en-CA" dirty="0"/>
+              <a:t> IETF Online</a:t>
+            </a:r>
+          </a:p>
+        </p:txBody>
+      </p:sp>
+      <p:sp>
+        <p:nvSpPr>
+          <p:cNvPr id="5" name="Slide Number Placeholder 4"/>
+          <p:cNvSpPr>
+            <a:spLocks noGrp="1"/>
+          </p:cNvSpPr>
+          <p:nvPr>
+            <p:ph type="sldNum" sz="quarter" idx="12"/>
+          </p:nvPr>
+        </p:nvSpPr>
+        <p:spPr/>
+        <p:txBody>
+          <a:bodyPr/>
+          <a:lstStyle/>
+          <a:p>
+            <a:pPr>
+              <a:defRPr/>
+            </a:pPr>
+            <a:fld id="{BD6E0F59-1DD8-40FC-9C92-B6295CBA6CCA}" type="slidenum">
+              <a:rPr lang="en-US" altLang="zh-CN" smtClean="0"/>
+              <a:pPr>
+                <a:defRPr/>
+              </a:pPr>
+              <a:t>3</a:t>
+            </a:fld>
+            <a:endParaRPr lang="en-US" altLang="zh-CN"/>
+          </a:p>
+        </p:txBody>
+      </p:sp>
+    </p:spTree>
+    <p:extLst>
+      <p:ext uri="{BB962C8B-B14F-4D97-AF65-F5344CB8AC3E}">
+        <p14:creationId xmlns:p14="http://schemas.microsoft.com/office/powerpoint/2010/main" val="2099784755"/>
+      </p:ext>
+    </p:extLst>
+  </p:cSld>
+  <p:clrMapOvr>
+    <a:masterClrMapping/>
+  </p:clrMapOvr>
+</p:sld>
+</file>
+
+<file path=ppt/slides/slide30.xml><?xml version="1.0" encoding="utf-8"?>
 <p:sld xmlns:a="http://schemas.openxmlformats.org/drawingml/2006/main" xmlns:r="http://schemas.openxmlformats.org/officeDocument/2006/relationships" xmlns:p="http://schemas.openxmlformats.org/presentationml/2006/main">
   <p:cSld>
     <p:spTree>
@@ -16275,7 +17048,7 @@
               <a:pPr>
                 <a:defRPr/>
               </a:pPr>
-              <a:t>29</a:t>
+              <a:t>30</a:t>
             </a:fld>
             <a:endParaRPr lang="en-US" altLang="zh-CN"/>
           </a:p>
@@ -16285,331 +17058,6 @@
     <p:extLst>
       <p:ext uri="{BB962C8B-B14F-4D97-AF65-F5344CB8AC3E}">
         <p14:creationId xmlns:p14="http://schemas.microsoft.com/office/powerpoint/2010/main" val="4263515903"/>
-      </p:ext>
-    </p:extLst>
-  </p:cSld>
-  <p:clrMapOvr>
-    <a:masterClrMapping/>
-  </p:clrMapOvr>
-</p:sld>
-</file>
-
-<file path=ppt/slides/slide3.xml><?xml version="1.0" encoding="utf-8"?>
-<p:sld xmlns:a="http://schemas.openxmlformats.org/drawingml/2006/main" xmlns:r="http://schemas.openxmlformats.org/officeDocument/2006/relationships" xmlns:p="http://schemas.openxmlformats.org/presentationml/2006/main">
-  <p:cSld>
-    <p:spTree>
-      <p:nvGrpSpPr>
-        <p:cNvPr id="1" name=""/>
-        <p:cNvGrpSpPr/>
-        <p:nvPr/>
-      </p:nvGrpSpPr>
-      <p:grpSpPr>
-        <a:xfrm>
-          <a:off x="0" y="0"/>
-          <a:ext cx="0" cy="0"/>
-          <a:chOff x="0" y="0"/>
-          <a:chExt cx="0" cy="0"/>
-        </a:xfrm>
-      </p:grpSpPr>
-      <p:sp>
-        <p:nvSpPr>
-          <p:cNvPr id="2" name="Title 1"/>
-          <p:cNvSpPr>
-            <a:spLocks noGrp="1"/>
-          </p:cNvSpPr>
-          <p:nvPr>
-            <p:ph type="title"/>
-          </p:nvPr>
-        </p:nvSpPr>
-        <p:spPr>
-          <a:xfrm>
-            <a:off x="457200" y="0"/>
-            <a:ext cx="8229600" cy="857250"/>
-          </a:xfrm>
-        </p:spPr>
-        <p:txBody>
-          <a:bodyPr/>
-          <a:lstStyle/>
-          <a:p>
-            <a:r>
-              <a:rPr lang="en-US" sz="3600" dirty="0">
-                <a:solidFill>
-                  <a:srgbClr val="0070C0"/>
-                </a:solidFill>
-                <a:latin typeface="Calibri Light" panose="020F0302020204030204" pitchFamily="34" charset="0"/>
-                <a:cs typeface="Calibri Light" panose="020F0302020204030204" pitchFamily="34" charset="0"/>
-              </a:rPr>
-              <a:t>Requirements and Scope</a:t>
-            </a:r>
-          </a:p>
-        </p:txBody>
-      </p:sp>
-      <p:sp>
-        <p:nvSpPr>
-          <p:cNvPr id="3" name="Content Placeholder 2"/>
-          <p:cNvSpPr>
-            <a:spLocks noGrp="1"/>
-          </p:cNvSpPr>
-          <p:nvPr>
-            <p:ph idx="1"/>
-          </p:nvPr>
-        </p:nvSpPr>
-        <p:spPr>
-          <a:xfrm>
-            <a:off x="609600" y="983356"/>
-            <a:ext cx="8077200" cy="3543300"/>
-          </a:xfrm>
-        </p:spPr>
-        <p:txBody>
-          <a:bodyPr/>
-          <a:lstStyle/>
-          <a:p>
-            <a:pPr marL="0" indent="0">
-              <a:buNone/>
-            </a:pPr>
-            <a:r>
-              <a:rPr lang="en-US" sz="1800" dirty="0"/>
-              <a:t>Requirements:</a:t>
-            </a:r>
-          </a:p>
-          <a:p>
-            <a:pPr lvl="1">
-              <a:buFont typeface="Wingdings" charset="2"/>
-              <a:buChar char="§"/>
-            </a:pPr>
-            <a:r>
-              <a:rPr lang="en-US" sz="1800" dirty="0"/>
-              <a:t>Transport In-situ OAM (IOAM) data fields with MPLS Encapsulation</a:t>
-            </a:r>
-          </a:p>
-          <a:p>
-            <a:pPr marL="0" lvl="1" indent="0">
-              <a:buNone/>
-            </a:pPr>
-            <a:r>
-              <a:rPr lang="en-US" sz="1800" dirty="0"/>
-              <a:t>Scope:</a:t>
-            </a:r>
-          </a:p>
-          <a:p>
-            <a:pPr lvl="1">
-              <a:buFont typeface="Wingdings" charset="2"/>
-              <a:buChar char="§"/>
-            </a:pPr>
-            <a:r>
-              <a:rPr lang="en-US" sz="1800" dirty="0"/>
-              <a:t>Using IOAM data fields defined in:</a:t>
-            </a:r>
-          </a:p>
-          <a:p>
-            <a:pPr lvl="2">
-              <a:buFont typeface="Wingdings" charset="2"/>
-              <a:buChar char="§"/>
-            </a:pPr>
-            <a:r>
-              <a:rPr lang="en-CA" sz="1800" i="1" dirty="0"/>
-              <a:t>draft-</a:t>
-            </a:r>
-            <a:r>
-              <a:rPr lang="en-CA" sz="1800" i="1" dirty="0" err="1"/>
-              <a:t>ietf</a:t>
-            </a:r>
-            <a:r>
-              <a:rPr lang="en-CA" sz="1800" i="1" dirty="0"/>
-              <a:t>-</a:t>
-            </a:r>
-            <a:r>
-              <a:rPr lang="en-CA" sz="1800" i="1" dirty="0" err="1"/>
-              <a:t>ippm</a:t>
-            </a:r>
-            <a:r>
-              <a:rPr lang="en-CA" sz="1800" i="1" dirty="0"/>
-              <a:t>-</a:t>
-            </a:r>
-            <a:r>
-              <a:rPr lang="en-CA" sz="1800" i="1" dirty="0" err="1"/>
-              <a:t>ioam</a:t>
-            </a:r>
-            <a:r>
-              <a:rPr lang="en-CA" sz="1800" i="1" dirty="0"/>
-              <a:t>-data</a:t>
-            </a:r>
-            <a:endParaRPr lang="en-CA" sz="1800" dirty="0"/>
-          </a:p>
-          <a:p>
-            <a:pPr lvl="2">
-              <a:buFont typeface="Wingdings" charset="2"/>
-              <a:buChar char="§"/>
-            </a:pPr>
-            <a:r>
-              <a:rPr lang="en-CA" sz="1800" i="1" dirty="0"/>
-              <a:t>draft-</a:t>
-            </a:r>
-            <a:r>
-              <a:rPr lang="en-CA" sz="1800" i="1" dirty="0" err="1"/>
-              <a:t>ietf</a:t>
-            </a:r>
-            <a:r>
-              <a:rPr lang="en-CA" sz="1800" i="1" dirty="0"/>
-              <a:t>-</a:t>
-            </a:r>
-            <a:r>
-              <a:rPr lang="en-CA" sz="1800" i="1" dirty="0" err="1"/>
-              <a:t>ippm</a:t>
-            </a:r>
-            <a:r>
-              <a:rPr lang="en-CA" sz="1800" i="1" dirty="0"/>
-              <a:t>-</a:t>
-            </a:r>
-            <a:r>
-              <a:rPr lang="en-CA" sz="1800" i="1" dirty="0" err="1"/>
-              <a:t>ioam</a:t>
-            </a:r>
-            <a:r>
-              <a:rPr lang="en-CA" sz="1800" i="1" dirty="0"/>
-              <a:t>-direct-export</a:t>
-            </a:r>
-            <a:endParaRPr lang="en-CA" sz="1800" dirty="0"/>
-          </a:p>
-          <a:p>
-            <a:pPr lvl="2">
-              <a:buFont typeface="Wingdings" charset="2"/>
-              <a:buChar char="§"/>
-            </a:pPr>
-            <a:r>
-              <a:rPr lang="en-CA" sz="1800" i="1" dirty="0"/>
-              <a:t>draft-</a:t>
-            </a:r>
-            <a:r>
-              <a:rPr lang="en-CA" sz="1800" i="1" dirty="0" err="1"/>
-              <a:t>ietf</a:t>
-            </a:r>
-            <a:r>
-              <a:rPr lang="en-CA" sz="1800" i="1" dirty="0"/>
-              <a:t>-</a:t>
-            </a:r>
-            <a:r>
-              <a:rPr lang="en-CA" sz="1800" i="1" dirty="0" err="1"/>
-              <a:t>ippm</a:t>
-            </a:r>
-            <a:r>
-              <a:rPr lang="en-CA" sz="1800" i="1" dirty="0"/>
-              <a:t>-</a:t>
-            </a:r>
-            <a:r>
-              <a:rPr lang="en-CA" sz="1800" i="1" dirty="0" err="1"/>
-              <a:t>ioam</a:t>
-            </a:r>
-            <a:r>
-              <a:rPr lang="en-CA" sz="1800" i="1" dirty="0"/>
-              <a:t>-flags</a:t>
-            </a:r>
-          </a:p>
-          <a:p>
-            <a:pPr lvl="1">
-              <a:buFont typeface="Wingdings" charset="2"/>
-              <a:buChar char="§"/>
-            </a:pPr>
-            <a:r>
-              <a:rPr lang="en-CA" sz="1800" dirty="0"/>
-              <a:t>Edge-to-edge (E2E) IOAM</a:t>
-            </a:r>
-          </a:p>
-          <a:p>
-            <a:pPr lvl="1">
-              <a:buFont typeface="Wingdings" charset="2"/>
-              <a:buChar char="§"/>
-            </a:pPr>
-            <a:r>
-              <a:rPr lang="en-CA" sz="1800" dirty="0"/>
-              <a:t>Hop-by-hop (</a:t>
-            </a:r>
-            <a:r>
-              <a:rPr lang="en-CA" sz="1800" dirty="0" err="1"/>
-              <a:t>HbH</a:t>
-            </a:r>
-            <a:r>
-              <a:rPr lang="en-CA" sz="1800" dirty="0"/>
-              <a:t>) IOAM (that includes E2E)</a:t>
-            </a:r>
-          </a:p>
-          <a:p>
-            <a:pPr lvl="1">
-              <a:buFont typeface="Wingdings" charset="2"/>
-              <a:buChar char="§"/>
-            </a:pPr>
-            <a:endParaRPr lang="en-US" sz="1800" dirty="0"/>
-          </a:p>
-        </p:txBody>
-      </p:sp>
-      <p:sp>
-        <p:nvSpPr>
-          <p:cNvPr id="4" name="Footer Placeholder 3"/>
-          <p:cNvSpPr>
-            <a:spLocks noGrp="1"/>
-          </p:cNvSpPr>
-          <p:nvPr>
-            <p:ph type="ftr" sz="quarter" idx="11"/>
-          </p:nvPr>
-        </p:nvSpPr>
-        <p:spPr>
-          <a:xfrm>
-            <a:off x="3124200" y="4786312"/>
-            <a:ext cx="2895600" cy="357188"/>
-          </a:xfrm>
-        </p:spPr>
-        <p:txBody>
-          <a:bodyPr/>
-          <a:lstStyle/>
-          <a:p>
-            <a:r>
-              <a:rPr lang="en-CA" dirty="0"/>
-              <a:t>110</a:t>
-            </a:r>
-            <a:r>
-              <a:rPr lang="en-CA" baseline="30000" dirty="0"/>
-              <a:t>th</a:t>
-            </a:r>
-            <a:r>
-              <a:rPr lang="en-CA" dirty="0"/>
-              <a:t> IETF Online</a:t>
-            </a:r>
-          </a:p>
-        </p:txBody>
-      </p:sp>
-      <p:sp>
-        <p:nvSpPr>
-          <p:cNvPr id="5" name="Slide Number Placeholder 4"/>
-          <p:cNvSpPr>
-            <a:spLocks noGrp="1"/>
-          </p:cNvSpPr>
-          <p:nvPr>
-            <p:ph type="sldNum" sz="quarter" idx="12"/>
-          </p:nvPr>
-        </p:nvSpPr>
-        <p:spPr/>
-        <p:txBody>
-          <a:bodyPr/>
-          <a:lstStyle/>
-          <a:p>
-            <a:pPr>
-              <a:defRPr/>
-            </a:pPr>
-            <a:fld id="{BD6E0F59-1DD8-40FC-9C92-B6295CBA6CCA}" type="slidenum">
-              <a:rPr lang="en-US" altLang="zh-CN" smtClean="0"/>
-              <a:pPr>
-                <a:defRPr/>
-              </a:pPr>
-              <a:t>3</a:t>
-            </a:fld>
-            <a:endParaRPr lang="en-US" altLang="zh-CN"/>
-          </a:p>
-        </p:txBody>
-      </p:sp>
-    </p:spTree>
-    <p:extLst>
-      <p:ext uri="{BB962C8B-B14F-4D97-AF65-F5344CB8AC3E}">
-        <p14:creationId xmlns:p14="http://schemas.microsoft.com/office/powerpoint/2010/main" val="2099784755"/>
       </p:ext>
     </p:extLst>
   </p:cSld>

--- a/draft-gandhi-mpls-ioam-sr-06.pptx
+++ b/draft-gandhi-mpls-ioam-sr-06.pptx
@@ -273,7 +273,7 @@
           <a:p>
             <a:fld id="{E8FA3DB5-7722-3F4F-947D-12B203669AD7}" type="datetimeFigureOut">
               <a:rPr lang="en-US" smtClean="0"/>
-              <a:t>2/25/21</a:t>
+              <a:t>2/28/21</a:t>
             </a:fld>
             <a:endParaRPr lang="en-US"/>
           </a:p>

--- a/draft-gandhi-mpls-ioam-sr-06.pptx
+++ b/draft-gandhi-mpls-ioam-sr-06.pptx
@@ -273,7 +273,7 @@
           <a:p>
             <a:fld id="{E8FA3DB5-7722-3F4F-947D-12B203669AD7}" type="datetimeFigureOut">
               <a:rPr lang="en-US" smtClean="0"/>
-              <a:t>2/28/21</a:t>
+              <a:t>3/2/21</a:t>
             </a:fld>
             <a:endParaRPr lang="en-US"/>
           </a:p>
@@ -18525,7 +18525,7 @@
             </a:pPr>
             <a:r>
               <a:rPr lang="en-CA" sz="1600" dirty="0"/>
-              <a:t>“IOAM Indicator Label” is used to indicate the presence of the IOAM data fields after EOS in the MPLS Encapsulation. </a:t>
+              <a:t>“IOAM Indicator Label” is used to indicate the presence of IOAM data fields after EOS in the MPLS Encapsulation. </a:t>
             </a:r>
           </a:p>
           <a:p>
@@ -18539,7 +18539,7 @@
             </a:pPr>
             <a:r>
               <a:rPr lang="en-CA" sz="1600" dirty="0"/>
-              <a:t>Separate Indicator Labels are defined for E2E IOAM (for edge nodes) and </a:t>
+              <a:t>Separate Indicator Labels defined for E2E IOAM (for edge nodes) and </a:t>
             </a:r>
             <a:r>
               <a:rPr lang="en-CA" sz="1600" dirty="0" err="1"/>
@@ -18569,7 +18569,7 @@
             </a:pPr>
             <a:r>
               <a:rPr lang="en-CA" sz="1600" dirty="0"/>
-              <a:t>The E2E IOAM Label allows to bypass IOAM processing on intermediate nodes in case of E2E IOAM.</a:t>
+              <a:t>E2E IOAM Label allows to bypass IOAM processing on intermediate nodes.</a:t>
             </a:r>
           </a:p>
           <a:p>
